--- a/Vortrag.pptx
+++ b/Vortrag.pptx
@@ -5,20 +5,22 @@
     <p:sldMasterId id="2147483648" r:id="rId1"/>
   </p:sldMasterIdLst>
   <p:notesMasterIdLst>
-    <p:notesMasterId r:id="rId13"/>
+    <p:notesMasterId r:id="rId15"/>
   </p:notesMasterIdLst>
   <p:sldIdLst>
     <p:sldId id="256" r:id="rId2"/>
-    <p:sldId id="266" r:id="rId3"/>
-    <p:sldId id="257" r:id="rId4"/>
+    <p:sldId id="257" r:id="rId3"/>
+    <p:sldId id="267" r:id="rId4"/>
     <p:sldId id="259" r:id="rId5"/>
     <p:sldId id="260" r:id="rId6"/>
     <p:sldId id="261" r:id="rId7"/>
     <p:sldId id="262" r:id="rId8"/>
     <p:sldId id="263" r:id="rId9"/>
-    <p:sldId id="264" r:id="rId10"/>
-    <p:sldId id="265" r:id="rId11"/>
+    <p:sldId id="268" r:id="rId10"/>
+    <p:sldId id="266" r:id="rId11"/>
     <p:sldId id="258" r:id="rId12"/>
+    <p:sldId id="264" r:id="rId13"/>
+    <p:sldId id="265" r:id="rId14"/>
   </p:sldIdLst>
   <p:sldSz cx="12192000" cy="6858000"/>
   <p:notesSz cx="6858000" cy="9144000"/>
@@ -211,7 +213,7 @@
           <a:p>
             <a:fld id="{EE61B14C-411D-4E53-BF32-B962F5A14F2D}" type="datetimeFigureOut">
               <a:rPr lang="de-DE" smtClean="0"/>
-              <a:t>26.04.2018</a:t>
+              <a:t>02.05.2018</a:t>
             </a:fld>
             <a:endParaRPr lang="de-DE"/>
           </a:p>
@@ -522,18 +524,7 @@
           <a:bodyPr/>
           <a:lstStyle/>
           <a:p>
-            <a:r>
-              <a:rPr lang="de-DE" dirty="0"/>
-              <a:t>Generelle Erklärung was ist </a:t>
-            </a:r>
-            <a:r>
-              <a:rPr lang="de-DE" dirty="0" err="1"/>
-              <a:t>Brute</a:t>
-            </a:r>
-            <a:r>
-              <a:rPr lang="de-DE" dirty="0"/>
-              <a:t> Force angriff und wo wird das eingesetzt</a:t>
-            </a:r>
+            <a:endParaRPr lang="de-DE" dirty="0"/>
           </a:p>
         </p:txBody>
       </p:sp>
@@ -888,7 +879,7 @@
           <a:p>
             <a:fld id="{56DC4D02-6C89-4F53-8C73-2E69B56DDD08}" type="datetimeFigureOut">
               <a:rPr lang="de-DE" smtClean="0"/>
-              <a:t>26.04.2018</a:t>
+              <a:t>02.05.2018</a:t>
             </a:fld>
             <a:endParaRPr lang="de-DE"/>
           </a:p>
@@ -1086,7 +1077,7 @@
           <a:p>
             <a:fld id="{56DC4D02-6C89-4F53-8C73-2E69B56DDD08}" type="datetimeFigureOut">
               <a:rPr lang="de-DE" smtClean="0"/>
-              <a:t>26.04.2018</a:t>
+              <a:t>02.05.2018</a:t>
             </a:fld>
             <a:endParaRPr lang="de-DE"/>
           </a:p>
@@ -1294,7 +1285,7 @@
           <a:p>
             <a:fld id="{56DC4D02-6C89-4F53-8C73-2E69B56DDD08}" type="datetimeFigureOut">
               <a:rPr lang="de-DE" smtClean="0"/>
-              <a:t>26.04.2018</a:t>
+              <a:t>02.05.2018</a:t>
             </a:fld>
             <a:endParaRPr lang="de-DE"/>
           </a:p>
@@ -1492,7 +1483,7 @@
           <a:p>
             <a:fld id="{56DC4D02-6C89-4F53-8C73-2E69B56DDD08}" type="datetimeFigureOut">
               <a:rPr lang="de-DE" smtClean="0"/>
-              <a:t>26.04.2018</a:t>
+              <a:t>02.05.2018</a:t>
             </a:fld>
             <a:endParaRPr lang="de-DE"/>
           </a:p>
@@ -1767,7 +1758,7 @@
           <a:p>
             <a:fld id="{56DC4D02-6C89-4F53-8C73-2E69B56DDD08}" type="datetimeFigureOut">
               <a:rPr lang="de-DE" smtClean="0"/>
-              <a:t>26.04.2018</a:t>
+              <a:t>02.05.2018</a:t>
             </a:fld>
             <a:endParaRPr lang="de-DE"/>
           </a:p>
@@ -2032,7 +2023,7 @@
           <a:p>
             <a:fld id="{56DC4D02-6C89-4F53-8C73-2E69B56DDD08}" type="datetimeFigureOut">
               <a:rPr lang="de-DE" smtClean="0"/>
-              <a:t>26.04.2018</a:t>
+              <a:t>02.05.2018</a:t>
             </a:fld>
             <a:endParaRPr lang="de-DE"/>
           </a:p>
@@ -2444,7 +2435,7 @@
           <a:p>
             <a:fld id="{56DC4D02-6C89-4F53-8C73-2E69B56DDD08}" type="datetimeFigureOut">
               <a:rPr lang="de-DE" smtClean="0"/>
-              <a:t>26.04.2018</a:t>
+              <a:t>02.05.2018</a:t>
             </a:fld>
             <a:endParaRPr lang="de-DE"/>
           </a:p>
@@ -2585,7 +2576,7 @@
           <a:p>
             <a:fld id="{56DC4D02-6C89-4F53-8C73-2E69B56DDD08}" type="datetimeFigureOut">
               <a:rPr lang="de-DE" smtClean="0"/>
-              <a:t>26.04.2018</a:t>
+              <a:t>02.05.2018</a:t>
             </a:fld>
             <a:endParaRPr lang="de-DE"/>
           </a:p>
@@ -2698,7 +2689,7 @@
           <a:p>
             <a:fld id="{56DC4D02-6C89-4F53-8C73-2E69B56DDD08}" type="datetimeFigureOut">
               <a:rPr lang="de-DE" smtClean="0"/>
-              <a:t>26.04.2018</a:t>
+              <a:t>02.05.2018</a:t>
             </a:fld>
             <a:endParaRPr lang="de-DE"/>
           </a:p>
@@ -3009,7 +3000,7 @@
           <a:p>
             <a:fld id="{56DC4D02-6C89-4F53-8C73-2E69B56DDD08}" type="datetimeFigureOut">
               <a:rPr lang="de-DE" smtClean="0"/>
-              <a:t>26.04.2018</a:t>
+              <a:t>02.05.2018</a:t>
             </a:fld>
             <a:endParaRPr lang="de-DE"/>
           </a:p>
@@ -3297,7 +3288,7 @@
           <a:p>
             <a:fld id="{56DC4D02-6C89-4F53-8C73-2E69B56DDD08}" type="datetimeFigureOut">
               <a:rPr lang="de-DE" smtClean="0"/>
-              <a:t>26.04.2018</a:t>
+              <a:t>02.05.2018</a:t>
             </a:fld>
             <a:endParaRPr lang="de-DE"/>
           </a:p>
@@ -3538,7 +3529,7 @@
           <a:p>
             <a:fld id="{56DC4D02-6C89-4F53-8C73-2E69B56DDD08}" type="datetimeFigureOut">
               <a:rPr lang="de-DE" smtClean="0"/>
-              <a:t>26.04.2018</a:t>
+              <a:t>02.05.2018</a:t>
             </a:fld>
             <a:endParaRPr lang="de-DE"/>
           </a:p>
@@ -4040,7 +4031,7 @@
           <p:cNvPr id="2" name="Titel 1">
             <a:extLst>
               <a:ext uri="{FF2B5EF4-FFF2-40B4-BE49-F238E27FC236}">
-                <a16:creationId xmlns:a16="http://schemas.microsoft.com/office/drawing/2014/main" id="{3680E0C4-F54A-49B2-AD35-B2F564C56F3E}"/>
+                <a16:creationId xmlns:a16="http://schemas.microsoft.com/office/drawing/2014/main" id="{94DF5DA7-5F3A-4156-8DCA-DA3EE8DFAC2E}"/>
               </a:ext>
             </a:extLst>
           </p:cNvPr>
@@ -4058,7 +4049,7 @@
           <a:p>
             <a:r>
               <a:rPr lang="de-DE" dirty="0"/>
-              <a:t>Distributed John</a:t>
+              <a:t>Gegenmaßnahmen</a:t>
             </a:r>
           </a:p>
         </p:txBody>
@@ -4068,7 +4059,7 @@
           <p:cNvPr id="3" name="Inhaltsplatzhalter 2">
             <a:extLst>
               <a:ext uri="{FF2B5EF4-FFF2-40B4-BE49-F238E27FC236}">
-                <a16:creationId xmlns:a16="http://schemas.microsoft.com/office/drawing/2014/main" id="{4A2CE059-E5DF-4B4D-A139-7E2BC45389FC}"/>
+                <a16:creationId xmlns:a16="http://schemas.microsoft.com/office/drawing/2014/main" id="{0F0DC6C1-6B15-4904-A32B-0F9A08959B25}"/>
               </a:ext>
             </a:extLst>
           </p:cNvPr>
@@ -4084,6 +4075,43 @@
           <a:bodyPr/>
           <a:lstStyle/>
           <a:p>
+            <a:r>
+              <a:rPr lang="de-DE" dirty="0"/>
+              <a:t>Passwort verlängern</a:t>
+            </a:r>
+          </a:p>
+          <a:p>
+            <a:r>
+              <a:rPr lang="de-DE" dirty="0"/>
+              <a:t>Sonderzeichen.....</a:t>
+            </a:r>
+          </a:p>
+          <a:p>
+            <a:r>
+              <a:rPr lang="de-DE" dirty="0"/>
+              <a:t>Gegen </a:t>
+            </a:r>
+            <a:r>
+              <a:rPr lang="de-DE" dirty="0" err="1"/>
+              <a:t>Tables</a:t>
+            </a:r>
+            <a:r>
+              <a:rPr lang="de-DE" dirty="0"/>
+              <a:t> (Wörter</a:t>
+            </a:r>
+            <a:r>
+              <a:rPr lang="de-DE"/>
+              <a:t>, Zahlenkombinationen</a:t>
+            </a:r>
+            <a:r>
+              <a:rPr lang="de-DE" dirty="0"/>
+              <a:t>, Tastaturlayout)</a:t>
+            </a:r>
+          </a:p>
+          <a:p>
+            <a:pPr marL="0" indent="0">
+              <a:buNone/>
+            </a:pPr>
             <a:endParaRPr lang="de-DE" dirty="0"/>
           </a:p>
         </p:txBody>
@@ -4091,7 +4119,7 @@
     </p:spTree>
     <p:extLst>
       <p:ext uri="{BB962C8B-B14F-4D97-AF65-F5344CB8AC3E}">
-        <p14:creationId xmlns:p14="http://schemas.microsoft.com/office/powerpoint/2010/main" val="3521745338"/>
+        <p14:creationId xmlns:p14="http://schemas.microsoft.com/office/powerpoint/2010/main" val="1202023735"/>
       </p:ext>
     </p:extLst>
   </p:cSld>
@@ -4231,6 +4259,172 @@
 </p:sld>
 </file>
 
+<file path=ppt/slides/slide12.xml><?xml version="1.0" encoding="utf-8"?>
+<p:sld xmlns:a="http://schemas.openxmlformats.org/drawingml/2006/main" xmlns:r="http://schemas.openxmlformats.org/officeDocument/2006/relationships" xmlns:p="http://schemas.openxmlformats.org/presentationml/2006/main">
+  <p:cSld>
+    <p:spTree>
+      <p:nvGrpSpPr>
+        <p:cNvPr id="1" name=""/>
+        <p:cNvGrpSpPr/>
+        <p:nvPr/>
+      </p:nvGrpSpPr>
+      <p:grpSpPr>
+        <a:xfrm>
+          <a:off x="0" y="0"/>
+          <a:ext cx="0" cy="0"/>
+          <a:chOff x="0" y="0"/>
+          <a:chExt cx="0" cy="0"/>
+        </a:xfrm>
+      </p:grpSpPr>
+      <p:sp>
+        <p:nvSpPr>
+          <p:cNvPr id="2" name="Titel 1">
+            <a:extLst>
+              <a:ext uri="{FF2B5EF4-FFF2-40B4-BE49-F238E27FC236}">
+                <a16:creationId xmlns:a16="http://schemas.microsoft.com/office/drawing/2014/main" id="{3AD5E418-351A-4968-BD19-D52F2F557E37}"/>
+              </a:ext>
+            </a:extLst>
+          </p:cNvPr>
+          <p:cNvSpPr>
+            <a:spLocks noGrp="1"/>
+          </p:cNvSpPr>
+          <p:nvPr>
+            <p:ph type="title"/>
+          </p:nvPr>
+        </p:nvSpPr>
+        <p:spPr/>
+        <p:txBody>
+          <a:bodyPr/>
+          <a:lstStyle/>
+          <a:p>
+            <a:r>
+              <a:rPr lang="de-DE" dirty="0"/>
+              <a:t>John MPI</a:t>
+            </a:r>
+          </a:p>
+        </p:txBody>
+      </p:sp>
+      <p:sp>
+        <p:nvSpPr>
+          <p:cNvPr id="3" name="Inhaltsplatzhalter 2">
+            <a:extLst>
+              <a:ext uri="{FF2B5EF4-FFF2-40B4-BE49-F238E27FC236}">
+                <a16:creationId xmlns:a16="http://schemas.microsoft.com/office/drawing/2014/main" id="{9B362BCD-B130-4222-9596-EAE242AA46C9}"/>
+              </a:ext>
+            </a:extLst>
+          </p:cNvPr>
+          <p:cNvSpPr>
+            <a:spLocks noGrp="1"/>
+          </p:cNvSpPr>
+          <p:nvPr>
+            <p:ph idx="1"/>
+          </p:nvPr>
+        </p:nvSpPr>
+        <p:spPr/>
+        <p:txBody>
+          <a:bodyPr/>
+          <a:lstStyle/>
+          <a:p>
+            <a:endParaRPr lang="de-DE"/>
+          </a:p>
+        </p:txBody>
+      </p:sp>
+    </p:spTree>
+    <p:extLst>
+      <p:ext uri="{BB962C8B-B14F-4D97-AF65-F5344CB8AC3E}">
+        <p14:creationId xmlns:p14="http://schemas.microsoft.com/office/powerpoint/2010/main" val="2711727226"/>
+      </p:ext>
+    </p:extLst>
+  </p:cSld>
+  <p:clrMapOvr>
+    <a:masterClrMapping/>
+  </p:clrMapOvr>
+</p:sld>
+</file>
+
+<file path=ppt/slides/slide13.xml><?xml version="1.0" encoding="utf-8"?>
+<p:sld xmlns:a="http://schemas.openxmlformats.org/drawingml/2006/main" xmlns:r="http://schemas.openxmlformats.org/officeDocument/2006/relationships" xmlns:p="http://schemas.openxmlformats.org/presentationml/2006/main">
+  <p:cSld>
+    <p:spTree>
+      <p:nvGrpSpPr>
+        <p:cNvPr id="1" name=""/>
+        <p:cNvGrpSpPr/>
+        <p:nvPr/>
+      </p:nvGrpSpPr>
+      <p:grpSpPr>
+        <a:xfrm>
+          <a:off x="0" y="0"/>
+          <a:ext cx="0" cy="0"/>
+          <a:chOff x="0" y="0"/>
+          <a:chExt cx="0" cy="0"/>
+        </a:xfrm>
+      </p:grpSpPr>
+      <p:sp>
+        <p:nvSpPr>
+          <p:cNvPr id="2" name="Titel 1">
+            <a:extLst>
+              <a:ext uri="{FF2B5EF4-FFF2-40B4-BE49-F238E27FC236}">
+                <a16:creationId xmlns:a16="http://schemas.microsoft.com/office/drawing/2014/main" id="{3680E0C4-F54A-49B2-AD35-B2F564C56F3E}"/>
+              </a:ext>
+            </a:extLst>
+          </p:cNvPr>
+          <p:cNvSpPr>
+            <a:spLocks noGrp="1"/>
+          </p:cNvSpPr>
+          <p:nvPr>
+            <p:ph type="title"/>
+          </p:nvPr>
+        </p:nvSpPr>
+        <p:spPr/>
+        <p:txBody>
+          <a:bodyPr/>
+          <a:lstStyle/>
+          <a:p>
+            <a:r>
+              <a:rPr lang="de-DE" dirty="0"/>
+              <a:t>Distributed John</a:t>
+            </a:r>
+          </a:p>
+        </p:txBody>
+      </p:sp>
+      <p:sp>
+        <p:nvSpPr>
+          <p:cNvPr id="3" name="Inhaltsplatzhalter 2">
+            <a:extLst>
+              <a:ext uri="{FF2B5EF4-FFF2-40B4-BE49-F238E27FC236}">
+                <a16:creationId xmlns:a16="http://schemas.microsoft.com/office/drawing/2014/main" id="{4A2CE059-E5DF-4B4D-A139-7E2BC45389FC}"/>
+              </a:ext>
+            </a:extLst>
+          </p:cNvPr>
+          <p:cNvSpPr>
+            <a:spLocks noGrp="1"/>
+          </p:cNvSpPr>
+          <p:nvPr>
+            <p:ph idx="1"/>
+          </p:nvPr>
+        </p:nvSpPr>
+        <p:spPr/>
+        <p:txBody>
+          <a:bodyPr/>
+          <a:lstStyle/>
+          <a:p>
+            <a:endParaRPr lang="de-DE" dirty="0"/>
+          </a:p>
+        </p:txBody>
+      </p:sp>
+    </p:spTree>
+    <p:extLst>
+      <p:ext uri="{BB962C8B-B14F-4D97-AF65-F5344CB8AC3E}">
+        <p14:creationId xmlns:p14="http://schemas.microsoft.com/office/powerpoint/2010/main" val="3521745338"/>
+      </p:ext>
+    </p:extLst>
+  </p:cSld>
+  <p:clrMapOvr>
+    <a:masterClrMapping/>
+  </p:clrMapOvr>
+</p:sld>
+</file>
+
 <file path=ppt/slides/slide2.xml><?xml version="1.0" encoding="utf-8"?>
 <p:sld xmlns:a="http://schemas.openxmlformats.org/drawingml/2006/main" xmlns:r="http://schemas.openxmlformats.org/officeDocument/2006/relationships" xmlns:p="http://schemas.openxmlformats.org/presentationml/2006/main">
   <p:cSld>
@@ -4253,7 +4447,7 @@
           <p:cNvPr id="2" name="Titel 1">
             <a:extLst>
               <a:ext uri="{FF2B5EF4-FFF2-40B4-BE49-F238E27FC236}">
-                <a16:creationId xmlns:a16="http://schemas.microsoft.com/office/drawing/2014/main" id="{94DF5DA7-5F3A-4156-8DCA-DA3EE8DFAC2E}"/>
+                <a16:creationId xmlns:a16="http://schemas.microsoft.com/office/drawing/2014/main" id="{780DFE34-2A4A-4E37-AD7F-1D498139B3AA}"/>
               </a:ext>
             </a:extLst>
           </p:cNvPr>
@@ -4271,7 +4465,7 @@
           <a:p>
             <a:r>
               <a:rPr lang="de-DE" dirty="0"/>
-              <a:t>Gegenmaßnahmen</a:t>
+              <a:t>Themenübersicht (veraltet)</a:t>
             </a:r>
           </a:p>
         </p:txBody>
@@ -4281,7 +4475,7 @@
           <p:cNvPr id="3" name="Inhaltsplatzhalter 2">
             <a:extLst>
               <a:ext uri="{FF2B5EF4-FFF2-40B4-BE49-F238E27FC236}">
-                <a16:creationId xmlns:a16="http://schemas.microsoft.com/office/drawing/2014/main" id="{0F0DC6C1-6B15-4904-A32B-0F9A08959B25}"/>
+                <a16:creationId xmlns:a16="http://schemas.microsoft.com/office/drawing/2014/main" id="{0F1C40FE-6066-4895-B764-7D95B25CCFC3}"/>
               </a:ext>
             </a:extLst>
           </p:cNvPr>
@@ -4298,50 +4492,93 @@
           <a:lstStyle/>
           <a:p>
             <a:r>
+              <a:rPr lang="de-DE" dirty="0" err="1"/>
+              <a:t>Brute</a:t>
+            </a:r>
+            <a:r>
               <a:rPr lang="de-DE" dirty="0"/>
-              <a:t>Passwort verlängern</a:t>
-            </a:r>
-          </a:p>
-          <a:p>
+              <a:t> Force</a:t>
+            </a:r>
+          </a:p>
+          <a:p>
+            <a:pPr lvl="1"/>
             <a:r>
               <a:rPr lang="de-DE" dirty="0"/>
-              <a:t>Sonderzeichen.....</a:t>
-            </a:r>
-          </a:p>
-          <a:p>
+              <a:t>Single Mode</a:t>
+            </a:r>
+          </a:p>
+          <a:p>
+            <a:pPr lvl="1"/>
+            <a:r>
+              <a:rPr lang="de-DE" dirty="0" err="1"/>
+              <a:t>Incremental</a:t>
+            </a:r>
             <a:r>
               <a:rPr lang="de-DE" dirty="0"/>
-              <a:t>Gegen </a:t>
+              <a:t> Mode (Reguläre Ausdrücke)</a:t>
+            </a:r>
+          </a:p>
+          <a:p>
+            <a:pPr lvl="1"/>
+            <a:r>
+              <a:rPr lang="de-DE" dirty="0"/>
+              <a:t>Dictionary </a:t>
             </a:r>
             <a:r>
               <a:rPr lang="de-DE" dirty="0" err="1"/>
-              <a:t>Tables</a:t>
+              <a:t>Attack</a:t>
             </a:r>
             <a:r>
               <a:rPr lang="de-DE" dirty="0"/>
-              <a:t> (Wörter</a:t>
-            </a:r>
-            <a:r>
-              <a:rPr lang="de-DE"/>
-              <a:t>, Zahlenkombinationen</a:t>
+              <a:t> (</a:t>
+            </a:r>
+            <a:r>
+              <a:rPr lang="de-DE" dirty="0" err="1"/>
+              <a:t>wordlist</a:t>
             </a:r>
             <a:r>
               <a:rPr lang="de-DE" dirty="0"/>
-              <a:t>, Tastaturlayout)</a:t>
-            </a:r>
-          </a:p>
-          <a:p>
-            <a:pPr marL="0" indent="0">
-              <a:buNone/>
-            </a:pPr>
+              <a:t> </a:t>
+            </a:r>
+            <a:r>
+              <a:rPr lang="de-DE" dirty="0" err="1"/>
+              <a:t>mode</a:t>
+            </a:r>
+            <a:r>
+              <a:rPr lang="de-DE" dirty="0"/>
+              <a:t>)</a:t>
+            </a:r>
+          </a:p>
+          <a:p>
+            <a:pPr lvl="2"/>
+            <a:r>
+              <a:rPr lang="de-DE" dirty="0"/>
+              <a:t>Rainbow Hash mit </a:t>
+            </a:r>
+            <a:r>
+              <a:rPr lang="de-DE" dirty="0" err="1"/>
+              <a:t>CowPatty</a:t>
+            </a:r>
             <a:endParaRPr lang="de-DE" dirty="0"/>
+          </a:p>
+          <a:p>
+            <a:r>
+              <a:rPr lang="de-DE" dirty="0"/>
+              <a:t>Distributed John (auf mehreren Rechnern)</a:t>
+            </a:r>
+          </a:p>
+          <a:p>
+            <a:r>
+              <a:rPr lang="de-DE" dirty="0"/>
+              <a:t>John MPI (Multiprozessor)</a:t>
+            </a:r>
           </a:p>
         </p:txBody>
       </p:sp>
     </p:spTree>
     <p:extLst>
       <p:ext uri="{BB962C8B-B14F-4D97-AF65-F5344CB8AC3E}">
-        <p14:creationId xmlns:p14="http://schemas.microsoft.com/office/powerpoint/2010/main" val="1202023735"/>
+        <p14:creationId xmlns:p14="http://schemas.microsoft.com/office/powerpoint/2010/main" val="3054750552"/>
       </p:ext>
     </p:extLst>
   </p:cSld>
@@ -4373,7 +4610,7 @@
           <p:cNvPr id="2" name="Titel 1">
             <a:extLst>
               <a:ext uri="{FF2B5EF4-FFF2-40B4-BE49-F238E27FC236}">
-                <a16:creationId xmlns:a16="http://schemas.microsoft.com/office/drawing/2014/main" id="{780DFE34-2A4A-4E37-AD7F-1D498139B3AA}"/>
+                <a16:creationId xmlns:a16="http://schemas.microsoft.com/office/drawing/2014/main" id="{6BCA26DE-C6EF-41F0-BF17-33E336994BD3}"/>
               </a:ext>
             </a:extLst>
           </p:cNvPr>
@@ -4389,119 +4626,53 @@
           <a:bodyPr/>
           <a:lstStyle/>
           <a:p>
+            <a:r>
+              <a:rPr lang="de-DE" dirty="0"/>
+              <a:t>Generelles über Passwort knacken auch Theoretischer Hintergrund</a:t>
+            </a:r>
+          </a:p>
+        </p:txBody>
+      </p:sp>
+      <p:sp>
+        <p:nvSpPr>
+          <p:cNvPr id="3" name="Inhaltsplatzhalter 2">
+            <a:extLst>
+              <a:ext uri="{FF2B5EF4-FFF2-40B4-BE49-F238E27FC236}">
+                <a16:creationId xmlns:a16="http://schemas.microsoft.com/office/drawing/2014/main" id="{F92B3FF4-CBCA-4A84-BEF7-F9681F8BCC2E}"/>
+              </a:ext>
+            </a:extLst>
+          </p:cNvPr>
+          <p:cNvSpPr>
+            <a:spLocks noGrp="1"/>
+          </p:cNvSpPr>
+          <p:nvPr>
+            <p:ph idx="1"/>
+          </p:nvPr>
+        </p:nvSpPr>
+        <p:spPr/>
+        <p:txBody>
+          <a:bodyPr/>
+          <a:lstStyle/>
+          <a:p>
+            <a:r>
+              <a:rPr lang="de-DE" dirty="0"/>
+              <a:t>P </a:t>
+            </a:r>
+            <a:r>
+              <a:rPr lang="de-DE"/>
+              <a:t>NP Problem</a:t>
+            </a:r>
             <a:endParaRPr lang="de-DE" dirty="0"/>
           </a:p>
-        </p:txBody>
-      </p:sp>
-      <p:sp>
-        <p:nvSpPr>
-          <p:cNvPr id="3" name="Inhaltsplatzhalter 2">
-            <a:extLst>
-              <a:ext uri="{FF2B5EF4-FFF2-40B4-BE49-F238E27FC236}">
-                <a16:creationId xmlns:a16="http://schemas.microsoft.com/office/drawing/2014/main" id="{0F1C40FE-6066-4895-B764-7D95B25CCFC3}"/>
-              </a:ext>
-            </a:extLst>
-          </p:cNvPr>
-          <p:cNvSpPr>
-            <a:spLocks noGrp="1"/>
-          </p:cNvSpPr>
-          <p:nvPr>
-            <p:ph idx="1"/>
-          </p:nvPr>
-        </p:nvSpPr>
-        <p:spPr/>
-        <p:txBody>
-          <a:bodyPr/>
-          <a:lstStyle/>
-          <a:p>
-            <a:r>
-              <a:rPr lang="de-DE" dirty="0" err="1"/>
-              <a:t>Brute</a:t>
-            </a:r>
-            <a:r>
-              <a:rPr lang="de-DE" dirty="0"/>
-              <a:t> Force</a:t>
-            </a:r>
-          </a:p>
-          <a:p>
-            <a:pPr lvl="1"/>
-            <a:r>
-              <a:rPr lang="de-DE" dirty="0"/>
-              <a:t>Single Mode</a:t>
-            </a:r>
-          </a:p>
-          <a:p>
-            <a:pPr lvl="1"/>
-            <a:r>
-              <a:rPr lang="de-DE" dirty="0" err="1"/>
-              <a:t>Incremental</a:t>
-            </a:r>
-            <a:r>
-              <a:rPr lang="de-DE" dirty="0"/>
-              <a:t> Mode (Reguläre Ausdrücke)</a:t>
-            </a:r>
-          </a:p>
-          <a:p>
-            <a:pPr lvl="1"/>
-            <a:r>
-              <a:rPr lang="de-DE" dirty="0"/>
-              <a:t>Dictionary </a:t>
-            </a:r>
-            <a:r>
-              <a:rPr lang="de-DE" dirty="0" err="1"/>
-              <a:t>Attack</a:t>
-            </a:r>
-            <a:r>
-              <a:rPr lang="de-DE" dirty="0"/>
-              <a:t> (</a:t>
-            </a:r>
-            <a:r>
-              <a:rPr lang="de-DE" dirty="0" err="1"/>
-              <a:t>wordlist</a:t>
-            </a:r>
-            <a:r>
-              <a:rPr lang="de-DE" dirty="0"/>
-              <a:t> </a:t>
-            </a:r>
-            <a:r>
-              <a:rPr lang="de-DE" dirty="0" err="1"/>
-              <a:t>mode</a:t>
-            </a:r>
-            <a:r>
-              <a:rPr lang="de-DE" dirty="0"/>
-              <a:t>)</a:t>
-            </a:r>
-          </a:p>
-          <a:p>
-            <a:pPr lvl="2"/>
-            <a:r>
-              <a:rPr lang="de-DE" dirty="0"/>
-              <a:t>Rainbow Hash mit </a:t>
-            </a:r>
-            <a:r>
-              <a:rPr lang="de-DE" dirty="0" err="1"/>
-              <a:t>CowPatty</a:t>
-            </a:r>
-            <a:endParaRPr lang="de-DE" dirty="0"/>
-          </a:p>
-          <a:p>
-            <a:r>
-              <a:rPr lang="de-DE" dirty="0"/>
-              <a:t>Distributed John (auf mehreren Rechnern)</a:t>
-            </a:r>
-          </a:p>
-          <a:p>
-            <a:r>
-              <a:rPr lang="de-DE" dirty="0"/>
-              <a:t>John MPI (Multiprozessor)</a:t>
-            </a:r>
+          <a:p>
+            <a:endParaRPr lang="de-DE"/>
           </a:p>
         </p:txBody>
       </p:sp>
     </p:spTree>
     <p:extLst>
       <p:ext uri="{BB962C8B-B14F-4D97-AF65-F5344CB8AC3E}">
-        <p14:creationId xmlns:p14="http://schemas.microsoft.com/office/powerpoint/2010/main" val="3054750552"/>
+        <p14:creationId xmlns:p14="http://schemas.microsoft.com/office/powerpoint/2010/main" val="2165105574"/>
       </p:ext>
     </p:extLst>
   </p:cSld>
@@ -4967,7 +5138,7 @@
           <p:cNvPr id="2" name="Titel 1">
             <a:extLst>
               <a:ext uri="{FF2B5EF4-FFF2-40B4-BE49-F238E27FC236}">
-                <a16:creationId xmlns:a16="http://schemas.microsoft.com/office/drawing/2014/main" id="{3AD5E418-351A-4968-BD19-D52F2F557E37}"/>
+                <a16:creationId xmlns:a16="http://schemas.microsoft.com/office/drawing/2014/main" id="{30DA779D-6326-473E-A8A1-0E95C0F04037}"/>
               </a:ext>
             </a:extLst>
           </p:cNvPr>
@@ -4985,7 +5156,7 @@
           <a:p>
             <a:r>
               <a:rPr lang="de-DE" dirty="0"/>
-              <a:t>John MPI</a:t>
+              <a:t>Schwachstellen</a:t>
             </a:r>
           </a:p>
         </p:txBody>
@@ -4995,7 +5166,7 @@
           <p:cNvPr id="3" name="Inhaltsplatzhalter 2">
             <a:extLst>
               <a:ext uri="{FF2B5EF4-FFF2-40B4-BE49-F238E27FC236}">
-                <a16:creationId xmlns:a16="http://schemas.microsoft.com/office/drawing/2014/main" id="{9B362BCD-B130-4222-9596-EAE242AA46C9}"/>
+                <a16:creationId xmlns:a16="http://schemas.microsoft.com/office/drawing/2014/main" id="{C9D3442A-FE28-4525-B2C8-2AC27F37FEC1}"/>
               </a:ext>
             </a:extLst>
           </p:cNvPr>
@@ -5011,14 +5182,50 @@
           <a:bodyPr/>
           <a:lstStyle/>
           <a:p>
-            <a:endParaRPr lang="de-DE"/>
+            <a:r>
+              <a:rPr lang="de-DE" dirty="0"/>
+              <a:t>Zu kurze Passwörter</a:t>
+            </a:r>
+          </a:p>
+          <a:p>
+            <a:r>
+              <a:rPr lang="de-DE" dirty="0"/>
+              <a:t>Unsichere Passwörter</a:t>
+            </a:r>
+          </a:p>
+          <a:p>
+            <a:r>
+              <a:rPr lang="de-DE" dirty="0" err="1"/>
+              <a:t>Bla</a:t>
+            </a:r>
+            <a:r>
+              <a:rPr lang="de-DE" dirty="0"/>
+              <a:t> </a:t>
+            </a:r>
+          </a:p>
+          <a:p>
+            <a:r>
+              <a:rPr lang="de-DE" dirty="0" err="1"/>
+              <a:t>Bla</a:t>
+            </a:r>
+            <a:r>
+              <a:rPr lang="de-DE" dirty="0"/>
+              <a:t> </a:t>
+            </a:r>
+          </a:p>
+          <a:p>
+            <a:r>
+              <a:rPr lang="de-DE" dirty="0" err="1"/>
+              <a:t>bla</a:t>
+            </a:r>
+            <a:endParaRPr lang="de-DE" dirty="0"/>
           </a:p>
         </p:txBody>
       </p:sp>
     </p:spTree>
     <p:extLst>
       <p:ext uri="{BB962C8B-B14F-4D97-AF65-F5344CB8AC3E}">
-        <p14:creationId xmlns:p14="http://schemas.microsoft.com/office/powerpoint/2010/main" val="2711727226"/>
+        <p14:creationId xmlns:p14="http://schemas.microsoft.com/office/powerpoint/2010/main" val="598574176"/>
       </p:ext>
     </p:extLst>
   </p:cSld>

--- a/Vortrag.pptx
+++ b/Vortrag.pptx
@@ -5,22 +5,23 @@
     <p:sldMasterId id="2147483648" r:id="rId1"/>
   </p:sldMasterIdLst>
   <p:notesMasterIdLst>
-    <p:notesMasterId r:id="rId15"/>
+    <p:notesMasterId r:id="rId16"/>
   </p:notesMasterIdLst>
   <p:sldIdLst>
     <p:sldId id="256" r:id="rId2"/>
     <p:sldId id="257" r:id="rId3"/>
     <p:sldId id="267" r:id="rId4"/>
     <p:sldId id="259" r:id="rId5"/>
-    <p:sldId id="260" r:id="rId6"/>
-    <p:sldId id="261" r:id="rId7"/>
-    <p:sldId id="262" r:id="rId8"/>
-    <p:sldId id="263" r:id="rId9"/>
-    <p:sldId id="268" r:id="rId10"/>
-    <p:sldId id="266" r:id="rId11"/>
-    <p:sldId id="258" r:id="rId12"/>
-    <p:sldId id="264" r:id="rId13"/>
-    <p:sldId id="265" r:id="rId14"/>
+    <p:sldId id="269" r:id="rId6"/>
+    <p:sldId id="260" r:id="rId7"/>
+    <p:sldId id="261" r:id="rId8"/>
+    <p:sldId id="262" r:id="rId9"/>
+    <p:sldId id="263" r:id="rId10"/>
+    <p:sldId id="268" r:id="rId11"/>
+    <p:sldId id="266" r:id="rId12"/>
+    <p:sldId id="258" r:id="rId13"/>
+    <p:sldId id="264" r:id="rId14"/>
+    <p:sldId id="265" r:id="rId15"/>
   </p:sldIdLst>
   <p:sldSz cx="12192000" cy="6858000"/>
   <p:notesSz cx="6858000" cy="9144000"/>
@@ -125,10 +126,6 @@
     </p:ext>
   </p:extLst>
 </p:presentation>
-</file>
-
-<file path=ppt/revisionInfo.xml><?xml version="1.0" encoding="utf-8"?>
-<p1510:revInfo xmlns:a="http://schemas.openxmlformats.org/drawingml/2006/main" xmlns:r="http://schemas.openxmlformats.org/officeDocument/2006/relationships" xmlns:p1510="http://schemas.microsoft.com/office/powerpoint/2015/10/main"/>
 </file>
 
 <file path=ppt/notesMasters/notesMaster1.xml><?xml version="1.0" encoding="utf-8"?>
@@ -629,7 +626,7 @@
           <a:p>
             <a:fld id="{B75DCF5E-718A-4A85-88E9-46AA16884760}" type="slidenum">
               <a:rPr lang="de-DE" smtClean="0"/>
-              <a:t>5</a:t>
+              <a:t>6</a:t>
             </a:fld>
             <a:endParaRPr lang="de-DE"/>
           </a:p>
@@ -713,7 +710,7 @@
           <a:p>
             <a:fld id="{B75DCF5E-718A-4A85-88E9-46AA16884760}" type="slidenum">
               <a:rPr lang="de-DE" smtClean="0"/>
-              <a:t>6</a:t>
+              <a:t>7</a:t>
             </a:fld>
             <a:endParaRPr lang="de-DE"/>
           </a:p>
@@ -4031,7 +4028,7 @@
           <p:cNvPr id="2" name="Titel 1">
             <a:extLst>
               <a:ext uri="{FF2B5EF4-FFF2-40B4-BE49-F238E27FC236}">
-                <a16:creationId xmlns:a16="http://schemas.microsoft.com/office/drawing/2014/main" id="{94DF5DA7-5F3A-4156-8DCA-DA3EE8DFAC2E}"/>
+                <a16:creationId xmlns:a16="http://schemas.microsoft.com/office/drawing/2014/main" id="{30DA779D-6326-473E-A8A1-0E95C0F04037}"/>
               </a:ext>
             </a:extLst>
           </p:cNvPr>
@@ -4049,7 +4046,7 @@
           <a:p>
             <a:r>
               <a:rPr lang="de-DE" dirty="0"/>
-              <a:t>Gegenmaßnahmen</a:t>
+              <a:t>Schwachstellen</a:t>
             </a:r>
           </a:p>
         </p:txBody>
@@ -4059,7 +4056,7 @@
           <p:cNvPr id="3" name="Inhaltsplatzhalter 2">
             <a:extLst>
               <a:ext uri="{FF2B5EF4-FFF2-40B4-BE49-F238E27FC236}">
-                <a16:creationId xmlns:a16="http://schemas.microsoft.com/office/drawing/2014/main" id="{0F0DC6C1-6B15-4904-A32B-0F9A08959B25}"/>
+                <a16:creationId xmlns:a16="http://schemas.microsoft.com/office/drawing/2014/main" id="{C9D3442A-FE28-4525-B2C8-2AC27F37FEC1}"/>
               </a:ext>
             </a:extLst>
           </p:cNvPr>
@@ -4077,41 +4074,40 @@
           <a:p>
             <a:r>
               <a:rPr lang="de-DE" dirty="0"/>
-              <a:t>Passwort verlängern</a:t>
+              <a:t>Zu kurze Passwörter</a:t>
             </a:r>
           </a:p>
           <a:p>
             <a:r>
               <a:rPr lang="de-DE" dirty="0"/>
-              <a:t>Sonderzeichen.....</a:t>
-            </a:r>
-          </a:p>
-          <a:p>
+              <a:t>Unsichere Passwörter</a:t>
+            </a:r>
+          </a:p>
+          <a:p>
+            <a:r>
+              <a:rPr lang="de-DE" dirty="0" err="1"/>
+              <a:t>Bla</a:t>
+            </a:r>
             <a:r>
               <a:rPr lang="de-DE" dirty="0"/>
-              <a:t>Gegen </a:t>
-            </a:r>
+              <a:t> </a:t>
+            </a:r>
+          </a:p>
+          <a:p>
             <a:r>
               <a:rPr lang="de-DE" dirty="0" err="1"/>
-              <a:t>Tables</a:t>
+              <a:t>Bla</a:t>
             </a:r>
             <a:r>
               <a:rPr lang="de-DE" dirty="0"/>
-              <a:t> (Wörter</a:t>
-            </a:r>
-            <a:r>
-              <a:rPr lang="de-DE"/>
-              <a:t>, Zahlenkombinationen</a:t>
-            </a:r>
-            <a:r>
-              <a:rPr lang="de-DE" dirty="0"/>
-              <a:t>, Tastaturlayout)</a:t>
-            </a:r>
-          </a:p>
-          <a:p>
-            <a:pPr marL="0" indent="0">
-              <a:buNone/>
-            </a:pPr>
+              <a:t> </a:t>
+            </a:r>
+          </a:p>
+          <a:p>
+            <a:r>
+              <a:rPr lang="de-DE" dirty="0" err="1"/>
+              <a:t>bla</a:t>
+            </a:r>
             <a:endParaRPr lang="de-DE" dirty="0"/>
           </a:p>
         </p:txBody>
@@ -4119,7 +4115,7 @@
     </p:spTree>
     <p:extLst>
       <p:ext uri="{BB962C8B-B14F-4D97-AF65-F5344CB8AC3E}">
-        <p14:creationId xmlns:p14="http://schemas.microsoft.com/office/powerpoint/2010/main" val="1202023735"/>
+        <p14:creationId xmlns:p14="http://schemas.microsoft.com/office/powerpoint/2010/main" val="598574176"/>
       </p:ext>
     </p:extLst>
   </p:cSld>
@@ -4151,7 +4147,7 @@
           <p:cNvPr id="2" name="Titel 1">
             <a:extLst>
               <a:ext uri="{FF2B5EF4-FFF2-40B4-BE49-F238E27FC236}">
-                <a16:creationId xmlns:a16="http://schemas.microsoft.com/office/drawing/2014/main" id="{CF3AC876-1D48-4F2C-83AD-59DF1292BE59}"/>
+                <a16:creationId xmlns:a16="http://schemas.microsoft.com/office/drawing/2014/main" id="{94DF5DA7-5F3A-4156-8DCA-DA3EE8DFAC2E}"/>
               </a:ext>
             </a:extLst>
           </p:cNvPr>
@@ -4169,7 +4165,7 @@
           <a:p>
             <a:r>
               <a:rPr lang="de-DE" dirty="0"/>
-              <a:t>Beispiel</a:t>
+              <a:t>Gegenmaßnahmen</a:t>
             </a:r>
           </a:p>
         </p:txBody>
@@ -4179,7 +4175,7 @@
           <p:cNvPr id="3" name="Inhaltsplatzhalter 2">
             <a:extLst>
               <a:ext uri="{FF2B5EF4-FFF2-40B4-BE49-F238E27FC236}">
-                <a16:creationId xmlns:a16="http://schemas.microsoft.com/office/drawing/2014/main" id="{287C91AF-9A50-4B5A-AC28-B8E3DBD2CFDC}"/>
+                <a16:creationId xmlns:a16="http://schemas.microsoft.com/office/drawing/2014/main" id="{0F0DC6C1-6B15-4904-A32B-0F9A08959B25}"/>
               </a:ext>
             </a:extLst>
           </p:cNvPr>
@@ -4196,60 +4192,50 @@
           <a:lstStyle/>
           <a:p>
             <a:r>
+              <a:rPr lang="de-DE" dirty="0"/>
+              <a:t>Passwort verlängern</a:t>
+            </a:r>
+          </a:p>
+          <a:p>
+            <a:r>
+              <a:rPr lang="de-DE" dirty="0"/>
+              <a:t>Sonderzeichen.....</a:t>
+            </a:r>
+          </a:p>
+          <a:p>
+            <a:r>
+              <a:rPr lang="de-DE" dirty="0"/>
+              <a:t>Gegen </a:t>
+            </a:r>
+            <a:r>
               <a:rPr lang="de-DE" dirty="0" err="1"/>
-              <a:t>john</a:t>
+              <a:t>Tables</a:t>
             </a:r>
             <a:r>
               <a:rPr lang="de-DE" dirty="0"/>
-              <a:t> einfachesBeispiel.txt (Single Mode </a:t>
-            </a:r>
-            <a:r>
-              <a:rPr lang="de-DE" dirty="0" err="1"/>
-              <a:t>attack</a:t>
+              <a:t> (Wörter</a:t>
+            </a:r>
+            <a:r>
+              <a:rPr lang="de-DE"/>
+              <a:t>, Zahlenkombinationen</a:t>
             </a:r>
             <a:r>
               <a:rPr lang="de-DE" dirty="0"/>
-              <a:t>)</a:t>
-            </a:r>
-          </a:p>
-          <a:p>
-            <a:r>
-              <a:rPr lang="en-US" dirty="0"/>
-              <a:t>john --wordlist=</a:t>
-            </a:r>
-            <a:r>
-              <a:rPr lang="en-US" dirty="0" err="1"/>
-              <a:t>password.lst</a:t>
-            </a:r>
-            <a:r>
-              <a:rPr lang="en-US" dirty="0"/>
-              <a:t> einfachesBeispiel.txt</a:t>
-            </a:r>
-          </a:p>
-          <a:p>
-            <a:r>
-              <a:rPr lang="de-DE" dirty="0" err="1"/>
-              <a:t>Rm</a:t>
-            </a:r>
-            <a:r>
-              <a:rPr lang="de-DE" dirty="0"/>
-              <a:t> $JOHN/.</a:t>
-            </a:r>
-            <a:r>
-              <a:rPr lang="de-DE" dirty="0" err="1"/>
-              <a:t>john</a:t>
-            </a:r>
-            <a:r>
-              <a:rPr lang="de-DE" dirty="0"/>
-              <a:t>/john.pot (im Pot werden geknackte Codes gesichert)</a:t>
-            </a:r>
+              <a:t>, Tastaturlayout)</a:t>
+            </a:r>
+          </a:p>
+          <a:p>
+            <a:pPr marL="0" indent="0">
+              <a:buNone/>
+            </a:pPr>
+            <a:endParaRPr lang="de-DE" dirty="0"/>
           </a:p>
         </p:txBody>
       </p:sp>
     </p:spTree>
     <p:extLst>
       <p:ext uri="{BB962C8B-B14F-4D97-AF65-F5344CB8AC3E}">
-        <p14:creationId xmlns:p14="http://schemas.microsoft.com/office/powerpoint/2010/main" val="4149505348"/>
+        <p14:creationId xmlns:p14="http://schemas.microsoft.com/office/powerpoint/2010/main" val="1202023735"/>
       </p:ext>
     </p:extLst>
   </p:cSld>
@@ -4281,6 +4267,136 @@
           <p:cNvPr id="2" name="Titel 1">
             <a:extLst>
               <a:ext uri="{FF2B5EF4-FFF2-40B4-BE49-F238E27FC236}">
+                <a16:creationId xmlns:a16="http://schemas.microsoft.com/office/drawing/2014/main" id="{CF3AC876-1D48-4F2C-83AD-59DF1292BE59}"/>
+              </a:ext>
+            </a:extLst>
+          </p:cNvPr>
+          <p:cNvSpPr>
+            <a:spLocks noGrp="1"/>
+          </p:cNvSpPr>
+          <p:nvPr>
+            <p:ph type="title"/>
+          </p:nvPr>
+        </p:nvSpPr>
+        <p:spPr/>
+        <p:txBody>
+          <a:bodyPr/>
+          <a:lstStyle/>
+          <a:p>
+            <a:r>
+              <a:rPr lang="de-DE" dirty="0"/>
+              <a:t>Beispiel</a:t>
+            </a:r>
+          </a:p>
+        </p:txBody>
+      </p:sp>
+      <p:sp>
+        <p:nvSpPr>
+          <p:cNvPr id="3" name="Inhaltsplatzhalter 2">
+            <a:extLst>
+              <a:ext uri="{FF2B5EF4-FFF2-40B4-BE49-F238E27FC236}">
+                <a16:creationId xmlns:a16="http://schemas.microsoft.com/office/drawing/2014/main" id="{287C91AF-9A50-4B5A-AC28-B8E3DBD2CFDC}"/>
+              </a:ext>
+            </a:extLst>
+          </p:cNvPr>
+          <p:cNvSpPr>
+            <a:spLocks noGrp="1"/>
+          </p:cNvSpPr>
+          <p:nvPr>
+            <p:ph idx="1"/>
+          </p:nvPr>
+        </p:nvSpPr>
+        <p:spPr/>
+        <p:txBody>
+          <a:bodyPr/>
+          <a:lstStyle/>
+          <a:p>
+            <a:r>
+              <a:rPr lang="de-DE" dirty="0" err="1"/>
+              <a:t>john</a:t>
+            </a:r>
+            <a:r>
+              <a:rPr lang="de-DE" dirty="0"/>
+              <a:t> einfachesBeispiel.txt (Single Mode </a:t>
+            </a:r>
+            <a:r>
+              <a:rPr lang="de-DE" dirty="0" err="1"/>
+              <a:t>attack</a:t>
+            </a:r>
+            <a:r>
+              <a:rPr lang="de-DE" dirty="0"/>
+              <a:t>)</a:t>
+            </a:r>
+          </a:p>
+          <a:p>
+            <a:r>
+              <a:rPr lang="en-US" dirty="0"/>
+              <a:t>john --wordlist=</a:t>
+            </a:r>
+            <a:r>
+              <a:rPr lang="en-US" dirty="0" err="1"/>
+              <a:t>password.lst</a:t>
+            </a:r>
+            <a:r>
+              <a:rPr lang="en-US" dirty="0"/>
+              <a:t> einfachesBeispiel.txt</a:t>
+            </a:r>
+          </a:p>
+          <a:p>
+            <a:r>
+              <a:rPr lang="de-DE" dirty="0" err="1"/>
+              <a:t>Rm</a:t>
+            </a:r>
+            <a:r>
+              <a:rPr lang="de-DE" dirty="0"/>
+              <a:t> $JOHN/.</a:t>
+            </a:r>
+            <a:r>
+              <a:rPr lang="de-DE" dirty="0" err="1"/>
+              <a:t>john</a:t>
+            </a:r>
+            <a:r>
+              <a:rPr lang="de-DE" dirty="0"/>
+              <a:t>/john.pot (im Pot werden geknackte Codes gesichert)</a:t>
+            </a:r>
+          </a:p>
+        </p:txBody>
+      </p:sp>
+    </p:spTree>
+    <p:extLst>
+      <p:ext uri="{BB962C8B-B14F-4D97-AF65-F5344CB8AC3E}">
+        <p14:creationId xmlns:p14="http://schemas.microsoft.com/office/powerpoint/2010/main" val="4149505348"/>
+      </p:ext>
+    </p:extLst>
+  </p:cSld>
+  <p:clrMapOvr>
+    <a:masterClrMapping/>
+  </p:clrMapOvr>
+</p:sld>
+</file>
+
+<file path=ppt/slides/slide13.xml><?xml version="1.0" encoding="utf-8"?>
+<p:sld xmlns:a="http://schemas.openxmlformats.org/drawingml/2006/main" xmlns:r="http://schemas.openxmlformats.org/officeDocument/2006/relationships" xmlns:p="http://schemas.openxmlformats.org/presentationml/2006/main">
+  <p:cSld>
+    <p:spTree>
+      <p:nvGrpSpPr>
+        <p:cNvPr id="1" name=""/>
+        <p:cNvGrpSpPr/>
+        <p:nvPr/>
+      </p:nvGrpSpPr>
+      <p:grpSpPr>
+        <a:xfrm>
+          <a:off x="0" y="0"/>
+          <a:ext cx="0" cy="0"/>
+          <a:chOff x="0" y="0"/>
+          <a:chExt cx="0" cy="0"/>
+        </a:xfrm>
+      </p:grpSpPr>
+      <p:sp>
+        <p:nvSpPr>
+          <p:cNvPr id="2" name="Titel 1">
+            <a:extLst>
+              <a:ext uri="{FF2B5EF4-FFF2-40B4-BE49-F238E27FC236}">
                 <a16:creationId xmlns:a16="http://schemas.microsoft.com/office/drawing/2014/main" id="{3AD5E418-351A-4968-BD19-D52F2F557E37}"/>
               </a:ext>
             </a:extLst>
@@ -4342,7 +4458,7 @@
 </p:sld>
 </file>
 
-<file path=ppt/slides/slide13.xml><?xml version="1.0" encoding="utf-8"?>
+<file path=ppt/slides/slide14.xml><?xml version="1.0" encoding="utf-8"?>
 <p:sld xmlns:a="http://schemas.openxmlformats.org/drawingml/2006/main" xmlns:r="http://schemas.openxmlformats.org/officeDocument/2006/relationships" xmlns:p="http://schemas.openxmlformats.org/presentationml/2006/main">
   <p:cSld>
     <p:spTree>
@@ -4721,41 +4837,72 @@
           <a:lstStyle/>
           <a:p>
             <a:r>
+              <a:rPr lang="de-DE" b="1" dirty="0" err="1"/>
+              <a:t>Brute</a:t>
+            </a:r>
+            <a:r>
+              <a:rPr lang="de-DE" b="1" dirty="0"/>
+              <a:t> Force</a:t>
+            </a:r>
+          </a:p>
+        </p:txBody>
+      </p:sp>
+      <p:sp>
+        <p:nvSpPr>
+          <p:cNvPr id="3" name="Inhaltsplatzhalter 2">
+            <a:extLst>
+              <a:ext uri="{FF2B5EF4-FFF2-40B4-BE49-F238E27FC236}">
+                <a16:creationId xmlns:a16="http://schemas.microsoft.com/office/drawing/2014/main" id="{57BDB1F9-B5D6-4E64-9032-36D91F925467}"/>
+              </a:ext>
+            </a:extLst>
+          </p:cNvPr>
+          <p:cNvSpPr>
+            <a:spLocks noGrp="1"/>
+          </p:cNvSpPr>
+          <p:nvPr>
+            <p:ph idx="1"/>
+          </p:nvPr>
+        </p:nvSpPr>
+        <p:spPr/>
+        <p:txBody>
+          <a:bodyPr/>
+          <a:lstStyle/>
+          <a:p>
+            <a:pPr marL="0" indent="0">
+              <a:buNone/>
+            </a:pPr>
+            <a:r>
               <a:rPr lang="de-DE" dirty="0" err="1"/>
               <a:t>Brute</a:t>
             </a:r>
             <a:r>
               <a:rPr lang="de-DE" dirty="0"/>
-              <a:t> Force</a:t>
-            </a:r>
-          </a:p>
-        </p:txBody>
-      </p:sp>
-      <p:sp>
-        <p:nvSpPr>
-          <p:cNvPr id="3" name="Inhaltsplatzhalter 2">
-            <a:extLst>
-              <a:ext uri="{FF2B5EF4-FFF2-40B4-BE49-F238E27FC236}">
-                <a16:creationId xmlns:a16="http://schemas.microsoft.com/office/drawing/2014/main" id="{57BDB1F9-B5D6-4E64-9032-36D91F925467}"/>
-              </a:ext>
-            </a:extLst>
-          </p:cNvPr>
-          <p:cNvSpPr>
-            <a:spLocks noGrp="1"/>
-          </p:cNvSpPr>
-          <p:nvPr>
-            <p:ph idx="1"/>
-          </p:nvPr>
-        </p:nvSpPr>
-        <p:spPr/>
-        <p:txBody>
-          <a:bodyPr/>
-          <a:lstStyle/>
+              <a:t>-Force ist eine Methode, die versucht Passwörter oder Schlüssel durch automatisiertes, wahlloses Ausprobieren herauszufinden.</a:t>
+            </a:r>
+          </a:p>
           <a:p>
             <a:pPr marL="0" indent="0">
               <a:buNone/>
             </a:pPr>
             <a:endParaRPr lang="de-DE" dirty="0"/>
+          </a:p>
+          <a:p>
+            <a:pPr marL="0" indent="0">
+              <a:buNone/>
+            </a:pPr>
+            <a:r>
+              <a:rPr lang="de-DE" dirty="0"/>
+              <a:t>Schutz:</a:t>
+            </a:r>
+          </a:p>
+          <a:p>
+            <a:pPr marL="0" indent="0">
+              <a:buNone/>
+            </a:pPr>
+            <a:r>
+              <a:rPr lang="de-DE" dirty="0"/>
+              <a:t>Lange Schlüssel und komplexe Passwörter</a:t>
+            </a:r>
           </a:p>
         </p:txBody>
       </p:sp>
@@ -4794,7 +4941,7 @@
           <p:cNvPr id="2" name="Titel 1">
             <a:extLst>
               <a:ext uri="{FF2B5EF4-FFF2-40B4-BE49-F238E27FC236}">
-                <a16:creationId xmlns:a16="http://schemas.microsoft.com/office/drawing/2014/main" id="{1B29F7BE-03D8-4A59-9FB3-6F1599BB8555}"/>
+                <a16:creationId xmlns:a16="http://schemas.microsoft.com/office/drawing/2014/main" id="{5AEBCDB1-1BF7-4FCB-B4F2-580BFD6FFA10}"/>
               </a:ext>
             </a:extLst>
           </p:cNvPr>
@@ -4811,51 +4958,921 @@
           <a:lstStyle/>
           <a:p>
             <a:r>
+              <a:rPr lang="de-DE" dirty="0" err="1"/>
+              <a:t>Brute</a:t>
+            </a:r>
+            <a:r>
               <a:rPr lang="de-DE" dirty="0"/>
-              <a:t>Single Mode</a:t>
-            </a:r>
-            <a:br>
+              <a:t> Force Beispiel</a:t>
+            </a:r>
+          </a:p>
+        </p:txBody>
+      </p:sp>
+      <p:sp>
+        <p:nvSpPr>
+          <p:cNvPr id="3" name="Inhaltsplatzhalter 2">
+            <a:extLst>
+              <a:ext uri="{FF2B5EF4-FFF2-40B4-BE49-F238E27FC236}">
+                <a16:creationId xmlns:a16="http://schemas.microsoft.com/office/drawing/2014/main" id="{CF379B11-251C-4092-8B34-7EB1F61C3384}"/>
+              </a:ext>
+            </a:extLst>
+          </p:cNvPr>
+          <p:cNvSpPr>
+            <a:spLocks noGrp="1"/>
+          </p:cNvSpPr>
+          <p:nvPr>
+            <p:ph idx="1"/>
+          </p:nvPr>
+        </p:nvSpPr>
+        <p:spPr/>
+        <p:txBody>
+          <a:bodyPr/>
+          <a:lstStyle/>
+          <a:p>
+            <a:r>
               <a:rPr lang="de-DE" dirty="0"/>
-            </a:br>
+              <a:t>Hier zeigen wir wie man </a:t>
+            </a:r>
+            <a:r>
+              <a:rPr lang="de-DE" dirty="0" err="1"/>
+              <a:t>Brute</a:t>
+            </a:r>
+            <a:r>
+              <a:rPr lang="de-DE" dirty="0"/>
+              <a:t> Force auf eine einfaches *.</a:t>
+            </a:r>
+            <a:r>
+              <a:rPr lang="de-DE" dirty="0" err="1"/>
+              <a:t>zip</a:t>
+            </a:r>
+            <a:r>
+              <a:rPr lang="de-DE" dirty="0"/>
+              <a:t> anwendet dessen Passwort man vergessen hat.</a:t>
+            </a:r>
+          </a:p>
+          <a:p>
             <a:endParaRPr lang="de-DE" dirty="0"/>
           </a:p>
         </p:txBody>
       </p:sp>
-      <p:sp>
-        <p:nvSpPr>
-          <p:cNvPr id="3" name="Inhaltsplatzhalter 2">
-            <a:extLst>
-              <a:ext uri="{FF2B5EF4-FFF2-40B4-BE49-F238E27FC236}">
-                <a16:creationId xmlns:a16="http://schemas.microsoft.com/office/drawing/2014/main" id="{87FA39E2-BC1F-4E2A-9CC5-91D2D6870ADD}"/>
-              </a:ext>
-            </a:extLst>
-          </p:cNvPr>
-          <p:cNvSpPr>
-            <a:spLocks noGrp="1"/>
-          </p:cNvSpPr>
-          <p:nvPr>
-            <p:ph idx="1"/>
-          </p:nvPr>
-        </p:nvSpPr>
-        <p:spPr/>
-        <p:txBody>
-          <a:bodyPr/>
-          <a:lstStyle/>
-          <a:p>
-            <a:endParaRPr lang="de-DE"/>
-          </a:p>
-        </p:txBody>
-      </p:sp>
+      <p:pic>
+        <p:nvPicPr>
+          <p:cNvPr id="5" name="Grafik 4">
+            <a:extLst>
+              <a:ext uri="{FF2B5EF4-FFF2-40B4-BE49-F238E27FC236}">
+                <a16:creationId xmlns:a16="http://schemas.microsoft.com/office/drawing/2014/main" id="{DA1FEB18-C376-45F7-B291-DCC4F0FE048B}"/>
+              </a:ext>
+            </a:extLst>
+          </p:cNvPr>
+          <p:cNvPicPr>
+            <a:picLocks noChangeAspect="1"/>
+          </p:cNvPicPr>
+          <p:nvPr/>
+        </p:nvPicPr>
+        <p:blipFill>
+          <a:blip r:embed="rId2">
+            <a:extLst>
+              <a:ext uri="{28A0092B-C50C-407E-A947-70E740481C1C}">
+                <a14:useLocalDpi xmlns:a14="http://schemas.microsoft.com/office/drawing/2010/main" val="0"/>
+              </a:ext>
+            </a:extLst>
+          </a:blip>
+          <a:stretch>
+            <a:fillRect/>
+          </a:stretch>
+        </p:blipFill>
+        <p:spPr>
+          <a:xfrm>
+            <a:off x="838200" y="2743514"/>
+            <a:ext cx="8253549" cy="3474467"/>
+          </a:xfrm>
+          <a:prstGeom prst="rect">
+            <a:avLst/>
+          </a:prstGeom>
+        </p:spPr>
+      </p:pic>
+      <p:pic>
+        <p:nvPicPr>
+          <p:cNvPr id="7" name="Grafik 6">
+            <a:extLst>
+              <a:ext uri="{FF2B5EF4-FFF2-40B4-BE49-F238E27FC236}">
+                <a16:creationId xmlns:a16="http://schemas.microsoft.com/office/drawing/2014/main" id="{C7881F4D-D3F6-4D94-AD34-7FC9FDBD8BDC}"/>
+              </a:ext>
+            </a:extLst>
+          </p:cNvPr>
+          <p:cNvPicPr>
+            <a:picLocks noChangeAspect="1"/>
+          </p:cNvPicPr>
+          <p:nvPr/>
+        </p:nvPicPr>
+        <p:blipFill>
+          <a:blip r:embed="rId3">
+            <a:extLst>
+              <a:ext uri="{28A0092B-C50C-407E-A947-70E740481C1C}">
+                <a14:useLocalDpi xmlns:a14="http://schemas.microsoft.com/office/drawing/2010/main" val="0"/>
+              </a:ext>
+            </a:extLst>
+          </a:blip>
+          <a:stretch>
+            <a:fillRect/>
+          </a:stretch>
+        </p:blipFill>
+        <p:spPr>
+          <a:xfrm>
+            <a:off x="869732" y="2768371"/>
+            <a:ext cx="8214826" cy="3474467"/>
+          </a:xfrm>
+          <a:prstGeom prst="rect">
+            <a:avLst/>
+          </a:prstGeom>
+        </p:spPr>
+      </p:pic>
+      <p:pic>
+        <p:nvPicPr>
+          <p:cNvPr id="9" name="Grafik 8">
+            <a:extLst>
+              <a:ext uri="{FF2B5EF4-FFF2-40B4-BE49-F238E27FC236}">
+                <a16:creationId xmlns:a16="http://schemas.microsoft.com/office/drawing/2014/main" id="{6318C199-4307-4695-BB3F-CAD353FC60AA}"/>
+              </a:ext>
+            </a:extLst>
+          </p:cNvPr>
+          <p:cNvPicPr>
+            <a:picLocks noChangeAspect="1"/>
+          </p:cNvPicPr>
+          <p:nvPr/>
+        </p:nvPicPr>
+        <p:blipFill>
+          <a:blip r:embed="rId4">
+            <a:extLst>
+              <a:ext uri="{28A0092B-C50C-407E-A947-70E740481C1C}">
+                <a14:useLocalDpi xmlns:a14="http://schemas.microsoft.com/office/drawing/2010/main" val="0"/>
+              </a:ext>
+            </a:extLst>
+          </a:blip>
+          <a:stretch>
+            <a:fillRect/>
+          </a:stretch>
+        </p:blipFill>
+        <p:spPr>
+          <a:xfrm>
+            <a:off x="838200" y="2743514"/>
+            <a:ext cx="8556123" cy="5269619"/>
+          </a:xfrm>
+          <a:prstGeom prst="rect">
+            <a:avLst/>
+          </a:prstGeom>
+        </p:spPr>
+      </p:pic>
+      <p:pic>
+        <p:nvPicPr>
+          <p:cNvPr id="11" name="Grafik 10">
+            <a:extLst>
+              <a:ext uri="{FF2B5EF4-FFF2-40B4-BE49-F238E27FC236}">
+                <a16:creationId xmlns:a16="http://schemas.microsoft.com/office/drawing/2014/main" id="{E0CE7FFE-9B52-42EE-A75A-2E477EB61C6B}"/>
+              </a:ext>
+            </a:extLst>
+          </p:cNvPr>
+          <p:cNvPicPr>
+            <a:picLocks noChangeAspect="1"/>
+          </p:cNvPicPr>
+          <p:nvPr/>
+        </p:nvPicPr>
+        <p:blipFill>
+          <a:blip r:embed="rId5">
+            <a:extLst>
+              <a:ext uri="{28A0092B-C50C-407E-A947-70E740481C1C}">
+                <a14:useLocalDpi xmlns:a14="http://schemas.microsoft.com/office/drawing/2010/main" val="0"/>
+              </a:ext>
+            </a:extLst>
+          </a:blip>
+          <a:stretch>
+            <a:fillRect/>
+          </a:stretch>
+        </p:blipFill>
+        <p:spPr>
+          <a:xfrm>
+            <a:off x="838200" y="2743514"/>
+            <a:ext cx="8556123" cy="3848922"/>
+          </a:xfrm>
+          <a:prstGeom prst="rect">
+            <a:avLst/>
+          </a:prstGeom>
+        </p:spPr>
+      </p:pic>
     </p:spTree>
     <p:extLst>
       <p:ext uri="{BB962C8B-B14F-4D97-AF65-F5344CB8AC3E}">
-        <p14:creationId xmlns:p14="http://schemas.microsoft.com/office/powerpoint/2010/main" val="2072897361"/>
+        <p14:creationId xmlns:p14="http://schemas.microsoft.com/office/powerpoint/2010/main" val="3408862131"/>
       </p:ext>
     </p:extLst>
   </p:cSld>
   <p:clrMapOvr>
     <a:masterClrMapping/>
   </p:clrMapOvr>
+  <p:timing>
+    <p:tnLst>
+      <p:par>
+        <p:cTn id="1" dur="indefinite" restart="never" nodeType="tmRoot">
+          <p:childTnLst>
+            <p:seq concurrent="1" nextAc="seek">
+              <p:cTn id="2" dur="indefinite" nodeType="mainSeq">
+                <p:childTnLst>
+                  <p:par>
+                    <p:cTn id="3" fill="hold">
+                      <p:stCondLst>
+                        <p:cond delay="indefinite"/>
+                      </p:stCondLst>
+                      <p:childTnLst>
+                        <p:par>
+                          <p:cTn id="4" fill="hold">
+                            <p:stCondLst>
+                              <p:cond delay="0"/>
+                            </p:stCondLst>
+                            <p:childTnLst>
+                              <p:par>
+                                <p:cTn id="5" presetID="2" presetClass="entr" presetSubtype="8" fill="hold" nodeType="clickEffect">
+                                  <p:stCondLst>
+                                    <p:cond delay="0"/>
+                                  </p:stCondLst>
+                                  <p:childTnLst>
+                                    <p:set>
+                                      <p:cBhvr>
+                                        <p:cTn id="6" dur="1" fill="hold">
+                                          <p:stCondLst>
+                                            <p:cond delay="0"/>
+                                          </p:stCondLst>
+                                        </p:cTn>
+                                        <p:tgtEl>
+                                          <p:spTgt spid="5"/>
+                                        </p:tgtEl>
+                                        <p:attrNameLst>
+                                          <p:attrName>style.visibility</p:attrName>
+                                        </p:attrNameLst>
+                                      </p:cBhvr>
+                                      <p:to>
+                                        <p:strVal val="visible"/>
+                                      </p:to>
+                                    </p:set>
+                                    <p:anim calcmode="lin" valueType="num">
+                                      <p:cBhvr additive="base">
+                                        <p:cTn id="7" dur="500" fill="hold"/>
+                                        <p:tgtEl>
+                                          <p:spTgt spid="5"/>
+                                        </p:tgtEl>
+                                        <p:attrNameLst>
+                                          <p:attrName>ppt_x</p:attrName>
+                                        </p:attrNameLst>
+                                      </p:cBhvr>
+                                      <p:tavLst>
+                                        <p:tav tm="0">
+                                          <p:val>
+                                            <p:strVal val="0-#ppt_w/2"/>
+                                          </p:val>
+                                        </p:tav>
+                                        <p:tav tm="100000">
+                                          <p:val>
+                                            <p:strVal val="#ppt_x"/>
+                                          </p:val>
+                                        </p:tav>
+                                      </p:tavLst>
+                                    </p:anim>
+                                    <p:anim calcmode="lin" valueType="num">
+                                      <p:cBhvr additive="base">
+                                        <p:cTn id="8" dur="500" fill="hold"/>
+                                        <p:tgtEl>
+                                          <p:spTgt spid="5"/>
+                                        </p:tgtEl>
+                                        <p:attrNameLst>
+                                          <p:attrName>ppt_y</p:attrName>
+                                        </p:attrNameLst>
+                                      </p:cBhvr>
+                                      <p:tavLst>
+                                        <p:tav tm="0">
+                                          <p:val>
+                                            <p:strVal val="#ppt_y"/>
+                                          </p:val>
+                                        </p:tav>
+                                        <p:tav tm="100000">
+                                          <p:val>
+                                            <p:strVal val="#ppt_y"/>
+                                          </p:val>
+                                        </p:tav>
+                                      </p:tavLst>
+                                    </p:anim>
+                                  </p:childTnLst>
+                                </p:cTn>
+                              </p:par>
+                            </p:childTnLst>
+                          </p:cTn>
+                        </p:par>
+                      </p:childTnLst>
+                    </p:cTn>
+                  </p:par>
+                  <p:par>
+                    <p:cTn id="9" fill="hold">
+                      <p:stCondLst>
+                        <p:cond delay="indefinite"/>
+                      </p:stCondLst>
+                      <p:childTnLst>
+                        <p:par>
+                          <p:cTn id="10" fill="hold">
+                            <p:stCondLst>
+                              <p:cond delay="0"/>
+                            </p:stCondLst>
+                            <p:childTnLst>
+                              <p:par>
+                                <p:cTn id="11" presetID="2" presetClass="exit" presetSubtype="2" fill="hold" nodeType="clickEffect">
+                                  <p:stCondLst>
+                                    <p:cond delay="0"/>
+                                  </p:stCondLst>
+                                  <p:childTnLst>
+                                    <p:anim calcmode="lin" valueType="num">
+                                      <p:cBhvr additive="base">
+                                        <p:cTn id="12" dur="500"/>
+                                        <p:tgtEl>
+                                          <p:spTgt spid="5"/>
+                                        </p:tgtEl>
+                                        <p:attrNameLst>
+                                          <p:attrName>ppt_x</p:attrName>
+                                        </p:attrNameLst>
+                                      </p:cBhvr>
+                                      <p:tavLst>
+                                        <p:tav tm="0">
+                                          <p:val>
+                                            <p:strVal val="ppt_x"/>
+                                          </p:val>
+                                        </p:tav>
+                                        <p:tav tm="100000">
+                                          <p:val>
+                                            <p:strVal val="1+ppt_w/2"/>
+                                          </p:val>
+                                        </p:tav>
+                                      </p:tavLst>
+                                    </p:anim>
+                                    <p:anim calcmode="lin" valueType="num">
+                                      <p:cBhvr additive="base">
+                                        <p:cTn id="13" dur="500"/>
+                                        <p:tgtEl>
+                                          <p:spTgt spid="5"/>
+                                        </p:tgtEl>
+                                        <p:attrNameLst>
+                                          <p:attrName>ppt_y</p:attrName>
+                                        </p:attrNameLst>
+                                      </p:cBhvr>
+                                      <p:tavLst>
+                                        <p:tav tm="0">
+                                          <p:val>
+                                            <p:strVal val="ppt_y"/>
+                                          </p:val>
+                                        </p:tav>
+                                        <p:tav tm="100000">
+                                          <p:val>
+                                            <p:strVal val="ppt_y"/>
+                                          </p:val>
+                                        </p:tav>
+                                      </p:tavLst>
+                                    </p:anim>
+                                    <p:set>
+                                      <p:cBhvr>
+                                        <p:cTn id="14" dur="1" fill="hold">
+                                          <p:stCondLst>
+                                            <p:cond delay="499"/>
+                                          </p:stCondLst>
+                                        </p:cTn>
+                                        <p:tgtEl>
+                                          <p:spTgt spid="5"/>
+                                        </p:tgtEl>
+                                        <p:attrNameLst>
+                                          <p:attrName>style.visibility</p:attrName>
+                                        </p:attrNameLst>
+                                      </p:cBhvr>
+                                      <p:to>
+                                        <p:strVal val="hidden"/>
+                                      </p:to>
+                                    </p:set>
+                                  </p:childTnLst>
+                                </p:cTn>
+                              </p:par>
+                              <p:par>
+                                <p:cTn id="15" presetID="2" presetClass="entr" presetSubtype="8" fill="hold" nodeType="withEffect">
+                                  <p:stCondLst>
+                                    <p:cond delay="0"/>
+                                  </p:stCondLst>
+                                  <p:childTnLst>
+                                    <p:set>
+                                      <p:cBhvr>
+                                        <p:cTn id="16" dur="1" fill="hold">
+                                          <p:stCondLst>
+                                            <p:cond delay="0"/>
+                                          </p:stCondLst>
+                                        </p:cTn>
+                                        <p:tgtEl>
+                                          <p:spTgt spid="7"/>
+                                        </p:tgtEl>
+                                        <p:attrNameLst>
+                                          <p:attrName>style.visibility</p:attrName>
+                                        </p:attrNameLst>
+                                      </p:cBhvr>
+                                      <p:to>
+                                        <p:strVal val="visible"/>
+                                      </p:to>
+                                    </p:set>
+                                    <p:anim calcmode="lin" valueType="num">
+                                      <p:cBhvr additive="base">
+                                        <p:cTn id="17" dur="500" fill="hold"/>
+                                        <p:tgtEl>
+                                          <p:spTgt spid="7"/>
+                                        </p:tgtEl>
+                                        <p:attrNameLst>
+                                          <p:attrName>ppt_x</p:attrName>
+                                        </p:attrNameLst>
+                                      </p:cBhvr>
+                                      <p:tavLst>
+                                        <p:tav tm="0">
+                                          <p:val>
+                                            <p:strVal val="0-#ppt_w/2"/>
+                                          </p:val>
+                                        </p:tav>
+                                        <p:tav tm="100000">
+                                          <p:val>
+                                            <p:strVal val="#ppt_x"/>
+                                          </p:val>
+                                        </p:tav>
+                                      </p:tavLst>
+                                    </p:anim>
+                                    <p:anim calcmode="lin" valueType="num">
+                                      <p:cBhvr additive="base">
+                                        <p:cTn id="18" dur="500" fill="hold"/>
+                                        <p:tgtEl>
+                                          <p:spTgt spid="7"/>
+                                        </p:tgtEl>
+                                        <p:attrNameLst>
+                                          <p:attrName>ppt_y</p:attrName>
+                                        </p:attrNameLst>
+                                      </p:cBhvr>
+                                      <p:tavLst>
+                                        <p:tav tm="0">
+                                          <p:val>
+                                            <p:strVal val="#ppt_y"/>
+                                          </p:val>
+                                        </p:tav>
+                                        <p:tav tm="100000">
+                                          <p:val>
+                                            <p:strVal val="#ppt_y"/>
+                                          </p:val>
+                                        </p:tav>
+                                      </p:tavLst>
+                                    </p:anim>
+                                  </p:childTnLst>
+                                </p:cTn>
+                              </p:par>
+                            </p:childTnLst>
+                          </p:cTn>
+                        </p:par>
+                      </p:childTnLst>
+                    </p:cTn>
+                  </p:par>
+                  <p:par>
+                    <p:cTn id="19" fill="hold">
+                      <p:stCondLst>
+                        <p:cond delay="indefinite"/>
+                      </p:stCondLst>
+                      <p:childTnLst>
+                        <p:par>
+                          <p:cTn id="20" fill="hold">
+                            <p:stCondLst>
+                              <p:cond delay="0"/>
+                            </p:stCondLst>
+                            <p:childTnLst>
+                              <p:par>
+                                <p:cTn id="21" presetID="2" presetClass="exit" presetSubtype="4" fill="hold" nodeType="clickEffect">
+                                  <p:stCondLst>
+                                    <p:cond delay="0"/>
+                                  </p:stCondLst>
+                                  <p:childTnLst>
+                                    <p:anim calcmode="lin" valueType="num">
+                                      <p:cBhvr additive="base">
+                                        <p:cTn id="22" dur="500"/>
+                                        <p:tgtEl>
+                                          <p:spTgt spid="7"/>
+                                        </p:tgtEl>
+                                        <p:attrNameLst>
+                                          <p:attrName>ppt_x</p:attrName>
+                                        </p:attrNameLst>
+                                      </p:cBhvr>
+                                      <p:tavLst>
+                                        <p:tav tm="0">
+                                          <p:val>
+                                            <p:strVal val="ppt_x"/>
+                                          </p:val>
+                                        </p:tav>
+                                        <p:tav tm="100000">
+                                          <p:val>
+                                            <p:strVal val="ppt_x"/>
+                                          </p:val>
+                                        </p:tav>
+                                      </p:tavLst>
+                                    </p:anim>
+                                    <p:anim calcmode="lin" valueType="num">
+                                      <p:cBhvr additive="base">
+                                        <p:cTn id="23" dur="500"/>
+                                        <p:tgtEl>
+                                          <p:spTgt spid="7"/>
+                                        </p:tgtEl>
+                                        <p:attrNameLst>
+                                          <p:attrName>ppt_y</p:attrName>
+                                        </p:attrNameLst>
+                                      </p:cBhvr>
+                                      <p:tavLst>
+                                        <p:tav tm="0">
+                                          <p:val>
+                                            <p:strVal val="ppt_y"/>
+                                          </p:val>
+                                        </p:tav>
+                                        <p:tav tm="100000">
+                                          <p:val>
+                                            <p:strVal val="1+ppt_h/2"/>
+                                          </p:val>
+                                        </p:tav>
+                                      </p:tavLst>
+                                    </p:anim>
+                                    <p:set>
+                                      <p:cBhvr>
+                                        <p:cTn id="24" dur="1" fill="hold">
+                                          <p:stCondLst>
+                                            <p:cond delay="499"/>
+                                          </p:stCondLst>
+                                        </p:cTn>
+                                        <p:tgtEl>
+                                          <p:spTgt spid="7"/>
+                                        </p:tgtEl>
+                                        <p:attrNameLst>
+                                          <p:attrName>style.visibility</p:attrName>
+                                        </p:attrNameLst>
+                                      </p:cBhvr>
+                                      <p:to>
+                                        <p:strVal val="hidden"/>
+                                      </p:to>
+                                    </p:set>
+                                  </p:childTnLst>
+                                </p:cTn>
+                              </p:par>
+                              <p:par>
+                                <p:cTn id="25" presetID="2" presetClass="entr" presetSubtype="8" fill="hold" nodeType="withEffect">
+                                  <p:stCondLst>
+                                    <p:cond delay="0"/>
+                                  </p:stCondLst>
+                                  <p:childTnLst>
+                                    <p:set>
+                                      <p:cBhvr>
+                                        <p:cTn id="26" dur="1" fill="hold">
+                                          <p:stCondLst>
+                                            <p:cond delay="0"/>
+                                          </p:stCondLst>
+                                        </p:cTn>
+                                        <p:tgtEl>
+                                          <p:spTgt spid="9"/>
+                                        </p:tgtEl>
+                                        <p:attrNameLst>
+                                          <p:attrName>style.visibility</p:attrName>
+                                        </p:attrNameLst>
+                                      </p:cBhvr>
+                                      <p:to>
+                                        <p:strVal val="visible"/>
+                                      </p:to>
+                                    </p:set>
+                                    <p:anim calcmode="lin" valueType="num">
+                                      <p:cBhvr additive="base">
+                                        <p:cTn id="27" dur="500" fill="hold"/>
+                                        <p:tgtEl>
+                                          <p:spTgt spid="9"/>
+                                        </p:tgtEl>
+                                        <p:attrNameLst>
+                                          <p:attrName>ppt_x</p:attrName>
+                                        </p:attrNameLst>
+                                      </p:cBhvr>
+                                      <p:tavLst>
+                                        <p:tav tm="0">
+                                          <p:val>
+                                            <p:strVal val="0-#ppt_w/2"/>
+                                          </p:val>
+                                        </p:tav>
+                                        <p:tav tm="100000">
+                                          <p:val>
+                                            <p:strVal val="#ppt_x"/>
+                                          </p:val>
+                                        </p:tav>
+                                      </p:tavLst>
+                                    </p:anim>
+                                    <p:anim calcmode="lin" valueType="num">
+                                      <p:cBhvr additive="base">
+                                        <p:cTn id="28" dur="500" fill="hold"/>
+                                        <p:tgtEl>
+                                          <p:spTgt spid="9"/>
+                                        </p:tgtEl>
+                                        <p:attrNameLst>
+                                          <p:attrName>ppt_y</p:attrName>
+                                        </p:attrNameLst>
+                                      </p:cBhvr>
+                                      <p:tavLst>
+                                        <p:tav tm="0">
+                                          <p:val>
+                                            <p:strVal val="#ppt_y"/>
+                                          </p:val>
+                                        </p:tav>
+                                        <p:tav tm="100000">
+                                          <p:val>
+                                            <p:strVal val="#ppt_y"/>
+                                          </p:val>
+                                        </p:tav>
+                                      </p:tavLst>
+                                    </p:anim>
+                                  </p:childTnLst>
+                                </p:cTn>
+                              </p:par>
+                            </p:childTnLst>
+                          </p:cTn>
+                        </p:par>
+                      </p:childTnLst>
+                    </p:cTn>
+                  </p:par>
+                  <p:par>
+                    <p:cTn id="29" fill="hold">
+                      <p:stCondLst>
+                        <p:cond delay="indefinite"/>
+                      </p:stCondLst>
+                      <p:childTnLst>
+                        <p:par>
+                          <p:cTn id="30" fill="hold">
+                            <p:stCondLst>
+                              <p:cond delay="0"/>
+                            </p:stCondLst>
+                            <p:childTnLst>
+                              <p:par>
+                                <p:cTn id="31" presetID="2" presetClass="exit" presetSubtype="2" fill="hold" nodeType="clickEffect">
+                                  <p:stCondLst>
+                                    <p:cond delay="0"/>
+                                  </p:stCondLst>
+                                  <p:childTnLst>
+                                    <p:anim calcmode="lin" valueType="num">
+                                      <p:cBhvr additive="base">
+                                        <p:cTn id="32" dur="500"/>
+                                        <p:tgtEl>
+                                          <p:spTgt spid="9"/>
+                                        </p:tgtEl>
+                                        <p:attrNameLst>
+                                          <p:attrName>ppt_x</p:attrName>
+                                        </p:attrNameLst>
+                                      </p:cBhvr>
+                                      <p:tavLst>
+                                        <p:tav tm="0">
+                                          <p:val>
+                                            <p:strVal val="ppt_x"/>
+                                          </p:val>
+                                        </p:tav>
+                                        <p:tav tm="100000">
+                                          <p:val>
+                                            <p:strVal val="1+ppt_w/2"/>
+                                          </p:val>
+                                        </p:tav>
+                                      </p:tavLst>
+                                    </p:anim>
+                                    <p:anim calcmode="lin" valueType="num">
+                                      <p:cBhvr additive="base">
+                                        <p:cTn id="33" dur="500"/>
+                                        <p:tgtEl>
+                                          <p:spTgt spid="9"/>
+                                        </p:tgtEl>
+                                        <p:attrNameLst>
+                                          <p:attrName>ppt_y</p:attrName>
+                                        </p:attrNameLst>
+                                      </p:cBhvr>
+                                      <p:tavLst>
+                                        <p:tav tm="0">
+                                          <p:val>
+                                            <p:strVal val="ppt_y"/>
+                                          </p:val>
+                                        </p:tav>
+                                        <p:tav tm="100000">
+                                          <p:val>
+                                            <p:strVal val="ppt_y"/>
+                                          </p:val>
+                                        </p:tav>
+                                      </p:tavLst>
+                                    </p:anim>
+                                    <p:set>
+                                      <p:cBhvr>
+                                        <p:cTn id="34" dur="1" fill="hold">
+                                          <p:stCondLst>
+                                            <p:cond delay="499"/>
+                                          </p:stCondLst>
+                                        </p:cTn>
+                                        <p:tgtEl>
+                                          <p:spTgt spid="9"/>
+                                        </p:tgtEl>
+                                        <p:attrNameLst>
+                                          <p:attrName>style.visibility</p:attrName>
+                                        </p:attrNameLst>
+                                      </p:cBhvr>
+                                      <p:to>
+                                        <p:strVal val="hidden"/>
+                                      </p:to>
+                                    </p:set>
+                                  </p:childTnLst>
+                                </p:cTn>
+                              </p:par>
+                              <p:par>
+                                <p:cTn id="35" presetID="2" presetClass="entr" presetSubtype="8" fill="hold" nodeType="withEffect">
+                                  <p:stCondLst>
+                                    <p:cond delay="0"/>
+                                  </p:stCondLst>
+                                  <p:childTnLst>
+                                    <p:set>
+                                      <p:cBhvr>
+                                        <p:cTn id="36" dur="1" fill="hold">
+                                          <p:stCondLst>
+                                            <p:cond delay="0"/>
+                                          </p:stCondLst>
+                                        </p:cTn>
+                                        <p:tgtEl>
+                                          <p:spTgt spid="11"/>
+                                        </p:tgtEl>
+                                        <p:attrNameLst>
+                                          <p:attrName>style.visibility</p:attrName>
+                                        </p:attrNameLst>
+                                      </p:cBhvr>
+                                      <p:to>
+                                        <p:strVal val="visible"/>
+                                      </p:to>
+                                    </p:set>
+                                    <p:anim calcmode="lin" valueType="num">
+                                      <p:cBhvr additive="base">
+                                        <p:cTn id="37" dur="500" fill="hold"/>
+                                        <p:tgtEl>
+                                          <p:spTgt spid="11"/>
+                                        </p:tgtEl>
+                                        <p:attrNameLst>
+                                          <p:attrName>ppt_x</p:attrName>
+                                        </p:attrNameLst>
+                                      </p:cBhvr>
+                                      <p:tavLst>
+                                        <p:tav tm="0">
+                                          <p:val>
+                                            <p:strVal val="0-#ppt_w/2"/>
+                                          </p:val>
+                                        </p:tav>
+                                        <p:tav tm="100000">
+                                          <p:val>
+                                            <p:strVal val="#ppt_x"/>
+                                          </p:val>
+                                        </p:tav>
+                                      </p:tavLst>
+                                    </p:anim>
+                                    <p:anim calcmode="lin" valueType="num">
+                                      <p:cBhvr additive="base">
+                                        <p:cTn id="38" dur="500" fill="hold"/>
+                                        <p:tgtEl>
+                                          <p:spTgt spid="11"/>
+                                        </p:tgtEl>
+                                        <p:attrNameLst>
+                                          <p:attrName>ppt_y</p:attrName>
+                                        </p:attrNameLst>
+                                      </p:cBhvr>
+                                      <p:tavLst>
+                                        <p:tav tm="0">
+                                          <p:val>
+                                            <p:strVal val="#ppt_y"/>
+                                          </p:val>
+                                        </p:tav>
+                                        <p:tav tm="100000">
+                                          <p:val>
+                                            <p:strVal val="#ppt_y"/>
+                                          </p:val>
+                                        </p:tav>
+                                      </p:tavLst>
+                                    </p:anim>
+                                  </p:childTnLst>
+                                </p:cTn>
+                              </p:par>
+                            </p:childTnLst>
+                          </p:cTn>
+                        </p:par>
+                      </p:childTnLst>
+                    </p:cTn>
+                  </p:par>
+                  <p:par>
+                    <p:cTn id="39" fill="hold">
+                      <p:stCondLst>
+                        <p:cond delay="indefinite"/>
+                      </p:stCondLst>
+                      <p:childTnLst>
+                        <p:par>
+                          <p:cTn id="40" fill="hold">
+                            <p:stCondLst>
+                              <p:cond delay="0"/>
+                            </p:stCondLst>
+                            <p:childTnLst>
+                              <p:par>
+                                <p:cTn id="41" presetID="2" presetClass="exit" presetSubtype="2" fill="hold" nodeType="clickEffect">
+                                  <p:stCondLst>
+                                    <p:cond delay="0"/>
+                                  </p:stCondLst>
+                                  <p:childTnLst>
+                                    <p:anim calcmode="lin" valueType="num">
+                                      <p:cBhvr additive="base">
+                                        <p:cTn id="42" dur="500"/>
+                                        <p:tgtEl>
+                                          <p:spTgt spid="11"/>
+                                        </p:tgtEl>
+                                        <p:attrNameLst>
+                                          <p:attrName>ppt_x</p:attrName>
+                                        </p:attrNameLst>
+                                      </p:cBhvr>
+                                      <p:tavLst>
+                                        <p:tav tm="0">
+                                          <p:val>
+                                            <p:strVal val="ppt_x"/>
+                                          </p:val>
+                                        </p:tav>
+                                        <p:tav tm="100000">
+                                          <p:val>
+                                            <p:strVal val="1+ppt_w/2"/>
+                                          </p:val>
+                                        </p:tav>
+                                      </p:tavLst>
+                                    </p:anim>
+                                    <p:anim calcmode="lin" valueType="num">
+                                      <p:cBhvr additive="base">
+                                        <p:cTn id="43" dur="500"/>
+                                        <p:tgtEl>
+                                          <p:spTgt spid="11"/>
+                                        </p:tgtEl>
+                                        <p:attrNameLst>
+                                          <p:attrName>ppt_y</p:attrName>
+                                        </p:attrNameLst>
+                                      </p:cBhvr>
+                                      <p:tavLst>
+                                        <p:tav tm="0">
+                                          <p:val>
+                                            <p:strVal val="ppt_y"/>
+                                          </p:val>
+                                        </p:tav>
+                                        <p:tav tm="100000">
+                                          <p:val>
+                                            <p:strVal val="ppt_y"/>
+                                          </p:val>
+                                        </p:tav>
+                                      </p:tavLst>
+                                    </p:anim>
+                                    <p:set>
+                                      <p:cBhvr>
+                                        <p:cTn id="44" dur="1" fill="hold">
+                                          <p:stCondLst>
+                                            <p:cond delay="499"/>
+                                          </p:stCondLst>
+                                        </p:cTn>
+                                        <p:tgtEl>
+                                          <p:spTgt spid="11"/>
+                                        </p:tgtEl>
+                                        <p:attrNameLst>
+                                          <p:attrName>style.visibility</p:attrName>
+                                        </p:attrNameLst>
+                                      </p:cBhvr>
+                                      <p:to>
+                                        <p:strVal val="hidden"/>
+                                      </p:to>
+                                    </p:set>
+                                  </p:childTnLst>
+                                </p:cTn>
+                              </p:par>
+                            </p:childTnLst>
+                          </p:cTn>
+                        </p:par>
+                      </p:childTnLst>
+                    </p:cTn>
+                  </p:par>
+                </p:childTnLst>
+              </p:cTn>
+              <p:prevCondLst>
+                <p:cond evt="onPrev" delay="0">
+                  <p:tgtEl>
+                    <p:sldTgt/>
+                  </p:tgtEl>
+                </p:cond>
+              </p:prevCondLst>
+              <p:nextCondLst>
+                <p:cond evt="onNext" delay="0">
+                  <p:tgtEl>
+                    <p:sldTgt/>
+                  </p:tgtEl>
+                </p:cond>
+              </p:nextCondLst>
+            </p:seq>
+          </p:childTnLst>
+        </p:cTn>
+      </p:par>
+    </p:tnLst>
+  </p:timing>
 </p:sld>
 </file>
 
@@ -4881,7 +5898,7 @@
           <p:cNvPr id="2" name="Titel 1">
             <a:extLst>
               <a:ext uri="{FF2B5EF4-FFF2-40B4-BE49-F238E27FC236}">
-                <a16:creationId xmlns:a16="http://schemas.microsoft.com/office/drawing/2014/main" id="{EBE412B9-825A-4619-AE98-E2F100B37428}"/>
+                <a16:creationId xmlns:a16="http://schemas.microsoft.com/office/drawing/2014/main" id="{1B29F7BE-03D8-4A59-9FB3-6F1599BB8555}"/>
               </a:ext>
             </a:extLst>
           </p:cNvPr>
@@ -4894,17 +5911,22 @@
         </p:nvSpPr>
         <p:spPr/>
         <p:txBody>
-          <a:bodyPr/>
-          <a:lstStyle/>
-          <a:p>
-            <a:r>
-              <a:rPr lang="de-DE" dirty="0" err="1"/>
-              <a:t>Incremental</a:t>
-            </a:r>
-            <a:r>
+          <a:bodyPr>
+            <a:normAutofit fontScale="90000"/>
+          </a:bodyPr>
+          <a:lstStyle/>
+          <a:p>
+            <a:br>
               <a:rPr lang="de-DE" dirty="0"/>
-              <a:t> Mode</a:t>
-            </a:r>
+            </a:br>
+            <a:r>
+              <a:rPr lang="de-DE" dirty="0"/>
+              <a:t>Single Mode</a:t>
+            </a:r>
+            <a:br>
+              <a:rPr lang="de-DE" dirty="0"/>
+            </a:br>
+            <a:endParaRPr lang="de-DE" dirty="0"/>
           </a:p>
         </p:txBody>
       </p:sp>
@@ -4913,7 +5935,7 @@
           <p:cNvPr id="3" name="Inhaltsplatzhalter 2">
             <a:extLst>
               <a:ext uri="{FF2B5EF4-FFF2-40B4-BE49-F238E27FC236}">
-                <a16:creationId xmlns:a16="http://schemas.microsoft.com/office/drawing/2014/main" id="{91222411-1958-42EA-A35D-BD3B68D6DA03}"/>
+                <a16:creationId xmlns:a16="http://schemas.microsoft.com/office/drawing/2014/main" id="{87FA39E2-BC1F-4E2A-9CC5-91D2D6870ADD}"/>
               </a:ext>
             </a:extLst>
           </p:cNvPr>
@@ -4936,7 +5958,7 @@
     </p:spTree>
     <p:extLst>
       <p:ext uri="{BB962C8B-B14F-4D97-AF65-F5344CB8AC3E}">
-        <p14:creationId xmlns:p14="http://schemas.microsoft.com/office/powerpoint/2010/main" val="1971463947"/>
+        <p14:creationId xmlns:p14="http://schemas.microsoft.com/office/powerpoint/2010/main" val="2072897361"/>
       </p:ext>
     </p:extLst>
   </p:cSld>
@@ -4968,7 +5990,7 @@
           <p:cNvPr id="2" name="Titel 1">
             <a:extLst>
               <a:ext uri="{FF2B5EF4-FFF2-40B4-BE49-F238E27FC236}">
-                <a16:creationId xmlns:a16="http://schemas.microsoft.com/office/drawing/2014/main" id="{80E9E302-FA41-4FA6-9751-C2ECE5798921}"/>
+                <a16:creationId xmlns:a16="http://schemas.microsoft.com/office/drawing/2014/main" id="{EBE412B9-825A-4619-AE98-E2F100B37428}"/>
               </a:ext>
             </a:extLst>
           </p:cNvPr>
@@ -4986,7 +6008,7 @@
           <a:p>
             <a:r>
               <a:rPr lang="de-DE" dirty="0" err="1"/>
-              <a:t>Wordlist</a:t>
+              <a:t>Incremental</a:t>
             </a:r>
             <a:r>
               <a:rPr lang="de-DE" dirty="0"/>
@@ -5000,7 +6022,7 @@
           <p:cNvPr id="3" name="Inhaltsplatzhalter 2">
             <a:extLst>
               <a:ext uri="{FF2B5EF4-FFF2-40B4-BE49-F238E27FC236}">
-                <a16:creationId xmlns:a16="http://schemas.microsoft.com/office/drawing/2014/main" id="{3F9940E4-13D9-4E28-A091-54D8C1E4031A}"/>
+                <a16:creationId xmlns:a16="http://schemas.microsoft.com/office/drawing/2014/main" id="{91222411-1958-42EA-A35D-BD3B68D6DA03}"/>
               </a:ext>
             </a:extLst>
           </p:cNvPr>
@@ -5023,7 +6045,7 @@
     </p:spTree>
     <p:extLst>
       <p:ext uri="{BB962C8B-B14F-4D97-AF65-F5344CB8AC3E}">
-        <p14:creationId xmlns:p14="http://schemas.microsoft.com/office/powerpoint/2010/main" val="3971972937"/>
+        <p14:creationId xmlns:p14="http://schemas.microsoft.com/office/powerpoint/2010/main" val="1971463947"/>
       </p:ext>
     </p:extLst>
   </p:cSld>
@@ -5055,7 +6077,7 @@
           <p:cNvPr id="2" name="Titel 1">
             <a:extLst>
               <a:ext uri="{FF2B5EF4-FFF2-40B4-BE49-F238E27FC236}">
-                <a16:creationId xmlns:a16="http://schemas.microsoft.com/office/drawing/2014/main" id="{FCF99D54-A6A8-4A4E-9ABD-BD132C99E004}"/>
+                <a16:creationId xmlns:a16="http://schemas.microsoft.com/office/drawing/2014/main" id="{80E9E302-FA41-4FA6-9751-C2ECE5798921}"/>
               </a:ext>
             </a:extLst>
           </p:cNvPr>
@@ -5072,8 +6094,12 @@
           <a:lstStyle/>
           <a:p>
             <a:r>
+              <a:rPr lang="de-DE" dirty="0" err="1"/>
+              <a:t>Wordlist</a:t>
+            </a:r>
+            <a:r>
               <a:rPr lang="de-DE" dirty="0"/>
-              <a:t>Rainbow Table</a:t>
+              <a:t> Mode</a:t>
             </a:r>
           </a:p>
         </p:txBody>
@@ -5083,7 +6109,7 @@
           <p:cNvPr id="3" name="Inhaltsplatzhalter 2">
             <a:extLst>
               <a:ext uri="{FF2B5EF4-FFF2-40B4-BE49-F238E27FC236}">
-                <a16:creationId xmlns:a16="http://schemas.microsoft.com/office/drawing/2014/main" id="{D6CC4D21-A595-4B14-B4F2-D00AAFD68047}"/>
+                <a16:creationId xmlns:a16="http://schemas.microsoft.com/office/drawing/2014/main" id="{3F9940E4-13D9-4E28-A091-54D8C1E4031A}"/>
               </a:ext>
             </a:extLst>
           </p:cNvPr>
@@ -5106,7 +6132,7 @@
     </p:spTree>
     <p:extLst>
       <p:ext uri="{BB962C8B-B14F-4D97-AF65-F5344CB8AC3E}">
-        <p14:creationId xmlns:p14="http://schemas.microsoft.com/office/powerpoint/2010/main" val="488160545"/>
+        <p14:creationId xmlns:p14="http://schemas.microsoft.com/office/powerpoint/2010/main" val="3971972937"/>
       </p:ext>
     </p:extLst>
   </p:cSld>
@@ -5138,7 +6164,7 @@
           <p:cNvPr id="2" name="Titel 1">
             <a:extLst>
               <a:ext uri="{FF2B5EF4-FFF2-40B4-BE49-F238E27FC236}">
-                <a16:creationId xmlns:a16="http://schemas.microsoft.com/office/drawing/2014/main" id="{30DA779D-6326-473E-A8A1-0E95C0F04037}"/>
+                <a16:creationId xmlns:a16="http://schemas.microsoft.com/office/drawing/2014/main" id="{FCF99D54-A6A8-4A4E-9ABD-BD132C99E004}"/>
               </a:ext>
             </a:extLst>
           </p:cNvPr>
@@ -5156,7 +6182,7 @@
           <a:p>
             <a:r>
               <a:rPr lang="de-DE" dirty="0"/>
-              <a:t>Schwachstellen</a:t>
+              <a:t>Rainbow Table</a:t>
             </a:r>
           </a:p>
         </p:txBody>
@@ -5166,7 +6192,7 @@
           <p:cNvPr id="3" name="Inhaltsplatzhalter 2">
             <a:extLst>
               <a:ext uri="{FF2B5EF4-FFF2-40B4-BE49-F238E27FC236}">
-                <a16:creationId xmlns:a16="http://schemas.microsoft.com/office/drawing/2014/main" id="{C9D3442A-FE28-4525-B2C8-2AC27F37FEC1}"/>
+                <a16:creationId xmlns:a16="http://schemas.microsoft.com/office/drawing/2014/main" id="{D6CC4D21-A595-4B14-B4F2-D00AAFD68047}"/>
               </a:ext>
             </a:extLst>
           </p:cNvPr>
@@ -5182,50 +6208,14 @@
           <a:bodyPr/>
           <a:lstStyle/>
           <a:p>
-            <a:r>
-              <a:rPr lang="de-DE" dirty="0"/>
-              <a:t>Zu kurze Passwörter</a:t>
-            </a:r>
-          </a:p>
-          <a:p>
-            <a:r>
-              <a:rPr lang="de-DE" dirty="0"/>
-              <a:t>Unsichere Passwörter</a:t>
-            </a:r>
-          </a:p>
-          <a:p>
-            <a:r>
-              <a:rPr lang="de-DE" dirty="0" err="1"/>
-              <a:t>Bla</a:t>
-            </a:r>
-            <a:r>
-              <a:rPr lang="de-DE" dirty="0"/>
-              <a:t> </a:t>
-            </a:r>
-          </a:p>
-          <a:p>
-            <a:r>
-              <a:rPr lang="de-DE" dirty="0" err="1"/>
-              <a:t>Bla</a:t>
-            </a:r>
-            <a:r>
-              <a:rPr lang="de-DE" dirty="0"/>
-              <a:t> </a:t>
-            </a:r>
-          </a:p>
-          <a:p>
-            <a:r>
-              <a:rPr lang="de-DE" dirty="0" err="1"/>
-              <a:t>bla</a:t>
-            </a:r>
-            <a:endParaRPr lang="de-DE" dirty="0"/>
+            <a:endParaRPr lang="de-DE"/>
           </a:p>
         </p:txBody>
       </p:sp>
     </p:spTree>
     <p:extLst>
       <p:ext uri="{BB962C8B-B14F-4D97-AF65-F5344CB8AC3E}">
-        <p14:creationId xmlns:p14="http://schemas.microsoft.com/office/powerpoint/2010/main" val="598574176"/>
+        <p14:creationId xmlns:p14="http://schemas.microsoft.com/office/powerpoint/2010/main" val="488160545"/>
       </p:ext>
     </p:extLst>
   </p:cSld>

--- a/Vortrag.pptx
+++ b/Vortrag.pptx
@@ -5,7 +5,7 @@
     <p:sldMasterId id="2147483648" r:id="rId1"/>
   </p:sldMasterIdLst>
   <p:notesMasterIdLst>
-    <p:notesMasterId r:id="rId20"/>
+    <p:notesMasterId r:id="rId21"/>
   </p:notesMasterIdLst>
   <p:sldIdLst>
     <p:sldId id="256" r:id="rId2"/>
@@ -19,13 +19,14 @@
     <p:sldId id="260" r:id="rId10"/>
     <p:sldId id="261" r:id="rId11"/>
     <p:sldId id="262" r:id="rId12"/>
-    <p:sldId id="263" r:id="rId13"/>
+    <p:sldId id="276" r:id="rId13"/>
     <p:sldId id="268" r:id="rId14"/>
     <p:sldId id="266" r:id="rId15"/>
     <p:sldId id="258" r:id="rId16"/>
     <p:sldId id="264" r:id="rId17"/>
     <p:sldId id="265" r:id="rId18"/>
     <p:sldId id="275" r:id="rId19"/>
+    <p:sldId id="263" r:id="rId20"/>
   </p:sldIdLst>
   <p:sldSz cx="12192000" cy="6858000"/>
   <p:notesSz cx="6858000" cy="9144000"/>
@@ -15589,6 +15590,66 @@
           </a:p>
         </p:txBody>
       </p:sp>
+      <p:pic>
+        <p:nvPicPr>
+          <p:cNvPr id="5" name="Grafik 4">
+            <a:extLst>
+              <a:ext uri="{FF2B5EF4-FFF2-40B4-BE49-F238E27FC236}">
+                <a16:creationId xmlns:a16="http://schemas.microsoft.com/office/drawing/2014/main" id="{A28AD187-FA51-408B-A963-B7CE6922D56A}"/>
+              </a:ext>
+            </a:extLst>
+          </p:cNvPr>
+          <p:cNvPicPr>
+            <a:picLocks noChangeAspect="1"/>
+          </p:cNvPicPr>
+          <p:nvPr/>
+        </p:nvPicPr>
+        <p:blipFill>
+          <a:blip r:embed="rId2"/>
+          <a:stretch>
+            <a:fillRect/>
+          </a:stretch>
+        </p:blipFill>
+        <p:spPr>
+          <a:xfrm>
+            <a:off x="9898677" y="555763"/>
+            <a:ext cx="2202343" cy="4710818"/>
+          </a:xfrm>
+          <a:prstGeom prst="rect">
+            <a:avLst/>
+          </a:prstGeom>
+        </p:spPr>
+      </p:pic>
+      <p:pic>
+        <p:nvPicPr>
+          <p:cNvPr id="4" name="Grafik 3">
+            <a:extLst>
+              <a:ext uri="{FF2B5EF4-FFF2-40B4-BE49-F238E27FC236}">
+                <a16:creationId xmlns:a16="http://schemas.microsoft.com/office/drawing/2014/main" id="{F5181BB8-BF63-4032-9C79-2FC9AFCEC61A}"/>
+              </a:ext>
+            </a:extLst>
+          </p:cNvPr>
+          <p:cNvPicPr>
+            <a:picLocks noChangeAspect="1"/>
+          </p:cNvPicPr>
+          <p:nvPr/>
+        </p:nvPicPr>
+        <p:blipFill>
+          <a:blip r:embed="rId3"/>
+          <a:stretch>
+            <a:fillRect/>
+          </a:stretch>
+        </p:blipFill>
+        <p:spPr>
+          <a:xfrm>
+            <a:off x="1509897" y="5524155"/>
+            <a:ext cx="8905875" cy="1219200"/>
+          </a:xfrm>
+          <a:prstGeom prst="rect">
+            <a:avLst/>
+          </a:prstGeom>
+        </p:spPr>
+      </p:pic>
       <p:sp>
         <p:nvSpPr>
           <p:cNvPr id="3" name="Inhaltsplatzhalter 2">
@@ -15605,12 +15666,187 @@
             <p:ph idx="1"/>
           </p:nvPr>
         </p:nvSpPr>
-        <p:spPr/>
+        <p:spPr>
+          <a:xfrm>
+            <a:off x="838200" y="1825625"/>
+            <a:ext cx="9060477" cy="3698530"/>
+          </a:xfrm>
+        </p:spPr>
         <p:txBody>
-          <a:bodyPr/>
+          <a:bodyPr>
+            <a:normAutofit fontScale="62500" lnSpcReduction="20000"/>
+          </a:bodyPr>
           <a:lstStyle/>
           <a:p>
-            <a:endParaRPr lang="de-DE"/>
+            <a:r>
+              <a:rPr lang="de-DE" dirty="0"/>
+              <a:t>Passwort raten anhand einer Liste von Passwörtern</a:t>
+            </a:r>
+          </a:p>
+          <a:p>
+            <a:pPr lvl="1"/>
+            <a:r>
+              <a:rPr lang="de-DE" dirty="0"/>
+              <a:t>Auch Wörterbuch genannt</a:t>
+            </a:r>
+          </a:p>
+          <a:p>
+            <a:pPr lvl="1"/>
+            <a:endParaRPr lang="de-DE" dirty="0"/>
+          </a:p>
+          <a:p>
+            <a:pPr lvl="1"/>
+            <a:r>
+              <a:rPr lang="de-DE" dirty="0"/>
+              <a:t>Die Liste wird Stück für Stück durchgegangen und ausprobiert</a:t>
+            </a:r>
+          </a:p>
+          <a:p>
+            <a:pPr lvl="1"/>
+            <a:r>
+              <a:rPr lang="de-DE" dirty="0"/>
+              <a:t>Enthält meistens die üblichen Passwörter</a:t>
+            </a:r>
+          </a:p>
+          <a:p>
+            <a:pPr lvl="1"/>
+            <a:endParaRPr lang="de-DE" dirty="0"/>
+          </a:p>
+          <a:p>
+            <a:pPr lvl="1"/>
+            <a:r>
+              <a:rPr lang="de-DE" dirty="0"/>
+              <a:t>Schnellster Angriffsmodi</a:t>
+            </a:r>
+          </a:p>
+          <a:p>
+            <a:pPr lvl="1"/>
+            <a:endParaRPr lang="de-DE" dirty="0"/>
+          </a:p>
+          <a:p>
+            <a:pPr lvl="1"/>
+            <a:r>
+              <a:rPr lang="de-DE" dirty="0"/>
+              <a:t>John empfiehlt als </a:t>
+            </a:r>
+            <a:r>
+              <a:rPr lang="de-DE" dirty="0" err="1"/>
+              <a:t>Wordlist</a:t>
+            </a:r>
+            <a:r>
+              <a:rPr lang="de-DE" dirty="0"/>
+              <a:t> </a:t>
+            </a:r>
+            <a:r>
+              <a:rPr lang="de-DE" dirty="0" err="1"/>
+              <a:t>Openwall</a:t>
+            </a:r>
+            <a:endParaRPr lang="de-DE" dirty="0"/>
+          </a:p>
+          <a:p>
+            <a:pPr lvl="2"/>
+            <a:r>
+              <a:rPr lang="de-DE" dirty="0" err="1"/>
+              <a:t>Openwall</a:t>
+            </a:r>
+            <a:r>
+              <a:rPr lang="de-DE" dirty="0"/>
+              <a:t>= riesige </a:t>
+            </a:r>
+            <a:r>
+              <a:rPr lang="de-DE" dirty="0" err="1"/>
+              <a:t>Wordlist</a:t>
+            </a:r>
+            <a:r>
+              <a:rPr lang="de-DE" dirty="0"/>
+              <a:t> nach </a:t>
+            </a:r>
+            <a:r>
+              <a:rPr lang="de-DE" dirty="0" err="1"/>
+              <a:t>wahrscheinlichkeiten</a:t>
+            </a:r>
+            <a:r>
+              <a:rPr lang="de-DE" dirty="0"/>
+              <a:t> sortiert</a:t>
+            </a:r>
+          </a:p>
+          <a:p>
+            <a:pPr marL="0" indent="0">
+              <a:buNone/>
+            </a:pPr>
+            <a:endParaRPr lang="de-DE" dirty="0"/>
+          </a:p>
+          <a:p>
+            <a:r>
+              <a:rPr lang="de-DE" dirty="0"/>
+              <a:t>Beispiel von vorhin</a:t>
+            </a:r>
+          </a:p>
+          <a:p>
+            <a:pPr lvl="1"/>
+            <a:r>
+              <a:rPr lang="de-DE" dirty="0" err="1"/>
+              <a:t>sschuck</a:t>
+            </a:r>
+            <a:r>
+              <a:rPr lang="de-DE" dirty="0"/>
+              <a:t>:$6$Finhqm.v$kgiVkr38bZXIUNLFJZQYa..mXmCmVYn7ohD/OkYgB568jVyhNm2ZQUrknk14kXZdMnAJsDynHQbgz7elqOQlV0:17670:0:99999:7:::</a:t>
+            </a:r>
+          </a:p>
+          <a:p>
+            <a:pPr lvl="1"/>
+            <a:r>
+              <a:rPr lang="de-DE" dirty="0"/>
+              <a:t>John  --</a:t>
+            </a:r>
+            <a:r>
+              <a:rPr lang="de-DE" dirty="0" err="1"/>
+              <a:t>wordlist</a:t>
+            </a:r>
+            <a:r>
+              <a:rPr lang="de-DE" dirty="0"/>
+              <a:t>=&lt;ausgewähltes Wörterbuch&gt;</a:t>
+            </a:r>
+          </a:p>
+        </p:txBody>
+      </p:sp>
+      <p:sp>
+        <p:nvSpPr>
+          <p:cNvPr id="6" name="Textfeld 5">
+            <a:extLst>
+              <a:ext uri="{FF2B5EF4-FFF2-40B4-BE49-F238E27FC236}">
+                <a16:creationId xmlns:a16="http://schemas.microsoft.com/office/drawing/2014/main" id="{B515C775-E9F7-47DE-AFCE-53CD039D5A44}"/>
+              </a:ext>
+            </a:extLst>
+          </p:cNvPr>
+          <p:cNvSpPr txBox="1"/>
+          <p:nvPr/>
+        </p:nvSpPr>
+        <p:spPr>
+          <a:xfrm>
+            <a:off x="9827581" y="186431"/>
+            <a:ext cx="2095130" cy="369332"/>
+          </a:xfrm>
+          <a:prstGeom prst="rect">
+            <a:avLst/>
+          </a:prstGeom>
+          <a:noFill/>
+        </p:spPr>
+        <p:txBody>
+          <a:bodyPr wrap="square" rtlCol="0">
+            <a:spAutoFit/>
+          </a:bodyPr>
+          <a:lstStyle/>
+          <a:p>
+            <a:r>
+              <a:rPr lang="de-DE" dirty="0"/>
+              <a:t>Auszug der </a:t>
+            </a:r>
+            <a:r>
+              <a:rPr lang="de-DE" dirty="0" err="1"/>
+              <a:t>Wordlist</a:t>
+            </a:r>
+            <a:endParaRPr lang="de-DE" dirty="0"/>
           </a:p>
         </p:txBody>
       </p:sp>
@@ -15649,7 +15885,7 @@
           <p:cNvPr id="2" name="Titel 1">
             <a:extLst>
               <a:ext uri="{FF2B5EF4-FFF2-40B4-BE49-F238E27FC236}">
-                <a16:creationId xmlns:a16="http://schemas.microsoft.com/office/drawing/2014/main" id="{FCF99D54-A6A8-4A4E-9ABD-BD132C99E004}"/>
+                <a16:creationId xmlns:a16="http://schemas.microsoft.com/office/drawing/2014/main" id="{9CC266D1-B1B5-482E-86A7-BCA534BEF143}"/>
               </a:ext>
             </a:extLst>
           </p:cNvPr>
@@ -15667,7 +15903,15 @@
           <a:p>
             <a:r>
               <a:rPr lang="de-DE" dirty="0"/>
-              <a:t>Rainbow Table</a:t>
+              <a:t>Schutz vor </a:t>
+            </a:r>
+            <a:r>
+              <a:rPr lang="de-DE" dirty="0" err="1"/>
+              <a:t>Wordlist</a:t>
+            </a:r>
+            <a:r>
+              <a:rPr lang="de-DE" dirty="0"/>
+              <a:t> angriffen</a:t>
             </a:r>
           </a:p>
         </p:txBody>
@@ -15677,7 +15921,7 @@
           <p:cNvPr id="3" name="Inhaltsplatzhalter 2">
             <a:extLst>
               <a:ext uri="{FF2B5EF4-FFF2-40B4-BE49-F238E27FC236}">
-                <a16:creationId xmlns:a16="http://schemas.microsoft.com/office/drawing/2014/main" id="{D6CC4D21-A595-4B14-B4F2-D00AAFD68047}"/>
+                <a16:creationId xmlns:a16="http://schemas.microsoft.com/office/drawing/2014/main" id="{D8F90D97-8AE4-4AF9-A2A9-BE3D739C1C8A}"/>
               </a:ext>
             </a:extLst>
           </p:cNvPr>
@@ -15693,14 +15937,54 @@
           <a:bodyPr/>
           <a:lstStyle/>
           <a:p>
-            <a:endParaRPr lang="de-DE"/>
+            <a:r>
+              <a:rPr lang="de-DE" dirty="0"/>
+              <a:t>Keine Zusammenhängenden Wörter</a:t>
+            </a:r>
+          </a:p>
+          <a:p>
+            <a:r>
+              <a:rPr lang="de-DE" dirty="0"/>
+              <a:t>Keine Tastaturlayouts bei der Passwortwahl als Vorlage verwenden</a:t>
+            </a:r>
+          </a:p>
+          <a:p>
+            <a:pPr lvl="1"/>
+            <a:r>
+              <a:rPr lang="de-DE" dirty="0" err="1"/>
+              <a:t>Bsp</a:t>
+            </a:r>
+            <a:r>
+              <a:rPr lang="de-DE" dirty="0"/>
+              <a:t>:  </a:t>
+            </a:r>
+            <a:r>
+              <a:rPr lang="de-DE" dirty="0" err="1"/>
+              <a:t>qwertzuio</a:t>
+            </a:r>
+            <a:endParaRPr lang="de-DE" dirty="0"/>
+          </a:p>
+          <a:p>
+            <a:r>
+              <a:rPr lang="de-DE" dirty="0"/>
+              <a:t>Keine Zahlenketten</a:t>
+            </a:r>
+          </a:p>
+          <a:p>
+            <a:endParaRPr lang="de-DE" dirty="0"/>
+          </a:p>
+          <a:p>
+            <a:r>
+              <a:rPr lang="de-DE" dirty="0"/>
+              <a:t>Nichts verwenden was man leicht erraten kann, oder offensichtlich ist</a:t>
+            </a:r>
           </a:p>
         </p:txBody>
       </p:sp>
     </p:spTree>
     <p:extLst>
       <p:ext uri="{BB962C8B-B14F-4D97-AF65-F5344CB8AC3E}">
-        <p14:creationId xmlns:p14="http://schemas.microsoft.com/office/powerpoint/2010/main" val="488160545"/>
+        <p14:creationId xmlns:p14="http://schemas.microsoft.com/office/powerpoint/2010/main" val="2934008202"/>
       </p:ext>
     </p:extLst>
   </p:cSld>
@@ -16016,39 +16300,7 @@
           <a:lstStyle/>
           <a:p>
             <a:r>
-              <a:rPr lang="de-DE" dirty="0" err="1"/>
-              <a:t>john</a:t>
-            </a:r>
-            <a:r>
-              <a:rPr lang="de-DE" dirty="0"/>
-              <a:t> einfachesBeispiel.txt (Single Mode </a:t>
-            </a:r>
-            <a:r>
-              <a:rPr lang="de-DE" dirty="0" err="1"/>
-              <a:t>attack</a:t>
-            </a:r>
-            <a:r>
-              <a:rPr lang="de-DE" dirty="0"/>
-              <a:t>)</a:t>
-            </a:r>
-          </a:p>
-          <a:p>
-            <a:r>
-              <a:rPr lang="en-US" dirty="0"/>
-              <a:t>john --wordlist=</a:t>
-            </a:r>
-            <a:r>
-              <a:rPr lang="en-US" dirty="0" err="1"/>
-              <a:t>password.lst</a:t>
-            </a:r>
-            <a:r>
-              <a:rPr lang="en-US" dirty="0"/>
-              <a:t> einfachesBeispiel.txt</a:t>
-            </a:r>
-          </a:p>
-          <a:p>
-            <a:r>
-              <a:rPr lang="de-DE" dirty="0" err="1"/>
+              <a:rPr lang="de-DE"/>
               <a:t>Rm</a:t>
             </a:r>
             <a:r>
@@ -16319,6 +16571,89 @@
     <p:extLst>
       <p:ext uri="{BB962C8B-B14F-4D97-AF65-F5344CB8AC3E}">
         <p14:creationId xmlns:p14="http://schemas.microsoft.com/office/powerpoint/2010/main" val="1726604389"/>
+      </p:ext>
+    </p:extLst>
+  </p:cSld>
+  <p:clrMapOvr>
+    <a:masterClrMapping/>
+  </p:clrMapOvr>
+</p:sld>
+</file>
+
+<file path=ppt/slides/slide19.xml><?xml version="1.0" encoding="utf-8"?>
+<p:sld xmlns:a="http://schemas.openxmlformats.org/drawingml/2006/main" xmlns:r="http://schemas.openxmlformats.org/officeDocument/2006/relationships" xmlns:p="http://schemas.openxmlformats.org/presentationml/2006/main">
+  <p:cSld>
+    <p:spTree>
+      <p:nvGrpSpPr>
+        <p:cNvPr id="1" name=""/>
+        <p:cNvGrpSpPr/>
+        <p:nvPr/>
+      </p:nvGrpSpPr>
+      <p:grpSpPr>
+        <a:xfrm>
+          <a:off x="0" y="0"/>
+          <a:ext cx="0" cy="0"/>
+          <a:chOff x="0" y="0"/>
+          <a:chExt cx="0" cy="0"/>
+        </a:xfrm>
+      </p:grpSpPr>
+      <p:sp>
+        <p:nvSpPr>
+          <p:cNvPr id="2" name="Titel 1">
+            <a:extLst>
+              <a:ext uri="{FF2B5EF4-FFF2-40B4-BE49-F238E27FC236}">
+                <a16:creationId xmlns:a16="http://schemas.microsoft.com/office/drawing/2014/main" id="{FCF99D54-A6A8-4A4E-9ABD-BD132C99E004}"/>
+              </a:ext>
+            </a:extLst>
+          </p:cNvPr>
+          <p:cNvSpPr>
+            <a:spLocks noGrp="1"/>
+          </p:cNvSpPr>
+          <p:nvPr>
+            <p:ph type="title"/>
+          </p:nvPr>
+        </p:nvSpPr>
+        <p:spPr/>
+        <p:txBody>
+          <a:bodyPr/>
+          <a:lstStyle/>
+          <a:p>
+            <a:r>
+              <a:rPr lang="de-DE" dirty="0"/>
+              <a:t>Rainbow Table</a:t>
+            </a:r>
+          </a:p>
+        </p:txBody>
+      </p:sp>
+      <p:sp>
+        <p:nvSpPr>
+          <p:cNvPr id="3" name="Inhaltsplatzhalter 2">
+            <a:extLst>
+              <a:ext uri="{FF2B5EF4-FFF2-40B4-BE49-F238E27FC236}">
+                <a16:creationId xmlns:a16="http://schemas.microsoft.com/office/drawing/2014/main" id="{D6CC4D21-A595-4B14-B4F2-D00AAFD68047}"/>
+              </a:ext>
+            </a:extLst>
+          </p:cNvPr>
+          <p:cNvSpPr>
+            <a:spLocks noGrp="1"/>
+          </p:cNvSpPr>
+          <p:nvPr>
+            <p:ph idx="1"/>
+          </p:nvPr>
+        </p:nvSpPr>
+        <p:spPr/>
+        <p:txBody>
+          <a:bodyPr/>
+          <a:lstStyle/>
+          <a:p>
+            <a:endParaRPr lang="de-DE"/>
+          </a:p>
+        </p:txBody>
+      </p:sp>
+    </p:spTree>
+    <p:extLst>
+      <p:ext uri="{BB962C8B-B14F-4D97-AF65-F5344CB8AC3E}">
+        <p14:creationId xmlns:p14="http://schemas.microsoft.com/office/powerpoint/2010/main" val="488160545"/>
       </p:ext>
     </p:extLst>
   </p:cSld>
@@ -18531,15 +18866,7 @@
           <a:p>
             <a:r>
               <a:rPr lang="de-DE" dirty="0"/>
-              <a:t>Wie Unix </a:t>
-            </a:r>
-            <a:r>
-              <a:rPr lang="de-DE" dirty="0" err="1"/>
-              <a:t>passwörter</a:t>
-            </a:r>
-            <a:r>
-              <a:rPr lang="de-DE" dirty="0"/>
-              <a:t> speichert</a:t>
+              <a:t>Wie Unix Passwörter speichert</a:t>
             </a:r>
           </a:p>
         </p:txBody>

--- a/Vortrag.pptx
+++ b/Vortrag.pptx
@@ -12177,6 +12177,145 @@
 </p:notes>
 </file>
 
+<file path=ppt/notesSlides/notesSlide5.xml><?xml version="1.0" encoding="utf-8"?>
+<p:notes xmlns:a="http://schemas.openxmlformats.org/drawingml/2006/main" xmlns:r="http://schemas.openxmlformats.org/officeDocument/2006/relationships" xmlns:p="http://schemas.openxmlformats.org/presentationml/2006/main">
+  <p:cSld>
+    <p:spTree>
+      <p:nvGrpSpPr>
+        <p:cNvPr id="1" name=""/>
+        <p:cNvGrpSpPr/>
+        <p:nvPr/>
+      </p:nvGrpSpPr>
+      <p:grpSpPr>
+        <a:xfrm>
+          <a:off x="0" y="0"/>
+          <a:ext cx="0" cy="0"/>
+          <a:chOff x="0" y="0"/>
+          <a:chExt cx="0" cy="0"/>
+        </a:xfrm>
+      </p:grpSpPr>
+      <p:sp>
+        <p:nvSpPr>
+          <p:cNvPr id="2" name="Folienbildplatzhalter 1"/>
+          <p:cNvSpPr>
+            <a:spLocks noGrp="1" noRot="1" noChangeAspect="1"/>
+          </p:cNvSpPr>
+          <p:nvPr>
+            <p:ph type="sldImg"/>
+          </p:nvPr>
+        </p:nvSpPr>
+        <p:spPr/>
+      </p:sp>
+      <p:sp>
+        <p:nvSpPr>
+          <p:cNvPr id="3" name="Notizenplatzhalter 2"/>
+          <p:cNvSpPr>
+            <a:spLocks noGrp="1"/>
+          </p:cNvSpPr>
+          <p:nvPr>
+            <p:ph type="body" idx="1"/>
+          </p:nvPr>
+        </p:nvSpPr>
+        <p:spPr/>
+        <p:txBody>
+          <a:bodyPr/>
+          <a:lstStyle/>
+          <a:p>
+            <a:r>
+              <a:rPr lang="de-DE" dirty="0" err="1"/>
+              <a:t>john</a:t>
+            </a:r>
+            <a:r>
+              <a:rPr lang="de-DE" dirty="0"/>
+              <a:t> --wordlist=wordlist.txt password.txt</a:t>
+            </a:r>
+          </a:p>
+          <a:p>
+            <a:r>
+              <a:rPr lang="de-DE" dirty="0" err="1"/>
+              <a:t>rm</a:t>
+            </a:r>
+            <a:r>
+              <a:rPr lang="de-DE" dirty="0"/>
+              <a:t> ~/.</a:t>
+            </a:r>
+            <a:r>
+              <a:rPr lang="de-DE" dirty="0" err="1"/>
+              <a:t>john</a:t>
+            </a:r>
+            <a:r>
+              <a:rPr lang="de-DE" dirty="0"/>
+              <a:t>/john.pot </a:t>
+            </a:r>
+          </a:p>
+          <a:p>
+            <a:pPr marL="0" marR="0" lvl="0" indent="0" algn="l" defTabSz="914400" rtl="0" eaLnBrk="1" fontAlgn="auto" latinLnBrk="0" hangingPunct="1">
+              <a:lnSpc>
+                <a:spcPct val="100000"/>
+              </a:lnSpc>
+              <a:spcBef>
+                <a:spcPts val="0"/>
+              </a:spcBef>
+              <a:spcAft>
+                <a:spcPts val="0"/>
+              </a:spcAft>
+              <a:buClrTx/>
+              <a:buSzTx/>
+              <a:buFontTx/>
+              <a:buNone/>
+              <a:tabLst/>
+              <a:defRPr/>
+            </a:pPr>
+            <a:r>
+              <a:rPr lang="de-DE" dirty="0" err="1"/>
+              <a:t>john</a:t>
+            </a:r>
+            <a:r>
+              <a:rPr lang="de-DE" dirty="0"/>
+              <a:t> --wordlist=wordlist(ende).txt password.txt</a:t>
+            </a:r>
+          </a:p>
+          <a:p>
+            <a:endParaRPr lang="de-DE" dirty="0"/>
+          </a:p>
+        </p:txBody>
+      </p:sp>
+      <p:sp>
+        <p:nvSpPr>
+          <p:cNvPr id="4" name="Foliennummernplatzhalter 3"/>
+          <p:cNvSpPr>
+            <a:spLocks noGrp="1"/>
+          </p:cNvSpPr>
+          <p:nvPr>
+            <p:ph type="sldNum" sz="quarter" idx="10"/>
+          </p:nvPr>
+        </p:nvSpPr>
+        <p:spPr/>
+        <p:txBody>
+          <a:bodyPr/>
+          <a:lstStyle/>
+          <a:p>
+            <a:fld id="{B75DCF5E-718A-4A85-88E9-46AA16884760}" type="slidenum">
+              <a:rPr lang="de-DE" smtClean="0"/>
+              <a:t>11</a:t>
+            </a:fld>
+            <a:endParaRPr lang="de-DE"/>
+          </a:p>
+        </p:txBody>
+      </p:sp>
+    </p:spTree>
+    <p:extLst>
+      <p:ext uri="{BB962C8B-B14F-4D97-AF65-F5344CB8AC3E}">
+        <p14:creationId xmlns:p14="http://schemas.microsoft.com/office/powerpoint/2010/main" val="3133122333"/>
+      </p:ext>
+    </p:extLst>
+  </p:cSld>
+  <p:clrMapOvr>
+    <a:masterClrMapping/>
+  </p:clrMapOvr>
+</p:notes>
+</file>
+
 <file path=ppt/slideLayouts/slideLayout1.xml><?xml version="1.0" encoding="utf-8"?>
 <p:sldLayout xmlns:a="http://schemas.openxmlformats.org/drawingml/2006/main" xmlns:r="http://schemas.openxmlformats.org/officeDocument/2006/relationships" xmlns:p="http://schemas.openxmlformats.org/presentationml/2006/main" type="title" preserve="1">
   <p:cSld name="Titelfolie">
@@ -15605,7 +15744,7 @@
           <p:nvPr/>
         </p:nvPicPr>
         <p:blipFill>
-          <a:blip r:embed="rId2"/>
+          <a:blip r:embed="rId3"/>
           <a:stretch>
             <a:fillRect/>
           </a:stretch>
@@ -15635,7 +15774,7 @@
           <p:nvPr/>
         </p:nvPicPr>
         <p:blipFill>
-          <a:blip r:embed="rId3"/>
+          <a:blip r:embed="rId4"/>
           <a:stretch>
             <a:fillRect/>
           </a:stretch>
@@ -15976,7 +16115,7 @@
           <a:p>
             <a:r>
               <a:rPr lang="de-DE" dirty="0"/>
-              <a:t>Nichts verwenden was man leicht erraten kann, oder offensichtlich ist</a:t>
+              <a:t>Vermeiden von offensichtlichen Zusammenhängen</a:t>
             </a:r>
           </a:p>
         </p:txBody>
@@ -16300,12 +16439,12 @@
           <a:lstStyle/>
           <a:p>
             <a:r>
-              <a:rPr lang="de-DE"/>
-              <a:t>Rm</a:t>
+              <a:rPr lang="de-DE" dirty="0" err="1"/>
+              <a:t>rm</a:t>
             </a:r>
             <a:r>
               <a:rPr lang="de-DE" dirty="0"/>
-              <a:t> $JOHN/.</a:t>
+              <a:t> ~/.</a:t>
             </a:r>
             <a:r>
               <a:rPr lang="de-DE" dirty="0" err="1"/>

--- a/Vortrag.pptx
+++ b/Vortrag.pptx
@@ -15813,7 +15813,7 @@
         </p:spPr>
         <p:txBody>
           <a:bodyPr>
-            <a:normAutofit fontScale="62500" lnSpcReduction="20000"/>
+            <a:normAutofit fontScale="77500" lnSpcReduction="20000"/>
           </a:bodyPr>
           <a:lstStyle/>
           <a:p>
@@ -15845,17 +15845,6 @@
             <a:r>
               <a:rPr lang="de-DE" dirty="0"/>
               <a:t>Enthält meistens die üblichen Passwörter</a:t>
-            </a:r>
-          </a:p>
-          <a:p>
-            <a:pPr lvl="1"/>
-            <a:endParaRPr lang="de-DE" dirty="0"/>
-          </a:p>
-          <a:p>
-            <a:pPr lvl="1"/>
-            <a:r>
-              <a:rPr lang="de-DE" dirty="0"/>
-              <a:t>Schnellster Angriffsmodi</a:t>
             </a:r>
           </a:p>
           <a:p>
@@ -15918,7 +15907,7 @@
           <a:p>
             <a:r>
               <a:rPr lang="de-DE" dirty="0"/>
-              <a:t>Beispiel von vorhin</a:t>
+              <a:t>Beispiel</a:t>
             </a:r>
           </a:p>
           <a:p>
@@ -15999,6 +15988,598 @@
   <p:clrMapOvr>
     <a:masterClrMapping/>
   </p:clrMapOvr>
+  <p:timing>
+    <p:tnLst>
+      <p:par>
+        <p:cTn id="1" dur="indefinite" restart="never" nodeType="tmRoot">
+          <p:childTnLst>
+            <p:seq concurrent="1" nextAc="seek">
+              <p:cTn id="2" dur="indefinite" nodeType="mainSeq">
+                <p:childTnLst>
+                  <p:par>
+                    <p:cTn id="3" fill="hold">
+                      <p:stCondLst>
+                        <p:cond delay="indefinite"/>
+                      </p:stCondLst>
+                      <p:childTnLst>
+                        <p:par>
+                          <p:cTn id="4" fill="hold">
+                            <p:stCondLst>
+                              <p:cond delay="0"/>
+                            </p:stCondLst>
+                            <p:childTnLst>
+                              <p:par>
+                                <p:cTn id="5" presetID="1" presetClass="entr" presetSubtype="0" fill="hold" grpId="0" nodeType="clickEffect">
+                                  <p:stCondLst>
+                                    <p:cond delay="0"/>
+                                  </p:stCondLst>
+                                  <p:childTnLst>
+                                    <p:set>
+                                      <p:cBhvr>
+                                        <p:cTn id="6" dur="1" fill="hold">
+                                          <p:stCondLst>
+                                            <p:cond delay="0"/>
+                                          </p:stCondLst>
+                                        </p:cTn>
+                                        <p:tgtEl>
+                                          <p:spTgt spid="3">
+                                            <p:txEl>
+                                              <p:pRg st="0" end="0"/>
+                                            </p:txEl>
+                                          </p:spTgt>
+                                        </p:tgtEl>
+                                        <p:attrNameLst>
+                                          <p:attrName>style.visibility</p:attrName>
+                                        </p:attrNameLst>
+                                      </p:cBhvr>
+                                      <p:to>
+                                        <p:strVal val="visible"/>
+                                      </p:to>
+                                    </p:set>
+                                  </p:childTnLst>
+                                </p:cTn>
+                              </p:par>
+                            </p:childTnLst>
+                          </p:cTn>
+                        </p:par>
+                      </p:childTnLst>
+                    </p:cTn>
+                  </p:par>
+                  <p:par>
+                    <p:cTn id="7" fill="hold">
+                      <p:stCondLst>
+                        <p:cond delay="indefinite"/>
+                      </p:stCondLst>
+                      <p:childTnLst>
+                        <p:par>
+                          <p:cTn id="8" fill="hold">
+                            <p:stCondLst>
+                              <p:cond delay="0"/>
+                            </p:stCondLst>
+                            <p:childTnLst>
+                              <p:par>
+                                <p:cTn id="9" presetID="1" presetClass="entr" presetSubtype="0" fill="hold" grpId="0" nodeType="clickEffect">
+                                  <p:stCondLst>
+                                    <p:cond delay="0"/>
+                                  </p:stCondLst>
+                                  <p:childTnLst>
+                                    <p:set>
+                                      <p:cBhvr>
+                                        <p:cTn id="10" dur="1" fill="hold">
+                                          <p:stCondLst>
+                                            <p:cond delay="0"/>
+                                          </p:stCondLst>
+                                        </p:cTn>
+                                        <p:tgtEl>
+                                          <p:spTgt spid="3">
+                                            <p:txEl>
+                                              <p:pRg st="1" end="1"/>
+                                            </p:txEl>
+                                          </p:spTgt>
+                                        </p:tgtEl>
+                                        <p:attrNameLst>
+                                          <p:attrName>style.visibility</p:attrName>
+                                        </p:attrNameLst>
+                                      </p:cBhvr>
+                                      <p:to>
+                                        <p:strVal val="visible"/>
+                                      </p:to>
+                                    </p:set>
+                                  </p:childTnLst>
+                                </p:cTn>
+                              </p:par>
+                            </p:childTnLst>
+                          </p:cTn>
+                        </p:par>
+                      </p:childTnLst>
+                    </p:cTn>
+                  </p:par>
+                  <p:par>
+                    <p:cTn id="11" fill="hold">
+                      <p:stCondLst>
+                        <p:cond delay="indefinite"/>
+                      </p:stCondLst>
+                      <p:childTnLst>
+                        <p:par>
+                          <p:cTn id="12" fill="hold">
+                            <p:stCondLst>
+                              <p:cond delay="0"/>
+                            </p:stCondLst>
+                            <p:childTnLst>
+                              <p:par>
+                                <p:cTn id="13" presetID="1" presetClass="entr" presetSubtype="0" fill="hold" grpId="0" nodeType="clickEffect">
+                                  <p:stCondLst>
+                                    <p:cond delay="0"/>
+                                  </p:stCondLst>
+                                  <p:childTnLst>
+                                    <p:set>
+                                      <p:cBhvr>
+                                        <p:cTn id="14" dur="1" fill="hold">
+                                          <p:stCondLst>
+                                            <p:cond delay="0"/>
+                                          </p:stCondLst>
+                                        </p:cTn>
+                                        <p:tgtEl>
+                                          <p:spTgt spid="3">
+                                            <p:txEl>
+                                              <p:pRg st="3" end="3"/>
+                                            </p:txEl>
+                                          </p:spTgt>
+                                        </p:tgtEl>
+                                        <p:attrNameLst>
+                                          <p:attrName>style.visibility</p:attrName>
+                                        </p:attrNameLst>
+                                      </p:cBhvr>
+                                      <p:to>
+                                        <p:strVal val="visible"/>
+                                      </p:to>
+                                    </p:set>
+                                  </p:childTnLst>
+                                </p:cTn>
+                              </p:par>
+                            </p:childTnLst>
+                          </p:cTn>
+                        </p:par>
+                      </p:childTnLst>
+                    </p:cTn>
+                  </p:par>
+                  <p:par>
+                    <p:cTn id="15" fill="hold">
+                      <p:stCondLst>
+                        <p:cond delay="indefinite"/>
+                      </p:stCondLst>
+                      <p:childTnLst>
+                        <p:par>
+                          <p:cTn id="16" fill="hold">
+                            <p:stCondLst>
+                              <p:cond delay="0"/>
+                            </p:stCondLst>
+                            <p:childTnLst>
+                              <p:par>
+                                <p:cTn id="17" presetID="1" presetClass="entr" presetSubtype="0" fill="hold" grpId="0" nodeType="clickEffect">
+                                  <p:stCondLst>
+                                    <p:cond delay="0"/>
+                                  </p:stCondLst>
+                                  <p:childTnLst>
+                                    <p:set>
+                                      <p:cBhvr>
+                                        <p:cTn id="18" dur="1" fill="hold">
+                                          <p:stCondLst>
+                                            <p:cond delay="0"/>
+                                          </p:stCondLst>
+                                        </p:cTn>
+                                        <p:tgtEl>
+                                          <p:spTgt spid="3">
+                                            <p:txEl>
+                                              <p:pRg st="4" end="4"/>
+                                            </p:txEl>
+                                          </p:spTgt>
+                                        </p:tgtEl>
+                                        <p:attrNameLst>
+                                          <p:attrName>style.visibility</p:attrName>
+                                        </p:attrNameLst>
+                                      </p:cBhvr>
+                                      <p:to>
+                                        <p:strVal val="visible"/>
+                                      </p:to>
+                                    </p:set>
+                                  </p:childTnLst>
+                                </p:cTn>
+                              </p:par>
+                            </p:childTnLst>
+                          </p:cTn>
+                        </p:par>
+                      </p:childTnLst>
+                    </p:cTn>
+                  </p:par>
+                  <p:par>
+                    <p:cTn id="19" fill="hold">
+                      <p:stCondLst>
+                        <p:cond delay="indefinite"/>
+                      </p:stCondLst>
+                      <p:childTnLst>
+                        <p:par>
+                          <p:cTn id="20" fill="hold">
+                            <p:stCondLst>
+                              <p:cond delay="0"/>
+                            </p:stCondLst>
+                            <p:childTnLst>
+                              <p:par>
+                                <p:cTn id="21" presetID="1" presetClass="entr" presetSubtype="0" fill="hold" grpId="0" nodeType="clickEffect">
+                                  <p:stCondLst>
+                                    <p:cond delay="0"/>
+                                  </p:stCondLst>
+                                  <p:childTnLst>
+                                    <p:set>
+                                      <p:cBhvr>
+                                        <p:cTn id="22" dur="1" fill="hold">
+                                          <p:stCondLst>
+                                            <p:cond delay="0"/>
+                                          </p:stCondLst>
+                                        </p:cTn>
+                                        <p:tgtEl>
+                                          <p:spTgt spid="3">
+                                            <p:txEl>
+                                              <p:pRg st="9" end="9"/>
+                                            </p:txEl>
+                                          </p:spTgt>
+                                        </p:tgtEl>
+                                        <p:attrNameLst>
+                                          <p:attrName>style.visibility</p:attrName>
+                                        </p:attrNameLst>
+                                      </p:cBhvr>
+                                      <p:to>
+                                        <p:strVal val="visible"/>
+                                      </p:to>
+                                    </p:set>
+                                  </p:childTnLst>
+                                </p:cTn>
+                              </p:par>
+                            </p:childTnLst>
+                          </p:cTn>
+                        </p:par>
+                      </p:childTnLst>
+                    </p:cTn>
+                  </p:par>
+                  <p:par>
+                    <p:cTn id="23" fill="hold">
+                      <p:stCondLst>
+                        <p:cond delay="indefinite"/>
+                      </p:stCondLst>
+                      <p:childTnLst>
+                        <p:par>
+                          <p:cTn id="24" fill="hold">
+                            <p:stCondLst>
+                              <p:cond delay="0"/>
+                            </p:stCondLst>
+                            <p:childTnLst>
+                              <p:par>
+                                <p:cTn id="25" presetID="1" presetClass="entr" presetSubtype="0" fill="hold" grpId="0" nodeType="clickEffect">
+                                  <p:stCondLst>
+                                    <p:cond delay="0"/>
+                                  </p:stCondLst>
+                                  <p:childTnLst>
+                                    <p:set>
+                                      <p:cBhvr>
+                                        <p:cTn id="26" dur="1" fill="hold">
+                                          <p:stCondLst>
+                                            <p:cond delay="0"/>
+                                          </p:stCondLst>
+                                        </p:cTn>
+                                        <p:tgtEl>
+                                          <p:spTgt spid="3">
+                                            <p:txEl>
+                                              <p:pRg st="10" end="10"/>
+                                            </p:txEl>
+                                          </p:spTgt>
+                                        </p:tgtEl>
+                                        <p:attrNameLst>
+                                          <p:attrName>style.visibility</p:attrName>
+                                        </p:attrNameLst>
+                                      </p:cBhvr>
+                                      <p:to>
+                                        <p:strVal val="visible"/>
+                                      </p:to>
+                                    </p:set>
+                                  </p:childTnLst>
+                                </p:cTn>
+                              </p:par>
+                            </p:childTnLst>
+                          </p:cTn>
+                        </p:par>
+                      </p:childTnLst>
+                    </p:cTn>
+                  </p:par>
+                  <p:par>
+                    <p:cTn id="27" fill="hold">
+                      <p:stCondLst>
+                        <p:cond delay="indefinite"/>
+                      </p:stCondLst>
+                      <p:childTnLst>
+                        <p:par>
+                          <p:cTn id="28" fill="hold">
+                            <p:stCondLst>
+                              <p:cond delay="0"/>
+                            </p:stCondLst>
+                            <p:childTnLst>
+                              <p:par>
+                                <p:cTn id="29" presetID="1" presetClass="entr" presetSubtype="0" fill="hold" grpId="0" nodeType="clickEffect">
+                                  <p:stCondLst>
+                                    <p:cond delay="0"/>
+                                  </p:stCondLst>
+                                  <p:childTnLst>
+                                    <p:set>
+                                      <p:cBhvr>
+                                        <p:cTn id="30" dur="1" fill="hold">
+                                          <p:stCondLst>
+                                            <p:cond delay="0"/>
+                                          </p:stCondLst>
+                                        </p:cTn>
+                                        <p:tgtEl>
+                                          <p:spTgt spid="3">
+                                            <p:txEl>
+                                              <p:pRg st="11" end="11"/>
+                                            </p:txEl>
+                                          </p:spTgt>
+                                        </p:tgtEl>
+                                        <p:attrNameLst>
+                                          <p:attrName>style.visibility</p:attrName>
+                                        </p:attrNameLst>
+                                      </p:cBhvr>
+                                      <p:to>
+                                        <p:strVal val="visible"/>
+                                      </p:to>
+                                    </p:set>
+                                  </p:childTnLst>
+                                </p:cTn>
+                              </p:par>
+                            </p:childTnLst>
+                          </p:cTn>
+                        </p:par>
+                      </p:childTnLst>
+                    </p:cTn>
+                  </p:par>
+                  <p:par>
+                    <p:cTn id="31" fill="hold">
+                      <p:stCondLst>
+                        <p:cond delay="indefinite"/>
+                      </p:stCondLst>
+                      <p:childTnLst>
+                        <p:par>
+                          <p:cTn id="32" fill="hold">
+                            <p:stCondLst>
+                              <p:cond delay="0"/>
+                            </p:stCondLst>
+                            <p:childTnLst>
+                              <p:par>
+                                <p:cTn id="33" presetID="1" presetClass="entr" presetSubtype="0" fill="hold" nodeType="clickEffect">
+                                  <p:stCondLst>
+                                    <p:cond delay="0"/>
+                                  </p:stCondLst>
+                                  <p:childTnLst>
+                                    <p:set>
+                                      <p:cBhvr>
+                                        <p:cTn id="34" dur="1" fill="hold">
+                                          <p:stCondLst>
+                                            <p:cond delay="0"/>
+                                          </p:stCondLst>
+                                        </p:cTn>
+                                        <p:tgtEl>
+                                          <p:spTgt spid="5"/>
+                                        </p:tgtEl>
+                                        <p:attrNameLst>
+                                          <p:attrName>style.visibility</p:attrName>
+                                        </p:attrNameLst>
+                                      </p:cBhvr>
+                                      <p:to>
+                                        <p:strVal val="visible"/>
+                                      </p:to>
+                                    </p:set>
+                                  </p:childTnLst>
+                                </p:cTn>
+                              </p:par>
+                              <p:par>
+                                <p:cTn id="35" presetID="1" presetClass="entr" presetSubtype="0" fill="hold" grpId="0" nodeType="withEffect">
+                                  <p:stCondLst>
+                                    <p:cond delay="0"/>
+                                  </p:stCondLst>
+                                  <p:childTnLst>
+                                    <p:set>
+                                      <p:cBhvr>
+                                        <p:cTn id="36" dur="1" fill="hold">
+                                          <p:stCondLst>
+                                            <p:cond delay="0"/>
+                                          </p:stCondLst>
+                                        </p:cTn>
+                                        <p:tgtEl>
+                                          <p:spTgt spid="6"/>
+                                        </p:tgtEl>
+                                        <p:attrNameLst>
+                                          <p:attrName>style.visibility</p:attrName>
+                                        </p:attrNameLst>
+                                      </p:cBhvr>
+                                      <p:to>
+                                        <p:strVal val="visible"/>
+                                      </p:to>
+                                    </p:set>
+                                  </p:childTnLst>
+                                </p:cTn>
+                              </p:par>
+                            </p:childTnLst>
+                          </p:cTn>
+                        </p:par>
+                      </p:childTnLst>
+                    </p:cTn>
+                  </p:par>
+                  <p:par>
+                    <p:cTn id="37" fill="hold">
+                      <p:stCondLst>
+                        <p:cond delay="indefinite"/>
+                      </p:stCondLst>
+                      <p:childTnLst>
+                        <p:par>
+                          <p:cTn id="38" fill="hold">
+                            <p:stCondLst>
+                              <p:cond delay="0"/>
+                            </p:stCondLst>
+                            <p:childTnLst>
+                              <p:par>
+                                <p:cTn id="39" presetID="1" presetClass="entr" presetSubtype="0" fill="hold" nodeType="clickEffect">
+                                  <p:stCondLst>
+                                    <p:cond delay="0"/>
+                                  </p:stCondLst>
+                                  <p:childTnLst>
+                                    <p:set>
+                                      <p:cBhvr>
+                                        <p:cTn id="40" dur="1" fill="hold">
+                                          <p:stCondLst>
+                                            <p:cond delay="0"/>
+                                          </p:stCondLst>
+                                        </p:cTn>
+                                        <p:tgtEl>
+                                          <p:spTgt spid="4"/>
+                                        </p:tgtEl>
+                                        <p:attrNameLst>
+                                          <p:attrName>style.visibility</p:attrName>
+                                        </p:attrNameLst>
+                                      </p:cBhvr>
+                                      <p:to>
+                                        <p:strVal val="visible"/>
+                                      </p:to>
+                                    </p:set>
+                                  </p:childTnLst>
+                                </p:cTn>
+                              </p:par>
+                            </p:childTnLst>
+                          </p:cTn>
+                        </p:par>
+                      </p:childTnLst>
+                    </p:cTn>
+                  </p:par>
+                  <p:par>
+                    <p:cTn id="41" fill="hold">
+                      <p:stCondLst>
+                        <p:cond delay="indefinite"/>
+                      </p:stCondLst>
+                      <p:childTnLst>
+                        <p:par>
+                          <p:cTn id="42" fill="hold">
+                            <p:stCondLst>
+                              <p:cond delay="0"/>
+                            </p:stCondLst>
+                            <p:childTnLst>
+                              <p:par>
+                                <p:cTn id="43" presetID="1" presetClass="entr" presetSubtype="0" fill="hold" grpId="0" nodeType="clickEffect">
+                                  <p:stCondLst>
+                                    <p:cond delay="0"/>
+                                  </p:stCondLst>
+                                  <p:childTnLst>
+                                    <p:set>
+                                      <p:cBhvr>
+                                        <p:cTn id="44" dur="1" fill="hold">
+                                          <p:stCondLst>
+                                            <p:cond delay="0"/>
+                                          </p:stCondLst>
+                                        </p:cTn>
+                                        <p:tgtEl>
+                                          <p:spTgt spid="3">
+                                            <p:txEl>
+                                              <p:pRg st="6" end="6"/>
+                                            </p:txEl>
+                                          </p:spTgt>
+                                        </p:tgtEl>
+                                        <p:attrNameLst>
+                                          <p:attrName>style.visibility</p:attrName>
+                                        </p:attrNameLst>
+                                      </p:cBhvr>
+                                      <p:to>
+                                        <p:strVal val="visible"/>
+                                      </p:to>
+                                    </p:set>
+                                  </p:childTnLst>
+                                </p:cTn>
+                              </p:par>
+                            </p:childTnLst>
+                          </p:cTn>
+                        </p:par>
+                      </p:childTnLst>
+                    </p:cTn>
+                  </p:par>
+                  <p:par>
+                    <p:cTn id="45" fill="hold">
+                      <p:stCondLst>
+                        <p:cond delay="indefinite"/>
+                      </p:stCondLst>
+                      <p:childTnLst>
+                        <p:par>
+                          <p:cTn id="46" fill="hold">
+                            <p:stCondLst>
+                              <p:cond delay="0"/>
+                            </p:stCondLst>
+                            <p:childTnLst>
+                              <p:par>
+                                <p:cTn id="47" presetID="1" presetClass="entr" presetSubtype="0" fill="hold" grpId="0" nodeType="clickEffect">
+                                  <p:stCondLst>
+                                    <p:cond delay="0"/>
+                                  </p:stCondLst>
+                                  <p:childTnLst>
+                                    <p:set>
+                                      <p:cBhvr>
+                                        <p:cTn id="48" dur="1" fill="hold">
+                                          <p:stCondLst>
+                                            <p:cond delay="0"/>
+                                          </p:stCondLst>
+                                        </p:cTn>
+                                        <p:tgtEl>
+                                          <p:spTgt spid="3">
+                                            <p:txEl>
+                                              <p:pRg st="7" end="7"/>
+                                            </p:txEl>
+                                          </p:spTgt>
+                                        </p:tgtEl>
+                                        <p:attrNameLst>
+                                          <p:attrName>style.visibility</p:attrName>
+                                        </p:attrNameLst>
+                                      </p:cBhvr>
+                                      <p:to>
+                                        <p:strVal val="visible"/>
+                                      </p:to>
+                                    </p:set>
+                                  </p:childTnLst>
+                                </p:cTn>
+                              </p:par>
+                            </p:childTnLst>
+                          </p:cTn>
+                        </p:par>
+                      </p:childTnLst>
+                    </p:cTn>
+                  </p:par>
+                </p:childTnLst>
+              </p:cTn>
+              <p:prevCondLst>
+                <p:cond evt="onPrev" delay="0">
+                  <p:tgtEl>
+                    <p:sldTgt/>
+                  </p:tgtEl>
+                </p:cond>
+              </p:prevCondLst>
+              <p:nextCondLst>
+                <p:cond evt="onNext" delay="0">
+                  <p:tgtEl>
+                    <p:sldTgt/>
+                  </p:tgtEl>
+                </p:cond>
+              </p:nextCondLst>
+            </p:seq>
+          </p:childTnLst>
+        </p:cTn>
+      </p:par>
+    </p:tnLst>
+    <p:bldLst>
+      <p:bldP spid="3" grpId="0" uiExpand="1" build="p"/>
+      <p:bldP spid="6" grpId="0"/>
+    </p:bldLst>
+  </p:timing>
 </p:sld>
 </file>
 
@@ -16130,6 +16711,284 @@
   <p:clrMapOvr>
     <a:masterClrMapping/>
   </p:clrMapOvr>
+  <p:timing>
+    <p:tnLst>
+      <p:par>
+        <p:cTn id="1" dur="indefinite" restart="never" nodeType="tmRoot">
+          <p:childTnLst>
+            <p:seq concurrent="1" nextAc="seek">
+              <p:cTn id="2" dur="indefinite" nodeType="mainSeq">
+                <p:childTnLst>
+                  <p:par>
+                    <p:cTn id="3" fill="hold">
+                      <p:stCondLst>
+                        <p:cond delay="indefinite"/>
+                      </p:stCondLst>
+                      <p:childTnLst>
+                        <p:par>
+                          <p:cTn id="4" fill="hold">
+                            <p:stCondLst>
+                              <p:cond delay="0"/>
+                            </p:stCondLst>
+                            <p:childTnLst>
+                              <p:par>
+                                <p:cTn id="5" presetID="1" presetClass="entr" presetSubtype="0" fill="hold" grpId="0" nodeType="clickEffect">
+                                  <p:stCondLst>
+                                    <p:cond delay="0"/>
+                                  </p:stCondLst>
+                                  <p:childTnLst>
+                                    <p:set>
+                                      <p:cBhvr>
+                                        <p:cTn id="6" dur="1" fill="hold">
+                                          <p:stCondLst>
+                                            <p:cond delay="0"/>
+                                          </p:stCondLst>
+                                        </p:cTn>
+                                        <p:tgtEl>
+                                          <p:spTgt spid="3">
+                                            <p:txEl>
+                                              <p:pRg st="0" end="0"/>
+                                            </p:txEl>
+                                          </p:spTgt>
+                                        </p:tgtEl>
+                                        <p:attrNameLst>
+                                          <p:attrName>style.visibility</p:attrName>
+                                        </p:attrNameLst>
+                                      </p:cBhvr>
+                                      <p:to>
+                                        <p:strVal val="visible"/>
+                                      </p:to>
+                                    </p:set>
+                                  </p:childTnLst>
+                                </p:cTn>
+                              </p:par>
+                            </p:childTnLst>
+                          </p:cTn>
+                        </p:par>
+                      </p:childTnLst>
+                    </p:cTn>
+                  </p:par>
+                  <p:par>
+                    <p:cTn id="7" fill="hold">
+                      <p:stCondLst>
+                        <p:cond delay="indefinite"/>
+                      </p:stCondLst>
+                      <p:childTnLst>
+                        <p:par>
+                          <p:cTn id="8" fill="hold">
+                            <p:stCondLst>
+                              <p:cond delay="0"/>
+                            </p:stCondLst>
+                            <p:childTnLst>
+                              <p:par>
+                                <p:cTn id="9" presetID="1" presetClass="entr" presetSubtype="0" fill="hold" grpId="0" nodeType="clickEffect">
+                                  <p:stCondLst>
+                                    <p:cond delay="0"/>
+                                  </p:stCondLst>
+                                  <p:childTnLst>
+                                    <p:set>
+                                      <p:cBhvr>
+                                        <p:cTn id="10" dur="1" fill="hold">
+                                          <p:stCondLst>
+                                            <p:cond delay="0"/>
+                                          </p:stCondLst>
+                                        </p:cTn>
+                                        <p:tgtEl>
+                                          <p:spTgt spid="3">
+                                            <p:txEl>
+                                              <p:pRg st="1" end="1"/>
+                                            </p:txEl>
+                                          </p:spTgt>
+                                        </p:tgtEl>
+                                        <p:attrNameLst>
+                                          <p:attrName>style.visibility</p:attrName>
+                                        </p:attrNameLst>
+                                      </p:cBhvr>
+                                      <p:to>
+                                        <p:strVal val="visible"/>
+                                      </p:to>
+                                    </p:set>
+                                  </p:childTnLst>
+                                </p:cTn>
+                              </p:par>
+                            </p:childTnLst>
+                          </p:cTn>
+                        </p:par>
+                      </p:childTnLst>
+                    </p:cTn>
+                  </p:par>
+                  <p:par>
+                    <p:cTn id="11" fill="hold">
+                      <p:stCondLst>
+                        <p:cond delay="indefinite"/>
+                      </p:stCondLst>
+                      <p:childTnLst>
+                        <p:par>
+                          <p:cTn id="12" fill="hold">
+                            <p:stCondLst>
+                              <p:cond delay="0"/>
+                            </p:stCondLst>
+                            <p:childTnLst>
+                              <p:par>
+                                <p:cTn id="13" presetID="1" presetClass="entr" presetSubtype="0" fill="hold" grpId="0" nodeType="clickEffect">
+                                  <p:stCondLst>
+                                    <p:cond delay="0"/>
+                                  </p:stCondLst>
+                                  <p:childTnLst>
+                                    <p:set>
+                                      <p:cBhvr>
+                                        <p:cTn id="14" dur="1" fill="hold">
+                                          <p:stCondLst>
+                                            <p:cond delay="0"/>
+                                          </p:stCondLst>
+                                        </p:cTn>
+                                        <p:tgtEl>
+                                          <p:spTgt spid="3">
+                                            <p:txEl>
+                                              <p:pRg st="2" end="2"/>
+                                            </p:txEl>
+                                          </p:spTgt>
+                                        </p:tgtEl>
+                                        <p:attrNameLst>
+                                          <p:attrName>style.visibility</p:attrName>
+                                        </p:attrNameLst>
+                                      </p:cBhvr>
+                                      <p:to>
+                                        <p:strVal val="visible"/>
+                                      </p:to>
+                                    </p:set>
+                                  </p:childTnLst>
+                                </p:cTn>
+                              </p:par>
+                            </p:childTnLst>
+                          </p:cTn>
+                        </p:par>
+                      </p:childTnLst>
+                    </p:cTn>
+                  </p:par>
+                  <p:par>
+                    <p:cTn id="15" fill="hold">
+                      <p:stCondLst>
+                        <p:cond delay="indefinite"/>
+                      </p:stCondLst>
+                      <p:childTnLst>
+                        <p:par>
+                          <p:cTn id="16" fill="hold">
+                            <p:stCondLst>
+                              <p:cond delay="0"/>
+                            </p:stCondLst>
+                            <p:childTnLst>
+                              <p:par>
+                                <p:cTn id="17" presetID="1" presetClass="entr" presetSubtype="0" fill="hold" grpId="0" nodeType="clickEffect">
+                                  <p:stCondLst>
+                                    <p:cond delay="0"/>
+                                  </p:stCondLst>
+                                  <p:childTnLst>
+                                    <p:set>
+                                      <p:cBhvr>
+                                        <p:cTn id="18" dur="1" fill="hold">
+                                          <p:stCondLst>
+                                            <p:cond delay="0"/>
+                                          </p:stCondLst>
+                                        </p:cTn>
+                                        <p:tgtEl>
+                                          <p:spTgt spid="3">
+                                            <p:txEl>
+                                              <p:pRg st="3" end="3"/>
+                                            </p:txEl>
+                                          </p:spTgt>
+                                        </p:tgtEl>
+                                        <p:attrNameLst>
+                                          <p:attrName>style.visibility</p:attrName>
+                                        </p:attrNameLst>
+                                      </p:cBhvr>
+                                      <p:to>
+                                        <p:strVal val="visible"/>
+                                      </p:to>
+                                    </p:set>
+                                  </p:childTnLst>
+                                </p:cTn>
+                              </p:par>
+                            </p:childTnLst>
+                          </p:cTn>
+                        </p:par>
+                      </p:childTnLst>
+                    </p:cTn>
+                  </p:par>
+                  <p:par>
+                    <p:cTn id="19" fill="hold">
+                      <p:stCondLst>
+                        <p:cond delay="indefinite"/>
+                      </p:stCondLst>
+                      <p:childTnLst>
+                        <p:par>
+                          <p:cTn id="20" fill="hold">
+                            <p:stCondLst>
+                              <p:cond delay="0"/>
+                            </p:stCondLst>
+                            <p:childTnLst>
+                              <p:par>
+                                <p:cTn id="21" presetID="1" presetClass="entr" presetSubtype="0" fill="hold" grpId="0" nodeType="clickEffect">
+                                  <p:stCondLst>
+                                    <p:cond delay="0"/>
+                                  </p:stCondLst>
+                                  <p:childTnLst>
+                                    <p:set>
+                                      <p:cBhvr>
+                                        <p:cTn id="22" dur="1" fill="hold">
+                                          <p:stCondLst>
+                                            <p:cond delay="0"/>
+                                          </p:stCondLst>
+                                        </p:cTn>
+                                        <p:tgtEl>
+                                          <p:spTgt spid="3">
+                                            <p:txEl>
+                                              <p:pRg st="5" end="5"/>
+                                            </p:txEl>
+                                          </p:spTgt>
+                                        </p:tgtEl>
+                                        <p:attrNameLst>
+                                          <p:attrName>style.visibility</p:attrName>
+                                        </p:attrNameLst>
+                                      </p:cBhvr>
+                                      <p:to>
+                                        <p:strVal val="visible"/>
+                                      </p:to>
+                                    </p:set>
+                                  </p:childTnLst>
+                                </p:cTn>
+                              </p:par>
+                            </p:childTnLst>
+                          </p:cTn>
+                        </p:par>
+                      </p:childTnLst>
+                    </p:cTn>
+                  </p:par>
+                </p:childTnLst>
+              </p:cTn>
+              <p:prevCondLst>
+                <p:cond evt="onPrev" delay="0">
+                  <p:tgtEl>
+                    <p:sldTgt/>
+                  </p:tgtEl>
+                </p:cond>
+              </p:prevCondLst>
+              <p:nextCondLst>
+                <p:cond evt="onNext" delay="0">
+                  <p:tgtEl>
+                    <p:sldTgt/>
+                  </p:tgtEl>
+                </p:cond>
+              </p:nextCondLst>
+            </p:seq>
+          </p:childTnLst>
+        </p:cTn>
+      </p:par>
+    </p:tnLst>
+    <p:bldLst>
+      <p:bldP spid="3" grpId="0" uiExpand="1" build="p"/>
+    </p:bldLst>
+  </p:timing>
 </p:sld>
 </file>
 
@@ -16785,7 +17644,11 @@
           <a:bodyPr/>
           <a:lstStyle/>
           <a:p>
-            <a:endParaRPr lang="de-DE"/>
+            <a:r>
+              <a:rPr lang="de-DE" dirty="0" err="1"/>
+              <a:t>cowPatty</a:t>
+            </a:r>
+            <a:endParaRPr lang="de-DE" dirty="0"/>
           </a:p>
         </p:txBody>
       </p:sp>

--- a/Vortrag.pptx
+++ b/Vortrag.pptx
@@ -15819,7 +15819,15 @@
           <a:p>
             <a:r>
               <a:rPr lang="de-DE" dirty="0"/>
-              <a:t>Passwort raten anhand einer Liste von Passwörtern</a:t>
+              <a:t>Passwort raten anhand einer Liste </a:t>
+            </a:r>
+            <a:r>
+              <a:rPr lang="de-DE"/>
+              <a:t>von möglichen </a:t>
+            </a:r>
+            <a:r>
+              <a:rPr lang="de-DE" dirty="0"/>
+              <a:t>Passwörtern</a:t>
             </a:r>
           </a:p>
           <a:p>
@@ -16220,7 +16228,7 @@
                                         <p:tgtEl>
                                           <p:spTgt spid="3">
                                             <p:txEl>
-                                              <p:pRg st="9" end="9"/>
+                                              <p:pRg st="6" end="6"/>
                                             </p:txEl>
                                           </p:spTgt>
                                         </p:tgtEl>
@@ -16269,7 +16277,7 @@
                                         <p:tgtEl>
                                           <p:spTgt spid="3">
                                             <p:txEl>
-                                              <p:pRg st="10" end="10"/>
+                                              <p:pRg st="7" end="7"/>
                                             </p:txEl>
                                           </p:spTgt>
                                         </p:tgtEl>
@@ -16318,7 +16326,7 @@
                                         <p:tgtEl>
                                           <p:spTgt spid="3">
                                             <p:txEl>
-                                              <p:pRg st="11" end="11"/>
+                                              <p:pRg st="9" end="9"/>
                                             </p:txEl>
                                           </p:spTgt>
                                         </p:tgtEl>
@@ -16484,7 +16492,7 @@
                                         <p:tgtEl>
                                           <p:spTgt spid="3">
                                             <p:txEl>
-                                              <p:pRg st="6" end="6"/>
+                                              <p:pRg st="10" end="10"/>
                                             </p:txEl>
                                           </p:spTgt>
                                         </p:tgtEl>
@@ -16533,7 +16541,7 @@
                                         <p:tgtEl>
                                           <p:spTgt spid="3">
                                             <p:txEl>
-                                              <p:pRg st="7" end="7"/>
+                                              <p:pRg st="11" end="11"/>
                                             </p:txEl>
                                           </p:spTgt>
                                         </p:tgtEl>
@@ -21925,13 +21933,20 @@
             </a:r>
             <a:r>
               <a:rPr lang="de-DE" dirty="0"/>
-              <a:t> Ripper und andere Programme vergleichen den Hashwert eines gesuchten Wortes mit einem, mit dem selben Verfahren, erstellten Hashwert eines ausgesuchten „Kandidaten“</a:t>
+              <a:t> Ripper und andere Programme vergleichen den Hashwert eines gesuchten Wortes mit einem, mit der selben Funktion, erstellten Hashwert eines ausgesuchten „Kandidaten“</a:t>
             </a:r>
           </a:p>
           <a:p>
             <a:r>
               <a:rPr lang="de-DE" dirty="0"/>
               <a:t>Wenn „Kandidat“ = gesuchtes Wort, dann sind die Hashwörter ebenfalls gleich</a:t>
+            </a:r>
+          </a:p>
+          <a:p>
+            <a:pPr lvl="1"/>
+            <a:r>
+              <a:rPr lang="de-DE" dirty="0"/>
+              <a:t>Probleme mit Hashkollisionen</a:t>
             </a:r>
           </a:p>
           <a:p>
@@ -22165,6 +22180,55 @@
                       </p:childTnLst>
                     </p:cTn>
                   </p:par>
+                  <p:par>
+                    <p:cTn id="19" fill="hold">
+                      <p:stCondLst>
+                        <p:cond delay="indefinite"/>
+                      </p:stCondLst>
+                      <p:childTnLst>
+                        <p:par>
+                          <p:cTn id="20" fill="hold">
+                            <p:stCondLst>
+                              <p:cond delay="0"/>
+                            </p:stCondLst>
+                            <p:childTnLst>
+                              <p:par>
+                                <p:cTn id="21" presetID="1" presetClass="entr" presetSubtype="0" fill="hold" grpId="0" nodeType="clickEffect">
+                                  <p:stCondLst>
+                                    <p:cond delay="0"/>
+                                  </p:stCondLst>
+                                  <p:childTnLst>
+                                    <p:set>
+                                      <p:cBhvr>
+                                        <p:cTn id="22" dur="1" fill="hold">
+                                          <p:stCondLst>
+                                            <p:cond delay="0"/>
+                                          </p:stCondLst>
+                                        </p:cTn>
+                                        <p:tgtEl>
+                                          <p:spTgt spid="3">
+                                            <p:txEl>
+                                              <p:pRg st="4" end="4"/>
+                                            </p:txEl>
+                                          </p:spTgt>
+                                        </p:tgtEl>
+                                        <p:attrNameLst>
+                                          <p:attrName>style.visibility</p:attrName>
+                                        </p:attrNameLst>
+                                      </p:cBhvr>
+                                      <p:to>
+                                        <p:strVal val="visible"/>
+                                      </p:to>
+                                    </p:set>
+                                  </p:childTnLst>
+                                </p:cTn>
+                              </p:par>
+                            </p:childTnLst>
+                          </p:cTn>
+                        </p:par>
+                      </p:childTnLst>
+                    </p:cTn>
+                  </p:par>
                 </p:childTnLst>
               </p:cTn>
               <p:prevCondLst>
@@ -22187,7 +22251,7 @@
       </p:par>
     </p:tnLst>
     <p:bldLst>
-      <p:bldP spid="3" grpId="0" build="p"/>
+      <p:bldP spid="3" grpId="0" uiExpand="1" build="p"/>
     </p:bldLst>
   </p:timing>
 </p:sld>

--- a/Vortrag.pptx
+++ b/Vortrag.pptx
@@ -2,7 +2,7 @@
 <file path=ppt/presentation.xml><?xml version="1.0" encoding="utf-8"?>
 <p:presentation xmlns:a="http://schemas.openxmlformats.org/drawingml/2006/main" xmlns:r="http://schemas.openxmlformats.org/officeDocument/2006/relationships" xmlns:p="http://schemas.openxmlformats.org/presentationml/2006/main" saveSubsetFonts="1">
   <p:sldMasterIdLst>
-    <p:sldMasterId id="2147483648" r:id="rId1"/>
+    <p:sldMasterId id="2147483819" r:id="rId1"/>
   </p:sldMasterIdLst>
   <p:notesMasterIdLst>
     <p:notesMasterId r:id="rId21"/>
@@ -32,9 +32,9 @@
   <p:notesSz cx="6858000" cy="9144000"/>
   <p:defaultTextStyle>
     <a:defPPr>
-      <a:defRPr lang="de-DE"/>
+      <a:defRPr lang="en-US"/>
     </a:defPPr>
-    <a:lvl1pPr marL="0" algn="l" defTabSz="914400" rtl="0" eaLnBrk="1" latinLnBrk="0" hangingPunct="1">
+    <a:lvl1pPr marL="0" algn="l" defTabSz="457200" rtl="0" eaLnBrk="1" latinLnBrk="0" hangingPunct="1">
       <a:defRPr sz="1800" kern="1200">
         <a:solidFill>
           <a:schemeClr val="tx1"/>
@@ -44,7 +44,7 @@
         <a:cs typeface="+mn-cs"/>
       </a:defRPr>
     </a:lvl1pPr>
-    <a:lvl2pPr marL="457200" algn="l" defTabSz="914400" rtl="0" eaLnBrk="1" latinLnBrk="0" hangingPunct="1">
+    <a:lvl2pPr marL="457200" algn="l" defTabSz="457200" rtl="0" eaLnBrk="1" latinLnBrk="0" hangingPunct="1">
       <a:defRPr sz="1800" kern="1200">
         <a:solidFill>
           <a:schemeClr val="tx1"/>
@@ -54,7 +54,7 @@
         <a:cs typeface="+mn-cs"/>
       </a:defRPr>
     </a:lvl2pPr>
-    <a:lvl3pPr marL="914400" algn="l" defTabSz="914400" rtl="0" eaLnBrk="1" latinLnBrk="0" hangingPunct="1">
+    <a:lvl3pPr marL="914400" algn="l" defTabSz="457200" rtl="0" eaLnBrk="1" latinLnBrk="0" hangingPunct="1">
       <a:defRPr sz="1800" kern="1200">
         <a:solidFill>
           <a:schemeClr val="tx1"/>
@@ -64,7 +64,7 @@
         <a:cs typeface="+mn-cs"/>
       </a:defRPr>
     </a:lvl3pPr>
-    <a:lvl4pPr marL="1371600" algn="l" defTabSz="914400" rtl="0" eaLnBrk="1" latinLnBrk="0" hangingPunct="1">
+    <a:lvl4pPr marL="1371600" algn="l" defTabSz="457200" rtl="0" eaLnBrk="1" latinLnBrk="0" hangingPunct="1">
       <a:defRPr sz="1800" kern="1200">
         <a:solidFill>
           <a:schemeClr val="tx1"/>
@@ -74,7 +74,7 @@
         <a:cs typeface="+mn-cs"/>
       </a:defRPr>
     </a:lvl4pPr>
-    <a:lvl5pPr marL="1828800" algn="l" defTabSz="914400" rtl="0" eaLnBrk="1" latinLnBrk="0" hangingPunct="1">
+    <a:lvl5pPr marL="1828800" algn="l" defTabSz="457200" rtl="0" eaLnBrk="1" latinLnBrk="0" hangingPunct="1">
       <a:defRPr sz="1800" kern="1200">
         <a:solidFill>
           <a:schemeClr val="tx1"/>
@@ -84,7 +84,7 @@
         <a:cs typeface="+mn-cs"/>
       </a:defRPr>
     </a:lvl5pPr>
-    <a:lvl6pPr marL="2286000" algn="l" defTabSz="914400" rtl="0" eaLnBrk="1" latinLnBrk="0" hangingPunct="1">
+    <a:lvl6pPr marL="2286000" algn="l" defTabSz="457200" rtl="0" eaLnBrk="1" latinLnBrk="0" hangingPunct="1">
       <a:defRPr sz="1800" kern="1200">
         <a:solidFill>
           <a:schemeClr val="tx1"/>
@@ -94,7 +94,7 @@
         <a:cs typeface="+mn-cs"/>
       </a:defRPr>
     </a:lvl6pPr>
-    <a:lvl7pPr marL="2743200" algn="l" defTabSz="914400" rtl="0" eaLnBrk="1" latinLnBrk="0" hangingPunct="1">
+    <a:lvl7pPr marL="2743200" algn="l" defTabSz="457200" rtl="0" eaLnBrk="1" latinLnBrk="0" hangingPunct="1">
       <a:defRPr sz="1800" kern="1200">
         <a:solidFill>
           <a:schemeClr val="tx1"/>
@@ -104,7 +104,7 @@
         <a:cs typeface="+mn-cs"/>
       </a:defRPr>
     </a:lvl7pPr>
-    <a:lvl8pPr marL="3200400" algn="l" defTabSz="914400" rtl="0" eaLnBrk="1" latinLnBrk="0" hangingPunct="1">
+    <a:lvl8pPr marL="3200400" algn="l" defTabSz="457200" rtl="0" eaLnBrk="1" latinLnBrk="0" hangingPunct="1">
       <a:defRPr sz="1800" kern="1200">
         <a:solidFill>
           <a:schemeClr val="tx1"/>
@@ -114,7 +114,7 @@
         <a:cs typeface="+mn-cs"/>
       </a:defRPr>
     </a:lvl8pPr>
-    <a:lvl9pPr marL="3657600" algn="l" defTabSz="914400" rtl="0" eaLnBrk="1" latinLnBrk="0" hangingPunct="1">
+    <a:lvl9pPr marL="3657600" algn="l" defTabSz="457200" rtl="0" eaLnBrk="1" latinLnBrk="0" hangingPunct="1">
       <a:defRPr sz="1800" kern="1200">
         <a:solidFill>
           <a:schemeClr val="tx1"/>
@@ -4561,7 +4561,7 @@
             <a:alphaOff val="0"/>
           </a:schemeClr>
         </a:solidFill>
-        <a:ln w="12700" cap="flat" cmpd="sng" algn="ctr">
+        <a:ln w="19050" cap="rnd" cmpd="sng" algn="ctr">
           <a:solidFill>
             <a:schemeClr val="lt1">
               <a:hueOff val="0"/>
@@ -4571,7 +4571,6 @@
             </a:schemeClr>
           </a:solidFill>
           <a:prstDash val="solid"/>
-          <a:miter lim="800000"/>
         </a:ln>
         <a:effectLst/>
       </dsp:spPr>
@@ -4590,12 +4589,12 @@
         </a:fontRef>
       </dsp:style>
       <dsp:txBody>
-        <a:bodyPr spcFirstLastPara="0" vert="horz" wrap="square" lIns="72390" tIns="72390" rIns="72390" bIns="72390" numCol="1" spcCol="1270" anchor="ctr" anchorCtr="0">
+        <a:bodyPr spcFirstLastPara="0" vert="horz" wrap="square" lIns="76200" tIns="76200" rIns="76200" bIns="76200" numCol="1" spcCol="1270" anchor="ctr" anchorCtr="0">
           <a:noAutofit/>
         </a:bodyPr>
         <a:lstStyle/>
         <a:p>
-          <a:pPr marL="0" lvl="0" indent="0" algn="ctr" defTabSz="844550">
+          <a:pPr marL="0" lvl="0" indent="0" algn="ctr" defTabSz="889000">
             <a:lnSpc>
               <a:spcPct val="90000"/>
             </a:lnSpc>
@@ -4608,7 +4607,7 @@
             <a:buNone/>
           </a:pPr>
           <a:r>
-            <a:rPr lang="de-DE" sz="1900" kern="1200" dirty="0"/>
+            <a:rPr lang="de-DE" sz="2000" kern="1200" dirty="0"/>
             <a:t>Professor Thiel</a:t>
           </a:r>
         </a:p>
@@ -4668,7 +4667,7 @@
         </a:bodyPr>
         <a:lstStyle/>
         <a:p>
-          <a:pPr marL="0" lvl="0" indent="0" algn="ctr" defTabSz="666750">
+          <a:pPr marL="0" lvl="0" indent="0" algn="ctr" defTabSz="711200">
             <a:lnSpc>
               <a:spcPct val="90000"/>
             </a:lnSpc>
@@ -4680,7 +4679,7 @@
             </a:spcAft>
             <a:buNone/>
           </a:pPr>
-          <a:endParaRPr lang="de-DE" sz="1500" kern="1200"/>
+          <a:endParaRPr lang="de-DE" sz="1600" kern="1200"/>
         </a:p>
       </dsp:txBody>
       <dsp:txXfrm>
@@ -4711,7 +4710,7 @@
             <a:alphaOff val="0"/>
           </a:schemeClr>
         </a:solidFill>
-        <a:ln w="12700" cap="flat" cmpd="sng" algn="ctr">
+        <a:ln w="19050" cap="rnd" cmpd="sng" algn="ctr">
           <a:solidFill>
             <a:schemeClr val="lt1">
               <a:hueOff val="0"/>
@@ -4721,7 +4720,6 @@
             </a:schemeClr>
           </a:solidFill>
           <a:prstDash val="solid"/>
-          <a:miter lim="800000"/>
         </a:ln>
         <a:effectLst/>
       </dsp:spPr>
@@ -4740,12 +4738,12 @@
         </a:fontRef>
       </dsp:style>
       <dsp:txBody>
-        <a:bodyPr spcFirstLastPara="0" vert="horz" wrap="square" lIns="72390" tIns="72390" rIns="72390" bIns="72390" numCol="1" spcCol="1270" anchor="ctr" anchorCtr="0">
+        <a:bodyPr spcFirstLastPara="0" vert="horz" wrap="square" lIns="76200" tIns="76200" rIns="76200" bIns="76200" numCol="1" spcCol="1270" anchor="ctr" anchorCtr="0">
           <a:noAutofit/>
         </a:bodyPr>
         <a:lstStyle/>
         <a:p>
-          <a:pPr marL="0" lvl="0" indent="0" algn="ctr" defTabSz="844550">
+          <a:pPr marL="0" lvl="0" indent="0" algn="ctr" defTabSz="889000">
             <a:lnSpc>
               <a:spcPct val="90000"/>
             </a:lnSpc>
@@ -4758,7 +4756,7 @@
             <a:buNone/>
           </a:pPr>
           <a:r>
-            <a:rPr lang="de-DE" sz="1900" kern="1200" dirty="0"/>
+            <a:rPr lang="de-DE" sz="2000" kern="1200" dirty="0"/>
             <a:t>42</a:t>
           </a:r>
         </a:p>
@@ -4803,7 +4801,7 @@
             <a:alphaOff val="0"/>
           </a:schemeClr>
         </a:solidFill>
-        <a:ln w="12700" cap="flat" cmpd="sng" algn="ctr">
+        <a:ln w="19050" cap="rnd" cmpd="sng" algn="ctr">
           <a:solidFill>
             <a:schemeClr val="lt1">
               <a:hueOff val="0"/>
@@ -4813,7 +4811,6 @@
             </a:schemeClr>
           </a:solidFill>
           <a:prstDash val="solid"/>
-          <a:miter lim="800000"/>
         </a:ln>
         <a:effectLst/>
       </dsp:spPr>
@@ -4953,7 +4950,7 @@
             <a:alphaOff val="0"/>
           </a:schemeClr>
         </a:solidFill>
-        <a:ln w="12700" cap="flat" cmpd="sng" algn="ctr">
+        <a:ln w="19050" cap="rnd" cmpd="sng" algn="ctr">
           <a:solidFill>
             <a:schemeClr val="lt1">
               <a:hueOff val="0"/>
@@ -4963,7 +4960,6 @@
             </a:schemeClr>
           </a:solidFill>
           <a:prstDash val="solid"/>
-          <a:miter lim="800000"/>
         </a:ln>
         <a:effectLst/>
       </dsp:spPr>
@@ -5045,7 +5041,7 @@
             <a:alphaOff val="0"/>
           </a:schemeClr>
         </a:solidFill>
-        <a:ln w="12700" cap="flat" cmpd="sng" algn="ctr">
+        <a:ln w="19050" cap="rnd" cmpd="sng" algn="ctr">
           <a:solidFill>
             <a:schemeClr val="lt1">
               <a:hueOff val="0"/>
@@ -5055,7 +5051,6 @@
             </a:schemeClr>
           </a:solidFill>
           <a:prstDash val="solid"/>
-          <a:miter lim="800000"/>
         </a:ln>
         <a:effectLst/>
       </dsp:spPr>
@@ -5074,12 +5069,12 @@
         </a:fontRef>
       </dsp:style>
       <dsp:txBody>
-        <a:bodyPr spcFirstLastPara="0" vert="horz" wrap="square" lIns="83820" tIns="83820" rIns="83820" bIns="83820" numCol="1" spcCol="1270" anchor="ctr" anchorCtr="0">
+        <a:bodyPr spcFirstLastPara="0" vert="horz" wrap="square" lIns="76200" tIns="76200" rIns="76200" bIns="76200" numCol="1" spcCol="1270" anchor="ctr" anchorCtr="0">
           <a:noAutofit/>
         </a:bodyPr>
         <a:lstStyle/>
         <a:p>
-          <a:pPr marL="0" lvl="0" indent="0" algn="ctr" defTabSz="977900">
+          <a:pPr marL="0" lvl="0" indent="0" algn="ctr" defTabSz="889000">
             <a:lnSpc>
               <a:spcPct val="90000"/>
             </a:lnSpc>
@@ -5092,7 +5087,7 @@
             <a:buNone/>
           </a:pPr>
           <a:r>
-            <a:rPr lang="de-DE" sz="2200" kern="1200" dirty="0"/>
+            <a:rPr lang="de-DE" sz="2000" kern="1200" dirty="0"/>
             <a:t>Frau Weidel</a:t>
           </a:r>
         </a:p>
@@ -5137,7 +5132,7 @@
             <a:alphaOff val="0"/>
           </a:schemeClr>
         </a:solidFill>
-        <a:ln w="12700" cap="flat" cmpd="sng" algn="ctr">
+        <a:ln w="19050" cap="rnd" cmpd="sng" algn="ctr">
           <a:solidFill>
             <a:schemeClr val="lt1">
               <a:hueOff val="0"/>
@@ -5147,7 +5142,6 @@
             </a:schemeClr>
           </a:solidFill>
           <a:prstDash val="solid"/>
-          <a:miter lim="800000"/>
         </a:ln>
         <a:effectLst/>
       </dsp:spPr>
@@ -5166,12 +5160,12 @@
         </a:fontRef>
       </dsp:style>
       <dsp:txBody>
-        <a:bodyPr spcFirstLastPara="0" vert="horz" wrap="square" lIns="34290" tIns="34290" rIns="34290" bIns="34290" numCol="1" spcCol="1270" anchor="ctr" anchorCtr="0">
+        <a:bodyPr spcFirstLastPara="0" vert="horz" wrap="square" lIns="30480" tIns="30480" rIns="30480" bIns="30480" numCol="1" spcCol="1270" anchor="ctr" anchorCtr="0">
           <a:noAutofit/>
         </a:bodyPr>
         <a:lstStyle/>
         <a:p>
-          <a:pPr marL="0" lvl="0" indent="0" algn="ctr" defTabSz="400050">
+          <a:pPr marL="0" lvl="0" indent="0" algn="ctr" defTabSz="355600">
             <a:lnSpc>
               <a:spcPct val="90000"/>
             </a:lnSpc>
@@ -5184,7 +5178,7 @@
             <a:buNone/>
           </a:pPr>
           <a:r>
-            <a:rPr lang="de-DE" sz="900" kern="1200" dirty="0"/>
+            <a:rPr lang="de-DE" sz="800" kern="1200" dirty="0"/>
             <a:t>Tolles Passwort</a:t>
           </a:r>
         </a:p>
@@ -5287,7 +5281,7 @@
             <a:alphaOff val="0"/>
           </a:schemeClr>
         </a:solidFill>
-        <a:ln w="12700" cap="flat" cmpd="sng" algn="ctr">
+        <a:ln w="19050" cap="rnd" cmpd="sng" algn="ctr">
           <a:solidFill>
             <a:schemeClr val="lt1">
               <a:hueOff val="0"/>
@@ -5297,7 +5291,6 @@
             </a:schemeClr>
           </a:solidFill>
           <a:prstDash val="solid"/>
-          <a:miter lim="800000"/>
         </a:ln>
         <a:effectLst/>
       </dsp:spPr>
@@ -5316,12 +5309,12 @@
         </a:fontRef>
       </dsp:style>
       <dsp:txBody>
-        <a:bodyPr spcFirstLastPara="0" vert="horz" wrap="square" lIns="34290" tIns="34290" rIns="34290" bIns="34290" numCol="1" spcCol="1270" anchor="ctr" anchorCtr="0">
+        <a:bodyPr spcFirstLastPara="0" vert="horz" wrap="square" lIns="30480" tIns="30480" rIns="30480" bIns="30480" numCol="1" spcCol="1270" anchor="ctr" anchorCtr="0">
           <a:noAutofit/>
         </a:bodyPr>
         <a:lstStyle/>
         <a:p>
-          <a:pPr marL="0" lvl="0" indent="0" algn="ctr" defTabSz="400050">
+          <a:pPr marL="0" lvl="0" indent="0" algn="ctr" defTabSz="355600">
             <a:lnSpc>
               <a:spcPct val="90000"/>
             </a:lnSpc>
@@ -5334,10 +5327,10 @@
             <a:buNone/>
           </a:pPr>
           <a:r>
-            <a:rPr lang="de-DE" sz="900" b="1" i="0" kern="1200" dirty="0"/>
+            <a:rPr lang="de-DE" sz="800" b="1" i="0" kern="1200" dirty="0"/>
             <a:t>7428a1c09d95cd2a7a4009a552f19463</a:t>
           </a:r>
-          <a:endParaRPr lang="de-DE" sz="900" kern="1200" dirty="0"/>
+          <a:endParaRPr lang="de-DE" sz="800" kern="1200" dirty="0"/>
         </a:p>
       </dsp:txBody>
       <dsp:txXfrm>
@@ -5380,7 +5373,7 @@
             <a:alphaOff val="0"/>
           </a:schemeClr>
         </a:solidFill>
-        <a:ln w="12700" cap="flat" cmpd="sng" algn="ctr">
+        <a:ln w="19050" cap="rnd" cmpd="sng" algn="ctr">
           <a:solidFill>
             <a:schemeClr val="lt1">
               <a:hueOff val="0"/>
@@ -5390,7 +5383,6 @@
             </a:schemeClr>
           </a:solidFill>
           <a:prstDash val="solid"/>
-          <a:miter lim="800000"/>
         </a:ln>
         <a:effectLst/>
       </dsp:spPr>
@@ -5409,12 +5401,12 @@
         </a:fontRef>
       </dsp:style>
       <dsp:txBody>
-        <a:bodyPr spcFirstLastPara="0" vert="horz" wrap="square" lIns="34290" tIns="34290" rIns="34290" bIns="34290" numCol="1" spcCol="1270" anchor="ctr" anchorCtr="0">
+        <a:bodyPr spcFirstLastPara="0" vert="horz" wrap="square" lIns="30480" tIns="30480" rIns="30480" bIns="30480" numCol="1" spcCol="1270" anchor="ctr" anchorCtr="0">
           <a:noAutofit/>
         </a:bodyPr>
         <a:lstStyle/>
         <a:p>
-          <a:pPr marL="0" lvl="0" indent="0" algn="ctr" defTabSz="400050">
+          <a:pPr marL="0" lvl="0" indent="0" algn="ctr" defTabSz="355600">
             <a:lnSpc>
               <a:spcPct val="90000"/>
             </a:lnSpc>
@@ -5427,7 +5419,7 @@
             <a:buNone/>
           </a:pPr>
           <a:r>
-            <a:rPr lang="de-DE" sz="900" kern="1200" dirty="0"/>
+            <a:rPr lang="de-DE" sz="800" kern="1200" dirty="0"/>
             <a:t>doofes Passwort</a:t>
           </a:r>
         </a:p>
@@ -5530,7 +5522,7 @@
             <a:alphaOff val="0"/>
           </a:schemeClr>
         </a:solidFill>
-        <a:ln w="12700" cap="flat" cmpd="sng" algn="ctr">
+        <a:ln w="19050" cap="rnd" cmpd="sng" algn="ctr">
           <a:solidFill>
             <a:schemeClr val="lt1">
               <a:hueOff val="0"/>
@@ -5540,7 +5532,6 @@
             </a:schemeClr>
           </a:solidFill>
           <a:prstDash val="solid"/>
-          <a:miter lim="800000"/>
         </a:ln>
         <a:effectLst/>
       </dsp:spPr>
@@ -5559,12 +5550,12 @@
         </a:fontRef>
       </dsp:style>
       <dsp:txBody>
-        <a:bodyPr spcFirstLastPara="0" vert="horz" wrap="square" lIns="34290" tIns="34290" rIns="34290" bIns="34290" numCol="1" spcCol="1270" anchor="ctr" anchorCtr="0">
+        <a:bodyPr spcFirstLastPara="0" vert="horz" wrap="square" lIns="30480" tIns="30480" rIns="30480" bIns="30480" numCol="1" spcCol="1270" anchor="ctr" anchorCtr="0">
           <a:noAutofit/>
         </a:bodyPr>
         <a:lstStyle/>
         <a:p>
-          <a:pPr marL="0" lvl="0" indent="0" algn="ctr" defTabSz="400050">
+          <a:pPr marL="0" lvl="0" indent="0" algn="ctr" defTabSz="355600">
             <a:lnSpc>
               <a:spcPct val="90000"/>
             </a:lnSpc>
@@ -5577,10 +5568,10 @@
             <a:buNone/>
           </a:pPr>
           <a:r>
-            <a:rPr lang="de-DE" sz="900" b="1" i="0" kern="1200" dirty="0"/>
+            <a:rPr lang="de-DE" sz="800" b="1" i="0" kern="1200" dirty="0"/>
             <a:t>96eb4c46aede84e36972f5fc21d5bf06</a:t>
           </a:r>
-          <a:endParaRPr lang="de-DE" sz="900" kern="1200" dirty="0"/>
+          <a:endParaRPr lang="de-DE" sz="800" kern="1200" dirty="0"/>
         </a:p>
       </dsp:txBody>
       <dsp:txXfrm>
@@ -12317,8 +12308,793 @@
 </file>
 
 <file path=ppt/slideLayouts/slideLayout1.xml><?xml version="1.0" encoding="utf-8"?>
-<p:sldLayout xmlns:a="http://schemas.openxmlformats.org/drawingml/2006/main" xmlns:r="http://schemas.openxmlformats.org/officeDocument/2006/relationships" xmlns:p="http://schemas.openxmlformats.org/presentationml/2006/main" type="title" preserve="1">
+<p:sldLayout xmlns:a="http://schemas.openxmlformats.org/drawingml/2006/main" xmlns:r="http://schemas.openxmlformats.org/officeDocument/2006/relationships" xmlns:p="http://schemas.openxmlformats.org/presentationml/2006/main" showMasterSp="0" type="title" preserve="1">
   <p:cSld name="Titelfolie">
+    <p:spTree>
+      <p:nvGrpSpPr>
+        <p:cNvPr id="1" name=""/>
+        <p:cNvGrpSpPr/>
+        <p:nvPr/>
+      </p:nvGrpSpPr>
+      <p:grpSpPr>
+        <a:xfrm>
+          <a:off x="0" y="0"/>
+          <a:ext cx="0" cy="0"/>
+          <a:chOff x="0" y="0"/>
+          <a:chExt cx="0" cy="0"/>
+        </a:xfrm>
+      </p:grpSpPr>
+      <p:grpSp>
+        <p:nvGrpSpPr>
+          <p:cNvPr id="8" name="Group 7"/>
+          <p:cNvGrpSpPr/>
+          <p:nvPr/>
+        </p:nvGrpSpPr>
+        <p:grpSpPr>
+          <a:xfrm>
+            <a:off x="0" y="-8467"/>
+            <a:ext cx="12192000" cy="6866467"/>
+            <a:chOff x="0" y="-8467"/>
+            <a:chExt cx="12192000" cy="6866467"/>
+          </a:xfrm>
+        </p:grpSpPr>
+        <p:cxnSp>
+          <p:nvCxnSpPr>
+            <p:cNvPr id="32" name="Straight Connector 31"/>
+            <p:cNvCxnSpPr/>
+            <p:nvPr/>
+          </p:nvCxnSpPr>
+          <p:spPr>
+            <a:xfrm>
+              <a:off x="9371012" y="0"/>
+              <a:ext cx="1219200" cy="6858000"/>
+            </a:xfrm>
+            <a:prstGeom prst="line">
+              <a:avLst/>
+            </a:prstGeom>
+            <a:ln w="9525">
+              <a:solidFill>
+                <a:schemeClr val="bg1">
+                  <a:lumMod val="85000"/>
+                  <a:lumOff val="15000"/>
+                </a:schemeClr>
+              </a:solidFill>
+            </a:ln>
+          </p:spPr>
+          <p:style>
+            <a:lnRef idx="2">
+              <a:schemeClr val="accent1"/>
+            </a:lnRef>
+            <a:fillRef idx="0">
+              <a:schemeClr val="accent1"/>
+            </a:fillRef>
+            <a:effectRef idx="1">
+              <a:schemeClr val="accent1"/>
+            </a:effectRef>
+            <a:fontRef idx="minor">
+              <a:schemeClr val="tx1"/>
+            </a:fontRef>
+          </p:style>
+        </p:cxnSp>
+        <p:cxnSp>
+          <p:nvCxnSpPr>
+            <p:cNvPr id="21" name="Straight Connector 20"/>
+            <p:cNvCxnSpPr/>
+            <p:nvPr/>
+          </p:nvCxnSpPr>
+          <p:spPr>
+            <a:xfrm flipH="1">
+              <a:off x="7425267" y="3681413"/>
+              <a:ext cx="4763558" cy="3176587"/>
+            </a:xfrm>
+            <a:prstGeom prst="line">
+              <a:avLst/>
+            </a:prstGeom>
+            <a:ln w="9525">
+              <a:solidFill>
+                <a:schemeClr val="bg1">
+                  <a:lumMod val="85000"/>
+                  <a:lumOff val="15000"/>
+                </a:schemeClr>
+              </a:solidFill>
+            </a:ln>
+          </p:spPr>
+          <p:style>
+            <a:lnRef idx="2">
+              <a:schemeClr val="accent1"/>
+            </a:lnRef>
+            <a:fillRef idx="0">
+              <a:schemeClr val="accent1"/>
+            </a:fillRef>
+            <a:effectRef idx="1">
+              <a:schemeClr val="accent1"/>
+            </a:effectRef>
+            <a:fontRef idx="minor">
+              <a:schemeClr val="tx1"/>
+            </a:fontRef>
+          </p:style>
+        </p:cxnSp>
+        <p:sp>
+          <p:nvSpPr>
+            <p:cNvPr id="24" name="Rectangle 23"/>
+            <p:cNvSpPr/>
+            <p:nvPr/>
+          </p:nvSpPr>
+          <p:spPr>
+            <a:xfrm>
+              <a:off x="9181476" y="-8467"/>
+              <a:ext cx="3007349" cy="6866467"/>
+            </a:xfrm>
+            <a:custGeom>
+              <a:avLst/>
+              <a:gdLst/>
+              <a:ahLst/>
+              <a:cxnLst/>
+              <a:rect l="l" t="t" r="r" b="b"/>
+              <a:pathLst>
+                <a:path w="3007349" h="6866467">
+                  <a:moveTo>
+                    <a:pt x="2045532" y="0"/>
+                  </a:moveTo>
+                  <a:lnTo>
+                    <a:pt x="3007349" y="0"/>
+                  </a:lnTo>
+                  <a:lnTo>
+                    <a:pt x="3007349" y="6866467"/>
+                  </a:lnTo>
+                  <a:lnTo>
+                    <a:pt x="0" y="6866467"/>
+                  </a:lnTo>
+                  <a:lnTo>
+                    <a:pt x="2045532" y="0"/>
+                  </a:lnTo>
+                  <a:close/>
+                </a:path>
+              </a:pathLst>
+            </a:custGeom>
+            <a:solidFill>
+              <a:schemeClr val="accent1">
+                <a:alpha val="30000"/>
+              </a:schemeClr>
+            </a:solidFill>
+            <a:ln>
+              <a:noFill/>
+            </a:ln>
+            <a:effectLst/>
+          </p:spPr>
+          <p:style>
+            <a:lnRef idx="1">
+              <a:schemeClr val="accent1"/>
+            </a:lnRef>
+            <a:fillRef idx="3">
+              <a:schemeClr val="accent1"/>
+            </a:fillRef>
+            <a:effectRef idx="2">
+              <a:schemeClr val="accent1"/>
+            </a:effectRef>
+            <a:fontRef idx="minor">
+              <a:schemeClr val="lt1"/>
+            </a:fontRef>
+          </p:style>
+        </p:sp>
+        <p:sp>
+          <p:nvSpPr>
+            <p:cNvPr id="26" name="Rectangle 25"/>
+            <p:cNvSpPr/>
+            <p:nvPr/>
+          </p:nvSpPr>
+          <p:spPr>
+            <a:xfrm>
+              <a:off x="9603442" y="-8467"/>
+              <a:ext cx="2588558" cy="6866467"/>
+            </a:xfrm>
+            <a:custGeom>
+              <a:avLst/>
+              <a:gdLst/>
+              <a:ahLst/>
+              <a:cxnLst/>
+              <a:rect l="l" t="t" r="r" b="b"/>
+              <a:pathLst>
+                <a:path w="2573311" h="6866467">
+                  <a:moveTo>
+                    <a:pt x="0" y="0"/>
+                  </a:moveTo>
+                  <a:lnTo>
+                    <a:pt x="2573311" y="0"/>
+                  </a:lnTo>
+                  <a:lnTo>
+                    <a:pt x="2573311" y="6866467"/>
+                  </a:lnTo>
+                  <a:lnTo>
+                    <a:pt x="1202336" y="6866467"/>
+                  </a:lnTo>
+                  <a:lnTo>
+                    <a:pt x="0" y="0"/>
+                  </a:lnTo>
+                  <a:close/>
+                </a:path>
+              </a:pathLst>
+            </a:custGeom>
+            <a:solidFill>
+              <a:schemeClr val="accent1">
+                <a:alpha val="20000"/>
+              </a:schemeClr>
+            </a:solidFill>
+            <a:ln>
+              <a:noFill/>
+            </a:ln>
+            <a:effectLst/>
+          </p:spPr>
+          <p:style>
+            <a:lnRef idx="1">
+              <a:schemeClr val="accent1"/>
+            </a:lnRef>
+            <a:fillRef idx="3">
+              <a:schemeClr val="accent1"/>
+            </a:fillRef>
+            <a:effectRef idx="2">
+              <a:schemeClr val="accent1"/>
+            </a:effectRef>
+            <a:fontRef idx="minor">
+              <a:schemeClr val="lt1"/>
+            </a:fontRef>
+          </p:style>
+        </p:sp>
+        <p:sp>
+          <p:nvSpPr>
+            <p:cNvPr id="27" name="Isosceles Triangle 26"/>
+            <p:cNvSpPr/>
+            <p:nvPr/>
+          </p:nvSpPr>
+          <p:spPr>
+            <a:xfrm>
+              <a:off x="8932333" y="3048000"/>
+              <a:ext cx="3259667" cy="3810000"/>
+            </a:xfrm>
+            <a:prstGeom prst="triangle">
+              <a:avLst>
+                <a:gd name="adj" fmla="val 100000"/>
+              </a:avLst>
+            </a:prstGeom>
+            <a:solidFill>
+              <a:schemeClr val="accent2">
+                <a:alpha val="72000"/>
+              </a:schemeClr>
+            </a:solidFill>
+            <a:ln>
+              <a:noFill/>
+            </a:ln>
+            <a:effectLst/>
+          </p:spPr>
+          <p:style>
+            <a:lnRef idx="1">
+              <a:schemeClr val="accent1"/>
+            </a:lnRef>
+            <a:fillRef idx="3">
+              <a:schemeClr val="accent1"/>
+            </a:fillRef>
+            <a:effectRef idx="2">
+              <a:schemeClr val="accent1"/>
+            </a:effectRef>
+            <a:fontRef idx="minor">
+              <a:schemeClr val="lt1"/>
+            </a:fontRef>
+          </p:style>
+        </p:sp>
+        <p:sp>
+          <p:nvSpPr>
+            <p:cNvPr id="28" name="Rectangle 27"/>
+            <p:cNvSpPr/>
+            <p:nvPr/>
+          </p:nvSpPr>
+          <p:spPr>
+            <a:xfrm>
+              <a:off x="9334500" y="-8467"/>
+              <a:ext cx="2854326" cy="6866467"/>
+            </a:xfrm>
+            <a:custGeom>
+              <a:avLst/>
+              <a:gdLst/>
+              <a:ahLst/>
+              <a:cxnLst/>
+              <a:rect l="l" t="t" r="r" b="b"/>
+              <a:pathLst>
+                <a:path w="2858013" h="6866467">
+                  <a:moveTo>
+                    <a:pt x="0" y="0"/>
+                  </a:moveTo>
+                  <a:lnTo>
+                    <a:pt x="2858013" y="0"/>
+                  </a:lnTo>
+                  <a:lnTo>
+                    <a:pt x="2858013" y="6866467"/>
+                  </a:lnTo>
+                  <a:lnTo>
+                    <a:pt x="2473942" y="6866467"/>
+                  </a:lnTo>
+                  <a:lnTo>
+                    <a:pt x="0" y="0"/>
+                  </a:lnTo>
+                  <a:close/>
+                </a:path>
+              </a:pathLst>
+            </a:custGeom>
+            <a:solidFill>
+              <a:schemeClr val="accent2">
+                <a:lumMod val="75000"/>
+                <a:alpha val="70000"/>
+              </a:schemeClr>
+            </a:solidFill>
+            <a:ln>
+              <a:noFill/>
+            </a:ln>
+            <a:effectLst/>
+          </p:spPr>
+          <p:style>
+            <a:lnRef idx="1">
+              <a:schemeClr val="accent1"/>
+            </a:lnRef>
+            <a:fillRef idx="3">
+              <a:schemeClr val="accent1"/>
+            </a:fillRef>
+            <a:effectRef idx="2">
+              <a:schemeClr val="accent1"/>
+            </a:effectRef>
+            <a:fontRef idx="minor">
+              <a:schemeClr val="lt1"/>
+            </a:fontRef>
+          </p:style>
+        </p:sp>
+        <p:sp>
+          <p:nvSpPr>
+            <p:cNvPr id="29" name="Rectangle 28"/>
+            <p:cNvSpPr/>
+            <p:nvPr/>
+          </p:nvSpPr>
+          <p:spPr>
+            <a:xfrm>
+              <a:off x="10898730" y="-8467"/>
+              <a:ext cx="1290094" cy="6866467"/>
+            </a:xfrm>
+            <a:custGeom>
+              <a:avLst/>
+              <a:gdLst/>
+              <a:ahLst/>
+              <a:cxnLst/>
+              <a:rect l="l" t="t" r="r" b="b"/>
+              <a:pathLst>
+                <a:path w="1290094" h="6858000">
+                  <a:moveTo>
+                    <a:pt x="1019735" y="0"/>
+                  </a:moveTo>
+                  <a:lnTo>
+                    <a:pt x="1290094" y="0"/>
+                  </a:lnTo>
+                  <a:lnTo>
+                    <a:pt x="1290094" y="6858000"/>
+                  </a:lnTo>
+                  <a:lnTo>
+                    <a:pt x="0" y="6858000"/>
+                  </a:lnTo>
+                  <a:lnTo>
+                    <a:pt x="1019735" y="0"/>
+                  </a:lnTo>
+                  <a:close/>
+                </a:path>
+              </a:pathLst>
+            </a:custGeom>
+            <a:solidFill>
+              <a:schemeClr val="accent1">
+                <a:lumMod val="60000"/>
+                <a:lumOff val="40000"/>
+                <a:alpha val="70000"/>
+              </a:schemeClr>
+            </a:solidFill>
+            <a:ln>
+              <a:noFill/>
+            </a:ln>
+            <a:effectLst/>
+          </p:spPr>
+          <p:style>
+            <a:lnRef idx="1">
+              <a:schemeClr val="accent1"/>
+            </a:lnRef>
+            <a:fillRef idx="3">
+              <a:schemeClr val="accent1"/>
+            </a:fillRef>
+            <a:effectRef idx="2">
+              <a:schemeClr val="accent1"/>
+            </a:effectRef>
+            <a:fontRef idx="minor">
+              <a:schemeClr val="lt1"/>
+            </a:fontRef>
+          </p:style>
+        </p:sp>
+        <p:sp>
+          <p:nvSpPr>
+            <p:cNvPr id="30" name="Rectangle 29"/>
+            <p:cNvSpPr/>
+            <p:nvPr/>
+          </p:nvSpPr>
+          <p:spPr>
+            <a:xfrm>
+              <a:off x="10938999" y="-8467"/>
+              <a:ext cx="1249825" cy="6866467"/>
+            </a:xfrm>
+            <a:custGeom>
+              <a:avLst/>
+              <a:gdLst/>
+              <a:ahLst/>
+              <a:cxnLst/>
+              <a:rect l="l" t="t" r="r" b="b"/>
+              <a:pathLst>
+                <a:path w="1249825" h="6858000">
+                  <a:moveTo>
+                    <a:pt x="0" y="0"/>
+                  </a:moveTo>
+                  <a:lnTo>
+                    <a:pt x="1249825" y="0"/>
+                  </a:lnTo>
+                  <a:lnTo>
+                    <a:pt x="1249825" y="6858000"/>
+                  </a:lnTo>
+                  <a:lnTo>
+                    <a:pt x="1109382" y="6858000"/>
+                  </a:lnTo>
+                  <a:lnTo>
+                    <a:pt x="0" y="0"/>
+                  </a:lnTo>
+                  <a:close/>
+                </a:path>
+              </a:pathLst>
+            </a:custGeom>
+            <a:solidFill>
+              <a:schemeClr val="accent1">
+                <a:alpha val="65000"/>
+              </a:schemeClr>
+            </a:solidFill>
+            <a:ln>
+              <a:noFill/>
+            </a:ln>
+            <a:effectLst/>
+          </p:spPr>
+          <p:style>
+            <a:lnRef idx="1">
+              <a:schemeClr val="accent1"/>
+            </a:lnRef>
+            <a:fillRef idx="3">
+              <a:schemeClr val="accent1"/>
+            </a:fillRef>
+            <a:effectRef idx="2">
+              <a:schemeClr val="accent1"/>
+            </a:effectRef>
+            <a:fontRef idx="minor">
+              <a:schemeClr val="lt1"/>
+            </a:fontRef>
+          </p:style>
+        </p:sp>
+        <p:sp>
+          <p:nvSpPr>
+            <p:cNvPr id="31" name="Isosceles Triangle 30"/>
+            <p:cNvSpPr/>
+            <p:nvPr/>
+          </p:nvSpPr>
+          <p:spPr>
+            <a:xfrm>
+              <a:off x="10371666" y="3589867"/>
+              <a:ext cx="1817159" cy="3268133"/>
+            </a:xfrm>
+            <a:prstGeom prst="triangle">
+              <a:avLst>
+                <a:gd name="adj" fmla="val 100000"/>
+              </a:avLst>
+            </a:prstGeom>
+            <a:solidFill>
+              <a:schemeClr val="accent1">
+                <a:alpha val="80000"/>
+              </a:schemeClr>
+            </a:solidFill>
+            <a:ln>
+              <a:noFill/>
+            </a:ln>
+            <a:effectLst/>
+          </p:spPr>
+          <p:style>
+            <a:lnRef idx="1">
+              <a:schemeClr val="accent1"/>
+            </a:lnRef>
+            <a:fillRef idx="3">
+              <a:schemeClr val="accent1"/>
+            </a:fillRef>
+            <a:effectRef idx="2">
+              <a:schemeClr val="accent1"/>
+            </a:effectRef>
+            <a:fontRef idx="minor">
+              <a:schemeClr val="lt1"/>
+            </a:fontRef>
+          </p:style>
+        </p:sp>
+        <p:sp>
+          <p:nvSpPr>
+            <p:cNvPr id="19" name="Isosceles Triangle 18"/>
+            <p:cNvSpPr/>
+            <p:nvPr/>
+          </p:nvSpPr>
+          <p:spPr>
+            <a:xfrm rot="10800000">
+              <a:off x="0" y="0"/>
+              <a:ext cx="842596" cy="5666154"/>
+            </a:xfrm>
+            <a:prstGeom prst="triangle">
+              <a:avLst>
+                <a:gd name="adj" fmla="val 100000"/>
+              </a:avLst>
+            </a:prstGeom>
+            <a:solidFill>
+              <a:schemeClr val="accent1">
+                <a:alpha val="85000"/>
+              </a:schemeClr>
+            </a:solidFill>
+            <a:ln>
+              <a:noFill/>
+            </a:ln>
+            <a:effectLst/>
+          </p:spPr>
+          <p:style>
+            <a:lnRef idx="1">
+              <a:schemeClr val="accent1"/>
+            </a:lnRef>
+            <a:fillRef idx="3">
+              <a:schemeClr val="accent1"/>
+            </a:fillRef>
+            <a:effectRef idx="2">
+              <a:schemeClr val="accent1"/>
+            </a:effectRef>
+            <a:fontRef idx="minor">
+              <a:schemeClr val="lt1"/>
+            </a:fontRef>
+          </p:style>
+        </p:sp>
+      </p:grpSp>
+      <p:sp>
+        <p:nvSpPr>
+          <p:cNvPr id="2" name="Title 1"/>
+          <p:cNvSpPr>
+            <a:spLocks noGrp="1"/>
+          </p:cNvSpPr>
+          <p:nvPr>
+            <p:ph type="ctrTitle"/>
+          </p:nvPr>
+        </p:nvSpPr>
+        <p:spPr>
+          <a:xfrm>
+            <a:off x="1507067" y="2404534"/>
+            <a:ext cx="7766936" cy="1646302"/>
+          </a:xfrm>
+        </p:spPr>
+        <p:txBody>
+          <a:bodyPr anchor="b">
+            <a:noAutofit/>
+          </a:bodyPr>
+          <a:lstStyle>
+            <a:lvl1pPr algn="r">
+              <a:defRPr sz="5400">
+                <a:solidFill>
+                  <a:schemeClr val="accent1"/>
+                </a:solidFill>
+              </a:defRPr>
+            </a:lvl1pPr>
+          </a:lstStyle>
+          <a:p>
+            <a:r>
+              <a:rPr lang="de-DE"/>
+              <a:t>Mastertitelformat bearbeiten</a:t>
+            </a:r>
+            <a:endParaRPr lang="en-US" dirty="0"/>
+          </a:p>
+        </p:txBody>
+      </p:sp>
+      <p:sp>
+        <p:nvSpPr>
+          <p:cNvPr id="3" name="Subtitle 2"/>
+          <p:cNvSpPr>
+            <a:spLocks noGrp="1"/>
+          </p:cNvSpPr>
+          <p:nvPr>
+            <p:ph type="subTitle" idx="1"/>
+          </p:nvPr>
+        </p:nvSpPr>
+        <p:spPr>
+          <a:xfrm>
+            <a:off x="1507067" y="4050833"/>
+            <a:ext cx="7766936" cy="1096899"/>
+          </a:xfrm>
+        </p:spPr>
+        <p:txBody>
+          <a:bodyPr anchor="t"/>
+          <a:lstStyle>
+            <a:lvl1pPr marL="0" indent="0" algn="r">
+              <a:buNone/>
+              <a:defRPr>
+                <a:solidFill>
+                  <a:schemeClr val="tx1">
+                    <a:lumMod val="50000"/>
+                    <a:lumOff val="50000"/>
+                  </a:schemeClr>
+                </a:solidFill>
+              </a:defRPr>
+            </a:lvl1pPr>
+            <a:lvl2pPr marL="457200" indent="0" algn="ctr">
+              <a:buNone/>
+              <a:defRPr>
+                <a:solidFill>
+                  <a:schemeClr val="tx1">
+                    <a:tint val="75000"/>
+                  </a:schemeClr>
+                </a:solidFill>
+              </a:defRPr>
+            </a:lvl2pPr>
+            <a:lvl3pPr marL="914400" indent="0" algn="ctr">
+              <a:buNone/>
+              <a:defRPr>
+                <a:solidFill>
+                  <a:schemeClr val="tx1">
+                    <a:tint val="75000"/>
+                  </a:schemeClr>
+                </a:solidFill>
+              </a:defRPr>
+            </a:lvl3pPr>
+            <a:lvl4pPr marL="1371600" indent="0" algn="ctr">
+              <a:buNone/>
+              <a:defRPr>
+                <a:solidFill>
+                  <a:schemeClr val="tx1">
+                    <a:tint val="75000"/>
+                  </a:schemeClr>
+                </a:solidFill>
+              </a:defRPr>
+            </a:lvl4pPr>
+            <a:lvl5pPr marL="1828800" indent="0" algn="ctr">
+              <a:buNone/>
+              <a:defRPr>
+                <a:solidFill>
+                  <a:schemeClr val="tx1">
+                    <a:tint val="75000"/>
+                  </a:schemeClr>
+                </a:solidFill>
+              </a:defRPr>
+            </a:lvl5pPr>
+            <a:lvl6pPr marL="2286000" indent="0" algn="ctr">
+              <a:buNone/>
+              <a:defRPr>
+                <a:solidFill>
+                  <a:schemeClr val="tx1">
+                    <a:tint val="75000"/>
+                  </a:schemeClr>
+                </a:solidFill>
+              </a:defRPr>
+            </a:lvl6pPr>
+            <a:lvl7pPr marL="2743200" indent="0" algn="ctr">
+              <a:buNone/>
+              <a:defRPr>
+                <a:solidFill>
+                  <a:schemeClr val="tx1">
+                    <a:tint val="75000"/>
+                  </a:schemeClr>
+                </a:solidFill>
+              </a:defRPr>
+            </a:lvl7pPr>
+            <a:lvl8pPr marL="3200400" indent="0" algn="ctr">
+              <a:buNone/>
+              <a:defRPr>
+                <a:solidFill>
+                  <a:schemeClr val="tx1">
+                    <a:tint val="75000"/>
+                  </a:schemeClr>
+                </a:solidFill>
+              </a:defRPr>
+            </a:lvl8pPr>
+            <a:lvl9pPr marL="3657600" indent="0" algn="ctr">
+              <a:buNone/>
+              <a:defRPr>
+                <a:solidFill>
+                  <a:schemeClr val="tx1">
+                    <a:tint val="75000"/>
+                  </a:schemeClr>
+                </a:solidFill>
+              </a:defRPr>
+            </a:lvl9pPr>
+          </a:lstStyle>
+          <a:p>
+            <a:r>
+              <a:rPr lang="de-DE"/>
+              <a:t>Master-Untertitelformat bearbeiten</a:t>
+            </a:r>
+            <a:endParaRPr lang="en-US" dirty="0"/>
+          </a:p>
+        </p:txBody>
+      </p:sp>
+      <p:sp>
+        <p:nvSpPr>
+          <p:cNvPr id="4" name="Date Placeholder 3"/>
+          <p:cNvSpPr>
+            <a:spLocks noGrp="1"/>
+          </p:cNvSpPr>
+          <p:nvPr>
+            <p:ph type="dt" sz="half" idx="10"/>
+          </p:nvPr>
+        </p:nvSpPr>
+        <p:spPr/>
+        <p:txBody>
+          <a:bodyPr/>
+          <a:lstStyle/>
+          <a:p>
+            <a:fld id="{56DC4D02-6C89-4F53-8C73-2E69B56DDD08}" type="datetimeFigureOut">
+              <a:rPr lang="de-DE" smtClean="0"/>
+              <a:t>19.05.2018</a:t>
+            </a:fld>
+            <a:endParaRPr lang="de-DE"/>
+          </a:p>
+        </p:txBody>
+      </p:sp>
+      <p:sp>
+        <p:nvSpPr>
+          <p:cNvPr id="5" name="Footer Placeholder 4"/>
+          <p:cNvSpPr>
+            <a:spLocks noGrp="1"/>
+          </p:cNvSpPr>
+          <p:nvPr>
+            <p:ph type="ftr" sz="quarter" idx="11"/>
+          </p:nvPr>
+        </p:nvSpPr>
+        <p:spPr/>
+        <p:txBody>
+          <a:bodyPr/>
+          <a:lstStyle/>
+          <a:p>
+            <a:endParaRPr lang="de-DE"/>
+          </a:p>
+        </p:txBody>
+      </p:sp>
+      <p:sp>
+        <p:nvSpPr>
+          <p:cNvPr id="6" name="Slide Number Placeholder 5"/>
+          <p:cNvSpPr>
+            <a:spLocks noGrp="1"/>
+          </p:cNvSpPr>
+          <p:nvPr>
+            <p:ph type="sldNum" sz="quarter" idx="12"/>
+          </p:nvPr>
+        </p:nvSpPr>
+        <p:spPr/>
+        <p:txBody>
+          <a:bodyPr/>
+          <a:lstStyle/>
+          <a:p>
+            <a:fld id="{A25328D7-4585-4FD6-9B32-5AD68E602E18}" type="slidenum">
+              <a:rPr lang="de-DE" smtClean="0"/>
+              <a:t>‹Nr.›</a:t>
+            </a:fld>
+            <a:endParaRPr lang="de-DE"/>
+          </a:p>
+        </p:txBody>
+      </p:sp>
+    </p:spTree>
+    <p:extLst>
+      <p:ext uri="{BB962C8B-B14F-4D97-AF65-F5344CB8AC3E}">
+        <p14:creationId xmlns:p14="http://schemas.microsoft.com/office/powerpoint/2010/main" val="3897611878"/>
+      </p:ext>
+    </p:extLst>
+  </p:cSld>
+  <p:clrMapOvr>
+    <a:masterClrMapping/>
+  </p:clrMapOvr>
+</p:sldLayout>
+</file>
+
+<file path=ppt/slideLayouts/slideLayout10.xml><?xml version="1.0" encoding="utf-8"?>
+<p:sldLayout xmlns:a="http://schemas.openxmlformats.org/drawingml/2006/main" xmlns:r="http://schemas.openxmlformats.org/officeDocument/2006/relationships" xmlns:p="http://schemas.openxmlformats.org/presentationml/2006/main" preserve="1">
+  <p:cSld name="Titel und Beschriftung">
     <p:spTree>
       <p:nvGrpSpPr>
         <p:cNvPr id="1" name=""/>
@@ -12335,31 +13111,27 @@
       </p:grpSpPr>
       <p:sp>
         <p:nvSpPr>
-          <p:cNvPr id="2" name="Titel 1">
-            <a:extLst>
-              <a:ext uri="{FF2B5EF4-FFF2-40B4-BE49-F238E27FC236}">
-                <a16:creationId xmlns:a16="http://schemas.microsoft.com/office/drawing/2014/main" id="{C0762F41-06AF-42FD-9949-E4063C001C5F}"/>
-              </a:ext>
-            </a:extLst>
-          </p:cNvPr>
+          <p:cNvPr id="2" name="Title 1"/>
           <p:cNvSpPr>
             <a:spLocks noGrp="1"/>
           </p:cNvSpPr>
           <p:nvPr>
-            <p:ph type="ctrTitle"/>
+            <p:ph type="title"/>
           </p:nvPr>
         </p:nvSpPr>
         <p:spPr>
           <a:xfrm>
-            <a:off x="1524000" y="1122363"/>
-            <a:ext cx="9144000" cy="2387600"/>
+            <a:off x="677335" y="609600"/>
+            <a:ext cx="8596668" cy="3403600"/>
           </a:xfrm>
         </p:spPr>
         <p:txBody>
-          <a:bodyPr anchor="b"/>
+          <a:bodyPr anchor="ctr">
+            <a:normAutofit/>
+          </a:bodyPr>
           <a:lstStyle>
-            <a:lvl1pPr algn="ctr">
-              <a:defRPr sz="6000"/>
+            <a:lvl1pPr algn="l">
+              <a:defRPr sz="4400" b="0" cap="none"/>
             </a:lvl1pPr>
           </a:lstStyle>
           <a:p>
@@ -12367,88 +13139,135 @@
               <a:rPr lang="de-DE"/>
               <a:t>Mastertitelformat bearbeiten</a:t>
             </a:r>
+            <a:endParaRPr lang="en-US" dirty="0"/>
           </a:p>
         </p:txBody>
       </p:sp>
       <p:sp>
         <p:nvSpPr>
-          <p:cNvPr id="3" name="Untertitel 2">
-            <a:extLst>
-              <a:ext uri="{FF2B5EF4-FFF2-40B4-BE49-F238E27FC236}">
-                <a16:creationId xmlns:a16="http://schemas.microsoft.com/office/drawing/2014/main" id="{9E9FC7F1-FE68-4B7D-9247-0CC7668ABE7C}"/>
-              </a:ext>
-            </a:extLst>
-          </p:cNvPr>
+          <p:cNvPr id="3" name="Text Placeholder 2"/>
           <p:cNvSpPr>
             <a:spLocks noGrp="1"/>
           </p:cNvSpPr>
           <p:nvPr>
-            <p:ph type="subTitle" idx="1"/>
+            <p:ph type="body" idx="1"/>
           </p:nvPr>
         </p:nvSpPr>
         <p:spPr>
           <a:xfrm>
-            <a:off x="1524000" y="3602038"/>
-            <a:ext cx="9144000" cy="1655762"/>
+            <a:off x="677335" y="4470400"/>
+            <a:ext cx="8596668" cy="1570962"/>
           </a:xfrm>
         </p:spPr>
         <p:txBody>
-          <a:bodyPr/>
+          <a:bodyPr anchor="ctr">
+            <a:normAutofit/>
+          </a:bodyPr>
           <a:lstStyle>
-            <a:lvl1pPr marL="0" indent="0" algn="ctr">
+            <a:lvl1pPr marL="0" indent="0" algn="l">
               <a:buNone/>
-              <a:defRPr sz="2400"/>
+              <a:defRPr sz="1800">
+                <a:solidFill>
+                  <a:schemeClr val="tx1">
+                    <a:lumMod val="75000"/>
+                    <a:lumOff val="25000"/>
+                  </a:schemeClr>
+                </a:solidFill>
+              </a:defRPr>
             </a:lvl1pPr>
-            <a:lvl2pPr marL="457200" indent="0" algn="ctr">
+            <a:lvl2pPr marL="457200" indent="0">
               <a:buNone/>
-              <a:defRPr sz="2000"/>
+              <a:defRPr sz="1800">
+                <a:solidFill>
+                  <a:schemeClr val="tx1">
+                    <a:tint val="75000"/>
+                  </a:schemeClr>
+                </a:solidFill>
+              </a:defRPr>
             </a:lvl2pPr>
-            <a:lvl3pPr marL="914400" indent="0" algn="ctr">
+            <a:lvl3pPr marL="914400" indent="0">
               <a:buNone/>
-              <a:defRPr sz="1800"/>
+              <a:defRPr sz="1600">
+                <a:solidFill>
+                  <a:schemeClr val="tx1">
+                    <a:tint val="75000"/>
+                  </a:schemeClr>
+                </a:solidFill>
+              </a:defRPr>
             </a:lvl3pPr>
-            <a:lvl4pPr marL="1371600" indent="0" algn="ctr">
+            <a:lvl4pPr marL="1371600" indent="0">
               <a:buNone/>
-              <a:defRPr sz="1600"/>
+              <a:defRPr sz="1400">
+                <a:solidFill>
+                  <a:schemeClr val="tx1">
+                    <a:tint val="75000"/>
+                  </a:schemeClr>
+                </a:solidFill>
+              </a:defRPr>
             </a:lvl4pPr>
-            <a:lvl5pPr marL="1828800" indent="0" algn="ctr">
+            <a:lvl5pPr marL="1828800" indent="0">
               <a:buNone/>
-              <a:defRPr sz="1600"/>
+              <a:defRPr sz="1400">
+                <a:solidFill>
+                  <a:schemeClr val="tx1">
+                    <a:tint val="75000"/>
+                  </a:schemeClr>
+                </a:solidFill>
+              </a:defRPr>
             </a:lvl5pPr>
-            <a:lvl6pPr marL="2286000" indent="0" algn="ctr">
+            <a:lvl6pPr marL="2286000" indent="0">
               <a:buNone/>
-              <a:defRPr sz="1600"/>
+              <a:defRPr sz="1400">
+                <a:solidFill>
+                  <a:schemeClr val="tx1">
+                    <a:tint val="75000"/>
+                  </a:schemeClr>
+                </a:solidFill>
+              </a:defRPr>
             </a:lvl6pPr>
-            <a:lvl7pPr marL="2743200" indent="0" algn="ctr">
+            <a:lvl7pPr marL="2743200" indent="0">
               <a:buNone/>
-              <a:defRPr sz="1600"/>
+              <a:defRPr sz="1400">
+                <a:solidFill>
+                  <a:schemeClr val="tx1">
+                    <a:tint val="75000"/>
+                  </a:schemeClr>
+                </a:solidFill>
+              </a:defRPr>
             </a:lvl7pPr>
-            <a:lvl8pPr marL="3200400" indent="0" algn="ctr">
+            <a:lvl8pPr marL="3200400" indent="0">
               <a:buNone/>
-              <a:defRPr sz="1600"/>
+              <a:defRPr sz="1400">
+                <a:solidFill>
+                  <a:schemeClr val="tx1">
+                    <a:tint val="75000"/>
+                  </a:schemeClr>
+                </a:solidFill>
+              </a:defRPr>
             </a:lvl8pPr>
-            <a:lvl9pPr marL="3657600" indent="0" algn="ctr">
+            <a:lvl9pPr marL="3657600" indent="0">
               <a:buNone/>
-              <a:defRPr sz="1600"/>
+              <a:defRPr sz="1400">
+                <a:solidFill>
+                  <a:schemeClr val="tx1">
+                    <a:tint val="75000"/>
+                  </a:schemeClr>
+                </a:solidFill>
+              </a:defRPr>
             </a:lvl9pPr>
           </a:lstStyle>
           <a:p>
+            <a:pPr lvl="0"/>
             <a:r>
               <a:rPr lang="de-DE"/>
-              <a:t>Master-Untertitelformat bearbeiten</a:t>
+              <a:t>Mastertextformat bearbeiten</a:t>
             </a:r>
           </a:p>
         </p:txBody>
       </p:sp>
       <p:sp>
         <p:nvSpPr>
-          <p:cNvPr id="4" name="Datumsplatzhalter 3">
-            <a:extLst>
-              <a:ext uri="{FF2B5EF4-FFF2-40B4-BE49-F238E27FC236}">
-                <a16:creationId xmlns:a16="http://schemas.microsoft.com/office/drawing/2014/main" id="{E3A4CA36-1E21-47F4-B341-76F5BFAFB206}"/>
-              </a:ext>
-            </a:extLst>
-          </p:cNvPr>
+          <p:cNvPr id="4" name="Date Placeholder 3"/>
           <p:cNvSpPr>
             <a:spLocks noGrp="1"/>
           </p:cNvSpPr>
@@ -12471,13 +13290,7 @@
       </p:sp>
       <p:sp>
         <p:nvSpPr>
-          <p:cNvPr id="5" name="Fußzeilenplatzhalter 4">
-            <a:extLst>
-              <a:ext uri="{FF2B5EF4-FFF2-40B4-BE49-F238E27FC236}">
-                <a16:creationId xmlns:a16="http://schemas.microsoft.com/office/drawing/2014/main" id="{F55A3032-57BF-4C8B-8F69-F7A27630CAAF}"/>
-              </a:ext>
-            </a:extLst>
-          </p:cNvPr>
+          <p:cNvPr id="5" name="Footer Placeholder 4"/>
           <p:cNvSpPr>
             <a:spLocks noGrp="1"/>
           </p:cNvSpPr>
@@ -12496,13 +13309,7 @@
       </p:sp>
       <p:sp>
         <p:nvSpPr>
-          <p:cNvPr id="6" name="Foliennummernplatzhalter 5">
-            <a:extLst>
-              <a:ext uri="{FF2B5EF4-FFF2-40B4-BE49-F238E27FC236}">
-                <a16:creationId xmlns:a16="http://schemas.microsoft.com/office/drawing/2014/main" id="{D1389BA6-0B15-4382-8362-91DBA1444941}"/>
-              </a:ext>
-            </a:extLst>
-          </p:cNvPr>
+          <p:cNvPr id="6" name="Slide Number Placeholder 5"/>
           <p:cNvSpPr>
             <a:spLocks noGrp="1"/>
           </p:cNvSpPr>
@@ -12526,7 +13333,7 @@
     </p:spTree>
     <p:extLst>
       <p:ext uri="{BB962C8B-B14F-4D97-AF65-F5344CB8AC3E}">
-        <p14:creationId xmlns:p14="http://schemas.microsoft.com/office/powerpoint/2010/main" val="2702497272"/>
+        <p14:creationId xmlns:p14="http://schemas.microsoft.com/office/powerpoint/2010/main" val="3570452804"/>
       </p:ext>
     </p:extLst>
   </p:cSld>
@@ -12536,7 +13343,1349 @@
 </p:sldLayout>
 </file>
 
-<file path=ppt/slideLayouts/slideLayout10.xml><?xml version="1.0" encoding="utf-8"?>
+<file path=ppt/slideLayouts/slideLayout11.xml><?xml version="1.0" encoding="utf-8"?>
+<p:sldLayout xmlns:a="http://schemas.openxmlformats.org/drawingml/2006/main" xmlns:r="http://schemas.openxmlformats.org/officeDocument/2006/relationships" xmlns:p="http://schemas.openxmlformats.org/presentationml/2006/main" preserve="1">
+  <p:cSld name="Zitat mit Beschriftung">
+    <p:spTree>
+      <p:nvGrpSpPr>
+        <p:cNvPr id="1" name=""/>
+        <p:cNvGrpSpPr/>
+        <p:nvPr/>
+      </p:nvGrpSpPr>
+      <p:grpSpPr>
+        <a:xfrm>
+          <a:off x="0" y="0"/>
+          <a:ext cx="0" cy="0"/>
+          <a:chOff x="0" y="0"/>
+          <a:chExt cx="0" cy="0"/>
+        </a:xfrm>
+      </p:grpSpPr>
+      <p:sp>
+        <p:nvSpPr>
+          <p:cNvPr id="2" name="Title 1"/>
+          <p:cNvSpPr>
+            <a:spLocks noGrp="1"/>
+          </p:cNvSpPr>
+          <p:nvPr>
+            <p:ph type="title"/>
+          </p:nvPr>
+        </p:nvSpPr>
+        <p:spPr>
+          <a:xfrm>
+            <a:off x="931334" y="609600"/>
+            <a:ext cx="8094134" cy="3022600"/>
+          </a:xfrm>
+        </p:spPr>
+        <p:txBody>
+          <a:bodyPr anchor="ctr">
+            <a:normAutofit/>
+          </a:bodyPr>
+          <a:lstStyle>
+            <a:lvl1pPr algn="l">
+              <a:defRPr sz="4400" b="0" cap="none"/>
+            </a:lvl1pPr>
+          </a:lstStyle>
+          <a:p>
+            <a:r>
+              <a:rPr lang="de-DE"/>
+              <a:t>Mastertitelformat bearbeiten</a:t>
+            </a:r>
+            <a:endParaRPr lang="en-US" dirty="0"/>
+          </a:p>
+        </p:txBody>
+      </p:sp>
+      <p:sp>
+        <p:nvSpPr>
+          <p:cNvPr id="23" name="Text Placeholder 9"/>
+          <p:cNvSpPr>
+            <a:spLocks noGrp="1"/>
+          </p:cNvSpPr>
+          <p:nvPr>
+            <p:ph type="body" sz="quarter" idx="13"/>
+          </p:nvPr>
+        </p:nvSpPr>
+        <p:spPr>
+          <a:xfrm>
+            <a:off x="1366139" y="3632200"/>
+            <a:ext cx="7224524" cy="381000"/>
+          </a:xfrm>
+        </p:spPr>
+        <p:txBody>
+          <a:bodyPr anchor="ctr">
+            <a:noAutofit/>
+          </a:bodyPr>
+          <a:lstStyle>
+            <a:lvl1pPr marL="0" indent="0">
+              <a:buFontTx/>
+              <a:buNone/>
+              <a:defRPr sz="1600">
+                <a:solidFill>
+                  <a:schemeClr val="tx1">
+                    <a:lumMod val="50000"/>
+                    <a:lumOff val="50000"/>
+                  </a:schemeClr>
+                </a:solidFill>
+              </a:defRPr>
+            </a:lvl1pPr>
+            <a:lvl2pPr marL="457200" indent="0">
+              <a:buFontTx/>
+              <a:buNone/>
+              <a:defRPr/>
+            </a:lvl2pPr>
+            <a:lvl3pPr marL="914400" indent="0">
+              <a:buFontTx/>
+              <a:buNone/>
+              <a:defRPr/>
+            </a:lvl3pPr>
+            <a:lvl4pPr marL="1371600" indent="0">
+              <a:buFontTx/>
+              <a:buNone/>
+              <a:defRPr/>
+            </a:lvl4pPr>
+            <a:lvl5pPr marL="1828800" indent="0">
+              <a:buFontTx/>
+              <a:buNone/>
+              <a:defRPr/>
+            </a:lvl5pPr>
+          </a:lstStyle>
+          <a:p>
+            <a:pPr lvl="0"/>
+            <a:r>
+              <a:rPr lang="de-DE"/>
+              <a:t>Mastertextformat bearbeiten</a:t>
+            </a:r>
+          </a:p>
+        </p:txBody>
+      </p:sp>
+      <p:sp>
+        <p:nvSpPr>
+          <p:cNvPr id="3" name="Text Placeholder 2"/>
+          <p:cNvSpPr>
+            <a:spLocks noGrp="1"/>
+          </p:cNvSpPr>
+          <p:nvPr>
+            <p:ph type="body" idx="1"/>
+          </p:nvPr>
+        </p:nvSpPr>
+        <p:spPr>
+          <a:xfrm>
+            <a:off x="677335" y="4470400"/>
+            <a:ext cx="8596668" cy="1570962"/>
+          </a:xfrm>
+        </p:spPr>
+        <p:txBody>
+          <a:bodyPr anchor="ctr">
+            <a:normAutofit/>
+          </a:bodyPr>
+          <a:lstStyle>
+            <a:lvl1pPr marL="0" indent="0" algn="l">
+              <a:buNone/>
+              <a:defRPr sz="1800">
+                <a:solidFill>
+                  <a:schemeClr val="tx1">
+                    <a:lumMod val="75000"/>
+                    <a:lumOff val="25000"/>
+                  </a:schemeClr>
+                </a:solidFill>
+              </a:defRPr>
+            </a:lvl1pPr>
+            <a:lvl2pPr marL="457200" indent="0">
+              <a:buNone/>
+              <a:defRPr sz="1800">
+                <a:solidFill>
+                  <a:schemeClr val="tx1">
+                    <a:tint val="75000"/>
+                  </a:schemeClr>
+                </a:solidFill>
+              </a:defRPr>
+            </a:lvl2pPr>
+            <a:lvl3pPr marL="914400" indent="0">
+              <a:buNone/>
+              <a:defRPr sz="1600">
+                <a:solidFill>
+                  <a:schemeClr val="tx1">
+                    <a:tint val="75000"/>
+                  </a:schemeClr>
+                </a:solidFill>
+              </a:defRPr>
+            </a:lvl3pPr>
+            <a:lvl4pPr marL="1371600" indent="0">
+              <a:buNone/>
+              <a:defRPr sz="1400">
+                <a:solidFill>
+                  <a:schemeClr val="tx1">
+                    <a:tint val="75000"/>
+                  </a:schemeClr>
+                </a:solidFill>
+              </a:defRPr>
+            </a:lvl4pPr>
+            <a:lvl5pPr marL="1828800" indent="0">
+              <a:buNone/>
+              <a:defRPr sz="1400">
+                <a:solidFill>
+                  <a:schemeClr val="tx1">
+                    <a:tint val="75000"/>
+                  </a:schemeClr>
+                </a:solidFill>
+              </a:defRPr>
+            </a:lvl5pPr>
+            <a:lvl6pPr marL="2286000" indent="0">
+              <a:buNone/>
+              <a:defRPr sz="1400">
+                <a:solidFill>
+                  <a:schemeClr val="tx1">
+                    <a:tint val="75000"/>
+                  </a:schemeClr>
+                </a:solidFill>
+              </a:defRPr>
+            </a:lvl6pPr>
+            <a:lvl7pPr marL="2743200" indent="0">
+              <a:buNone/>
+              <a:defRPr sz="1400">
+                <a:solidFill>
+                  <a:schemeClr val="tx1">
+                    <a:tint val="75000"/>
+                  </a:schemeClr>
+                </a:solidFill>
+              </a:defRPr>
+            </a:lvl7pPr>
+            <a:lvl8pPr marL="3200400" indent="0">
+              <a:buNone/>
+              <a:defRPr sz="1400">
+                <a:solidFill>
+                  <a:schemeClr val="tx1">
+                    <a:tint val="75000"/>
+                  </a:schemeClr>
+                </a:solidFill>
+              </a:defRPr>
+            </a:lvl8pPr>
+            <a:lvl9pPr marL="3657600" indent="0">
+              <a:buNone/>
+              <a:defRPr sz="1400">
+                <a:solidFill>
+                  <a:schemeClr val="tx1">
+                    <a:tint val="75000"/>
+                  </a:schemeClr>
+                </a:solidFill>
+              </a:defRPr>
+            </a:lvl9pPr>
+          </a:lstStyle>
+          <a:p>
+            <a:pPr lvl="0"/>
+            <a:r>
+              <a:rPr lang="de-DE"/>
+              <a:t>Mastertextformat bearbeiten</a:t>
+            </a:r>
+          </a:p>
+        </p:txBody>
+      </p:sp>
+      <p:sp>
+        <p:nvSpPr>
+          <p:cNvPr id="4" name="Date Placeholder 3"/>
+          <p:cNvSpPr>
+            <a:spLocks noGrp="1"/>
+          </p:cNvSpPr>
+          <p:nvPr>
+            <p:ph type="dt" sz="half" idx="10"/>
+          </p:nvPr>
+        </p:nvSpPr>
+        <p:spPr/>
+        <p:txBody>
+          <a:bodyPr/>
+          <a:lstStyle/>
+          <a:p>
+            <a:fld id="{56DC4D02-6C89-4F53-8C73-2E69B56DDD08}" type="datetimeFigureOut">
+              <a:rPr lang="de-DE" smtClean="0"/>
+              <a:t>19.05.2018</a:t>
+            </a:fld>
+            <a:endParaRPr lang="de-DE"/>
+          </a:p>
+        </p:txBody>
+      </p:sp>
+      <p:sp>
+        <p:nvSpPr>
+          <p:cNvPr id="5" name="Footer Placeholder 4"/>
+          <p:cNvSpPr>
+            <a:spLocks noGrp="1"/>
+          </p:cNvSpPr>
+          <p:nvPr>
+            <p:ph type="ftr" sz="quarter" idx="11"/>
+          </p:nvPr>
+        </p:nvSpPr>
+        <p:spPr/>
+        <p:txBody>
+          <a:bodyPr/>
+          <a:lstStyle/>
+          <a:p>
+            <a:endParaRPr lang="de-DE"/>
+          </a:p>
+        </p:txBody>
+      </p:sp>
+      <p:sp>
+        <p:nvSpPr>
+          <p:cNvPr id="6" name="Slide Number Placeholder 5"/>
+          <p:cNvSpPr>
+            <a:spLocks noGrp="1"/>
+          </p:cNvSpPr>
+          <p:nvPr>
+            <p:ph type="sldNum" sz="quarter" idx="12"/>
+          </p:nvPr>
+        </p:nvSpPr>
+        <p:spPr/>
+        <p:txBody>
+          <a:bodyPr/>
+          <a:lstStyle/>
+          <a:p>
+            <a:fld id="{A25328D7-4585-4FD6-9B32-5AD68E602E18}" type="slidenum">
+              <a:rPr lang="de-DE" smtClean="0"/>
+              <a:t>‹Nr.›</a:t>
+            </a:fld>
+            <a:endParaRPr lang="de-DE"/>
+          </a:p>
+        </p:txBody>
+      </p:sp>
+      <p:sp>
+        <p:nvSpPr>
+          <p:cNvPr id="20" name="TextBox 19"/>
+          <p:cNvSpPr txBox="1"/>
+          <p:nvPr/>
+        </p:nvSpPr>
+        <p:spPr>
+          <a:xfrm>
+            <a:off x="541870" y="790378"/>
+            <a:ext cx="609600" cy="584776"/>
+          </a:xfrm>
+          <a:prstGeom prst="rect">
+            <a:avLst/>
+          </a:prstGeom>
+        </p:spPr>
+        <p:txBody>
+          <a:bodyPr vert="horz" lIns="91440" tIns="45720" rIns="91440" bIns="45720" rtlCol="0" anchor="ctr">
+            <a:noAutofit/>
+          </a:bodyPr>
+          <a:lstStyle/>
+          <a:p>
+            <a:pPr lvl="0"/>
+            <a:r>
+              <a:rPr lang="en-US" sz="8000" baseline="0" dirty="0">
+                <a:ln w="3175" cmpd="sng">
+                  <a:noFill/>
+                </a:ln>
+                <a:solidFill>
+                  <a:schemeClr val="accent1"/>
+                </a:solidFill>
+                <a:effectLst/>
+                <a:latin typeface="Arial"/>
+              </a:rPr>
+              <a:t>“</a:t>
+            </a:r>
+          </a:p>
+        </p:txBody>
+      </p:sp>
+      <p:sp>
+        <p:nvSpPr>
+          <p:cNvPr id="22" name="TextBox 21"/>
+          <p:cNvSpPr txBox="1"/>
+          <p:nvPr/>
+        </p:nvSpPr>
+        <p:spPr>
+          <a:xfrm>
+            <a:off x="8893011" y="2886556"/>
+            <a:ext cx="609600" cy="584776"/>
+          </a:xfrm>
+          <a:prstGeom prst="rect">
+            <a:avLst/>
+          </a:prstGeom>
+        </p:spPr>
+        <p:txBody>
+          <a:bodyPr vert="horz" lIns="91440" tIns="45720" rIns="91440" bIns="45720" rtlCol="0" anchor="ctr">
+            <a:noAutofit/>
+          </a:bodyPr>
+          <a:lstStyle/>
+          <a:p>
+            <a:pPr lvl="0"/>
+            <a:r>
+              <a:rPr lang="en-US" sz="8000" baseline="0" dirty="0">
+                <a:ln w="3175" cmpd="sng">
+                  <a:noFill/>
+                </a:ln>
+                <a:solidFill>
+                  <a:schemeClr val="accent1"/>
+                </a:solidFill>
+                <a:effectLst/>
+                <a:latin typeface="Arial"/>
+              </a:rPr>
+              <a:t>”</a:t>
+            </a:r>
+          </a:p>
+        </p:txBody>
+      </p:sp>
+    </p:spTree>
+    <p:extLst>
+      <p:ext uri="{BB962C8B-B14F-4D97-AF65-F5344CB8AC3E}">
+        <p14:creationId xmlns:p14="http://schemas.microsoft.com/office/powerpoint/2010/main" val="3832679587"/>
+      </p:ext>
+    </p:extLst>
+  </p:cSld>
+  <p:clrMapOvr>
+    <a:masterClrMapping/>
+  </p:clrMapOvr>
+</p:sldLayout>
+</file>
+
+<file path=ppt/slideLayouts/slideLayout12.xml><?xml version="1.0" encoding="utf-8"?>
+<p:sldLayout xmlns:a="http://schemas.openxmlformats.org/drawingml/2006/main" xmlns:r="http://schemas.openxmlformats.org/officeDocument/2006/relationships" xmlns:p="http://schemas.openxmlformats.org/presentationml/2006/main" preserve="1">
+  <p:cSld name="Namenskarte">
+    <p:spTree>
+      <p:nvGrpSpPr>
+        <p:cNvPr id="1" name=""/>
+        <p:cNvGrpSpPr/>
+        <p:nvPr/>
+      </p:nvGrpSpPr>
+      <p:grpSpPr>
+        <a:xfrm>
+          <a:off x="0" y="0"/>
+          <a:ext cx="0" cy="0"/>
+          <a:chOff x="0" y="0"/>
+          <a:chExt cx="0" cy="0"/>
+        </a:xfrm>
+      </p:grpSpPr>
+      <p:sp>
+        <p:nvSpPr>
+          <p:cNvPr id="2" name="Title 1"/>
+          <p:cNvSpPr>
+            <a:spLocks noGrp="1"/>
+          </p:cNvSpPr>
+          <p:nvPr>
+            <p:ph type="title"/>
+          </p:nvPr>
+        </p:nvSpPr>
+        <p:spPr>
+          <a:xfrm>
+            <a:off x="677335" y="1931988"/>
+            <a:ext cx="8596668" cy="2595460"/>
+          </a:xfrm>
+        </p:spPr>
+        <p:txBody>
+          <a:bodyPr anchor="b">
+            <a:normAutofit/>
+          </a:bodyPr>
+          <a:lstStyle>
+            <a:lvl1pPr algn="l">
+              <a:defRPr sz="4400" b="0" cap="none"/>
+            </a:lvl1pPr>
+          </a:lstStyle>
+          <a:p>
+            <a:r>
+              <a:rPr lang="de-DE"/>
+              <a:t>Mastertitelformat bearbeiten</a:t>
+            </a:r>
+            <a:endParaRPr lang="en-US" dirty="0"/>
+          </a:p>
+        </p:txBody>
+      </p:sp>
+      <p:sp>
+        <p:nvSpPr>
+          <p:cNvPr id="3" name="Text Placeholder 2"/>
+          <p:cNvSpPr>
+            <a:spLocks noGrp="1"/>
+          </p:cNvSpPr>
+          <p:nvPr>
+            <p:ph type="body" idx="1"/>
+          </p:nvPr>
+        </p:nvSpPr>
+        <p:spPr>
+          <a:xfrm>
+            <a:off x="677335" y="4527448"/>
+            <a:ext cx="8596668" cy="1513914"/>
+          </a:xfrm>
+        </p:spPr>
+        <p:txBody>
+          <a:bodyPr anchor="t">
+            <a:normAutofit/>
+          </a:bodyPr>
+          <a:lstStyle>
+            <a:lvl1pPr marL="0" indent="0" algn="l">
+              <a:buNone/>
+              <a:defRPr sz="1800">
+                <a:solidFill>
+                  <a:schemeClr val="tx1">
+                    <a:lumMod val="75000"/>
+                    <a:lumOff val="25000"/>
+                  </a:schemeClr>
+                </a:solidFill>
+              </a:defRPr>
+            </a:lvl1pPr>
+            <a:lvl2pPr marL="457200" indent="0">
+              <a:buNone/>
+              <a:defRPr sz="1800">
+                <a:solidFill>
+                  <a:schemeClr val="tx1">
+                    <a:tint val="75000"/>
+                  </a:schemeClr>
+                </a:solidFill>
+              </a:defRPr>
+            </a:lvl2pPr>
+            <a:lvl3pPr marL="914400" indent="0">
+              <a:buNone/>
+              <a:defRPr sz="1600">
+                <a:solidFill>
+                  <a:schemeClr val="tx1">
+                    <a:tint val="75000"/>
+                  </a:schemeClr>
+                </a:solidFill>
+              </a:defRPr>
+            </a:lvl3pPr>
+            <a:lvl4pPr marL="1371600" indent="0">
+              <a:buNone/>
+              <a:defRPr sz="1400">
+                <a:solidFill>
+                  <a:schemeClr val="tx1">
+                    <a:tint val="75000"/>
+                  </a:schemeClr>
+                </a:solidFill>
+              </a:defRPr>
+            </a:lvl4pPr>
+            <a:lvl5pPr marL="1828800" indent="0">
+              <a:buNone/>
+              <a:defRPr sz="1400">
+                <a:solidFill>
+                  <a:schemeClr val="tx1">
+                    <a:tint val="75000"/>
+                  </a:schemeClr>
+                </a:solidFill>
+              </a:defRPr>
+            </a:lvl5pPr>
+            <a:lvl6pPr marL="2286000" indent="0">
+              <a:buNone/>
+              <a:defRPr sz="1400">
+                <a:solidFill>
+                  <a:schemeClr val="tx1">
+                    <a:tint val="75000"/>
+                  </a:schemeClr>
+                </a:solidFill>
+              </a:defRPr>
+            </a:lvl6pPr>
+            <a:lvl7pPr marL="2743200" indent="0">
+              <a:buNone/>
+              <a:defRPr sz="1400">
+                <a:solidFill>
+                  <a:schemeClr val="tx1">
+                    <a:tint val="75000"/>
+                  </a:schemeClr>
+                </a:solidFill>
+              </a:defRPr>
+            </a:lvl7pPr>
+            <a:lvl8pPr marL="3200400" indent="0">
+              <a:buNone/>
+              <a:defRPr sz="1400">
+                <a:solidFill>
+                  <a:schemeClr val="tx1">
+                    <a:tint val="75000"/>
+                  </a:schemeClr>
+                </a:solidFill>
+              </a:defRPr>
+            </a:lvl8pPr>
+            <a:lvl9pPr marL="3657600" indent="0">
+              <a:buNone/>
+              <a:defRPr sz="1400">
+                <a:solidFill>
+                  <a:schemeClr val="tx1">
+                    <a:tint val="75000"/>
+                  </a:schemeClr>
+                </a:solidFill>
+              </a:defRPr>
+            </a:lvl9pPr>
+          </a:lstStyle>
+          <a:p>
+            <a:pPr lvl="0"/>
+            <a:r>
+              <a:rPr lang="de-DE"/>
+              <a:t>Mastertextformat bearbeiten</a:t>
+            </a:r>
+          </a:p>
+        </p:txBody>
+      </p:sp>
+      <p:sp>
+        <p:nvSpPr>
+          <p:cNvPr id="4" name="Date Placeholder 3"/>
+          <p:cNvSpPr>
+            <a:spLocks noGrp="1"/>
+          </p:cNvSpPr>
+          <p:nvPr>
+            <p:ph type="dt" sz="half" idx="10"/>
+          </p:nvPr>
+        </p:nvSpPr>
+        <p:spPr/>
+        <p:txBody>
+          <a:bodyPr/>
+          <a:lstStyle/>
+          <a:p>
+            <a:fld id="{56DC4D02-6C89-4F53-8C73-2E69B56DDD08}" type="datetimeFigureOut">
+              <a:rPr lang="de-DE" smtClean="0"/>
+              <a:t>19.05.2018</a:t>
+            </a:fld>
+            <a:endParaRPr lang="de-DE"/>
+          </a:p>
+        </p:txBody>
+      </p:sp>
+      <p:sp>
+        <p:nvSpPr>
+          <p:cNvPr id="5" name="Footer Placeholder 4"/>
+          <p:cNvSpPr>
+            <a:spLocks noGrp="1"/>
+          </p:cNvSpPr>
+          <p:nvPr>
+            <p:ph type="ftr" sz="quarter" idx="11"/>
+          </p:nvPr>
+        </p:nvSpPr>
+        <p:spPr/>
+        <p:txBody>
+          <a:bodyPr/>
+          <a:lstStyle/>
+          <a:p>
+            <a:endParaRPr lang="de-DE"/>
+          </a:p>
+        </p:txBody>
+      </p:sp>
+      <p:sp>
+        <p:nvSpPr>
+          <p:cNvPr id="6" name="Slide Number Placeholder 5"/>
+          <p:cNvSpPr>
+            <a:spLocks noGrp="1"/>
+          </p:cNvSpPr>
+          <p:nvPr>
+            <p:ph type="sldNum" sz="quarter" idx="12"/>
+          </p:nvPr>
+        </p:nvSpPr>
+        <p:spPr/>
+        <p:txBody>
+          <a:bodyPr/>
+          <a:lstStyle/>
+          <a:p>
+            <a:fld id="{A25328D7-4585-4FD6-9B32-5AD68E602E18}" type="slidenum">
+              <a:rPr lang="de-DE" smtClean="0"/>
+              <a:t>‹Nr.›</a:t>
+            </a:fld>
+            <a:endParaRPr lang="de-DE"/>
+          </a:p>
+        </p:txBody>
+      </p:sp>
+    </p:spTree>
+    <p:extLst>
+      <p:ext uri="{BB962C8B-B14F-4D97-AF65-F5344CB8AC3E}">
+        <p14:creationId xmlns:p14="http://schemas.microsoft.com/office/powerpoint/2010/main" val="564965377"/>
+      </p:ext>
+    </p:extLst>
+  </p:cSld>
+  <p:clrMapOvr>
+    <a:masterClrMapping/>
+  </p:clrMapOvr>
+</p:sldLayout>
+</file>
+
+<file path=ppt/slideLayouts/slideLayout13.xml><?xml version="1.0" encoding="utf-8"?>
+<p:sldLayout xmlns:a="http://schemas.openxmlformats.org/drawingml/2006/main" xmlns:r="http://schemas.openxmlformats.org/officeDocument/2006/relationships" xmlns:p="http://schemas.openxmlformats.org/presentationml/2006/main" preserve="1">
+  <p:cSld name="Namenskarte für Zitat">
+    <p:spTree>
+      <p:nvGrpSpPr>
+        <p:cNvPr id="1" name=""/>
+        <p:cNvGrpSpPr/>
+        <p:nvPr/>
+      </p:nvGrpSpPr>
+      <p:grpSpPr>
+        <a:xfrm>
+          <a:off x="0" y="0"/>
+          <a:ext cx="0" cy="0"/>
+          <a:chOff x="0" y="0"/>
+          <a:chExt cx="0" cy="0"/>
+        </a:xfrm>
+      </p:grpSpPr>
+      <p:sp>
+        <p:nvSpPr>
+          <p:cNvPr id="2" name="Title 1"/>
+          <p:cNvSpPr>
+            <a:spLocks noGrp="1"/>
+          </p:cNvSpPr>
+          <p:nvPr>
+            <p:ph type="title"/>
+          </p:nvPr>
+        </p:nvSpPr>
+        <p:spPr>
+          <a:xfrm>
+            <a:off x="931334" y="609600"/>
+            <a:ext cx="8094134" cy="3022600"/>
+          </a:xfrm>
+        </p:spPr>
+        <p:txBody>
+          <a:bodyPr anchor="ctr">
+            <a:normAutofit/>
+          </a:bodyPr>
+          <a:lstStyle>
+            <a:lvl1pPr algn="l">
+              <a:defRPr sz="4400" b="0" cap="none"/>
+            </a:lvl1pPr>
+          </a:lstStyle>
+          <a:p>
+            <a:r>
+              <a:rPr lang="de-DE"/>
+              <a:t>Mastertitelformat bearbeiten</a:t>
+            </a:r>
+            <a:endParaRPr lang="en-US" dirty="0"/>
+          </a:p>
+        </p:txBody>
+      </p:sp>
+      <p:sp>
+        <p:nvSpPr>
+          <p:cNvPr id="23" name="Text Placeholder 9"/>
+          <p:cNvSpPr>
+            <a:spLocks noGrp="1"/>
+          </p:cNvSpPr>
+          <p:nvPr>
+            <p:ph type="body" sz="quarter" idx="13"/>
+          </p:nvPr>
+        </p:nvSpPr>
+        <p:spPr>
+          <a:xfrm>
+            <a:off x="677332" y="4013200"/>
+            <a:ext cx="8596669" cy="514248"/>
+          </a:xfrm>
+        </p:spPr>
+        <p:txBody>
+          <a:bodyPr anchor="b">
+            <a:noAutofit/>
+          </a:bodyPr>
+          <a:lstStyle>
+            <a:lvl1pPr marL="0" indent="0">
+              <a:buFontTx/>
+              <a:buNone/>
+              <a:defRPr sz="2400">
+                <a:solidFill>
+                  <a:schemeClr val="tx1">
+                    <a:lumMod val="75000"/>
+                    <a:lumOff val="25000"/>
+                  </a:schemeClr>
+                </a:solidFill>
+              </a:defRPr>
+            </a:lvl1pPr>
+            <a:lvl2pPr marL="457200" indent="0">
+              <a:buFontTx/>
+              <a:buNone/>
+              <a:defRPr/>
+            </a:lvl2pPr>
+            <a:lvl3pPr marL="914400" indent="0">
+              <a:buFontTx/>
+              <a:buNone/>
+              <a:defRPr/>
+            </a:lvl3pPr>
+            <a:lvl4pPr marL="1371600" indent="0">
+              <a:buFontTx/>
+              <a:buNone/>
+              <a:defRPr/>
+            </a:lvl4pPr>
+            <a:lvl5pPr marL="1828800" indent="0">
+              <a:buFontTx/>
+              <a:buNone/>
+              <a:defRPr/>
+            </a:lvl5pPr>
+          </a:lstStyle>
+          <a:p>
+            <a:pPr lvl="0"/>
+            <a:r>
+              <a:rPr lang="de-DE"/>
+              <a:t>Mastertextformat bearbeiten</a:t>
+            </a:r>
+          </a:p>
+        </p:txBody>
+      </p:sp>
+      <p:sp>
+        <p:nvSpPr>
+          <p:cNvPr id="3" name="Text Placeholder 2"/>
+          <p:cNvSpPr>
+            <a:spLocks noGrp="1"/>
+          </p:cNvSpPr>
+          <p:nvPr>
+            <p:ph type="body" idx="1"/>
+          </p:nvPr>
+        </p:nvSpPr>
+        <p:spPr>
+          <a:xfrm>
+            <a:off x="677335" y="4527448"/>
+            <a:ext cx="8596668" cy="1513914"/>
+          </a:xfrm>
+        </p:spPr>
+        <p:txBody>
+          <a:bodyPr anchor="t">
+            <a:normAutofit/>
+          </a:bodyPr>
+          <a:lstStyle>
+            <a:lvl1pPr marL="0" indent="0" algn="l">
+              <a:buNone/>
+              <a:defRPr sz="1800">
+                <a:solidFill>
+                  <a:schemeClr val="tx1">
+                    <a:lumMod val="50000"/>
+                    <a:lumOff val="50000"/>
+                  </a:schemeClr>
+                </a:solidFill>
+              </a:defRPr>
+            </a:lvl1pPr>
+            <a:lvl2pPr marL="457200" indent="0">
+              <a:buNone/>
+              <a:defRPr sz="1800">
+                <a:solidFill>
+                  <a:schemeClr val="tx1">
+                    <a:tint val="75000"/>
+                  </a:schemeClr>
+                </a:solidFill>
+              </a:defRPr>
+            </a:lvl2pPr>
+            <a:lvl3pPr marL="914400" indent="0">
+              <a:buNone/>
+              <a:defRPr sz="1600">
+                <a:solidFill>
+                  <a:schemeClr val="tx1">
+                    <a:tint val="75000"/>
+                  </a:schemeClr>
+                </a:solidFill>
+              </a:defRPr>
+            </a:lvl3pPr>
+            <a:lvl4pPr marL="1371600" indent="0">
+              <a:buNone/>
+              <a:defRPr sz="1400">
+                <a:solidFill>
+                  <a:schemeClr val="tx1">
+                    <a:tint val="75000"/>
+                  </a:schemeClr>
+                </a:solidFill>
+              </a:defRPr>
+            </a:lvl4pPr>
+            <a:lvl5pPr marL="1828800" indent="0">
+              <a:buNone/>
+              <a:defRPr sz="1400">
+                <a:solidFill>
+                  <a:schemeClr val="tx1">
+                    <a:tint val="75000"/>
+                  </a:schemeClr>
+                </a:solidFill>
+              </a:defRPr>
+            </a:lvl5pPr>
+            <a:lvl6pPr marL="2286000" indent="0">
+              <a:buNone/>
+              <a:defRPr sz="1400">
+                <a:solidFill>
+                  <a:schemeClr val="tx1">
+                    <a:tint val="75000"/>
+                  </a:schemeClr>
+                </a:solidFill>
+              </a:defRPr>
+            </a:lvl6pPr>
+            <a:lvl7pPr marL="2743200" indent="0">
+              <a:buNone/>
+              <a:defRPr sz="1400">
+                <a:solidFill>
+                  <a:schemeClr val="tx1">
+                    <a:tint val="75000"/>
+                  </a:schemeClr>
+                </a:solidFill>
+              </a:defRPr>
+            </a:lvl7pPr>
+            <a:lvl8pPr marL="3200400" indent="0">
+              <a:buNone/>
+              <a:defRPr sz="1400">
+                <a:solidFill>
+                  <a:schemeClr val="tx1">
+                    <a:tint val="75000"/>
+                  </a:schemeClr>
+                </a:solidFill>
+              </a:defRPr>
+            </a:lvl8pPr>
+            <a:lvl9pPr marL="3657600" indent="0">
+              <a:buNone/>
+              <a:defRPr sz="1400">
+                <a:solidFill>
+                  <a:schemeClr val="tx1">
+                    <a:tint val="75000"/>
+                  </a:schemeClr>
+                </a:solidFill>
+              </a:defRPr>
+            </a:lvl9pPr>
+          </a:lstStyle>
+          <a:p>
+            <a:pPr lvl="0"/>
+            <a:r>
+              <a:rPr lang="de-DE"/>
+              <a:t>Mastertextformat bearbeiten</a:t>
+            </a:r>
+          </a:p>
+        </p:txBody>
+      </p:sp>
+      <p:sp>
+        <p:nvSpPr>
+          <p:cNvPr id="4" name="Date Placeholder 3"/>
+          <p:cNvSpPr>
+            <a:spLocks noGrp="1"/>
+          </p:cNvSpPr>
+          <p:nvPr>
+            <p:ph type="dt" sz="half" idx="10"/>
+          </p:nvPr>
+        </p:nvSpPr>
+        <p:spPr/>
+        <p:txBody>
+          <a:bodyPr/>
+          <a:lstStyle/>
+          <a:p>
+            <a:fld id="{56DC4D02-6C89-4F53-8C73-2E69B56DDD08}" type="datetimeFigureOut">
+              <a:rPr lang="de-DE" smtClean="0"/>
+              <a:t>19.05.2018</a:t>
+            </a:fld>
+            <a:endParaRPr lang="de-DE"/>
+          </a:p>
+        </p:txBody>
+      </p:sp>
+      <p:sp>
+        <p:nvSpPr>
+          <p:cNvPr id="5" name="Footer Placeholder 4"/>
+          <p:cNvSpPr>
+            <a:spLocks noGrp="1"/>
+          </p:cNvSpPr>
+          <p:nvPr>
+            <p:ph type="ftr" sz="quarter" idx="11"/>
+          </p:nvPr>
+        </p:nvSpPr>
+        <p:spPr/>
+        <p:txBody>
+          <a:bodyPr/>
+          <a:lstStyle/>
+          <a:p>
+            <a:endParaRPr lang="de-DE"/>
+          </a:p>
+        </p:txBody>
+      </p:sp>
+      <p:sp>
+        <p:nvSpPr>
+          <p:cNvPr id="6" name="Slide Number Placeholder 5"/>
+          <p:cNvSpPr>
+            <a:spLocks noGrp="1"/>
+          </p:cNvSpPr>
+          <p:nvPr>
+            <p:ph type="sldNum" sz="quarter" idx="12"/>
+          </p:nvPr>
+        </p:nvSpPr>
+        <p:spPr/>
+        <p:txBody>
+          <a:bodyPr/>
+          <a:lstStyle/>
+          <a:p>
+            <a:fld id="{A25328D7-4585-4FD6-9B32-5AD68E602E18}" type="slidenum">
+              <a:rPr lang="de-DE" smtClean="0"/>
+              <a:t>‹Nr.›</a:t>
+            </a:fld>
+            <a:endParaRPr lang="de-DE"/>
+          </a:p>
+        </p:txBody>
+      </p:sp>
+      <p:sp>
+        <p:nvSpPr>
+          <p:cNvPr id="24" name="TextBox 23"/>
+          <p:cNvSpPr txBox="1"/>
+          <p:nvPr/>
+        </p:nvSpPr>
+        <p:spPr>
+          <a:xfrm>
+            <a:off x="541870" y="790378"/>
+            <a:ext cx="609600" cy="584776"/>
+          </a:xfrm>
+          <a:prstGeom prst="rect">
+            <a:avLst/>
+          </a:prstGeom>
+        </p:spPr>
+        <p:txBody>
+          <a:bodyPr vert="horz" lIns="91440" tIns="45720" rIns="91440" bIns="45720" rtlCol="0" anchor="ctr">
+            <a:noAutofit/>
+          </a:bodyPr>
+          <a:lstStyle/>
+          <a:p>
+            <a:pPr lvl="0"/>
+            <a:r>
+              <a:rPr lang="en-US" sz="8000" baseline="0" dirty="0">
+                <a:ln w="3175" cmpd="sng">
+                  <a:noFill/>
+                </a:ln>
+                <a:solidFill>
+                  <a:schemeClr val="accent1"/>
+                </a:solidFill>
+                <a:effectLst/>
+                <a:latin typeface="Arial"/>
+              </a:rPr>
+              <a:t>“</a:t>
+            </a:r>
+          </a:p>
+        </p:txBody>
+      </p:sp>
+      <p:sp>
+        <p:nvSpPr>
+          <p:cNvPr id="25" name="TextBox 24"/>
+          <p:cNvSpPr txBox="1"/>
+          <p:nvPr/>
+        </p:nvSpPr>
+        <p:spPr>
+          <a:xfrm>
+            <a:off x="8893011" y="2886556"/>
+            <a:ext cx="609600" cy="584776"/>
+          </a:xfrm>
+          <a:prstGeom prst="rect">
+            <a:avLst/>
+          </a:prstGeom>
+        </p:spPr>
+        <p:txBody>
+          <a:bodyPr vert="horz" lIns="91440" tIns="45720" rIns="91440" bIns="45720" rtlCol="0" anchor="ctr">
+            <a:noAutofit/>
+          </a:bodyPr>
+          <a:lstStyle/>
+          <a:p>
+            <a:pPr lvl="0"/>
+            <a:r>
+              <a:rPr lang="en-US" sz="8000" baseline="0" dirty="0">
+                <a:ln w="3175" cmpd="sng">
+                  <a:noFill/>
+                </a:ln>
+                <a:solidFill>
+                  <a:schemeClr val="accent1"/>
+                </a:solidFill>
+                <a:effectLst/>
+                <a:latin typeface="Arial"/>
+              </a:rPr>
+              <a:t>”</a:t>
+            </a:r>
+          </a:p>
+        </p:txBody>
+      </p:sp>
+    </p:spTree>
+    <p:extLst>
+      <p:ext uri="{BB962C8B-B14F-4D97-AF65-F5344CB8AC3E}">
+        <p14:creationId xmlns:p14="http://schemas.microsoft.com/office/powerpoint/2010/main" val="1028568844"/>
+      </p:ext>
+    </p:extLst>
+  </p:cSld>
+  <p:clrMapOvr>
+    <a:masterClrMapping/>
+  </p:clrMapOvr>
+</p:sldLayout>
+</file>
+
+<file path=ppt/slideLayouts/slideLayout14.xml><?xml version="1.0" encoding="utf-8"?>
+<p:sldLayout xmlns:a="http://schemas.openxmlformats.org/drawingml/2006/main" xmlns:r="http://schemas.openxmlformats.org/officeDocument/2006/relationships" xmlns:p="http://schemas.openxmlformats.org/presentationml/2006/main" preserve="1">
+  <p:cSld name="Wahr oder Falsch">
+    <p:spTree>
+      <p:nvGrpSpPr>
+        <p:cNvPr id="1" name=""/>
+        <p:cNvGrpSpPr/>
+        <p:nvPr/>
+      </p:nvGrpSpPr>
+      <p:grpSpPr>
+        <a:xfrm>
+          <a:off x="0" y="0"/>
+          <a:ext cx="0" cy="0"/>
+          <a:chOff x="0" y="0"/>
+          <a:chExt cx="0" cy="0"/>
+        </a:xfrm>
+      </p:grpSpPr>
+      <p:sp>
+        <p:nvSpPr>
+          <p:cNvPr id="2" name="Title 1"/>
+          <p:cNvSpPr>
+            <a:spLocks noGrp="1"/>
+          </p:cNvSpPr>
+          <p:nvPr>
+            <p:ph type="title"/>
+          </p:nvPr>
+        </p:nvSpPr>
+        <p:spPr>
+          <a:xfrm>
+            <a:off x="685799" y="609600"/>
+            <a:ext cx="8588203" cy="3022600"/>
+          </a:xfrm>
+        </p:spPr>
+        <p:txBody>
+          <a:bodyPr anchor="ctr">
+            <a:normAutofit/>
+          </a:bodyPr>
+          <a:lstStyle>
+            <a:lvl1pPr algn="l">
+              <a:defRPr sz="4400" b="0" cap="none"/>
+            </a:lvl1pPr>
+          </a:lstStyle>
+          <a:p>
+            <a:r>
+              <a:rPr lang="de-DE"/>
+              <a:t>Mastertitelformat bearbeiten</a:t>
+            </a:r>
+            <a:endParaRPr lang="en-US" dirty="0"/>
+          </a:p>
+        </p:txBody>
+      </p:sp>
+      <p:sp>
+        <p:nvSpPr>
+          <p:cNvPr id="23" name="Text Placeholder 9"/>
+          <p:cNvSpPr>
+            <a:spLocks noGrp="1"/>
+          </p:cNvSpPr>
+          <p:nvPr>
+            <p:ph type="body" sz="quarter" idx="13"/>
+          </p:nvPr>
+        </p:nvSpPr>
+        <p:spPr>
+          <a:xfrm>
+            <a:off x="677332" y="4013200"/>
+            <a:ext cx="8596669" cy="514248"/>
+          </a:xfrm>
+        </p:spPr>
+        <p:txBody>
+          <a:bodyPr anchor="b">
+            <a:noAutofit/>
+          </a:bodyPr>
+          <a:lstStyle>
+            <a:lvl1pPr marL="0" indent="0">
+              <a:buFontTx/>
+              <a:buNone/>
+              <a:defRPr sz="2400">
+                <a:solidFill>
+                  <a:schemeClr val="accent1"/>
+                </a:solidFill>
+              </a:defRPr>
+            </a:lvl1pPr>
+            <a:lvl2pPr marL="457200" indent="0">
+              <a:buFontTx/>
+              <a:buNone/>
+              <a:defRPr/>
+            </a:lvl2pPr>
+            <a:lvl3pPr marL="914400" indent="0">
+              <a:buFontTx/>
+              <a:buNone/>
+              <a:defRPr/>
+            </a:lvl3pPr>
+            <a:lvl4pPr marL="1371600" indent="0">
+              <a:buFontTx/>
+              <a:buNone/>
+              <a:defRPr/>
+            </a:lvl4pPr>
+            <a:lvl5pPr marL="1828800" indent="0">
+              <a:buFontTx/>
+              <a:buNone/>
+              <a:defRPr/>
+            </a:lvl5pPr>
+          </a:lstStyle>
+          <a:p>
+            <a:pPr lvl="0"/>
+            <a:r>
+              <a:rPr lang="de-DE"/>
+              <a:t>Mastertextformat bearbeiten</a:t>
+            </a:r>
+          </a:p>
+        </p:txBody>
+      </p:sp>
+      <p:sp>
+        <p:nvSpPr>
+          <p:cNvPr id="3" name="Text Placeholder 2"/>
+          <p:cNvSpPr>
+            <a:spLocks noGrp="1"/>
+          </p:cNvSpPr>
+          <p:nvPr>
+            <p:ph type="body" idx="1"/>
+          </p:nvPr>
+        </p:nvSpPr>
+        <p:spPr>
+          <a:xfrm>
+            <a:off x="677335" y="4527448"/>
+            <a:ext cx="8596668" cy="1513914"/>
+          </a:xfrm>
+        </p:spPr>
+        <p:txBody>
+          <a:bodyPr anchor="t">
+            <a:normAutofit/>
+          </a:bodyPr>
+          <a:lstStyle>
+            <a:lvl1pPr marL="0" indent="0" algn="l">
+              <a:buNone/>
+              <a:defRPr sz="1800">
+                <a:solidFill>
+                  <a:schemeClr val="tx1">
+                    <a:lumMod val="50000"/>
+                    <a:lumOff val="50000"/>
+                  </a:schemeClr>
+                </a:solidFill>
+              </a:defRPr>
+            </a:lvl1pPr>
+            <a:lvl2pPr marL="457200" indent="0">
+              <a:buNone/>
+              <a:defRPr sz="1800">
+                <a:solidFill>
+                  <a:schemeClr val="tx1">
+                    <a:tint val="75000"/>
+                  </a:schemeClr>
+                </a:solidFill>
+              </a:defRPr>
+            </a:lvl2pPr>
+            <a:lvl3pPr marL="914400" indent="0">
+              <a:buNone/>
+              <a:defRPr sz="1600">
+                <a:solidFill>
+                  <a:schemeClr val="tx1">
+                    <a:tint val="75000"/>
+                  </a:schemeClr>
+                </a:solidFill>
+              </a:defRPr>
+            </a:lvl3pPr>
+            <a:lvl4pPr marL="1371600" indent="0">
+              <a:buNone/>
+              <a:defRPr sz="1400">
+                <a:solidFill>
+                  <a:schemeClr val="tx1">
+                    <a:tint val="75000"/>
+                  </a:schemeClr>
+                </a:solidFill>
+              </a:defRPr>
+            </a:lvl4pPr>
+            <a:lvl5pPr marL="1828800" indent="0">
+              <a:buNone/>
+              <a:defRPr sz="1400">
+                <a:solidFill>
+                  <a:schemeClr val="tx1">
+                    <a:tint val="75000"/>
+                  </a:schemeClr>
+                </a:solidFill>
+              </a:defRPr>
+            </a:lvl5pPr>
+            <a:lvl6pPr marL="2286000" indent="0">
+              <a:buNone/>
+              <a:defRPr sz="1400">
+                <a:solidFill>
+                  <a:schemeClr val="tx1">
+                    <a:tint val="75000"/>
+                  </a:schemeClr>
+                </a:solidFill>
+              </a:defRPr>
+            </a:lvl6pPr>
+            <a:lvl7pPr marL="2743200" indent="0">
+              <a:buNone/>
+              <a:defRPr sz="1400">
+                <a:solidFill>
+                  <a:schemeClr val="tx1">
+                    <a:tint val="75000"/>
+                  </a:schemeClr>
+                </a:solidFill>
+              </a:defRPr>
+            </a:lvl7pPr>
+            <a:lvl8pPr marL="3200400" indent="0">
+              <a:buNone/>
+              <a:defRPr sz="1400">
+                <a:solidFill>
+                  <a:schemeClr val="tx1">
+                    <a:tint val="75000"/>
+                  </a:schemeClr>
+                </a:solidFill>
+              </a:defRPr>
+            </a:lvl8pPr>
+            <a:lvl9pPr marL="3657600" indent="0">
+              <a:buNone/>
+              <a:defRPr sz="1400">
+                <a:solidFill>
+                  <a:schemeClr val="tx1">
+                    <a:tint val="75000"/>
+                  </a:schemeClr>
+                </a:solidFill>
+              </a:defRPr>
+            </a:lvl9pPr>
+          </a:lstStyle>
+          <a:p>
+            <a:pPr lvl="0"/>
+            <a:r>
+              <a:rPr lang="de-DE"/>
+              <a:t>Mastertextformat bearbeiten</a:t>
+            </a:r>
+          </a:p>
+        </p:txBody>
+      </p:sp>
+      <p:sp>
+        <p:nvSpPr>
+          <p:cNvPr id="4" name="Date Placeholder 3"/>
+          <p:cNvSpPr>
+            <a:spLocks noGrp="1"/>
+          </p:cNvSpPr>
+          <p:nvPr>
+            <p:ph type="dt" sz="half" idx="10"/>
+          </p:nvPr>
+        </p:nvSpPr>
+        <p:spPr/>
+        <p:txBody>
+          <a:bodyPr/>
+          <a:lstStyle/>
+          <a:p>
+            <a:fld id="{56DC4D02-6C89-4F53-8C73-2E69B56DDD08}" type="datetimeFigureOut">
+              <a:rPr lang="de-DE" smtClean="0"/>
+              <a:t>19.05.2018</a:t>
+            </a:fld>
+            <a:endParaRPr lang="de-DE"/>
+          </a:p>
+        </p:txBody>
+      </p:sp>
+      <p:sp>
+        <p:nvSpPr>
+          <p:cNvPr id="5" name="Footer Placeholder 4"/>
+          <p:cNvSpPr>
+            <a:spLocks noGrp="1"/>
+          </p:cNvSpPr>
+          <p:nvPr>
+            <p:ph type="ftr" sz="quarter" idx="11"/>
+          </p:nvPr>
+        </p:nvSpPr>
+        <p:spPr/>
+        <p:txBody>
+          <a:bodyPr/>
+          <a:lstStyle/>
+          <a:p>
+            <a:endParaRPr lang="de-DE"/>
+          </a:p>
+        </p:txBody>
+      </p:sp>
+      <p:sp>
+        <p:nvSpPr>
+          <p:cNvPr id="6" name="Slide Number Placeholder 5"/>
+          <p:cNvSpPr>
+            <a:spLocks noGrp="1"/>
+          </p:cNvSpPr>
+          <p:nvPr>
+            <p:ph type="sldNum" sz="quarter" idx="12"/>
+          </p:nvPr>
+        </p:nvSpPr>
+        <p:spPr/>
+        <p:txBody>
+          <a:bodyPr/>
+          <a:lstStyle/>
+          <a:p>
+            <a:fld id="{A25328D7-4585-4FD6-9B32-5AD68E602E18}" type="slidenum">
+              <a:rPr lang="de-DE" smtClean="0"/>
+              <a:t>‹Nr.›</a:t>
+            </a:fld>
+            <a:endParaRPr lang="de-DE"/>
+          </a:p>
+        </p:txBody>
+      </p:sp>
+    </p:spTree>
+    <p:extLst>
+      <p:ext uri="{BB962C8B-B14F-4D97-AF65-F5344CB8AC3E}">
+        <p14:creationId xmlns:p14="http://schemas.microsoft.com/office/powerpoint/2010/main" val="2611486618"/>
+      </p:ext>
+    </p:extLst>
+  </p:cSld>
+  <p:clrMapOvr>
+    <a:masterClrMapping/>
+  </p:clrMapOvr>
+</p:sldLayout>
+</file>
+
+<file path=ppt/slideLayouts/slideLayout15.xml><?xml version="1.0" encoding="utf-8"?>
 <p:sldLayout xmlns:a="http://schemas.openxmlformats.org/drawingml/2006/main" xmlns:r="http://schemas.openxmlformats.org/officeDocument/2006/relationships" xmlns:p="http://schemas.openxmlformats.org/presentationml/2006/main" type="vertTx" preserve="1">
   <p:cSld name="Titel und vertikaler Text">
     <p:spTree>
@@ -12555,13 +14704,7 @@
       </p:grpSpPr>
       <p:sp>
         <p:nvSpPr>
-          <p:cNvPr id="2" name="Titel 1">
-            <a:extLst>
-              <a:ext uri="{FF2B5EF4-FFF2-40B4-BE49-F238E27FC236}">
-                <a16:creationId xmlns:a16="http://schemas.microsoft.com/office/drawing/2014/main" id="{475A57FA-BF60-4A1C-87D0-44963B45289E}"/>
-              </a:ext>
-            </a:extLst>
-          </p:cNvPr>
+          <p:cNvPr id="2" name="Title 1"/>
           <p:cNvSpPr>
             <a:spLocks noGrp="1"/>
           </p:cNvSpPr>
@@ -12578,18 +14721,13 @@
               <a:rPr lang="de-DE"/>
               <a:t>Mastertitelformat bearbeiten</a:t>
             </a:r>
+            <a:endParaRPr lang="en-US" dirty="0"/>
           </a:p>
         </p:txBody>
       </p:sp>
       <p:sp>
         <p:nvSpPr>
-          <p:cNvPr id="3" name="Vertikaler Textplatzhalter 2">
-            <a:extLst>
-              <a:ext uri="{FF2B5EF4-FFF2-40B4-BE49-F238E27FC236}">
-                <a16:creationId xmlns:a16="http://schemas.microsoft.com/office/drawing/2014/main" id="{62E39BA7-BD90-4B3A-90F6-9F48D6909A09}"/>
-              </a:ext>
-            </a:extLst>
-          </p:cNvPr>
+          <p:cNvPr id="3" name="Vertical Text Placeholder 2"/>
           <p:cNvSpPr>
             <a:spLocks noGrp="1"/>
           </p:cNvSpPr>
@@ -12635,18 +14773,13 @@
               <a:rPr lang="de-DE"/>
               <a:t>Fünfte Ebene</a:t>
             </a:r>
+            <a:endParaRPr lang="en-US" dirty="0"/>
           </a:p>
         </p:txBody>
       </p:sp>
       <p:sp>
         <p:nvSpPr>
-          <p:cNvPr id="4" name="Datumsplatzhalter 3">
-            <a:extLst>
-              <a:ext uri="{FF2B5EF4-FFF2-40B4-BE49-F238E27FC236}">
-                <a16:creationId xmlns:a16="http://schemas.microsoft.com/office/drawing/2014/main" id="{89AD290F-E6DC-4071-BC03-7288C059C8EE}"/>
-              </a:ext>
-            </a:extLst>
-          </p:cNvPr>
+          <p:cNvPr id="4" name="Date Placeholder 3"/>
           <p:cNvSpPr>
             <a:spLocks noGrp="1"/>
           </p:cNvSpPr>
@@ -12669,13 +14802,7 @@
       </p:sp>
       <p:sp>
         <p:nvSpPr>
-          <p:cNvPr id="5" name="Fußzeilenplatzhalter 4">
-            <a:extLst>
-              <a:ext uri="{FF2B5EF4-FFF2-40B4-BE49-F238E27FC236}">
-                <a16:creationId xmlns:a16="http://schemas.microsoft.com/office/drawing/2014/main" id="{8B6E5936-5152-4472-9B5D-2AE42B8A351E}"/>
-              </a:ext>
-            </a:extLst>
-          </p:cNvPr>
+          <p:cNvPr id="5" name="Footer Placeholder 4"/>
           <p:cNvSpPr>
             <a:spLocks noGrp="1"/>
           </p:cNvSpPr>
@@ -12694,13 +14821,7 @@
       </p:sp>
       <p:sp>
         <p:nvSpPr>
-          <p:cNvPr id="6" name="Foliennummernplatzhalter 5">
-            <a:extLst>
-              <a:ext uri="{FF2B5EF4-FFF2-40B4-BE49-F238E27FC236}">
-                <a16:creationId xmlns:a16="http://schemas.microsoft.com/office/drawing/2014/main" id="{527E238B-13A5-4695-9A9B-CBFB62FD669B}"/>
-              </a:ext>
-            </a:extLst>
-          </p:cNvPr>
+          <p:cNvPr id="6" name="Slide Number Placeholder 5"/>
           <p:cNvSpPr>
             <a:spLocks noGrp="1"/>
           </p:cNvSpPr>
@@ -12724,7 +14845,7 @@
     </p:spTree>
     <p:extLst>
       <p:ext uri="{BB962C8B-B14F-4D97-AF65-F5344CB8AC3E}">
-        <p14:creationId xmlns:p14="http://schemas.microsoft.com/office/powerpoint/2010/main" val="1430246177"/>
+        <p14:creationId xmlns:p14="http://schemas.microsoft.com/office/powerpoint/2010/main" val="255415140"/>
       </p:ext>
     </p:extLst>
   </p:cSld>
@@ -12734,7 +14855,7 @@
 </p:sldLayout>
 </file>
 
-<file path=ppt/slideLayouts/slideLayout11.xml><?xml version="1.0" encoding="utf-8"?>
+<file path=ppt/slideLayouts/slideLayout16.xml><?xml version="1.0" encoding="utf-8"?>
 <p:sldLayout xmlns:a="http://schemas.openxmlformats.org/drawingml/2006/main" xmlns:r="http://schemas.openxmlformats.org/officeDocument/2006/relationships" xmlns:p="http://schemas.openxmlformats.org/presentationml/2006/main" type="vertTitleAndTx" preserve="1">
   <p:cSld name="Vertikaler Titel und Text">
     <p:spTree>
@@ -12753,13 +14874,7 @@
       </p:grpSpPr>
       <p:sp>
         <p:nvSpPr>
-          <p:cNvPr id="2" name="Vertikaler Titel 1">
-            <a:extLst>
-              <a:ext uri="{FF2B5EF4-FFF2-40B4-BE49-F238E27FC236}">
-                <a16:creationId xmlns:a16="http://schemas.microsoft.com/office/drawing/2014/main" id="{0CA54446-1A75-4A85-BDC5-1C4D5494FE68}"/>
-              </a:ext>
-            </a:extLst>
-          </p:cNvPr>
+          <p:cNvPr id="2" name="Vertical Title 1"/>
           <p:cNvSpPr>
             <a:spLocks noGrp="1"/>
           </p:cNvSpPr>
@@ -12769,30 +14884,25 @@
         </p:nvSpPr>
         <p:spPr>
           <a:xfrm>
-            <a:off x="8724900" y="365125"/>
-            <a:ext cx="2628900" cy="5811838"/>
+            <a:off x="7967673" y="609599"/>
+            <a:ext cx="1304743" cy="5251451"/>
           </a:xfrm>
         </p:spPr>
         <p:txBody>
-          <a:bodyPr vert="eaVert"/>
+          <a:bodyPr vert="eaVert" anchor="ctr"/>
           <a:lstStyle/>
           <a:p>
             <a:r>
               <a:rPr lang="de-DE"/>
               <a:t>Mastertitelformat bearbeiten</a:t>
             </a:r>
+            <a:endParaRPr lang="en-US" dirty="0"/>
           </a:p>
         </p:txBody>
       </p:sp>
       <p:sp>
         <p:nvSpPr>
-          <p:cNvPr id="3" name="Vertikaler Textplatzhalter 2">
-            <a:extLst>
-              <a:ext uri="{FF2B5EF4-FFF2-40B4-BE49-F238E27FC236}">
-                <a16:creationId xmlns:a16="http://schemas.microsoft.com/office/drawing/2014/main" id="{0C0F59F8-3D2A-42FE-9565-DB9081580513}"/>
-              </a:ext>
-            </a:extLst>
-          </p:cNvPr>
+          <p:cNvPr id="3" name="Vertical Text Placeholder 2"/>
           <p:cNvSpPr>
             <a:spLocks noGrp="1"/>
           </p:cNvSpPr>
@@ -12802,8 +14912,8 @@
         </p:nvSpPr>
         <p:spPr>
           <a:xfrm>
-            <a:off x="838200" y="365125"/>
-            <a:ext cx="7734300" cy="5811838"/>
+            <a:off x="677335" y="609600"/>
+            <a:ext cx="7060150" cy="5251450"/>
           </a:xfrm>
         </p:spPr>
         <p:txBody>
@@ -12843,18 +14953,13 @@
               <a:rPr lang="de-DE"/>
               <a:t>Fünfte Ebene</a:t>
             </a:r>
+            <a:endParaRPr lang="en-US" dirty="0"/>
           </a:p>
         </p:txBody>
       </p:sp>
       <p:sp>
         <p:nvSpPr>
-          <p:cNvPr id="4" name="Datumsplatzhalter 3">
-            <a:extLst>
-              <a:ext uri="{FF2B5EF4-FFF2-40B4-BE49-F238E27FC236}">
-                <a16:creationId xmlns:a16="http://schemas.microsoft.com/office/drawing/2014/main" id="{B2259910-041B-4ED4-A363-628DA5C80731}"/>
-              </a:ext>
-            </a:extLst>
-          </p:cNvPr>
+          <p:cNvPr id="4" name="Date Placeholder 3"/>
           <p:cNvSpPr>
             <a:spLocks noGrp="1"/>
           </p:cNvSpPr>
@@ -12877,13 +14982,7 @@
       </p:sp>
       <p:sp>
         <p:nvSpPr>
-          <p:cNvPr id="5" name="Fußzeilenplatzhalter 4">
-            <a:extLst>
-              <a:ext uri="{FF2B5EF4-FFF2-40B4-BE49-F238E27FC236}">
-                <a16:creationId xmlns:a16="http://schemas.microsoft.com/office/drawing/2014/main" id="{ADB2D280-2885-4F74-A93B-F5127A7DED37}"/>
-              </a:ext>
-            </a:extLst>
-          </p:cNvPr>
+          <p:cNvPr id="5" name="Footer Placeholder 4"/>
           <p:cNvSpPr>
             <a:spLocks noGrp="1"/>
           </p:cNvSpPr>
@@ -12902,13 +15001,7 @@
       </p:sp>
       <p:sp>
         <p:nvSpPr>
-          <p:cNvPr id="6" name="Foliennummernplatzhalter 5">
-            <a:extLst>
-              <a:ext uri="{FF2B5EF4-FFF2-40B4-BE49-F238E27FC236}">
-                <a16:creationId xmlns:a16="http://schemas.microsoft.com/office/drawing/2014/main" id="{BC79440E-ABE3-4863-87E5-565B740FCBF8}"/>
-              </a:ext>
-            </a:extLst>
-          </p:cNvPr>
+          <p:cNvPr id="6" name="Slide Number Placeholder 5"/>
           <p:cNvSpPr>
             <a:spLocks noGrp="1"/>
           </p:cNvSpPr>
@@ -12932,7 +15025,7 @@
     </p:spTree>
     <p:extLst>
       <p:ext uri="{BB962C8B-B14F-4D97-AF65-F5344CB8AC3E}">
-        <p14:creationId xmlns:p14="http://schemas.microsoft.com/office/powerpoint/2010/main" val="4251176236"/>
+        <p14:creationId xmlns:p14="http://schemas.microsoft.com/office/powerpoint/2010/main" val="146612404"/>
       </p:ext>
     </p:extLst>
   </p:cSld>
@@ -12961,13 +15054,7 @@
       </p:grpSpPr>
       <p:sp>
         <p:nvSpPr>
-          <p:cNvPr id="2" name="Titel 1">
-            <a:extLst>
-              <a:ext uri="{FF2B5EF4-FFF2-40B4-BE49-F238E27FC236}">
-                <a16:creationId xmlns:a16="http://schemas.microsoft.com/office/drawing/2014/main" id="{C5F3DEC8-E494-4DE5-954A-0AF50ED9EF7A}"/>
-              </a:ext>
-            </a:extLst>
-          </p:cNvPr>
+          <p:cNvPr id="2" name="Title 1"/>
           <p:cNvSpPr>
             <a:spLocks noGrp="1"/>
           </p:cNvSpPr>
@@ -12977,25 +15064,26 @@
         </p:nvSpPr>
         <p:spPr/>
         <p:txBody>
-          <a:bodyPr/>
-          <a:lstStyle/>
+          <a:bodyPr>
+            <a:normAutofit/>
+          </a:bodyPr>
+          <a:lstStyle>
+            <a:lvl1pPr>
+              <a:defRPr sz="3600"/>
+            </a:lvl1pPr>
+          </a:lstStyle>
           <a:p>
             <a:r>
               <a:rPr lang="de-DE"/>
               <a:t>Mastertitelformat bearbeiten</a:t>
             </a:r>
+            <a:endParaRPr lang="en-US" dirty="0"/>
           </a:p>
         </p:txBody>
       </p:sp>
       <p:sp>
         <p:nvSpPr>
-          <p:cNvPr id="3" name="Inhaltsplatzhalter 2">
-            <a:extLst>
-              <a:ext uri="{FF2B5EF4-FFF2-40B4-BE49-F238E27FC236}">
-                <a16:creationId xmlns:a16="http://schemas.microsoft.com/office/drawing/2014/main" id="{8A79517D-EE97-4316-9FFD-A00CFFB76178}"/>
-              </a:ext>
-            </a:extLst>
-          </p:cNvPr>
+          <p:cNvPr id="3" name="Content Placeholder 2"/>
           <p:cNvSpPr>
             <a:spLocks noGrp="1"/>
           </p:cNvSpPr>
@@ -13041,18 +15129,13 @@
               <a:rPr lang="de-DE"/>
               <a:t>Fünfte Ebene</a:t>
             </a:r>
+            <a:endParaRPr lang="en-US" dirty="0"/>
           </a:p>
         </p:txBody>
       </p:sp>
       <p:sp>
         <p:nvSpPr>
-          <p:cNvPr id="4" name="Datumsplatzhalter 3">
-            <a:extLst>
-              <a:ext uri="{FF2B5EF4-FFF2-40B4-BE49-F238E27FC236}">
-                <a16:creationId xmlns:a16="http://schemas.microsoft.com/office/drawing/2014/main" id="{35B70201-1EC3-41D8-AA6A-DF2081F3F170}"/>
-              </a:ext>
-            </a:extLst>
-          </p:cNvPr>
+          <p:cNvPr id="4" name="Date Placeholder 3"/>
           <p:cNvSpPr>
             <a:spLocks noGrp="1"/>
           </p:cNvSpPr>
@@ -13075,13 +15158,7 @@
       </p:sp>
       <p:sp>
         <p:nvSpPr>
-          <p:cNvPr id="5" name="Fußzeilenplatzhalter 4">
-            <a:extLst>
-              <a:ext uri="{FF2B5EF4-FFF2-40B4-BE49-F238E27FC236}">
-                <a16:creationId xmlns:a16="http://schemas.microsoft.com/office/drawing/2014/main" id="{CA617E13-10A7-4A7B-B2B1-B184EEBB42F1}"/>
-              </a:ext>
-            </a:extLst>
-          </p:cNvPr>
+          <p:cNvPr id="5" name="Footer Placeholder 4"/>
           <p:cNvSpPr>
             <a:spLocks noGrp="1"/>
           </p:cNvSpPr>
@@ -13100,13 +15177,7 @@
       </p:sp>
       <p:sp>
         <p:nvSpPr>
-          <p:cNvPr id="6" name="Foliennummernplatzhalter 5">
-            <a:extLst>
-              <a:ext uri="{FF2B5EF4-FFF2-40B4-BE49-F238E27FC236}">
-                <a16:creationId xmlns:a16="http://schemas.microsoft.com/office/drawing/2014/main" id="{5E029E42-5693-4A9B-A938-E96674E73E16}"/>
-              </a:ext>
-            </a:extLst>
-          </p:cNvPr>
+          <p:cNvPr id="6" name="Slide Number Placeholder 5"/>
           <p:cNvSpPr>
             <a:spLocks noGrp="1"/>
           </p:cNvSpPr>
@@ -13130,7 +15201,7 @@
     </p:spTree>
     <p:extLst>
       <p:ext uri="{BB962C8B-B14F-4D97-AF65-F5344CB8AC3E}">
-        <p14:creationId xmlns:p14="http://schemas.microsoft.com/office/powerpoint/2010/main" val="79888180"/>
+        <p14:creationId xmlns:p14="http://schemas.microsoft.com/office/powerpoint/2010/main" val="1052658092"/>
       </p:ext>
     </p:extLst>
   </p:cSld>
@@ -13159,13 +15230,7 @@
       </p:grpSpPr>
       <p:sp>
         <p:nvSpPr>
-          <p:cNvPr id="2" name="Titel 1">
-            <a:extLst>
-              <a:ext uri="{FF2B5EF4-FFF2-40B4-BE49-F238E27FC236}">
-                <a16:creationId xmlns:a16="http://schemas.microsoft.com/office/drawing/2014/main" id="{13648EF9-059F-4BAF-ACFC-7FB722D1848C}"/>
-              </a:ext>
-            </a:extLst>
-          </p:cNvPr>
+          <p:cNvPr id="2" name="Title 1"/>
           <p:cNvSpPr>
             <a:spLocks noGrp="1"/>
           </p:cNvSpPr>
@@ -13175,15 +15240,15 @@
         </p:nvSpPr>
         <p:spPr>
           <a:xfrm>
-            <a:off x="831850" y="1709738"/>
-            <a:ext cx="10515600" cy="2852737"/>
+            <a:off x="677335" y="2700867"/>
+            <a:ext cx="8596668" cy="1826581"/>
           </a:xfrm>
         </p:spPr>
         <p:txBody>
           <a:bodyPr anchor="b"/>
           <a:lstStyle>
-            <a:lvl1pPr>
-              <a:defRPr sz="6000"/>
+            <a:lvl1pPr algn="l">
+              <a:defRPr sz="4000" b="0" cap="none"/>
             </a:lvl1pPr>
           </a:lstStyle>
           <a:p>
@@ -13191,18 +15256,13 @@
               <a:rPr lang="de-DE"/>
               <a:t>Mastertitelformat bearbeiten</a:t>
             </a:r>
+            <a:endParaRPr lang="en-US" dirty="0"/>
           </a:p>
         </p:txBody>
       </p:sp>
       <p:sp>
         <p:nvSpPr>
-          <p:cNvPr id="3" name="Textplatzhalter 2">
-            <a:extLst>
-              <a:ext uri="{FF2B5EF4-FFF2-40B4-BE49-F238E27FC236}">
-                <a16:creationId xmlns:a16="http://schemas.microsoft.com/office/drawing/2014/main" id="{299B2984-C438-49A2-B56F-715FEA279238}"/>
-              </a:ext>
-            </a:extLst>
-          </p:cNvPr>
+          <p:cNvPr id="3" name="Text Placeholder 2"/>
           <p:cNvSpPr>
             <a:spLocks noGrp="1"/>
           </p:cNvSpPr>
@@ -13212,26 +15272,27 @@
         </p:nvSpPr>
         <p:spPr>
           <a:xfrm>
-            <a:off x="831850" y="4589463"/>
-            <a:ext cx="10515600" cy="1500187"/>
+            <a:off x="677335" y="4527448"/>
+            <a:ext cx="8596668" cy="860400"/>
           </a:xfrm>
         </p:spPr>
         <p:txBody>
-          <a:bodyPr/>
+          <a:bodyPr anchor="t"/>
           <a:lstStyle>
-            <a:lvl1pPr marL="0" indent="0">
+            <a:lvl1pPr marL="0" indent="0" algn="l">
               <a:buNone/>
-              <a:defRPr sz="2400">
+              <a:defRPr sz="2000">
                 <a:solidFill>
                   <a:schemeClr val="tx1">
-                    <a:tint val="75000"/>
+                    <a:lumMod val="50000"/>
+                    <a:lumOff val="50000"/>
                   </a:schemeClr>
                 </a:solidFill>
               </a:defRPr>
             </a:lvl1pPr>
             <a:lvl2pPr marL="457200" indent="0">
               <a:buNone/>
-              <a:defRPr sz="2000">
+              <a:defRPr sz="1800">
                 <a:solidFill>
                   <a:schemeClr val="tx1">
                     <a:tint val="75000"/>
@@ -13241,7 +15302,7 @@
             </a:lvl2pPr>
             <a:lvl3pPr marL="914400" indent="0">
               <a:buNone/>
-              <a:defRPr sz="1800">
+              <a:defRPr sz="1600">
                 <a:solidFill>
                   <a:schemeClr val="tx1">
                     <a:tint val="75000"/>
@@ -13251,7 +15312,7 @@
             </a:lvl3pPr>
             <a:lvl4pPr marL="1371600" indent="0">
               <a:buNone/>
-              <a:defRPr sz="1600">
+              <a:defRPr sz="1400">
                 <a:solidFill>
                   <a:schemeClr val="tx1">
                     <a:tint val="75000"/>
@@ -13261,7 +15322,7 @@
             </a:lvl4pPr>
             <a:lvl5pPr marL="1828800" indent="0">
               <a:buNone/>
-              <a:defRPr sz="1600">
+              <a:defRPr sz="1400">
                 <a:solidFill>
                   <a:schemeClr val="tx1">
                     <a:tint val="75000"/>
@@ -13271,7 +15332,7 @@
             </a:lvl5pPr>
             <a:lvl6pPr marL="2286000" indent="0">
               <a:buNone/>
-              <a:defRPr sz="1600">
+              <a:defRPr sz="1400">
                 <a:solidFill>
                   <a:schemeClr val="tx1">
                     <a:tint val="75000"/>
@@ -13281,7 +15342,7 @@
             </a:lvl6pPr>
             <a:lvl7pPr marL="2743200" indent="0">
               <a:buNone/>
-              <a:defRPr sz="1600">
+              <a:defRPr sz="1400">
                 <a:solidFill>
                   <a:schemeClr val="tx1">
                     <a:tint val="75000"/>
@@ -13291,7 +15352,7 @@
             </a:lvl7pPr>
             <a:lvl8pPr marL="3200400" indent="0">
               <a:buNone/>
-              <a:defRPr sz="1600">
+              <a:defRPr sz="1400">
                 <a:solidFill>
                   <a:schemeClr val="tx1">
                     <a:tint val="75000"/>
@@ -13301,7 +15362,7 @@
             </a:lvl8pPr>
             <a:lvl9pPr marL="3657600" indent="0">
               <a:buNone/>
-              <a:defRPr sz="1600">
+              <a:defRPr sz="1400">
                 <a:solidFill>
                   <a:schemeClr val="tx1">
                     <a:tint val="75000"/>
@@ -13321,13 +15382,7 @@
       </p:sp>
       <p:sp>
         <p:nvSpPr>
-          <p:cNvPr id="4" name="Datumsplatzhalter 3">
-            <a:extLst>
-              <a:ext uri="{FF2B5EF4-FFF2-40B4-BE49-F238E27FC236}">
-                <a16:creationId xmlns:a16="http://schemas.microsoft.com/office/drawing/2014/main" id="{294108E5-D575-4346-BC6B-B1CE8320ED6F}"/>
-              </a:ext>
-            </a:extLst>
-          </p:cNvPr>
+          <p:cNvPr id="4" name="Date Placeholder 3"/>
           <p:cNvSpPr>
             <a:spLocks noGrp="1"/>
           </p:cNvSpPr>
@@ -13350,13 +15405,7 @@
       </p:sp>
       <p:sp>
         <p:nvSpPr>
-          <p:cNvPr id="5" name="Fußzeilenplatzhalter 4">
-            <a:extLst>
-              <a:ext uri="{FF2B5EF4-FFF2-40B4-BE49-F238E27FC236}">
-                <a16:creationId xmlns:a16="http://schemas.microsoft.com/office/drawing/2014/main" id="{5440C82A-DF65-4EAB-AB91-8371B9AC08C6}"/>
-              </a:ext>
-            </a:extLst>
-          </p:cNvPr>
+          <p:cNvPr id="5" name="Footer Placeholder 4"/>
           <p:cNvSpPr>
             <a:spLocks noGrp="1"/>
           </p:cNvSpPr>
@@ -13375,13 +15424,7 @@
       </p:sp>
       <p:sp>
         <p:nvSpPr>
-          <p:cNvPr id="6" name="Foliennummernplatzhalter 5">
-            <a:extLst>
-              <a:ext uri="{FF2B5EF4-FFF2-40B4-BE49-F238E27FC236}">
-                <a16:creationId xmlns:a16="http://schemas.microsoft.com/office/drawing/2014/main" id="{9629ACE3-0333-4338-A7BD-A637F6E06F3C}"/>
-              </a:ext>
-            </a:extLst>
-          </p:cNvPr>
+          <p:cNvPr id="6" name="Slide Number Placeholder 5"/>
           <p:cNvSpPr>
             <a:spLocks noGrp="1"/>
           </p:cNvSpPr>
@@ -13405,7 +15448,7 @@
     </p:spTree>
     <p:extLst>
       <p:ext uri="{BB962C8B-B14F-4D97-AF65-F5344CB8AC3E}">
-        <p14:creationId xmlns:p14="http://schemas.microsoft.com/office/powerpoint/2010/main" val="778630937"/>
+        <p14:creationId xmlns:p14="http://schemas.microsoft.com/office/powerpoint/2010/main" val="4256417982"/>
       </p:ext>
     </p:extLst>
   </p:cSld>
@@ -13434,13 +15477,7 @@
       </p:grpSpPr>
       <p:sp>
         <p:nvSpPr>
-          <p:cNvPr id="2" name="Titel 1">
-            <a:extLst>
-              <a:ext uri="{FF2B5EF4-FFF2-40B4-BE49-F238E27FC236}">
-                <a16:creationId xmlns:a16="http://schemas.microsoft.com/office/drawing/2014/main" id="{DC1E0B32-2789-47B1-A7B7-BB1190CCA7A3}"/>
-              </a:ext>
-            </a:extLst>
-          </p:cNvPr>
+          <p:cNvPr id="2" name="Title 1"/>
           <p:cNvSpPr>
             <a:spLocks noGrp="1"/>
           </p:cNvSpPr>
@@ -13457,18 +15494,13 @@
               <a:rPr lang="de-DE"/>
               <a:t>Mastertitelformat bearbeiten</a:t>
             </a:r>
+            <a:endParaRPr lang="en-US" dirty="0"/>
           </a:p>
         </p:txBody>
       </p:sp>
       <p:sp>
         <p:nvSpPr>
-          <p:cNvPr id="3" name="Inhaltsplatzhalter 2">
-            <a:extLst>
-              <a:ext uri="{FF2B5EF4-FFF2-40B4-BE49-F238E27FC236}">
-                <a16:creationId xmlns:a16="http://schemas.microsoft.com/office/drawing/2014/main" id="{3E2633F2-E4F7-4B8A-AE3B-22AEC4EB3781}"/>
-              </a:ext>
-            </a:extLst>
-          </p:cNvPr>
+          <p:cNvPr id="3" name="Content Placeholder 2"/>
           <p:cNvSpPr>
             <a:spLocks noGrp="1"/>
           </p:cNvSpPr>
@@ -13478,8 +15510,8 @@
         </p:nvSpPr>
         <p:spPr>
           <a:xfrm>
-            <a:off x="838200" y="1825625"/>
-            <a:ext cx="5181600" cy="4351338"/>
+            <a:off x="677334" y="2160589"/>
+            <a:ext cx="4184035" cy="3880772"/>
           </a:xfrm>
         </p:spPr>
         <p:txBody>
@@ -13519,18 +15551,13 @@
               <a:rPr lang="de-DE"/>
               <a:t>Fünfte Ebene</a:t>
             </a:r>
+            <a:endParaRPr lang="en-US" dirty="0"/>
           </a:p>
         </p:txBody>
       </p:sp>
       <p:sp>
         <p:nvSpPr>
-          <p:cNvPr id="4" name="Inhaltsplatzhalter 3">
-            <a:extLst>
-              <a:ext uri="{FF2B5EF4-FFF2-40B4-BE49-F238E27FC236}">
-                <a16:creationId xmlns:a16="http://schemas.microsoft.com/office/drawing/2014/main" id="{3813B0B5-CEE7-46F0-AC66-ACAB92B98AD8}"/>
-              </a:ext>
-            </a:extLst>
-          </p:cNvPr>
+          <p:cNvPr id="4" name="Content Placeholder 3"/>
           <p:cNvSpPr>
             <a:spLocks noGrp="1"/>
           </p:cNvSpPr>
@@ -13540,8 +15567,8 @@
         </p:nvSpPr>
         <p:spPr>
           <a:xfrm>
-            <a:off x="6172200" y="1825625"/>
-            <a:ext cx="5181600" cy="4351338"/>
+            <a:off x="5089970" y="2160589"/>
+            <a:ext cx="4184034" cy="3880773"/>
           </a:xfrm>
         </p:spPr>
         <p:txBody>
@@ -13581,18 +15608,13 @@
               <a:rPr lang="de-DE"/>
               <a:t>Fünfte Ebene</a:t>
             </a:r>
+            <a:endParaRPr lang="en-US" dirty="0"/>
           </a:p>
         </p:txBody>
       </p:sp>
       <p:sp>
         <p:nvSpPr>
-          <p:cNvPr id="5" name="Datumsplatzhalter 4">
-            <a:extLst>
-              <a:ext uri="{FF2B5EF4-FFF2-40B4-BE49-F238E27FC236}">
-                <a16:creationId xmlns:a16="http://schemas.microsoft.com/office/drawing/2014/main" id="{387A672D-5EFA-4DD9-A45E-C19529BE91A2}"/>
-              </a:ext>
-            </a:extLst>
-          </p:cNvPr>
+          <p:cNvPr id="5" name="Date Placeholder 4"/>
           <p:cNvSpPr>
             <a:spLocks noGrp="1"/>
           </p:cNvSpPr>
@@ -13615,13 +15637,7 @@
       </p:sp>
       <p:sp>
         <p:nvSpPr>
-          <p:cNvPr id="6" name="Fußzeilenplatzhalter 5">
-            <a:extLst>
-              <a:ext uri="{FF2B5EF4-FFF2-40B4-BE49-F238E27FC236}">
-                <a16:creationId xmlns:a16="http://schemas.microsoft.com/office/drawing/2014/main" id="{A597532F-AE1E-422F-9A6B-3A3602667B04}"/>
-              </a:ext>
-            </a:extLst>
-          </p:cNvPr>
+          <p:cNvPr id="6" name="Footer Placeholder 5"/>
           <p:cNvSpPr>
             <a:spLocks noGrp="1"/>
           </p:cNvSpPr>
@@ -13640,13 +15656,7 @@
       </p:sp>
       <p:sp>
         <p:nvSpPr>
-          <p:cNvPr id="7" name="Foliennummernplatzhalter 6">
-            <a:extLst>
-              <a:ext uri="{FF2B5EF4-FFF2-40B4-BE49-F238E27FC236}">
-                <a16:creationId xmlns:a16="http://schemas.microsoft.com/office/drawing/2014/main" id="{80A85B79-506B-482A-8615-DD7F7E2B4646}"/>
-              </a:ext>
-            </a:extLst>
-          </p:cNvPr>
+          <p:cNvPr id="7" name="Slide Number Placeholder 6"/>
           <p:cNvSpPr>
             <a:spLocks noGrp="1"/>
           </p:cNvSpPr>
@@ -13670,13 +15680,18 @@
     </p:spTree>
     <p:extLst>
       <p:ext uri="{BB962C8B-B14F-4D97-AF65-F5344CB8AC3E}">
-        <p14:creationId xmlns:p14="http://schemas.microsoft.com/office/powerpoint/2010/main" val="3749542710"/>
+        <p14:creationId xmlns:p14="http://schemas.microsoft.com/office/powerpoint/2010/main" val="159966494"/>
       </p:ext>
     </p:extLst>
   </p:cSld>
   <p:clrMapOvr>
     <a:masterClrMapping/>
   </p:clrMapOvr>
+  <p:extLst>
+    <p:ext uri="{DCECCB84-F9BA-43D5-87BE-67443E8EF086}">
+      <p15:sldGuideLst xmlns:p15="http://schemas.microsoft.com/office/powerpoint/2012/main"/>
+    </p:ext>
+  </p:extLst>
 </p:sldLayout>
 </file>
 
@@ -13699,13 +15714,7 @@
       </p:grpSpPr>
       <p:sp>
         <p:nvSpPr>
-          <p:cNvPr id="2" name="Titel 1">
-            <a:extLst>
-              <a:ext uri="{FF2B5EF4-FFF2-40B4-BE49-F238E27FC236}">
-                <a16:creationId xmlns:a16="http://schemas.microsoft.com/office/drawing/2014/main" id="{13E03381-8410-4D2A-8BD8-1D4FB775CBC1}"/>
-              </a:ext>
-            </a:extLst>
-          </p:cNvPr>
+          <p:cNvPr id="2" name="Title 1"/>
           <p:cNvSpPr>
             <a:spLocks noGrp="1"/>
           </p:cNvSpPr>
@@ -13713,32 +15722,26 @@
             <p:ph type="title"/>
           </p:nvPr>
         </p:nvSpPr>
-        <p:spPr>
-          <a:xfrm>
-            <a:off x="839788" y="365125"/>
-            <a:ext cx="10515600" cy="1325563"/>
-          </a:xfrm>
-        </p:spPr>
+        <p:spPr/>
         <p:txBody>
           <a:bodyPr/>
-          <a:lstStyle/>
+          <a:lstStyle>
+            <a:lvl1pPr>
+              <a:defRPr/>
+            </a:lvl1pPr>
+          </a:lstStyle>
           <a:p>
             <a:r>
               <a:rPr lang="de-DE"/>
               <a:t>Mastertitelformat bearbeiten</a:t>
             </a:r>
+            <a:endParaRPr lang="en-US" dirty="0"/>
           </a:p>
         </p:txBody>
       </p:sp>
       <p:sp>
         <p:nvSpPr>
-          <p:cNvPr id="3" name="Textplatzhalter 2">
-            <a:extLst>
-              <a:ext uri="{FF2B5EF4-FFF2-40B4-BE49-F238E27FC236}">
-                <a16:creationId xmlns:a16="http://schemas.microsoft.com/office/drawing/2014/main" id="{5E4DDD56-6BDE-474D-B71F-EDB247002D15}"/>
-              </a:ext>
-            </a:extLst>
-          </p:cNvPr>
+          <p:cNvPr id="3" name="Text Placeholder 2"/>
           <p:cNvSpPr>
             <a:spLocks noGrp="1"/>
           </p:cNvSpPr>
@@ -13748,16 +15751,18 @@
         </p:nvSpPr>
         <p:spPr>
           <a:xfrm>
-            <a:off x="839788" y="1681163"/>
-            <a:ext cx="5157787" cy="823912"/>
+            <a:off x="675745" y="2160983"/>
+            <a:ext cx="4185623" cy="576262"/>
           </a:xfrm>
         </p:spPr>
         <p:txBody>
-          <a:bodyPr anchor="b"/>
+          <a:bodyPr anchor="b">
+            <a:noAutofit/>
+          </a:bodyPr>
           <a:lstStyle>
             <a:lvl1pPr marL="0" indent="0">
               <a:buNone/>
-              <a:defRPr sz="2400" b="1"/>
+              <a:defRPr sz="2400" b="0"/>
             </a:lvl1pPr>
             <a:lvl2pPr marL="457200" indent="0">
               <a:buNone/>
@@ -13803,13 +15808,7 @@
       </p:sp>
       <p:sp>
         <p:nvSpPr>
-          <p:cNvPr id="4" name="Inhaltsplatzhalter 3">
-            <a:extLst>
-              <a:ext uri="{FF2B5EF4-FFF2-40B4-BE49-F238E27FC236}">
-                <a16:creationId xmlns:a16="http://schemas.microsoft.com/office/drawing/2014/main" id="{A02A4CDA-8B70-46D5-8098-E29A1A7E87C5}"/>
-              </a:ext>
-            </a:extLst>
-          </p:cNvPr>
+          <p:cNvPr id="4" name="Content Placeholder 3"/>
           <p:cNvSpPr>
             <a:spLocks noGrp="1"/>
           </p:cNvSpPr>
@@ -13819,12 +15818,14 @@
         </p:nvSpPr>
         <p:spPr>
           <a:xfrm>
-            <a:off x="839788" y="2505075"/>
-            <a:ext cx="5157787" cy="3684588"/>
+            <a:off x="675745" y="2737245"/>
+            <a:ext cx="4185623" cy="3304117"/>
           </a:xfrm>
         </p:spPr>
         <p:txBody>
-          <a:bodyPr/>
+          <a:bodyPr>
+            <a:normAutofit/>
+          </a:bodyPr>
           <a:lstStyle/>
           <a:p>
             <a:pPr lvl="0"/>
@@ -13860,18 +15861,13 @@
               <a:rPr lang="de-DE"/>
               <a:t>Fünfte Ebene</a:t>
             </a:r>
+            <a:endParaRPr lang="en-US" dirty="0"/>
           </a:p>
         </p:txBody>
       </p:sp>
       <p:sp>
         <p:nvSpPr>
-          <p:cNvPr id="5" name="Textplatzhalter 4">
-            <a:extLst>
-              <a:ext uri="{FF2B5EF4-FFF2-40B4-BE49-F238E27FC236}">
-                <a16:creationId xmlns:a16="http://schemas.microsoft.com/office/drawing/2014/main" id="{A12FC0FF-01EA-43DA-8BAD-268872F9FF21}"/>
-              </a:ext>
-            </a:extLst>
-          </p:cNvPr>
+          <p:cNvPr id="5" name="Text Placeholder 4"/>
           <p:cNvSpPr>
             <a:spLocks noGrp="1"/>
           </p:cNvSpPr>
@@ -13881,16 +15877,18 @@
         </p:nvSpPr>
         <p:spPr>
           <a:xfrm>
-            <a:off x="6172200" y="1681163"/>
-            <a:ext cx="5183188" cy="823912"/>
+            <a:off x="5088383" y="2160983"/>
+            <a:ext cx="4185618" cy="576262"/>
           </a:xfrm>
         </p:spPr>
         <p:txBody>
-          <a:bodyPr anchor="b"/>
+          <a:bodyPr anchor="b">
+            <a:noAutofit/>
+          </a:bodyPr>
           <a:lstStyle>
             <a:lvl1pPr marL="0" indent="0">
               <a:buNone/>
-              <a:defRPr sz="2400" b="1"/>
+              <a:defRPr sz="2400" b="0"/>
             </a:lvl1pPr>
             <a:lvl2pPr marL="457200" indent="0">
               <a:buNone/>
@@ -13936,13 +15934,7 @@
       </p:sp>
       <p:sp>
         <p:nvSpPr>
-          <p:cNvPr id="6" name="Inhaltsplatzhalter 5">
-            <a:extLst>
-              <a:ext uri="{FF2B5EF4-FFF2-40B4-BE49-F238E27FC236}">
-                <a16:creationId xmlns:a16="http://schemas.microsoft.com/office/drawing/2014/main" id="{1129E27F-B39B-4C70-AAEB-EDED5EF41504}"/>
-              </a:ext>
-            </a:extLst>
-          </p:cNvPr>
+          <p:cNvPr id="6" name="Content Placeholder 5"/>
           <p:cNvSpPr>
             <a:spLocks noGrp="1"/>
           </p:cNvSpPr>
@@ -13952,12 +15944,14 @@
         </p:nvSpPr>
         <p:spPr>
           <a:xfrm>
-            <a:off x="6172200" y="2505075"/>
-            <a:ext cx="5183188" cy="3684588"/>
+            <a:off x="5088384" y="2737245"/>
+            <a:ext cx="4185617" cy="3304117"/>
           </a:xfrm>
         </p:spPr>
         <p:txBody>
-          <a:bodyPr/>
+          <a:bodyPr>
+            <a:normAutofit/>
+          </a:bodyPr>
           <a:lstStyle/>
           <a:p>
             <a:pPr lvl="0"/>
@@ -13993,18 +15987,13 @@
               <a:rPr lang="de-DE"/>
               <a:t>Fünfte Ebene</a:t>
             </a:r>
+            <a:endParaRPr lang="en-US" dirty="0"/>
           </a:p>
         </p:txBody>
       </p:sp>
       <p:sp>
         <p:nvSpPr>
-          <p:cNvPr id="7" name="Datumsplatzhalter 6">
-            <a:extLst>
-              <a:ext uri="{FF2B5EF4-FFF2-40B4-BE49-F238E27FC236}">
-                <a16:creationId xmlns:a16="http://schemas.microsoft.com/office/drawing/2014/main" id="{3ACB0C0C-2E67-40FD-AD6F-82D099939CAC}"/>
-              </a:ext>
-            </a:extLst>
-          </p:cNvPr>
+          <p:cNvPr id="7" name="Date Placeholder 6"/>
           <p:cNvSpPr>
             <a:spLocks noGrp="1"/>
           </p:cNvSpPr>
@@ -14027,13 +16016,7 @@
       </p:sp>
       <p:sp>
         <p:nvSpPr>
-          <p:cNvPr id="8" name="Fußzeilenplatzhalter 7">
-            <a:extLst>
-              <a:ext uri="{FF2B5EF4-FFF2-40B4-BE49-F238E27FC236}">
-                <a16:creationId xmlns:a16="http://schemas.microsoft.com/office/drawing/2014/main" id="{DBFDBFE6-4441-4A32-8E01-B7B9DB555F3D}"/>
-              </a:ext>
-            </a:extLst>
-          </p:cNvPr>
+          <p:cNvPr id="8" name="Footer Placeholder 7"/>
           <p:cNvSpPr>
             <a:spLocks noGrp="1"/>
           </p:cNvSpPr>
@@ -14052,13 +16035,7 @@
       </p:sp>
       <p:sp>
         <p:nvSpPr>
-          <p:cNvPr id="9" name="Foliennummernplatzhalter 8">
-            <a:extLst>
-              <a:ext uri="{FF2B5EF4-FFF2-40B4-BE49-F238E27FC236}">
-                <a16:creationId xmlns:a16="http://schemas.microsoft.com/office/drawing/2014/main" id="{8FE64188-202F-4F49-97BA-8918FBD1A9EB}"/>
-              </a:ext>
-            </a:extLst>
-          </p:cNvPr>
+          <p:cNvPr id="9" name="Slide Number Placeholder 8"/>
           <p:cNvSpPr>
             <a:spLocks noGrp="1"/>
           </p:cNvSpPr>
@@ -14082,13 +16059,18 @@
     </p:spTree>
     <p:extLst>
       <p:ext uri="{BB962C8B-B14F-4D97-AF65-F5344CB8AC3E}">
-        <p14:creationId xmlns:p14="http://schemas.microsoft.com/office/powerpoint/2010/main" val="2716533380"/>
+        <p14:creationId xmlns:p14="http://schemas.microsoft.com/office/powerpoint/2010/main" val="3110978117"/>
       </p:ext>
     </p:extLst>
   </p:cSld>
   <p:clrMapOvr>
     <a:masterClrMapping/>
   </p:clrMapOvr>
+  <p:extLst>
+    <p:ext uri="{DCECCB84-F9BA-43D5-87BE-67443E8EF086}">
+      <p15:sldGuideLst xmlns:p15="http://schemas.microsoft.com/office/powerpoint/2012/main"/>
+    </p:ext>
+  </p:extLst>
 </p:sldLayout>
 </file>
 
@@ -14111,13 +16093,7 @@
       </p:grpSpPr>
       <p:sp>
         <p:nvSpPr>
-          <p:cNvPr id="2" name="Titel 1">
-            <a:extLst>
-              <a:ext uri="{FF2B5EF4-FFF2-40B4-BE49-F238E27FC236}">
-                <a16:creationId xmlns:a16="http://schemas.microsoft.com/office/drawing/2014/main" id="{706C12E0-1979-494A-87BA-35771F4D3E76}"/>
-              </a:ext>
-            </a:extLst>
-          </p:cNvPr>
+          <p:cNvPr id="2" name="Title 1"/>
           <p:cNvSpPr>
             <a:spLocks noGrp="1"/>
           </p:cNvSpPr>
@@ -14125,7 +16101,12 @@
             <p:ph type="title"/>
           </p:nvPr>
         </p:nvSpPr>
-        <p:spPr/>
+        <p:spPr>
+          <a:xfrm>
+            <a:off x="677334" y="609600"/>
+            <a:ext cx="8596668" cy="1320800"/>
+          </a:xfrm>
+        </p:spPr>
         <p:txBody>
           <a:bodyPr/>
           <a:lstStyle/>
@@ -14134,18 +16115,13 @@
               <a:rPr lang="de-DE"/>
               <a:t>Mastertitelformat bearbeiten</a:t>
             </a:r>
+            <a:endParaRPr lang="en-US" dirty="0"/>
           </a:p>
         </p:txBody>
       </p:sp>
       <p:sp>
         <p:nvSpPr>
-          <p:cNvPr id="3" name="Datumsplatzhalter 2">
-            <a:extLst>
-              <a:ext uri="{FF2B5EF4-FFF2-40B4-BE49-F238E27FC236}">
-                <a16:creationId xmlns:a16="http://schemas.microsoft.com/office/drawing/2014/main" id="{2ED12879-C0D0-4364-A271-8050DF82338C}"/>
-              </a:ext>
-            </a:extLst>
-          </p:cNvPr>
+          <p:cNvPr id="3" name="Date Placeholder 2"/>
           <p:cNvSpPr>
             <a:spLocks noGrp="1"/>
           </p:cNvSpPr>
@@ -14168,13 +16144,7 @@
       </p:sp>
       <p:sp>
         <p:nvSpPr>
-          <p:cNvPr id="4" name="Fußzeilenplatzhalter 3">
-            <a:extLst>
-              <a:ext uri="{FF2B5EF4-FFF2-40B4-BE49-F238E27FC236}">
-                <a16:creationId xmlns:a16="http://schemas.microsoft.com/office/drawing/2014/main" id="{0E79AD4B-E728-402C-95C9-1B2D038A6177}"/>
-              </a:ext>
-            </a:extLst>
-          </p:cNvPr>
+          <p:cNvPr id="4" name="Footer Placeholder 3"/>
           <p:cNvSpPr>
             <a:spLocks noGrp="1"/>
           </p:cNvSpPr>
@@ -14193,13 +16163,7 @@
       </p:sp>
       <p:sp>
         <p:nvSpPr>
-          <p:cNvPr id="5" name="Foliennummernplatzhalter 4">
-            <a:extLst>
-              <a:ext uri="{FF2B5EF4-FFF2-40B4-BE49-F238E27FC236}">
-                <a16:creationId xmlns:a16="http://schemas.microsoft.com/office/drawing/2014/main" id="{729AD6FF-31BD-46D9-B374-B203CF42C9A9}"/>
-              </a:ext>
-            </a:extLst>
-          </p:cNvPr>
+          <p:cNvPr id="5" name="Slide Number Placeholder 4"/>
           <p:cNvSpPr>
             <a:spLocks noGrp="1"/>
           </p:cNvSpPr>
@@ -14223,7 +16187,7 @@
     </p:spTree>
     <p:extLst>
       <p:ext uri="{BB962C8B-B14F-4D97-AF65-F5344CB8AC3E}">
-        <p14:creationId xmlns:p14="http://schemas.microsoft.com/office/powerpoint/2010/main" val="1475090181"/>
+        <p14:creationId xmlns:p14="http://schemas.microsoft.com/office/powerpoint/2010/main" val="3561233322"/>
       </p:ext>
     </p:extLst>
   </p:cSld>
@@ -14252,13 +16216,7 @@
       </p:grpSpPr>
       <p:sp>
         <p:nvSpPr>
-          <p:cNvPr id="2" name="Datumsplatzhalter 1">
-            <a:extLst>
-              <a:ext uri="{FF2B5EF4-FFF2-40B4-BE49-F238E27FC236}">
-                <a16:creationId xmlns:a16="http://schemas.microsoft.com/office/drawing/2014/main" id="{E2AB0036-9913-4570-99FA-F18604671413}"/>
-              </a:ext>
-            </a:extLst>
-          </p:cNvPr>
+          <p:cNvPr id="2" name="Date Placeholder 1"/>
           <p:cNvSpPr>
             <a:spLocks noGrp="1"/>
           </p:cNvSpPr>
@@ -14281,13 +16239,7 @@
       </p:sp>
       <p:sp>
         <p:nvSpPr>
-          <p:cNvPr id="3" name="Fußzeilenplatzhalter 2">
-            <a:extLst>
-              <a:ext uri="{FF2B5EF4-FFF2-40B4-BE49-F238E27FC236}">
-                <a16:creationId xmlns:a16="http://schemas.microsoft.com/office/drawing/2014/main" id="{4F318D5E-6970-45DA-B2F0-BAC69E9F09F6}"/>
-              </a:ext>
-            </a:extLst>
-          </p:cNvPr>
+          <p:cNvPr id="3" name="Footer Placeholder 2"/>
           <p:cNvSpPr>
             <a:spLocks noGrp="1"/>
           </p:cNvSpPr>
@@ -14306,13 +16258,7 @@
       </p:sp>
       <p:sp>
         <p:nvSpPr>
-          <p:cNvPr id="4" name="Foliennummernplatzhalter 3">
-            <a:extLst>
-              <a:ext uri="{FF2B5EF4-FFF2-40B4-BE49-F238E27FC236}">
-                <a16:creationId xmlns:a16="http://schemas.microsoft.com/office/drawing/2014/main" id="{946A90F8-9DA7-4304-B829-6ECF30B055E2}"/>
-              </a:ext>
-            </a:extLst>
-          </p:cNvPr>
+          <p:cNvPr id="4" name="Slide Number Placeholder 3"/>
           <p:cNvSpPr>
             <a:spLocks noGrp="1"/>
           </p:cNvSpPr>
@@ -14336,7 +16282,7 @@
     </p:spTree>
     <p:extLst>
       <p:ext uri="{BB962C8B-B14F-4D97-AF65-F5344CB8AC3E}">
-        <p14:creationId xmlns:p14="http://schemas.microsoft.com/office/powerpoint/2010/main" val="2754661715"/>
+        <p14:creationId xmlns:p14="http://schemas.microsoft.com/office/powerpoint/2010/main" val="776050434"/>
       </p:ext>
     </p:extLst>
   </p:cSld>
@@ -14365,13 +16311,7 @@
       </p:grpSpPr>
       <p:sp>
         <p:nvSpPr>
-          <p:cNvPr id="2" name="Titel 1">
-            <a:extLst>
-              <a:ext uri="{FF2B5EF4-FFF2-40B4-BE49-F238E27FC236}">
-                <a16:creationId xmlns:a16="http://schemas.microsoft.com/office/drawing/2014/main" id="{14181225-1FB2-4899-A615-51364A2C062A}"/>
-              </a:ext>
-            </a:extLst>
-          </p:cNvPr>
+          <p:cNvPr id="2" name="Title 1"/>
           <p:cNvSpPr>
             <a:spLocks noGrp="1"/>
           </p:cNvSpPr>
@@ -14381,15 +16321,17 @@
         </p:nvSpPr>
         <p:spPr>
           <a:xfrm>
-            <a:off x="839788" y="457200"/>
-            <a:ext cx="3932237" cy="1600200"/>
+            <a:off x="677334" y="1498604"/>
+            <a:ext cx="3854528" cy="1278466"/>
           </a:xfrm>
         </p:spPr>
         <p:txBody>
-          <a:bodyPr anchor="b"/>
+          <a:bodyPr anchor="b">
+            <a:normAutofit/>
+          </a:bodyPr>
           <a:lstStyle>
             <a:lvl1pPr>
-              <a:defRPr sz="3200"/>
+              <a:defRPr sz="2000"/>
             </a:lvl1pPr>
           </a:lstStyle>
           <a:p>
@@ -14397,18 +16339,13 @@
               <a:rPr lang="de-DE"/>
               <a:t>Mastertitelformat bearbeiten</a:t>
             </a:r>
+            <a:endParaRPr lang="en-US" dirty="0"/>
           </a:p>
         </p:txBody>
       </p:sp>
       <p:sp>
         <p:nvSpPr>
-          <p:cNvPr id="3" name="Inhaltsplatzhalter 2">
-            <a:extLst>
-              <a:ext uri="{FF2B5EF4-FFF2-40B4-BE49-F238E27FC236}">
-                <a16:creationId xmlns:a16="http://schemas.microsoft.com/office/drawing/2014/main" id="{A776D785-CDD0-4990-9B6E-024292BAA853}"/>
-              </a:ext>
-            </a:extLst>
-          </p:cNvPr>
+          <p:cNvPr id="3" name="Content Placeholder 2"/>
           <p:cNvSpPr>
             <a:spLocks noGrp="1"/>
           </p:cNvSpPr>
@@ -14418,41 +16355,15 @@
         </p:nvSpPr>
         <p:spPr>
           <a:xfrm>
-            <a:off x="5183188" y="987425"/>
-            <a:ext cx="6172200" cy="4873625"/>
+            <a:off x="4760461" y="514924"/>
+            <a:ext cx="4513541" cy="5526437"/>
           </a:xfrm>
         </p:spPr>
         <p:txBody>
-          <a:bodyPr/>
-          <a:lstStyle>
-            <a:lvl1pPr>
-              <a:defRPr sz="3200"/>
-            </a:lvl1pPr>
-            <a:lvl2pPr>
-              <a:defRPr sz="2800"/>
-            </a:lvl2pPr>
-            <a:lvl3pPr>
-              <a:defRPr sz="2400"/>
-            </a:lvl3pPr>
-            <a:lvl4pPr>
-              <a:defRPr sz="2000"/>
-            </a:lvl4pPr>
-            <a:lvl5pPr>
-              <a:defRPr sz="2000"/>
-            </a:lvl5pPr>
-            <a:lvl6pPr>
-              <a:defRPr sz="2000"/>
-            </a:lvl6pPr>
-            <a:lvl7pPr>
-              <a:defRPr sz="2000"/>
-            </a:lvl7pPr>
-            <a:lvl8pPr>
-              <a:defRPr sz="2000"/>
-            </a:lvl8pPr>
-            <a:lvl9pPr>
-              <a:defRPr sz="2000"/>
-            </a:lvl9pPr>
-          </a:lstStyle>
+          <a:bodyPr>
+            <a:normAutofit/>
+          </a:bodyPr>
+          <a:lstStyle/>
           <a:p>
             <a:pPr lvl="0"/>
             <a:r>
@@ -14487,18 +16398,13 @@
               <a:rPr lang="de-DE"/>
               <a:t>Fünfte Ebene</a:t>
             </a:r>
+            <a:endParaRPr lang="en-US" dirty="0"/>
           </a:p>
         </p:txBody>
       </p:sp>
       <p:sp>
         <p:nvSpPr>
-          <p:cNvPr id="4" name="Textplatzhalter 3">
-            <a:extLst>
-              <a:ext uri="{FF2B5EF4-FFF2-40B4-BE49-F238E27FC236}">
-                <a16:creationId xmlns:a16="http://schemas.microsoft.com/office/drawing/2014/main" id="{6DA4B840-77FE-477A-A863-AA523697C083}"/>
-              </a:ext>
-            </a:extLst>
-          </p:cNvPr>
+          <p:cNvPr id="4" name="Text Placeholder 3"/>
           <p:cNvSpPr>
             <a:spLocks noGrp="1"/>
           </p:cNvSpPr>
@@ -14508,46 +16414,48 @@
         </p:nvSpPr>
         <p:spPr>
           <a:xfrm>
-            <a:off x="839788" y="2057400"/>
-            <a:ext cx="3932237" cy="3811588"/>
+            <a:off x="677334" y="2777069"/>
+            <a:ext cx="3854528" cy="2584449"/>
           </a:xfrm>
         </p:spPr>
         <p:txBody>
-          <a:bodyPr/>
+          <a:bodyPr>
+            <a:normAutofit/>
+          </a:bodyPr>
           <a:lstStyle>
             <a:lvl1pPr marL="0" indent="0">
               <a:buNone/>
-              <a:defRPr sz="1600"/>
+              <a:defRPr sz="1400"/>
             </a:lvl1pPr>
-            <a:lvl2pPr marL="457200" indent="0">
+            <a:lvl2pPr marL="457063" indent="0">
               <a:buNone/>
               <a:defRPr sz="1400"/>
             </a:lvl2pPr>
-            <a:lvl3pPr marL="914400" indent="0">
+            <a:lvl3pPr marL="914126" indent="0">
               <a:buNone/>
               <a:defRPr sz="1200"/>
             </a:lvl3pPr>
-            <a:lvl4pPr marL="1371600" indent="0">
+            <a:lvl4pPr marL="1371189" indent="0">
               <a:buNone/>
               <a:defRPr sz="1000"/>
             </a:lvl4pPr>
-            <a:lvl5pPr marL="1828800" indent="0">
+            <a:lvl5pPr marL="1828251" indent="0">
               <a:buNone/>
               <a:defRPr sz="1000"/>
             </a:lvl5pPr>
-            <a:lvl6pPr marL="2286000" indent="0">
+            <a:lvl6pPr marL="2285314" indent="0">
               <a:buNone/>
               <a:defRPr sz="1000"/>
             </a:lvl6pPr>
-            <a:lvl7pPr marL="2743200" indent="0">
+            <a:lvl7pPr marL="2742377" indent="0">
               <a:buNone/>
               <a:defRPr sz="1000"/>
             </a:lvl7pPr>
-            <a:lvl8pPr marL="3200400" indent="0">
+            <a:lvl8pPr marL="3199440" indent="0">
               <a:buNone/>
               <a:defRPr sz="1000"/>
             </a:lvl8pPr>
-            <a:lvl9pPr marL="3657600" indent="0">
+            <a:lvl9pPr marL="3656503" indent="0">
               <a:buNone/>
               <a:defRPr sz="1000"/>
             </a:lvl9pPr>
@@ -14563,13 +16471,7 @@
       </p:sp>
       <p:sp>
         <p:nvSpPr>
-          <p:cNvPr id="5" name="Datumsplatzhalter 4">
-            <a:extLst>
-              <a:ext uri="{FF2B5EF4-FFF2-40B4-BE49-F238E27FC236}">
-                <a16:creationId xmlns:a16="http://schemas.microsoft.com/office/drawing/2014/main" id="{20145E37-098D-476A-98E7-B28F32337D06}"/>
-              </a:ext>
-            </a:extLst>
-          </p:cNvPr>
+          <p:cNvPr id="5" name="Date Placeholder 4"/>
           <p:cNvSpPr>
             <a:spLocks noGrp="1"/>
           </p:cNvSpPr>
@@ -14592,13 +16494,7 @@
       </p:sp>
       <p:sp>
         <p:nvSpPr>
-          <p:cNvPr id="6" name="Fußzeilenplatzhalter 5">
-            <a:extLst>
-              <a:ext uri="{FF2B5EF4-FFF2-40B4-BE49-F238E27FC236}">
-                <a16:creationId xmlns:a16="http://schemas.microsoft.com/office/drawing/2014/main" id="{27B213B5-7F79-40CB-B092-41842222ECD9}"/>
-              </a:ext>
-            </a:extLst>
-          </p:cNvPr>
+          <p:cNvPr id="6" name="Footer Placeholder 5"/>
           <p:cNvSpPr>
             <a:spLocks noGrp="1"/>
           </p:cNvSpPr>
@@ -14617,13 +16513,7 @@
       </p:sp>
       <p:sp>
         <p:nvSpPr>
-          <p:cNvPr id="7" name="Foliennummernplatzhalter 6">
-            <a:extLst>
-              <a:ext uri="{FF2B5EF4-FFF2-40B4-BE49-F238E27FC236}">
-                <a16:creationId xmlns:a16="http://schemas.microsoft.com/office/drawing/2014/main" id="{B076BEE7-ABAA-42E4-BDC1-8AF90036BA55}"/>
-              </a:ext>
-            </a:extLst>
-          </p:cNvPr>
+          <p:cNvPr id="7" name="Slide Number Placeholder 6"/>
           <p:cNvSpPr>
             <a:spLocks noGrp="1"/>
           </p:cNvSpPr>
@@ -14647,13 +16537,18 @@
     </p:spTree>
     <p:extLst>
       <p:ext uri="{BB962C8B-B14F-4D97-AF65-F5344CB8AC3E}">
-        <p14:creationId xmlns:p14="http://schemas.microsoft.com/office/powerpoint/2010/main" val="3865195894"/>
+        <p14:creationId xmlns:p14="http://schemas.microsoft.com/office/powerpoint/2010/main" val="1912565157"/>
       </p:ext>
     </p:extLst>
   </p:cSld>
   <p:clrMapOvr>
     <a:masterClrMapping/>
   </p:clrMapOvr>
+  <p:extLst>
+    <p:ext uri="{DCECCB84-F9BA-43D5-87BE-67443E8EF086}">
+      <p15:sldGuideLst xmlns:p15="http://schemas.microsoft.com/office/powerpoint/2012/main"/>
+    </p:ext>
+  </p:extLst>
 </p:sldLayout>
 </file>
 
@@ -14676,13 +16571,7 @@
       </p:grpSpPr>
       <p:sp>
         <p:nvSpPr>
-          <p:cNvPr id="2" name="Titel 1">
-            <a:extLst>
-              <a:ext uri="{FF2B5EF4-FFF2-40B4-BE49-F238E27FC236}">
-                <a16:creationId xmlns:a16="http://schemas.microsoft.com/office/drawing/2014/main" id="{135FDC86-B3CC-453E-AB6E-BED73760079A}"/>
-              </a:ext>
-            </a:extLst>
-          </p:cNvPr>
+          <p:cNvPr id="2" name="Title 1"/>
           <p:cNvSpPr>
             <a:spLocks noGrp="1"/>
           </p:cNvSpPr>
@@ -14692,15 +16581,17 @@
         </p:nvSpPr>
         <p:spPr>
           <a:xfrm>
-            <a:off x="839788" y="457200"/>
-            <a:ext cx="3932237" cy="1600200"/>
+            <a:off x="677334" y="4800600"/>
+            <a:ext cx="8596667" cy="566738"/>
           </a:xfrm>
         </p:spPr>
         <p:txBody>
-          <a:bodyPr anchor="b"/>
+          <a:bodyPr anchor="b">
+            <a:normAutofit/>
+          </a:bodyPr>
           <a:lstStyle>
-            <a:lvl1pPr>
-              <a:defRPr sz="3200"/>
+            <a:lvl1pPr algn="l">
+              <a:defRPr sz="2400" b="0"/>
             </a:lvl1pPr>
           </a:lstStyle>
           <a:p>
@@ -14708,20 +16599,15 @@
               <a:rPr lang="de-DE"/>
               <a:t>Mastertitelformat bearbeiten</a:t>
             </a:r>
+            <a:endParaRPr lang="en-US" dirty="0"/>
           </a:p>
         </p:txBody>
       </p:sp>
       <p:sp>
         <p:nvSpPr>
-          <p:cNvPr id="3" name="Bildplatzhalter 2">
-            <a:extLst>
-              <a:ext uri="{FF2B5EF4-FFF2-40B4-BE49-F238E27FC236}">
-                <a16:creationId xmlns:a16="http://schemas.microsoft.com/office/drawing/2014/main" id="{DC48B79E-A923-4E12-84A9-B4D81626044B}"/>
-              </a:ext>
-            </a:extLst>
-          </p:cNvPr>
+          <p:cNvPr id="3" name="Picture Placeholder 2"/>
           <p:cNvSpPr>
-            <a:spLocks noGrp="1"/>
+            <a:spLocks noGrp="1" noChangeAspect="1"/>
           </p:cNvSpPr>
           <p:nvPr>
             <p:ph type="pic" idx="1"/>
@@ -14729,64 +16615,64 @@
         </p:nvSpPr>
         <p:spPr>
           <a:xfrm>
-            <a:off x="5183188" y="987425"/>
-            <a:ext cx="6172200" cy="4873625"/>
+            <a:off x="677334" y="609600"/>
+            <a:ext cx="8596668" cy="3845718"/>
           </a:xfrm>
         </p:spPr>
         <p:txBody>
-          <a:bodyPr/>
+          <a:bodyPr anchor="t">
+            <a:normAutofit/>
+          </a:bodyPr>
           <a:lstStyle>
-            <a:lvl1pPr marL="0" indent="0">
+            <a:lvl1pPr marL="0" indent="0" algn="ctr">
               <a:buNone/>
-              <a:defRPr sz="3200"/>
+              <a:defRPr sz="1600"/>
             </a:lvl1pPr>
             <a:lvl2pPr marL="457200" indent="0">
               <a:buNone/>
-              <a:defRPr sz="2800"/>
+              <a:defRPr sz="1600"/>
             </a:lvl2pPr>
             <a:lvl3pPr marL="914400" indent="0">
               <a:buNone/>
-              <a:defRPr sz="2400"/>
+              <a:defRPr sz="1600"/>
             </a:lvl3pPr>
             <a:lvl4pPr marL="1371600" indent="0">
               <a:buNone/>
-              <a:defRPr sz="2000"/>
+              <a:defRPr sz="1600"/>
             </a:lvl4pPr>
             <a:lvl5pPr marL="1828800" indent="0">
               <a:buNone/>
-              <a:defRPr sz="2000"/>
+              <a:defRPr sz="1600"/>
             </a:lvl5pPr>
             <a:lvl6pPr marL="2286000" indent="0">
               <a:buNone/>
-              <a:defRPr sz="2000"/>
+              <a:defRPr sz="1600"/>
             </a:lvl6pPr>
             <a:lvl7pPr marL="2743200" indent="0">
               <a:buNone/>
-              <a:defRPr sz="2000"/>
+              <a:defRPr sz="1600"/>
             </a:lvl7pPr>
             <a:lvl8pPr marL="3200400" indent="0">
               <a:buNone/>
-              <a:defRPr sz="2000"/>
+              <a:defRPr sz="1600"/>
             </a:lvl8pPr>
             <a:lvl9pPr marL="3657600" indent="0">
               <a:buNone/>
-              <a:defRPr sz="2000"/>
+              <a:defRPr sz="1600"/>
             </a:lvl9pPr>
           </a:lstStyle>
           <a:p>
-            <a:endParaRPr lang="de-DE"/>
+            <a:r>
+              <a:rPr lang="de-DE"/>
+              <a:t>Bild durch Klicken auf Symbol hinzufügen</a:t>
+            </a:r>
+            <a:endParaRPr lang="en-US" dirty="0"/>
           </a:p>
         </p:txBody>
       </p:sp>
       <p:sp>
         <p:nvSpPr>
-          <p:cNvPr id="4" name="Textplatzhalter 3">
-            <a:extLst>
-              <a:ext uri="{FF2B5EF4-FFF2-40B4-BE49-F238E27FC236}">
-                <a16:creationId xmlns:a16="http://schemas.microsoft.com/office/drawing/2014/main" id="{EF235064-6D09-47F9-A2B3-D8AA8B8162EF}"/>
-              </a:ext>
-            </a:extLst>
-          </p:cNvPr>
+          <p:cNvPr id="4" name="Text Placeholder 3"/>
           <p:cNvSpPr>
             <a:spLocks noGrp="1"/>
           </p:cNvSpPr>
@@ -14796,48 +16682,50 @@
         </p:nvSpPr>
         <p:spPr>
           <a:xfrm>
-            <a:off x="839788" y="2057400"/>
-            <a:ext cx="3932237" cy="3811588"/>
+            <a:off x="677334" y="5367338"/>
+            <a:ext cx="8596667" cy="674024"/>
           </a:xfrm>
         </p:spPr>
         <p:txBody>
-          <a:bodyPr/>
+          <a:bodyPr>
+            <a:normAutofit/>
+          </a:bodyPr>
           <a:lstStyle>
             <a:lvl1pPr marL="0" indent="0">
               <a:buNone/>
-              <a:defRPr sz="1600"/>
+              <a:defRPr sz="1200"/>
             </a:lvl1pPr>
             <a:lvl2pPr marL="457200" indent="0">
               <a:buNone/>
-              <a:defRPr sz="1400"/>
+              <a:defRPr sz="1200"/>
             </a:lvl2pPr>
             <a:lvl3pPr marL="914400" indent="0">
               <a:buNone/>
-              <a:defRPr sz="1200"/>
+              <a:defRPr sz="1000"/>
             </a:lvl3pPr>
             <a:lvl4pPr marL="1371600" indent="0">
               <a:buNone/>
-              <a:defRPr sz="1000"/>
+              <a:defRPr sz="900"/>
             </a:lvl4pPr>
             <a:lvl5pPr marL="1828800" indent="0">
               <a:buNone/>
-              <a:defRPr sz="1000"/>
+              <a:defRPr sz="900"/>
             </a:lvl5pPr>
             <a:lvl6pPr marL="2286000" indent="0">
               <a:buNone/>
-              <a:defRPr sz="1000"/>
+              <a:defRPr sz="900"/>
             </a:lvl6pPr>
             <a:lvl7pPr marL="2743200" indent="0">
               <a:buNone/>
-              <a:defRPr sz="1000"/>
+              <a:defRPr sz="900"/>
             </a:lvl7pPr>
             <a:lvl8pPr marL="3200400" indent="0">
               <a:buNone/>
-              <a:defRPr sz="1000"/>
+              <a:defRPr sz="900"/>
             </a:lvl8pPr>
             <a:lvl9pPr marL="3657600" indent="0">
               <a:buNone/>
-              <a:defRPr sz="1000"/>
+              <a:defRPr sz="900"/>
             </a:lvl9pPr>
           </a:lstStyle>
           <a:p>
@@ -14851,13 +16739,7 @@
       </p:sp>
       <p:sp>
         <p:nvSpPr>
-          <p:cNvPr id="5" name="Datumsplatzhalter 4">
-            <a:extLst>
-              <a:ext uri="{FF2B5EF4-FFF2-40B4-BE49-F238E27FC236}">
-                <a16:creationId xmlns:a16="http://schemas.microsoft.com/office/drawing/2014/main" id="{3948E767-DE08-4C74-A668-6E644E8CDE33}"/>
-              </a:ext>
-            </a:extLst>
-          </p:cNvPr>
+          <p:cNvPr id="5" name="Date Placeholder 4"/>
           <p:cNvSpPr>
             <a:spLocks noGrp="1"/>
           </p:cNvSpPr>
@@ -14880,13 +16762,7 @@
       </p:sp>
       <p:sp>
         <p:nvSpPr>
-          <p:cNvPr id="6" name="Fußzeilenplatzhalter 5">
-            <a:extLst>
-              <a:ext uri="{FF2B5EF4-FFF2-40B4-BE49-F238E27FC236}">
-                <a16:creationId xmlns:a16="http://schemas.microsoft.com/office/drawing/2014/main" id="{E27278B6-6CA6-4FE2-8BE7-A9898E5BE8CE}"/>
-              </a:ext>
-            </a:extLst>
-          </p:cNvPr>
+          <p:cNvPr id="6" name="Footer Placeholder 5"/>
           <p:cNvSpPr>
             <a:spLocks noGrp="1"/>
           </p:cNvSpPr>
@@ -14905,13 +16781,7 @@
       </p:sp>
       <p:sp>
         <p:nvSpPr>
-          <p:cNvPr id="7" name="Foliennummernplatzhalter 6">
-            <a:extLst>
-              <a:ext uri="{FF2B5EF4-FFF2-40B4-BE49-F238E27FC236}">
-                <a16:creationId xmlns:a16="http://schemas.microsoft.com/office/drawing/2014/main" id="{3AD47ACA-0A87-4791-A2F5-B6DD8DF1BE4B}"/>
-              </a:ext>
-            </a:extLst>
-          </p:cNvPr>
+          <p:cNvPr id="7" name="Slide Number Placeholder 6"/>
           <p:cNvSpPr>
             <a:spLocks noGrp="1"/>
           </p:cNvSpPr>
@@ -14935,7 +16805,7 @@
     </p:spTree>
     <p:extLst>
       <p:ext uri="{BB962C8B-B14F-4D97-AF65-F5344CB8AC3E}">
-        <p14:creationId xmlns:p14="http://schemas.microsoft.com/office/powerpoint/2010/main" val="4079767715"/>
+        <p14:creationId xmlns:p14="http://schemas.microsoft.com/office/powerpoint/2010/main" val="1058361921"/>
       </p:ext>
     </p:extLst>
   </p:cSld>
@@ -14950,7 +16820,7 @@
   <p:cSld>
     <p:bg>
       <p:bgRef idx="1001">
-        <a:schemeClr val="bg1"/>
+        <a:schemeClr val="bg2"/>
       </p:bgRef>
     </p:bg>
     <p:spTree>
@@ -14967,15 +16837,541 @@
           <a:chExt cx="0" cy="0"/>
         </a:xfrm>
       </p:grpSpPr>
+      <p:grpSp>
+        <p:nvGrpSpPr>
+          <p:cNvPr id="8" name="Group 7"/>
+          <p:cNvGrpSpPr/>
+          <p:nvPr/>
+        </p:nvGrpSpPr>
+        <p:grpSpPr>
+          <a:xfrm>
+            <a:off x="0" y="-8467"/>
+            <a:ext cx="12192000" cy="6866467"/>
+            <a:chOff x="0" y="-8467"/>
+            <a:chExt cx="12192000" cy="6866467"/>
+          </a:xfrm>
+        </p:grpSpPr>
+        <p:cxnSp>
+          <p:nvCxnSpPr>
+            <p:cNvPr id="20" name="Straight Connector 19"/>
+            <p:cNvCxnSpPr/>
+            <p:nvPr/>
+          </p:nvCxnSpPr>
+          <p:spPr>
+            <a:xfrm>
+              <a:off x="9371012" y="0"/>
+              <a:ext cx="1219200" cy="6858000"/>
+            </a:xfrm>
+            <a:prstGeom prst="line">
+              <a:avLst/>
+            </a:prstGeom>
+            <a:ln w="9525">
+              <a:solidFill>
+                <a:schemeClr val="bg1">
+                  <a:lumMod val="85000"/>
+                  <a:lumOff val="15000"/>
+                </a:schemeClr>
+              </a:solidFill>
+            </a:ln>
+          </p:spPr>
+          <p:style>
+            <a:lnRef idx="2">
+              <a:schemeClr val="accent1"/>
+            </a:lnRef>
+            <a:fillRef idx="0">
+              <a:schemeClr val="accent1"/>
+            </a:fillRef>
+            <a:effectRef idx="1">
+              <a:schemeClr val="accent1"/>
+            </a:effectRef>
+            <a:fontRef idx="minor">
+              <a:schemeClr val="tx1"/>
+            </a:fontRef>
+          </p:style>
+        </p:cxnSp>
+        <p:cxnSp>
+          <p:nvCxnSpPr>
+            <p:cNvPr id="21" name="Straight Connector 20"/>
+            <p:cNvCxnSpPr/>
+            <p:nvPr/>
+          </p:nvCxnSpPr>
+          <p:spPr>
+            <a:xfrm flipH="1">
+              <a:off x="7425267" y="3681413"/>
+              <a:ext cx="4763558" cy="3176587"/>
+            </a:xfrm>
+            <a:prstGeom prst="line">
+              <a:avLst/>
+            </a:prstGeom>
+            <a:ln w="9525">
+              <a:solidFill>
+                <a:schemeClr val="bg1">
+                  <a:lumMod val="85000"/>
+                  <a:lumOff val="15000"/>
+                </a:schemeClr>
+              </a:solidFill>
+            </a:ln>
+          </p:spPr>
+          <p:style>
+            <a:lnRef idx="2">
+              <a:schemeClr val="accent1"/>
+            </a:lnRef>
+            <a:fillRef idx="0">
+              <a:schemeClr val="accent1"/>
+            </a:fillRef>
+            <a:effectRef idx="1">
+              <a:schemeClr val="accent1"/>
+            </a:effectRef>
+            <a:fontRef idx="minor">
+              <a:schemeClr val="tx1"/>
+            </a:fontRef>
+          </p:style>
+        </p:cxnSp>
+        <p:sp>
+          <p:nvSpPr>
+            <p:cNvPr id="22" name="Rectangle 23"/>
+            <p:cNvSpPr/>
+            <p:nvPr/>
+          </p:nvSpPr>
+          <p:spPr>
+            <a:xfrm>
+              <a:off x="9181476" y="-8467"/>
+              <a:ext cx="3007349" cy="6866467"/>
+            </a:xfrm>
+            <a:custGeom>
+              <a:avLst/>
+              <a:gdLst/>
+              <a:ahLst/>
+              <a:cxnLst/>
+              <a:rect l="l" t="t" r="r" b="b"/>
+              <a:pathLst>
+                <a:path w="3007349" h="6866467">
+                  <a:moveTo>
+                    <a:pt x="2045532" y="0"/>
+                  </a:moveTo>
+                  <a:lnTo>
+                    <a:pt x="3007349" y="0"/>
+                  </a:lnTo>
+                  <a:lnTo>
+                    <a:pt x="3007349" y="6866467"/>
+                  </a:lnTo>
+                  <a:lnTo>
+                    <a:pt x="0" y="6866467"/>
+                  </a:lnTo>
+                  <a:lnTo>
+                    <a:pt x="2045532" y="0"/>
+                  </a:lnTo>
+                  <a:close/>
+                </a:path>
+              </a:pathLst>
+            </a:custGeom>
+            <a:solidFill>
+              <a:schemeClr val="accent1">
+                <a:alpha val="30000"/>
+              </a:schemeClr>
+            </a:solidFill>
+            <a:ln>
+              <a:noFill/>
+            </a:ln>
+            <a:effectLst/>
+          </p:spPr>
+          <p:style>
+            <a:lnRef idx="1">
+              <a:schemeClr val="accent1"/>
+            </a:lnRef>
+            <a:fillRef idx="3">
+              <a:schemeClr val="accent1"/>
+            </a:fillRef>
+            <a:effectRef idx="2">
+              <a:schemeClr val="accent1"/>
+            </a:effectRef>
+            <a:fontRef idx="minor">
+              <a:schemeClr val="lt1"/>
+            </a:fontRef>
+          </p:style>
+        </p:sp>
+        <p:sp>
+          <p:nvSpPr>
+            <p:cNvPr id="23" name="Rectangle 25"/>
+            <p:cNvSpPr/>
+            <p:nvPr/>
+          </p:nvSpPr>
+          <p:spPr>
+            <a:xfrm>
+              <a:off x="9603442" y="-8467"/>
+              <a:ext cx="2588558" cy="6866467"/>
+            </a:xfrm>
+            <a:custGeom>
+              <a:avLst/>
+              <a:gdLst/>
+              <a:ahLst/>
+              <a:cxnLst/>
+              <a:rect l="l" t="t" r="r" b="b"/>
+              <a:pathLst>
+                <a:path w="2573311" h="6866467">
+                  <a:moveTo>
+                    <a:pt x="0" y="0"/>
+                  </a:moveTo>
+                  <a:lnTo>
+                    <a:pt x="2573311" y="0"/>
+                  </a:lnTo>
+                  <a:lnTo>
+                    <a:pt x="2573311" y="6866467"/>
+                  </a:lnTo>
+                  <a:lnTo>
+                    <a:pt x="1202336" y="6866467"/>
+                  </a:lnTo>
+                  <a:lnTo>
+                    <a:pt x="0" y="0"/>
+                  </a:lnTo>
+                  <a:close/>
+                </a:path>
+              </a:pathLst>
+            </a:custGeom>
+            <a:solidFill>
+              <a:schemeClr val="accent1">
+                <a:alpha val="20000"/>
+              </a:schemeClr>
+            </a:solidFill>
+            <a:ln>
+              <a:noFill/>
+            </a:ln>
+            <a:effectLst/>
+          </p:spPr>
+          <p:style>
+            <a:lnRef idx="1">
+              <a:schemeClr val="accent1"/>
+            </a:lnRef>
+            <a:fillRef idx="3">
+              <a:schemeClr val="accent1"/>
+            </a:fillRef>
+            <a:effectRef idx="2">
+              <a:schemeClr val="accent1"/>
+            </a:effectRef>
+            <a:fontRef idx="minor">
+              <a:schemeClr val="lt1"/>
+            </a:fontRef>
+          </p:style>
+        </p:sp>
+        <p:sp>
+          <p:nvSpPr>
+            <p:cNvPr id="24" name="Isosceles Triangle 23"/>
+            <p:cNvSpPr/>
+            <p:nvPr/>
+          </p:nvSpPr>
+          <p:spPr>
+            <a:xfrm>
+              <a:off x="8932333" y="3048000"/>
+              <a:ext cx="3259667" cy="3810000"/>
+            </a:xfrm>
+            <a:prstGeom prst="triangle">
+              <a:avLst>
+                <a:gd name="adj" fmla="val 100000"/>
+              </a:avLst>
+            </a:prstGeom>
+            <a:solidFill>
+              <a:schemeClr val="accent2">
+                <a:alpha val="72000"/>
+              </a:schemeClr>
+            </a:solidFill>
+            <a:ln>
+              <a:noFill/>
+            </a:ln>
+            <a:effectLst/>
+          </p:spPr>
+          <p:style>
+            <a:lnRef idx="1">
+              <a:schemeClr val="accent1"/>
+            </a:lnRef>
+            <a:fillRef idx="3">
+              <a:schemeClr val="accent1"/>
+            </a:fillRef>
+            <a:effectRef idx="2">
+              <a:schemeClr val="accent1"/>
+            </a:effectRef>
+            <a:fontRef idx="minor">
+              <a:schemeClr val="lt1"/>
+            </a:fontRef>
+          </p:style>
+        </p:sp>
+        <p:sp>
+          <p:nvSpPr>
+            <p:cNvPr id="25" name="Rectangle 27"/>
+            <p:cNvSpPr/>
+            <p:nvPr/>
+          </p:nvSpPr>
+          <p:spPr>
+            <a:xfrm>
+              <a:off x="9334500" y="-8467"/>
+              <a:ext cx="2854326" cy="6866467"/>
+            </a:xfrm>
+            <a:custGeom>
+              <a:avLst/>
+              <a:gdLst/>
+              <a:ahLst/>
+              <a:cxnLst/>
+              <a:rect l="l" t="t" r="r" b="b"/>
+              <a:pathLst>
+                <a:path w="2858013" h="6866467">
+                  <a:moveTo>
+                    <a:pt x="0" y="0"/>
+                  </a:moveTo>
+                  <a:lnTo>
+                    <a:pt x="2858013" y="0"/>
+                  </a:lnTo>
+                  <a:lnTo>
+                    <a:pt x="2858013" y="6866467"/>
+                  </a:lnTo>
+                  <a:lnTo>
+                    <a:pt x="2473942" y="6866467"/>
+                  </a:lnTo>
+                  <a:lnTo>
+                    <a:pt x="0" y="0"/>
+                  </a:lnTo>
+                  <a:close/>
+                </a:path>
+              </a:pathLst>
+            </a:custGeom>
+            <a:solidFill>
+              <a:schemeClr val="accent2">
+                <a:lumMod val="75000"/>
+                <a:alpha val="70000"/>
+              </a:schemeClr>
+            </a:solidFill>
+            <a:ln>
+              <a:noFill/>
+            </a:ln>
+            <a:effectLst/>
+          </p:spPr>
+          <p:style>
+            <a:lnRef idx="1">
+              <a:schemeClr val="accent1"/>
+            </a:lnRef>
+            <a:fillRef idx="3">
+              <a:schemeClr val="accent1"/>
+            </a:fillRef>
+            <a:effectRef idx="2">
+              <a:schemeClr val="accent1"/>
+            </a:effectRef>
+            <a:fontRef idx="minor">
+              <a:schemeClr val="lt1"/>
+            </a:fontRef>
+          </p:style>
+        </p:sp>
+        <p:sp>
+          <p:nvSpPr>
+            <p:cNvPr id="26" name="Rectangle 28"/>
+            <p:cNvSpPr/>
+            <p:nvPr/>
+          </p:nvSpPr>
+          <p:spPr>
+            <a:xfrm>
+              <a:off x="10898730" y="-8467"/>
+              <a:ext cx="1290094" cy="6866467"/>
+            </a:xfrm>
+            <a:custGeom>
+              <a:avLst/>
+              <a:gdLst/>
+              <a:ahLst/>
+              <a:cxnLst/>
+              <a:rect l="l" t="t" r="r" b="b"/>
+              <a:pathLst>
+                <a:path w="1290094" h="6858000">
+                  <a:moveTo>
+                    <a:pt x="1019735" y="0"/>
+                  </a:moveTo>
+                  <a:lnTo>
+                    <a:pt x="1290094" y="0"/>
+                  </a:lnTo>
+                  <a:lnTo>
+                    <a:pt x="1290094" y="6858000"/>
+                  </a:lnTo>
+                  <a:lnTo>
+                    <a:pt x="0" y="6858000"/>
+                  </a:lnTo>
+                  <a:lnTo>
+                    <a:pt x="1019735" y="0"/>
+                  </a:lnTo>
+                  <a:close/>
+                </a:path>
+              </a:pathLst>
+            </a:custGeom>
+            <a:solidFill>
+              <a:schemeClr val="accent1">
+                <a:lumMod val="60000"/>
+                <a:lumOff val="40000"/>
+                <a:alpha val="70000"/>
+              </a:schemeClr>
+            </a:solidFill>
+            <a:ln>
+              <a:noFill/>
+            </a:ln>
+            <a:effectLst/>
+          </p:spPr>
+          <p:style>
+            <a:lnRef idx="1">
+              <a:schemeClr val="accent1"/>
+            </a:lnRef>
+            <a:fillRef idx="3">
+              <a:schemeClr val="accent1"/>
+            </a:fillRef>
+            <a:effectRef idx="2">
+              <a:schemeClr val="accent1"/>
+            </a:effectRef>
+            <a:fontRef idx="minor">
+              <a:schemeClr val="lt1"/>
+            </a:fontRef>
+          </p:style>
+        </p:sp>
+        <p:sp>
+          <p:nvSpPr>
+            <p:cNvPr id="27" name="Rectangle 29"/>
+            <p:cNvSpPr/>
+            <p:nvPr/>
+          </p:nvSpPr>
+          <p:spPr>
+            <a:xfrm>
+              <a:off x="10938999" y="-8467"/>
+              <a:ext cx="1249825" cy="6866467"/>
+            </a:xfrm>
+            <a:custGeom>
+              <a:avLst/>
+              <a:gdLst/>
+              <a:ahLst/>
+              <a:cxnLst/>
+              <a:rect l="l" t="t" r="r" b="b"/>
+              <a:pathLst>
+                <a:path w="1249825" h="6858000">
+                  <a:moveTo>
+                    <a:pt x="0" y="0"/>
+                  </a:moveTo>
+                  <a:lnTo>
+                    <a:pt x="1249825" y="0"/>
+                  </a:lnTo>
+                  <a:lnTo>
+                    <a:pt x="1249825" y="6858000"/>
+                  </a:lnTo>
+                  <a:lnTo>
+                    <a:pt x="1109382" y="6858000"/>
+                  </a:lnTo>
+                  <a:lnTo>
+                    <a:pt x="0" y="0"/>
+                  </a:lnTo>
+                  <a:close/>
+                </a:path>
+              </a:pathLst>
+            </a:custGeom>
+            <a:solidFill>
+              <a:schemeClr val="accent1">
+                <a:alpha val="65000"/>
+              </a:schemeClr>
+            </a:solidFill>
+            <a:ln>
+              <a:noFill/>
+            </a:ln>
+            <a:effectLst/>
+          </p:spPr>
+          <p:style>
+            <a:lnRef idx="1">
+              <a:schemeClr val="accent1"/>
+            </a:lnRef>
+            <a:fillRef idx="3">
+              <a:schemeClr val="accent1"/>
+            </a:fillRef>
+            <a:effectRef idx="2">
+              <a:schemeClr val="accent1"/>
+            </a:effectRef>
+            <a:fontRef idx="minor">
+              <a:schemeClr val="lt1"/>
+            </a:fontRef>
+          </p:style>
+        </p:sp>
+        <p:sp>
+          <p:nvSpPr>
+            <p:cNvPr id="28" name="Isosceles Triangle 27"/>
+            <p:cNvSpPr/>
+            <p:nvPr/>
+          </p:nvSpPr>
+          <p:spPr>
+            <a:xfrm>
+              <a:off x="10371666" y="3589867"/>
+              <a:ext cx="1817159" cy="3268133"/>
+            </a:xfrm>
+            <a:prstGeom prst="triangle">
+              <a:avLst>
+                <a:gd name="adj" fmla="val 100000"/>
+              </a:avLst>
+            </a:prstGeom>
+            <a:solidFill>
+              <a:schemeClr val="accent1">
+                <a:alpha val="80000"/>
+              </a:schemeClr>
+            </a:solidFill>
+            <a:ln>
+              <a:noFill/>
+            </a:ln>
+            <a:effectLst/>
+          </p:spPr>
+          <p:style>
+            <a:lnRef idx="1">
+              <a:schemeClr val="accent1"/>
+            </a:lnRef>
+            <a:fillRef idx="3">
+              <a:schemeClr val="accent1"/>
+            </a:fillRef>
+            <a:effectRef idx="2">
+              <a:schemeClr val="accent1"/>
+            </a:effectRef>
+            <a:fontRef idx="minor">
+              <a:schemeClr val="lt1"/>
+            </a:fontRef>
+          </p:style>
+        </p:sp>
+        <p:sp>
+          <p:nvSpPr>
+            <p:cNvPr id="29" name="Isosceles Triangle 28"/>
+            <p:cNvSpPr/>
+            <p:nvPr/>
+          </p:nvSpPr>
+          <p:spPr>
+            <a:xfrm>
+              <a:off x="0" y="4013200"/>
+              <a:ext cx="448733" cy="2844800"/>
+            </a:xfrm>
+            <a:prstGeom prst="triangle">
+              <a:avLst>
+                <a:gd name="adj" fmla="val 0"/>
+              </a:avLst>
+            </a:prstGeom>
+            <a:solidFill>
+              <a:schemeClr val="accent1">
+                <a:alpha val="85000"/>
+              </a:schemeClr>
+            </a:solidFill>
+            <a:ln>
+              <a:noFill/>
+            </a:ln>
+            <a:effectLst/>
+          </p:spPr>
+          <p:style>
+            <a:lnRef idx="1">
+              <a:schemeClr val="accent1"/>
+            </a:lnRef>
+            <a:fillRef idx="3">
+              <a:schemeClr val="accent1"/>
+            </a:fillRef>
+            <a:effectRef idx="2">
+              <a:schemeClr val="accent1"/>
+            </a:effectRef>
+            <a:fontRef idx="minor">
+              <a:schemeClr val="lt1"/>
+            </a:fontRef>
+          </p:style>
+        </p:sp>
+      </p:grpSp>
       <p:sp>
         <p:nvSpPr>
-          <p:cNvPr id="2" name="Titelplatzhalter 1">
-            <a:extLst>
-              <a:ext uri="{FF2B5EF4-FFF2-40B4-BE49-F238E27FC236}">
-                <a16:creationId xmlns:a16="http://schemas.microsoft.com/office/drawing/2014/main" id="{43E5598F-7842-4048-81B5-BE174575135F}"/>
-              </a:ext>
-            </a:extLst>
-          </p:cNvPr>
+          <p:cNvPr id="2" name="Title Placeholder 1"/>
           <p:cNvSpPr>
             <a:spLocks noGrp="1"/>
           </p:cNvSpPr>
@@ -14985,15 +17381,15 @@
         </p:nvSpPr>
         <p:spPr>
           <a:xfrm>
-            <a:off x="838200" y="365125"/>
-            <a:ext cx="10515600" cy="1325563"/>
+            <a:off x="677334" y="609600"/>
+            <a:ext cx="8596668" cy="1320800"/>
           </a:xfrm>
           <a:prstGeom prst="rect">
             <a:avLst/>
           </a:prstGeom>
         </p:spPr>
         <p:txBody>
-          <a:bodyPr vert="horz" lIns="91440" tIns="45720" rIns="91440" bIns="45720" rtlCol="0" anchor="ctr">
+          <a:bodyPr vert="horz" lIns="91440" tIns="45720" rIns="91440" bIns="45720" rtlCol="0" anchor="t">
             <a:normAutofit/>
           </a:bodyPr>
           <a:lstStyle/>
@@ -15002,18 +17398,13 @@
               <a:rPr lang="de-DE"/>
               <a:t>Mastertitelformat bearbeiten</a:t>
             </a:r>
+            <a:endParaRPr lang="en-US" dirty="0"/>
           </a:p>
         </p:txBody>
       </p:sp>
       <p:sp>
         <p:nvSpPr>
-          <p:cNvPr id="3" name="Textplatzhalter 2">
-            <a:extLst>
-              <a:ext uri="{FF2B5EF4-FFF2-40B4-BE49-F238E27FC236}">
-                <a16:creationId xmlns:a16="http://schemas.microsoft.com/office/drawing/2014/main" id="{70FC120C-15C6-4183-89C2-4F4E3CB9185F}"/>
-              </a:ext>
-            </a:extLst>
-          </p:cNvPr>
+          <p:cNvPr id="3" name="Text Placeholder 2"/>
           <p:cNvSpPr>
             <a:spLocks noGrp="1"/>
           </p:cNvSpPr>
@@ -15023,8 +17414,8 @@
         </p:nvSpPr>
         <p:spPr>
           <a:xfrm>
-            <a:off x="838200" y="1825625"/>
-            <a:ext cx="10515600" cy="4351338"/>
+            <a:off x="677334" y="2160589"/>
+            <a:ext cx="8596668" cy="3880773"/>
           </a:xfrm>
           <a:prstGeom prst="rect">
             <a:avLst/>
@@ -15069,18 +17460,13 @@
               <a:rPr lang="de-DE"/>
               <a:t>Fünfte Ebene</a:t>
             </a:r>
+            <a:endParaRPr lang="en-US" dirty="0"/>
           </a:p>
         </p:txBody>
       </p:sp>
       <p:sp>
         <p:nvSpPr>
-          <p:cNvPr id="4" name="Datumsplatzhalter 3">
-            <a:extLst>
-              <a:ext uri="{FF2B5EF4-FFF2-40B4-BE49-F238E27FC236}">
-                <a16:creationId xmlns:a16="http://schemas.microsoft.com/office/drawing/2014/main" id="{507AEDC8-99B2-46A5-84DE-FCB774ED760C}"/>
-              </a:ext>
-            </a:extLst>
-          </p:cNvPr>
+          <p:cNvPr id="4" name="Date Placeholder 3"/>
           <p:cNvSpPr>
             <a:spLocks noGrp="1"/>
           </p:cNvSpPr>
@@ -15090,8 +17476,49 @@
         </p:nvSpPr>
         <p:spPr>
           <a:xfrm>
-            <a:off x="838200" y="6356350"/>
-            <a:ext cx="2743200" cy="365125"/>
+            <a:off x="7205133" y="6041362"/>
+            <a:ext cx="911939" cy="365125"/>
+          </a:xfrm>
+          <a:prstGeom prst="rect">
+            <a:avLst/>
+          </a:prstGeom>
+        </p:spPr>
+        <p:txBody>
+          <a:bodyPr vert="horz" lIns="91440" tIns="45720" rIns="91440" bIns="45720" rtlCol="0" anchor="ctr"/>
+          <a:lstStyle>
+            <a:lvl1pPr algn="r">
+              <a:defRPr sz="900">
+                <a:solidFill>
+                  <a:schemeClr val="tx1">
+                    <a:tint val="75000"/>
+                  </a:schemeClr>
+                </a:solidFill>
+              </a:defRPr>
+            </a:lvl1pPr>
+          </a:lstStyle>
+          <a:p>
+            <a:fld id="{56DC4D02-6C89-4F53-8C73-2E69B56DDD08}" type="datetimeFigureOut">
+              <a:rPr lang="de-DE" smtClean="0"/>
+              <a:t>19.05.2018</a:t>
+            </a:fld>
+            <a:endParaRPr lang="de-DE"/>
+          </a:p>
+        </p:txBody>
+      </p:sp>
+      <p:sp>
+        <p:nvSpPr>
+          <p:cNvPr id="5" name="Footer Placeholder 4"/>
+          <p:cNvSpPr>
+            <a:spLocks noGrp="1"/>
+          </p:cNvSpPr>
+          <p:nvPr>
+            <p:ph type="ftr" sz="quarter" idx="3"/>
+          </p:nvPr>
+        </p:nvSpPr>
+        <p:spPr>
+          <a:xfrm>
+            <a:off x="677334" y="6041362"/>
+            <a:ext cx="6297612" cy="365125"/>
           </a:xfrm>
           <a:prstGeom prst="rect">
             <a:avLst/>
@@ -15101,7 +17528,7 @@
           <a:bodyPr vert="horz" lIns="91440" tIns="45720" rIns="91440" bIns="45720" rtlCol="0" anchor="ctr"/>
           <a:lstStyle>
             <a:lvl1pPr algn="l">
-              <a:defRPr sz="1200">
+              <a:defRPr sz="900">
                 <a:solidFill>
                   <a:schemeClr val="tx1">
                     <a:tint val="75000"/>
@@ -15111,66 +17538,13 @@
             </a:lvl1pPr>
           </a:lstStyle>
           <a:p>
-            <a:fld id="{56DC4D02-6C89-4F53-8C73-2E69B56DDD08}" type="datetimeFigureOut">
-              <a:rPr lang="de-DE" smtClean="0"/>
-              <a:t>19.05.2018</a:t>
-            </a:fld>
             <a:endParaRPr lang="de-DE"/>
           </a:p>
         </p:txBody>
       </p:sp>
       <p:sp>
         <p:nvSpPr>
-          <p:cNvPr id="5" name="Fußzeilenplatzhalter 4">
-            <a:extLst>
-              <a:ext uri="{FF2B5EF4-FFF2-40B4-BE49-F238E27FC236}">
-                <a16:creationId xmlns:a16="http://schemas.microsoft.com/office/drawing/2014/main" id="{E09495AA-78DA-4D96-BDFB-560A69747814}"/>
-              </a:ext>
-            </a:extLst>
-          </p:cNvPr>
-          <p:cNvSpPr>
-            <a:spLocks noGrp="1"/>
-          </p:cNvSpPr>
-          <p:nvPr>
-            <p:ph type="ftr" sz="quarter" idx="3"/>
-          </p:nvPr>
-        </p:nvSpPr>
-        <p:spPr>
-          <a:xfrm>
-            <a:off x="4038600" y="6356350"/>
-            <a:ext cx="4114800" cy="365125"/>
-          </a:xfrm>
-          <a:prstGeom prst="rect">
-            <a:avLst/>
-          </a:prstGeom>
-        </p:spPr>
-        <p:txBody>
-          <a:bodyPr vert="horz" lIns="91440" tIns="45720" rIns="91440" bIns="45720" rtlCol="0" anchor="ctr"/>
-          <a:lstStyle>
-            <a:lvl1pPr algn="ctr">
-              <a:defRPr sz="1200">
-                <a:solidFill>
-                  <a:schemeClr val="tx1">
-                    <a:tint val="75000"/>
-                  </a:schemeClr>
-                </a:solidFill>
-              </a:defRPr>
-            </a:lvl1pPr>
-          </a:lstStyle>
-          <a:p>
-            <a:endParaRPr lang="de-DE"/>
-          </a:p>
-        </p:txBody>
-      </p:sp>
-      <p:sp>
-        <p:nvSpPr>
-          <p:cNvPr id="6" name="Foliennummernplatzhalter 5">
-            <a:extLst>
-              <a:ext uri="{FF2B5EF4-FFF2-40B4-BE49-F238E27FC236}">
-                <a16:creationId xmlns:a16="http://schemas.microsoft.com/office/drawing/2014/main" id="{83A70E0D-662F-4470-B475-C035F6F05803}"/>
-              </a:ext>
-            </a:extLst>
-          </p:cNvPr>
+          <p:cNvPr id="6" name="Slide Number Placeholder 5"/>
           <p:cNvSpPr>
             <a:spLocks noGrp="1"/>
           </p:cNvSpPr>
@@ -15180,8 +17554,8 @@
         </p:nvSpPr>
         <p:spPr>
           <a:xfrm>
-            <a:off x="8610600" y="6356350"/>
-            <a:ext cx="2743200" cy="365125"/>
+            <a:off x="8590663" y="6041362"/>
+            <a:ext cx="683339" cy="365125"/>
           </a:xfrm>
           <a:prstGeom prst="rect">
             <a:avLst/>
@@ -15191,11 +17565,9 @@
           <a:bodyPr vert="horz" lIns="91440" tIns="45720" rIns="91440" bIns="45720" rtlCol="0" anchor="ctr"/>
           <a:lstStyle>
             <a:lvl1pPr algn="r">
-              <a:defRPr sz="1200">
+              <a:defRPr sz="900">
                 <a:solidFill>
-                  <a:schemeClr val="tx1">
-                    <a:tint val="75000"/>
-                  </a:schemeClr>
+                  <a:schemeClr val="accent1"/>
                 </a:solidFill>
               </a:defRPr>
             </a:lvl1pPr>
@@ -15212,55 +17584,335 @@
     </p:spTree>
     <p:extLst>
       <p:ext uri="{BB962C8B-B14F-4D97-AF65-F5344CB8AC3E}">
-        <p14:creationId xmlns:p14="http://schemas.microsoft.com/office/powerpoint/2010/main" val="137180655"/>
+        <p14:creationId xmlns:p14="http://schemas.microsoft.com/office/powerpoint/2010/main" val="1699036222"/>
       </p:ext>
     </p:extLst>
   </p:cSld>
-  <p:clrMap bg1="lt1" tx1="dk1" bg2="lt2" tx2="dk2" accent1="accent1" accent2="accent2" accent3="accent3" accent4="accent4" accent5="accent5" accent6="accent6" hlink="hlink" folHlink="folHlink"/>
+  <p:clrMap bg1="dk1" tx1="lt1" bg2="dk2" tx2="lt2" accent1="accent1" accent2="accent2" accent3="accent3" accent4="accent4" accent5="accent5" accent6="accent6" hlink="hlink" folHlink="folHlink"/>
   <p:sldLayoutIdLst>
-    <p:sldLayoutId id="2147483649" r:id="rId1"/>
-    <p:sldLayoutId id="2147483650" r:id="rId2"/>
-    <p:sldLayoutId id="2147483651" r:id="rId3"/>
-    <p:sldLayoutId id="2147483652" r:id="rId4"/>
-    <p:sldLayoutId id="2147483653" r:id="rId5"/>
-    <p:sldLayoutId id="2147483654" r:id="rId6"/>
-    <p:sldLayoutId id="2147483655" r:id="rId7"/>
-    <p:sldLayoutId id="2147483656" r:id="rId8"/>
-    <p:sldLayoutId id="2147483657" r:id="rId9"/>
-    <p:sldLayoutId id="2147483658" r:id="rId10"/>
-    <p:sldLayoutId id="2147483659" r:id="rId11"/>
+    <p:sldLayoutId id="2147483820" r:id="rId1"/>
+    <p:sldLayoutId id="2147483821" r:id="rId2"/>
+    <p:sldLayoutId id="2147483822" r:id="rId3"/>
+    <p:sldLayoutId id="2147483823" r:id="rId4"/>
+    <p:sldLayoutId id="2147483824" r:id="rId5"/>
+    <p:sldLayoutId id="2147483825" r:id="rId6"/>
+    <p:sldLayoutId id="2147483826" r:id="rId7"/>
+    <p:sldLayoutId id="2147483827" r:id="rId8"/>
+    <p:sldLayoutId id="2147483828" r:id="rId9"/>
+    <p:sldLayoutId id="2147483829" r:id="rId10"/>
+    <p:sldLayoutId id="2147483830" r:id="rId11"/>
+    <p:sldLayoutId id="2147483831" r:id="rId12"/>
+    <p:sldLayoutId id="2147483832" r:id="rId13"/>
+    <p:sldLayoutId id="2147483833" r:id="rId14"/>
+    <p:sldLayoutId id="2147483834" r:id="rId15"/>
+    <p:sldLayoutId id="2147483835" r:id="rId16"/>
   </p:sldLayoutIdLst>
   <p:txStyles>
     <p:titleStyle>
-      <a:lvl1pPr algn="l" defTabSz="914400" rtl="0" eaLnBrk="1" latinLnBrk="0" hangingPunct="1">
-        <a:lnSpc>
-          <a:spcPct val="90000"/>
-        </a:lnSpc>
+      <a:lvl1pPr algn="l" defTabSz="457200" rtl="0" eaLnBrk="1" latinLnBrk="0" hangingPunct="1">
         <a:spcBef>
           <a:spcPct val="0"/>
         </a:spcBef>
         <a:buNone/>
-        <a:defRPr sz="4400" kern="1200">
+        <a:defRPr sz="3600" kern="1200">
           <a:solidFill>
-            <a:schemeClr val="tx1"/>
+            <a:schemeClr val="accent1"/>
           </a:solidFill>
           <a:latin typeface="+mj-lt"/>
           <a:ea typeface="+mj-ea"/>
           <a:cs typeface="+mj-cs"/>
         </a:defRPr>
       </a:lvl1pPr>
+      <a:lvl2pPr eaLnBrk="1" hangingPunct="1">
+        <a:defRPr>
+          <a:solidFill>
+            <a:schemeClr val="tx2"/>
+          </a:solidFill>
+        </a:defRPr>
+      </a:lvl2pPr>
+      <a:lvl3pPr eaLnBrk="1" hangingPunct="1">
+        <a:defRPr>
+          <a:solidFill>
+            <a:schemeClr val="tx2"/>
+          </a:solidFill>
+        </a:defRPr>
+      </a:lvl3pPr>
+      <a:lvl4pPr eaLnBrk="1" hangingPunct="1">
+        <a:defRPr>
+          <a:solidFill>
+            <a:schemeClr val="tx2"/>
+          </a:solidFill>
+        </a:defRPr>
+      </a:lvl4pPr>
+      <a:lvl5pPr eaLnBrk="1" hangingPunct="1">
+        <a:defRPr>
+          <a:solidFill>
+            <a:schemeClr val="tx2"/>
+          </a:solidFill>
+        </a:defRPr>
+      </a:lvl5pPr>
+      <a:lvl6pPr eaLnBrk="1" hangingPunct="1">
+        <a:defRPr>
+          <a:solidFill>
+            <a:schemeClr val="tx2"/>
+          </a:solidFill>
+        </a:defRPr>
+      </a:lvl6pPr>
+      <a:lvl7pPr eaLnBrk="1" hangingPunct="1">
+        <a:defRPr>
+          <a:solidFill>
+            <a:schemeClr val="tx2"/>
+          </a:solidFill>
+        </a:defRPr>
+      </a:lvl7pPr>
+      <a:lvl8pPr eaLnBrk="1" hangingPunct="1">
+        <a:defRPr>
+          <a:solidFill>
+            <a:schemeClr val="tx2"/>
+          </a:solidFill>
+        </a:defRPr>
+      </a:lvl8pPr>
+      <a:lvl9pPr eaLnBrk="1" hangingPunct="1">
+        <a:defRPr>
+          <a:solidFill>
+            <a:schemeClr val="tx2"/>
+          </a:solidFill>
+        </a:defRPr>
+      </a:lvl9pPr>
     </p:titleStyle>
     <p:bodyStyle>
-      <a:lvl1pPr marL="228600" indent="-228600" algn="l" defTabSz="914400" rtl="0" eaLnBrk="1" latinLnBrk="0" hangingPunct="1">
-        <a:lnSpc>
-          <a:spcPct val="90000"/>
-        </a:lnSpc>
+      <a:lvl1pPr marL="342900" indent="-342900" algn="l" defTabSz="457200" rtl="0" eaLnBrk="1" latinLnBrk="0" hangingPunct="1">
         <a:spcBef>
           <a:spcPts val="1000"/>
         </a:spcBef>
-        <a:buFont typeface="Arial" panose="020B0604020202020204" pitchFamily="34" charset="0"/>
-        <a:buChar char="•"/>
-        <a:defRPr sz="2800" kern="1200">
+        <a:spcAft>
+          <a:spcPts val="0"/>
+        </a:spcAft>
+        <a:buClr>
+          <a:schemeClr val="accent1"/>
+        </a:buClr>
+        <a:buSzPct val="80000"/>
+        <a:buFont typeface="Wingdings 3" charset="2"/>
+        <a:buChar char=""/>
+        <a:defRPr sz="1800" kern="1200">
+          <a:solidFill>
+            <a:schemeClr val="tx1">
+              <a:lumMod val="75000"/>
+              <a:lumOff val="25000"/>
+            </a:schemeClr>
+          </a:solidFill>
+          <a:latin typeface="+mn-lt"/>
+          <a:ea typeface="+mn-ea"/>
+          <a:cs typeface="+mn-cs"/>
+        </a:defRPr>
+      </a:lvl1pPr>
+      <a:lvl2pPr marL="742950" indent="-285750" algn="l" defTabSz="457200" rtl="0" eaLnBrk="1" latinLnBrk="0" hangingPunct="1">
+        <a:spcBef>
+          <a:spcPts val="1000"/>
+        </a:spcBef>
+        <a:spcAft>
+          <a:spcPts val="0"/>
+        </a:spcAft>
+        <a:buClr>
+          <a:schemeClr val="accent1"/>
+        </a:buClr>
+        <a:buSzPct val="80000"/>
+        <a:buFont typeface="Wingdings 3" charset="2"/>
+        <a:buChar char=""/>
+        <a:defRPr sz="1600" kern="1200">
+          <a:solidFill>
+            <a:schemeClr val="tx1">
+              <a:lumMod val="75000"/>
+              <a:lumOff val="25000"/>
+            </a:schemeClr>
+          </a:solidFill>
+          <a:latin typeface="+mn-lt"/>
+          <a:ea typeface="+mn-ea"/>
+          <a:cs typeface="+mn-cs"/>
+        </a:defRPr>
+      </a:lvl2pPr>
+      <a:lvl3pPr marL="1143000" indent="-228600" algn="l" defTabSz="457200" rtl="0" eaLnBrk="1" latinLnBrk="0" hangingPunct="1">
+        <a:spcBef>
+          <a:spcPts val="1000"/>
+        </a:spcBef>
+        <a:spcAft>
+          <a:spcPts val="0"/>
+        </a:spcAft>
+        <a:buClr>
+          <a:schemeClr val="accent1"/>
+        </a:buClr>
+        <a:buSzPct val="80000"/>
+        <a:buFont typeface="Wingdings 3" charset="2"/>
+        <a:buChar char=""/>
+        <a:defRPr sz="1400" kern="1200">
+          <a:solidFill>
+            <a:schemeClr val="tx1">
+              <a:lumMod val="75000"/>
+              <a:lumOff val="25000"/>
+            </a:schemeClr>
+          </a:solidFill>
+          <a:latin typeface="+mn-lt"/>
+          <a:ea typeface="+mn-ea"/>
+          <a:cs typeface="+mn-cs"/>
+        </a:defRPr>
+      </a:lvl3pPr>
+      <a:lvl4pPr marL="1600200" indent="-228600" algn="l" defTabSz="457200" rtl="0" eaLnBrk="1" latinLnBrk="0" hangingPunct="1">
+        <a:spcBef>
+          <a:spcPts val="1000"/>
+        </a:spcBef>
+        <a:spcAft>
+          <a:spcPts val="0"/>
+        </a:spcAft>
+        <a:buClr>
+          <a:schemeClr val="accent1"/>
+        </a:buClr>
+        <a:buSzPct val="80000"/>
+        <a:buFont typeface="Wingdings 3" charset="2"/>
+        <a:buChar char=""/>
+        <a:defRPr sz="1200" kern="1200">
+          <a:solidFill>
+            <a:schemeClr val="tx1">
+              <a:lumMod val="75000"/>
+              <a:lumOff val="25000"/>
+            </a:schemeClr>
+          </a:solidFill>
+          <a:latin typeface="+mn-lt"/>
+          <a:ea typeface="+mn-ea"/>
+          <a:cs typeface="+mn-cs"/>
+        </a:defRPr>
+      </a:lvl4pPr>
+      <a:lvl5pPr marL="2057400" indent="-228600" algn="l" defTabSz="457200" rtl="0" eaLnBrk="1" latinLnBrk="0" hangingPunct="1">
+        <a:spcBef>
+          <a:spcPts val="1000"/>
+        </a:spcBef>
+        <a:spcAft>
+          <a:spcPts val="0"/>
+        </a:spcAft>
+        <a:buClr>
+          <a:schemeClr val="accent1"/>
+        </a:buClr>
+        <a:buSzPct val="80000"/>
+        <a:buFont typeface="Wingdings 3" charset="2"/>
+        <a:buChar char=""/>
+        <a:defRPr sz="1200" kern="1200">
+          <a:solidFill>
+            <a:schemeClr val="tx1">
+              <a:lumMod val="75000"/>
+              <a:lumOff val="25000"/>
+            </a:schemeClr>
+          </a:solidFill>
+          <a:latin typeface="+mn-lt"/>
+          <a:ea typeface="+mn-ea"/>
+          <a:cs typeface="+mn-cs"/>
+        </a:defRPr>
+      </a:lvl5pPr>
+      <a:lvl6pPr marL="2514600" indent="-228600" algn="l" defTabSz="457200" rtl="0" eaLnBrk="1" latinLnBrk="0" hangingPunct="1">
+        <a:spcBef>
+          <a:spcPts val="1000"/>
+        </a:spcBef>
+        <a:spcAft>
+          <a:spcPts val="0"/>
+        </a:spcAft>
+        <a:buClr>
+          <a:schemeClr val="accent1"/>
+        </a:buClr>
+        <a:buSzPct val="80000"/>
+        <a:buFont typeface="Wingdings 3" charset="2"/>
+        <a:buChar char=""/>
+        <a:defRPr sz="1200" kern="1200">
+          <a:solidFill>
+            <a:schemeClr val="tx1">
+              <a:lumMod val="75000"/>
+              <a:lumOff val="25000"/>
+            </a:schemeClr>
+          </a:solidFill>
+          <a:latin typeface="+mn-lt"/>
+          <a:ea typeface="+mn-ea"/>
+          <a:cs typeface="+mn-cs"/>
+        </a:defRPr>
+      </a:lvl6pPr>
+      <a:lvl7pPr marL="2971800" indent="-228600" algn="l" defTabSz="457200" rtl="0" eaLnBrk="1" latinLnBrk="0" hangingPunct="1">
+        <a:spcBef>
+          <a:spcPts val="1000"/>
+        </a:spcBef>
+        <a:spcAft>
+          <a:spcPts val="0"/>
+        </a:spcAft>
+        <a:buClr>
+          <a:schemeClr val="accent1"/>
+        </a:buClr>
+        <a:buSzPct val="80000"/>
+        <a:buFont typeface="Wingdings 3" charset="2"/>
+        <a:buChar char=""/>
+        <a:defRPr sz="1200" kern="1200">
+          <a:solidFill>
+            <a:schemeClr val="tx1">
+              <a:lumMod val="75000"/>
+              <a:lumOff val="25000"/>
+            </a:schemeClr>
+          </a:solidFill>
+          <a:latin typeface="+mn-lt"/>
+          <a:ea typeface="+mn-ea"/>
+          <a:cs typeface="+mn-cs"/>
+        </a:defRPr>
+      </a:lvl7pPr>
+      <a:lvl8pPr marL="3429000" indent="-228600" algn="l" defTabSz="457200" rtl="0" eaLnBrk="1" latinLnBrk="0" hangingPunct="1">
+        <a:spcBef>
+          <a:spcPts val="1000"/>
+        </a:spcBef>
+        <a:spcAft>
+          <a:spcPts val="0"/>
+        </a:spcAft>
+        <a:buClr>
+          <a:schemeClr val="accent1"/>
+        </a:buClr>
+        <a:buSzPct val="80000"/>
+        <a:buFont typeface="Wingdings 3" charset="2"/>
+        <a:buChar char=""/>
+        <a:defRPr sz="1200" kern="1200">
+          <a:solidFill>
+            <a:schemeClr val="tx1">
+              <a:lumMod val="75000"/>
+              <a:lumOff val="25000"/>
+            </a:schemeClr>
+          </a:solidFill>
+          <a:latin typeface="+mn-lt"/>
+          <a:ea typeface="+mn-ea"/>
+          <a:cs typeface="+mn-cs"/>
+        </a:defRPr>
+      </a:lvl8pPr>
+      <a:lvl9pPr marL="3886200" indent="-228600" algn="l" defTabSz="457200" rtl="0" eaLnBrk="1" latinLnBrk="0" hangingPunct="1">
+        <a:spcBef>
+          <a:spcPts val="1000"/>
+        </a:spcBef>
+        <a:spcAft>
+          <a:spcPts val="0"/>
+        </a:spcAft>
+        <a:buClr>
+          <a:schemeClr val="accent1"/>
+        </a:buClr>
+        <a:buSzPct val="80000"/>
+        <a:buFont typeface="Wingdings 3" charset="2"/>
+        <a:buChar char=""/>
+        <a:defRPr sz="1200" kern="1200">
+          <a:solidFill>
+            <a:schemeClr val="tx1">
+              <a:lumMod val="75000"/>
+              <a:lumOff val="25000"/>
+            </a:schemeClr>
+          </a:solidFill>
+          <a:latin typeface="+mn-lt"/>
+          <a:ea typeface="+mn-ea"/>
+          <a:cs typeface="+mn-cs"/>
+        </a:defRPr>
+      </a:lvl9pPr>
+    </p:bodyStyle>
+    <p:otherStyle>
+      <a:defPPr>
+        <a:defRPr lang="en-US"/>
+      </a:defPPr>
+      <a:lvl1pPr marL="0" algn="l" defTabSz="457200" rtl="0" eaLnBrk="1" latinLnBrk="0" hangingPunct="1">
+        <a:defRPr sz="1800" kern="1200">
           <a:solidFill>
             <a:schemeClr val="tx1"/>
           </a:solidFill>
@@ -15269,16 +17921,8 @@
           <a:cs typeface="+mn-cs"/>
         </a:defRPr>
       </a:lvl1pPr>
-      <a:lvl2pPr marL="685800" indent="-228600" algn="l" defTabSz="914400" rtl="0" eaLnBrk="1" latinLnBrk="0" hangingPunct="1">
-        <a:lnSpc>
-          <a:spcPct val="90000"/>
-        </a:lnSpc>
-        <a:spcBef>
-          <a:spcPts val="500"/>
-        </a:spcBef>
-        <a:buFont typeface="Arial" panose="020B0604020202020204" pitchFamily="34" charset="0"/>
-        <a:buChar char="•"/>
-        <a:defRPr sz="2400" kern="1200">
+      <a:lvl2pPr marL="457200" algn="l" defTabSz="457200" rtl="0" eaLnBrk="1" latinLnBrk="0" hangingPunct="1">
+        <a:defRPr sz="1800" kern="1200">
           <a:solidFill>
             <a:schemeClr val="tx1"/>
           </a:solidFill>
@@ -15287,16 +17931,8 @@
           <a:cs typeface="+mn-cs"/>
         </a:defRPr>
       </a:lvl2pPr>
-      <a:lvl3pPr marL="1143000" indent="-228600" algn="l" defTabSz="914400" rtl="0" eaLnBrk="1" latinLnBrk="0" hangingPunct="1">
-        <a:lnSpc>
-          <a:spcPct val="90000"/>
-        </a:lnSpc>
-        <a:spcBef>
-          <a:spcPts val="500"/>
-        </a:spcBef>
-        <a:buFont typeface="Arial" panose="020B0604020202020204" pitchFamily="34" charset="0"/>
-        <a:buChar char="•"/>
-        <a:defRPr sz="2000" kern="1200">
+      <a:lvl3pPr marL="914400" algn="l" defTabSz="457200" rtl="0" eaLnBrk="1" latinLnBrk="0" hangingPunct="1">
+        <a:defRPr sz="1800" kern="1200">
           <a:solidFill>
             <a:schemeClr val="tx1"/>
           </a:solidFill>
@@ -15305,15 +17941,7 @@
           <a:cs typeface="+mn-cs"/>
         </a:defRPr>
       </a:lvl3pPr>
-      <a:lvl4pPr marL="1600200" indent="-228600" algn="l" defTabSz="914400" rtl="0" eaLnBrk="1" latinLnBrk="0" hangingPunct="1">
-        <a:lnSpc>
-          <a:spcPct val="90000"/>
-        </a:lnSpc>
-        <a:spcBef>
-          <a:spcPts val="500"/>
-        </a:spcBef>
-        <a:buFont typeface="Arial" panose="020B0604020202020204" pitchFamily="34" charset="0"/>
-        <a:buChar char="•"/>
+      <a:lvl4pPr marL="1371600" algn="l" defTabSz="457200" rtl="0" eaLnBrk="1" latinLnBrk="0" hangingPunct="1">
         <a:defRPr sz="1800" kern="1200">
           <a:solidFill>
             <a:schemeClr val="tx1"/>
@@ -15323,15 +17951,7 @@
           <a:cs typeface="+mn-cs"/>
         </a:defRPr>
       </a:lvl4pPr>
-      <a:lvl5pPr marL="2057400" indent="-228600" algn="l" defTabSz="914400" rtl="0" eaLnBrk="1" latinLnBrk="0" hangingPunct="1">
-        <a:lnSpc>
-          <a:spcPct val="90000"/>
-        </a:lnSpc>
-        <a:spcBef>
-          <a:spcPts val="500"/>
-        </a:spcBef>
-        <a:buFont typeface="Arial" panose="020B0604020202020204" pitchFamily="34" charset="0"/>
-        <a:buChar char="•"/>
+      <a:lvl5pPr marL="1828800" algn="l" defTabSz="457200" rtl="0" eaLnBrk="1" latinLnBrk="0" hangingPunct="1">
         <a:defRPr sz="1800" kern="1200">
           <a:solidFill>
             <a:schemeClr val="tx1"/>
@@ -15341,15 +17961,7 @@
           <a:cs typeface="+mn-cs"/>
         </a:defRPr>
       </a:lvl5pPr>
-      <a:lvl6pPr marL="2514600" indent="-228600" algn="l" defTabSz="914400" rtl="0" eaLnBrk="1" latinLnBrk="0" hangingPunct="1">
-        <a:lnSpc>
-          <a:spcPct val="90000"/>
-        </a:lnSpc>
-        <a:spcBef>
-          <a:spcPts val="500"/>
-        </a:spcBef>
-        <a:buFont typeface="Arial" panose="020B0604020202020204" pitchFamily="34" charset="0"/>
-        <a:buChar char="•"/>
+      <a:lvl6pPr marL="2286000" algn="l" defTabSz="457200" rtl="0" eaLnBrk="1" latinLnBrk="0" hangingPunct="1">
         <a:defRPr sz="1800" kern="1200">
           <a:solidFill>
             <a:schemeClr val="tx1"/>
@@ -15359,15 +17971,7 @@
           <a:cs typeface="+mn-cs"/>
         </a:defRPr>
       </a:lvl6pPr>
-      <a:lvl7pPr marL="2971800" indent="-228600" algn="l" defTabSz="914400" rtl="0" eaLnBrk="1" latinLnBrk="0" hangingPunct="1">
-        <a:lnSpc>
-          <a:spcPct val="90000"/>
-        </a:lnSpc>
-        <a:spcBef>
-          <a:spcPts val="500"/>
-        </a:spcBef>
-        <a:buFont typeface="Arial" panose="020B0604020202020204" pitchFamily="34" charset="0"/>
-        <a:buChar char="•"/>
+      <a:lvl7pPr marL="2743200" algn="l" defTabSz="457200" rtl="0" eaLnBrk="1" latinLnBrk="0" hangingPunct="1">
         <a:defRPr sz="1800" kern="1200">
           <a:solidFill>
             <a:schemeClr val="tx1"/>
@@ -15377,15 +17981,7 @@
           <a:cs typeface="+mn-cs"/>
         </a:defRPr>
       </a:lvl7pPr>
-      <a:lvl8pPr marL="3429000" indent="-228600" algn="l" defTabSz="914400" rtl="0" eaLnBrk="1" latinLnBrk="0" hangingPunct="1">
-        <a:lnSpc>
-          <a:spcPct val="90000"/>
-        </a:lnSpc>
-        <a:spcBef>
-          <a:spcPts val="500"/>
-        </a:spcBef>
-        <a:buFont typeface="Arial" panose="020B0604020202020204" pitchFamily="34" charset="0"/>
-        <a:buChar char="•"/>
+      <a:lvl8pPr marL="3200400" algn="l" defTabSz="457200" rtl="0" eaLnBrk="1" latinLnBrk="0" hangingPunct="1">
         <a:defRPr sz="1800" kern="1200">
           <a:solidFill>
             <a:schemeClr val="tx1"/>
@@ -15395,110 +17991,7 @@
           <a:cs typeface="+mn-cs"/>
         </a:defRPr>
       </a:lvl8pPr>
-      <a:lvl9pPr marL="3886200" indent="-228600" algn="l" defTabSz="914400" rtl="0" eaLnBrk="1" latinLnBrk="0" hangingPunct="1">
-        <a:lnSpc>
-          <a:spcPct val="90000"/>
-        </a:lnSpc>
-        <a:spcBef>
-          <a:spcPts val="500"/>
-        </a:spcBef>
-        <a:buFont typeface="Arial" panose="020B0604020202020204" pitchFamily="34" charset="0"/>
-        <a:buChar char="•"/>
-        <a:defRPr sz="1800" kern="1200">
-          <a:solidFill>
-            <a:schemeClr val="tx1"/>
-          </a:solidFill>
-          <a:latin typeface="+mn-lt"/>
-          <a:ea typeface="+mn-ea"/>
-          <a:cs typeface="+mn-cs"/>
-        </a:defRPr>
-      </a:lvl9pPr>
-    </p:bodyStyle>
-    <p:otherStyle>
-      <a:defPPr>
-        <a:defRPr lang="de-DE"/>
-      </a:defPPr>
-      <a:lvl1pPr marL="0" algn="l" defTabSz="914400" rtl="0" eaLnBrk="1" latinLnBrk="0" hangingPunct="1">
-        <a:defRPr sz="1800" kern="1200">
-          <a:solidFill>
-            <a:schemeClr val="tx1"/>
-          </a:solidFill>
-          <a:latin typeface="+mn-lt"/>
-          <a:ea typeface="+mn-ea"/>
-          <a:cs typeface="+mn-cs"/>
-        </a:defRPr>
-      </a:lvl1pPr>
-      <a:lvl2pPr marL="457200" algn="l" defTabSz="914400" rtl="0" eaLnBrk="1" latinLnBrk="0" hangingPunct="1">
-        <a:defRPr sz="1800" kern="1200">
-          <a:solidFill>
-            <a:schemeClr val="tx1"/>
-          </a:solidFill>
-          <a:latin typeface="+mn-lt"/>
-          <a:ea typeface="+mn-ea"/>
-          <a:cs typeface="+mn-cs"/>
-        </a:defRPr>
-      </a:lvl2pPr>
-      <a:lvl3pPr marL="914400" algn="l" defTabSz="914400" rtl="0" eaLnBrk="1" latinLnBrk="0" hangingPunct="1">
-        <a:defRPr sz="1800" kern="1200">
-          <a:solidFill>
-            <a:schemeClr val="tx1"/>
-          </a:solidFill>
-          <a:latin typeface="+mn-lt"/>
-          <a:ea typeface="+mn-ea"/>
-          <a:cs typeface="+mn-cs"/>
-        </a:defRPr>
-      </a:lvl3pPr>
-      <a:lvl4pPr marL="1371600" algn="l" defTabSz="914400" rtl="0" eaLnBrk="1" latinLnBrk="0" hangingPunct="1">
-        <a:defRPr sz="1800" kern="1200">
-          <a:solidFill>
-            <a:schemeClr val="tx1"/>
-          </a:solidFill>
-          <a:latin typeface="+mn-lt"/>
-          <a:ea typeface="+mn-ea"/>
-          <a:cs typeface="+mn-cs"/>
-        </a:defRPr>
-      </a:lvl4pPr>
-      <a:lvl5pPr marL="1828800" algn="l" defTabSz="914400" rtl="0" eaLnBrk="1" latinLnBrk="0" hangingPunct="1">
-        <a:defRPr sz="1800" kern="1200">
-          <a:solidFill>
-            <a:schemeClr val="tx1"/>
-          </a:solidFill>
-          <a:latin typeface="+mn-lt"/>
-          <a:ea typeface="+mn-ea"/>
-          <a:cs typeface="+mn-cs"/>
-        </a:defRPr>
-      </a:lvl5pPr>
-      <a:lvl6pPr marL="2286000" algn="l" defTabSz="914400" rtl="0" eaLnBrk="1" latinLnBrk="0" hangingPunct="1">
-        <a:defRPr sz="1800" kern="1200">
-          <a:solidFill>
-            <a:schemeClr val="tx1"/>
-          </a:solidFill>
-          <a:latin typeface="+mn-lt"/>
-          <a:ea typeface="+mn-ea"/>
-          <a:cs typeface="+mn-cs"/>
-        </a:defRPr>
-      </a:lvl6pPr>
-      <a:lvl7pPr marL="2743200" algn="l" defTabSz="914400" rtl="0" eaLnBrk="1" latinLnBrk="0" hangingPunct="1">
-        <a:defRPr sz="1800" kern="1200">
-          <a:solidFill>
-            <a:schemeClr val="tx1"/>
-          </a:solidFill>
-          <a:latin typeface="+mn-lt"/>
-          <a:ea typeface="+mn-ea"/>
-          <a:cs typeface="+mn-cs"/>
-        </a:defRPr>
-      </a:lvl7pPr>
-      <a:lvl8pPr marL="3200400" algn="l" defTabSz="914400" rtl="0" eaLnBrk="1" latinLnBrk="0" hangingPunct="1">
-        <a:defRPr sz="1800" kern="1200">
-          <a:solidFill>
-            <a:schemeClr val="tx1"/>
-          </a:solidFill>
-          <a:latin typeface="+mn-lt"/>
-          <a:ea typeface="+mn-ea"/>
-          <a:cs typeface="+mn-cs"/>
-        </a:defRPr>
-      </a:lvl8pPr>
-      <a:lvl9pPr marL="3657600" algn="l" defTabSz="914400" rtl="0" eaLnBrk="1" latinLnBrk="0" hangingPunct="1">
+      <a:lvl9pPr marL="3657600" algn="l" defTabSz="457200" rtl="0" eaLnBrk="1" latinLnBrk="0" hangingPunct="1">
         <a:defRPr sz="1800" kern="1200">
           <a:solidFill>
             <a:schemeClr val="tx1"/>
@@ -15510,6 +18003,11 @@
       </a:lvl9pPr>
     </p:otherStyle>
   </p:txStyles>
+  <p:extLst>
+    <p:ext uri="{27BBF7A9-308A-43DC-89C8-2F10F3537804}">
+      <p15:sldGuideLst xmlns:p15="http://schemas.microsoft.com/office/powerpoint/2012/main"/>
+    </p:ext>
+  </p:extLst>
 </p:sldMaster>
 </file>
 
@@ -15725,6 +18223,155 @@
             <a:r>
               <a:rPr lang="de-DE" dirty="0"/>
               <a:t> Mode</a:t>
+            </a:r>
+          </a:p>
+        </p:txBody>
+      </p:sp>
+      <p:sp>
+        <p:nvSpPr>
+          <p:cNvPr id="3" name="Inhaltsplatzhalter 2">
+            <a:extLst>
+              <a:ext uri="{FF2B5EF4-FFF2-40B4-BE49-F238E27FC236}">
+                <a16:creationId xmlns:a16="http://schemas.microsoft.com/office/drawing/2014/main" id="{3F9940E4-13D9-4E28-A091-54D8C1E4031A}"/>
+              </a:ext>
+            </a:extLst>
+          </p:cNvPr>
+          <p:cNvSpPr>
+            <a:spLocks noGrp="1"/>
+          </p:cNvSpPr>
+          <p:nvPr>
+            <p:ph idx="1"/>
+          </p:nvPr>
+        </p:nvSpPr>
+        <p:spPr>
+          <a:xfrm>
+            <a:off x="838200" y="1825625"/>
+            <a:ext cx="9060477" cy="3698530"/>
+          </a:xfrm>
+        </p:spPr>
+        <p:txBody>
+          <a:bodyPr>
+            <a:normAutofit fontScale="77500" lnSpcReduction="20000"/>
+          </a:bodyPr>
+          <a:lstStyle/>
+          <a:p>
+            <a:r>
+              <a:rPr lang="de-DE" dirty="0"/>
+              <a:t>Passwort raten anhand einer Liste von möglichen Passwörtern</a:t>
+            </a:r>
+          </a:p>
+          <a:p>
+            <a:pPr lvl="1"/>
+            <a:r>
+              <a:rPr lang="de-DE" dirty="0"/>
+              <a:t>Auch Wörterbuch genannt</a:t>
+            </a:r>
+          </a:p>
+          <a:p>
+            <a:pPr lvl="1"/>
+            <a:endParaRPr lang="de-DE" dirty="0"/>
+          </a:p>
+          <a:p>
+            <a:pPr lvl="1"/>
+            <a:r>
+              <a:rPr lang="de-DE" dirty="0"/>
+              <a:t>Die Liste wird Stück für Stück durchgegangen und ausprobiert</a:t>
+            </a:r>
+          </a:p>
+          <a:p>
+            <a:pPr lvl="1"/>
+            <a:r>
+              <a:rPr lang="de-DE" dirty="0"/>
+              <a:t>Enthält meistens die üblichen Passwörter</a:t>
+            </a:r>
+          </a:p>
+          <a:p>
+            <a:pPr lvl="1"/>
+            <a:endParaRPr lang="de-DE" dirty="0"/>
+          </a:p>
+          <a:p>
+            <a:pPr lvl="1"/>
+            <a:r>
+              <a:rPr lang="de-DE" dirty="0"/>
+              <a:t>John empfiehlt als </a:t>
+            </a:r>
+            <a:r>
+              <a:rPr lang="de-DE" dirty="0" err="1"/>
+              <a:t>Wordlist</a:t>
+            </a:r>
+            <a:r>
+              <a:rPr lang="de-DE" dirty="0"/>
+              <a:t> </a:t>
+            </a:r>
+            <a:r>
+              <a:rPr lang="de-DE" dirty="0" err="1"/>
+              <a:t>Openwall</a:t>
+            </a:r>
+            <a:endParaRPr lang="de-DE" dirty="0"/>
+          </a:p>
+          <a:p>
+            <a:pPr lvl="2"/>
+            <a:r>
+              <a:rPr lang="de-DE" dirty="0" err="1"/>
+              <a:t>Openwall</a:t>
+            </a:r>
+            <a:r>
+              <a:rPr lang="de-DE" dirty="0"/>
+              <a:t>= riesige </a:t>
+            </a:r>
+            <a:r>
+              <a:rPr lang="de-DE" dirty="0" err="1"/>
+              <a:t>Wordlist</a:t>
+            </a:r>
+            <a:r>
+              <a:rPr lang="de-DE" dirty="0"/>
+              <a:t> nach </a:t>
+            </a:r>
+            <a:r>
+              <a:rPr lang="de-DE" dirty="0" err="1"/>
+              <a:t>wahrscheinlichkeiten</a:t>
+            </a:r>
+            <a:r>
+              <a:rPr lang="de-DE" dirty="0"/>
+              <a:t> sortiert</a:t>
+            </a:r>
+          </a:p>
+          <a:p>
+            <a:pPr marL="0" indent="0">
+              <a:buNone/>
+            </a:pPr>
+            <a:endParaRPr lang="de-DE" dirty="0"/>
+          </a:p>
+          <a:p>
+            <a:r>
+              <a:rPr lang="de-DE" dirty="0"/>
+              <a:t>Beispiel</a:t>
+            </a:r>
+          </a:p>
+          <a:p>
+            <a:pPr lvl="1"/>
+            <a:r>
+              <a:rPr lang="de-DE" dirty="0" err="1"/>
+              <a:t>sschuck</a:t>
+            </a:r>
+            <a:r>
+              <a:rPr lang="de-DE" dirty="0"/>
+              <a:t>:$6$Finhqm.v$kgiVkr38bZXIUNLFJZQYa..mXmCmVYn7ohD/OkYgB568jVyhNm2ZQUrknk14kXZdMnAJsDynHQbgz7elqOQlV0:17670:0:99999:7:::</a:t>
+            </a:r>
+          </a:p>
+          <a:p>
+            <a:pPr lvl="1"/>
+            <a:r>
+              <a:rPr lang="de-DE" dirty="0"/>
+              <a:t>John  --</a:t>
+            </a:r>
+            <a:r>
+              <a:rPr lang="de-DE" dirty="0" err="1"/>
+              <a:t>wordlist</a:t>
+            </a:r>
+            <a:r>
+              <a:rPr lang="de-DE" dirty="0"/>
+              <a:t>=&lt;ausgewähltes Wörterbuch&gt;</a:t>
             </a:r>
           </a:p>
         </p:txBody>
@@ -15791,163 +18438,6 @@
       </p:pic>
       <p:sp>
         <p:nvSpPr>
-          <p:cNvPr id="3" name="Inhaltsplatzhalter 2">
-            <a:extLst>
-              <a:ext uri="{FF2B5EF4-FFF2-40B4-BE49-F238E27FC236}">
-                <a16:creationId xmlns:a16="http://schemas.microsoft.com/office/drawing/2014/main" id="{3F9940E4-13D9-4E28-A091-54D8C1E4031A}"/>
-              </a:ext>
-            </a:extLst>
-          </p:cNvPr>
-          <p:cNvSpPr>
-            <a:spLocks noGrp="1"/>
-          </p:cNvSpPr>
-          <p:nvPr>
-            <p:ph idx="1"/>
-          </p:nvPr>
-        </p:nvSpPr>
-        <p:spPr>
-          <a:xfrm>
-            <a:off x="838200" y="1825625"/>
-            <a:ext cx="9060477" cy="3698530"/>
-          </a:xfrm>
-        </p:spPr>
-        <p:txBody>
-          <a:bodyPr>
-            <a:normAutofit fontScale="77500" lnSpcReduction="20000"/>
-          </a:bodyPr>
-          <a:lstStyle/>
-          <a:p>
-            <a:r>
-              <a:rPr lang="de-DE" dirty="0"/>
-              <a:t>Passwort raten anhand einer Liste </a:t>
-            </a:r>
-            <a:r>
-              <a:rPr lang="de-DE"/>
-              <a:t>von möglichen </a:t>
-            </a:r>
-            <a:r>
-              <a:rPr lang="de-DE" dirty="0"/>
-              <a:t>Passwörtern</a:t>
-            </a:r>
-          </a:p>
-          <a:p>
-            <a:pPr lvl="1"/>
-            <a:r>
-              <a:rPr lang="de-DE" dirty="0"/>
-              <a:t>Auch Wörterbuch genannt</a:t>
-            </a:r>
-          </a:p>
-          <a:p>
-            <a:pPr lvl="1"/>
-            <a:endParaRPr lang="de-DE" dirty="0"/>
-          </a:p>
-          <a:p>
-            <a:pPr lvl="1"/>
-            <a:r>
-              <a:rPr lang="de-DE" dirty="0"/>
-              <a:t>Die Liste wird Stück für Stück durchgegangen und ausprobiert</a:t>
-            </a:r>
-          </a:p>
-          <a:p>
-            <a:pPr lvl="1"/>
-            <a:r>
-              <a:rPr lang="de-DE" dirty="0"/>
-              <a:t>Enthält meistens die üblichen Passwörter</a:t>
-            </a:r>
-          </a:p>
-          <a:p>
-            <a:pPr lvl="1"/>
-            <a:endParaRPr lang="de-DE" dirty="0"/>
-          </a:p>
-          <a:p>
-            <a:pPr lvl="1"/>
-            <a:r>
-              <a:rPr lang="de-DE" dirty="0"/>
-              <a:t>John empfiehlt als </a:t>
-            </a:r>
-            <a:r>
-              <a:rPr lang="de-DE" dirty="0" err="1"/>
-              <a:t>Wordlist</a:t>
-            </a:r>
-            <a:r>
-              <a:rPr lang="de-DE" dirty="0"/>
-              <a:t> </a:t>
-            </a:r>
-            <a:r>
-              <a:rPr lang="de-DE" dirty="0" err="1"/>
-              <a:t>Openwall</a:t>
-            </a:r>
-            <a:endParaRPr lang="de-DE" dirty="0"/>
-          </a:p>
-          <a:p>
-            <a:pPr lvl="2"/>
-            <a:r>
-              <a:rPr lang="de-DE" dirty="0" err="1"/>
-              <a:t>Openwall</a:t>
-            </a:r>
-            <a:r>
-              <a:rPr lang="de-DE" dirty="0"/>
-              <a:t>= riesige </a:t>
-            </a:r>
-            <a:r>
-              <a:rPr lang="de-DE" dirty="0" err="1"/>
-              <a:t>Wordlist</a:t>
-            </a:r>
-            <a:r>
-              <a:rPr lang="de-DE" dirty="0"/>
-              <a:t> nach </a:t>
-            </a:r>
-            <a:r>
-              <a:rPr lang="de-DE" dirty="0" err="1"/>
-              <a:t>wahrscheinlichkeiten</a:t>
-            </a:r>
-            <a:r>
-              <a:rPr lang="de-DE" dirty="0"/>
-              <a:t> sortiert</a:t>
-            </a:r>
-          </a:p>
-          <a:p>
-            <a:pPr marL="0" indent="0">
-              <a:buNone/>
-            </a:pPr>
-            <a:endParaRPr lang="de-DE" dirty="0"/>
-          </a:p>
-          <a:p>
-            <a:r>
-              <a:rPr lang="de-DE" dirty="0"/>
-              <a:t>Beispiel</a:t>
-            </a:r>
-          </a:p>
-          <a:p>
-            <a:pPr lvl="1"/>
-            <a:r>
-              <a:rPr lang="de-DE" dirty="0" err="1"/>
-              <a:t>sschuck</a:t>
-            </a:r>
-            <a:r>
-              <a:rPr lang="de-DE" dirty="0"/>
-              <a:t>:$6$Finhqm.v$kgiVkr38bZXIUNLFJZQYa..mXmCmVYn7ohD/OkYgB568jVyhNm2ZQUrknk14kXZdMnAJsDynHQbgz7elqOQlV0:17670:0:99999:7:::</a:t>
-            </a:r>
-          </a:p>
-          <a:p>
-            <a:pPr lvl="1"/>
-            <a:r>
-              <a:rPr lang="de-DE" dirty="0"/>
-              <a:t>John  --</a:t>
-            </a:r>
-            <a:r>
-              <a:rPr lang="de-DE" dirty="0" err="1"/>
-              <a:t>wordlist</a:t>
-            </a:r>
-            <a:r>
-              <a:rPr lang="de-DE" dirty="0"/>
-              <a:t>=&lt;ausgewähltes Wörterbuch&gt;</a:t>
-            </a:r>
-          </a:p>
-        </p:txBody>
-      </p:sp>
-      <p:sp>
-        <p:nvSpPr>
           <p:cNvPr id="6" name="Textfeld 5">
             <a:extLst>
               <a:ext uri="{FF2B5EF4-FFF2-40B4-BE49-F238E27FC236}">
@@ -15960,8 +18450,8 @@
         </p:nvSpPr>
         <p:spPr>
           <a:xfrm>
-            <a:off x="9827581" y="186431"/>
-            <a:ext cx="2095130" cy="369332"/>
+            <a:off x="9827580" y="186431"/>
+            <a:ext cx="2273439" cy="369332"/>
           </a:xfrm>
           <a:prstGeom prst="rect">
             <a:avLst/>
@@ -17736,7 +20226,9 @@
         </p:nvSpPr>
         <p:spPr/>
         <p:txBody>
-          <a:bodyPr/>
+          <a:bodyPr>
+            <a:normAutofit/>
+          </a:bodyPr>
           <a:lstStyle/>
           <a:p>
             <a:r>
@@ -17869,12 +20361,7 @@
             <p:ph type="title"/>
           </p:nvPr>
         </p:nvSpPr>
-        <p:spPr>
-          <a:xfrm>
-            <a:off x="838200" y="365125"/>
-            <a:ext cx="10515600" cy="1325563"/>
-          </a:xfrm>
-        </p:spPr>
+        <p:spPr/>
         <p:txBody>
           <a:bodyPr/>
           <a:lstStyle/>
@@ -18085,7 +20572,11 @@
           </a:lstStyle>
           <a:p>
             <a:r>
-              <a:rPr lang="de-DE" dirty="0"/>
+              <a:rPr lang="de-DE" dirty="0">
+                <a:solidFill>
+                  <a:schemeClr val="accent1"/>
+                </a:solidFill>
+              </a:rPr>
               <a:t>Kryptographische Hashfunktionen</a:t>
             </a:r>
           </a:p>
@@ -18140,8 +20631,8 @@
         </p:nvSpPr>
         <p:spPr>
           <a:xfrm>
-            <a:off x="9047167" y="362872"/>
-            <a:ext cx="1430530" cy="369332"/>
+            <a:off x="8948692" y="362872"/>
+            <a:ext cx="1568188" cy="369332"/>
           </a:xfrm>
           <a:prstGeom prst="rect">
             <a:avLst/>
@@ -18176,7 +20667,7 @@
         <p:spPr>
           <a:xfrm>
             <a:off x="10561530" y="362872"/>
-            <a:ext cx="1104135" cy="369332"/>
+            <a:ext cx="1218155" cy="369332"/>
           </a:xfrm>
           <a:prstGeom prst="rect">
             <a:avLst/>
@@ -18241,7 +20732,7 @@
         <p:spPr>
           <a:xfrm>
             <a:off x="10516880" y="4432186"/>
-            <a:ext cx="1104135" cy="369332"/>
+            <a:ext cx="1148785" cy="369332"/>
           </a:xfrm>
           <a:prstGeom prst="rect">
             <a:avLst/>
@@ -19897,10 +22388,15 @@
             <p:ph idx="1"/>
           </p:nvPr>
         </p:nvSpPr>
-        <p:spPr/>
+        <p:spPr>
+          <a:xfrm>
+            <a:off x="677334" y="1242875"/>
+            <a:ext cx="8596668" cy="4798488"/>
+          </a:xfrm>
+        </p:spPr>
         <p:txBody>
           <a:bodyPr>
-            <a:normAutofit fontScale="92500" lnSpcReduction="20000"/>
+            <a:normAutofit/>
           </a:bodyPr>
           <a:lstStyle/>
           <a:p>
@@ -20750,10 +23246,15 @@
             <p:ph idx="1"/>
           </p:nvPr>
         </p:nvSpPr>
-        <p:spPr/>
+        <p:spPr>
+          <a:xfrm>
+            <a:off x="677334" y="1198485"/>
+            <a:ext cx="8596668" cy="5175682"/>
+          </a:xfrm>
+        </p:spPr>
         <p:txBody>
           <a:bodyPr>
-            <a:normAutofit fontScale="62500" lnSpcReduction="20000"/>
+            <a:normAutofit fontScale="77500" lnSpcReduction="20000"/>
           </a:bodyPr>
           <a:lstStyle/>
           <a:p>
@@ -22443,7 +24944,12 @@
             <p:ph idx="1"/>
           </p:nvPr>
         </p:nvSpPr>
-        <p:spPr/>
+        <p:spPr>
+          <a:xfrm>
+            <a:off x="666640" y="1930400"/>
+            <a:ext cx="8596668" cy="3880773"/>
+          </a:xfrm>
+        </p:spPr>
         <p:txBody>
           <a:bodyPr/>
           <a:lstStyle/>
@@ -23428,9 +25934,9 @@
 </file>
 
 <file path=ppt/theme/theme1.xml><?xml version="1.0" encoding="utf-8"?>
-<a:theme xmlns:a="http://schemas.openxmlformats.org/drawingml/2006/main" name="Office">
+<a:theme xmlns:a="http://schemas.openxmlformats.org/drawingml/2006/main" name="Facette">
   <a:themeElements>
-    <a:clrScheme name="Office">
+    <a:clrScheme name="Facette">
       <a:dk1>
         <a:sysClr val="windowText" lastClr="000000"/>
       </a:dk1>
@@ -23438,52 +25944,52 @@
         <a:sysClr val="window" lastClr="FFFFFF"/>
       </a:lt1>
       <a:dk2>
-        <a:srgbClr val="44546A"/>
+        <a:srgbClr val="2C3C43"/>
       </a:dk2>
       <a:lt2>
-        <a:srgbClr val="E7E6E6"/>
+        <a:srgbClr val="EBEBEB"/>
       </a:lt2>
       <a:accent1>
-        <a:srgbClr val="4472C4"/>
+        <a:srgbClr val="90C226"/>
       </a:accent1>
       <a:accent2>
-        <a:srgbClr val="ED7D31"/>
+        <a:srgbClr val="54A021"/>
       </a:accent2>
       <a:accent3>
-        <a:srgbClr val="A5A5A5"/>
+        <a:srgbClr val="E6B91E"/>
       </a:accent3>
       <a:accent4>
-        <a:srgbClr val="FFC000"/>
+        <a:srgbClr val="E76618"/>
       </a:accent4>
       <a:accent5>
-        <a:srgbClr val="5B9BD5"/>
+        <a:srgbClr val="C42F1A"/>
       </a:accent5>
       <a:accent6>
-        <a:srgbClr val="70AD47"/>
+        <a:srgbClr val="918655"/>
       </a:accent6>
       <a:hlink>
-        <a:srgbClr val="0563C1"/>
+        <a:srgbClr val="99CA3C"/>
       </a:hlink>
       <a:folHlink>
-        <a:srgbClr val="954F72"/>
+        <a:srgbClr val="B9D181"/>
       </a:folHlink>
     </a:clrScheme>
-    <a:fontScheme name="Office">
+    <a:fontScheme name="Facette">
       <a:majorFont>
-        <a:latin typeface="Calibri Light" panose="020F0302020204030204"/>
+        <a:latin typeface="Trebuchet MS" panose="020B0603020202020204"/>
         <a:ea typeface=""/>
         <a:cs typeface=""/>
-        <a:font script="Jpan" typeface="游ゴシック Light"/>
+        <a:font script="Jpan" typeface="メイリオ"/>
         <a:font script="Hang" typeface="맑은 고딕"/>
-        <a:font script="Hans" typeface="等线 Light"/>
-        <a:font script="Hant" typeface="新細明體"/>
-        <a:font script="Arab" typeface="Times New Roman"/>
-        <a:font script="Hebr" typeface="Times New Roman"/>
-        <a:font script="Thai" typeface="Angsana New"/>
+        <a:font script="Hans" typeface="方正姚体"/>
+        <a:font script="Hant" typeface="微軟正黑體"/>
+        <a:font script="Arab" typeface="Tahoma"/>
+        <a:font script="Hebr" typeface="Arial"/>
+        <a:font script="Thai" typeface="Cordia New"/>
         <a:font script="Ethi" typeface="Nyala"/>
         <a:font script="Beng" typeface="Vrinda"/>
         <a:font script="Gujr" typeface="Shruti"/>
-        <a:font script="Khmr" typeface="MoolBoran"/>
+        <a:font script="Khmr" typeface="DaunPenh"/>
         <a:font script="Knda" typeface="Tunga"/>
         <a:font script="Guru" typeface="Raavi"/>
         <a:font script="Cans" typeface="Euphemia"/>
@@ -23500,38 +26006,21 @@
         <a:font script="Laoo" typeface="DokChampa"/>
         <a:font script="Sinh" typeface="Iskoola Pota"/>
         <a:font script="Mong" typeface="Mongolian Baiti"/>
-        <a:font script="Viet" typeface="Times New Roman"/>
+        <a:font script="Viet" typeface="Tahoma"/>
         <a:font script="Uigh" typeface="Microsoft Uighur"/>
         <a:font script="Geor" typeface="Sylfaen"/>
-        <a:font script="Armn" typeface="Arial"/>
-        <a:font script="Bugi" typeface="Leelawadee UI"/>
-        <a:font script="Bopo" typeface="Microsoft JhengHei"/>
-        <a:font script="Java" typeface="Javanese Text"/>
-        <a:font script="Lisu" typeface="Segoe UI"/>
-        <a:font script="Mymr" typeface="Myanmar Text"/>
-        <a:font script="Nkoo" typeface="Ebrima"/>
-        <a:font script="Olck" typeface="Nirmala UI"/>
-        <a:font script="Osma" typeface="Ebrima"/>
-        <a:font script="Phag" typeface="Phagspa"/>
-        <a:font script="Syrn" typeface="Estrangelo Edessa"/>
-        <a:font script="Syrj" typeface="Estrangelo Edessa"/>
-        <a:font script="Syre" typeface="Estrangelo Edessa"/>
-        <a:font script="Sora" typeface="Nirmala UI"/>
-        <a:font script="Tale" typeface="Microsoft Tai Le"/>
-        <a:font script="Talu" typeface="Microsoft New Tai Lue"/>
-        <a:font script="Tfng" typeface="Ebrima"/>
       </a:majorFont>
       <a:minorFont>
-        <a:latin typeface="Calibri" panose="020F0502020204030204"/>
+        <a:latin typeface="Trebuchet MS" panose="020B0603020202020204"/>
         <a:ea typeface=""/>
         <a:cs typeface=""/>
-        <a:font script="Jpan" typeface="游ゴシック"/>
-        <a:font script="Hang" typeface="맑은 고딕"/>
-        <a:font script="Hans" typeface="等线"/>
-        <a:font script="Hant" typeface="新細明體"/>
-        <a:font script="Arab" typeface="Arial"/>
-        <a:font script="Hebr" typeface="Arial"/>
-        <a:font script="Thai" typeface="Cordia New"/>
+        <a:font script="Jpan" typeface="メイリオ"/>
+        <a:font script="Hang" typeface="HY그래픽M"/>
+        <a:font script="Hans" typeface="华文新魏"/>
+        <a:font script="Hant" typeface="微軟正黑體"/>
+        <a:font script="Arab" typeface="Tahoma"/>
+        <a:font script="Hebr" typeface="Gisha"/>
+        <a:font script="Thai" typeface="IrisUPC"/>
         <a:font script="Ethi" typeface="Nyala"/>
         <a:font script="Beng" typeface="Vrinda"/>
         <a:font script="Gujr" typeface="Shruti"/>
@@ -23555,26 +26044,9 @@
         <a:font script="Viet" typeface="Arial"/>
         <a:font script="Uigh" typeface="Microsoft Uighur"/>
         <a:font script="Geor" typeface="Sylfaen"/>
-        <a:font script="Armn" typeface="Arial"/>
-        <a:font script="Bugi" typeface="Leelawadee UI"/>
-        <a:font script="Bopo" typeface="Microsoft JhengHei"/>
-        <a:font script="Java" typeface="Javanese Text"/>
-        <a:font script="Lisu" typeface="Segoe UI"/>
-        <a:font script="Mymr" typeface="Myanmar Text"/>
-        <a:font script="Nkoo" typeface="Ebrima"/>
-        <a:font script="Olck" typeface="Nirmala UI"/>
-        <a:font script="Osma" typeface="Ebrima"/>
-        <a:font script="Phag" typeface="Phagspa"/>
-        <a:font script="Syrn" typeface="Estrangelo Edessa"/>
-        <a:font script="Syrj" typeface="Estrangelo Edessa"/>
-        <a:font script="Syre" typeface="Estrangelo Edessa"/>
-        <a:font script="Sora" typeface="Nirmala UI"/>
-        <a:font script="Tale" typeface="Microsoft Tai Le"/>
-        <a:font script="Talu" typeface="Microsoft New Tai Lue"/>
-        <a:font script="Tfng" typeface="Ebrima"/>
       </a:minorFont>
     </a:fontScheme>
-    <a:fmtScheme name="Office">
+    <a:fmtScheme name="Facette">
       <a:fillStyleLst>
         <a:solidFill>
           <a:schemeClr val="phClr"/>
@@ -23583,23 +26055,13 @@
           <a:gsLst>
             <a:gs pos="0">
               <a:schemeClr val="phClr">
+                <a:tint val="65000"/>
                 <a:lumMod val="110000"/>
-                <a:satMod val="105000"/>
-                <a:tint val="67000"/>
               </a:schemeClr>
             </a:gs>
-            <a:gs pos="50000">
+            <a:gs pos="88000">
               <a:schemeClr val="phClr">
-                <a:lumMod val="105000"/>
-                <a:satMod val="103000"/>
-                <a:tint val="73000"/>
-              </a:schemeClr>
-            </a:gs>
-            <a:gs pos="100000">
-              <a:schemeClr val="phClr">
-                <a:lumMod val="105000"/>
-                <a:satMod val="109000"/>
-                <a:tint val="81000"/>
+                <a:tint val="90000"/>
               </a:schemeClr>
             </a:gs>
           </a:gsLst>
@@ -23609,23 +26071,14 @@
           <a:gsLst>
             <a:gs pos="0">
               <a:schemeClr val="phClr">
-                <a:satMod val="103000"/>
-                <a:lumMod val="102000"/>
-                <a:tint val="94000"/>
+                <a:tint val="96000"/>
+                <a:lumMod val="100000"/>
               </a:schemeClr>
             </a:gs>
-            <a:gs pos="50000">
+            <a:gs pos="78000">
               <a:schemeClr val="phClr">
-                <a:satMod val="110000"/>
-                <a:lumMod val="100000"/>
-                <a:shade val="100000"/>
-              </a:schemeClr>
-            </a:gs>
-            <a:gs pos="100000">
-              <a:schemeClr val="phClr">
-                <a:lumMod val="99000"/>
-                <a:satMod val="120000"/>
-                <a:shade val="78000"/>
+                <a:shade val="94000"/>
+                <a:lumMod val="94000"/>
               </a:schemeClr>
             </a:gs>
           </a:gsLst>
@@ -23633,26 +26086,23 @@
         </a:gradFill>
       </a:fillStyleLst>
       <a:lnStyleLst>
-        <a:ln w="6350" cap="flat" cmpd="sng" algn="ctr">
+        <a:ln w="12700" cap="rnd" cmpd="sng" algn="ctr">
           <a:solidFill>
             <a:schemeClr val="phClr"/>
           </a:solidFill>
           <a:prstDash val="solid"/>
-          <a:miter lim="800000"/>
         </a:ln>
-        <a:ln w="12700" cap="flat" cmpd="sng" algn="ctr">
+        <a:ln w="19050" cap="rnd" cmpd="sng" algn="ctr">
           <a:solidFill>
             <a:schemeClr val="phClr"/>
           </a:solidFill>
           <a:prstDash val="solid"/>
-          <a:miter lim="800000"/>
         </a:ln>
-        <a:ln w="19050" cap="flat" cmpd="sng" algn="ctr">
+        <a:ln w="25400" cap="rnd" cmpd="sng" algn="ctr">
           <a:solidFill>
             <a:schemeClr val="phClr"/>
           </a:solidFill>
           <a:prstDash val="solid"/>
-          <a:miter lim="800000"/>
         </a:ln>
       </a:lnStyleLst>
       <a:effectStyleLst>
@@ -23660,54 +26110,72 @@
           <a:effectLst/>
         </a:effectStyle>
         <a:effectStyle>
-          <a:effectLst/>
+          <a:effectLst>
+            <a:outerShdw blurRad="38100" dist="25400" dir="5400000" rotWithShape="0">
+              <a:srgbClr val="000000">
+                <a:alpha val="35000"/>
+              </a:srgbClr>
+            </a:outerShdw>
+          </a:effectLst>
         </a:effectStyle>
         <a:effectStyle>
           <a:effectLst>
-            <a:outerShdw blurRad="57150" dist="19050" dir="5400000" algn="ctr" rotWithShape="0">
+            <a:outerShdw blurRad="50800" dist="38100" dir="5400000" rotWithShape="0">
               <a:srgbClr val="000000">
-                <a:alpha val="63000"/>
+                <a:alpha val="35000"/>
               </a:srgbClr>
             </a:outerShdw>
           </a:effectLst>
+          <a:scene3d>
+            <a:camera prst="orthographicFront">
+              <a:rot lat="0" lon="0" rev="0"/>
+            </a:camera>
+            <a:lightRig rig="threePt" dir="tl"/>
+          </a:scene3d>
+          <a:sp3d prstMaterial="plastic">
+            <a:bevelT w="0" h="0"/>
+          </a:sp3d>
         </a:effectStyle>
       </a:effectStyleLst>
       <a:bgFillStyleLst>
         <a:solidFill>
           <a:schemeClr val="phClr"/>
         </a:solidFill>
-        <a:solidFill>
-          <a:schemeClr val="phClr">
-            <a:tint val="95000"/>
-            <a:satMod val="170000"/>
-          </a:schemeClr>
-        </a:solidFill>
         <a:gradFill rotWithShape="1">
           <a:gsLst>
             <a:gs pos="0">
               <a:schemeClr val="phClr">
-                <a:tint val="93000"/>
-                <a:satMod val="150000"/>
-                <a:shade val="98000"/>
-                <a:lumMod val="102000"/>
+                <a:tint val="90000"/>
+                <a:lumMod val="104000"/>
               </a:schemeClr>
             </a:gs>
-            <a:gs pos="50000">
+            <a:gs pos="94000">
               <a:schemeClr val="phClr">
-                <a:tint val="98000"/>
-                <a:satMod val="130000"/>
-                <a:shade val="90000"/>
-                <a:lumMod val="103000"/>
+                <a:shade val="96000"/>
+                <a:lumMod val="82000"/>
+              </a:schemeClr>
+            </a:gs>
+          </a:gsLst>
+          <a:lin ang="5400000" scaled="0"/>
+        </a:gradFill>
+        <a:gradFill rotWithShape="1">
+          <a:gsLst>
+            <a:gs pos="0">
+              <a:schemeClr val="phClr">
+                <a:tint val="90000"/>
+                <a:lumMod val="110000"/>
               </a:schemeClr>
             </a:gs>
             <a:gs pos="100000">
               <a:schemeClr val="phClr">
-                <a:shade val="63000"/>
-                <a:satMod val="120000"/>
+                <a:shade val="94000"/>
+                <a:lumMod val="96000"/>
               </a:schemeClr>
             </a:gs>
           </a:gsLst>
-          <a:lin ang="5400000" scaled="0"/>
+          <a:path path="circle">
+            <a:fillToRect l="50000" t="50000" r="100000" b="100000"/>
+          </a:path>
         </a:gradFill>
       </a:bgFillStyleLst>
     </a:fmtScheme>
@@ -23716,7 +26184,7 @@
   <a:extraClrSchemeLst/>
   <a:extLst>
     <a:ext uri="{05A4C25C-085E-4340-85A3-A5531E510DB2}">
-      <thm15:themeFamily xmlns:thm15="http://schemas.microsoft.com/office/thememl/2012/main" name="Office Theme" id="{62F939B6-93AF-4DB8-9C6B-D6C7DFDC589F}" vid="{4A3C46E8-61CC-4603-A589-7422A47A8E4A}"/>
+      <thm15:themeFamily xmlns:thm15="http://schemas.microsoft.com/office/thememl/2012/main" name="Facet" id="{C0C680CD-088A-49FC-A102-D699147F32B2}" vid="{8C59B386-999D-4CB6-B907-9F3997C027CC}"/>
     </a:ext>
   </a:extLst>
 </a:theme>

--- a/Vortrag.pptx
+++ b/Vortrag.pptx
@@ -12263,7 +12263,15 @@
             </a:r>
             <a:r>
               <a:rPr lang="de-DE" dirty="0"/>
-              <a:t> --wordlist=wordlist(ende).txt password.txt</a:t>
+              <a:t> --wordlist</a:t>
+            </a:r>
+            <a:r>
+              <a:rPr lang="de-DE"/>
+              <a:t>=wordlistEnde.</a:t>
+            </a:r>
+            <a:r>
+              <a:rPr lang="de-DE" dirty="0"/>
+              <a:t>txt password.txt</a:t>
             </a:r>
           </a:p>
           <a:p>
@@ -18850,7 +18858,7 @@
                             </p:stCondLst>
                             <p:childTnLst>
                               <p:par>
-                                <p:cTn id="33" presetID="1" presetClass="entr" presetSubtype="0" fill="hold" nodeType="clickEffect">
+                                <p:cTn id="33" presetID="1" presetClass="entr" presetSubtype="0" fill="hold" grpId="0" nodeType="clickEffect">
                                   <p:stCondLst>
                                     <p:cond delay="0"/>
                                   </p:stCondLst>
@@ -18858,6 +18866,104 @@
                                     <p:set>
                                       <p:cBhvr>
                                         <p:cTn id="34" dur="1" fill="hold">
+                                          <p:stCondLst>
+                                            <p:cond delay="0"/>
+                                          </p:stCondLst>
+                                        </p:cTn>
+                                        <p:tgtEl>
+                                          <p:spTgt spid="3">
+                                            <p:txEl>
+                                              <p:pRg st="10" end="10"/>
+                                            </p:txEl>
+                                          </p:spTgt>
+                                        </p:tgtEl>
+                                        <p:attrNameLst>
+                                          <p:attrName>style.visibility</p:attrName>
+                                        </p:attrNameLst>
+                                      </p:cBhvr>
+                                      <p:to>
+                                        <p:strVal val="visible"/>
+                                      </p:to>
+                                    </p:set>
+                                  </p:childTnLst>
+                                </p:cTn>
+                              </p:par>
+                            </p:childTnLst>
+                          </p:cTn>
+                        </p:par>
+                      </p:childTnLst>
+                    </p:cTn>
+                  </p:par>
+                  <p:par>
+                    <p:cTn id="35" fill="hold">
+                      <p:stCondLst>
+                        <p:cond delay="indefinite"/>
+                      </p:stCondLst>
+                      <p:childTnLst>
+                        <p:par>
+                          <p:cTn id="36" fill="hold">
+                            <p:stCondLst>
+                              <p:cond delay="0"/>
+                            </p:stCondLst>
+                            <p:childTnLst>
+                              <p:par>
+                                <p:cTn id="37" presetID="1" presetClass="entr" presetSubtype="0" fill="hold" grpId="0" nodeType="clickEffect">
+                                  <p:stCondLst>
+                                    <p:cond delay="0"/>
+                                  </p:stCondLst>
+                                  <p:childTnLst>
+                                    <p:set>
+                                      <p:cBhvr>
+                                        <p:cTn id="38" dur="1" fill="hold">
+                                          <p:stCondLst>
+                                            <p:cond delay="0"/>
+                                          </p:stCondLst>
+                                        </p:cTn>
+                                        <p:tgtEl>
+                                          <p:spTgt spid="3">
+                                            <p:txEl>
+                                              <p:pRg st="11" end="11"/>
+                                            </p:txEl>
+                                          </p:spTgt>
+                                        </p:tgtEl>
+                                        <p:attrNameLst>
+                                          <p:attrName>style.visibility</p:attrName>
+                                        </p:attrNameLst>
+                                      </p:cBhvr>
+                                      <p:to>
+                                        <p:strVal val="visible"/>
+                                      </p:to>
+                                    </p:set>
+                                  </p:childTnLst>
+                                </p:cTn>
+                              </p:par>
+                            </p:childTnLst>
+                          </p:cTn>
+                        </p:par>
+                      </p:childTnLst>
+                    </p:cTn>
+                  </p:par>
+                  <p:par>
+                    <p:cTn id="39" fill="hold">
+                      <p:stCondLst>
+                        <p:cond delay="indefinite"/>
+                      </p:stCondLst>
+                      <p:childTnLst>
+                        <p:par>
+                          <p:cTn id="40" fill="hold">
+                            <p:stCondLst>
+                              <p:cond delay="0"/>
+                            </p:stCondLst>
+                            <p:childTnLst>
+                              <p:par>
+                                <p:cTn id="41" presetID="1" presetClass="entr" presetSubtype="0" fill="hold" nodeType="clickEffect">
+                                  <p:stCondLst>
+                                    <p:cond delay="0"/>
+                                  </p:stCondLst>
+                                  <p:childTnLst>
+                                    <p:set>
+                                      <p:cBhvr>
+                                        <p:cTn id="42" dur="1" fill="hold">
                                           <p:stCondLst>
                                             <p:cond delay="0"/>
                                           </p:stCondLst>
@@ -18877,97 +18983,7 @@
                                 </p:cTn>
                               </p:par>
                               <p:par>
-                                <p:cTn id="35" presetID="1" presetClass="entr" presetSubtype="0" fill="hold" grpId="0" nodeType="withEffect">
-                                  <p:stCondLst>
-                                    <p:cond delay="0"/>
-                                  </p:stCondLst>
-                                  <p:childTnLst>
-                                    <p:set>
-                                      <p:cBhvr>
-                                        <p:cTn id="36" dur="1" fill="hold">
-                                          <p:stCondLst>
-                                            <p:cond delay="0"/>
-                                          </p:stCondLst>
-                                        </p:cTn>
-                                        <p:tgtEl>
-                                          <p:spTgt spid="6"/>
-                                        </p:tgtEl>
-                                        <p:attrNameLst>
-                                          <p:attrName>style.visibility</p:attrName>
-                                        </p:attrNameLst>
-                                      </p:cBhvr>
-                                      <p:to>
-                                        <p:strVal val="visible"/>
-                                      </p:to>
-                                    </p:set>
-                                  </p:childTnLst>
-                                </p:cTn>
-                              </p:par>
-                            </p:childTnLst>
-                          </p:cTn>
-                        </p:par>
-                      </p:childTnLst>
-                    </p:cTn>
-                  </p:par>
-                  <p:par>
-                    <p:cTn id="37" fill="hold">
-                      <p:stCondLst>
-                        <p:cond delay="indefinite"/>
-                      </p:stCondLst>
-                      <p:childTnLst>
-                        <p:par>
-                          <p:cTn id="38" fill="hold">
-                            <p:stCondLst>
-                              <p:cond delay="0"/>
-                            </p:stCondLst>
-                            <p:childTnLst>
-                              <p:par>
-                                <p:cTn id="39" presetID="1" presetClass="entr" presetSubtype="0" fill="hold" nodeType="clickEffect">
-                                  <p:stCondLst>
-                                    <p:cond delay="0"/>
-                                  </p:stCondLst>
-                                  <p:childTnLst>
-                                    <p:set>
-                                      <p:cBhvr>
-                                        <p:cTn id="40" dur="1" fill="hold">
-                                          <p:stCondLst>
-                                            <p:cond delay="0"/>
-                                          </p:stCondLst>
-                                        </p:cTn>
-                                        <p:tgtEl>
-                                          <p:spTgt spid="4"/>
-                                        </p:tgtEl>
-                                        <p:attrNameLst>
-                                          <p:attrName>style.visibility</p:attrName>
-                                        </p:attrNameLst>
-                                      </p:cBhvr>
-                                      <p:to>
-                                        <p:strVal val="visible"/>
-                                      </p:to>
-                                    </p:set>
-                                  </p:childTnLst>
-                                </p:cTn>
-                              </p:par>
-                            </p:childTnLst>
-                          </p:cTn>
-                        </p:par>
-                      </p:childTnLst>
-                    </p:cTn>
-                  </p:par>
-                  <p:par>
-                    <p:cTn id="41" fill="hold">
-                      <p:stCondLst>
-                        <p:cond delay="indefinite"/>
-                      </p:stCondLst>
-                      <p:childTnLst>
-                        <p:par>
-                          <p:cTn id="42" fill="hold">
-                            <p:stCondLst>
-                              <p:cond delay="0"/>
-                            </p:stCondLst>
-                            <p:childTnLst>
-                              <p:par>
-                                <p:cTn id="43" presetID="1" presetClass="entr" presetSubtype="0" fill="hold" grpId="0" nodeType="clickEffect">
+                                <p:cTn id="43" presetID="1" presetClass="entr" presetSubtype="0" fill="hold" grpId="0" nodeType="withEffect">
                                   <p:stCondLst>
                                     <p:cond delay="0"/>
                                   </p:stCondLst>
@@ -18980,11 +18996,7 @@
                                           </p:stCondLst>
                                         </p:cTn>
                                         <p:tgtEl>
-                                          <p:spTgt spid="3">
-                                            <p:txEl>
-                                              <p:pRg st="10" end="10"/>
-                                            </p:txEl>
-                                          </p:spTgt>
+                                          <p:spTgt spid="6"/>
                                         </p:tgtEl>
                                         <p:attrNameLst>
                                           <p:attrName>style.visibility</p:attrName>
@@ -19016,7 +19028,7 @@
                             </p:stCondLst>
                             <p:childTnLst>
                               <p:par>
-                                <p:cTn id="47" presetID="1" presetClass="entr" presetSubtype="0" fill="hold" grpId="0" nodeType="clickEffect">
+                                <p:cTn id="47" presetID="1" presetClass="entr" presetSubtype="0" fill="hold" nodeType="clickEffect">
                                   <p:stCondLst>
                                     <p:cond delay="0"/>
                                   </p:stCondLst>
@@ -19029,11 +19041,7 @@
                                           </p:stCondLst>
                                         </p:cTn>
                                         <p:tgtEl>
-                                          <p:spTgt spid="3">
-                                            <p:txEl>
-                                              <p:pRg st="11" end="11"/>
-                                            </p:txEl>
-                                          </p:spTgt>
+                                          <p:spTgt spid="4"/>
                                         </p:tgtEl>
                                         <p:attrNameLst>
                                           <p:attrName>style.visibility</p:attrName>
@@ -23248,13 +23256,13 @@
         </p:nvSpPr>
         <p:spPr>
           <a:xfrm>
-            <a:off x="677334" y="1198485"/>
-            <a:ext cx="8596668" cy="5175682"/>
+            <a:off x="677334" y="1198484"/>
+            <a:ext cx="8596668" cy="5575177"/>
           </a:xfrm>
         </p:spPr>
         <p:txBody>
           <a:bodyPr>
-            <a:normAutofit fontScale="77500" lnSpcReduction="20000"/>
+            <a:normAutofit fontScale="85000" lnSpcReduction="20000"/>
           </a:bodyPr>
           <a:lstStyle/>
           <a:p>
@@ -23275,13 +23283,6 @@
             <a:pPr lvl="1"/>
             <a:r>
               <a:rPr lang="de-DE" dirty="0"/>
-              <a:t>128 Bit lange Hashwerte, als Hexadezimalzahl gespeichert</a:t>
-            </a:r>
-          </a:p>
-          <a:p>
-            <a:pPr lvl="1"/>
-            <a:r>
-              <a:rPr lang="de-DE" dirty="0"/>
               <a:t>1991 entwickelt</a:t>
             </a:r>
           </a:p>
@@ -23308,9 +23309,20 @@
             </a:r>
           </a:p>
           <a:p>
+            <a:pPr lvl="1"/>
             <a:r>
               <a:rPr lang="de-DE" dirty="0"/>
-              <a:t>$2a$ oder $2b$ oder $2y$ = </a:t>
+              <a:t>128 Bit lange Hashwerte, als Hexadezimalzahl gespeichert</a:t>
+            </a:r>
+          </a:p>
+          <a:p>
+            <a:pPr lvl="3"/>
+            <a:endParaRPr lang="de-DE" dirty="0"/>
+          </a:p>
+          <a:p>
+            <a:r>
+              <a:rPr lang="de-DE" dirty="0"/>
+              <a:t>$2a$ oder $2y$ oder $2b$ = </a:t>
             </a:r>
             <a:r>
               <a:rPr lang="de-DE" dirty="0" err="1"/>
@@ -23636,33 +23648,15 @@
                                   </p:childTnLst>
                                 </p:cTn>
                               </p:par>
-                            </p:childTnLst>
-                          </p:cTn>
-                        </p:par>
-                      </p:childTnLst>
-                    </p:cTn>
-                  </p:par>
-                  <p:par>
-                    <p:cTn id="19" fill="hold">
-                      <p:stCondLst>
-                        <p:cond delay="indefinite"/>
-                      </p:stCondLst>
-                      <p:childTnLst>
-                        <p:par>
-                          <p:cTn id="20" fill="hold">
-                            <p:stCondLst>
-                              <p:cond delay="0"/>
-                            </p:stCondLst>
-                            <p:childTnLst>
                               <p:par>
-                                <p:cTn id="21" presetID="1" presetClass="entr" presetSubtype="0" fill="hold" grpId="0" nodeType="clickEffect">
+                                <p:cTn id="19" presetID="1" presetClass="entr" presetSubtype="0" fill="hold" grpId="0" nodeType="withEffect">
                                   <p:stCondLst>
                                     <p:cond delay="0"/>
                                   </p:stCondLst>
                                   <p:childTnLst>
                                     <p:set>
                                       <p:cBhvr>
-                                        <p:cTn id="22" dur="1" fill="hold">
+                                        <p:cTn id="20" dur="1" fill="hold">
                                           <p:stCondLst>
                                             <p:cond delay="0"/>
                                           </p:stCondLst>
@@ -23692,75 +23686,26 @@
                     </p:cTn>
                   </p:par>
                   <p:par>
-                    <p:cTn id="23" fill="hold">
+                    <p:cTn id="21" fill="hold">
                       <p:stCondLst>
                         <p:cond delay="indefinite"/>
                       </p:stCondLst>
                       <p:childTnLst>
                         <p:par>
-                          <p:cTn id="24" fill="hold">
+                          <p:cTn id="22" fill="hold">
                             <p:stCondLst>
                               <p:cond delay="0"/>
                             </p:stCondLst>
                             <p:childTnLst>
                               <p:par>
-                                <p:cTn id="25" presetID="1" presetClass="entr" presetSubtype="0" fill="hold" grpId="0" nodeType="clickEffect">
+                                <p:cTn id="23" presetID="1" presetClass="entr" presetSubtype="0" fill="hold" grpId="0" nodeType="clickEffect">
                                   <p:stCondLst>
                                     <p:cond delay="0"/>
                                   </p:stCondLst>
                                   <p:childTnLst>
                                     <p:set>
                                       <p:cBhvr>
-                                        <p:cTn id="26" dur="1" fill="hold">
-                                          <p:stCondLst>
-                                            <p:cond delay="0"/>
-                                          </p:stCondLst>
-                                        </p:cTn>
-                                        <p:tgtEl>
-                                          <p:spTgt spid="3">
-                                            <p:txEl>
-                                              <p:pRg st="5" end="5"/>
-                                            </p:txEl>
-                                          </p:spTgt>
-                                        </p:tgtEl>
-                                        <p:attrNameLst>
-                                          <p:attrName>style.visibility</p:attrName>
-                                        </p:attrNameLst>
-                                      </p:cBhvr>
-                                      <p:to>
-                                        <p:strVal val="visible"/>
-                                      </p:to>
-                                    </p:set>
-                                  </p:childTnLst>
-                                </p:cTn>
-                              </p:par>
-                            </p:childTnLst>
-                          </p:cTn>
-                        </p:par>
-                      </p:childTnLst>
-                    </p:cTn>
-                  </p:par>
-                  <p:par>
-                    <p:cTn id="27" fill="hold">
-                      <p:stCondLst>
-                        <p:cond delay="indefinite"/>
-                      </p:stCondLst>
-                      <p:childTnLst>
-                        <p:par>
-                          <p:cTn id="28" fill="hold">
-                            <p:stCondLst>
-                              <p:cond delay="0"/>
-                            </p:stCondLst>
-                            <p:childTnLst>
-                              <p:par>
-                                <p:cTn id="29" presetID="1" presetClass="entr" presetSubtype="0" fill="hold" grpId="0" nodeType="clickEffect">
-                                  <p:stCondLst>
-                                    <p:cond delay="0"/>
-                                  </p:stCondLst>
-                                  <p:childTnLst>
-                                    <p:set>
-                                      <p:cBhvr>
-                                        <p:cTn id="30" dur="1" fill="hold">
+                                        <p:cTn id="24" dur="1" fill="hold">
                                           <p:stCondLst>
                                             <p:cond delay="0"/>
                                           </p:stCondLst>
@@ -23790,26 +23735,26 @@
                     </p:cTn>
                   </p:par>
                   <p:par>
-                    <p:cTn id="31" fill="hold">
+                    <p:cTn id="25" fill="hold">
                       <p:stCondLst>
                         <p:cond delay="indefinite"/>
                       </p:stCondLst>
                       <p:childTnLst>
                         <p:par>
-                          <p:cTn id="32" fill="hold">
+                          <p:cTn id="26" fill="hold">
                             <p:stCondLst>
                               <p:cond delay="0"/>
                             </p:stCondLst>
                             <p:childTnLst>
                               <p:par>
-                                <p:cTn id="33" presetID="1" presetClass="entr" presetSubtype="0" fill="hold" grpId="0" nodeType="clickEffect">
+                                <p:cTn id="27" presetID="1" presetClass="entr" presetSubtype="0" fill="hold" grpId="0" nodeType="clickEffect">
                                   <p:stCondLst>
                                     <p:cond delay="0"/>
                                   </p:stCondLst>
                                   <p:childTnLst>
                                     <p:set>
                                       <p:cBhvr>
-                                        <p:cTn id="34" dur="1" fill="hold">
+                                        <p:cTn id="28" dur="1" fill="hold">
                                           <p:stCondLst>
                                             <p:cond delay="0"/>
                                           </p:stCondLst>
@@ -23839,26 +23784,26 @@
                     </p:cTn>
                   </p:par>
                   <p:par>
-                    <p:cTn id="35" fill="hold">
+                    <p:cTn id="29" fill="hold">
                       <p:stCondLst>
                         <p:cond delay="indefinite"/>
                       </p:stCondLst>
                       <p:childTnLst>
                         <p:par>
-                          <p:cTn id="36" fill="hold">
+                          <p:cTn id="30" fill="hold">
                             <p:stCondLst>
                               <p:cond delay="0"/>
                             </p:stCondLst>
                             <p:childTnLst>
                               <p:par>
-                                <p:cTn id="37" presetID="1" presetClass="entr" presetSubtype="0" fill="hold" grpId="0" nodeType="clickEffect">
+                                <p:cTn id="31" presetID="1" presetClass="entr" presetSubtype="0" fill="hold" grpId="0" nodeType="clickEffect">
                                   <p:stCondLst>
                                     <p:cond delay="0"/>
                                   </p:stCondLst>
                                   <p:childTnLst>
                                     <p:set>
                                       <p:cBhvr>
-                                        <p:cTn id="38" dur="1" fill="hold">
+                                        <p:cTn id="32" dur="1" fill="hold">
                                           <p:stCondLst>
                                             <p:cond delay="0"/>
                                           </p:stCondLst>
@@ -23888,26 +23833,26 @@
                     </p:cTn>
                   </p:par>
                   <p:par>
-                    <p:cTn id="39" fill="hold">
+                    <p:cTn id="33" fill="hold">
                       <p:stCondLst>
                         <p:cond delay="indefinite"/>
                       </p:stCondLst>
                       <p:childTnLst>
                         <p:par>
-                          <p:cTn id="40" fill="hold">
+                          <p:cTn id="34" fill="hold">
                             <p:stCondLst>
                               <p:cond delay="0"/>
                             </p:stCondLst>
                             <p:childTnLst>
                               <p:par>
-                                <p:cTn id="41" presetID="1" presetClass="entr" presetSubtype="0" fill="hold" grpId="0" nodeType="clickEffect">
+                                <p:cTn id="35" presetID="1" presetClass="entr" presetSubtype="0" fill="hold" grpId="0" nodeType="clickEffect">
                                   <p:stCondLst>
                                     <p:cond delay="0"/>
                                   </p:stCondLst>
                                   <p:childTnLst>
                                     <p:set>
                                       <p:cBhvr>
-                                        <p:cTn id="42" dur="1" fill="hold">
+                                        <p:cTn id="36" dur="1" fill="hold">
                                           <p:stCondLst>
                                             <p:cond delay="0"/>
                                           </p:stCondLst>
@@ -23937,26 +23882,26 @@
                     </p:cTn>
                   </p:par>
                   <p:par>
-                    <p:cTn id="43" fill="hold">
+                    <p:cTn id="37" fill="hold">
                       <p:stCondLst>
                         <p:cond delay="indefinite"/>
                       </p:stCondLst>
                       <p:childTnLst>
                         <p:par>
-                          <p:cTn id="44" fill="hold">
+                          <p:cTn id="38" fill="hold">
                             <p:stCondLst>
                               <p:cond delay="0"/>
                             </p:stCondLst>
                             <p:childTnLst>
                               <p:par>
-                                <p:cTn id="45" presetID="1" presetClass="entr" presetSubtype="0" fill="hold" grpId="0" nodeType="clickEffect">
+                                <p:cTn id="39" presetID="1" presetClass="entr" presetSubtype="0" fill="hold" grpId="0" nodeType="clickEffect">
                                   <p:stCondLst>
                                     <p:cond delay="0"/>
                                   </p:stCondLst>
                                   <p:childTnLst>
                                     <p:set>
                                       <p:cBhvr>
-                                        <p:cTn id="46" dur="1" fill="hold">
+                                        <p:cTn id="40" dur="1" fill="hold">
                                           <p:stCondLst>
                                             <p:cond delay="0"/>
                                           </p:stCondLst>
@@ -23986,26 +23931,26 @@
                     </p:cTn>
                   </p:par>
                   <p:par>
-                    <p:cTn id="47" fill="hold">
+                    <p:cTn id="41" fill="hold">
                       <p:stCondLst>
                         <p:cond delay="indefinite"/>
                       </p:stCondLst>
                       <p:childTnLst>
                         <p:par>
-                          <p:cTn id="48" fill="hold">
+                          <p:cTn id="42" fill="hold">
                             <p:stCondLst>
                               <p:cond delay="0"/>
                             </p:stCondLst>
                             <p:childTnLst>
                               <p:par>
-                                <p:cTn id="49" presetID="1" presetClass="entr" presetSubtype="0" fill="hold" grpId="0" nodeType="clickEffect">
+                                <p:cTn id="43" presetID="1" presetClass="entr" presetSubtype="0" fill="hold" grpId="0" nodeType="clickEffect">
                                   <p:stCondLst>
                                     <p:cond delay="0"/>
                                   </p:stCondLst>
                                   <p:childTnLst>
                                     <p:set>
                                       <p:cBhvr>
-                                        <p:cTn id="50" dur="1" fill="hold">
+                                        <p:cTn id="44" dur="1" fill="hold">
                                           <p:stCondLst>
                                             <p:cond delay="0"/>
                                           </p:stCondLst>
@@ -24035,26 +23980,26 @@
                     </p:cTn>
                   </p:par>
                   <p:par>
-                    <p:cTn id="51" fill="hold">
+                    <p:cTn id="45" fill="hold">
                       <p:stCondLst>
                         <p:cond delay="indefinite"/>
                       </p:stCondLst>
                       <p:childTnLst>
                         <p:par>
-                          <p:cTn id="52" fill="hold">
+                          <p:cTn id="46" fill="hold">
                             <p:stCondLst>
                               <p:cond delay="0"/>
                             </p:stCondLst>
                             <p:childTnLst>
                               <p:par>
-                                <p:cTn id="53" presetID="1" presetClass="entr" presetSubtype="0" fill="hold" grpId="0" nodeType="clickEffect">
+                                <p:cTn id="47" presetID="1" presetClass="entr" presetSubtype="0" fill="hold" grpId="0" nodeType="clickEffect">
                                   <p:stCondLst>
                                     <p:cond delay="0"/>
                                   </p:stCondLst>
                                   <p:childTnLst>
                                     <p:set>
                                       <p:cBhvr>
-                                        <p:cTn id="54" dur="1" fill="hold">
+                                        <p:cTn id="48" dur="1" fill="hold">
                                           <p:stCondLst>
                                             <p:cond delay="0"/>
                                           </p:stCondLst>
@@ -24084,26 +24029,26 @@
                     </p:cTn>
                   </p:par>
                   <p:par>
-                    <p:cTn id="55" fill="hold">
+                    <p:cTn id="49" fill="hold">
                       <p:stCondLst>
                         <p:cond delay="indefinite"/>
                       </p:stCondLst>
                       <p:childTnLst>
                         <p:par>
-                          <p:cTn id="56" fill="hold">
+                          <p:cTn id="50" fill="hold">
                             <p:stCondLst>
                               <p:cond delay="0"/>
                             </p:stCondLst>
                             <p:childTnLst>
                               <p:par>
-                                <p:cTn id="57" presetID="1" presetClass="entr" presetSubtype="0" fill="hold" grpId="0" nodeType="clickEffect">
+                                <p:cTn id="51" presetID="1" presetClass="entr" presetSubtype="0" fill="hold" grpId="0" nodeType="clickEffect">
                                   <p:stCondLst>
                                     <p:cond delay="0"/>
                                   </p:stCondLst>
                                   <p:childTnLst>
                                     <p:set>
                                       <p:cBhvr>
-                                        <p:cTn id="58" dur="1" fill="hold">
+                                        <p:cTn id="52" dur="1" fill="hold">
                                           <p:stCondLst>
                                             <p:cond delay="0"/>
                                           </p:stCondLst>
@@ -24133,26 +24078,26 @@
                     </p:cTn>
                   </p:par>
                   <p:par>
-                    <p:cTn id="59" fill="hold">
+                    <p:cTn id="53" fill="hold">
                       <p:stCondLst>
                         <p:cond delay="indefinite"/>
                       </p:stCondLst>
                       <p:childTnLst>
                         <p:par>
-                          <p:cTn id="60" fill="hold">
+                          <p:cTn id="54" fill="hold">
                             <p:stCondLst>
                               <p:cond delay="0"/>
                             </p:stCondLst>
                             <p:childTnLst>
                               <p:par>
-                                <p:cTn id="61" presetID="1" presetClass="entr" presetSubtype="0" fill="hold" grpId="0" nodeType="clickEffect">
+                                <p:cTn id="55" presetID="1" presetClass="entr" presetSubtype="0" fill="hold" grpId="0" nodeType="clickEffect">
                                   <p:stCondLst>
                                     <p:cond delay="0"/>
                                   </p:stCondLst>
                                   <p:childTnLst>
                                     <p:set>
                                       <p:cBhvr>
-                                        <p:cTn id="62" dur="1" fill="hold">
+                                        <p:cTn id="56" dur="1" fill="hold">
                                           <p:stCondLst>
                                             <p:cond delay="0"/>
                                           </p:stCondLst>
@@ -24182,26 +24127,26 @@
                     </p:cTn>
                   </p:par>
                   <p:par>
-                    <p:cTn id="63" fill="hold">
+                    <p:cTn id="57" fill="hold">
                       <p:stCondLst>
                         <p:cond delay="indefinite"/>
                       </p:stCondLst>
                       <p:childTnLst>
                         <p:par>
-                          <p:cTn id="64" fill="hold">
+                          <p:cTn id="58" fill="hold">
                             <p:stCondLst>
                               <p:cond delay="0"/>
                             </p:stCondLst>
                             <p:childTnLst>
                               <p:par>
-                                <p:cTn id="65" presetID="1" presetClass="entr" presetSubtype="0" fill="hold" grpId="0" nodeType="clickEffect">
+                                <p:cTn id="59" presetID="1" presetClass="entr" presetSubtype="0" fill="hold" grpId="0" nodeType="clickEffect">
                                   <p:stCondLst>
                                     <p:cond delay="0"/>
                                   </p:stCondLst>
                                   <p:childTnLst>
                                     <p:set>
                                       <p:cBhvr>
-                                        <p:cTn id="66" dur="1" fill="hold">
+                                        <p:cTn id="60" dur="1" fill="hold">
                                           <p:stCondLst>
                                             <p:cond delay="0"/>
                                           </p:stCondLst>
@@ -24231,26 +24176,26 @@
                     </p:cTn>
                   </p:par>
                   <p:par>
-                    <p:cTn id="67" fill="hold">
+                    <p:cTn id="61" fill="hold">
                       <p:stCondLst>
                         <p:cond delay="indefinite"/>
                       </p:stCondLst>
                       <p:childTnLst>
                         <p:par>
-                          <p:cTn id="68" fill="hold">
+                          <p:cTn id="62" fill="hold">
                             <p:stCondLst>
                               <p:cond delay="0"/>
                             </p:stCondLst>
                             <p:childTnLst>
                               <p:par>
-                                <p:cTn id="69" presetID="1" presetClass="entr" presetSubtype="0" fill="hold" grpId="0" nodeType="clickEffect">
+                                <p:cTn id="63" presetID="1" presetClass="entr" presetSubtype="0" fill="hold" grpId="0" nodeType="clickEffect">
                                   <p:stCondLst>
                                     <p:cond delay="0"/>
                                   </p:stCondLst>
                                   <p:childTnLst>
                                     <p:set>
                                       <p:cBhvr>
-                                        <p:cTn id="70" dur="1" fill="hold">
+                                        <p:cTn id="64" dur="1" fill="hold">
                                           <p:stCondLst>
                                             <p:cond delay="0"/>
                                           </p:stCondLst>
@@ -24280,26 +24225,26 @@
                     </p:cTn>
                   </p:par>
                   <p:par>
-                    <p:cTn id="71" fill="hold">
+                    <p:cTn id="65" fill="hold">
                       <p:stCondLst>
                         <p:cond delay="indefinite"/>
                       </p:stCondLst>
                       <p:childTnLst>
                         <p:par>
-                          <p:cTn id="72" fill="hold">
+                          <p:cTn id="66" fill="hold">
                             <p:stCondLst>
                               <p:cond delay="0"/>
                             </p:stCondLst>
                             <p:childTnLst>
                               <p:par>
-                                <p:cTn id="73" presetID="1" presetClass="entr" presetSubtype="0" fill="hold" grpId="0" nodeType="clickEffect">
+                                <p:cTn id="67" presetID="1" presetClass="entr" presetSubtype="0" fill="hold" grpId="0" nodeType="clickEffect">
                                   <p:stCondLst>
                                     <p:cond delay="0"/>
                                   </p:stCondLst>
                                   <p:childTnLst>
                                     <p:set>
                                       <p:cBhvr>
-                                        <p:cTn id="74" dur="1" fill="hold">
+                                        <p:cTn id="68" dur="1" fill="hold">
                                           <p:stCondLst>
                                             <p:cond delay="0"/>
                                           </p:stCondLst>
@@ -24308,6 +24253,55 @@
                                           <p:spTgt spid="3">
                                             <p:txEl>
                                               <p:pRg st="17" end="17"/>
+                                            </p:txEl>
+                                          </p:spTgt>
+                                        </p:tgtEl>
+                                        <p:attrNameLst>
+                                          <p:attrName>style.visibility</p:attrName>
+                                        </p:attrNameLst>
+                                      </p:cBhvr>
+                                      <p:to>
+                                        <p:strVal val="visible"/>
+                                      </p:to>
+                                    </p:set>
+                                  </p:childTnLst>
+                                </p:cTn>
+                              </p:par>
+                            </p:childTnLst>
+                          </p:cTn>
+                        </p:par>
+                      </p:childTnLst>
+                    </p:cTn>
+                  </p:par>
+                  <p:par>
+                    <p:cTn id="69" fill="hold">
+                      <p:stCondLst>
+                        <p:cond delay="indefinite"/>
+                      </p:stCondLst>
+                      <p:childTnLst>
+                        <p:par>
+                          <p:cTn id="70" fill="hold">
+                            <p:stCondLst>
+                              <p:cond delay="0"/>
+                            </p:stCondLst>
+                            <p:childTnLst>
+                              <p:par>
+                                <p:cTn id="71" presetID="1" presetClass="entr" presetSubtype="0" fill="hold" grpId="0" nodeType="clickEffect">
+                                  <p:stCondLst>
+                                    <p:cond delay="0"/>
+                                  </p:stCondLst>
+                                  <p:childTnLst>
+                                    <p:set>
+                                      <p:cBhvr>
+                                        <p:cTn id="72" dur="1" fill="hold">
+                                          <p:stCondLst>
+                                            <p:cond delay="0"/>
+                                          </p:stCondLst>
+                                        </p:cTn>
+                                        <p:tgtEl>
+                                          <p:spTgt spid="3">
+                                            <p:txEl>
+                                              <p:pRg st="18" end="18"/>
                                             </p:txEl>
                                           </p:spTgt>
                                         </p:tgtEl>
@@ -24440,7 +24434,7 @@
           <a:p>
             <a:r>
               <a:rPr lang="de-DE" dirty="0"/>
-              <a:t>Wenn „Kandidat“ = gesuchtes Wort, dann sind die Hashwörter ebenfalls gleich</a:t>
+              <a:t>Wenn „Kandidat“ = gesuchtes Wort, dann sind die Hashwerte ebenfalls gleich</a:t>
             </a:r>
           </a:p>
           <a:p>
@@ -24461,9 +24455,6 @@
               <a:rPr lang="de-DE" dirty="0"/>
               <a:t>Für die „Kandidatenauswahl“ gibt es verschiedene Modi</a:t>
             </a:r>
-          </a:p>
-          <a:p>
-            <a:endParaRPr lang="de-DE" dirty="0"/>
           </a:p>
         </p:txBody>
       </p:sp>

--- a/Vortrag.pptx
+++ b/Vortrag.pptx
@@ -16314,6 +16314,488 @@
   <p:clrMapOvr>
     <a:masterClrMapping/>
   </p:clrMapOvr>
+  <p:timing>
+    <p:tnLst>
+      <p:par>
+        <p:cTn id="1" dur="indefinite" restart="never" nodeType="tmRoot">
+          <p:childTnLst>
+            <p:seq concurrent="1" nextAc="seek">
+              <p:cTn id="2" dur="indefinite" nodeType="mainSeq">
+                <p:childTnLst>
+                  <p:par>
+                    <p:cTn id="3" fill="hold">
+                      <p:stCondLst>
+                        <p:cond delay="indefinite"/>
+                      </p:stCondLst>
+                      <p:childTnLst>
+                        <p:par>
+                          <p:cTn id="4" fill="hold">
+                            <p:stCondLst>
+                              <p:cond delay="0"/>
+                            </p:stCondLst>
+                            <p:childTnLst>
+                              <p:par>
+                                <p:cTn id="5" presetID="1" presetClass="entr" presetSubtype="0" fill="hold" grpId="0" nodeType="clickEffect">
+                                  <p:stCondLst>
+                                    <p:cond delay="0"/>
+                                  </p:stCondLst>
+                                  <p:childTnLst>
+                                    <p:set>
+                                      <p:cBhvr>
+                                        <p:cTn id="6" dur="1" fill="hold">
+                                          <p:stCondLst>
+                                            <p:cond delay="0"/>
+                                          </p:stCondLst>
+                                        </p:cTn>
+                                        <p:tgtEl>
+                                          <p:spTgt spid="3">
+                                            <p:txEl>
+                                              <p:pRg st="0" end="0"/>
+                                            </p:txEl>
+                                          </p:spTgt>
+                                        </p:tgtEl>
+                                        <p:attrNameLst>
+                                          <p:attrName>style.visibility</p:attrName>
+                                        </p:attrNameLst>
+                                      </p:cBhvr>
+                                      <p:to>
+                                        <p:strVal val="visible"/>
+                                      </p:to>
+                                    </p:set>
+                                  </p:childTnLst>
+                                </p:cTn>
+                              </p:par>
+                            </p:childTnLst>
+                          </p:cTn>
+                        </p:par>
+                      </p:childTnLst>
+                    </p:cTn>
+                  </p:par>
+                  <p:par>
+                    <p:cTn id="7" fill="hold">
+                      <p:stCondLst>
+                        <p:cond delay="indefinite"/>
+                      </p:stCondLst>
+                      <p:childTnLst>
+                        <p:par>
+                          <p:cTn id="8" fill="hold">
+                            <p:stCondLst>
+                              <p:cond delay="0"/>
+                            </p:stCondLst>
+                            <p:childTnLst>
+                              <p:par>
+                                <p:cTn id="9" presetID="1" presetClass="entr" presetSubtype="0" fill="hold" grpId="0" nodeType="clickEffect">
+                                  <p:stCondLst>
+                                    <p:cond delay="0"/>
+                                  </p:stCondLst>
+                                  <p:childTnLst>
+                                    <p:set>
+                                      <p:cBhvr>
+                                        <p:cTn id="10" dur="1" fill="hold">
+                                          <p:stCondLst>
+                                            <p:cond delay="0"/>
+                                          </p:stCondLst>
+                                        </p:cTn>
+                                        <p:tgtEl>
+                                          <p:spTgt spid="3">
+                                            <p:txEl>
+                                              <p:pRg st="1" end="1"/>
+                                            </p:txEl>
+                                          </p:spTgt>
+                                        </p:tgtEl>
+                                        <p:attrNameLst>
+                                          <p:attrName>style.visibility</p:attrName>
+                                        </p:attrNameLst>
+                                      </p:cBhvr>
+                                      <p:to>
+                                        <p:strVal val="visible"/>
+                                      </p:to>
+                                    </p:set>
+                                  </p:childTnLst>
+                                </p:cTn>
+                              </p:par>
+                              <p:par>
+                                <p:cTn id="11" presetID="1" presetClass="entr" presetSubtype="0" fill="hold" grpId="0" nodeType="withEffect">
+                                  <p:stCondLst>
+                                    <p:cond delay="0"/>
+                                  </p:stCondLst>
+                                  <p:childTnLst>
+                                    <p:set>
+                                      <p:cBhvr>
+                                        <p:cTn id="12" dur="1" fill="hold">
+                                          <p:stCondLst>
+                                            <p:cond delay="0"/>
+                                          </p:stCondLst>
+                                        </p:cTn>
+                                        <p:tgtEl>
+                                          <p:spTgt spid="3">
+                                            <p:txEl>
+                                              <p:pRg st="2" end="2"/>
+                                            </p:txEl>
+                                          </p:spTgt>
+                                        </p:tgtEl>
+                                        <p:attrNameLst>
+                                          <p:attrName>style.visibility</p:attrName>
+                                        </p:attrNameLst>
+                                      </p:cBhvr>
+                                      <p:to>
+                                        <p:strVal val="visible"/>
+                                      </p:to>
+                                    </p:set>
+                                  </p:childTnLst>
+                                </p:cTn>
+                              </p:par>
+                            </p:childTnLst>
+                          </p:cTn>
+                        </p:par>
+                      </p:childTnLst>
+                    </p:cTn>
+                  </p:par>
+                  <p:par>
+                    <p:cTn id="13" fill="hold">
+                      <p:stCondLst>
+                        <p:cond delay="indefinite"/>
+                      </p:stCondLst>
+                      <p:childTnLst>
+                        <p:par>
+                          <p:cTn id="14" fill="hold">
+                            <p:stCondLst>
+                              <p:cond delay="0"/>
+                            </p:stCondLst>
+                            <p:childTnLst>
+                              <p:par>
+                                <p:cTn id="15" presetID="1" presetClass="entr" presetSubtype="0" fill="hold" grpId="0" nodeType="clickEffect">
+                                  <p:stCondLst>
+                                    <p:cond delay="0"/>
+                                  </p:stCondLst>
+                                  <p:childTnLst>
+                                    <p:set>
+                                      <p:cBhvr>
+                                        <p:cTn id="16" dur="1" fill="hold">
+                                          <p:stCondLst>
+                                            <p:cond delay="0"/>
+                                          </p:stCondLst>
+                                        </p:cTn>
+                                        <p:tgtEl>
+                                          <p:spTgt spid="3">
+                                            <p:txEl>
+                                              <p:pRg st="3" end="3"/>
+                                            </p:txEl>
+                                          </p:spTgt>
+                                        </p:tgtEl>
+                                        <p:attrNameLst>
+                                          <p:attrName>style.visibility</p:attrName>
+                                        </p:attrNameLst>
+                                      </p:cBhvr>
+                                      <p:to>
+                                        <p:strVal val="visible"/>
+                                      </p:to>
+                                    </p:set>
+                                  </p:childTnLst>
+                                </p:cTn>
+                              </p:par>
+                              <p:par>
+                                <p:cTn id="17" presetID="1" presetClass="entr" presetSubtype="0" fill="hold" grpId="0" nodeType="withEffect">
+                                  <p:stCondLst>
+                                    <p:cond delay="0"/>
+                                  </p:stCondLst>
+                                  <p:childTnLst>
+                                    <p:set>
+                                      <p:cBhvr>
+                                        <p:cTn id="18" dur="1" fill="hold">
+                                          <p:stCondLst>
+                                            <p:cond delay="0"/>
+                                          </p:stCondLst>
+                                        </p:cTn>
+                                        <p:tgtEl>
+                                          <p:spTgt spid="3">
+                                            <p:txEl>
+                                              <p:pRg st="4" end="4"/>
+                                            </p:txEl>
+                                          </p:spTgt>
+                                        </p:tgtEl>
+                                        <p:attrNameLst>
+                                          <p:attrName>style.visibility</p:attrName>
+                                        </p:attrNameLst>
+                                      </p:cBhvr>
+                                      <p:to>
+                                        <p:strVal val="visible"/>
+                                      </p:to>
+                                    </p:set>
+                                  </p:childTnLst>
+                                </p:cTn>
+                              </p:par>
+                            </p:childTnLst>
+                          </p:cTn>
+                        </p:par>
+                      </p:childTnLst>
+                    </p:cTn>
+                  </p:par>
+                  <p:par>
+                    <p:cTn id="19" fill="hold">
+                      <p:stCondLst>
+                        <p:cond delay="indefinite"/>
+                      </p:stCondLst>
+                      <p:childTnLst>
+                        <p:par>
+                          <p:cTn id="20" fill="hold">
+                            <p:stCondLst>
+                              <p:cond delay="0"/>
+                            </p:stCondLst>
+                            <p:childTnLst>
+                              <p:par>
+                                <p:cTn id="21" presetID="1" presetClass="entr" presetSubtype="0" fill="hold" grpId="0" nodeType="clickEffect">
+                                  <p:stCondLst>
+                                    <p:cond delay="0"/>
+                                  </p:stCondLst>
+                                  <p:childTnLst>
+                                    <p:set>
+                                      <p:cBhvr>
+                                        <p:cTn id="22" dur="1" fill="hold">
+                                          <p:stCondLst>
+                                            <p:cond delay="0"/>
+                                          </p:stCondLst>
+                                        </p:cTn>
+                                        <p:tgtEl>
+                                          <p:spTgt spid="3">
+                                            <p:txEl>
+                                              <p:pRg st="5" end="5"/>
+                                            </p:txEl>
+                                          </p:spTgt>
+                                        </p:tgtEl>
+                                        <p:attrNameLst>
+                                          <p:attrName>style.visibility</p:attrName>
+                                        </p:attrNameLst>
+                                      </p:cBhvr>
+                                      <p:to>
+                                        <p:strVal val="visible"/>
+                                      </p:to>
+                                    </p:set>
+                                  </p:childTnLst>
+                                </p:cTn>
+                              </p:par>
+                              <p:par>
+                                <p:cTn id="23" presetID="1" presetClass="entr" presetSubtype="0" fill="hold" grpId="0" nodeType="withEffect">
+                                  <p:stCondLst>
+                                    <p:cond delay="0"/>
+                                  </p:stCondLst>
+                                  <p:childTnLst>
+                                    <p:set>
+                                      <p:cBhvr>
+                                        <p:cTn id="24" dur="1" fill="hold">
+                                          <p:stCondLst>
+                                            <p:cond delay="0"/>
+                                          </p:stCondLst>
+                                        </p:cTn>
+                                        <p:tgtEl>
+                                          <p:spTgt spid="3">
+                                            <p:txEl>
+                                              <p:pRg st="6" end="6"/>
+                                            </p:txEl>
+                                          </p:spTgt>
+                                        </p:tgtEl>
+                                        <p:attrNameLst>
+                                          <p:attrName>style.visibility</p:attrName>
+                                        </p:attrNameLst>
+                                      </p:cBhvr>
+                                      <p:to>
+                                        <p:strVal val="visible"/>
+                                      </p:to>
+                                    </p:set>
+                                  </p:childTnLst>
+                                </p:cTn>
+                              </p:par>
+                              <p:par>
+                                <p:cTn id="25" presetID="1" presetClass="entr" presetSubtype="0" fill="hold" grpId="0" nodeType="withEffect">
+                                  <p:stCondLst>
+                                    <p:cond delay="0"/>
+                                  </p:stCondLst>
+                                  <p:childTnLst>
+                                    <p:set>
+                                      <p:cBhvr>
+                                        <p:cTn id="26" dur="1" fill="hold">
+                                          <p:stCondLst>
+                                            <p:cond delay="0"/>
+                                          </p:stCondLst>
+                                        </p:cTn>
+                                        <p:tgtEl>
+                                          <p:spTgt spid="3">
+                                            <p:txEl>
+                                              <p:pRg st="7" end="7"/>
+                                            </p:txEl>
+                                          </p:spTgt>
+                                        </p:tgtEl>
+                                        <p:attrNameLst>
+                                          <p:attrName>style.visibility</p:attrName>
+                                        </p:attrNameLst>
+                                      </p:cBhvr>
+                                      <p:to>
+                                        <p:strVal val="visible"/>
+                                      </p:to>
+                                    </p:set>
+                                  </p:childTnLst>
+                                </p:cTn>
+                              </p:par>
+                              <p:par>
+                                <p:cTn id="27" presetID="1" presetClass="entr" presetSubtype="0" fill="hold" grpId="0" nodeType="withEffect">
+                                  <p:stCondLst>
+                                    <p:cond delay="0"/>
+                                  </p:stCondLst>
+                                  <p:childTnLst>
+                                    <p:set>
+                                      <p:cBhvr>
+                                        <p:cTn id="28" dur="1" fill="hold">
+                                          <p:stCondLst>
+                                            <p:cond delay="0"/>
+                                          </p:stCondLst>
+                                        </p:cTn>
+                                        <p:tgtEl>
+                                          <p:spTgt spid="3">
+                                            <p:txEl>
+                                              <p:pRg st="8" end="8"/>
+                                            </p:txEl>
+                                          </p:spTgt>
+                                        </p:tgtEl>
+                                        <p:attrNameLst>
+                                          <p:attrName>style.visibility</p:attrName>
+                                        </p:attrNameLst>
+                                      </p:cBhvr>
+                                      <p:to>
+                                        <p:strVal val="visible"/>
+                                      </p:to>
+                                    </p:set>
+                                  </p:childTnLst>
+                                </p:cTn>
+                              </p:par>
+                            </p:childTnLst>
+                          </p:cTn>
+                        </p:par>
+                      </p:childTnLst>
+                    </p:cTn>
+                  </p:par>
+                  <p:par>
+                    <p:cTn id="29" fill="hold">
+                      <p:stCondLst>
+                        <p:cond delay="indefinite"/>
+                      </p:stCondLst>
+                      <p:childTnLst>
+                        <p:par>
+                          <p:cTn id="30" fill="hold">
+                            <p:stCondLst>
+                              <p:cond delay="0"/>
+                            </p:stCondLst>
+                            <p:childTnLst>
+                              <p:par>
+                                <p:cTn id="31" presetID="1" presetClass="entr" presetSubtype="0" fill="hold" grpId="0" nodeType="clickEffect">
+                                  <p:stCondLst>
+                                    <p:cond delay="0"/>
+                                  </p:stCondLst>
+                                  <p:childTnLst>
+                                    <p:set>
+                                      <p:cBhvr>
+                                        <p:cTn id="32" dur="1" fill="hold">
+                                          <p:stCondLst>
+                                            <p:cond delay="0"/>
+                                          </p:stCondLst>
+                                        </p:cTn>
+                                        <p:tgtEl>
+                                          <p:spTgt spid="3">
+                                            <p:txEl>
+                                              <p:pRg st="9" end="9"/>
+                                            </p:txEl>
+                                          </p:spTgt>
+                                        </p:tgtEl>
+                                        <p:attrNameLst>
+                                          <p:attrName>style.visibility</p:attrName>
+                                        </p:attrNameLst>
+                                      </p:cBhvr>
+                                      <p:to>
+                                        <p:strVal val="visible"/>
+                                      </p:to>
+                                    </p:set>
+                                  </p:childTnLst>
+                                </p:cTn>
+                              </p:par>
+                            </p:childTnLst>
+                          </p:cTn>
+                        </p:par>
+                      </p:childTnLst>
+                    </p:cTn>
+                  </p:par>
+                  <p:par>
+                    <p:cTn id="33" fill="hold">
+                      <p:stCondLst>
+                        <p:cond delay="indefinite"/>
+                      </p:stCondLst>
+                      <p:childTnLst>
+                        <p:par>
+                          <p:cTn id="34" fill="hold">
+                            <p:stCondLst>
+                              <p:cond delay="0"/>
+                            </p:stCondLst>
+                            <p:childTnLst>
+                              <p:par>
+                                <p:cTn id="35" presetID="1" presetClass="entr" presetSubtype="0" fill="hold" grpId="0" nodeType="clickEffect">
+                                  <p:stCondLst>
+                                    <p:cond delay="0"/>
+                                  </p:stCondLst>
+                                  <p:childTnLst>
+                                    <p:set>
+                                      <p:cBhvr>
+                                        <p:cTn id="36" dur="1" fill="hold">
+                                          <p:stCondLst>
+                                            <p:cond delay="0"/>
+                                          </p:stCondLst>
+                                        </p:cTn>
+                                        <p:tgtEl>
+                                          <p:spTgt spid="3">
+                                            <p:txEl>
+                                              <p:pRg st="10" end="10"/>
+                                            </p:txEl>
+                                          </p:spTgt>
+                                        </p:tgtEl>
+                                        <p:attrNameLst>
+                                          <p:attrName>style.visibility</p:attrName>
+                                        </p:attrNameLst>
+                                      </p:cBhvr>
+                                      <p:to>
+                                        <p:strVal val="visible"/>
+                                      </p:to>
+                                    </p:set>
+                                  </p:childTnLst>
+                                </p:cTn>
+                              </p:par>
+                            </p:childTnLst>
+                          </p:cTn>
+                        </p:par>
+                      </p:childTnLst>
+                    </p:cTn>
+                  </p:par>
+                </p:childTnLst>
+              </p:cTn>
+              <p:prevCondLst>
+                <p:cond evt="onPrev" delay="0">
+                  <p:tgtEl>
+                    <p:sldTgt/>
+                  </p:tgtEl>
+                </p:cond>
+              </p:prevCondLst>
+              <p:nextCondLst>
+                <p:cond evt="onNext" delay="0">
+                  <p:tgtEl>
+                    <p:sldTgt/>
+                  </p:tgtEl>
+                </p:cond>
+              </p:nextCondLst>
+            </p:seq>
+          </p:childTnLst>
+        </p:cTn>
+      </p:par>
+    </p:tnLst>
+    <p:bldLst>
+      <p:bldP spid="3" grpId="0" build="p"/>
+    </p:bldLst>
+  </p:timing>
 </p:sld>
 </file>
 

--- a/Vortrag.pptx
+++ b/Vortrag.pptx
@@ -16,8 +16,8 @@
     <p:sldId id="270" r:id="rId7"/>
     <p:sldId id="259" r:id="rId8"/>
     <p:sldId id="269" r:id="rId9"/>
-    <p:sldId id="260" r:id="rId10"/>
-    <p:sldId id="261" r:id="rId11"/>
+    <p:sldId id="261" r:id="rId10"/>
+    <p:sldId id="277" r:id="rId11"/>
     <p:sldId id="262" r:id="rId12"/>
     <p:sldId id="276" r:id="rId13"/>
     <p:sldId id="268" r:id="rId14"/>
@@ -131,10 +131,6 @@
     </p:ext>
   </p:extLst>
 </p:presentation>
-</file>
-
-<file path=ppt/revisionInfo.xml><?xml version="1.0" encoding="utf-8"?>
-<p1510:revInfo xmlns:a="http://schemas.openxmlformats.org/drawingml/2006/main" xmlns:r="http://schemas.openxmlformats.org/officeDocument/2006/relationships" xmlns:p1510="http://schemas.microsoft.com/office/powerpoint/2015/10/main"/>
 </file>
 
 <file path=ppt/diagrams/colors1.xml><?xml version="1.0" encoding="utf-8"?>
@@ -11565,7 +11561,7 @@
           <a:p>
             <a:fld id="{EE61B14C-411D-4E53-BF32-B962F5A14F2D}" type="datetimeFigureOut">
               <a:rPr lang="de-DE" smtClean="0"/>
-              <a:t>19.05.2018</a:t>
+              <a:t>20.05.2018</a:t>
             </a:fld>
             <a:endParaRPr lang="de-DE"/>
           </a:p>
@@ -12074,7 +12070,7 @@
     </p:spTree>
     <p:extLst>
       <p:ext uri="{BB962C8B-B14F-4D97-AF65-F5344CB8AC3E}">
-        <p14:creationId xmlns:p14="http://schemas.microsoft.com/office/powerpoint/2010/main" val="3375661767"/>
+        <p14:creationId xmlns:p14="http://schemas.microsoft.com/office/powerpoint/2010/main" val="203176944"/>
       </p:ext>
     </p:extLst>
   </p:cSld>
@@ -12128,6 +12124,397 @@
           <a:bodyPr/>
           <a:lstStyle/>
           <a:p>
+            <a:r>
+              <a:rPr lang="en-US" b="1" u="sng" dirty="0"/>
+              <a:t>Die </a:t>
+            </a:r>
+            <a:r>
+              <a:rPr lang="en-US" b="1" u="sng" dirty="0" err="1"/>
+              <a:t>einzelnen</a:t>
+            </a:r>
+            <a:r>
+              <a:rPr lang="en-US" b="1" u="sng" dirty="0"/>
+              <a:t> </a:t>
+            </a:r>
+            <a:r>
+              <a:rPr lang="en-US" b="1" u="sng" dirty="0" err="1"/>
+              <a:t>Optionen</a:t>
+            </a:r>
+            <a:r>
+              <a:rPr lang="en-US" b="1" u="sng" dirty="0"/>
+              <a:t>:</a:t>
+            </a:r>
+          </a:p>
+          <a:p>
+            <a:endParaRPr lang="en-US" sz="1200" kern="1200" dirty="0">
+              <a:solidFill>
+                <a:schemeClr val="tx1"/>
+              </a:solidFill>
+              <a:effectLst/>
+              <a:latin typeface="+mn-lt"/>
+              <a:ea typeface="+mn-ea"/>
+              <a:cs typeface="+mn-cs"/>
+            </a:endParaRPr>
+          </a:p>
+          <a:p>
+            <a:r>
+              <a:rPr lang="en-US" sz="1200" kern="1200" dirty="0">
+                <a:solidFill>
+                  <a:schemeClr val="tx1"/>
+                </a:solidFill>
+                <a:effectLst/>
+                <a:latin typeface="+mn-lt"/>
+                <a:ea typeface="+mn-ea"/>
+                <a:cs typeface="+mn-cs"/>
+              </a:rPr>
+              <a:t>#convert to lowercase</a:t>
+            </a:r>
+          </a:p>
+          <a:p>
+            <a:r>
+              <a:rPr lang="en-US" sz="1200" b="1" kern="1200" dirty="0">
+                <a:solidFill>
+                  <a:schemeClr val="tx1"/>
+                </a:solidFill>
+                <a:effectLst/>
+                <a:latin typeface="+mn-lt"/>
+                <a:ea typeface="+mn-ea"/>
+                <a:cs typeface="+mn-cs"/>
+              </a:rPr>
+              <a:t>l</a:t>
+            </a:r>
+          </a:p>
+          <a:p>
+            <a:r>
+              <a:rPr lang="en-US" sz="1200" kern="1200" dirty="0">
+                <a:solidFill>
+                  <a:schemeClr val="tx1"/>
+                </a:solidFill>
+                <a:effectLst/>
+                <a:latin typeface="+mn-lt"/>
+                <a:ea typeface="+mn-ea"/>
+                <a:cs typeface="+mn-cs"/>
+              </a:rPr>
+              <a:t>#convert to uppercase</a:t>
+            </a:r>
+          </a:p>
+          <a:p>
+            <a:r>
+              <a:rPr lang="en-US" sz="1200" b="1" kern="1200" dirty="0">
+                <a:solidFill>
+                  <a:schemeClr val="tx1"/>
+                </a:solidFill>
+                <a:effectLst/>
+                <a:latin typeface="+mn-lt"/>
+                <a:ea typeface="+mn-ea"/>
+                <a:cs typeface="+mn-cs"/>
+              </a:rPr>
+              <a:t>u</a:t>
+            </a:r>
+          </a:p>
+          <a:p>
+            <a:r>
+              <a:rPr lang="en-US" sz="1200" kern="1200" dirty="0">
+                <a:solidFill>
+                  <a:schemeClr val="tx1"/>
+                </a:solidFill>
+                <a:effectLst/>
+                <a:latin typeface="+mn-lt"/>
+                <a:ea typeface="+mn-ea"/>
+                <a:cs typeface="+mn-cs"/>
+              </a:rPr>
+              <a:t>#capitalize</a:t>
+            </a:r>
+          </a:p>
+          <a:p>
+            <a:r>
+              <a:rPr lang="en-US" sz="1200" b="1" kern="1200" dirty="0">
+                <a:solidFill>
+                  <a:schemeClr val="tx1"/>
+                </a:solidFill>
+                <a:effectLst/>
+                <a:latin typeface="+mn-lt"/>
+                <a:ea typeface="+mn-ea"/>
+                <a:cs typeface="+mn-cs"/>
+              </a:rPr>
+              <a:t>c</a:t>
+            </a:r>
+          </a:p>
+          <a:p>
+            <a:r>
+              <a:rPr lang="en-US" sz="1200" kern="1200" dirty="0">
+                <a:solidFill>
+                  <a:schemeClr val="tx1"/>
+                </a:solidFill>
+                <a:effectLst/>
+                <a:latin typeface="+mn-lt"/>
+                <a:ea typeface="+mn-ea"/>
+                <a:cs typeface="+mn-cs"/>
+              </a:rPr>
+              <a:t>#lowercase the word and reverse it (palindrome)</a:t>
+            </a:r>
+          </a:p>
+          <a:p>
+            <a:r>
+              <a:rPr lang="en-US" sz="1200" b="1" kern="1200" dirty="0">
+                <a:solidFill>
+                  <a:schemeClr val="tx1"/>
+                </a:solidFill>
+                <a:effectLst/>
+                <a:latin typeface="+mn-lt"/>
+                <a:ea typeface="+mn-ea"/>
+                <a:cs typeface="+mn-cs"/>
+              </a:rPr>
+              <a:t>l r</a:t>
+            </a:r>
+          </a:p>
+          <a:p>
+            <a:r>
+              <a:rPr lang="en-US" sz="1200" kern="1200" dirty="0">
+                <a:solidFill>
+                  <a:schemeClr val="tx1"/>
+                </a:solidFill>
+                <a:effectLst/>
+                <a:latin typeface="+mn-lt"/>
+                <a:ea typeface="+mn-ea"/>
+                <a:cs typeface="+mn-cs"/>
+              </a:rPr>
+              <a:t>#lowercase the word and append at end of the word </a:t>
+            </a:r>
+          </a:p>
+          <a:p>
+            <a:r>
+              <a:rPr lang="en-US" sz="1200" kern="1200" dirty="0">
+                <a:solidFill>
+                  <a:schemeClr val="tx1"/>
+                </a:solidFill>
+                <a:effectLst/>
+                <a:latin typeface="+mn-lt"/>
+                <a:ea typeface="+mn-ea"/>
+                <a:cs typeface="+mn-cs"/>
+              </a:rPr>
+              <a:t>(Az) the number 2015</a:t>
+            </a:r>
+          </a:p>
+          <a:p>
+            <a:r>
+              <a:rPr lang="en-US" sz="1200" b="1" kern="1200" dirty="0">
+                <a:solidFill>
+                  <a:schemeClr val="tx1"/>
+                </a:solidFill>
+                <a:effectLst/>
+                <a:latin typeface="+mn-lt"/>
+                <a:ea typeface="+mn-ea"/>
+                <a:cs typeface="+mn-cs"/>
+              </a:rPr>
+              <a:t>l </a:t>
+            </a:r>
+          </a:p>
+          <a:p>
+            <a:r>
+              <a:rPr lang="en-US" sz="1200" kern="1200" dirty="0">
+                <a:solidFill>
+                  <a:schemeClr val="tx1"/>
+                </a:solidFill>
+                <a:effectLst/>
+                <a:latin typeface="+mn-lt"/>
+                <a:ea typeface="+mn-ea"/>
+                <a:cs typeface="+mn-cs"/>
+              </a:rPr>
+              <a:t>Az"2015"</a:t>
+            </a:r>
+          </a:p>
+          <a:p>
+            <a:r>
+              <a:rPr lang="en-US" sz="1200" kern="1200" dirty="0">
+                <a:solidFill>
+                  <a:schemeClr val="tx1"/>
+                </a:solidFill>
+                <a:effectLst/>
+                <a:latin typeface="+mn-lt"/>
+                <a:ea typeface="+mn-ea"/>
+                <a:cs typeface="+mn-cs"/>
+              </a:rPr>
+              <a:t># duplicate</a:t>
+            </a:r>
+          </a:p>
+          <a:p>
+            <a:r>
+              <a:rPr lang="en-US" sz="1200" b="1" kern="1200" dirty="0">
+                <a:solidFill>
+                  <a:schemeClr val="tx1"/>
+                </a:solidFill>
+                <a:effectLst/>
+                <a:latin typeface="+mn-lt"/>
+                <a:ea typeface="+mn-ea"/>
+                <a:cs typeface="+mn-cs"/>
+              </a:rPr>
+              <a:t>d</a:t>
+            </a:r>
+          </a:p>
+          <a:p>
+            <a:r>
+              <a:rPr lang="en-US" sz="1200" kern="1200" dirty="0">
+                <a:solidFill>
+                  <a:schemeClr val="tx1"/>
+                </a:solidFill>
+                <a:effectLst/>
+                <a:latin typeface="+mn-lt"/>
+                <a:ea typeface="+mn-ea"/>
+                <a:cs typeface="+mn-cs"/>
+              </a:rPr>
+              <a:t># lowercase the word and prepend at beginning of </a:t>
+            </a:r>
+          </a:p>
+          <a:p>
+            <a:r>
+              <a:rPr lang="en-US" sz="1200" kern="1200" dirty="0">
+                <a:solidFill>
+                  <a:schemeClr val="tx1"/>
+                </a:solidFill>
+                <a:effectLst/>
+                <a:latin typeface="+mn-lt"/>
+                <a:ea typeface="+mn-ea"/>
+                <a:cs typeface="+mn-cs"/>
+              </a:rPr>
+              <a:t>the word (A0) the number 2015</a:t>
+            </a:r>
+          </a:p>
+          <a:p>
+            <a:r>
+              <a:rPr lang="en-US" sz="1200" b="1" kern="1200" dirty="0">
+                <a:solidFill>
+                  <a:schemeClr val="tx1"/>
+                </a:solidFill>
+                <a:effectLst/>
+                <a:latin typeface="+mn-lt"/>
+                <a:ea typeface="+mn-ea"/>
+                <a:cs typeface="+mn-cs"/>
+              </a:rPr>
+              <a:t>l A0"2015"</a:t>
+            </a:r>
+          </a:p>
+          <a:p>
+            <a:r>
+              <a:rPr lang="en-US" sz="1200" kern="1200" dirty="0">
+                <a:solidFill>
+                  <a:schemeClr val="tx1"/>
+                </a:solidFill>
+                <a:effectLst/>
+                <a:latin typeface="+mn-lt"/>
+                <a:ea typeface="+mn-ea"/>
+                <a:cs typeface="+mn-cs"/>
+              </a:rPr>
+              <a:t>Add # to the beginning and end of the word</a:t>
+            </a:r>
+          </a:p>
+          <a:p>
+            <a:r>
+              <a:rPr lang="en-US" sz="1200" b="1" kern="1200" dirty="0">
+                <a:solidFill>
+                  <a:schemeClr val="tx1"/>
+                </a:solidFill>
+                <a:effectLst/>
+                <a:latin typeface="+mn-lt"/>
+                <a:ea typeface="+mn-ea"/>
+                <a:cs typeface="+mn-cs"/>
+              </a:rPr>
+              <a:t>A0"#"Az"#</a:t>
+            </a:r>
+          </a:p>
+          <a:p>
+            <a:endParaRPr lang="en-US" u="sng" dirty="0"/>
+          </a:p>
+          <a:p>
+            <a:endParaRPr lang="en-US" u="sng" dirty="0"/>
+          </a:p>
+          <a:p>
+            <a:r>
+              <a:rPr lang="en-US" b="1" u="sng" dirty="0" err="1"/>
+              <a:t>Ohne</a:t>
+            </a:r>
+            <a:r>
+              <a:rPr lang="en-US" b="1" u="sng" dirty="0"/>
+              <a:t> </a:t>
+            </a:r>
+            <a:r>
+              <a:rPr lang="en-US" b="1" u="sng" dirty="0" err="1"/>
+              <a:t>Verknüpfung</a:t>
+            </a:r>
+            <a:r>
+              <a:rPr lang="en-US" b="1" u="sng" dirty="0"/>
+              <a:t>!</a:t>
+            </a:r>
+          </a:p>
+          <a:p>
+            <a:r>
+              <a:rPr lang="en-US" dirty="0"/>
+              <a:t>John --wordlist=John_the_Ripper.txt --</a:t>
+            </a:r>
+            <a:r>
+              <a:rPr lang="en-US" dirty="0" err="1"/>
+              <a:t>stdout</a:t>
+            </a:r>
+            <a:endParaRPr lang="en-US" dirty="0"/>
+          </a:p>
+          <a:p>
+            <a:r>
+              <a:rPr lang="en-US" dirty="0"/>
+              <a:t>John --wordlist=John_the_Ripper.txt --</a:t>
+            </a:r>
+            <a:r>
+              <a:rPr lang="en-US" dirty="0" err="1"/>
+              <a:t>stdout</a:t>
+            </a:r>
+            <a:r>
+              <a:rPr lang="en-US" dirty="0"/>
+              <a:t>=8</a:t>
+            </a:r>
+          </a:p>
+          <a:p>
+            <a:endParaRPr lang="en-US" dirty="0"/>
+          </a:p>
+          <a:p>
+            <a:r>
+              <a:rPr lang="en-US" b="1" u="sng" dirty="0" err="1"/>
+              <a:t>Mit</a:t>
+            </a:r>
+            <a:r>
+              <a:rPr lang="en-US" b="1" u="sng" dirty="0"/>
+              <a:t> </a:t>
+            </a:r>
+            <a:r>
+              <a:rPr lang="en-US" b="1" u="sng" dirty="0" err="1"/>
+              <a:t>Verknüpfung</a:t>
+            </a:r>
+            <a:endParaRPr lang="en-US" b="1" u="sng" dirty="0"/>
+          </a:p>
+          <a:p>
+            <a:r>
+              <a:rPr lang="en-US" dirty="0"/>
+              <a:t>John --wordlist=John_the_Ripper.txt --rule=Tryout --</a:t>
+            </a:r>
+            <a:r>
+              <a:rPr lang="en-US" dirty="0" err="1"/>
+              <a:t>stdout</a:t>
+            </a:r>
+            <a:endParaRPr lang="en-US" dirty="0"/>
+          </a:p>
+          <a:p>
+            <a:endParaRPr lang="en-US" dirty="0"/>
+          </a:p>
+          <a:p>
+            <a:endParaRPr lang="de-DE" sz="1200" kern="1200" dirty="0">
+              <a:solidFill>
+                <a:schemeClr val="tx1"/>
+              </a:solidFill>
+              <a:effectLst/>
+              <a:latin typeface="+mn-lt"/>
+              <a:ea typeface="+mn-ea"/>
+              <a:cs typeface="+mn-cs"/>
+            </a:endParaRPr>
+          </a:p>
+          <a:p>
             <a:endParaRPr lang="de-DE" dirty="0"/>
           </a:p>
         </p:txBody>
@@ -12158,7 +12545,7 @@
     </p:spTree>
     <p:extLst>
       <p:ext uri="{BB962C8B-B14F-4D97-AF65-F5344CB8AC3E}">
-        <p14:creationId xmlns:p14="http://schemas.microsoft.com/office/powerpoint/2010/main" val="203176944"/>
+        <p14:creationId xmlns:p14="http://schemas.microsoft.com/office/powerpoint/2010/main" val="1009061835"/>
       </p:ext>
     </p:extLst>
   </p:cSld>
@@ -12263,15 +12650,7 @@
             </a:r>
             <a:r>
               <a:rPr lang="de-DE" dirty="0"/>
-              <a:t> --wordlist</a:t>
-            </a:r>
-            <a:r>
-              <a:rPr lang="de-DE"/>
-              <a:t>=wordlistEnde.</a:t>
-            </a:r>
-            <a:r>
-              <a:rPr lang="de-DE" dirty="0"/>
-              <a:t>txt password.txt</a:t>
+              <a:t> --wordlist=wordlistEnde.txt password.txt</a:t>
             </a:r>
           </a:p>
           <a:p>
@@ -13039,7 +13418,7 @@
           <a:p>
             <a:fld id="{56DC4D02-6C89-4F53-8C73-2E69B56DDD08}" type="datetimeFigureOut">
               <a:rPr lang="de-DE" smtClean="0"/>
-              <a:t>19.05.2018</a:t>
+              <a:t>20.05.2018</a:t>
             </a:fld>
             <a:endParaRPr lang="de-DE"/>
           </a:p>
@@ -13290,7 +13669,7 @@
           <a:p>
             <a:fld id="{56DC4D02-6C89-4F53-8C73-2E69B56DDD08}" type="datetimeFigureOut">
               <a:rPr lang="de-DE" smtClean="0"/>
-              <a:t>19.05.2018</a:t>
+              <a:t>20.05.2018</a:t>
             </a:fld>
             <a:endParaRPr lang="de-DE"/>
           </a:p>
@@ -13604,7 +13983,7 @@
           <a:p>
             <a:fld id="{56DC4D02-6C89-4F53-8C73-2E69B56DDD08}" type="datetimeFigureOut">
               <a:rPr lang="de-DE" smtClean="0"/>
-              <a:t>19.05.2018</a:t>
+              <a:t>20.05.2018</a:t>
             </a:fld>
             <a:endParaRPr lang="de-DE"/>
           </a:p>
@@ -13931,7 +14310,7 @@
           <a:p>
             <a:fld id="{56DC4D02-6C89-4F53-8C73-2E69B56DDD08}" type="datetimeFigureOut">
               <a:rPr lang="de-DE" smtClean="0"/>
-              <a:t>19.05.2018</a:t>
+              <a:t>20.05.2018</a:t>
             </a:fld>
             <a:endParaRPr lang="de-DE"/>
           </a:p>
@@ -14245,7 +14624,7 @@
           <a:p>
             <a:fld id="{56DC4D02-6C89-4F53-8C73-2E69B56DDD08}" type="datetimeFigureOut">
               <a:rPr lang="de-DE" smtClean="0"/>
-              <a:t>19.05.2018</a:t>
+              <a:t>20.05.2018</a:t>
             </a:fld>
             <a:endParaRPr lang="de-DE"/>
           </a:p>
@@ -14632,7 +15011,7 @@
           <a:p>
             <a:fld id="{56DC4D02-6C89-4F53-8C73-2E69B56DDD08}" type="datetimeFigureOut">
               <a:rPr lang="de-DE" smtClean="0"/>
-              <a:t>19.05.2018</a:t>
+              <a:t>20.05.2018</a:t>
             </a:fld>
             <a:endParaRPr lang="de-DE"/>
           </a:p>
@@ -14802,7 +15181,7 @@
           <a:p>
             <a:fld id="{56DC4D02-6C89-4F53-8C73-2E69B56DDD08}" type="datetimeFigureOut">
               <a:rPr lang="de-DE" smtClean="0"/>
-              <a:t>19.05.2018</a:t>
+              <a:t>20.05.2018</a:t>
             </a:fld>
             <a:endParaRPr lang="de-DE"/>
           </a:p>
@@ -14982,7 +15361,7 @@
           <a:p>
             <a:fld id="{56DC4D02-6C89-4F53-8C73-2E69B56DDD08}" type="datetimeFigureOut">
               <a:rPr lang="de-DE" smtClean="0"/>
-              <a:t>19.05.2018</a:t>
+              <a:t>20.05.2018</a:t>
             </a:fld>
             <a:endParaRPr lang="de-DE"/>
           </a:p>
@@ -15158,7 +15537,7 @@
           <a:p>
             <a:fld id="{56DC4D02-6C89-4F53-8C73-2E69B56DDD08}" type="datetimeFigureOut">
               <a:rPr lang="de-DE" smtClean="0"/>
-              <a:t>19.05.2018</a:t>
+              <a:t>20.05.2018</a:t>
             </a:fld>
             <a:endParaRPr lang="de-DE"/>
           </a:p>
@@ -15405,7 +15784,7 @@
           <a:p>
             <a:fld id="{56DC4D02-6C89-4F53-8C73-2E69B56DDD08}" type="datetimeFigureOut">
               <a:rPr lang="de-DE" smtClean="0"/>
-              <a:t>19.05.2018</a:t>
+              <a:t>20.05.2018</a:t>
             </a:fld>
             <a:endParaRPr lang="de-DE"/>
           </a:p>
@@ -15637,7 +16016,7 @@
           <a:p>
             <a:fld id="{56DC4D02-6C89-4F53-8C73-2E69B56DDD08}" type="datetimeFigureOut">
               <a:rPr lang="de-DE" smtClean="0"/>
-              <a:t>19.05.2018</a:t>
+              <a:t>20.05.2018</a:t>
             </a:fld>
             <a:endParaRPr lang="de-DE"/>
           </a:p>
@@ -16016,7 +16395,7 @@
           <a:p>
             <a:fld id="{56DC4D02-6C89-4F53-8C73-2E69B56DDD08}" type="datetimeFigureOut">
               <a:rPr lang="de-DE" smtClean="0"/>
-              <a:t>19.05.2018</a:t>
+              <a:t>20.05.2018</a:t>
             </a:fld>
             <a:endParaRPr lang="de-DE"/>
           </a:p>
@@ -16144,7 +16523,7 @@
           <a:p>
             <a:fld id="{56DC4D02-6C89-4F53-8C73-2E69B56DDD08}" type="datetimeFigureOut">
               <a:rPr lang="de-DE" smtClean="0"/>
-              <a:t>19.05.2018</a:t>
+              <a:t>20.05.2018</a:t>
             </a:fld>
             <a:endParaRPr lang="de-DE"/>
           </a:p>
@@ -16239,7 +16618,7 @@
           <a:p>
             <a:fld id="{56DC4D02-6C89-4F53-8C73-2E69B56DDD08}" type="datetimeFigureOut">
               <a:rPr lang="de-DE" smtClean="0"/>
-              <a:t>19.05.2018</a:t>
+              <a:t>20.05.2018</a:t>
             </a:fld>
             <a:endParaRPr lang="de-DE"/>
           </a:p>
@@ -16494,7 +16873,7 @@
           <a:p>
             <a:fld id="{56DC4D02-6C89-4F53-8C73-2E69B56DDD08}" type="datetimeFigureOut">
               <a:rPr lang="de-DE" smtClean="0"/>
-              <a:t>19.05.2018</a:t>
+              <a:t>20.05.2018</a:t>
             </a:fld>
             <a:endParaRPr lang="de-DE"/>
           </a:p>
@@ -16762,7 +17141,7 @@
           <a:p>
             <a:fld id="{56DC4D02-6C89-4F53-8C73-2E69B56DDD08}" type="datetimeFigureOut">
               <a:rPr lang="de-DE" smtClean="0"/>
-              <a:t>19.05.2018</a:t>
+              <a:t>20.05.2018</a:t>
             </a:fld>
             <a:endParaRPr lang="de-DE"/>
           </a:p>
@@ -17507,7 +17886,7 @@
           <a:p>
             <a:fld id="{56DC4D02-6C89-4F53-8C73-2E69B56DDD08}" type="datetimeFigureOut">
               <a:rPr lang="de-DE" smtClean="0"/>
-              <a:t>19.05.2018</a:t>
+              <a:t>20.05.2018</a:t>
             </a:fld>
             <a:endParaRPr lang="de-DE"/>
           </a:p>
@@ -18121,7 +18500,7 @@
           <p:cNvPr id="2" name="Titel 1">
             <a:extLst>
               <a:ext uri="{FF2B5EF4-FFF2-40B4-BE49-F238E27FC236}">
-                <a16:creationId xmlns:a16="http://schemas.microsoft.com/office/drawing/2014/main" id="{EBE412B9-825A-4619-AE98-E2F100B37428}"/>
+                <a16:creationId xmlns:a16="http://schemas.microsoft.com/office/drawing/2014/main" id="{36A50E80-EA83-4007-92A8-7C6926DE223C}"/>
               </a:ext>
             </a:extLst>
           </p:cNvPr>
@@ -18143,8 +18522,24 @@
             </a:r>
             <a:r>
               <a:rPr lang="de-DE" dirty="0"/>
-              <a:t> Mode</a:t>
-            </a:r>
+              <a:t> Mode mit </a:t>
+            </a:r>
+            <a:r>
+              <a:rPr lang="de-DE" dirty="0" err="1"/>
+              <a:t>Wordlist</a:t>
+            </a:r>
+            <a:r>
+              <a:rPr lang="de-DE" dirty="0"/>
+              <a:t> und Rule</a:t>
+            </a:r>
+            <a:br>
+              <a:rPr lang="de-DE"/>
+            </a:br>
+            <a:r>
+              <a:rPr lang="de-DE"/>
+              <a:t>Beispiel:</a:t>
+            </a:r>
+            <a:endParaRPr lang="de-DE" dirty="0"/>
           </a:p>
         </p:txBody>
       </p:sp>
@@ -18153,7 +18548,7 @@
           <p:cNvPr id="3" name="Inhaltsplatzhalter 2">
             <a:extLst>
               <a:ext uri="{FF2B5EF4-FFF2-40B4-BE49-F238E27FC236}">
-                <a16:creationId xmlns:a16="http://schemas.microsoft.com/office/drawing/2014/main" id="{91222411-1958-42EA-A35D-BD3B68D6DA03}"/>
+                <a16:creationId xmlns:a16="http://schemas.microsoft.com/office/drawing/2014/main" id="{537B3FB7-0489-411F-A6C1-780A86FE0065}"/>
               </a:ext>
             </a:extLst>
           </p:cNvPr>
@@ -18169,20 +18564,1093 @@
           <a:bodyPr/>
           <a:lstStyle/>
           <a:p>
-            <a:endParaRPr lang="de-DE"/>
+            <a:r>
+              <a:rPr lang="de-DE" dirty="0"/>
+              <a:t>Im </a:t>
+            </a:r>
+            <a:r>
+              <a:rPr lang="de-DE" dirty="0" err="1"/>
+              <a:t>Incremental</a:t>
+            </a:r>
+            <a:r>
+              <a:rPr lang="de-DE" dirty="0"/>
+              <a:t> Mode ist es möglich mit einer </a:t>
+            </a:r>
+            <a:r>
+              <a:rPr lang="de-DE" dirty="0" err="1"/>
+              <a:t>Wordlist</a:t>
+            </a:r>
+            <a:r>
+              <a:rPr lang="de-DE" dirty="0"/>
+              <a:t> zu arbeiten und eine selbst definierte Rule miteinzubinden.</a:t>
+            </a:r>
+          </a:p>
+          <a:p>
+            <a:r>
+              <a:rPr lang="de-DE" dirty="0"/>
+              <a:t>Das sieht folgendermaßen aus:</a:t>
+            </a:r>
+          </a:p>
+          <a:p>
+            <a:endParaRPr lang="de-DE" dirty="0"/>
           </a:p>
         </p:txBody>
       </p:sp>
+      <p:pic>
+        <p:nvPicPr>
+          <p:cNvPr id="7" name="Grafik 6">
+            <a:extLst>
+              <a:ext uri="{FF2B5EF4-FFF2-40B4-BE49-F238E27FC236}">
+                <a16:creationId xmlns:a16="http://schemas.microsoft.com/office/drawing/2014/main" id="{0A5C58E9-58D4-4DD0-BD91-43845B808CFB}"/>
+              </a:ext>
+            </a:extLst>
+          </p:cNvPr>
+          <p:cNvPicPr>
+            <a:picLocks noChangeAspect="1"/>
+          </p:cNvPicPr>
+          <p:nvPr/>
+        </p:nvPicPr>
+        <p:blipFill>
+          <a:blip r:embed="rId3">
+            <a:extLst>
+              <a:ext uri="{28A0092B-C50C-407E-A947-70E740481C1C}">
+                <a14:useLocalDpi xmlns:a14="http://schemas.microsoft.com/office/drawing/2010/main" val="0"/>
+              </a:ext>
+            </a:extLst>
+          </a:blip>
+          <a:stretch>
+            <a:fillRect/>
+          </a:stretch>
+        </p:blipFill>
+        <p:spPr>
+          <a:xfrm>
+            <a:off x="1116724" y="3429000"/>
+            <a:ext cx="5746531" cy="2327877"/>
+          </a:xfrm>
+          <a:prstGeom prst="rect">
+            <a:avLst/>
+          </a:prstGeom>
+        </p:spPr>
+      </p:pic>
+      <p:pic>
+        <p:nvPicPr>
+          <p:cNvPr id="9" name="Grafik 8">
+            <a:extLst>
+              <a:ext uri="{FF2B5EF4-FFF2-40B4-BE49-F238E27FC236}">
+                <a16:creationId xmlns:a16="http://schemas.microsoft.com/office/drawing/2014/main" id="{96ECC85E-7D81-4521-83CF-E9EA8FDB780C}"/>
+              </a:ext>
+            </a:extLst>
+          </p:cNvPr>
+          <p:cNvPicPr>
+            <a:picLocks noChangeAspect="1"/>
+          </p:cNvPicPr>
+          <p:nvPr/>
+        </p:nvPicPr>
+        <p:blipFill>
+          <a:blip r:embed="rId4">
+            <a:extLst>
+              <a:ext uri="{28A0092B-C50C-407E-A947-70E740481C1C}">
+                <a14:useLocalDpi xmlns:a14="http://schemas.microsoft.com/office/drawing/2010/main" val="0"/>
+              </a:ext>
+            </a:extLst>
+          </a:blip>
+          <a:stretch>
+            <a:fillRect/>
+          </a:stretch>
+        </p:blipFill>
+        <p:spPr>
+          <a:xfrm>
+            <a:off x="1116725" y="3429000"/>
+            <a:ext cx="9603827" cy="4030459"/>
+          </a:xfrm>
+          <a:prstGeom prst="rect">
+            <a:avLst/>
+          </a:prstGeom>
+        </p:spPr>
+      </p:pic>
+      <p:pic>
+        <p:nvPicPr>
+          <p:cNvPr id="11" name="Grafik 10">
+            <a:extLst>
+              <a:ext uri="{FF2B5EF4-FFF2-40B4-BE49-F238E27FC236}">
+                <a16:creationId xmlns:a16="http://schemas.microsoft.com/office/drawing/2014/main" id="{0C413F1F-8AAF-4E4E-8B7C-5106A4D9C781}"/>
+              </a:ext>
+            </a:extLst>
+          </p:cNvPr>
+          <p:cNvPicPr>
+            <a:picLocks noChangeAspect="1"/>
+          </p:cNvPicPr>
+          <p:nvPr/>
+        </p:nvPicPr>
+        <p:blipFill>
+          <a:blip r:embed="rId5">
+            <a:extLst>
+              <a:ext uri="{28A0092B-C50C-407E-A947-70E740481C1C}">
+                <a14:useLocalDpi xmlns:a14="http://schemas.microsoft.com/office/drawing/2010/main" val="0"/>
+              </a:ext>
+            </a:extLst>
+          </a:blip>
+          <a:stretch>
+            <a:fillRect/>
+          </a:stretch>
+        </p:blipFill>
+        <p:spPr>
+          <a:xfrm>
+            <a:off x="1116723" y="3429000"/>
+            <a:ext cx="9603829" cy="4032504"/>
+          </a:xfrm>
+          <a:prstGeom prst="rect">
+            <a:avLst/>
+          </a:prstGeom>
+        </p:spPr>
+      </p:pic>
     </p:spTree>
     <p:extLst>
       <p:ext uri="{BB962C8B-B14F-4D97-AF65-F5344CB8AC3E}">
-        <p14:creationId xmlns:p14="http://schemas.microsoft.com/office/powerpoint/2010/main" val="1971463947"/>
+        <p14:creationId xmlns:p14="http://schemas.microsoft.com/office/powerpoint/2010/main" val="2624164072"/>
       </p:ext>
     </p:extLst>
   </p:cSld>
   <p:clrMapOvr>
     <a:masterClrMapping/>
   </p:clrMapOvr>
+  <p:timing>
+    <p:tnLst>
+      <p:par>
+        <p:cTn id="1" dur="indefinite" restart="never" nodeType="tmRoot">
+          <p:childTnLst>
+            <p:seq concurrent="1" nextAc="seek">
+              <p:cTn id="2" dur="indefinite" nodeType="mainSeq">
+                <p:childTnLst>
+                  <p:par>
+                    <p:cTn id="3" fill="hold">
+                      <p:stCondLst>
+                        <p:cond delay="indefinite"/>
+                        <p:cond evt="onBegin" delay="0">
+                          <p:tn val="2"/>
+                        </p:cond>
+                      </p:stCondLst>
+                      <p:childTnLst>
+                        <p:par>
+                          <p:cTn id="4" fill="hold">
+                            <p:stCondLst>
+                              <p:cond delay="0"/>
+                            </p:stCondLst>
+                            <p:childTnLst>
+                              <p:par>
+                                <p:cTn id="5" presetID="2" presetClass="entr" presetSubtype="8" fill="hold" nodeType="withEffect">
+                                  <p:stCondLst>
+                                    <p:cond delay="0"/>
+                                  </p:stCondLst>
+                                  <p:childTnLst>
+                                    <p:set>
+                                      <p:cBhvr>
+                                        <p:cTn id="6" dur="1" fill="hold">
+                                          <p:stCondLst>
+                                            <p:cond delay="0"/>
+                                          </p:stCondLst>
+                                        </p:cTn>
+                                        <p:tgtEl>
+                                          <p:spTgt spid="3">
+                                            <p:txEl>
+                                              <p:pRg st="0" end="0"/>
+                                            </p:txEl>
+                                          </p:spTgt>
+                                        </p:tgtEl>
+                                        <p:attrNameLst>
+                                          <p:attrName>style.visibility</p:attrName>
+                                        </p:attrNameLst>
+                                      </p:cBhvr>
+                                      <p:to>
+                                        <p:strVal val="visible"/>
+                                      </p:to>
+                                    </p:set>
+                                    <p:anim calcmode="lin" valueType="num">
+                                      <p:cBhvr additive="base">
+                                        <p:cTn id="7" dur="500" fill="hold"/>
+                                        <p:tgtEl>
+                                          <p:spTgt spid="3">
+                                            <p:txEl>
+                                              <p:pRg st="0" end="0"/>
+                                            </p:txEl>
+                                          </p:spTgt>
+                                        </p:tgtEl>
+                                        <p:attrNameLst>
+                                          <p:attrName>ppt_x</p:attrName>
+                                        </p:attrNameLst>
+                                      </p:cBhvr>
+                                      <p:tavLst>
+                                        <p:tav tm="0">
+                                          <p:val>
+                                            <p:strVal val="0-#ppt_w/2"/>
+                                          </p:val>
+                                        </p:tav>
+                                        <p:tav tm="100000">
+                                          <p:val>
+                                            <p:strVal val="#ppt_x"/>
+                                          </p:val>
+                                        </p:tav>
+                                      </p:tavLst>
+                                    </p:anim>
+                                    <p:anim calcmode="lin" valueType="num">
+                                      <p:cBhvr additive="base">
+                                        <p:cTn id="8" dur="500" fill="hold"/>
+                                        <p:tgtEl>
+                                          <p:spTgt spid="3">
+                                            <p:txEl>
+                                              <p:pRg st="0" end="0"/>
+                                            </p:txEl>
+                                          </p:spTgt>
+                                        </p:tgtEl>
+                                        <p:attrNameLst>
+                                          <p:attrName>ppt_y</p:attrName>
+                                        </p:attrNameLst>
+                                      </p:cBhvr>
+                                      <p:tavLst>
+                                        <p:tav tm="0">
+                                          <p:val>
+                                            <p:strVal val="#ppt_y"/>
+                                          </p:val>
+                                        </p:tav>
+                                        <p:tav tm="100000">
+                                          <p:val>
+                                            <p:strVal val="#ppt_y"/>
+                                          </p:val>
+                                        </p:tav>
+                                      </p:tavLst>
+                                    </p:anim>
+                                  </p:childTnLst>
+                                </p:cTn>
+                              </p:par>
+                            </p:childTnLst>
+                          </p:cTn>
+                        </p:par>
+                        <p:par>
+                          <p:cTn id="9" fill="hold">
+                            <p:stCondLst>
+                              <p:cond delay="500"/>
+                            </p:stCondLst>
+                            <p:childTnLst>
+                              <p:par>
+                                <p:cTn id="10" presetID="2" presetClass="entr" presetSubtype="8" fill="hold" nodeType="afterEffect">
+                                  <p:stCondLst>
+                                    <p:cond delay="0"/>
+                                  </p:stCondLst>
+                                  <p:childTnLst>
+                                    <p:set>
+                                      <p:cBhvr>
+                                        <p:cTn id="11" dur="1" fill="hold">
+                                          <p:stCondLst>
+                                            <p:cond delay="0"/>
+                                          </p:stCondLst>
+                                        </p:cTn>
+                                        <p:tgtEl>
+                                          <p:spTgt spid="3">
+                                            <p:txEl>
+                                              <p:pRg st="1" end="1"/>
+                                            </p:txEl>
+                                          </p:spTgt>
+                                        </p:tgtEl>
+                                        <p:attrNameLst>
+                                          <p:attrName>style.visibility</p:attrName>
+                                        </p:attrNameLst>
+                                      </p:cBhvr>
+                                      <p:to>
+                                        <p:strVal val="visible"/>
+                                      </p:to>
+                                    </p:set>
+                                    <p:anim calcmode="lin" valueType="num">
+                                      <p:cBhvr additive="base">
+                                        <p:cTn id="12" dur="500" fill="hold"/>
+                                        <p:tgtEl>
+                                          <p:spTgt spid="3">
+                                            <p:txEl>
+                                              <p:pRg st="1" end="1"/>
+                                            </p:txEl>
+                                          </p:spTgt>
+                                        </p:tgtEl>
+                                        <p:attrNameLst>
+                                          <p:attrName>ppt_x</p:attrName>
+                                        </p:attrNameLst>
+                                      </p:cBhvr>
+                                      <p:tavLst>
+                                        <p:tav tm="0">
+                                          <p:val>
+                                            <p:strVal val="0-#ppt_w/2"/>
+                                          </p:val>
+                                        </p:tav>
+                                        <p:tav tm="100000">
+                                          <p:val>
+                                            <p:strVal val="#ppt_x"/>
+                                          </p:val>
+                                        </p:tav>
+                                      </p:tavLst>
+                                    </p:anim>
+                                    <p:anim calcmode="lin" valueType="num">
+                                      <p:cBhvr additive="base">
+                                        <p:cTn id="13" dur="500" fill="hold"/>
+                                        <p:tgtEl>
+                                          <p:spTgt spid="3">
+                                            <p:txEl>
+                                              <p:pRg st="1" end="1"/>
+                                            </p:txEl>
+                                          </p:spTgt>
+                                        </p:tgtEl>
+                                        <p:attrNameLst>
+                                          <p:attrName>ppt_y</p:attrName>
+                                        </p:attrNameLst>
+                                      </p:cBhvr>
+                                      <p:tavLst>
+                                        <p:tav tm="0">
+                                          <p:val>
+                                            <p:strVal val="#ppt_y"/>
+                                          </p:val>
+                                        </p:tav>
+                                        <p:tav tm="100000">
+                                          <p:val>
+                                            <p:strVal val="#ppt_y"/>
+                                          </p:val>
+                                        </p:tav>
+                                      </p:tavLst>
+                                    </p:anim>
+                                  </p:childTnLst>
+                                </p:cTn>
+                              </p:par>
+                            </p:childTnLst>
+                          </p:cTn>
+                        </p:par>
+                      </p:childTnLst>
+                    </p:cTn>
+                  </p:par>
+                  <p:par>
+                    <p:cTn id="14" fill="hold">
+                      <p:stCondLst>
+                        <p:cond delay="indefinite"/>
+                      </p:stCondLst>
+                      <p:childTnLst>
+                        <p:par>
+                          <p:cTn id="15" fill="hold">
+                            <p:stCondLst>
+                              <p:cond delay="0"/>
+                            </p:stCondLst>
+                            <p:childTnLst>
+                              <p:par>
+                                <p:cTn id="16" presetID="2" presetClass="exit" presetSubtype="2" fill="hold" nodeType="clickEffect">
+                                  <p:stCondLst>
+                                    <p:cond delay="0"/>
+                                  </p:stCondLst>
+                                  <p:childTnLst>
+                                    <p:anim calcmode="lin" valueType="num">
+                                      <p:cBhvr additive="base">
+                                        <p:cTn id="17" dur="500"/>
+                                        <p:tgtEl>
+                                          <p:spTgt spid="3">
+                                            <p:txEl>
+                                              <p:pRg st="0" end="0"/>
+                                            </p:txEl>
+                                          </p:spTgt>
+                                        </p:tgtEl>
+                                        <p:attrNameLst>
+                                          <p:attrName>ppt_x</p:attrName>
+                                        </p:attrNameLst>
+                                      </p:cBhvr>
+                                      <p:tavLst>
+                                        <p:tav tm="0">
+                                          <p:val>
+                                            <p:strVal val="ppt_x"/>
+                                          </p:val>
+                                        </p:tav>
+                                        <p:tav tm="100000">
+                                          <p:val>
+                                            <p:strVal val="1+ppt_w/2"/>
+                                          </p:val>
+                                        </p:tav>
+                                      </p:tavLst>
+                                    </p:anim>
+                                    <p:anim calcmode="lin" valueType="num">
+                                      <p:cBhvr additive="base">
+                                        <p:cTn id="18" dur="500"/>
+                                        <p:tgtEl>
+                                          <p:spTgt spid="3">
+                                            <p:txEl>
+                                              <p:pRg st="0" end="0"/>
+                                            </p:txEl>
+                                          </p:spTgt>
+                                        </p:tgtEl>
+                                        <p:attrNameLst>
+                                          <p:attrName>ppt_y</p:attrName>
+                                        </p:attrNameLst>
+                                      </p:cBhvr>
+                                      <p:tavLst>
+                                        <p:tav tm="0">
+                                          <p:val>
+                                            <p:strVal val="ppt_y"/>
+                                          </p:val>
+                                        </p:tav>
+                                        <p:tav tm="100000">
+                                          <p:val>
+                                            <p:strVal val="ppt_y"/>
+                                          </p:val>
+                                        </p:tav>
+                                      </p:tavLst>
+                                    </p:anim>
+                                    <p:set>
+                                      <p:cBhvr>
+                                        <p:cTn id="19" dur="1" fill="hold">
+                                          <p:stCondLst>
+                                            <p:cond delay="499"/>
+                                          </p:stCondLst>
+                                        </p:cTn>
+                                        <p:tgtEl>
+                                          <p:spTgt spid="3">
+                                            <p:txEl>
+                                              <p:pRg st="0" end="0"/>
+                                            </p:txEl>
+                                          </p:spTgt>
+                                        </p:tgtEl>
+                                        <p:attrNameLst>
+                                          <p:attrName>style.visibility</p:attrName>
+                                        </p:attrNameLst>
+                                      </p:cBhvr>
+                                      <p:to>
+                                        <p:strVal val="hidden"/>
+                                      </p:to>
+                                    </p:set>
+                                  </p:childTnLst>
+                                </p:cTn>
+                              </p:par>
+                            </p:childTnLst>
+                          </p:cTn>
+                        </p:par>
+                        <p:par>
+                          <p:cTn id="20" fill="hold">
+                            <p:stCondLst>
+                              <p:cond delay="500"/>
+                            </p:stCondLst>
+                            <p:childTnLst>
+                              <p:par>
+                                <p:cTn id="21" presetID="2" presetClass="exit" presetSubtype="2" fill="hold" nodeType="afterEffect">
+                                  <p:stCondLst>
+                                    <p:cond delay="0"/>
+                                  </p:stCondLst>
+                                  <p:childTnLst>
+                                    <p:anim calcmode="lin" valueType="num">
+                                      <p:cBhvr additive="base">
+                                        <p:cTn id="22" dur="500"/>
+                                        <p:tgtEl>
+                                          <p:spTgt spid="3">
+                                            <p:txEl>
+                                              <p:pRg st="1" end="1"/>
+                                            </p:txEl>
+                                          </p:spTgt>
+                                        </p:tgtEl>
+                                        <p:attrNameLst>
+                                          <p:attrName>ppt_x</p:attrName>
+                                        </p:attrNameLst>
+                                      </p:cBhvr>
+                                      <p:tavLst>
+                                        <p:tav tm="0">
+                                          <p:val>
+                                            <p:strVal val="ppt_x"/>
+                                          </p:val>
+                                        </p:tav>
+                                        <p:tav tm="100000">
+                                          <p:val>
+                                            <p:strVal val="1+ppt_w/2"/>
+                                          </p:val>
+                                        </p:tav>
+                                      </p:tavLst>
+                                    </p:anim>
+                                    <p:anim calcmode="lin" valueType="num">
+                                      <p:cBhvr additive="base">
+                                        <p:cTn id="23" dur="500"/>
+                                        <p:tgtEl>
+                                          <p:spTgt spid="3">
+                                            <p:txEl>
+                                              <p:pRg st="1" end="1"/>
+                                            </p:txEl>
+                                          </p:spTgt>
+                                        </p:tgtEl>
+                                        <p:attrNameLst>
+                                          <p:attrName>ppt_y</p:attrName>
+                                        </p:attrNameLst>
+                                      </p:cBhvr>
+                                      <p:tavLst>
+                                        <p:tav tm="0">
+                                          <p:val>
+                                            <p:strVal val="ppt_y"/>
+                                          </p:val>
+                                        </p:tav>
+                                        <p:tav tm="100000">
+                                          <p:val>
+                                            <p:strVal val="ppt_y"/>
+                                          </p:val>
+                                        </p:tav>
+                                      </p:tavLst>
+                                    </p:anim>
+                                    <p:set>
+                                      <p:cBhvr>
+                                        <p:cTn id="24" dur="1" fill="hold">
+                                          <p:stCondLst>
+                                            <p:cond delay="499"/>
+                                          </p:stCondLst>
+                                        </p:cTn>
+                                        <p:tgtEl>
+                                          <p:spTgt spid="3">
+                                            <p:txEl>
+                                              <p:pRg st="1" end="1"/>
+                                            </p:txEl>
+                                          </p:spTgt>
+                                        </p:tgtEl>
+                                        <p:attrNameLst>
+                                          <p:attrName>style.visibility</p:attrName>
+                                        </p:attrNameLst>
+                                      </p:cBhvr>
+                                      <p:to>
+                                        <p:strVal val="hidden"/>
+                                      </p:to>
+                                    </p:set>
+                                  </p:childTnLst>
+                                </p:cTn>
+                              </p:par>
+                              <p:par>
+                                <p:cTn id="25" presetID="2" presetClass="entr" presetSubtype="8" fill="hold" nodeType="withEffect">
+                                  <p:stCondLst>
+                                    <p:cond delay="0"/>
+                                  </p:stCondLst>
+                                  <p:childTnLst>
+                                    <p:set>
+                                      <p:cBhvr>
+                                        <p:cTn id="26" dur="1" fill="hold">
+                                          <p:stCondLst>
+                                            <p:cond delay="0"/>
+                                          </p:stCondLst>
+                                        </p:cTn>
+                                        <p:tgtEl>
+                                          <p:spTgt spid="7"/>
+                                        </p:tgtEl>
+                                        <p:attrNameLst>
+                                          <p:attrName>style.visibility</p:attrName>
+                                        </p:attrNameLst>
+                                      </p:cBhvr>
+                                      <p:to>
+                                        <p:strVal val="visible"/>
+                                      </p:to>
+                                    </p:set>
+                                    <p:anim calcmode="lin" valueType="num">
+                                      <p:cBhvr additive="base">
+                                        <p:cTn id="27" dur="500" fill="hold"/>
+                                        <p:tgtEl>
+                                          <p:spTgt spid="7"/>
+                                        </p:tgtEl>
+                                        <p:attrNameLst>
+                                          <p:attrName>ppt_x</p:attrName>
+                                        </p:attrNameLst>
+                                      </p:cBhvr>
+                                      <p:tavLst>
+                                        <p:tav tm="0">
+                                          <p:val>
+                                            <p:strVal val="0-#ppt_w/2"/>
+                                          </p:val>
+                                        </p:tav>
+                                        <p:tav tm="100000">
+                                          <p:val>
+                                            <p:strVal val="#ppt_x"/>
+                                          </p:val>
+                                        </p:tav>
+                                      </p:tavLst>
+                                    </p:anim>
+                                    <p:anim calcmode="lin" valueType="num">
+                                      <p:cBhvr additive="base">
+                                        <p:cTn id="28" dur="500" fill="hold"/>
+                                        <p:tgtEl>
+                                          <p:spTgt spid="7"/>
+                                        </p:tgtEl>
+                                        <p:attrNameLst>
+                                          <p:attrName>ppt_y</p:attrName>
+                                        </p:attrNameLst>
+                                      </p:cBhvr>
+                                      <p:tavLst>
+                                        <p:tav tm="0">
+                                          <p:val>
+                                            <p:strVal val="#ppt_y"/>
+                                          </p:val>
+                                        </p:tav>
+                                        <p:tav tm="100000">
+                                          <p:val>
+                                            <p:strVal val="#ppt_y"/>
+                                          </p:val>
+                                        </p:tav>
+                                      </p:tavLst>
+                                    </p:anim>
+                                  </p:childTnLst>
+                                </p:cTn>
+                              </p:par>
+                            </p:childTnLst>
+                          </p:cTn>
+                        </p:par>
+                      </p:childTnLst>
+                    </p:cTn>
+                  </p:par>
+                  <p:par>
+                    <p:cTn id="29" fill="hold">
+                      <p:stCondLst>
+                        <p:cond delay="indefinite"/>
+                      </p:stCondLst>
+                      <p:childTnLst>
+                        <p:par>
+                          <p:cTn id="30" fill="hold">
+                            <p:stCondLst>
+                              <p:cond delay="0"/>
+                            </p:stCondLst>
+                            <p:childTnLst>
+                              <p:par>
+                                <p:cTn id="31" presetID="2" presetClass="exit" presetSubtype="2" fill="hold" nodeType="clickEffect">
+                                  <p:stCondLst>
+                                    <p:cond delay="0"/>
+                                  </p:stCondLst>
+                                  <p:childTnLst>
+                                    <p:anim calcmode="lin" valueType="num">
+                                      <p:cBhvr additive="base">
+                                        <p:cTn id="32" dur="500"/>
+                                        <p:tgtEl>
+                                          <p:spTgt spid="7"/>
+                                        </p:tgtEl>
+                                        <p:attrNameLst>
+                                          <p:attrName>ppt_x</p:attrName>
+                                        </p:attrNameLst>
+                                      </p:cBhvr>
+                                      <p:tavLst>
+                                        <p:tav tm="0">
+                                          <p:val>
+                                            <p:strVal val="ppt_x"/>
+                                          </p:val>
+                                        </p:tav>
+                                        <p:tav tm="100000">
+                                          <p:val>
+                                            <p:strVal val="1+ppt_w/2"/>
+                                          </p:val>
+                                        </p:tav>
+                                      </p:tavLst>
+                                    </p:anim>
+                                    <p:anim calcmode="lin" valueType="num">
+                                      <p:cBhvr additive="base">
+                                        <p:cTn id="33" dur="500"/>
+                                        <p:tgtEl>
+                                          <p:spTgt spid="7"/>
+                                        </p:tgtEl>
+                                        <p:attrNameLst>
+                                          <p:attrName>ppt_y</p:attrName>
+                                        </p:attrNameLst>
+                                      </p:cBhvr>
+                                      <p:tavLst>
+                                        <p:tav tm="0">
+                                          <p:val>
+                                            <p:strVal val="ppt_y"/>
+                                          </p:val>
+                                        </p:tav>
+                                        <p:tav tm="100000">
+                                          <p:val>
+                                            <p:strVal val="ppt_y"/>
+                                          </p:val>
+                                        </p:tav>
+                                      </p:tavLst>
+                                    </p:anim>
+                                    <p:set>
+                                      <p:cBhvr>
+                                        <p:cTn id="34" dur="1" fill="hold">
+                                          <p:stCondLst>
+                                            <p:cond delay="499"/>
+                                          </p:stCondLst>
+                                        </p:cTn>
+                                        <p:tgtEl>
+                                          <p:spTgt spid="7"/>
+                                        </p:tgtEl>
+                                        <p:attrNameLst>
+                                          <p:attrName>style.visibility</p:attrName>
+                                        </p:attrNameLst>
+                                      </p:cBhvr>
+                                      <p:to>
+                                        <p:strVal val="hidden"/>
+                                      </p:to>
+                                    </p:set>
+                                  </p:childTnLst>
+                                </p:cTn>
+                              </p:par>
+                            </p:childTnLst>
+                          </p:cTn>
+                        </p:par>
+                        <p:par>
+                          <p:cTn id="35" fill="hold">
+                            <p:stCondLst>
+                              <p:cond delay="500"/>
+                            </p:stCondLst>
+                            <p:childTnLst>
+                              <p:par>
+                                <p:cTn id="36" presetID="2" presetClass="entr" presetSubtype="8" fill="hold" nodeType="afterEffect">
+                                  <p:stCondLst>
+                                    <p:cond delay="0"/>
+                                  </p:stCondLst>
+                                  <p:childTnLst>
+                                    <p:set>
+                                      <p:cBhvr>
+                                        <p:cTn id="37" dur="1" fill="hold">
+                                          <p:stCondLst>
+                                            <p:cond delay="0"/>
+                                          </p:stCondLst>
+                                        </p:cTn>
+                                        <p:tgtEl>
+                                          <p:spTgt spid="9"/>
+                                        </p:tgtEl>
+                                        <p:attrNameLst>
+                                          <p:attrName>style.visibility</p:attrName>
+                                        </p:attrNameLst>
+                                      </p:cBhvr>
+                                      <p:to>
+                                        <p:strVal val="visible"/>
+                                      </p:to>
+                                    </p:set>
+                                    <p:anim calcmode="lin" valueType="num">
+                                      <p:cBhvr additive="base">
+                                        <p:cTn id="38" dur="500" fill="hold"/>
+                                        <p:tgtEl>
+                                          <p:spTgt spid="9"/>
+                                        </p:tgtEl>
+                                        <p:attrNameLst>
+                                          <p:attrName>ppt_x</p:attrName>
+                                        </p:attrNameLst>
+                                      </p:cBhvr>
+                                      <p:tavLst>
+                                        <p:tav tm="0">
+                                          <p:val>
+                                            <p:strVal val="0-#ppt_w/2"/>
+                                          </p:val>
+                                        </p:tav>
+                                        <p:tav tm="100000">
+                                          <p:val>
+                                            <p:strVal val="#ppt_x"/>
+                                          </p:val>
+                                        </p:tav>
+                                      </p:tavLst>
+                                    </p:anim>
+                                    <p:anim calcmode="lin" valueType="num">
+                                      <p:cBhvr additive="base">
+                                        <p:cTn id="39" dur="500" fill="hold"/>
+                                        <p:tgtEl>
+                                          <p:spTgt spid="9"/>
+                                        </p:tgtEl>
+                                        <p:attrNameLst>
+                                          <p:attrName>ppt_y</p:attrName>
+                                        </p:attrNameLst>
+                                      </p:cBhvr>
+                                      <p:tavLst>
+                                        <p:tav tm="0">
+                                          <p:val>
+                                            <p:strVal val="#ppt_y"/>
+                                          </p:val>
+                                        </p:tav>
+                                        <p:tav tm="100000">
+                                          <p:val>
+                                            <p:strVal val="#ppt_y"/>
+                                          </p:val>
+                                        </p:tav>
+                                      </p:tavLst>
+                                    </p:anim>
+                                  </p:childTnLst>
+                                </p:cTn>
+                              </p:par>
+                            </p:childTnLst>
+                          </p:cTn>
+                        </p:par>
+                      </p:childTnLst>
+                    </p:cTn>
+                  </p:par>
+                  <p:par>
+                    <p:cTn id="40" fill="hold">
+                      <p:stCondLst>
+                        <p:cond delay="indefinite"/>
+                      </p:stCondLst>
+                      <p:childTnLst>
+                        <p:par>
+                          <p:cTn id="41" fill="hold">
+                            <p:stCondLst>
+                              <p:cond delay="0"/>
+                            </p:stCondLst>
+                            <p:childTnLst>
+                              <p:par>
+                                <p:cTn id="42" presetID="2" presetClass="exit" presetSubtype="2" fill="hold" nodeType="clickEffect">
+                                  <p:stCondLst>
+                                    <p:cond delay="0"/>
+                                  </p:stCondLst>
+                                  <p:childTnLst>
+                                    <p:anim calcmode="lin" valueType="num">
+                                      <p:cBhvr additive="base">
+                                        <p:cTn id="43" dur="500"/>
+                                        <p:tgtEl>
+                                          <p:spTgt spid="9"/>
+                                        </p:tgtEl>
+                                        <p:attrNameLst>
+                                          <p:attrName>ppt_x</p:attrName>
+                                        </p:attrNameLst>
+                                      </p:cBhvr>
+                                      <p:tavLst>
+                                        <p:tav tm="0">
+                                          <p:val>
+                                            <p:strVal val="ppt_x"/>
+                                          </p:val>
+                                        </p:tav>
+                                        <p:tav tm="100000">
+                                          <p:val>
+                                            <p:strVal val="1+ppt_w/2"/>
+                                          </p:val>
+                                        </p:tav>
+                                      </p:tavLst>
+                                    </p:anim>
+                                    <p:anim calcmode="lin" valueType="num">
+                                      <p:cBhvr additive="base">
+                                        <p:cTn id="44" dur="500"/>
+                                        <p:tgtEl>
+                                          <p:spTgt spid="9"/>
+                                        </p:tgtEl>
+                                        <p:attrNameLst>
+                                          <p:attrName>ppt_y</p:attrName>
+                                        </p:attrNameLst>
+                                      </p:cBhvr>
+                                      <p:tavLst>
+                                        <p:tav tm="0">
+                                          <p:val>
+                                            <p:strVal val="ppt_y"/>
+                                          </p:val>
+                                        </p:tav>
+                                        <p:tav tm="100000">
+                                          <p:val>
+                                            <p:strVal val="ppt_y"/>
+                                          </p:val>
+                                        </p:tav>
+                                      </p:tavLst>
+                                    </p:anim>
+                                    <p:set>
+                                      <p:cBhvr>
+                                        <p:cTn id="45" dur="1" fill="hold">
+                                          <p:stCondLst>
+                                            <p:cond delay="499"/>
+                                          </p:stCondLst>
+                                        </p:cTn>
+                                        <p:tgtEl>
+                                          <p:spTgt spid="9"/>
+                                        </p:tgtEl>
+                                        <p:attrNameLst>
+                                          <p:attrName>style.visibility</p:attrName>
+                                        </p:attrNameLst>
+                                      </p:cBhvr>
+                                      <p:to>
+                                        <p:strVal val="hidden"/>
+                                      </p:to>
+                                    </p:set>
+                                  </p:childTnLst>
+                                </p:cTn>
+                              </p:par>
+                            </p:childTnLst>
+                          </p:cTn>
+                        </p:par>
+                        <p:par>
+                          <p:cTn id="46" fill="hold">
+                            <p:stCondLst>
+                              <p:cond delay="500"/>
+                            </p:stCondLst>
+                            <p:childTnLst>
+                              <p:par>
+                                <p:cTn id="47" presetID="2" presetClass="entr" presetSubtype="8" fill="hold" nodeType="afterEffect">
+                                  <p:stCondLst>
+                                    <p:cond delay="0"/>
+                                  </p:stCondLst>
+                                  <p:childTnLst>
+                                    <p:set>
+                                      <p:cBhvr>
+                                        <p:cTn id="48" dur="1" fill="hold">
+                                          <p:stCondLst>
+                                            <p:cond delay="0"/>
+                                          </p:stCondLst>
+                                        </p:cTn>
+                                        <p:tgtEl>
+                                          <p:spTgt spid="11"/>
+                                        </p:tgtEl>
+                                        <p:attrNameLst>
+                                          <p:attrName>style.visibility</p:attrName>
+                                        </p:attrNameLst>
+                                      </p:cBhvr>
+                                      <p:to>
+                                        <p:strVal val="visible"/>
+                                      </p:to>
+                                    </p:set>
+                                    <p:anim calcmode="lin" valueType="num">
+                                      <p:cBhvr additive="base">
+                                        <p:cTn id="49" dur="500" fill="hold"/>
+                                        <p:tgtEl>
+                                          <p:spTgt spid="11"/>
+                                        </p:tgtEl>
+                                        <p:attrNameLst>
+                                          <p:attrName>ppt_x</p:attrName>
+                                        </p:attrNameLst>
+                                      </p:cBhvr>
+                                      <p:tavLst>
+                                        <p:tav tm="0">
+                                          <p:val>
+                                            <p:strVal val="0-#ppt_w/2"/>
+                                          </p:val>
+                                        </p:tav>
+                                        <p:tav tm="100000">
+                                          <p:val>
+                                            <p:strVal val="#ppt_x"/>
+                                          </p:val>
+                                        </p:tav>
+                                      </p:tavLst>
+                                    </p:anim>
+                                    <p:anim calcmode="lin" valueType="num">
+                                      <p:cBhvr additive="base">
+                                        <p:cTn id="50" dur="500" fill="hold"/>
+                                        <p:tgtEl>
+                                          <p:spTgt spid="11"/>
+                                        </p:tgtEl>
+                                        <p:attrNameLst>
+                                          <p:attrName>ppt_y</p:attrName>
+                                        </p:attrNameLst>
+                                      </p:cBhvr>
+                                      <p:tavLst>
+                                        <p:tav tm="0">
+                                          <p:val>
+                                            <p:strVal val="#ppt_y"/>
+                                          </p:val>
+                                        </p:tav>
+                                        <p:tav tm="100000">
+                                          <p:val>
+                                            <p:strVal val="#ppt_y"/>
+                                          </p:val>
+                                        </p:tav>
+                                      </p:tavLst>
+                                    </p:anim>
+                                  </p:childTnLst>
+                                </p:cTn>
+                              </p:par>
+                            </p:childTnLst>
+                          </p:cTn>
+                        </p:par>
+                      </p:childTnLst>
+                    </p:cTn>
+                  </p:par>
+                  <p:par>
+                    <p:cTn id="51" fill="hold">
+                      <p:stCondLst>
+                        <p:cond delay="indefinite"/>
+                      </p:stCondLst>
+                      <p:childTnLst>
+                        <p:par>
+                          <p:cTn id="52" fill="hold">
+                            <p:stCondLst>
+                              <p:cond delay="0"/>
+                            </p:stCondLst>
+                            <p:childTnLst>
+                              <p:par>
+                                <p:cTn id="53" presetID="2" presetClass="exit" presetSubtype="2" fill="hold" nodeType="clickEffect">
+                                  <p:stCondLst>
+                                    <p:cond delay="0"/>
+                                  </p:stCondLst>
+                                  <p:childTnLst>
+                                    <p:anim calcmode="lin" valueType="num">
+                                      <p:cBhvr additive="base">
+                                        <p:cTn id="54" dur="500"/>
+                                        <p:tgtEl>
+                                          <p:spTgt spid="11"/>
+                                        </p:tgtEl>
+                                        <p:attrNameLst>
+                                          <p:attrName>ppt_x</p:attrName>
+                                        </p:attrNameLst>
+                                      </p:cBhvr>
+                                      <p:tavLst>
+                                        <p:tav tm="0">
+                                          <p:val>
+                                            <p:strVal val="ppt_x"/>
+                                          </p:val>
+                                        </p:tav>
+                                        <p:tav tm="100000">
+                                          <p:val>
+                                            <p:strVal val="1+ppt_w/2"/>
+                                          </p:val>
+                                        </p:tav>
+                                      </p:tavLst>
+                                    </p:anim>
+                                    <p:anim calcmode="lin" valueType="num">
+                                      <p:cBhvr additive="base">
+                                        <p:cTn id="55" dur="500"/>
+                                        <p:tgtEl>
+                                          <p:spTgt spid="11"/>
+                                        </p:tgtEl>
+                                        <p:attrNameLst>
+                                          <p:attrName>ppt_y</p:attrName>
+                                        </p:attrNameLst>
+                                      </p:cBhvr>
+                                      <p:tavLst>
+                                        <p:tav tm="0">
+                                          <p:val>
+                                            <p:strVal val="ppt_y"/>
+                                          </p:val>
+                                        </p:tav>
+                                        <p:tav tm="100000">
+                                          <p:val>
+                                            <p:strVal val="ppt_y"/>
+                                          </p:val>
+                                        </p:tav>
+                                      </p:tavLst>
+                                    </p:anim>
+                                    <p:set>
+                                      <p:cBhvr>
+                                        <p:cTn id="56" dur="1" fill="hold">
+                                          <p:stCondLst>
+                                            <p:cond delay="499"/>
+                                          </p:stCondLst>
+                                        </p:cTn>
+                                        <p:tgtEl>
+                                          <p:spTgt spid="11"/>
+                                        </p:tgtEl>
+                                        <p:attrNameLst>
+                                          <p:attrName>style.visibility</p:attrName>
+                                        </p:attrNameLst>
+                                      </p:cBhvr>
+                                      <p:to>
+                                        <p:strVal val="hidden"/>
+                                      </p:to>
+                                    </p:set>
+                                  </p:childTnLst>
+                                </p:cTn>
+                              </p:par>
+                            </p:childTnLst>
+                          </p:cTn>
+                        </p:par>
+                      </p:childTnLst>
+                    </p:cTn>
+                  </p:par>
+                </p:childTnLst>
+              </p:cTn>
+              <p:prevCondLst>
+                <p:cond evt="onPrev" delay="0">
+                  <p:tgtEl>
+                    <p:sldTgt/>
+                  </p:tgtEl>
+                </p:cond>
+              </p:prevCondLst>
+              <p:nextCondLst>
+                <p:cond evt="onNext" delay="0">
+                  <p:tgtEl>
+                    <p:sldTgt/>
+                  </p:tgtEl>
+                </p:cond>
+              </p:nextCondLst>
+            </p:seq>
+          </p:childTnLst>
+        </p:cTn>
+      </p:par>
+    </p:tnLst>
+  </p:timing>
 </p:sld>
 </file>
 
@@ -24819,9 +26287,6 @@
           <a:bodyPr/>
           <a:lstStyle/>
           <a:p>
-            <a:pPr marL="0" indent="0">
-              <a:buNone/>
-            </a:pPr>
             <a:r>
               <a:rPr lang="de-DE" dirty="0" err="1"/>
               <a:t>Brute</a:t>
@@ -24838,18 +26303,13 @@
             <a:endParaRPr lang="de-DE" dirty="0"/>
           </a:p>
           <a:p>
-            <a:pPr marL="0" indent="0">
-              <a:buNone/>
-            </a:pPr>
             <a:r>
               <a:rPr lang="de-DE" dirty="0"/>
               <a:t>Schutz:</a:t>
             </a:r>
           </a:p>
           <a:p>
-            <a:pPr marL="0" indent="0">
-              <a:buNone/>
-            </a:pPr>
+            <a:pPr lvl="1"/>
             <a:r>
               <a:rPr lang="de-DE" dirty="0"/>
               <a:t>Lange Schlüssel und komplexe Passwörter</a:t>
@@ -24867,6 +26327,330 @@
   <p:clrMapOvr>
     <a:masterClrMapping/>
   </p:clrMapOvr>
+  <p:timing>
+    <p:tnLst>
+      <p:par>
+        <p:cTn id="1" dur="indefinite" restart="never" nodeType="tmRoot">
+          <p:childTnLst>
+            <p:seq concurrent="1" nextAc="seek">
+              <p:cTn id="2" dur="indefinite" nodeType="mainSeq">
+                <p:childTnLst>
+                  <p:par>
+                    <p:cTn id="3" fill="hold">
+                      <p:stCondLst>
+                        <p:cond delay="indefinite"/>
+                        <p:cond evt="onBegin" delay="0">
+                          <p:tn val="2"/>
+                        </p:cond>
+                      </p:stCondLst>
+                      <p:childTnLst>
+                        <p:par>
+                          <p:cTn id="4" fill="hold">
+                            <p:stCondLst>
+                              <p:cond delay="0"/>
+                            </p:stCondLst>
+                            <p:childTnLst>
+                              <p:par>
+                                <p:cTn id="5" presetID="2" presetClass="entr" presetSubtype="8" fill="hold" nodeType="afterEffect">
+                                  <p:stCondLst>
+                                    <p:cond delay="0"/>
+                                  </p:stCondLst>
+                                  <p:childTnLst>
+                                    <p:set>
+                                      <p:cBhvr>
+                                        <p:cTn id="6" dur="1" fill="hold">
+                                          <p:stCondLst>
+                                            <p:cond delay="0"/>
+                                          </p:stCondLst>
+                                        </p:cTn>
+                                        <p:tgtEl>
+                                          <p:spTgt spid="3">
+                                            <p:txEl>
+                                              <p:pRg st="0" end="0"/>
+                                            </p:txEl>
+                                          </p:spTgt>
+                                        </p:tgtEl>
+                                        <p:attrNameLst>
+                                          <p:attrName>style.visibility</p:attrName>
+                                        </p:attrNameLst>
+                                      </p:cBhvr>
+                                      <p:to>
+                                        <p:strVal val="visible"/>
+                                      </p:to>
+                                    </p:set>
+                                    <p:anim calcmode="lin" valueType="num">
+                                      <p:cBhvr additive="base">
+                                        <p:cTn id="7" dur="500" fill="hold"/>
+                                        <p:tgtEl>
+                                          <p:spTgt spid="3">
+                                            <p:txEl>
+                                              <p:pRg st="0" end="0"/>
+                                            </p:txEl>
+                                          </p:spTgt>
+                                        </p:tgtEl>
+                                        <p:attrNameLst>
+                                          <p:attrName>ppt_x</p:attrName>
+                                        </p:attrNameLst>
+                                      </p:cBhvr>
+                                      <p:tavLst>
+                                        <p:tav tm="0">
+                                          <p:val>
+                                            <p:strVal val="0-#ppt_w/2"/>
+                                          </p:val>
+                                        </p:tav>
+                                        <p:tav tm="100000">
+                                          <p:val>
+                                            <p:strVal val="#ppt_x"/>
+                                          </p:val>
+                                        </p:tav>
+                                      </p:tavLst>
+                                    </p:anim>
+                                    <p:anim calcmode="lin" valueType="num">
+                                      <p:cBhvr additive="base">
+                                        <p:cTn id="8" dur="500" fill="hold"/>
+                                        <p:tgtEl>
+                                          <p:spTgt spid="3">
+                                            <p:txEl>
+                                              <p:pRg st="0" end="0"/>
+                                            </p:txEl>
+                                          </p:spTgt>
+                                        </p:tgtEl>
+                                        <p:attrNameLst>
+                                          <p:attrName>ppt_y</p:attrName>
+                                        </p:attrNameLst>
+                                      </p:cBhvr>
+                                      <p:tavLst>
+                                        <p:tav tm="0">
+                                          <p:val>
+                                            <p:strVal val="#ppt_y"/>
+                                          </p:val>
+                                        </p:tav>
+                                        <p:tav tm="100000">
+                                          <p:val>
+                                            <p:strVal val="#ppt_y"/>
+                                          </p:val>
+                                        </p:tav>
+                                      </p:tavLst>
+                                    </p:anim>
+                                  </p:childTnLst>
+                                </p:cTn>
+                              </p:par>
+                            </p:childTnLst>
+                          </p:cTn>
+                        </p:par>
+                        <p:par>
+                          <p:cTn id="9" fill="hold">
+                            <p:stCondLst>
+                              <p:cond delay="500"/>
+                            </p:stCondLst>
+                            <p:childTnLst>
+                              <p:par>
+                                <p:cTn id="10" presetID="2" presetClass="entr" presetSubtype="8" fill="hold" nodeType="afterEffect">
+                                  <p:stCondLst>
+                                    <p:cond delay="0"/>
+                                  </p:stCondLst>
+                                  <p:childTnLst>
+                                    <p:set>
+                                      <p:cBhvr>
+                                        <p:cTn id="11" dur="1" fill="hold">
+                                          <p:stCondLst>
+                                            <p:cond delay="0"/>
+                                          </p:stCondLst>
+                                        </p:cTn>
+                                        <p:tgtEl>
+                                          <p:spTgt spid="3">
+                                            <p:txEl>
+                                              <p:pRg st="2" end="2"/>
+                                            </p:txEl>
+                                          </p:spTgt>
+                                        </p:tgtEl>
+                                        <p:attrNameLst>
+                                          <p:attrName>style.visibility</p:attrName>
+                                        </p:attrNameLst>
+                                      </p:cBhvr>
+                                      <p:to>
+                                        <p:strVal val="visible"/>
+                                      </p:to>
+                                    </p:set>
+                                    <p:anim calcmode="lin" valueType="num">
+                                      <p:cBhvr additive="base">
+                                        <p:cTn id="12" dur="500" fill="hold"/>
+                                        <p:tgtEl>
+                                          <p:spTgt spid="3">
+                                            <p:txEl>
+                                              <p:pRg st="2" end="2"/>
+                                            </p:txEl>
+                                          </p:spTgt>
+                                        </p:tgtEl>
+                                        <p:attrNameLst>
+                                          <p:attrName>ppt_x</p:attrName>
+                                        </p:attrNameLst>
+                                      </p:cBhvr>
+                                      <p:tavLst>
+                                        <p:tav tm="0">
+                                          <p:val>
+                                            <p:strVal val="0-#ppt_w/2"/>
+                                          </p:val>
+                                        </p:tav>
+                                        <p:tav tm="100000">
+                                          <p:val>
+                                            <p:strVal val="#ppt_x"/>
+                                          </p:val>
+                                        </p:tav>
+                                      </p:tavLst>
+                                    </p:anim>
+                                    <p:anim calcmode="lin" valueType="num">
+                                      <p:cBhvr additive="base">
+                                        <p:cTn id="13" dur="500" fill="hold"/>
+                                        <p:tgtEl>
+                                          <p:spTgt spid="3">
+                                            <p:txEl>
+                                              <p:pRg st="2" end="2"/>
+                                            </p:txEl>
+                                          </p:spTgt>
+                                        </p:tgtEl>
+                                        <p:attrNameLst>
+                                          <p:attrName>ppt_y</p:attrName>
+                                        </p:attrNameLst>
+                                      </p:cBhvr>
+                                      <p:tavLst>
+                                        <p:tav tm="0">
+                                          <p:val>
+                                            <p:strVal val="#ppt_y"/>
+                                          </p:val>
+                                        </p:tav>
+                                        <p:tav tm="100000">
+                                          <p:val>
+                                            <p:strVal val="#ppt_y"/>
+                                          </p:val>
+                                        </p:tav>
+                                      </p:tavLst>
+                                    </p:anim>
+                                  </p:childTnLst>
+                                </p:cTn>
+                              </p:par>
+                            </p:childTnLst>
+                          </p:cTn>
+                        </p:par>
+                        <p:par>
+                          <p:cTn id="14" fill="hold">
+                            <p:stCondLst>
+                              <p:cond delay="1000"/>
+                            </p:stCondLst>
+                            <p:childTnLst>
+                              <p:par>
+                                <p:cTn id="15" presetID="2" presetClass="entr" presetSubtype="8" fill="hold" nodeType="afterEffect">
+                                  <p:stCondLst>
+                                    <p:cond delay="0"/>
+                                  </p:stCondLst>
+                                  <p:childTnLst>
+                                    <p:set>
+                                      <p:cBhvr>
+                                        <p:cTn id="16" dur="1" fill="hold">
+                                          <p:stCondLst>
+                                            <p:cond delay="0"/>
+                                          </p:stCondLst>
+                                        </p:cTn>
+                                        <p:tgtEl>
+                                          <p:spTgt spid="3">
+                                            <p:txEl>
+                                              <p:pRg st="3" end="3"/>
+                                            </p:txEl>
+                                          </p:spTgt>
+                                        </p:tgtEl>
+                                        <p:attrNameLst>
+                                          <p:attrName>style.visibility</p:attrName>
+                                        </p:attrNameLst>
+                                      </p:cBhvr>
+                                      <p:to>
+                                        <p:strVal val="visible"/>
+                                      </p:to>
+                                    </p:set>
+                                    <p:anim calcmode="lin" valueType="num">
+                                      <p:cBhvr additive="base">
+                                        <p:cTn id="17" dur="500" fill="hold"/>
+                                        <p:tgtEl>
+                                          <p:spTgt spid="3">
+                                            <p:txEl>
+                                              <p:pRg st="3" end="3"/>
+                                            </p:txEl>
+                                          </p:spTgt>
+                                        </p:tgtEl>
+                                        <p:attrNameLst>
+                                          <p:attrName>ppt_x</p:attrName>
+                                        </p:attrNameLst>
+                                      </p:cBhvr>
+                                      <p:tavLst>
+                                        <p:tav tm="0">
+                                          <p:val>
+                                            <p:strVal val="0-#ppt_w/2"/>
+                                          </p:val>
+                                        </p:tav>
+                                        <p:tav tm="100000">
+                                          <p:val>
+                                            <p:strVal val="#ppt_x"/>
+                                          </p:val>
+                                        </p:tav>
+                                      </p:tavLst>
+                                    </p:anim>
+                                    <p:anim calcmode="lin" valueType="num">
+                                      <p:cBhvr additive="base">
+                                        <p:cTn id="18" dur="500" fill="hold"/>
+                                        <p:tgtEl>
+                                          <p:spTgt spid="3">
+                                            <p:txEl>
+                                              <p:pRg st="3" end="3"/>
+                                            </p:txEl>
+                                          </p:spTgt>
+                                        </p:tgtEl>
+                                        <p:attrNameLst>
+                                          <p:attrName>ppt_y</p:attrName>
+                                        </p:attrNameLst>
+                                      </p:cBhvr>
+                                      <p:tavLst>
+                                        <p:tav tm="0">
+                                          <p:val>
+                                            <p:strVal val="#ppt_y"/>
+                                          </p:val>
+                                        </p:tav>
+                                        <p:tav tm="100000">
+                                          <p:val>
+                                            <p:strVal val="#ppt_y"/>
+                                          </p:val>
+                                        </p:tav>
+                                      </p:tavLst>
+                                    </p:anim>
+                                  </p:childTnLst>
+                                </p:cTn>
+                              </p:par>
+                            </p:childTnLst>
+                          </p:cTn>
+                        </p:par>
+                      </p:childTnLst>
+                    </p:cTn>
+                  </p:par>
+                </p:childTnLst>
+              </p:cTn>
+              <p:prevCondLst>
+                <p:cond evt="onPrev" delay="0">
+                  <p:tgtEl>
+                    <p:sldTgt/>
+                  </p:tgtEl>
+                </p:cond>
+              </p:prevCondLst>
+              <p:nextCondLst>
+                <p:cond evt="onNext" delay="0">
+                  <p:tgtEl>
+                    <p:sldTgt/>
+                  </p:tgtEl>
+                </p:cond>
+              </p:nextCondLst>
+            </p:seq>
+          </p:childTnLst>
+        </p:cTn>
+      </p:par>
+    </p:tnLst>
+  </p:timing>
 </p:sld>
 </file>
 
@@ -24909,12 +26693,15 @@
           <a:lstStyle/>
           <a:p>
             <a:r>
-              <a:rPr lang="de-DE" dirty="0" err="1"/>
-              <a:t>Brute</a:t>
-            </a:r>
-            <a:r>
               <a:rPr lang="de-DE" dirty="0"/>
-              <a:t> Force Beispiel</a:t>
+              <a:t>Single Mode </a:t>
+            </a:r>
+            <a:br>
+              <a:rPr lang="de-DE" dirty="0"/>
+            </a:br>
+            <a:r>
+              <a:rPr lang="de-DE" dirty="0"/>
+              <a:t>Beispiel : </a:t>
             </a:r>
           </a:p>
         </p:txBody>
@@ -24955,7 +26742,7 @@
             </a:r>
             <a:r>
               <a:rPr lang="de-DE" dirty="0"/>
-              <a:t> Force auf eine einfaches *.</a:t>
+              <a:t> Force (Single Mode) auf eine einfache *.</a:t>
             </a:r>
             <a:r>
               <a:rPr lang="de-DE" dirty="0" err="1"/>
@@ -25137,6 +26924,9 @@
                     <p:cTn id="3" fill="hold">
                       <p:stCondLst>
                         <p:cond delay="indefinite"/>
+                        <p:cond evt="onBegin" delay="0">
+                          <p:tn val="2"/>
+                        </p:cond>
                       </p:stCondLst>
                       <p:childTnLst>
                         <p:par>
@@ -25146,7 +26936,7 @@
                             </p:stCondLst>
                             <p:childTnLst>
                               <p:par>
-                                <p:cTn id="5" presetID="2" presetClass="entr" presetSubtype="8" fill="hold" nodeType="clickEffect">
+                                <p:cTn id="5" presetID="2" presetClass="entr" presetSubtype="8" fill="hold" nodeType="withEffect">
                                   <p:stCondLst>
                                     <p:cond delay="0"/>
                                   </p:stCondLst>
@@ -25159,7 +26949,11 @@
                                           </p:stCondLst>
                                         </p:cTn>
                                         <p:tgtEl>
-                                          <p:spTgt spid="5"/>
+                                          <p:spTgt spid="3">
+                                            <p:txEl>
+                                              <p:pRg st="0" end="0"/>
+                                            </p:txEl>
+                                          </p:spTgt>
                                         </p:tgtEl>
                                         <p:attrNameLst>
                                           <p:attrName>style.visibility</p:attrName>
@@ -25173,7 +26967,11 @@
                                       <p:cBhvr additive="base">
                                         <p:cTn id="7" dur="500" fill="hold"/>
                                         <p:tgtEl>
-                                          <p:spTgt spid="5"/>
+                                          <p:spTgt spid="3">
+                                            <p:txEl>
+                                              <p:pRg st="0" end="0"/>
+                                            </p:txEl>
+                                          </p:spTgt>
                                         </p:tgtEl>
                                         <p:attrNameLst>
                                           <p:attrName>ppt_x</p:attrName>
@@ -25196,7 +26994,11 @@
                                       <p:cBhvr additive="base">
                                         <p:cTn id="8" dur="500" fill="hold"/>
                                         <p:tgtEl>
-                                          <p:spTgt spid="5"/>
+                                          <p:spTgt spid="3">
+                                            <p:txEl>
+                                              <p:pRg st="0" end="0"/>
+                                            </p:txEl>
+                                          </p:spTgt>
                                         </p:tgtEl>
                                         <p:attrNameLst>
                                           <p:attrName>ppt_y</p:attrName>
@@ -25246,7 +27048,11 @@
                                       <p:cBhvr additive="base">
                                         <p:cTn id="12" dur="500"/>
                                         <p:tgtEl>
-                                          <p:spTgt spid="5"/>
+                                          <p:spTgt spid="3">
+                                            <p:txEl>
+                                              <p:pRg st="0" end="0"/>
+                                            </p:txEl>
+                                          </p:spTgt>
                                         </p:tgtEl>
                                         <p:attrNameLst>
                                           <p:attrName>ppt_x</p:attrName>
@@ -25269,7 +27075,11 @@
                                       <p:cBhvr additive="base">
                                         <p:cTn id="13" dur="500"/>
                                         <p:tgtEl>
-                                          <p:spTgt spid="5"/>
+                                          <p:spTgt spid="3">
+                                            <p:txEl>
+                                              <p:pRg st="0" end="0"/>
+                                            </p:txEl>
+                                          </p:spTgt>
                                         </p:tgtEl>
                                         <p:attrNameLst>
                                           <p:attrName>ppt_y</p:attrName>
@@ -25296,6 +27106,183 @@
                                           </p:stCondLst>
                                         </p:cTn>
                                         <p:tgtEl>
+                                          <p:spTgt spid="3">
+                                            <p:txEl>
+                                              <p:pRg st="0" end="0"/>
+                                            </p:txEl>
+                                          </p:spTgt>
+                                        </p:tgtEl>
+                                        <p:attrNameLst>
+                                          <p:attrName>style.visibility</p:attrName>
+                                        </p:attrNameLst>
+                                      </p:cBhvr>
+                                      <p:to>
+                                        <p:strVal val="hidden"/>
+                                      </p:to>
+                                    </p:set>
+                                  </p:childTnLst>
+                                </p:cTn>
+                              </p:par>
+                            </p:childTnLst>
+                          </p:cTn>
+                        </p:par>
+                        <p:par>
+                          <p:cTn id="15" fill="hold">
+                            <p:stCondLst>
+                              <p:cond delay="500"/>
+                            </p:stCondLst>
+                            <p:childTnLst>
+                              <p:par>
+                                <p:cTn id="16" presetID="2" presetClass="entr" presetSubtype="8" fill="hold" nodeType="afterEffect">
+                                  <p:stCondLst>
+                                    <p:cond delay="0"/>
+                                  </p:stCondLst>
+                                  <p:childTnLst>
+                                    <p:set>
+                                      <p:cBhvr>
+                                        <p:cTn id="17" dur="1" fill="hold">
+                                          <p:stCondLst>
+                                            <p:cond delay="0"/>
+                                          </p:stCondLst>
+                                        </p:cTn>
+                                        <p:tgtEl>
+                                          <p:spTgt spid="5"/>
+                                        </p:tgtEl>
+                                        <p:attrNameLst>
+                                          <p:attrName>style.visibility</p:attrName>
+                                        </p:attrNameLst>
+                                      </p:cBhvr>
+                                      <p:to>
+                                        <p:strVal val="visible"/>
+                                      </p:to>
+                                    </p:set>
+                                    <p:anim calcmode="lin" valueType="num">
+                                      <p:cBhvr additive="base">
+                                        <p:cTn id="18" dur="500" fill="hold"/>
+                                        <p:tgtEl>
+                                          <p:spTgt spid="5"/>
+                                        </p:tgtEl>
+                                        <p:attrNameLst>
+                                          <p:attrName>ppt_x</p:attrName>
+                                        </p:attrNameLst>
+                                      </p:cBhvr>
+                                      <p:tavLst>
+                                        <p:tav tm="0">
+                                          <p:val>
+                                            <p:strVal val="0-#ppt_w/2"/>
+                                          </p:val>
+                                        </p:tav>
+                                        <p:tav tm="100000">
+                                          <p:val>
+                                            <p:strVal val="#ppt_x"/>
+                                          </p:val>
+                                        </p:tav>
+                                      </p:tavLst>
+                                    </p:anim>
+                                    <p:anim calcmode="lin" valueType="num">
+                                      <p:cBhvr additive="base">
+                                        <p:cTn id="19" dur="500" fill="hold"/>
+                                        <p:tgtEl>
+                                          <p:spTgt spid="5"/>
+                                        </p:tgtEl>
+                                        <p:attrNameLst>
+                                          <p:attrName>ppt_y</p:attrName>
+                                        </p:attrNameLst>
+                                      </p:cBhvr>
+                                      <p:tavLst>
+                                        <p:tav tm="0">
+                                          <p:val>
+                                            <p:strVal val="#ppt_y"/>
+                                          </p:val>
+                                        </p:tav>
+                                        <p:tav tm="100000">
+                                          <p:val>
+                                            <p:strVal val="#ppt_y"/>
+                                          </p:val>
+                                        </p:tav>
+                                      </p:tavLst>
+                                    </p:anim>
+                                  </p:childTnLst>
+                                </p:cTn>
+                              </p:par>
+                            </p:childTnLst>
+                          </p:cTn>
+                        </p:par>
+                      </p:childTnLst>
+                    </p:cTn>
+                  </p:par>
+                  <p:par>
+                    <p:cTn id="20" fill="hold">
+                      <p:stCondLst>
+                        <p:cond delay="indefinite"/>
+                      </p:stCondLst>
+                      <p:childTnLst>
+                        <p:par>
+                          <p:cTn id="21" fill="hold">
+                            <p:stCondLst>
+                              <p:cond delay="0"/>
+                            </p:stCondLst>
+                            <p:childTnLst>
+                              <p:par>
+                                <p:cTn id="22" presetID="2" presetClass="exit" presetSubtype="2" fill="hold" nodeType="clickEffect">
+                                  <p:stCondLst>
+                                    <p:cond delay="0"/>
+                                  </p:stCondLst>
+                                  <p:childTnLst>
+                                    <p:anim calcmode="lin" valueType="num">
+                                      <p:cBhvr additive="base">
+                                        <p:cTn id="23" dur="500"/>
+                                        <p:tgtEl>
+                                          <p:spTgt spid="5"/>
+                                        </p:tgtEl>
+                                        <p:attrNameLst>
+                                          <p:attrName>ppt_x</p:attrName>
+                                        </p:attrNameLst>
+                                      </p:cBhvr>
+                                      <p:tavLst>
+                                        <p:tav tm="0">
+                                          <p:val>
+                                            <p:strVal val="ppt_x"/>
+                                          </p:val>
+                                        </p:tav>
+                                        <p:tav tm="100000">
+                                          <p:val>
+                                            <p:strVal val="1+ppt_w/2"/>
+                                          </p:val>
+                                        </p:tav>
+                                      </p:tavLst>
+                                    </p:anim>
+                                    <p:anim calcmode="lin" valueType="num">
+                                      <p:cBhvr additive="base">
+                                        <p:cTn id="24" dur="500"/>
+                                        <p:tgtEl>
+                                          <p:spTgt spid="5"/>
+                                        </p:tgtEl>
+                                        <p:attrNameLst>
+                                          <p:attrName>ppt_y</p:attrName>
+                                        </p:attrNameLst>
+                                      </p:cBhvr>
+                                      <p:tavLst>
+                                        <p:tav tm="0">
+                                          <p:val>
+                                            <p:strVal val="ppt_y"/>
+                                          </p:val>
+                                        </p:tav>
+                                        <p:tav tm="100000">
+                                          <p:val>
+                                            <p:strVal val="ppt_y"/>
+                                          </p:val>
+                                        </p:tav>
+                                      </p:tavLst>
+                                    </p:anim>
+                                    <p:set>
+                                      <p:cBhvr>
+                                        <p:cTn id="25" dur="1" fill="hold">
+                                          <p:stCondLst>
+                                            <p:cond delay="499"/>
+                                          </p:stCondLst>
+                                        </p:cTn>
+                                        <p:tgtEl>
                                           <p:spTgt spid="5"/>
                                         </p:tgtEl>
                                         <p:attrNameLst>
@@ -25309,15 +27296,24 @@
                                   </p:childTnLst>
                                 </p:cTn>
                               </p:par>
+                            </p:childTnLst>
+                          </p:cTn>
+                        </p:par>
+                        <p:par>
+                          <p:cTn id="26" fill="hold">
+                            <p:stCondLst>
+                              <p:cond delay="500"/>
+                            </p:stCondLst>
+                            <p:childTnLst>
                               <p:par>
-                                <p:cTn id="15" presetID="2" presetClass="entr" presetSubtype="8" fill="hold" nodeType="withEffect">
+                                <p:cTn id="27" presetID="2" presetClass="entr" presetSubtype="8" fill="hold" nodeType="afterEffect">
                                   <p:stCondLst>
                                     <p:cond delay="0"/>
                                   </p:stCondLst>
                                   <p:childTnLst>
                                     <p:set>
                                       <p:cBhvr>
-                                        <p:cTn id="16" dur="1" fill="hold">
+                                        <p:cTn id="28" dur="1" fill="hold">
                                           <p:stCondLst>
                                             <p:cond delay="0"/>
                                           </p:stCondLst>
@@ -25335,7 +27331,7 @@
                                     </p:set>
                                     <p:anim calcmode="lin" valueType="num">
                                       <p:cBhvr additive="base">
-                                        <p:cTn id="17" dur="500" fill="hold"/>
+                                        <p:cTn id="29" dur="500" fill="hold"/>
                                         <p:tgtEl>
                                           <p:spTgt spid="7"/>
                                         </p:tgtEl>
@@ -25358,7 +27354,7 @@
                                     </p:anim>
                                     <p:anim calcmode="lin" valueType="num">
                                       <p:cBhvr additive="base">
-                                        <p:cTn id="18" dur="500" fill="hold"/>
+                                        <p:cTn id="30" dur="500" fill="hold"/>
                                         <p:tgtEl>
                                           <p:spTgt spid="7"/>
                                         </p:tgtEl>
@@ -25389,26 +27385,26 @@
                     </p:cTn>
                   </p:par>
                   <p:par>
-                    <p:cTn id="19" fill="hold">
+                    <p:cTn id="31" fill="hold">
                       <p:stCondLst>
                         <p:cond delay="indefinite"/>
                       </p:stCondLst>
                       <p:childTnLst>
                         <p:par>
-                          <p:cTn id="20" fill="hold">
+                          <p:cTn id="32" fill="hold">
                             <p:stCondLst>
                               <p:cond delay="0"/>
                             </p:stCondLst>
                             <p:childTnLst>
                               <p:par>
-                                <p:cTn id="21" presetID="2" presetClass="exit" presetSubtype="4" fill="hold" nodeType="clickEffect">
+                                <p:cTn id="33" presetID="2" presetClass="exit" presetSubtype="2" fill="hold" nodeType="clickEffect">
                                   <p:stCondLst>
                                     <p:cond delay="0"/>
                                   </p:stCondLst>
                                   <p:childTnLst>
                                     <p:anim calcmode="lin" valueType="num">
                                       <p:cBhvr additive="base">
-                                        <p:cTn id="22" dur="500"/>
+                                        <p:cTn id="34" dur="500"/>
                                         <p:tgtEl>
                                           <p:spTgt spid="7"/>
                                         </p:tgtEl>
@@ -25424,14 +27420,14 @@
                                         </p:tav>
                                         <p:tav tm="100000">
                                           <p:val>
-                                            <p:strVal val="ppt_x"/>
+                                            <p:strVal val="1+ppt_w/2"/>
                                           </p:val>
                                         </p:tav>
                                       </p:tavLst>
                                     </p:anim>
                                     <p:anim calcmode="lin" valueType="num">
                                       <p:cBhvr additive="base">
-                                        <p:cTn id="23" dur="500"/>
+                                        <p:cTn id="35" dur="500"/>
                                         <p:tgtEl>
                                           <p:spTgt spid="7"/>
                                         </p:tgtEl>
@@ -25447,14 +27443,14 @@
                                         </p:tav>
                                         <p:tav tm="100000">
                                           <p:val>
-                                            <p:strVal val="1+ppt_h/2"/>
+                                            <p:strVal val="ppt_y"/>
                                           </p:val>
                                         </p:tav>
                                       </p:tavLst>
                                     </p:anim>
                                     <p:set>
                                       <p:cBhvr>
-                                        <p:cTn id="24" dur="1" fill="hold">
+                                        <p:cTn id="36" dur="1" fill="hold">
                                           <p:stCondLst>
                                             <p:cond delay="499"/>
                                           </p:stCondLst>
@@ -25473,15 +27469,24 @@
                                   </p:childTnLst>
                                 </p:cTn>
                               </p:par>
+                            </p:childTnLst>
+                          </p:cTn>
+                        </p:par>
+                        <p:par>
+                          <p:cTn id="37" fill="hold">
+                            <p:stCondLst>
+                              <p:cond delay="500"/>
+                            </p:stCondLst>
+                            <p:childTnLst>
                               <p:par>
-                                <p:cTn id="25" presetID="2" presetClass="entr" presetSubtype="8" fill="hold" nodeType="withEffect">
+                                <p:cTn id="38" presetID="2" presetClass="entr" presetSubtype="8" fill="hold" nodeType="afterEffect">
                                   <p:stCondLst>
                                     <p:cond delay="0"/>
                                   </p:stCondLst>
                                   <p:childTnLst>
                                     <p:set>
                                       <p:cBhvr>
-                                        <p:cTn id="26" dur="1" fill="hold">
+                                        <p:cTn id="39" dur="1" fill="hold">
                                           <p:stCondLst>
                                             <p:cond delay="0"/>
                                           </p:stCondLst>
@@ -25499,7 +27504,7 @@
                                     </p:set>
                                     <p:anim calcmode="lin" valueType="num">
                                       <p:cBhvr additive="base">
-                                        <p:cTn id="27" dur="500" fill="hold"/>
+                                        <p:cTn id="40" dur="500" fill="hold"/>
                                         <p:tgtEl>
                                           <p:spTgt spid="9"/>
                                         </p:tgtEl>
@@ -25522,7 +27527,7 @@
                                     </p:anim>
                                     <p:anim calcmode="lin" valueType="num">
                                       <p:cBhvr additive="base">
-                                        <p:cTn id="28" dur="500" fill="hold"/>
+                                        <p:cTn id="41" dur="500" fill="hold"/>
                                         <p:tgtEl>
                                           <p:spTgt spid="9"/>
                                         </p:tgtEl>
@@ -25553,26 +27558,26 @@
                     </p:cTn>
                   </p:par>
                   <p:par>
-                    <p:cTn id="29" fill="hold">
+                    <p:cTn id="42" fill="hold">
                       <p:stCondLst>
                         <p:cond delay="indefinite"/>
                       </p:stCondLst>
                       <p:childTnLst>
                         <p:par>
-                          <p:cTn id="30" fill="hold">
+                          <p:cTn id="43" fill="hold">
                             <p:stCondLst>
                               <p:cond delay="0"/>
                             </p:stCondLst>
                             <p:childTnLst>
                               <p:par>
-                                <p:cTn id="31" presetID="2" presetClass="exit" presetSubtype="2" fill="hold" nodeType="clickEffect">
+                                <p:cTn id="44" presetID="2" presetClass="exit" presetSubtype="2" fill="hold" nodeType="clickEffect">
                                   <p:stCondLst>
                                     <p:cond delay="0"/>
                                   </p:stCondLst>
                                   <p:childTnLst>
                                     <p:anim calcmode="lin" valueType="num">
                                       <p:cBhvr additive="base">
-                                        <p:cTn id="32" dur="500"/>
+                                        <p:cTn id="45" dur="500"/>
                                         <p:tgtEl>
                                           <p:spTgt spid="9"/>
                                         </p:tgtEl>
@@ -25595,7 +27600,7 @@
                                     </p:anim>
                                     <p:anim calcmode="lin" valueType="num">
                                       <p:cBhvr additive="base">
-                                        <p:cTn id="33" dur="500"/>
+                                        <p:cTn id="46" dur="500"/>
                                         <p:tgtEl>
                                           <p:spTgt spid="9"/>
                                         </p:tgtEl>
@@ -25618,7 +27623,7 @@
                                     </p:anim>
                                     <p:set>
                                       <p:cBhvr>
-                                        <p:cTn id="34" dur="1" fill="hold">
+                                        <p:cTn id="47" dur="1" fill="hold">
                                           <p:stCondLst>
                                             <p:cond delay="499"/>
                                           </p:stCondLst>
@@ -25637,15 +27642,24 @@
                                   </p:childTnLst>
                                 </p:cTn>
                               </p:par>
+                            </p:childTnLst>
+                          </p:cTn>
+                        </p:par>
+                        <p:par>
+                          <p:cTn id="48" fill="hold">
+                            <p:stCondLst>
+                              <p:cond delay="500"/>
+                            </p:stCondLst>
+                            <p:childTnLst>
                               <p:par>
-                                <p:cTn id="35" presetID="2" presetClass="entr" presetSubtype="8" fill="hold" nodeType="withEffect">
+                                <p:cTn id="49" presetID="2" presetClass="entr" presetSubtype="8" fill="hold" nodeType="afterEffect">
                                   <p:stCondLst>
                                     <p:cond delay="0"/>
                                   </p:stCondLst>
                                   <p:childTnLst>
                                     <p:set>
                                       <p:cBhvr>
-                                        <p:cTn id="36" dur="1" fill="hold">
+                                        <p:cTn id="50" dur="1" fill="hold">
                                           <p:stCondLst>
                                             <p:cond delay="0"/>
                                           </p:stCondLst>
@@ -25663,7 +27677,7 @@
                                     </p:set>
                                     <p:anim calcmode="lin" valueType="num">
                                       <p:cBhvr additive="base">
-                                        <p:cTn id="37" dur="500" fill="hold"/>
+                                        <p:cTn id="51" dur="500" fill="hold"/>
                                         <p:tgtEl>
                                           <p:spTgt spid="11"/>
                                         </p:tgtEl>
@@ -25686,7 +27700,7 @@
                                     </p:anim>
                                     <p:anim calcmode="lin" valueType="num">
                                       <p:cBhvr additive="base">
-                                        <p:cTn id="38" dur="500" fill="hold"/>
+                                        <p:cTn id="52" dur="500" fill="hold"/>
                                         <p:tgtEl>
                                           <p:spTgt spid="11"/>
                                         </p:tgtEl>
@@ -25717,26 +27731,26 @@
                     </p:cTn>
                   </p:par>
                   <p:par>
-                    <p:cTn id="39" fill="hold">
+                    <p:cTn id="53" fill="hold">
                       <p:stCondLst>
                         <p:cond delay="indefinite"/>
                       </p:stCondLst>
                       <p:childTnLst>
                         <p:par>
-                          <p:cTn id="40" fill="hold">
+                          <p:cTn id="54" fill="hold">
                             <p:stCondLst>
                               <p:cond delay="0"/>
                             </p:stCondLst>
                             <p:childTnLst>
                               <p:par>
-                                <p:cTn id="41" presetID="2" presetClass="exit" presetSubtype="2" fill="hold" nodeType="clickEffect">
+                                <p:cTn id="55" presetID="2" presetClass="exit" presetSubtype="2" fill="hold" nodeType="clickEffect">
                                   <p:stCondLst>
                                     <p:cond delay="0"/>
                                   </p:stCondLst>
                                   <p:childTnLst>
                                     <p:anim calcmode="lin" valueType="num">
                                       <p:cBhvr additive="base">
-                                        <p:cTn id="42" dur="500"/>
+                                        <p:cTn id="56" dur="500"/>
                                         <p:tgtEl>
                                           <p:spTgt spid="11"/>
                                         </p:tgtEl>
@@ -25759,7 +27773,7 @@
                                     </p:anim>
                                     <p:anim calcmode="lin" valueType="num">
                                       <p:cBhvr additive="base">
-                                        <p:cTn id="43" dur="500"/>
+                                        <p:cTn id="57" dur="500"/>
                                         <p:tgtEl>
                                           <p:spTgt spid="11"/>
                                         </p:tgtEl>
@@ -25782,7 +27796,7 @@
                                     </p:anim>
                                     <p:set>
                                       <p:cBhvr>
-                                        <p:cTn id="44" dur="1" fill="hold">
+                                        <p:cTn id="58" dur="1" fill="hold">
                                           <p:stCondLst>
                                             <p:cond delay="499"/>
                                           </p:stCondLst>
@@ -25854,7 +27868,7 @@
           <p:cNvPr id="2" name="Titel 1">
             <a:extLst>
               <a:ext uri="{FF2B5EF4-FFF2-40B4-BE49-F238E27FC236}">
-                <a16:creationId xmlns:a16="http://schemas.microsoft.com/office/drawing/2014/main" id="{1B29F7BE-03D8-4A59-9FB3-6F1599BB8555}"/>
+                <a16:creationId xmlns:a16="http://schemas.microsoft.com/office/drawing/2014/main" id="{EBE412B9-825A-4619-AE98-E2F100B37428}"/>
               </a:ext>
             </a:extLst>
           </p:cNvPr>
@@ -25867,22 +27881,24 @@
         </p:nvSpPr>
         <p:spPr/>
         <p:txBody>
-          <a:bodyPr>
-            <a:normAutofit fontScale="90000"/>
-          </a:bodyPr>
+          <a:bodyPr/>
           <a:lstStyle/>
           <a:p>
+            <a:r>
+              <a:rPr lang="de-DE" dirty="0" err="1"/>
+              <a:t>Incremental</a:t>
+            </a:r>
+            <a:r>
+              <a:rPr lang="de-DE" dirty="0"/>
+              <a:t> Mode</a:t>
+            </a:r>
             <a:br>
               <a:rPr lang="de-DE" dirty="0"/>
             </a:br>
             <a:r>
               <a:rPr lang="de-DE" dirty="0"/>
-              <a:t>Single Mode</a:t>
-            </a:r>
-            <a:br>
-              <a:rPr lang="de-DE" dirty="0"/>
-            </a:br>
-            <a:endParaRPr lang="de-DE" dirty="0"/>
+              <a:t>Beispiel:</a:t>
+            </a:r>
           </a:p>
         </p:txBody>
       </p:sp>
@@ -25891,7 +27907,7 @@
           <p:cNvPr id="3" name="Inhaltsplatzhalter 2">
             <a:extLst>
               <a:ext uri="{FF2B5EF4-FFF2-40B4-BE49-F238E27FC236}">
-                <a16:creationId xmlns:a16="http://schemas.microsoft.com/office/drawing/2014/main" id="{87FA39E2-BC1F-4E2A-9CC5-91D2D6870ADD}"/>
+                <a16:creationId xmlns:a16="http://schemas.microsoft.com/office/drawing/2014/main" id="{91222411-1958-42EA-A35D-BD3B68D6DA03}"/>
               </a:ext>
             </a:extLst>
           </p:cNvPr>
@@ -25907,20 +27923,1106 @@
           <a:bodyPr/>
           <a:lstStyle/>
           <a:p>
-            <a:endParaRPr lang="de-DE"/>
+            <a:r>
+              <a:rPr lang="de-DE" dirty="0"/>
+              <a:t>Der </a:t>
+            </a:r>
+            <a:r>
+              <a:rPr lang="de-DE" dirty="0" err="1"/>
+              <a:t>Incremental</a:t>
+            </a:r>
+            <a:r>
+              <a:rPr lang="de-DE" dirty="0"/>
+              <a:t> Mode ist eine Art des </a:t>
+            </a:r>
+            <a:r>
+              <a:rPr lang="de-DE" dirty="0" err="1"/>
+              <a:t>Brute</a:t>
+            </a:r>
+            <a:r>
+              <a:rPr lang="de-DE" dirty="0"/>
+              <a:t> Force Modus, im </a:t>
+            </a:r>
+            <a:r>
+              <a:rPr lang="de-DE" dirty="0" err="1"/>
+              <a:t>Incremental</a:t>
+            </a:r>
+            <a:r>
+              <a:rPr lang="de-DE" dirty="0"/>
+              <a:t> Mode werden nur definierte </a:t>
+            </a:r>
+            <a:r>
+              <a:rPr lang="de-DE" dirty="0" err="1"/>
+              <a:t>Regex</a:t>
+            </a:r>
+            <a:r>
+              <a:rPr lang="de-DE" dirty="0"/>
+              <a:t> auf den Hash angewendet. </a:t>
+            </a:r>
+          </a:p>
+          <a:p>
+            <a:r>
+              <a:rPr lang="de-DE" dirty="0"/>
+              <a:t>Das sieht folgendermaßen aus:</a:t>
+            </a:r>
           </a:p>
         </p:txBody>
       </p:sp>
+      <p:pic>
+        <p:nvPicPr>
+          <p:cNvPr id="5" name="Grafik 4">
+            <a:extLst>
+              <a:ext uri="{FF2B5EF4-FFF2-40B4-BE49-F238E27FC236}">
+                <a16:creationId xmlns:a16="http://schemas.microsoft.com/office/drawing/2014/main" id="{0DA47EEC-B42F-4B32-B17E-F24354805CE5}"/>
+              </a:ext>
+            </a:extLst>
+          </p:cNvPr>
+          <p:cNvPicPr>
+            <a:picLocks noChangeAspect="1"/>
+          </p:cNvPicPr>
+          <p:nvPr/>
+        </p:nvPicPr>
+        <p:blipFill>
+          <a:blip r:embed="rId3">
+            <a:extLst>
+              <a:ext uri="{28A0092B-C50C-407E-A947-70E740481C1C}">
+                <a14:useLocalDpi xmlns:a14="http://schemas.microsoft.com/office/drawing/2010/main" val="0"/>
+              </a:ext>
+            </a:extLst>
+          </a:blip>
+          <a:stretch>
+            <a:fillRect/>
+          </a:stretch>
+        </p:blipFill>
+        <p:spPr>
+          <a:xfrm>
+            <a:off x="941891" y="3253114"/>
+            <a:ext cx="10012802" cy="4215054"/>
+          </a:xfrm>
+          <a:prstGeom prst="rect">
+            <a:avLst/>
+          </a:prstGeom>
+        </p:spPr>
+      </p:pic>
+      <p:pic>
+        <p:nvPicPr>
+          <p:cNvPr id="7" name="Grafik 6">
+            <a:extLst>
+              <a:ext uri="{FF2B5EF4-FFF2-40B4-BE49-F238E27FC236}">
+                <a16:creationId xmlns:a16="http://schemas.microsoft.com/office/drawing/2014/main" id="{44ACC3D8-1D17-497C-AE72-E9C0440FADB8}"/>
+              </a:ext>
+            </a:extLst>
+          </p:cNvPr>
+          <p:cNvPicPr>
+            <a:picLocks noChangeAspect="1"/>
+          </p:cNvPicPr>
+          <p:nvPr/>
+        </p:nvPicPr>
+        <p:blipFill>
+          <a:blip r:embed="rId4">
+            <a:extLst>
+              <a:ext uri="{28A0092B-C50C-407E-A947-70E740481C1C}">
+                <a14:useLocalDpi xmlns:a14="http://schemas.microsoft.com/office/drawing/2010/main" val="0"/>
+              </a:ext>
+            </a:extLst>
+          </a:blip>
+          <a:stretch>
+            <a:fillRect/>
+          </a:stretch>
+        </p:blipFill>
+        <p:spPr>
+          <a:xfrm>
+            <a:off x="941891" y="3253114"/>
+            <a:ext cx="10405972" cy="4401214"/>
+          </a:xfrm>
+          <a:prstGeom prst="rect">
+            <a:avLst/>
+          </a:prstGeom>
+        </p:spPr>
+      </p:pic>
+      <p:pic>
+        <p:nvPicPr>
+          <p:cNvPr id="9" name="Grafik 8">
+            <a:extLst>
+              <a:ext uri="{FF2B5EF4-FFF2-40B4-BE49-F238E27FC236}">
+                <a16:creationId xmlns:a16="http://schemas.microsoft.com/office/drawing/2014/main" id="{6886D661-B6FE-4B58-B6EB-38D66ECC844C}"/>
+              </a:ext>
+            </a:extLst>
+          </p:cNvPr>
+          <p:cNvPicPr>
+            <a:picLocks noChangeAspect="1"/>
+          </p:cNvPicPr>
+          <p:nvPr/>
+        </p:nvPicPr>
+        <p:blipFill>
+          <a:blip r:embed="rId5">
+            <a:extLst>
+              <a:ext uri="{28A0092B-C50C-407E-A947-70E740481C1C}">
+                <a14:useLocalDpi xmlns:a14="http://schemas.microsoft.com/office/drawing/2010/main" val="0"/>
+              </a:ext>
+            </a:extLst>
+          </a:blip>
+          <a:stretch>
+            <a:fillRect/>
+          </a:stretch>
+        </p:blipFill>
+        <p:spPr>
+          <a:xfrm>
+            <a:off x="941890" y="3260121"/>
+            <a:ext cx="10401045" cy="4394207"/>
+          </a:xfrm>
+          <a:prstGeom prst="rect">
+            <a:avLst/>
+          </a:prstGeom>
+        </p:spPr>
+      </p:pic>
     </p:spTree>
     <p:extLst>
       <p:ext uri="{BB962C8B-B14F-4D97-AF65-F5344CB8AC3E}">
-        <p14:creationId xmlns:p14="http://schemas.microsoft.com/office/powerpoint/2010/main" val="2072897361"/>
+        <p14:creationId xmlns:p14="http://schemas.microsoft.com/office/powerpoint/2010/main" val="1971463947"/>
       </p:ext>
     </p:extLst>
   </p:cSld>
   <p:clrMapOvr>
     <a:masterClrMapping/>
   </p:clrMapOvr>
+  <p:timing>
+    <p:tnLst>
+      <p:par>
+        <p:cTn id="1" dur="indefinite" restart="never" nodeType="tmRoot">
+          <p:childTnLst>
+            <p:seq concurrent="1" nextAc="seek">
+              <p:cTn id="2" dur="indefinite" nodeType="mainSeq">
+                <p:childTnLst>
+                  <p:par>
+                    <p:cTn id="3" fill="hold">
+                      <p:stCondLst>
+                        <p:cond delay="indefinite"/>
+                        <p:cond evt="onBegin" delay="0">
+                          <p:tn val="2"/>
+                        </p:cond>
+                      </p:stCondLst>
+                      <p:childTnLst>
+                        <p:par>
+                          <p:cTn id="4" fill="hold">
+                            <p:stCondLst>
+                              <p:cond delay="0"/>
+                            </p:stCondLst>
+                            <p:childTnLst>
+                              <p:par>
+                                <p:cTn id="5" presetID="2" presetClass="entr" presetSubtype="8" fill="hold" nodeType="afterEffect">
+                                  <p:stCondLst>
+                                    <p:cond delay="0"/>
+                                  </p:stCondLst>
+                                  <p:childTnLst>
+                                    <p:set>
+                                      <p:cBhvr>
+                                        <p:cTn id="6" dur="1" fill="hold">
+                                          <p:stCondLst>
+                                            <p:cond delay="0"/>
+                                          </p:stCondLst>
+                                        </p:cTn>
+                                        <p:tgtEl>
+                                          <p:spTgt spid="3">
+                                            <p:txEl>
+                                              <p:pRg st="0" end="0"/>
+                                            </p:txEl>
+                                          </p:spTgt>
+                                        </p:tgtEl>
+                                        <p:attrNameLst>
+                                          <p:attrName>style.visibility</p:attrName>
+                                        </p:attrNameLst>
+                                      </p:cBhvr>
+                                      <p:to>
+                                        <p:strVal val="visible"/>
+                                      </p:to>
+                                    </p:set>
+                                    <p:anim calcmode="lin" valueType="num">
+                                      <p:cBhvr additive="base">
+                                        <p:cTn id="7" dur="500" fill="hold"/>
+                                        <p:tgtEl>
+                                          <p:spTgt spid="3">
+                                            <p:txEl>
+                                              <p:pRg st="0" end="0"/>
+                                            </p:txEl>
+                                          </p:spTgt>
+                                        </p:tgtEl>
+                                        <p:attrNameLst>
+                                          <p:attrName>ppt_x</p:attrName>
+                                        </p:attrNameLst>
+                                      </p:cBhvr>
+                                      <p:tavLst>
+                                        <p:tav tm="0">
+                                          <p:val>
+                                            <p:strVal val="0-#ppt_w/2"/>
+                                          </p:val>
+                                        </p:tav>
+                                        <p:tav tm="100000">
+                                          <p:val>
+                                            <p:strVal val="#ppt_x"/>
+                                          </p:val>
+                                        </p:tav>
+                                      </p:tavLst>
+                                    </p:anim>
+                                    <p:anim calcmode="lin" valueType="num">
+                                      <p:cBhvr additive="base">
+                                        <p:cTn id="8" dur="500" fill="hold"/>
+                                        <p:tgtEl>
+                                          <p:spTgt spid="3">
+                                            <p:txEl>
+                                              <p:pRg st="0" end="0"/>
+                                            </p:txEl>
+                                          </p:spTgt>
+                                        </p:tgtEl>
+                                        <p:attrNameLst>
+                                          <p:attrName>ppt_y</p:attrName>
+                                        </p:attrNameLst>
+                                      </p:cBhvr>
+                                      <p:tavLst>
+                                        <p:tav tm="0">
+                                          <p:val>
+                                            <p:strVal val="#ppt_y"/>
+                                          </p:val>
+                                        </p:tav>
+                                        <p:tav tm="100000">
+                                          <p:val>
+                                            <p:strVal val="#ppt_y"/>
+                                          </p:val>
+                                        </p:tav>
+                                      </p:tavLst>
+                                    </p:anim>
+                                  </p:childTnLst>
+                                </p:cTn>
+                              </p:par>
+                            </p:childTnLst>
+                          </p:cTn>
+                        </p:par>
+                        <p:par>
+                          <p:cTn id="9" fill="hold">
+                            <p:stCondLst>
+                              <p:cond delay="500"/>
+                            </p:stCondLst>
+                            <p:childTnLst>
+                              <p:par>
+                                <p:cTn id="10" presetID="2" presetClass="entr" presetSubtype="8" fill="hold" nodeType="afterEffect">
+                                  <p:stCondLst>
+                                    <p:cond delay="0"/>
+                                  </p:stCondLst>
+                                  <p:childTnLst>
+                                    <p:set>
+                                      <p:cBhvr>
+                                        <p:cTn id="11" dur="1" fill="hold">
+                                          <p:stCondLst>
+                                            <p:cond delay="0"/>
+                                          </p:stCondLst>
+                                        </p:cTn>
+                                        <p:tgtEl>
+                                          <p:spTgt spid="3">
+                                            <p:txEl>
+                                              <p:pRg st="1" end="1"/>
+                                            </p:txEl>
+                                          </p:spTgt>
+                                        </p:tgtEl>
+                                        <p:attrNameLst>
+                                          <p:attrName>style.visibility</p:attrName>
+                                        </p:attrNameLst>
+                                      </p:cBhvr>
+                                      <p:to>
+                                        <p:strVal val="visible"/>
+                                      </p:to>
+                                    </p:set>
+                                    <p:anim calcmode="lin" valueType="num">
+                                      <p:cBhvr additive="base">
+                                        <p:cTn id="12" dur="500" fill="hold"/>
+                                        <p:tgtEl>
+                                          <p:spTgt spid="3">
+                                            <p:txEl>
+                                              <p:pRg st="1" end="1"/>
+                                            </p:txEl>
+                                          </p:spTgt>
+                                        </p:tgtEl>
+                                        <p:attrNameLst>
+                                          <p:attrName>ppt_x</p:attrName>
+                                        </p:attrNameLst>
+                                      </p:cBhvr>
+                                      <p:tavLst>
+                                        <p:tav tm="0">
+                                          <p:val>
+                                            <p:strVal val="0-#ppt_w/2"/>
+                                          </p:val>
+                                        </p:tav>
+                                        <p:tav tm="100000">
+                                          <p:val>
+                                            <p:strVal val="#ppt_x"/>
+                                          </p:val>
+                                        </p:tav>
+                                      </p:tavLst>
+                                    </p:anim>
+                                    <p:anim calcmode="lin" valueType="num">
+                                      <p:cBhvr additive="base">
+                                        <p:cTn id="13" dur="500" fill="hold"/>
+                                        <p:tgtEl>
+                                          <p:spTgt spid="3">
+                                            <p:txEl>
+                                              <p:pRg st="1" end="1"/>
+                                            </p:txEl>
+                                          </p:spTgt>
+                                        </p:tgtEl>
+                                        <p:attrNameLst>
+                                          <p:attrName>ppt_y</p:attrName>
+                                        </p:attrNameLst>
+                                      </p:cBhvr>
+                                      <p:tavLst>
+                                        <p:tav tm="0">
+                                          <p:val>
+                                            <p:strVal val="#ppt_y"/>
+                                          </p:val>
+                                        </p:tav>
+                                        <p:tav tm="100000">
+                                          <p:val>
+                                            <p:strVal val="#ppt_y"/>
+                                          </p:val>
+                                        </p:tav>
+                                      </p:tavLst>
+                                    </p:anim>
+                                  </p:childTnLst>
+                                </p:cTn>
+                              </p:par>
+                            </p:childTnLst>
+                          </p:cTn>
+                        </p:par>
+                      </p:childTnLst>
+                    </p:cTn>
+                  </p:par>
+                  <p:par>
+                    <p:cTn id="14" fill="hold">
+                      <p:stCondLst>
+                        <p:cond delay="indefinite"/>
+                      </p:stCondLst>
+                      <p:childTnLst>
+                        <p:par>
+                          <p:cTn id="15" fill="hold">
+                            <p:stCondLst>
+                              <p:cond delay="0"/>
+                            </p:stCondLst>
+                            <p:childTnLst>
+                              <p:par>
+                                <p:cTn id="16" presetID="2" presetClass="exit" presetSubtype="2" fill="hold" nodeType="clickEffect">
+                                  <p:stCondLst>
+                                    <p:cond delay="0"/>
+                                  </p:stCondLst>
+                                  <p:childTnLst>
+                                    <p:anim calcmode="lin" valueType="num">
+                                      <p:cBhvr additive="base">
+                                        <p:cTn id="17" dur="500"/>
+                                        <p:tgtEl>
+                                          <p:spTgt spid="3">
+                                            <p:txEl>
+                                              <p:pRg st="0" end="0"/>
+                                            </p:txEl>
+                                          </p:spTgt>
+                                        </p:tgtEl>
+                                        <p:attrNameLst>
+                                          <p:attrName>ppt_x</p:attrName>
+                                        </p:attrNameLst>
+                                      </p:cBhvr>
+                                      <p:tavLst>
+                                        <p:tav tm="0">
+                                          <p:val>
+                                            <p:strVal val="ppt_x"/>
+                                          </p:val>
+                                        </p:tav>
+                                        <p:tav tm="100000">
+                                          <p:val>
+                                            <p:strVal val="1+ppt_w/2"/>
+                                          </p:val>
+                                        </p:tav>
+                                      </p:tavLst>
+                                    </p:anim>
+                                    <p:anim calcmode="lin" valueType="num">
+                                      <p:cBhvr additive="base">
+                                        <p:cTn id="18" dur="500"/>
+                                        <p:tgtEl>
+                                          <p:spTgt spid="3">
+                                            <p:txEl>
+                                              <p:pRg st="0" end="0"/>
+                                            </p:txEl>
+                                          </p:spTgt>
+                                        </p:tgtEl>
+                                        <p:attrNameLst>
+                                          <p:attrName>ppt_y</p:attrName>
+                                        </p:attrNameLst>
+                                      </p:cBhvr>
+                                      <p:tavLst>
+                                        <p:tav tm="0">
+                                          <p:val>
+                                            <p:strVal val="ppt_y"/>
+                                          </p:val>
+                                        </p:tav>
+                                        <p:tav tm="100000">
+                                          <p:val>
+                                            <p:strVal val="ppt_y"/>
+                                          </p:val>
+                                        </p:tav>
+                                      </p:tavLst>
+                                    </p:anim>
+                                    <p:set>
+                                      <p:cBhvr>
+                                        <p:cTn id="19" dur="1" fill="hold">
+                                          <p:stCondLst>
+                                            <p:cond delay="499"/>
+                                          </p:stCondLst>
+                                        </p:cTn>
+                                        <p:tgtEl>
+                                          <p:spTgt spid="3">
+                                            <p:txEl>
+                                              <p:pRg st="0" end="0"/>
+                                            </p:txEl>
+                                          </p:spTgt>
+                                        </p:tgtEl>
+                                        <p:attrNameLst>
+                                          <p:attrName>style.visibility</p:attrName>
+                                        </p:attrNameLst>
+                                      </p:cBhvr>
+                                      <p:to>
+                                        <p:strVal val="hidden"/>
+                                      </p:to>
+                                    </p:set>
+                                  </p:childTnLst>
+                                </p:cTn>
+                              </p:par>
+                            </p:childTnLst>
+                          </p:cTn>
+                        </p:par>
+                        <p:par>
+                          <p:cTn id="20" fill="hold">
+                            <p:stCondLst>
+                              <p:cond delay="500"/>
+                            </p:stCondLst>
+                            <p:childTnLst>
+                              <p:par>
+                                <p:cTn id="21" presetID="2" presetClass="exit" presetSubtype="2" fill="hold" nodeType="afterEffect">
+                                  <p:stCondLst>
+                                    <p:cond delay="0"/>
+                                  </p:stCondLst>
+                                  <p:childTnLst>
+                                    <p:anim calcmode="lin" valueType="num">
+                                      <p:cBhvr additive="base">
+                                        <p:cTn id="22" dur="500"/>
+                                        <p:tgtEl>
+                                          <p:spTgt spid="3">
+                                            <p:txEl>
+                                              <p:pRg st="1" end="1"/>
+                                            </p:txEl>
+                                          </p:spTgt>
+                                        </p:tgtEl>
+                                        <p:attrNameLst>
+                                          <p:attrName>ppt_x</p:attrName>
+                                        </p:attrNameLst>
+                                      </p:cBhvr>
+                                      <p:tavLst>
+                                        <p:tav tm="0">
+                                          <p:val>
+                                            <p:strVal val="ppt_x"/>
+                                          </p:val>
+                                        </p:tav>
+                                        <p:tav tm="100000">
+                                          <p:val>
+                                            <p:strVal val="1+ppt_w/2"/>
+                                          </p:val>
+                                        </p:tav>
+                                      </p:tavLst>
+                                    </p:anim>
+                                    <p:anim calcmode="lin" valueType="num">
+                                      <p:cBhvr additive="base">
+                                        <p:cTn id="23" dur="500"/>
+                                        <p:tgtEl>
+                                          <p:spTgt spid="3">
+                                            <p:txEl>
+                                              <p:pRg st="1" end="1"/>
+                                            </p:txEl>
+                                          </p:spTgt>
+                                        </p:tgtEl>
+                                        <p:attrNameLst>
+                                          <p:attrName>ppt_y</p:attrName>
+                                        </p:attrNameLst>
+                                      </p:cBhvr>
+                                      <p:tavLst>
+                                        <p:tav tm="0">
+                                          <p:val>
+                                            <p:strVal val="ppt_y"/>
+                                          </p:val>
+                                        </p:tav>
+                                        <p:tav tm="100000">
+                                          <p:val>
+                                            <p:strVal val="ppt_y"/>
+                                          </p:val>
+                                        </p:tav>
+                                      </p:tavLst>
+                                    </p:anim>
+                                    <p:set>
+                                      <p:cBhvr>
+                                        <p:cTn id="24" dur="1" fill="hold">
+                                          <p:stCondLst>
+                                            <p:cond delay="499"/>
+                                          </p:stCondLst>
+                                        </p:cTn>
+                                        <p:tgtEl>
+                                          <p:spTgt spid="3">
+                                            <p:txEl>
+                                              <p:pRg st="1" end="1"/>
+                                            </p:txEl>
+                                          </p:spTgt>
+                                        </p:tgtEl>
+                                        <p:attrNameLst>
+                                          <p:attrName>style.visibility</p:attrName>
+                                        </p:attrNameLst>
+                                      </p:cBhvr>
+                                      <p:to>
+                                        <p:strVal val="hidden"/>
+                                      </p:to>
+                                    </p:set>
+                                  </p:childTnLst>
+                                </p:cTn>
+                              </p:par>
+                              <p:par>
+                                <p:cTn id="25" presetID="2" presetClass="entr" presetSubtype="8" fill="hold" nodeType="withEffect">
+                                  <p:stCondLst>
+                                    <p:cond delay="0"/>
+                                  </p:stCondLst>
+                                  <p:childTnLst>
+                                    <p:set>
+                                      <p:cBhvr>
+                                        <p:cTn id="26" dur="1" fill="hold">
+                                          <p:stCondLst>
+                                            <p:cond delay="0"/>
+                                          </p:stCondLst>
+                                        </p:cTn>
+                                        <p:tgtEl>
+                                          <p:spTgt spid="5"/>
+                                        </p:tgtEl>
+                                        <p:attrNameLst>
+                                          <p:attrName>style.visibility</p:attrName>
+                                        </p:attrNameLst>
+                                      </p:cBhvr>
+                                      <p:to>
+                                        <p:strVal val="visible"/>
+                                      </p:to>
+                                    </p:set>
+                                    <p:anim calcmode="lin" valueType="num">
+                                      <p:cBhvr additive="base">
+                                        <p:cTn id="27" dur="500" fill="hold"/>
+                                        <p:tgtEl>
+                                          <p:spTgt spid="5"/>
+                                        </p:tgtEl>
+                                        <p:attrNameLst>
+                                          <p:attrName>ppt_x</p:attrName>
+                                        </p:attrNameLst>
+                                      </p:cBhvr>
+                                      <p:tavLst>
+                                        <p:tav tm="0">
+                                          <p:val>
+                                            <p:strVal val="0-#ppt_w/2"/>
+                                          </p:val>
+                                        </p:tav>
+                                        <p:tav tm="100000">
+                                          <p:val>
+                                            <p:strVal val="#ppt_x"/>
+                                          </p:val>
+                                        </p:tav>
+                                      </p:tavLst>
+                                    </p:anim>
+                                    <p:anim calcmode="lin" valueType="num">
+                                      <p:cBhvr additive="base">
+                                        <p:cTn id="28" dur="500" fill="hold"/>
+                                        <p:tgtEl>
+                                          <p:spTgt spid="5"/>
+                                        </p:tgtEl>
+                                        <p:attrNameLst>
+                                          <p:attrName>ppt_y</p:attrName>
+                                        </p:attrNameLst>
+                                      </p:cBhvr>
+                                      <p:tavLst>
+                                        <p:tav tm="0">
+                                          <p:val>
+                                            <p:strVal val="#ppt_y"/>
+                                          </p:val>
+                                        </p:tav>
+                                        <p:tav tm="100000">
+                                          <p:val>
+                                            <p:strVal val="#ppt_y"/>
+                                          </p:val>
+                                        </p:tav>
+                                      </p:tavLst>
+                                    </p:anim>
+                                  </p:childTnLst>
+                                </p:cTn>
+                              </p:par>
+                            </p:childTnLst>
+                          </p:cTn>
+                        </p:par>
+                      </p:childTnLst>
+                    </p:cTn>
+                  </p:par>
+                  <p:par>
+                    <p:cTn id="29" fill="hold">
+                      <p:stCondLst>
+                        <p:cond delay="indefinite"/>
+                      </p:stCondLst>
+                      <p:childTnLst>
+                        <p:par>
+                          <p:cTn id="30" fill="hold">
+                            <p:stCondLst>
+                              <p:cond delay="0"/>
+                            </p:stCondLst>
+                            <p:childTnLst>
+                              <p:par>
+                                <p:cTn id="31" presetID="2" presetClass="exit" presetSubtype="2" fill="hold" nodeType="clickEffect">
+                                  <p:stCondLst>
+                                    <p:cond delay="0"/>
+                                  </p:stCondLst>
+                                  <p:childTnLst>
+                                    <p:anim calcmode="lin" valueType="num">
+                                      <p:cBhvr additive="base">
+                                        <p:cTn id="32" dur="500"/>
+                                        <p:tgtEl>
+                                          <p:spTgt spid="5"/>
+                                        </p:tgtEl>
+                                        <p:attrNameLst>
+                                          <p:attrName>ppt_x</p:attrName>
+                                        </p:attrNameLst>
+                                      </p:cBhvr>
+                                      <p:tavLst>
+                                        <p:tav tm="0">
+                                          <p:val>
+                                            <p:strVal val="ppt_x"/>
+                                          </p:val>
+                                        </p:tav>
+                                        <p:tav tm="100000">
+                                          <p:val>
+                                            <p:strVal val="1+ppt_w/2"/>
+                                          </p:val>
+                                        </p:tav>
+                                      </p:tavLst>
+                                    </p:anim>
+                                    <p:anim calcmode="lin" valueType="num">
+                                      <p:cBhvr additive="base">
+                                        <p:cTn id="33" dur="500"/>
+                                        <p:tgtEl>
+                                          <p:spTgt spid="5"/>
+                                        </p:tgtEl>
+                                        <p:attrNameLst>
+                                          <p:attrName>ppt_y</p:attrName>
+                                        </p:attrNameLst>
+                                      </p:cBhvr>
+                                      <p:tavLst>
+                                        <p:tav tm="0">
+                                          <p:val>
+                                            <p:strVal val="ppt_y"/>
+                                          </p:val>
+                                        </p:tav>
+                                        <p:tav tm="100000">
+                                          <p:val>
+                                            <p:strVal val="ppt_y"/>
+                                          </p:val>
+                                        </p:tav>
+                                      </p:tavLst>
+                                    </p:anim>
+                                    <p:set>
+                                      <p:cBhvr>
+                                        <p:cTn id="34" dur="1" fill="hold">
+                                          <p:stCondLst>
+                                            <p:cond delay="499"/>
+                                          </p:stCondLst>
+                                        </p:cTn>
+                                        <p:tgtEl>
+                                          <p:spTgt spid="5"/>
+                                        </p:tgtEl>
+                                        <p:attrNameLst>
+                                          <p:attrName>style.visibility</p:attrName>
+                                        </p:attrNameLst>
+                                      </p:cBhvr>
+                                      <p:to>
+                                        <p:strVal val="hidden"/>
+                                      </p:to>
+                                    </p:set>
+                                  </p:childTnLst>
+                                </p:cTn>
+                              </p:par>
+                            </p:childTnLst>
+                          </p:cTn>
+                        </p:par>
+                        <p:par>
+                          <p:cTn id="35" fill="hold">
+                            <p:stCondLst>
+                              <p:cond delay="500"/>
+                            </p:stCondLst>
+                            <p:childTnLst>
+                              <p:par>
+                                <p:cTn id="36" presetID="2" presetClass="entr" presetSubtype="8" fill="hold" nodeType="afterEffect">
+                                  <p:stCondLst>
+                                    <p:cond delay="0"/>
+                                  </p:stCondLst>
+                                  <p:childTnLst>
+                                    <p:set>
+                                      <p:cBhvr>
+                                        <p:cTn id="37" dur="1" fill="hold">
+                                          <p:stCondLst>
+                                            <p:cond delay="0"/>
+                                          </p:stCondLst>
+                                        </p:cTn>
+                                        <p:tgtEl>
+                                          <p:spTgt spid="7"/>
+                                        </p:tgtEl>
+                                        <p:attrNameLst>
+                                          <p:attrName>style.visibility</p:attrName>
+                                        </p:attrNameLst>
+                                      </p:cBhvr>
+                                      <p:to>
+                                        <p:strVal val="visible"/>
+                                      </p:to>
+                                    </p:set>
+                                    <p:anim calcmode="lin" valueType="num">
+                                      <p:cBhvr additive="base">
+                                        <p:cTn id="38" dur="500" fill="hold"/>
+                                        <p:tgtEl>
+                                          <p:spTgt spid="7"/>
+                                        </p:tgtEl>
+                                        <p:attrNameLst>
+                                          <p:attrName>ppt_x</p:attrName>
+                                        </p:attrNameLst>
+                                      </p:cBhvr>
+                                      <p:tavLst>
+                                        <p:tav tm="0">
+                                          <p:val>
+                                            <p:strVal val="0-#ppt_w/2"/>
+                                          </p:val>
+                                        </p:tav>
+                                        <p:tav tm="100000">
+                                          <p:val>
+                                            <p:strVal val="#ppt_x"/>
+                                          </p:val>
+                                        </p:tav>
+                                      </p:tavLst>
+                                    </p:anim>
+                                    <p:anim calcmode="lin" valueType="num">
+                                      <p:cBhvr additive="base">
+                                        <p:cTn id="39" dur="500" fill="hold"/>
+                                        <p:tgtEl>
+                                          <p:spTgt spid="7"/>
+                                        </p:tgtEl>
+                                        <p:attrNameLst>
+                                          <p:attrName>ppt_y</p:attrName>
+                                        </p:attrNameLst>
+                                      </p:cBhvr>
+                                      <p:tavLst>
+                                        <p:tav tm="0">
+                                          <p:val>
+                                            <p:strVal val="#ppt_y"/>
+                                          </p:val>
+                                        </p:tav>
+                                        <p:tav tm="100000">
+                                          <p:val>
+                                            <p:strVal val="#ppt_y"/>
+                                          </p:val>
+                                        </p:tav>
+                                      </p:tavLst>
+                                    </p:anim>
+                                  </p:childTnLst>
+                                </p:cTn>
+                              </p:par>
+                            </p:childTnLst>
+                          </p:cTn>
+                        </p:par>
+                      </p:childTnLst>
+                    </p:cTn>
+                  </p:par>
+                  <p:par>
+                    <p:cTn id="40" fill="hold">
+                      <p:stCondLst>
+                        <p:cond delay="indefinite"/>
+                      </p:stCondLst>
+                      <p:childTnLst>
+                        <p:par>
+                          <p:cTn id="41" fill="hold">
+                            <p:stCondLst>
+                              <p:cond delay="0"/>
+                            </p:stCondLst>
+                            <p:childTnLst>
+                              <p:par>
+                                <p:cTn id="42" presetID="2" presetClass="exit" presetSubtype="2" fill="hold" nodeType="clickEffect">
+                                  <p:stCondLst>
+                                    <p:cond delay="0"/>
+                                  </p:stCondLst>
+                                  <p:childTnLst>
+                                    <p:anim calcmode="lin" valueType="num">
+                                      <p:cBhvr additive="base">
+                                        <p:cTn id="43" dur="500"/>
+                                        <p:tgtEl>
+                                          <p:spTgt spid="7"/>
+                                        </p:tgtEl>
+                                        <p:attrNameLst>
+                                          <p:attrName>ppt_x</p:attrName>
+                                        </p:attrNameLst>
+                                      </p:cBhvr>
+                                      <p:tavLst>
+                                        <p:tav tm="0">
+                                          <p:val>
+                                            <p:strVal val="ppt_x"/>
+                                          </p:val>
+                                        </p:tav>
+                                        <p:tav tm="100000">
+                                          <p:val>
+                                            <p:strVal val="1+ppt_w/2"/>
+                                          </p:val>
+                                        </p:tav>
+                                      </p:tavLst>
+                                    </p:anim>
+                                    <p:anim calcmode="lin" valueType="num">
+                                      <p:cBhvr additive="base">
+                                        <p:cTn id="44" dur="500"/>
+                                        <p:tgtEl>
+                                          <p:spTgt spid="7"/>
+                                        </p:tgtEl>
+                                        <p:attrNameLst>
+                                          <p:attrName>ppt_y</p:attrName>
+                                        </p:attrNameLst>
+                                      </p:cBhvr>
+                                      <p:tavLst>
+                                        <p:tav tm="0">
+                                          <p:val>
+                                            <p:strVal val="ppt_y"/>
+                                          </p:val>
+                                        </p:tav>
+                                        <p:tav tm="100000">
+                                          <p:val>
+                                            <p:strVal val="ppt_y"/>
+                                          </p:val>
+                                        </p:tav>
+                                      </p:tavLst>
+                                    </p:anim>
+                                    <p:set>
+                                      <p:cBhvr>
+                                        <p:cTn id="45" dur="1" fill="hold">
+                                          <p:stCondLst>
+                                            <p:cond delay="499"/>
+                                          </p:stCondLst>
+                                        </p:cTn>
+                                        <p:tgtEl>
+                                          <p:spTgt spid="7"/>
+                                        </p:tgtEl>
+                                        <p:attrNameLst>
+                                          <p:attrName>style.visibility</p:attrName>
+                                        </p:attrNameLst>
+                                      </p:cBhvr>
+                                      <p:to>
+                                        <p:strVal val="hidden"/>
+                                      </p:to>
+                                    </p:set>
+                                  </p:childTnLst>
+                                </p:cTn>
+                              </p:par>
+                            </p:childTnLst>
+                          </p:cTn>
+                        </p:par>
+                        <p:par>
+                          <p:cTn id="46" fill="hold">
+                            <p:stCondLst>
+                              <p:cond delay="500"/>
+                            </p:stCondLst>
+                            <p:childTnLst>
+                              <p:par>
+                                <p:cTn id="47" presetID="2" presetClass="entr" presetSubtype="8" fill="hold" nodeType="afterEffect">
+                                  <p:stCondLst>
+                                    <p:cond delay="0"/>
+                                  </p:stCondLst>
+                                  <p:childTnLst>
+                                    <p:set>
+                                      <p:cBhvr>
+                                        <p:cTn id="48" dur="1" fill="hold">
+                                          <p:stCondLst>
+                                            <p:cond delay="0"/>
+                                          </p:stCondLst>
+                                        </p:cTn>
+                                        <p:tgtEl>
+                                          <p:spTgt spid="9"/>
+                                        </p:tgtEl>
+                                        <p:attrNameLst>
+                                          <p:attrName>style.visibility</p:attrName>
+                                        </p:attrNameLst>
+                                      </p:cBhvr>
+                                      <p:to>
+                                        <p:strVal val="visible"/>
+                                      </p:to>
+                                    </p:set>
+                                    <p:anim calcmode="lin" valueType="num">
+                                      <p:cBhvr additive="base">
+                                        <p:cTn id="49" dur="500" fill="hold"/>
+                                        <p:tgtEl>
+                                          <p:spTgt spid="9"/>
+                                        </p:tgtEl>
+                                        <p:attrNameLst>
+                                          <p:attrName>ppt_x</p:attrName>
+                                        </p:attrNameLst>
+                                      </p:cBhvr>
+                                      <p:tavLst>
+                                        <p:tav tm="0">
+                                          <p:val>
+                                            <p:strVal val="0-#ppt_w/2"/>
+                                          </p:val>
+                                        </p:tav>
+                                        <p:tav tm="100000">
+                                          <p:val>
+                                            <p:strVal val="#ppt_x"/>
+                                          </p:val>
+                                        </p:tav>
+                                      </p:tavLst>
+                                    </p:anim>
+                                    <p:anim calcmode="lin" valueType="num">
+                                      <p:cBhvr additive="base">
+                                        <p:cTn id="50" dur="500" fill="hold"/>
+                                        <p:tgtEl>
+                                          <p:spTgt spid="9"/>
+                                        </p:tgtEl>
+                                        <p:attrNameLst>
+                                          <p:attrName>ppt_y</p:attrName>
+                                        </p:attrNameLst>
+                                      </p:cBhvr>
+                                      <p:tavLst>
+                                        <p:tav tm="0">
+                                          <p:val>
+                                            <p:strVal val="#ppt_y"/>
+                                          </p:val>
+                                        </p:tav>
+                                        <p:tav tm="100000">
+                                          <p:val>
+                                            <p:strVal val="#ppt_y"/>
+                                          </p:val>
+                                        </p:tav>
+                                      </p:tavLst>
+                                    </p:anim>
+                                  </p:childTnLst>
+                                </p:cTn>
+                              </p:par>
+                            </p:childTnLst>
+                          </p:cTn>
+                        </p:par>
+                      </p:childTnLst>
+                    </p:cTn>
+                  </p:par>
+                  <p:par>
+                    <p:cTn id="51" fill="hold">
+                      <p:stCondLst>
+                        <p:cond delay="indefinite"/>
+                      </p:stCondLst>
+                      <p:childTnLst>
+                        <p:par>
+                          <p:cTn id="52" fill="hold">
+                            <p:stCondLst>
+                              <p:cond delay="0"/>
+                            </p:stCondLst>
+                            <p:childTnLst>
+                              <p:par>
+                                <p:cTn id="53" presetID="2" presetClass="exit" presetSubtype="2" fill="hold" nodeType="clickEffect">
+                                  <p:stCondLst>
+                                    <p:cond delay="0"/>
+                                  </p:stCondLst>
+                                  <p:childTnLst>
+                                    <p:anim calcmode="lin" valueType="num">
+                                      <p:cBhvr additive="base">
+                                        <p:cTn id="54" dur="500"/>
+                                        <p:tgtEl>
+                                          <p:spTgt spid="9"/>
+                                        </p:tgtEl>
+                                        <p:attrNameLst>
+                                          <p:attrName>ppt_x</p:attrName>
+                                        </p:attrNameLst>
+                                      </p:cBhvr>
+                                      <p:tavLst>
+                                        <p:tav tm="0">
+                                          <p:val>
+                                            <p:strVal val="ppt_x"/>
+                                          </p:val>
+                                        </p:tav>
+                                        <p:tav tm="100000">
+                                          <p:val>
+                                            <p:strVal val="1+ppt_w/2"/>
+                                          </p:val>
+                                        </p:tav>
+                                      </p:tavLst>
+                                    </p:anim>
+                                    <p:anim calcmode="lin" valueType="num">
+                                      <p:cBhvr additive="base">
+                                        <p:cTn id="55" dur="500"/>
+                                        <p:tgtEl>
+                                          <p:spTgt spid="9"/>
+                                        </p:tgtEl>
+                                        <p:attrNameLst>
+                                          <p:attrName>ppt_y</p:attrName>
+                                        </p:attrNameLst>
+                                      </p:cBhvr>
+                                      <p:tavLst>
+                                        <p:tav tm="0">
+                                          <p:val>
+                                            <p:strVal val="ppt_y"/>
+                                          </p:val>
+                                        </p:tav>
+                                        <p:tav tm="100000">
+                                          <p:val>
+                                            <p:strVal val="ppt_y"/>
+                                          </p:val>
+                                        </p:tav>
+                                      </p:tavLst>
+                                    </p:anim>
+                                    <p:set>
+                                      <p:cBhvr>
+                                        <p:cTn id="56" dur="1" fill="hold">
+                                          <p:stCondLst>
+                                            <p:cond delay="499"/>
+                                          </p:stCondLst>
+                                        </p:cTn>
+                                        <p:tgtEl>
+                                          <p:spTgt spid="9"/>
+                                        </p:tgtEl>
+                                        <p:attrNameLst>
+                                          <p:attrName>style.visibility</p:attrName>
+                                        </p:attrNameLst>
+                                      </p:cBhvr>
+                                      <p:to>
+                                        <p:strVal val="hidden"/>
+                                      </p:to>
+                                    </p:set>
+                                  </p:childTnLst>
+                                </p:cTn>
+                              </p:par>
+                            </p:childTnLst>
+                          </p:cTn>
+                        </p:par>
+                      </p:childTnLst>
+                    </p:cTn>
+                  </p:par>
+                </p:childTnLst>
+              </p:cTn>
+              <p:prevCondLst>
+                <p:cond evt="onPrev" delay="0">
+                  <p:tgtEl>
+                    <p:sldTgt/>
+                  </p:tgtEl>
+                </p:cond>
+              </p:prevCondLst>
+              <p:nextCondLst>
+                <p:cond evt="onNext" delay="0">
+                  <p:tgtEl>
+                    <p:sldTgt/>
+                  </p:tgtEl>
+                </p:cond>
+              </p:nextCondLst>
+            </p:seq>
+          </p:childTnLst>
+        </p:cTn>
+      </p:par>
+    </p:tnLst>
+  </p:timing>
 </p:sld>
 </file>
 

--- a/Vortrag.pptx
+++ b/Vortrag.pptx
@@ -129,10 +129,6 @@
     </p:ext>
   </p:extLst>
 </p:presentation>
-</file>
-
-<file path=ppt/revisionInfo.xml><?xml version="1.0" encoding="utf-8"?>
-<p1510:revInfo xmlns:a="http://schemas.openxmlformats.org/drawingml/2006/main" xmlns:r="http://schemas.openxmlformats.org/officeDocument/2006/relationships" xmlns:p1510="http://schemas.microsoft.com/office/powerpoint/2015/10/main"/>
 </file>
 
 <file path=ppt/diagrams/colors1.xml><?xml version="1.0" encoding="utf-8"?>
@@ -6943,7 +6939,7 @@
           <a:p>
             <a:fld id="{EE61B14C-411D-4E53-BF32-B962F5A14F2D}" type="datetimeFigureOut">
               <a:rPr lang="de-DE" smtClean="0"/>
-              <a:t>20.05.2018</a:t>
+              <a:t>21.05.2018</a:t>
             </a:fld>
             <a:endParaRPr lang="de-DE"/>
           </a:p>
@@ -8884,7 +8880,7 @@
           <a:p>
             <a:fld id="{56DC4D02-6C89-4F53-8C73-2E69B56DDD08}" type="datetimeFigureOut">
               <a:rPr lang="de-DE" smtClean="0"/>
-              <a:t>20.05.2018</a:t>
+              <a:t>21.05.2018</a:t>
             </a:fld>
             <a:endParaRPr lang="de-DE"/>
           </a:p>
@@ -9135,7 +9131,7 @@
           <a:p>
             <a:fld id="{56DC4D02-6C89-4F53-8C73-2E69B56DDD08}" type="datetimeFigureOut">
               <a:rPr lang="de-DE" smtClean="0"/>
-              <a:t>20.05.2018</a:t>
+              <a:t>21.05.2018</a:t>
             </a:fld>
             <a:endParaRPr lang="de-DE"/>
           </a:p>
@@ -9449,7 +9445,7 @@
           <a:p>
             <a:fld id="{56DC4D02-6C89-4F53-8C73-2E69B56DDD08}" type="datetimeFigureOut">
               <a:rPr lang="de-DE" smtClean="0"/>
-              <a:t>20.05.2018</a:t>
+              <a:t>21.05.2018</a:t>
             </a:fld>
             <a:endParaRPr lang="de-DE"/>
           </a:p>
@@ -9776,7 +9772,7 @@
           <a:p>
             <a:fld id="{56DC4D02-6C89-4F53-8C73-2E69B56DDD08}" type="datetimeFigureOut">
               <a:rPr lang="de-DE" smtClean="0"/>
-              <a:t>20.05.2018</a:t>
+              <a:t>21.05.2018</a:t>
             </a:fld>
             <a:endParaRPr lang="de-DE"/>
           </a:p>
@@ -10090,7 +10086,7 @@
           <a:p>
             <a:fld id="{56DC4D02-6C89-4F53-8C73-2E69B56DDD08}" type="datetimeFigureOut">
               <a:rPr lang="de-DE" smtClean="0"/>
-              <a:t>20.05.2018</a:t>
+              <a:t>21.05.2018</a:t>
             </a:fld>
             <a:endParaRPr lang="de-DE"/>
           </a:p>
@@ -10477,7 +10473,7 @@
           <a:p>
             <a:fld id="{56DC4D02-6C89-4F53-8C73-2E69B56DDD08}" type="datetimeFigureOut">
               <a:rPr lang="de-DE" smtClean="0"/>
-              <a:t>20.05.2018</a:t>
+              <a:t>21.05.2018</a:t>
             </a:fld>
             <a:endParaRPr lang="de-DE"/>
           </a:p>
@@ -10647,7 +10643,7 @@
           <a:p>
             <a:fld id="{56DC4D02-6C89-4F53-8C73-2E69B56DDD08}" type="datetimeFigureOut">
               <a:rPr lang="de-DE" smtClean="0"/>
-              <a:t>20.05.2018</a:t>
+              <a:t>21.05.2018</a:t>
             </a:fld>
             <a:endParaRPr lang="de-DE"/>
           </a:p>
@@ -10827,7 +10823,7 @@
           <a:p>
             <a:fld id="{56DC4D02-6C89-4F53-8C73-2E69B56DDD08}" type="datetimeFigureOut">
               <a:rPr lang="de-DE" smtClean="0"/>
-              <a:t>20.05.2018</a:t>
+              <a:t>21.05.2018</a:t>
             </a:fld>
             <a:endParaRPr lang="de-DE"/>
           </a:p>
@@ -11003,7 +10999,7 @@
           <a:p>
             <a:fld id="{56DC4D02-6C89-4F53-8C73-2E69B56DDD08}" type="datetimeFigureOut">
               <a:rPr lang="de-DE" smtClean="0"/>
-              <a:t>20.05.2018</a:t>
+              <a:t>21.05.2018</a:t>
             </a:fld>
             <a:endParaRPr lang="de-DE"/>
           </a:p>
@@ -11250,7 +11246,7 @@
           <a:p>
             <a:fld id="{56DC4D02-6C89-4F53-8C73-2E69B56DDD08}" type="datetimeFigureOut">
               <a:rPr lang="de-DE" smtClean="0"/>
-              <a:t>20.05.2018</a:t>
+              <a:t>21.05.2018</a:t>
             </a:fld>
             <a:endParaRPr lang="de-DE"/>
           </a:p>
@@ -11482,7 +11478,7 @@
           <a:p>
             <a:fld id="{56DC4D02-6C89-4F53-8C73-2E69B56DDD08}" type="datetimeFigureOut">
               <a:rPr lang="de-DE" smtClean="0"/>
-              <a:t>20.05.2018</a:t>
+              <a:t>21.05.2018</a:t>
             </a:fld>
             <a:endParaRPr lang="de-DE"/>
           </a:p>
@@ -11861,7 +11857,7 @@
           <a:p>
             <a:fld id="{56DC4D02-6C89-4F53-8C73-2E69B56DDD08}" type="datetimeFigureOut">
               <a:rPr lang="de-DE" smtClean="0"/>
-              <a:t>20.05.2018</a:t>
+              <a:t>21.05.2018</a:t>
             </a:fld>
             <a:endParaRPr lang="de-DE"/>
           </a:p>
@@ -11989,7 +11985,7 @@
           <a:p>
             <a:fld id="{56DC4D02-6C89-4F53-8C73-2E69B56DDD08}" type="datetimeFigureOut">
               <a:rPr lang="de-DE" smtClean="0"/>
-              <a:t>20.05.2018</a:t>
+              <a:t>21.05.2018</a:t>
             </a:fld>
             <a:endParaRPr lang="de-DE"/>
           </a:p>
@@ -12084,7 +12080,7 @@
           <a:p>
             <a:fld id="{56DC4D02-6C89-4F53-8C73-2E69B56DDD08}" type="datetimeFigureOut">
               <a:rPr lang="de-DE" smtClean="0"/>
-              <a:t>20.05.2018</a:t>
+              <a:t>21.05.2018</a:t>
             </a:fld>
             <a:endParaRPr lang="de-DE"/>
           </a:p>
@@ -12339,7 +12335,7 @@
           <a:p>
             <a:fld id="{56DC4D02-6C89-4F53-8C73-2E69B56DDD08}" type="datetimeFigureOut">
               <a:rPr lang="de-DE" smtClean="0"/>
-              <a:t>20.05.2018</a:t>
+              <a:t>21.05.2018</a:t>
             </a:fld>
             <a:endParaRPr lang="de-DE"/>
           </a:p>
@@ -12607,7 +12603,7 @@
           <a:p>
             <a:fld id="{56DC4D02-6C89-4F53-8C73-2E69B56DDD08}" type="datetimeFigureOut">
               <a:rPr lang="de-DE" smtClean="0"/>
-              <a:t>20.05.2018</a:t>
+              <a:t>21.05.2018</a:t>
             </a:fld>
             <a:endParaRPr lang="de-DE"/>
           </a:p>
@@ -13352,7 +13348,7 @@
           <a:p>
             <a:fld id="{56DC4D02-6C89-4F53-8C73-2E69B56DDD08}" type="datetimeFigureOut">
               <a:rPr lang="de-DE" smtClean="0"/>
-              <a:t>20.05.2018</a:t>
+              <a:t>21.05.2018</a:t>
             </a:fld>
             <a:endParaRPr lang="de-DE"/>
           </a:p>
@@ -25567,14 +25563,16 @@
             <p:ph idx="1"/>
           </p:nvPr>
         </p:nvSpPr>
-        <p:spPr/>
+        <p:spPr>
+          <a:xfrm>
+            <a:off x="677334" y="1231641"/>
+            <a:ext cx="8596668" cy="4809722"/>
+          </a:xfrm>
+        </p:spPr>
         <p:txBody>
           <a:bodyPr/>
           <a:lstStyle/>
           <a:p>
-            <a:pPr marL="0" indent="0">
-              <a:buNone/>
-            </a:pPr>
             <a:r>
               <a:rPr lang="de-DE" dirty="0" err="1"/>
               <a:t>Brute</a:t>
@@ -25591,18 +25589,13 @@
             <a:endParaRPr lang="de-DE" dirty="0"/>
           </a:p>
           <a:p>
-            <a:pPr marL="0" indent="0">
-              <a:buNone/>
-            </a:pPr>
             <a:r>
               <a:rPr lang="de-DE" dirty="0"/>
               <a:t>Schutz:</a:t>
             </a:r>
           </a:p>
           <a:p>
-            <a:pPr marL="0" indent="0">
-              <a:buNone/>
-            </a:pPr>
+            <a:pPr lvl="1"/>
             <a:r>
               <a:rPr lang="de-DE" dirty="0"/>
               <a:t>Lange Schlüssel und komplexe Passwörter</a:t>

--- a/Vortrag.pptx
+++ b/Vortrag.pptx
@@ -13941,6 +13941,42 @@
           </a:p>
         </p:txBody>
       </p:sp>
+      <p:pic>
+        <p:nvPicPr>
+          <p:cNvPr id="6" name="Grafik 5">
+            <a:extLst>
+              <a:ext uri="{FF2B5EF4-FFF2-40B4-BE49-F238E27FC236}">
+                <a16:creationId xmlns:a16="http://schemas.microsoft.com/office/drawing/2014/main" id="{F18C28C9-1EC6-4B56-939F-813C45D7CF14}"/>
+              </a:ext>
+            </a:extLst>
+          </p:cNvPr>
+          <p:cNvPicPr>
+            <a:picLocks noChangeAspect="1"/>
+          </p:cNvPicPr>
+          <p:nvPr/>
+        </p:nvPicPr>
+        <p:blipFill>
+          <a:blip r:embed="rId3">
+            <a:extLst>
+              <a:ext uri="{28A0092B-C50C-407E-A947-70E740481C1C}">
+                <a14:useLocalDpi xmlns:a14="http://schemas.microsoft.com/office/drawing/2010/main" val="0"/>
+              </a:ext>
+            </a:extLst>
+          </a:blip>
+          <a:stretch>
+            <a:fillRect/>
+          </a:stretch>
+        </p:blipFill>
+        <p:spPr>
+          <a:xfrm>
+            <a:off x="5390535" y="632340"/>
+            <a:ext cx="2449286" cy="2595344"/>
+          </a:xfrm>
+          <a:prstGeom prst="rect">
+            <a:avLst/>
+          </a:prstGeom>
+        </p:spPr>
+      </p:pic>
     </p:spTree>
     <p:extLst>
       <p:ext uri="{BB962C8B-B14F-4D97-AF65-F5344CB8AC3E}">
@@ -14178,6 +14214,42 @@
           <a:xfrm>
             <a:off x="941890" y="3260121"/>
             <a:ext cx="10401045" cy="4394207"/>
+          </a:xfrm>
+          <a:prstGeom prst="rect">
+            <a:avLst/>
+          </a:prstGeom>
+        </p:spPr>
+      </p:pic>
+      <p:pic>
+        <p:nvPicPr>
+          <p:cNvPr id="10" name="Grafik 9">
+            <a:extLst>
+              <a:ext uri="{FF2B5EF4-FFF2-40B4-BE49-F238E27FC236}">
+                <a16:creationId xmlns:a16="http://schemas.microsoft.com/office/drawing/2014/main" id="{48B7515B-AB39-4FC5-A888-0E8902802870}"/>
+              </a:ext>
+            </a:extLst>
+          </p:cNvPr>
+          <p:cNvPicPr>
+            <a:picLocks noChangeAspect="1"/>
+          </p:cNvPicPr>
+          <p:nvPr/>
+        </p:nvPicPr>
+        <p:blipFill>
+          <a:blip r:embed="rId6">
+            <a:extLst>
+              <a:ext uri="{28A0092B-C50C-407E-A947-70E740481C1C}">
+                <a14:useLocalDpi xmlns:a14="http://schemas.microsoft.com/office/drawing/2010/main" val="0"/>
+              </a:ext>
+            </a:extLst>
+          </a:blip>
+          <a:stretch>
+            <a:fillRect/>
+          </a:stretch>
+        </p:blipFill>
+        <p:spPr>
+          <a:xfrm>
+            <a:off x="0" y="0"/>
+            <a:ext cx="713247" cy="755780"/>
           </a:xfrm>
           <a:prstGeom prst="rect">
             <a:avLst/>
@@ -15360,6 +15432,42 @@
           </a:prstGeom>
         </p:spPr>
       </p:pic>
+      <p:pic>
+        <p:nvPicPr>
+          <p:cNvPr id="10" name="Grafik 9">
+            <a:extLst>
+              <a:ext uri="{FF2B5EF4-FFF2-40B4-BE49-F238E27FC236}">
+                <a16:creationId xmlns:a16="http://schemas.microsoft.com/office/drawing/2014/main" id="{DFC475BD-9DA6-4E9D-B528-B175815B5BAC}"/>
+              </a:ext>
+            </a:extLst>
+          </p:cNvPr>
+          <p:cNvPicPr>
+            <a:picLocks noChangeAspect="1"/>
+          </p:cNvPicPr>
+          <p:nvPr/>
+        </p:nvPicPr>
+        <p:blipFill>
+          <a:blip r:embed="rId6">
+            <a:extLst>
+              <a:ext uri="{28A0092B-C50C-407E-A947-70E740481C1C}">
+                <a14:useLocalDpi xmlns:a14="http://schemas.microsoft.com/office/drawing/2010/main" val="0"/>
+              </a:ext>
+            </a:extLst>
+          </a:blip>
+          <a:stretch>
+            <a:fillRect/>
+          </a:stretch>
+        </p:blipFill>
+        <p:spPr>
+          <a:xfrm>
+            <a:off x="0" y="0"/>
+            <a:ext cx="713247" cy="755780"/>
+          </a:xfrm>
+          <a:prstGeom prst="rect">
+            <a:avLst/>
+          </a:prstGeom>
+        </p:spPr>
+      </p:pic>
     </p:spTree>
     <p:extLst>
       <p:ext uri="{BB962C8B-B14F-4D97-AF65-F5344CB8AC3E}">
@@ -16608,6 +16716,42 @@
           </a:p>
         </p:txBody>
       </p:sp>
+      <p:pic>
+        <p:nvPicPr>
+          <p:cNvPr id="8" name="Grafik 7">
+            <a:extLst>
+              <a:ext uri="{FF2B5EF4-FFF2-40B4-BE49-F238E27FC236}">
+                <a16:creationId xmlns:a16="http://schemas.microsoft.com/office/drawing/2014/main" id="{DE03A67B-EFE6-4AD4-B3E4-0C048F468891}"/>
+              </a:ext>
+            </a:extLst>
+          </p:cNvPr>
+          <p:cNvPicPr>
+            <a:picLocks noChangeAspect="1"/>
+          </p:cNvPicPr>
+          <p:nvPr/>
+        </p:nvPicPr>
+        <p:blipFill>
+          <a:blip r:embed="rId5">
+            <a:extLst>
+              <a:ext uri="{28A0092B-C50C-407E-A947-70E740481C1C}">
+                <a14:useLocalDpi xmlns:a14="http://schemas.microsoft.com/office/drawing/2010/main" val="0"/>
+              </a:ext>
+            </a:extLst>
+          </a:blip>
+          <a:stretch>
+            <a:fillRect/>
+          </a:stretch>
+        </p:blipFill>
+        <p:spPr>
+          <a:xfrm>
+            <a:off x="0" y="0"/>
+            <a:ext cx="713247" cy="755780"/>
+          </a:xfrm>
+          <a:prstGeom prst="rect">
+            <a:avLst/>
+          </a:prstGeom>
+        </p:spPr>
+      </p:pic>
     </p:spTree>
     <p:extLst>
       <p:ext uri="{BB962C8B-B14F-4D97-AF65-F5344CB8AC3E}">
@@ -17335,6 +17479,42 @@
           </a:p>
         </p:txBody>
       </p:sp>
+      <p:pic>
+        <p:nvPicPr>
+          <p:cNvPr id="4" name="Grafik 3">
+            <a:extLst>
+              <a:ext uri="{FF2B5EF4-FFF2-40B4-BE49-F238E27FC236}">
+                <a16:creationId xmlns:a16="http://schemas.microsoft.com/office/drawing/2014/main" id="{4E7872E0-502E-4BDD-B612-CED129E567A1}"/>
+              </a:ext>
+            </a:extLst>
+          </p:cNvPr>
+          <p:cNvPicPr>
+            <a:picLocks noChangeAspect="1"/>
+          </p:cNvPicPr>
+          <p:nvPr/>
+        </p:nvPicPr>
+        <p:blipFill>
+          <a:blip r:embed="rId2">
+            <a:extLst>
+              <a:ext uri="{28A0092B-C50C-407E-A947-70E740481C1C}">
+                <a14:useLocalDpi xmlns:a14="http://schemas.microsoft.com/office/drawing/2010/main" val="0"/>
+              </a:ext>
+            </a:extLst>
+          </a:blip>
+          <a:stretch>
+            <a:fillRect/>
+          </a:stretch>
+        </p:blipFill>
+        <p:spPr>
+          <a:xfrm>
+            <a:off x="0" y="0"/>
+            <a:ext cx="713247" cy="755780"/>
+          </a:xfrm>
+          <a:prstGeom prst="rect">
+            <a:avLst/>
+          </a:prstGeom>
+        </p:spPr>
+      </p:pic>
     </p:spTree>
     <p:extLst>
       <p:ext uri="{BB962C8B-B14F-4D97-AF65-F5344CB8AC3E}">
@@ -17705,6 +17885,42 @@
           </a:p>
         </p:txBody>
       </p:sp>
+      <p:pic>
+        <p:nvPicPr>
+          <p:cNvPr id="4" name="Grafik 3">
+            <a:extLst>
+              <a:ext uri="{FF2B5EF4-FFF2-40B4-BE49-F238E27FC236}">
+                <a16:creationId xmlns:a16="http://schemas.microsoft.com/office/drawing/2014/main" id="{6F053A9C-47B0-429D-8F00-253E9BB89E81}"/>
+              </a:ext>
+            </a:extLst>
+          </p:cNvPr>
+          <p:cNvPicPr>
+            <a:picLocks noChangeAspect="1"/>
+          </p:cNvPicPr>
+          <p:nvPr/>
+        </p:nvPicPr>
+        <p:blipFill>
+          <a:blip r:embed="rId2">
+            <a:extLst>
+              <a:ext uri="{28A0092B-C50C-407E-A947-70E740481C1C}">
+                <a14:useLocalDpi xmlns:a14="http://schemas.microsoft.com/office/drawing/2010/main" val="0"/>
+              </a:ext>
+            </a:extLst>
+          </a:blip>
+          <a:stretch>
+            <a:fillRect/>
+          </a:stretch>
+        </p:blipFill>
+        <p:spPr>
+          <a:xfrm>
+            <a:off x="0" y="0"/>
+            <a:ext cx="713247" cy="755780"/>
+          </a:xfrm>
+          <a:prstGeom prst="rect">
+            <a:avLst/>
+          </a:prstGeom>
+        </p:spPr>
+      </p:pic>
     </p:spTree>
     <p:extLst>
       <p:ext uri="{BB962C8B-B14F-4D97-AF65-F5344CB8AC3E}">
@@ -18394,6 +18610,42 @@
           </a:p>
         </p:txBody>
       </p:sp>
+      <p:pic>
+        <p:nvPicPr>
+          <p:cNvPr id="8" name="Grafik 7">
+            <a:extLst>
+              <a:ext uri="{FF2B5EF4-FFF2-40B4-BE49-F238E27FC236}">
+                <a16:creationId xmlns:a16="http://schemas.microsoft.com/office/drawing/2014/main" id="{26A69A21-7E7D-4CF7-A1A2-174D55692CB4}"/>
+              </a:ext>
+            </a:extLst>
+          </p:cNvPr>
+          <p:cNvPicPr>
+            <a:picLocks noChangeAspect="1"/>
+          </p:cNvPicPr>
+          <p:nvPr/>
+        </p:nvPicPr>
+        <p:blipFill>
+          <a:blip r:embed="rId2">
+            <a:extLst>
+              <a:ext uri="{28A0092B-C50C-407E-A947-70E740481C1C}">
+                <a14:useLocalDpi xmlns:a14="http://schemas.microsoft.com/office/drawing/2010/main" val="0"/>
+              </a:ext>
+            </a:extLst>
+          </a:blip>
+          <a:stretch>
+            <a:fillRect/>
+          </a:stretch>
+        </p:blipFill>
+        <p:spPr>
+          <a:xfrm>
+            <a:off x="0" y="0"/>
+            <a:ext cx="713247" cy="755780"/>
+          </a:xfrm>
+          <a:prstGeom prst="rect">
+            <a:avLst/>
+          </a:prstGeom>
+        </p:spPr>
+      </p:pic>
     </p:spTree>
     <p:extLst>
       <p:ext uri="{BB962C8B-B14F-4D97-AF65-F5344CB8AC3E}">
@@ -18601,6 +18853,42 @@
           </a:p>
         </p:txBody>
       </p:sp>
+      <p:pic>
+        <p:nvPicPr>
+          <p:cNvPr id="4" name="Grafik 3">
+            <a:extLst>
+              <a:ext uri="{FF2B5EF4-FFF2-40B4-BE49-F238E27FC236}">
+                <a16:creationId xmlns:a16="http://schemas.microsoft.com/office/drawing/2014/main" id="{86745F15-5EC7-460E-A37D-7DCECC582EC3}"/>
+              </a:ext>
+            </a:extLst>
+          </p:cNvPr>
+          <p:cNvPicPr>
+            <a:picLocks noChangeAspect="1"/>
+          </p:cNvPicPr>
+          <p:nvPr/>
+        </p:nvPicPr>
+        <p:blipFill>
+          <a:blip r:embed="rId2">
+            <a:extLst>
+              <a:ext uri="{28A0092B-C50C-407E-A947-70E740481C1C}">
+                <a14:useLocalDpi xmlns:a14="http://schemas.microsoft.com/office/drawing/2010/main" val="0"/>
+              </a:ext>
+            </a:extLst>
+          </a:blip>
+          <a:stretch>
+            <a:fillRect/>
+          </a:stretch>
+        </p:blipFill>
+        <p:spPr>
+          <a:xfrm>
+            <a:off x="0" y="0"/>
+            <a:ext cx="713247" cy="755780"/>
+          </a:xfrm>
+          <a:prstGeom prst="rect">
+            <a:avLst/>
+          </a:prstGeom>
+        </p:spPr>
+      </p:pic>
     </p:spTree>
     <p:extLst>
       <p:ext uri="{BB962C8B-B14F-4D97-AF65-F5344CB8AC3E}">
@@ -18688,6 +18976,42 @@
           </a:p>
         </p:txBody>
       </p:sp>
+      <p:pic>
+        <p:nvPicPr>
+          <p:cNvPr id="4" name="Grafik 3">
+            <a:extLst>
+              <a:ext uri="{FF2B5EF4-FFF2-40B4-BE49-F238E27FC236}">
+                <a16:creationId xmlns:a16="http://schemas.microsoft.com/office/drawing/2014/main" id="{870F7988-CE6F-45A9-BAB2-AA9576EFE4B2}"/>
+              </a:ext>
+            </a:extLst>
+          </p:cNvPr>
+          <p:cNvPicPr>
+            <a:picLocks noChangeAspect="1"/>
+          </p:cNvPicPr>
+          <p:nvPr/>
+        </p:nvPicPr>
+        <p:blipFill>
+          <a:blip r:embed="rId2">
+            <a:extLst>
+              <a:ext uri="{28A0092B-C50C-407E-A947-70E740481C1C}">
+                <a14:useLocalDpi xmlns:a14="http://schemas.microsoft.com/office/drawing/2010/main" val="0"/>
+              </a:ext>
+            </a:extLst>
+          </a:blip>
+          <a:stretch>
+            <a:fillRect/>
+          </a:stretch>
+        </p:blipFill>
+        <p:spPr>
+          <a:xfrm>
+            <a:off x="0" y="0"/>
+            <a:ext cx="713247" cy="755780"/>
+          </a:xfrm>
+          <a:prstGeom prst="rect">
+            <a:avLst/>
+          </a:prstGeom>
+        </p:spPr>
+      </p:pic>
     </p:spTree>
     <p:extLst>
       <p:ext uri="{BB962C8B-B14F-4D97-AF65-F5344CB8AC3E}">
@@ -18871,6 +19195,42 @@
           </a:p>
         </p:txBody>
       </p:sp>
+      <p:pic>
+        <p:nvPicPr>
+          <p:cNvPr id="5" name="Grafik 4">
+            <a:extLst>
+              <a:ext uri="{FF2B5EF4-FFF2-40B4-BE49-F238E27FC236}">
+                <a16:creationId xmlns:a16="http://schemas.microsoft.com/office/drawing/2014/main" id="{BD7F8BCD-68D8-42C5-8D69-CFB162C25C5B}"/>
+              </a:ext>
+            </a:extLst>
+          </p:cNvPr>
+          <p:cNvPicPr>
+            <a:picLocks noChangeAspect="1"/>
+          </p:cNvPicPr>
+          <p:nvPr/>
+        </p:nvPicPr>
+        <p:blipFill>
+          <a:blip r:embed="rId2">
+            <a:extLst>
+              <a:ext uri="{28A0092B-C50C-407E-A947-70E740481C1C}">
+                <a14:useLocalDpi xmlns:a14="http://schemas.microsoft.com/office/drawing/2010/main" val="0"/>
+              </a:ext>
+            </a:extLst>
+          </a:blip>
+          <a:stretch>
+            <a:fillRect/>
+          </a:stretch>
+        </p:blipFill>
+        <p:spPr>
+          <a:xfrm>
+            <a:off x="0" y="0"/>
+            <a:ext cx="713247" cy="755780"/>
+          </a:xfrm>
+          <a:prstGeom prst="rect">
+            <a:avLst/>
+          </a:prstGeom>
+        </p:spPr>
+      </p:pic>
     </p:spTree>
     <p:extLst>
       <p:ext uri="{BB962C8B-B14F-4D97-AF65-F5344CB8AC3E}">
@@ -21378,6 +21738,42 @@
           </a:p>
         </p:txBody>
       </p:sp>
+      <p:pic>
+        <p:nvPicPr>
+          <p:cNvPr id="34" name="Grafik 33">
+            <a:extLst>
+              <a:ext uri="{FF2B5EF4-FFF2-40B4-BE49-F238E27FC236}">
+                <a16:creationId xmlns:a16="http://schemas.microsoft.com/office/drawing/2014/main" id="{F9A77987-3C8A-45C1-86CF-28526CCEF823}"/>
+              </a:ext>
+            </a:extLst>
+          </p:cNvPr>
+          <p:cNvPicPr>
+            <a:picLocks noChangeAspect="1"/>
+          </p:cNvPicPr>
+          <p:nvPr/>
+        </p:nvPicPr>
+        <p:blipFill>
+          <a:blip r:embed="rId17">
+            <a:extLst>
+              <a:ext uri="{28A0092B-C50C-407E-A947-70E740481C1C}">
+                <a14:useLocalDpi xmlns:a14="http://schemas.microsoft.com/office/drawing/2010/main" val="0"/>
+              </a:ext>
+            </a:extLst>
+          </a:blip>
+          <a:stretch>
+            <a:fillRect/>
+          </a:stretch>
+        </p:blipFill>
+        <p:spPr>
+          <a:xfrm>
+            <a:off x="0" y="0"/>
+            <a:ext cx="713247" cy="755780"/>
+          </a:xfrm>
+          <a:prstGeom prst="rect">
+            <a:avLst/>
+          </a:prstGeom>
+        </p:spPr>
+      </p:pic>
     </p:spTree>
     <p:extLst>
       <p:ext uri="{BB962C8B-B14F-4D97-AF65-F5344CB8AC3E}">
@@ -23097,6 +23493,42 @@
           </a:p>
         </p:txBody>
       </p:sp>
+      <p:pic>
+        <p:nvPicPr>
+          <p:cNvPr id="5" name="Grafik 4">
+            <a:extLst>
+              <a:ext uri="{FF2B5EF4-FFF2-40B4-BE49-F238E27FC236}">
+                <a16:creationId xmlns:a16="http://schemas.microsoft.com/office/drawing/2014/main" id="{719EAE8F-8349-4540-B8A3-0049BAA29981}"/>
+              </a:ext>
+            </a:extLst>
+          </p:cNvPr>
+          <p:cNvPicPr>
+            <a:picLocks noChangeAspect="1"/>
+          </p:cNvPicPr>
+          <p:nvPr/>
+        </p:nvPicPr>
+        <p:blipFill>
+          <a:blip r:embed="rId2">
+            <a:extLst>
+              <a:ext uri="{28A0092B-C50C-407E-A947-70E740481C1C}">
+                <a14:useLocalDpi xmlns:a14="http://schemas.microsoft.com/office/drawing/2010/main" val="0"/>
+              </a:ext>
+            </a:extLst>
+          </a:blip>
+          <a:stretch>
+            <a:fillRect/>
+          </a:stretch>
+        </p:blipFill>
+        <p:spPr>
+          <a:xfrm>
+            <a:off x="0" y="0"/>
+            <a:ext cx="713247" cy="755780"/>
+          </a:xfrm>
+          <a:prstGeom prst="rect">
+            <a:avLst/>
+          </a:prstGeom>
+        </p:spPr>
+      </p:pic>
     </p:spTree>
     <p:extLst>
       <p:ext uri="{BB962C8B-B14F-4D97-AF65-F5344CB8AC3E}">
@@ -23995,6 +24427,42 @@
           </a:p>
         </p:txBody>
       </p:sp>
+      <p:pic>
+        <p:nvPicPr>
+          <p:cNvPr id="5" name="Grafik 4">
+            <a:extLst>
+              <a:ext uri="{FF2B5EF4-FFF2-40B4-BE49-F238E27FC236}">
+                <a16:creationId xmlns:a16="http://schemas.microsoft.com/office/drawing/2014/main" id="{FBE93C77-C952-4441-A3A1-C28BFE645185}"/>
+              </a:ext>
+            </a:extLst>
+          </p:cNvPr>
+          <p:cNvPicPr>
+            <a:picLocks noChangeAspect="1"/>
+          </p:cNvPicPr>
+          <p:nvPr/>
+        </p:nvPicPr>
+        <p:blipFill>
+          <a:blip r:embed="rId3">
+            <a:extLst>
+              <a:ext uri="{28A0092B-C50C-407E-A947-70E740481C1C}">
+                <a14:useLocalDpi xmlns:a14="http://schemas.microsoft.com/office/drawing/2010/main" val="0"/>
+              </a:ext>
+            </a:extLst>
+          </a:blip>
+          <a:stretch>
+            <a:fillRect/>
+          </a:stretch>
+        </p:blipFill>
+        <p:spPr>
+          <a:xfrm>
+            <a:off x="0" y="0"/>
+            <a:ext cx="713247" cy="755780"/>
+          </a:xfrm>
+          <a:prstGeom prst="rect">
+            <a:avLst/>
+          </a:prstGeom>
+        </p:spPr>
+      </p:pic>
     </p:spTree>
     <p:extLst>
       <p:ext uri="{BB962C8B-B14F-4D97-AF65-F5344CB8AC3E}">
@@ -25081,6 +25549,42 @@
           </a:p>
         </p:txBody>
       </p:sp>
+      <p:pic>
+        <p:nvPicPr>
+          <p:cNvPr id="5" name="Grafik 4">
+            <a:extLst>
+              <a:ext uri="{FF2B5EF4-FFF2-40B4-BE49-F238E27FC236}">
+                <a16:creationId xmlns:a16="http://schemas.microsoft.com/office/drawing/2014/main" id="{D9D1310D-2480-4571-A35C-F0580324A083}"/>
+              </a:ext>
+            </a:extLst>
+          </p:cNvPr>
+          <p:cNvPicPr>
+            <a:picLocks noChangeAspect="1"/>
+          </p:cNvPicPr>
+          <p:nvPr/>
+        </p:nvPicPr>
+        <p:blipFill>
+          <a:blip r:embed="rId2">
+            <a:extLst>
+              <a:ext uri="{28A0092B-C50C-407E-A947-70E740481C1C}">
+                <a14:useLocalDpi xmlns:a14="http://schemas.microsoft.com/office/drawing/2010/main" val="0"/>
+              </a:ext>
+            </a:extLst>
+          </a:blip>
+          <a:stretch>
+            <a:fillRect/>
+          </a:stretch>
+        </p:blipFill>
+        <p:spPr>
+          <a:xfrm>
+            <a:off x="0" y="0"/>
+            <a:ext cx="713247" cy="755780"/>
+          </a:xfrm>
+          <a:prstGeom prst="rect">
+            <a:avLst/>
+          </a:prstGeom>
+        </p:spPr>
+      </p:pic>
     </p:spTree>
     <p:extLst>
       <p:ext uri="{BB962C8B-B14F-4D97-AF65-F5344CB8AC3E}">
@@ -25207,6 +25711,42 @@
           </a:p>
         </p:txBody>
       </p:sp>
+      <p:pic>
+        <p:nvPicPr>
+          <p:cNvPr id="5" name="Grafik 4">
+            <a:extLst>
+              <a:ext uri="{FF2B5EF4-FFF2-40B4-BE49-F238E27FC236}">
+                <a16:creationId xmlns:a16="http://schemas.microsoft.com/office/drawing/2014/main" id="{A59D0322-18F1-42F9-B8F6-5A96B6FD27CF}"/>
+              </a:ext>
+            </a:extLst>
+          </p:cNvPr>
+          <p:cNvPicPr>
+            <a:picLocks noChangeAspect="1"/>
+          </p:cNvPicPr>
+          <p:nvPr/>
+        </p:nvPicPr>
+        <p:blipFill>
+          <a:blip r:embed="rId2">
+            <a:extLst>
+              <a:ext uri="{28A0092B-C50C-407E-A947-70E740481C1C}">
+                <a14:useLocalDpi xmlns:a14="http://schemas.microsoft.com/office/drawing/2010/main" val="0"/>
+              </a:ext>
+            </a:extLst>
+          </a:blip>
+          <a:stretch>
+            <a:fillRect/>
+          </a:stretch>
+        </p:blipFill>
+        <p:spPr>
+          <a:xfrm>
+            <a:off x="0" y="0"/>
+            <a:ext cx="713247" cy="755780"/>
+          </a:xfrm>
+          <a:prstGeom prst="rect">
+            <a:avLst/>
+          </a:prstGeom>
+        </p:spPr>
+      </p:pic>
     </p:spTree>
     <p:extLst>
       <p:ext uri="{BB962C8B-B14F-4D97-AF65-F5344CB8AC3E}">
@@ -25603,6 +26143,42 @@
           </a:p>
         </p:txBody>
       </p:sp>
+      <p:pic>
+        <p:nvPicPr>
+          <p:cNvPr id="5" name="Grafik 4">
+            <a:extLst>
+              <a:ext uri="{FF2B5EF4-FFF2-40B4-BE49-F238E27FC236}">
+                <a16:creationId xmlns:a16="http://schemas.microsoft.com/office/drawing/2014/main" id="{42C49C69-D5AF-4838-B141-F13D71064D58}"/>
+              </a:ext>
+            </a:extLst>
+          </p:cNvPr>
+          <p:cNvPicPr>
+            <a:picLocks noChangeAspect="1"/>
+          </p:cNvPicPr>
+          <p:nvPr/>
+        </p:nvPicPr>
+        <p:blipFill>
+          <a:blip r:embed="rId3">
+            <a:extLst>
+              <a:ext uri="{28A0092B-C50C-407E-A947-70E740481C1C}">
+                <a14:useLocalDpi xmlns:a14="http://schemas.microsoft.com/office/drawing/2010/main" val="0"/>
+              </a:ext>
+            </a:extLst>
+          </a:blip>
+          <a:stretch>
+            <a:fillRect/>
+          </a:stretch>
+        </p:blipFill>
+        <p:spPr>
+          <a:xfrm>
+            <a:off x="0" y="0"/>
+            <a:ext cx="713247" cy="755780"/>
+          </a:xfrm>
+          <a:prstGeom prst="rect">
+            <a:avLst/>
+          </a:prstGeom>
+        </p:spPr>
+      </p:pic>
     </p:spTree>
     <p:extLst>
       <p:ext uri="{BB962C8B-B14F-4D97-AF65-F5344CB8AC3E}">
@@ -25858,6 +26434,42 @@
           <a:xfrm>
             <a:off x="838200" y="2743514"/>
             <a:ext cx="8556123" cy="3848922"/>
+          </a:xfrm>
+          <a:prstGeom prst="rect">
+            <a:avLst/>
+          </a:prstGeom>
+        </p:spPr>
+      </p:pic>
+      <p:pic>
+        <p:nvPicPr>
+          <p:cNvPr id="10" name="Grafik 9">
+            <a:extLst>
+              <a:ext uri="{FF2B5EF4-FFF2-40B4-BE49-F238E27FC236}">
+                <a16:creationId xmlns:a16="http://schemas.microsoft.com/office/drawing/2014/main" id="{A7B050ED-21DC-4B54-852A-77D86F3DC9FF}"/>
+              </a:ext>
+            </a:extLst>
+          </p:cNvPr>
+          <p:cNvPicPr>
+            <a:picLocks noChangeAspect="1"/>
+          </p:cNvPicPr>
+          <p:nvPr/>
+        </p:nvPicPr>
+        <p:blipFill>
+          <a:blip r:embed="rId6">
+            <a:extLst>
+              <a:ext uri="{28A0092B-C50C-407E-A947-70E740481C1C}">
+                <a14:useLocalDpi xmlns:a14="http://schemas.microsoft.com/office/drawing/2010/main" val="0"/>
+              </a:ext>
+            </a:extLst>
+          </a:blip>
+          <a:stretch>
+            <a:fillRect/>
+          </a:stretch>
+        </p:blipFill>
+        <p:spPr>
+          <a:xfrm>
+            <a:off x="0" y="0"/>
+            <a:ext cx="713247" cy="755780"/>
           </a:xfrm>
           <a:prstGeom prst="rect">
             <a:avLst/>

--- a/Vortrag.pptx
+++ b/Vortrag.pptx
@@ -129,6 +129,10 @@
     </p:ext>
   </p:extLst>
 </p:presentation>
+</file>
+
+<file path=ppt/revisionInfo.xml><?xml version="1.0" encoding="utf-8"?>
+<p1510:revInfo xmlns:a="http://schemas.openxmlformats.org/drawingml/2006/main" xmlns:r="http://schemas.openxmlformats.org/officeDocument/2006/relationships" xmlns:p1510="http://schemas.microsoft.com/office/powerpoint/2015/10/main"/>
 </file>
 
 <file path=ppt/diagrams/colors1.xml><?xml version="1.0" encoding="utf-8"?>
@@ -6939,7 +6943,7 @@
           <a:p>
             <a:fld id="{EE61B14C-411D-4E53-BF32-B962F5A14F2D}" type="datetimeFigureOut">
               <a:rPr lang="de-DE" smtClean="0"/>
-              <a:t>21.05.2018</a:t>
+              <a:t>22.05.2018</a:t>
             </a:fld>
             <a:endParaRPr lang="de-DE"/>
           </a:p>
@@ -8880,7 +8884,7 @@
           <a:p>
             <a:fld id="{56DC4D02-6C89-4F53-8C73-2E69B56DDD08}" type="datetimeFigureOut">
               <a:rPr lang="de-DE" smtClean="0"/>
-              <a:t>21.05.2018</a:t>
+              <a:t>22.05.2018</a:t>
             </a:fld>
             <a:endParaRPr lang="de-DE"/>
           </a:p>
@@ -9131,7 +9135,7 @@
           <a:p>
             <a:fld id="{56DC4D02-6C89-4F53-8C73-2E69B56DDD08}" type="datetimeFigureOut">
               <a:rPr lang="de-DE" smtClean="0"/>
-              <a:t>21.05.2018</a:t>
+              <a:t>22.05.2018</a:t>
             </a:fld>
             <a:endParaRPr lang="de-DE"/>
           </a:p>
@@ -9445,7 +9449,7 @@
           <a:p>
             <a:fld id="{56DC4D02-6C89-4F53-8C73-2E69B56DDD08}" type="datetimeFigureOut">
               <a:rPr lang="de-DE" smtClean="0"/>
-              <a:t>21.05.2018</a:t>
+              <a:t>22.05.2018</a:t>
             </a:fld>
             <a:endParaRPr lang="de-DE"/>
           </a:p>
@@ -9772,7 +9776,7 @@
           <a:p>
             <a:fld id="{56DC4D02-6C89-4F53-8C73-2E69B56DDD08}" type="datetimeFigureOut">
               <a:rPr lang="de-DE" smtClean="0"/>
-              <a:t>21.05.2018</a:t>
+              <a:t>22.05.2018</a:t>
             </a:fld>
             <a:endParaRPr lang="de-DE"/>
           </a:p>
@@ -10086,7 +10090,7 @@
           <a:p>
             <a:fld id="{56DC4D02-6C89-4F53-8C73-2E69B56DDD08}" type="datetimeFigureOut">
               <a:rPr lang="de-DE" smtClean="0"/>
-              <a:t>21.05.2018</a:t>
+              <a:t>22.05.2018</a:t>
             </a:fld>
             <a:endParaRPr lang="de-DE"/>
           </a:p>
@@ -10473,7 +10477,7 @@
           <a:p>
             <a:fld id="{56DC4D02-6C89-4F53-8C73-2E69B56DDD08}" type="datetimeFigureOut">
               <a:rPr lang="de-DE" smtClean="0"/>
-              <a:t>21.05.2018</a:t>
+              <a:t>22.05.2018</a:t>
             </a:fld>
             <a:endParaRPr lang="de-DE"/>
           </a:p>
@@ -10643,7 +10647,7 @@
           <a:p>
             <a:fld id="{56DC4D02-6C89-4F53-8C73-2E69B56DDD08}" type="datetimeFigureOut">
               <a:rPr lang="de-DE" smtClean="0"/>
-              <a:t>21.05.2018</a:t>
+              <a:t>22.05.2018</a:t>
             </a:fld>
             <a:endParaRPr lang="de-DE"/>
           </a:p>
@@ -10823,7 +10827,7 @@
           <a:p>
             <a:fld id="{56DC4D02-6C89-4F53-8C73-2E69B56DDD08}" type="datetimeFigureOut">
               <a:rPr lang="de-DE" smtClean="0"/>
-              <a:t>21.05.2018</a:t>
+              <a:t>22.05.2018</a:t>
             </a:fld>
             <a:endParaRPr lang="de-DE"/>
           </a:p>
@@ -10999,7 +11003,7 @@
           <a:p>
             <a:fld id="{56DC4D02-6C89-4F53-8C73-2E69B56DDD08}" type="datetimeFigureOut">
               <a:rPr lang="de-DE" smtClean="0"/>
-              <a:t>21.05.2018</a:t>
+              <a:t>22.05.2018</a:t>
             </a:fld>
             <a:endParaRPr lang="de-DE"/>
           </a:p>
@@ -11246,7 +11250,7 @@
           <a:p>
             <a:fld id="{56DC4D02-6C89-4F53-8C73-2E69B56DDD08}" type="datetimeFigureOut">
               <a:rPr lang="de-DE" smtClean="0"/>
-              <a:t>21.05.2018</a:t>
+              <a:t>22.05.2018</a:t>
             </a:fld>
             <a:endParaRPr lang="de-DE"/>
           </a:p>
@@ -11478,7 +11482,7 @@
           <a:p>
             <a:fld id="{56DC4D02-6C89-4F53-8C73-2E69B56DDD08}" type="datetimeFigureOut">
               <a:rPr lang="de-DE" smtClean="0"/>
-              <a:t>21.05.2018</a:t>
+              <a:t>22.05.2018</a:t>
             </a:fld>
             <a:endParaRPr lang="de-DE"/>
           </a:p>
@@ -11857,7 +11861,7 @@
           <a:p>
             <a:fld id="{56DC4D02-6C89-4F53-8C73-2E69B56DDD08}" type="datetimeFigureOut">
               <a:rPr lang="de-DE" smtClean="0"/>
-              <a:t>21.05.2018</a:t>
+              <a:t>22.05.2018</a:t>
             </a:fld>
             <a:endParaRPr lang="de-DE"/>
           </a:p>
@@ -11985,7 +11989,7 @@
           <a:p>
             <a:fld id="{56DC4D02-6C89-4F53-8C73-2E69B56DDD08}" type="datetimeFigureOut">
               <a:rPr lang="de-DE" smtClean="0"/>
-              <a:t>21.05.2018</a:t>
+              <a:t>22.05.2018</a:t>
             </a:fld>
             <a:endParaRPr lang="de-DE"/>
           </a:p>
@@ -12080,7 +12084,7 @@
           <a:p>
             <a:fld id="{56DC4D02-6C89-4F53-8C73-2E69B56DDD08}" type="datetimeFigureOut">
               <a:rPr lang="de-DE" smtClean="0"/>
-              <a:t>21.05.2018</a:t>
+              <a:t>22.05.2018</a:t>
             </a:fld>
             <a:endParaRPr lang="de-DE"/>
           </a:p>
@@ -12335,7 +12339,7 @@
           <a:p>
             <a:fld id="{56DC4D02-6C89-4F53-8C73-2E69B56DDD08}" type="datetimeFigureOut">
               <a:rPr lang="de-DE" smtClean="0"/>
-              <a:t>21.05.2018</a:t>
+              <a:t>22.05.2018</a:t>
             </a:fld>
             <a:endParaRPr lang="de-DE"/>
           </a:p>
@@ -12603,7 +12607,7 @@
           <a:p>
             <a:fld id="{56DC4D02-6C89-4F53-8C73-2E69B56DDD08}" type="datetimeFigureOut">
               <a:rPr lang="de-DE" smtClean="0"/>
-              <a:t>21.05.2018</a:t>
+              <a:t>22.05.2018</a:t>
             </a:fld>
             <a:endParaRPr lang="de-DE"/>
           </a:p>
@@ -13348,7 +13352,7 @@
           <a:p>
             <a:fld id="{56DC4D02-6C89-4F53-8C73-2E69B56DDD08}" type="datetimeFigureOut">
               <a:rPr lang="de-DE" smtClean="0"/>
-              <a:t>21.05.2018</a:t>
+              <a:t>22.05.2018</a:t>
             </a:fld>
             <a:endParaRPr lang="de-DE"/>
           </a:p>
@@ -18605,7 +18609,22 @@
           <a:p>
             <a:r>
               <a:rPr lang="de-DE" dirty="0"/>
-              <a:t>Seit Version 1.7.2 Möglichkeit der Multiprozessor Nutzung</a:t>
+              <a:t>Der Versuch John </a:t>
+            </a:r>
+            <a:r>
+              <a:rPr lang="de-DE" dirty="0" err="1"/>
+              <a:t>the</a:t>
+            </a:r>
+            <a:r>
+              <a:rPr lang="de-DE" dirty="0"/>
+              <a:t> Ripper über eine Server und Clientartige Struktur auf mehreren Systemen gegen die selben Hashwerte strukturiert laufen zu lassen</a:t>
+            </a:r>
+          </a:p>
+          <a:p>
+            <a:pPr lvl="1"/>
+            <a:r>
+              <a:rPr lang="de-DE" dirty="0"/>
+              <a:t>Wurde leider eingestellt</a:t>
             </a:r>
           </a:p>
         </p:txBody>

--- a/Vortrag.pptx
+++ b/Vortrag.pptx
@@ -5,7 +5,7 @@
     <p:sldMasterId id="2147483819" r:id="rId1"/>
   </p:sldMasterIdLst>
   <p:notesMasterIdLst>
-    <p:notesMasterId r:id="rId19"/>
+    <p:notesMasterId r:id="rId18"/>
   </p:notesMasterIdLst>
   <p:sldIdLst>
     <p:sldId id="256" r:id="rId2"/>
@@ -24,7 +24,6 @@
     <p:sldId id="266" r:id="rId15"/>
     <p:sldId id="264" r:id="rId16"/>
     <p:sldId id="275" r:id="rId17"/>
-    <p:sldId id="263" r:id="rId18"/>
   </p:sldIdLst>
   <p:sldSz cx="12192000" cy="6858000"/>
   <p:notesSz cx="6858000" cy="9144000"/>
@@ -13883,42 +13882,6 @@
       </p:grpSpPr>
       <p:sp>
         <p:nvSpPr>
-          <p:cNvPr id="2" name="Titel 1">
-            <a:extLst>
-              <a:ext uri="{FF2B5EF4-FFF2-40B4-BE49-F238E27FC236}">
-                <a16:creationId xmlns:a16="http://schemas.microsoft.com/office/drawing/2014/main" id="{9A03EF3E-E7AE-4E86-A95A-65CB21439805}"/>
-              </a:ext>
-            </a:extLst>
-          </p:cNvPr>
-          <p:cNvSpPr>
-            <a:spLocks noGrp="1"/>
-          </p:cNvSpPr>
-          <p:nvPr>
-            <p:ph type="ctrTitle"/>
-          </p:nvPr>
-        </p:nvSpPr>
-        <p:spPr/>
-        <p:txBody>
-          <a:bodyPr/>
-          <a:lstStyle/>
-          <a:p>
-            <a:r>
-              <a:rPr lang="de-DE" dirty="0"/>
-              <a:t>John </a:t>
-            </a:r>
-            <a:r>
-              <a:rPr lang="de-DE" dirty="0" err="1"/>
-              <a:t>the</a:t>
-            </a:r>
-            <a:r>
-              <a:rPr lang="de-DE" dirty="0"/>
-              <a:t> Ripper</a:t>
-            </a:r>
-          </a:p>
-        </p:txBody>
-      </p:sp>
-      <p:sp>
-        <p:nvSpPr>
           <p:cNvPr id="3" name="Untertitel 2">
             <a:extLst>
               <a:ext uri="{FF2B5EF4-FFF2-40B4-BE49-F238E27FC236}">
@@ -13947,10 +13910,10 @@
       </p:sp>
       <p:pic>
         <p:nvPicPr>
-          <p:cNvPr id="6" name="Grafik 5">
+          <p:cNvPr id="8" name="Grafik 7">
             <a:extLst>
               <a:ext uri="{FF2B5EF4-FFF2-40B4-BE49-F238E27FC236}">
-                <a16:creationId xmlns:a16="http://schemas.microsoft.com/office/drawing/2014/main" id="{F18C28C9-1EC6-4B56-939F-813C45D7CF14}"/>
+                <a16:creationId xmlns:a16="http://schemas.microsoft.com/office/drawing/2014/main" id="{30993E14-4500-430E-A994-AA3AC948F897}"/>
               </a:ext>
             </a:extLst>
           </p:cNvPr>
@@ -13973,8 +13936,8 @@
         </p:blipFill>
         <p:spPr>
           <a:xfrm>
-            <a:off x="5390535" y="632340"/>
-            <a:ext cx="2449286" cy="2595344"/>
+            <a:off x="4195363" y="273506"/>
+            <a:ext cx="3534616" cy="3749923"/>
           </a:xfrm>
           <a:prstGeom prst="rect">
             <a:avLst/>
@@ -14226,10 +14189,10 @@
       </p:pic>
       <p:pic>
         <p:nvPicPr>
-          <p:cNvPr id="10" name="Grafik 9">
+          <p:cNvPr id="8" name="Grafik 7">
             <a:extLst>
               <a:ext uri="{FF2B5EF4-FFF2-40B4-BE49-F238E27FC236}">
-                <a16:creationId xmlns:a16="http://schemas.microsoft.com/office/drawing/2014/main" id="{48B7515B-AB39-4FC5-A888-0E8902802870}"/>
+                <a16:creationId xmlns:a16="http://schemas.microsoft.com/office/drawing/2014/main" id="{F4E058EE-CE94-41DC-964C-3892416FDAE4}"/>
               </a:ext>
             </a:extLst>
           </p:cNvPr>
@@ -14252,8 +14215,8 @@
         </p:blipFill>
         <p:spPr>
           <a:xfrm>
-            <a:off x="0" y="0"/>
-            <a:ext cx="713247" cy="755780"/>
+            <a:off x="-71885" y="0"/>
+            <a:ext cx="808109" cy="857839"/>
           </a:xfrm>
           <a:prstGeom prst="rect">
             <a:avLst/>
@@ -15438,10 +15401,10 @@
       </p:pic>
       <p:pic>
         <p:nvPicPr>
-          <p:cNvPr id="10" name="Grafik 9">
+          <p:cNvPr id="8" name="Grafik 7">
             <a:extLst>
               <a:ext uri="{FF2B5EF4-FFF2-40B4-BE49-F238E27FC236}">
-                <a16:creationId xmlns:a16="http://schemas.microsoft.com/office/drawing/2014/main" id="{DFC475BD-9DA6-4E9D-B528-B175815B5BAC}"/>
+                <a16:creationId xmlns:a16="http://schemas.microsoft.com/office/drawing/2014/main" id="{8D9FE54D-E79E-4F9D-BE91-D9E993461A1F}"/>
               </a:ext>
             </a:extLst>
           </p:cNvPr>
@@ -15464,8 +15427,8 @@
         </p:blipFill>
         <p:spPr>
           <a:xfrm>
-            <a:off x="0" y="0"/>
-            <a:ext cx="713247" cy="755780"/>
+            <a:off x="-71885" y="0"/>
+            <a:ext cx="808109" cy="857839"/>
           </a:xfrm>
           <a:prstGeom prst="rect">
             <a:avLst/>
@@ -16722,10 +16685,10 @@
       </p:sp>
       <p:pic>
         <p:nvPicPr>
-          <p:cNvPr id="8" name="Grafik 7">
+          <p:cNvPr id="9" name="Grafik 8">
             <a:extLst>
               <a:ext uri="{FF2B5EF4-FFF2-40B4-BE49-F238E27FC236}">
-                <a16:creationId xmlns:a16="http://schemas.microsoft.com/office/drawing/2014/main" id="{DE03A67B-EFE6-4AD4-B3E4-0C048F468891}"/>
+                <a16:creationId xmlns:a16="http://schemas.microsoft.com/office/drawing/2014/main" id="{6B90DE18-55CE-4F93-BF05-DD10D3CFCB4A}"/>
               </a:ext>
             </a:extLst>
           </p:cNvPr>
@@ -16748,8 +16711,8 @@
         </p:blipFill>
         <p:spPr>
           <a:xfrm>
-            <a:off x="0" y="0"/>
-            <a:ext cx="713247" cy="755780"/>
+            <a:off x="-71885" y="0"/>
+            <a:ext cx="808109" cy="857839"/>
           </a:xfrm>
           <a:prstGeom prst="rect">
             <a:avLst/>
@@ -17485,10 +17448,10 @@
       </p:sp>
       <p:pic>
         <p:nvPicPr>
-          <p:cNvPr id="4" name="Grafik 3">
+          <p:cNvPr id="6" name="Grafik 5">
             <a:extLst>
               <a:ext uri="{FF2B5EF4-FFF2-40B4-BE49-F238E27FC236}">
-                <a16:creationId xmlns:a16="http://schemas.microsoft.com/office/drawing/2014/main" id="{4E7872E0-502E-4BDD-B612-CED129E567A1}"/>
+                <a16:creationId xmlns:a16="http://schemas.microsoft.com/office/drawing/2014/main" id="{4F61D2CD-5D20-4F72-B2C7-A877CAD87C00}"/>
               </a:ext>
             </a:extLst>
           </p:cNvPr>
@@ -17511,8 +17474,8 @@
         </p:blipFill>
         <p:spPr>
           <a:xfrm>
-            <a:off x="0" y="0"/>
-            <a:ext cx="713247" cy="755780"/>
+            <a:off x="-71885" y="0"/>
+            <a:ext cx="808109" cy="857839"/>
           </a:xfrm>
           <a:prstGeom prst="rect">
             <a:avLst/>
@@ -17891,10 +17854,10 @@
       </p:sp>
       <p:pic>
         <p:nvPicPr>
-          <p:cNvPr id="4" name="Grafik 3">
+          <p:cNvPr id="5" name="Grafik 4">
             <a:extLst>
               <a:ext uri="{FF2B5EF4-FFF2-40B4-BE49-F238E27FC236}">
-                <a16:creationId xmlns:a16="http://schemas.microsoft.com/office/drawing/2014/main" id="{6F053A9C-47B0-429D-8F00-253E9BB89E81}"/>
+                <a16:creationId xmlns:a16="http://schemas.microsoft.com/office/drawing/2014/main" id="{C6956C2E-07F4-48F3-B54F-49E4D055DCA4}"/>
               </a:ext>
             </a:extLst>
           </p:cNvPr>
@@ -17917,8 +17880,8 @@
         </p:blipFill>
         <p:spPr>
           <a:xfrm>
-            <a:off x="0" y="0"/>
-            <a:ext cx="713247" cy="755780"/>
+            <a:off x="-71885" y="0"/>
+            <a:ext cx="808109" cy="857839"/>
           </a:xfrm>
           <a:prstGeom prst="rect">
             <a:avLst/>
@@ -18347,17 +18310,457 @@
           <a:p>
             <a:r>
               <a:rPr lang="de-DE" dirty="0"/>
-              <a:t>Seit Version 1.7.2 Möglichkeit der Multiprozessor Nutzung</a:t>
+              <a:t>Seit Version 1.7.2 Unterstützung der Multiprozessor Nutzung</a:t>
+            </a:r>
+          </a:p>
+        </p:txBody>
+      </p:sp>
+      <p:pic>
+        <p:nvPicPr>
+          <p:cNvPr id="9" name="Grafik 8">
+            <a:extLst>
+              <a:ext uri="{FF2B5EF4-FFF2-40B4-BE49-F238E27FC236}">
+                <a16:creationId xmlns:a16="http://schemas.microsoft.com/office/drawing/2014/main" id="{60809B83-D412-41FB-A67F-785554883FEC}"/>
+              </a:ext>
+            </a:extLst>
+          </p:cNvPr>
+          <p:cNvPicPr>
+            <a:picLocks noChangeAspect="1"/>
+          </p:cNvPicPr>
+          <p:nvPr/>
+        </p:nvPicPr>
+        <p:blipFill>
+          <a:blip r:embed="rId2">
+            <a:extLst>
+              <a:ext uri="{28A0092B-C50C-407E-A947-70E740481C1C}">
+                <a14:useLocalDpi xmlns:a14="http://schemas.microsoft.com/office/drawing/2010/main" val="0"/>
+              </a:ext>
+            </a:extLst>
+          </a:blip>
+          <a:stretch>
+            <a:fillRect/>
+          </a:stretch>
+        </p:blipFill>
+        <p:spPr>
+          <a:xfrm>
+            <a:off x="-71885" y="0"/>
+            <a:ext cx="808109" cy="857839"/>
+          </a:xfrm>
+          <a:prstGeom prst="rect">
+            <a:avLst/>
+          </a:prstGeom>
+        </p:spPr>
+      </p:pic>
+      <p:sp>
+        <p:nvSpPr>
+          <p:cNvPr id="10" name="Inhaltsplatzhalter 2">
+            <a:extLst>
+              <a:ext uri="{FF2B5EF4-FFF2-40B4-BE49-F238E27FC236}">
+                <a16:creationId xmlns:a16="http://schemas.microsoft.com/office/drawing/2014/main" id="{8542FB28-610B-4D5D-9D2F-64EDDD92D6B0}"/>
+              </a:ext>
+            </a:extLst>
+          </p:cNvPr>
+          <p:cNvSpPr>
+            <a:spLocks noGrp="1"/>
+          </p:cNvSpPr>
+          <p:nvPr>
+            <p:ph idx="1"/>
+          </p:nvPr>
+        </p:nvSpPr>
+        <p:spPr>
+          <a:xfrm>
+            <a:off x="677334" y="2540001"/>
+            <a:ext cx="9060477" cy="1909452"/>
+          </a:xfrm>
+        </p:spPr>
+        <p:txBody>
+          <a:bodyPr>
+            <a:normAutofit/>
+          </a:bodyPr>
+          <a:lstStyle/>
+          <a:p>
+            <a:r>
+              <a:rPr lang="de-DE" dirty="0"/>
+              <a:t>Der Versuch John </a:t>
+            </a:r>
+            <a:r>
+              <a:rPr lang="de-DE" dirty="0" err="1"/>
+              <a:t>the</a:t>
+            </a:r>
+            <a:r>
+              <a:rPr lang="de-DE" dirty="0"/>
+              <a:t> Ripper über eine Server und Clientartige Struktur auf mehreren Systemen gegen die selben Hashwerte strukturiert laufen zu lassen</a:t>
+            </a:r>
+          </a:p>
+          <a:p>
+            <a:pPr lvl="1"/>
+            <a:r>
+              <a:rPr lang="de-DE" dirty="0"/>
+              <a:t>Wurde leider eingestellt</a:t>
+            </a:r>
+          </a:p>
+        </p:txBody>
+      </p:sp>
+    </p:spTree>
+    <p:extLst>
+      <p:ext uri="{BB962C8B-B14F-4D97-AF65-F5344CB8AC3E}">
+        <p14:creationId xmlns:p14="http://schemas.microsoft.com/office/powerpoint/2010/main" val="2711727226"/>
+      </p:ext>
+    </p:extLst>
+  </p:cSld>
+  <p:clrMapOvr>
+    <a:masterClrMapping/>
+  </p:clrMapOvr>
+  <p:timing>
+    <p:tnLst>
+      <p:par>
+        <p:cTn id="1" dur="indefinite" restart="never" nodeType="tmRoot">
+          <p:childTnLst>
+            <p:seq concurrent="1" nextAc="seek">
+              <p:cTn id="2" dur="indefinite" nodeType="mainSeq">
+                <p:childTnLst>
+                  <p:par>
+                    <p:cTn id="3" fill="hold">
+                      <p:stCondLst>
+                        <p:cond delay="indefinite"/>
+                      </p:stCondLst>
+                      <p:childTnLst>
+                        <p:par>
+                          <p:cTn id="4" fill="hold">
+                            <p:stCondLst>
+                              <p:cond delay="0"/>
+                            </p:stCondLst>
+                            <p:childTnLst>
+                              <p:par>
+                                <p:cTn id="5" presetID="1" presetClass="entr" presetSubtype="0" fill="hold" grpId="0" nodeType="clickEffect">
+                                  <p:stCondLst>
+                                    <p:cond delay="0"/>
+                                  </p:stCondLst>
+                                  <p:childTnLst>
+                                    <p:set>
+                                      <p:cBhvr>
+                                        <p:cTn id="6" dur="1" fill="hold">
+                                          <p:stCondLst>
+                                            <p:cond delay="0"/>
+                                          </p:stCondLst>
+                                        </p:cTn>
+                                        <p:tgtEl>
+                                          <p:spTgt spid="6"/>
+                                        </p:tgtEl>
+                                        <p:attrNameLst>
+                                          <p:attrName>style.visibility</p:attrName>
+                                        </p:attrNameLst>
+                                      </p:cBhvr>
+                                      <p:to>
+                                        <p:strVal val="visible"/>
+                                      </p:to>
+                                    </p:set>
+                                  </p:childTnLst>
+                                </p:cTn>
+                              </p:par>
+                            </p:childTnLst>
+                          </p:cTn>
+                        </p:par>
+                      </p:childTnLst>
+                    </p:cTn>
+                  </p:par>
+                  <p:par>
+                    <p:cTn id="7" fill="hold">
+                      <p:stCondLst>
+                        <p:cond delay="indefinite"/>
+                      </p:stCondLst>
+                      <p:childTnLst>
+                        <p:par>
+                          <p:cTn id="8" fill="hold">
+                            <p:stCondLst>
+                              <p:cond delay="0"/>
+                            </p:stCondLst>
+                            <p:childTnLst>
+                              <p:par>
+                                <p:cTn id="9" presetID="1" presetClass="entr" presetSubtype="0" fill="hold" grpId="0" nodeType="clickEffect">
+                                  <p:stCondLst>
+                                    <p:cond delay="0"/>
+                                  </p:stCondLst>
+                                  <p:childTnLst>
+                                    <p:set>
+                                      <p:cBhvr>
+                                        <p:cTn id="10" dur="1" fill="hold">
+                                          <p:stCondLst>
+                                            <p:cond delay="0"/>
+                                          </p:stCondLst>
+                                        </p:cTn>
+                                        <p:tgtEl>
+                                          <p:spTgt spid="4"/>
+                                        </p:tgtEl>
+                                        <p:attrNameLst>
+                                          <p:attrName>style.visibility</p:attrName>
+                                        </p:attrNameLst>
+                                      </p:cBhvr>
+                                      <p:to>
+                                        <p:strVal val="visible"/>
+                                      </p:to>
+                                    </p:set>
+                                  </p:childTnLst>
+                                </p:cTn>
+                              </p:par>
+                            </p:childTnLst>
+                          </p:cTn>
+                        </p:par>
+                      </p:childTnLst>
+                    </p:cTn>
+                  </p:par>
+                  <p:par>
+                    <p:cTn id="11" fill="hold">
+                      <p:stCondLst>
+                        <p:cond delay="indefinite"/>
+                      </p:stCondLst>
+                      <p:childTnLst>
+                        <p:par>
+                          <p:cTn id="12" fill="hold">
+                            <p:stCondLst>
+                              <p:cond delay="0"/>
+                            </p:stCondLst>
+                            <p:childTnLst>
+                              <p:par>
+                                <p:cTn id="13" presetID="1" presetClass="entr" presetSubtype="0" fill="hold" grpId="0" nodeType="clickEffect">
+                                  <p:stCondLst>
+                                    <p:cond delay="0"/>
+                                  </p:stCondLst>
+                                  <p:childTnLst>
+                                    <p:set>
+                                      <p:cBhvr>
+                                        <p:cTn id="14" dur="1" fill="hold">
+                                          <p:stCondLst>
+                                            <p:cond delay="0"/>
+                                          </p:stCondLst>
+                                        </p:cTn>
+                                        <p:tgtEl>
+                                          <p:spTgt spid="10">
+                                            <p:txEl>
+                                              <p:pRg st="0" end="0"/>
+                                            </p:txEl>
+                                          </p:spTgt>
+                                        </p:tgtEl>
+                                        <p:attrNameLst>
+                                          <p:attrName>style.visibility</p:attrName>
+                                        </p:attrNameLst>
+                                      </p:cBhvr>
+                                      <p:to>
+                                        <p:strVal val="visible"/>
+                                      </p:to>
+                                    </p:set>
+                                  </p:childTnLst>
+                                </p:cTn>
+                              </p:par>
+                            </p:childTnLst>
+                          </p:cTn>
+                        </p:par>
+                      </p:childTnLst>
+                    </p:cTn>
+                  </p:par>
+                  <p:par>
+                    <p:cTn id="15" fill="hold">
+                      <p:stCondLst>
+                        <p:cond delay="indefinite"/>
+                      </p:stCondLst>
+                      <p:childTnLst>
+                        <p:par>
+                          <p:cTn id="16" fill="hold">
+                            <p:stCondLst>
+                              <p:cond delay="0"/>
+                            </p:stCondLst>
+                            <p:childTnLst>
+                              <p:par>
+                                <p:cTn id="17" presetID="1" presetClass="entr" presetSubtype="0" fill="hold" grpId="0" nodeType="clickEffect">
+                                  <p:stCondLst>
+                                    <p:cond delay="0"/>
+                                  </p:stCondLst>
+                                  <p:childTnLst>
+                                    <p:set>
+                                      <p:cBhvr>
+                                        <p:cTn id="18" dur="1" fill="hold">
+                                          <p:stCondLst>
+                                            <p:cond delay="0"/>
+                                          </p:stCondLst>
+                                        </p:cTn>
+                                        <p:tgtEl>
+                                          <p:spTgt spid="10">
+                                            <p:txEl>
+                                              <p:pRg st="1" end="1"/>
+                                            </p:txEl>
+                                          </p:spTgt>
+                                        </p:tgtEl>
+                                        <p:attrNameLst>
+                                          <p:attrName>style.visibility</p:attrName>
+                                        </p:attrNameLst>
+                                      </p:cBhvr>
+                                      <p:to>
+                                        <p:strVal val="visible"/>
+                                      </p:to>
+                                    </p:set>
+                                  </p:childTnLst>
+                                </p:cTn>
+                              </p:par>
+                            </p:childTnLst>
+                          </p:cTn>
+                        </p:par>
+                      </p:childTnLst>
+                    </p:cTn>
+                  </p:par>
+                </p:childTnLst>
+              </p:cTn>
+              <p:prevCondLst>
+                <p:cond evt="onPrev" delay="0">
+                  <p:tgtEl>
+                    <p:sldTgt/>
+                  </p:tgtEl>
+                </p:cond>
+              </p:prevCondLst>
+              <p:nextCondLst>
+                <p:cond evt="onNext" delay="0">
+                  <p:tgtEl>
+                    <p:sldTgt/>
+                  </p:tgtEl>
+                </p:cond>
+              </p:nextCondLst>
+            </p:seq>
+          </p:childTnLst>
+        </p:cTn>
+      </p:par>
+    </p:tnLst>
+    <p:bldLst>
+      <p:bldP spid="4" grpId="0"/>
+      <p:bldP spid="6" grpId="0"/>
+      <p:bldP spid="10" grpId="0" uiExpand="1" build="p"/>
+    </p:bldLst>
+  </p:timing>
+</p:sld>
+</file>
+
+<file path=ppt/slides/slide16.xml><?xml version="1.0" encoding="utf-8"?>
+<p:sld xmlns:a="http://schemas.openxmlformats.org/drawingml/2006/main" xmlns:r="http://schemas.openxmlformats.org/officeDocument/2006/relationships" xmlns:p="http://schemas.openxmlformats.org/presentationml/2006/main">
+  <p:cSld>
+    <p:spTree>
+      <p:nvGrpSpPr>
+        <p:cNvPr id="1" name=""/>
+        <p:cNvGrpSpPr/>
+        <p:nvPr/>
+      </p:nvGrpSpPr>
+      <p:grpSpPr>
+        <a:xfrm>
+          <a:off x="0" y="0"/>
+          <a:ext cx="0" cy="0"/>
+          <a:chOff x="0" y="0"/>
+          <a:chExt cx="0" cy="0"/>
+        </a:xfrm>
+      </p:grpSpPr>
+      <p:sp>
+        <p:nvSpPr>
+          <p:cNvPr id="2" name="Titel 1">
+            <a:extLst>
+              <a:ext uri="{FF2B5EF4-FFF2-40B4-BE49-F238E27FC236}">
+                <a16:creationId xmlns:a16="http://schemas.microsoft.com/office/drawing/2014/main" id="{DCB7630B-A75C-47E0-A61E-6AD6B01E0419}"/>
+              </a:ext>
+            </a:extLst>
+          </p:cNvPr>
+          <p:cNvSpPr>
+            <a:spLocks noGrp="1"/>
+          </p:cNvSpPr>
+          <p:nvPr>
+            <p:ph type="title"/>
+          </p:nvPr>
+        </p:nvSpPr>
+        <p:spPr/>
+        <p:txBody>
+          <a:bodyPr/>
+          <a:lstStyle/>
+          <a:p>
+            <a:r>
+              <a:rPr lang="de-DE" dirty="0"/>
+              <a:t>Ähnliche Programme</a:t>
             </a:r>
           </a:p>
         </p:txBody>
       </p:sp>
       <p:sp>
         <p:nvSpPr>
-          <p:cNvPr id="7" name="Inhaltsplatzhalter 2">
+          <p:cNvPr id="3" name="Inhaltsplatzhalter 2">
             <a:extLst>
               <a:ext uri="{FF2B5EF4-FFF2-40B4-BE49-F238E27FC236}">
-                <a16:creationId xmlns:a16="http://schemas.microsoft.com/office/drawing/2014/main" id="{AB0BB485-0F88-47CA-AA10-056A39C781CE}"/>
+                <a16:creationId xmlns:a16="http://schemas.microsoft.com/office/drawing/2014/main" id="{D2002199-A639-4720-B112-0B95BB034DC1}"/>
+              </a:ext>
+            </a:extLst>
+          </p:cNvPr>
+          <p:cNvSpPr>
+            <a:spLocks noGrp="1"/>
+          </p:cNvSpPr>
+          <p:nvPr>
+            <p:ph idx="1"/>
+          </p:nvPr>
+        </p:nvSpPr>
+        <p:spPr>
+          <a:xfrm>
+            <a:off x="677334" y="1365381"/>
+            <a:ext cx="8596668" cy="2480756"/>
+          </a:xfrm>
+        </p:spPr>
+        <p:txBody>
+          <a:bodyPr/>
+          <a:lstStyle/>
+          <a:p>
+            <a:r>
+              <a:rPr lang="de-DE" dirty="0" err="1"/>
+              <a:t>Hashcat</a:t>
+            </a:r>
+            <a:endParaRPr lang="de-DE" dirty="0"/>
+          </a:p>
+          <a:p>
+            <a:pPr lvl="1"/>
+            <a:r>
+              <a:rPr lang="de-DE" dirty="0"/>
+              <a:t>Multiple Hashes zeitgleich</a:t>
+            </a:r>
+          </a:p>
+          <a:p>
+            <a:pPr lvl="1"/>
+            <a:r>
+              <a:rPr lang="de-DE" dirty="0"/>
+              <a:t>Nutzung mehrerer Systemen</a:t>
+            </a:r>
+          </a:p>
+          <a:p>
+            <a:r>
+              <a:rPr lang="de-DE" dirty="0"/>
+              <a:t>Andere Lösungen auf Windows spezialisiert</a:t>
+            </a:r>
+          </a:p>
+          <a:p>
+            <a:pPr lvl="1"/>
+            <a:r>
+              <a:rPr lang="de-DE" dirty="0" err="1"/>
+              <a:t>Ophcrack</a:t>
+            </a:r>
+            <a:endParaRPr lang="de-DE" dirty="0"/>
+          </a:p>
+          <a:p>
+            <a:pPr lvl="1"/>
+            <a:r>
+              <a:rPr lang="de-DE" dirty="0" err="1"/>
+              <a:t>kon</a:t>
+            </a:r>
+            <a:r>
+              <a:rPr lang="de-DE" dirty="0"/>
+              <a:t>-boot</a:t>
+            </a:r>
+          </a:p>
+        </p:txBody>
+      </p:sp>
+      <p:sp>
+        <p:nvSpPr>
+          <p:cNvPr id="5" name="Titel 1">
+            <a:extLst>
+              <a:ext uri="{FF2B5EF4-FFF2-40B4-BE49-F238E27FC236}">
+                <a16:creationId xmlns:a16="http://schemas.microsoft.com/office/drawing/2014/main" id="{307DF6BA-E5A4-42FB-96C4-239DDBEF1463}"/>
               </a:ext>
             </a:extLst>
           </p:cNvPr>
@@ -18368,8 +18771,192 @@
         </p:nvSpPr>
         <p:spPr>
           <a:xfrm>
-            <a:off x="677334" y="2385505"/>
-            <a:ext cx="8596668" cy="4015295"/>
+            <a:off x="713247" y="3580614"/>
+            <a:ext cx="8596668" cy="736862"/>
+          </a:xfrm>
+          <a:prstGeom prst="rect">
+            <a:avLst/>
+          </a:prstGeom>
+        </p:spPr>
+        <p:txBody>
+          <a:bodyPr vert="horz" lIns="91440" tIns="45720" rIns="91440" bIns="45720" rtlCol="0" anchor="t">
+            <a:normAutofit/>
+          </a:bodyPr>
+          <a:lstStyle>
+            <a:lvl1pPr algn="l" defTabSz="457200" rtl="0" eaLnBrk="1" latinLnBrk="0" hangingPunct="1">
+              <a:spcBef>
+                <a:spcPct val="0"/>
+              </a:spcBef>
+              <a:buNone/>
+              <a:defRPr sz="3600" kern="1200">
+                <a:solidFill>
+                  <a:schemeClr val="accent1"/>
+                </a:solidFill>
+                <a:latin typeface="+mj-lt"/>
+                <a:ea typeface="+mj-ea"/>
+                <a:cs typeface="+mj-cs"/>
+              </a:defRPr>
+            </a:lvl1pPr>
+            <a:lvl2pPr eaLnBrk="1" hangingPunct="1">
+              <a:defRPr>
+                <a:solidFill>
+                  <a:schemeClr val="tx2"/>
+                </a:solidFill>
+              </a:defRPr>
+            </a:lvl2pPr>
+            <a:lvl3pPr eaLnBrk="1" hangingPunct="1">
+              <a:defRPr>
+                <a:solidFill>
+                  <a:schemeClr val="tx2"/>
+                </a:solidFill>
+              </a:defRPr>
+            </a:lvl3pPr>
+            <a:lvl4pPr eaLnBrk="1" hangingPunct="1">
+              <a:defRPr>
+                <a:solidFill>
+                  <a:schemeClr val="tx2"/>
+                </a:solidFill>
+              </a:defRPr>
+            </a:lvl4pPr>
+            <a:lvl5pPr eaLnBrk="1" hangingPunct="1">
+              <a:defRPr>
+                <a:solidFill>
+                  <a:schemeClr val="tx2"/>
+                </a:solidFill>
+              </a:defRPr>
+            </a:lvl5pPr>
+            <a:lvl6pPr eaLnBrk="1" hangingPunct="1">
+              <a:defRPr>
+                <a:solidFill>
+                  <a:schemeClr val="tx2"/>
+                </a:solidFill>
+              </a:defRPr>
+            </a:lvl6pPr>
+            <a:lvl7pPr eaLnBrk="1" hangingPunct="1">
+              <a:defRPr>
+                <a:solidFill>
+                  <a:schemeClr val="tx2"/>
+                </a:solidFill>
+              </a:defRPr>
+            </a:lvl7pPr>
+            <a:lvl8pPr eaLnBrk="1" hangingPunct="1">
+              <a:defRPr>
+                <a:solidFill>
+                  <a:schemeClr val="tx2"/>
+                </a:solidFill>
+              </a:defRPr>
+            </a:lvl8pPr>
+            <a:lvl9pPr eaLnBrk="1" hangingPunct="1">
+              <a:defRPr>
+                <a:solidFill>
+                  <a:schemeClr val="tx2"/>
+                </a:solidFill>
+              </a:defRPr>
+            </a:lvl9pPr>
+          </a:lstStyle>
+          <a:p>
+            <a:r>
+              <a:rPr lang="de-DE" dirty="0"/>
+              <a:t>Rainbow </a:t>
+            </a:r>
+            <a:r>
+              <a:rPr lang="de-DE" dirty="0" err="1"/>
+              <a:t>Tables</a:t>
+            </a:r>
+            <a:endParaRPr lang="de-DE" dirty="0"/>
+          </a:p>
+        </p:txBody>
+      </p:sp>
+      <p:pic>
+        <p:nvPicPr>
+          <p:cNvPr id="7" name="Grafik 6">
+            <a:extLst>
+              <a:ext uri="{FF2B5EF4-FFF2-40B4-BE49-F238E27FC236}">
+                <a16:creationId xmlns:a16="http://schemas.microsoft.com/office/drawing/2014/main" id="{BDB0FB71-40D2-43CE-9D87-FDB3ECFA1772}"/>
+              </a:ext>
+            </a:extLst>
+          </p:cNvPr>
+          <p:cNvPicPr>
+            <a:picLocks noChangeAspect="1"/>
+          </p:cNvPicPr>
+          <p:nvPr/>
+        </p:nvPicPr>
+        <p:blipFill>
+          <a:blip r:embed="rId2">
+            <a:extLst>
+              <a:ext uri="{28A0092B-C50C-407E-A947-70E740481C1C}">
+                <a14:useLocalDpi xmlns:a14="http://schemas.microsoft.com/office/drawing/2010/main" val="0"/>
+              </a:ext>
+            </a:extLst>
+          </a:blip>
+          <a:stretch>
+            <a:fillRect/>
+          </a:stretch>
+        </p:blipFill>
+        <p:spPr>
+          <a:xfrm>
+            <a:off x="-71885" y="0"/>
+            <a:ext cx="808109" cy="857839"/>
+          </a:xfrm>
+          <a:prstGeom prst="rect">
+            <a:avLst/>
+          </a:prstGeom>
+        </p:spPr>
+      </p:pic>
+      <p:pic>
+        <p:nvPicPr>
+          <p:cNvPr id="9" name="Grafik 8">
+            <a:extLst>
+              <a:ext uri="{FF2B5EF4-FFF2-40B4-BE49-F238E27FC236}">
+                <a16:creationId xmlns:a16="http://schemas.microsoft.com/office/drawing/2014/main" id="{3A1DF086-8362-42E8-B82D-7992C250B303}"/>
+              </a:ext>
+            </a:extLst>
+          </p:cNvPr>
+          <p:cNvPicPr>
+            <a:picLocks noChangeAspect="1"/>
+          </p:cNvPicPr>
+          <p:nvPr/>
+        </p:nvPicPr>
+        <p:blipFill>
+          <a:blip r:embed="rId3">
+            <a:extLst>
+              <a:ext uri="{28A0092B-C50C-407E-A947-70E740481C1C}">
+                <a14:useLocalDpi xmlns:a14="http://schemas.microsoft.com/office/drawing/2010/main" val="0"/>
+              </a:ext>
+            </a:extLst>
+          </a:blip>
+          <a:stretch>
+            <a:fillRect/>
+          </a:stretch>
+        </p:blipFill>
+        <p:spPr>
+          <a:xfrm>
+            <a:off x="5323070" y="1365381"/>
+            <a:ext cx="1224675" cy="1224675"/>
+          </a:xfrm>
+          <a:prstGeom prst="rect">
+            <a:avLst/>
+          </a:prstGeom>
+        </p:spPr>
+      </p:pic>
+      <p:sp>
+        <p:nvSpPr>
+          <p:cNvPr id="10" name="Inhaltsplatzhalter 2">
+            <a:extLst>
+              <a:ext uri="{FF2B5EF4-FFF2-40B4-BE49-F238E27FC236}">
+                <a16:creationId xmlns:a16="http://schemas.microsoft.com/office/drawing/2014/main" id="{95032F96-F561-4F1F-B3E9-098F0FD04799}"/>
+              </a:ext>
+            </a:extLst>
+          </p:cNvPr>
+          <p:cNvSpPr txBox="1">
+            <a:spLocks/>
+          </p:cNvSpPr>
+          <p:nvPr/>
+        </p:nvSpPr>
+        <p:spPr>
+          <a:xfrm>
+            <a:off x="677334" y="4240270"/>
+            <a:ext cx="8596668" cy="2480756"/>
           </a:xfrm>
           <a:prstGeom prst="rect">
             <a:avLst/>
@@ -18609,66 +19196,23 @@
           <a:p>
             <a:r>
               <a:rPr lang="de-DE" dirty="0"/>
-              <a:t>Der Versuch John </a:t>
-            </a:r>
+              <a:t>Eine Tabelle mit vorherberechneten Hashes</a:t>
+            </a:r>
+          </a:p>
+          <a:p>
+            <a:pPr lvl="1"/>
             <a:r>
               <a:rPr lang="de-DE" dirty="0" err="1"/>
-              <a:t>the</a:t>
-            </a:r>
-            <a:r>
-              <a:rPr lang="de-DE" dirty="0"/>
-              <a:t> Ripper über eine Server und Clientartige Struktur auf mehreren Systemen gegen die selben Hashwerte strukturiert laufen zu lassen</a:t>
-            </a:r>
-          </a:p>
-          <a:p>
-            <a:pPr lvl="1"/>
-            <a:r>
-              <a:rPr lang="de-DE" dirty="0"/>
-              <a:t>Wurde leider eingestellt</a:t>
-            </a:r>
+              <a:t>RainbowCrack</a:t>
+            </a:r>
+            <a:endParaRPr lang="de-DE" dirty="0"/>
           </a:p>
         </p:txBody>
       </p:sp>
-      <p:pic>
-        <p:nvPicPr>
-          <p:cNvPr id="8" name="Grafik 7">
-            <a:extLst>
-              <a:ext uri="{FF2B5EF4-FFF2-40B4-BE49-F238E27FC236}">
-                <a16:creationId xmlns:a16="http://schemas.microsoft.com/office/drawing/2014/main" id="{26A69A21-7E7D-4CF7-A1A2-174D55692CB4}"/>
-              </a:ext>
-            </a:extLst>
-          </p:cNvPr>
-          <p:cNvPicPr>
-            <a:picLocks noChangeAspect="1"/>
-          </p:cNvPicPr>
-          <p:nvPr/>
-        </p:nvPicPr>
-        <p:blipFill>
-          <a:blip r:embed="rId2">
-            <a:extLst>
-              <a:ext uri="{28A0092B-C50C-407E-A947-70E740481C1C}">
-                <a14:useLocalDpi xmlns:a14="http://schemas.microsoft.com/office/drawing/2010/main" val="0"/>
-              </a:ext>
-            </a:extLst>
-          </a:blip>
-          <a:stretch>
-            <a:fillRect/>
-          </a:stretch>
-        </p:blipFill>
-        <p:spPr>
-          <a:xfrm>
-            <a:off x="0" y="0"/>
-            <a:ext cx="713247" cy="755780"/>
-          </a:xfrm>
-          <a:prstGeom prst="rect">
-            <a:avLst/>
-          </a:prstGeom>
-        </p:spPr>
-      </p:pic>
     </p:spTree>
     <p:extLst>
       <p:ext uri="{BB962C8B-B14F-4D97-AF65-F5344CB8AC3E}">
-        <p14:creationId xmlns:p14="http://schemas.microsoft.com/office/powerpoint/2010/main" val="2711727226"/>
+        <p14:creationId xmlns:p14="http://schemas.microsoft.com/office/powerpoint/2010/main" val="1726604389"/>
       </p:ext>
     </p:extLst>
   </p:cSld>
@@ -18709,7 +19253,338 @@
                                           </p:stCondLst>
                                         </p:cTn>
                                         <p:tgtEl>
-                                          <p:spTgt spid="6"/>
+                                          <p:spTgt spid="3">
+                                            <p:txEl>
+                                              <p:pRg st="0" end="0"/>
+                                            </p:txEl>
+                                          </p:spTgt>
+                                        </p:tgtEl>
+                                        <p:attrNameLst>
+                                          <p:attrName>style.visibility</p:attrName>
+                                        </p:attrNameLst>
+                                      </p:cBhvr>
+                                      <p:to>
+                                        <p:strVal val="visible"/>
+                                      </p:to>
+                                    </p:set>
+                                  </p:childTnLst>
+                                </p:cTn>
+                              </p:par>
+                              <p:par>
+                                <p:cTn id="7" presetID="26" presetClass="entr" presetSubtype="0" fill="hold" nodeType="withEffect">
+                                  <p:stCondLst>
+                                    <p:cond delay="0"/>
+                                  </p:stCondLst>
+                                  <p:childTnLst>
+                                    <p:set>
+                                      <p:cBhvr>
+                                        <p:cTn id="8" dur="1" fill="hold">
+                                          <p:stCondLst>
+                                            <p:cond delay="0"/>
+                                          </p:stCondLst>
+                                        </p:cTn>
+                                        <p:tgtEl>
+                                          <p:spTgt spid="9"/>
+                                        </p:tgtEl>
+                                        <p:attrNameLst>
+                                          <p:attrName>style.visibility</p:attrName>
+                                        </p:attrNameLst>
+                                      </p:cBhvr>
+                                      <p:to>
+                                        <p:strVal val="visible"/>
+                                      </p:to>
+                                    </p:set>
+                                    <p:animEffect transition="in" filter="wipe(down)">
+                                      <p:cBhvr>
+                                        <p:cTn id="9" dur="870">
+                                          <p:stCondLst>
+                                            <p:cond delay="0"/>
+                                          </p:stCondLst>
+                                        </p:cTn>
+                                        <p:tgtEl>
+                                          <p:spTgt spid="9"/>
+                                        </p:tgtEl>
+                                      </p:cBhvr>
+                                    </p:animEffect>
+                                    <p:anim calcmode="lin" valueType="num">
+                                      <p:cBhvr>
+                                        <p:cTn id="10" dur="2733" tmFilter="0,0; 0.14,0.36; 0.43,0.73; 0.71,0.91; 1.0,1.0">
+                                          <p:stCondLst>
+                                            <p:cond delay="0"/>
+                                          </p:stCondLst>
+                                        </p:cTn>
+                                        <p:tgtEl>
+                                          <p:spTgt spid="9"/>
+                                        </p:tgtEl>
+                                        <p:attrNameLst>
+                                          <p:attrName>ppt_x</p:attrName>
+                                        </p:attrNameLst>
+                                      </p:cBhvr>
+                                      <p:tavLst>
+                                        <p:tav tm="0">
+                                          <p:val>
+                                            <p:strVal val="#ppt_x-0.25"/>
+                                          </p:val>
+                                        </p:tav>
+                                        <p:tav tm="100000">
+                                          <p:val>
+                                            <p:strVal val="#ppt_x"/>
+                                          </p:val>
+                                        </p:tav>
+                                      </p:tavLst>
+                                    </p:anim>
+                                    <p:anim calcmode="lin" valueType="num">
+                                      <p:cBhvr>
+                                        <p:cTn id="11" dur="996" tmFilter="0.0,0.0; 0.25,0.07; 0.50,0.2; 0.75,0.467; 1.0,1.0">
+                                          <p:stCondLst>
+                                            <p:cond delay="0"/>
+                                          </p:stCondLst>
+                                        </p:cTn>
+                                        <p:tgtEl>
+                                          <p:spTgt spid="9"/>
+                                        </p:tgtEl>
+                                        <p:attrNameLst>
+                                          <p:attrName>ppt_y</p:attrName>
+                                        </p:attrNameLst>
+                                      </p:cBhvr>
+                                      <p:tavLst>
+                                        <p:tav tm="0" fmla="#ppt_y-sin(pi*$)/3">
+                                          <p:val>
+                                            <p:fltVal val="0.5"/>
+                                          </p:val>
+                                        </p:tav>
+                                        <p:tav tm="100000">
+                                          <p:val>
+                                            <p:fltVal val="1"/>
+                                          </p:val>
+                                        </p:tav>
+                                      </p:tavLst>
+                                    </p:anim>
+                                    <p:anim calcmode="lin" valueType="num">
+                                      <p:cBhvr>
+                                        <p:cTn id="12" dur="996" tmFilter="0, 0; 0.125,0.2665; 0.25,0.4; 0.375,0.465; 0.5,0.5;  0.625,0.535; 0.75,0.6; 0.875,0.7335; 1,1">
+                                          <p:stCondLst>
+                                            <p:cond delay="996"/>
+                                          </p:stCondLst>
+                                        </p:cTn>
+                                        <p:tgtEl>
+                                          <p:spTgt spid="9"/>
+                                        </p:tgtEl>
+                                        <p:attrNameLst>
+                                          <p:attrName>ppt_y</p:attrName>
+                                        </p:attrNameLst>
+                                      </p:cBhvr>
+                                      <p:tavLst>
+                                        <p:tav tm="0" fmla="#ppt_y-sin(pi*$)/9">
+                                          <p:val>
+                                            <p:fltVal val="0"/>
+                                          </p:val>
+                                        </p:tav>
+                                        <p:tav tm="100000">
+                                          <p:val>
+                                            <p:fltVal val="1"/>
+                                          </p:val>
+                                        </p:tav>
+                                      </p:tavLst>
+                                    </p:anim>
+                                    <p:anim calcmode="lin" valueType="num">
+                                      <p:cBhvr>
+                                        <p:cTn id="13" dur="498" tmFilter="0, 0; 0.125,0.2665; 0.25,0.4; 0.375,0.465; 0.5,0.5;  0.625,0.535; 0.75,0.6; 0.875,0.7335; 1,1">
+                                          <p:stCondLst>
+                                            <p:cond delay="1986"/>
+                                          </p:stCondLst>
+                                        </p:cTn>
+                                        <p:tgtEl>
+                                          <p:spTgt spid="9"/>
+                                        </p:tgtEl>
+                                        <p:attrNameLst>
+                                          <p:attrName>ppt_y</p:attrName>
+                                        </p:attrNameLst>
+                                      </p:cBhvr>
+                                      <p:tavLst>
+                                        <p:tav tm="0" fmla="#ppt_y-sin(pi*$)/27">
+                                          <p:val>
+                                            <p:fltVal val="0"/>
+                                          </p:val>
+                                        </p:tav>
+                                        <p:tav tm="100000">
+                                          <p:val>
+                                            <p:fltVal val="1"/>
+                                          </p:val>
+                                        </p:tav>
+                                      </p:tavLst>
+                                    </p:anim>
+                                    <p:anim calcmode="lin" valueType="num">
+                                      <p:cBhvr>
+                                        <p:cTn id="14" dur="246" tmFilter="0, 0; 0.125,0.2665; 0.25,0.4; 0.375,0.465; 0.5,0.5;  0.625,0.535; 0.75,0.6; 0.875,0.7335; 1,1">
+                                          <p:stCondLst>
+                                            <p:cond delay="2484"/>
+                                          </p:stCondLst>
+                                        </p:cTn>
+                                        <p:tgtEl>
+                                          <p:spTgt spid="9"/>
+                                        </p:tgtEl>
+                                        <p:attrNameLst>
+                                          <p:attrName>ppt_y</p:attrName>
+                                        </p:attrNameLst>
+                                      </p:cBhvr>
+                                      <p:tavLst>
+                                        <p:tav tm="0" fmla="#ppt_y-sin(pi*$)/81">
+                                          <p:val>
+                                            <p:fltVal val="0"/>
+                                          </p:val>
+                                        </p:tav>
+                                        <p:tav tm="100000">
+                                          <p:val>
+                                            <p:fltVal val="1"/>
+                                          </p:val>
+                                        </p:tav>
+                                      </p:tavLst>
+                                    </p:anim>
+                                    <p:animScale>
+                                      <p:cBhvr>
+                                        <p:cTn id="15" dur="39">
+                                          <p:stCondLst>
+                                            <p:cond delay="975"/>
+                                          </p:stCondLst>
+                                        </p:cTn>
+                                        <p:tgtEl>
+                                          <p:spTgt spid="9"/>
+                                        </p:tgtEl>
+                                      </p:cBhvr>
+                                      <p:to x="100000" y="60000"/>
+                                    </p:animScale>
+                                    <p:animScale>
+                                      <p:cBhvr>
+                                        <p:cTn id="16" dur="249" decel="50000">
+                                          <p:stCondLst>
+                                            <p:cond delay="1014"/>
+                                          </p:stCondLst>
+                                        </p:cTn>
+                                        <p:tgtEl>
+                                          <p:spTgt spid="9"/>
+                                        </p:tgtEl>
+                                      </p:cBhvr>
+                                      <p:to x="100000" y="100000"/>
+                                    </p:animScale>
+                                    <p:animScale>
+                                      <p:cBhvr>
+                                        <p:cTn id="17" dur="39">
+                                          <p:stCondLst>
+                                            <p:cond delay="1968"/>
+                                          </p:stCondLst>
+                                        </p:cTn>
+                                        <p:tgtEl>
+                                          <p:spTgt spid="9"/>
+                                        </p:tgtEl>
+                                      </p:cBhvr>
+                                      <p:to x="100000" y="80000"/>
+                                    </p:animScale>
+                                    <p:animScale>
+                                      <p:cBhvr>
+                                        <p:cTn id="18" dur="249" decel="50000">
+                                          <p:stCondLst>
+                                            <p:cond delay="2007"/>
+                                          </p:stCondLst>
+                                        </p:cTn>
+                                        <p:tgtEl>
+                                          <p:spTgt spid="9"/>
+                                        </p:tgtEl>
+                                      </p:cBhvr>
+                                      <p:to x="100000" y="100000"/>
+                                    </p:animScale>
+                                    <p:animScale>
+                                      <p:cBhvr>
+                                        <p:cTn id="19" dur="39">
+                                          <p:stCondLst>
+                                            <p:cond delay="2463"/>
+                                          </p:stCondLst>
+                                        </p:cTn>
+                                        <p:tgtEl>
+                                          <p:spTgt spid="9"/>
+                                        </p:tgtEl>
+                                      </p:cBhvr>
+                                      <p:to x="100000" y="90000"/>
+                                    </p:animScale>
+                                    <p:animScale>
+                                      <p:cBhvr>
+                                        <p:cTn id="20" dur="249" decel="50000">
+                                          <p:stCondLst>
+                                            <p:cond delay="2502"/>
+                                          </p:stCondLst>
+                                        </p:cTn>
+                                        <p:tgtEl>
+                                          <p:spTgt spid="9"/>
+                                        </p:tgtEl>
+                                      </p:cBhvr>
+                                      <p:to x="100000" y="100000"/>
+                                    </p:animScale>
+                                    <p:animScale>
+                                      <p:cBhvr>
+                                        <p:cTn id="21" dur="39">
+                                          <p:stCondLst>
+                                            <p:cond delay="2712"/>
+                                          </p:stCondLst>
+                                        </p:cTn>
+                                        <p:tgtEl>
+                                          <p:spTgt spid="9"/>
+                                        </p:tgtEl>
+                                      </p:cBhvr>
+                                      <p:to x="100000" y="95000"/>
+                                    </p:animScale>
+                                    <p:animScale>
+                                      <p:cBhvr>
+                                        <p:cTn id="22" dur="249" decel="50000">
+                                          <p:stCondLst>
+                                            <p:cond delay="2751"/>
+                                          </p:stCondLst>
+                                        </p:cTn>
+                                        <p:tgtEl>
+                                          <p:spTgt spid="9"/>
+                                        </p:tgtEl>
+                                      </p:cBhvr>
+                                      <p:to x="100000" y="100000"/>
+                                    </p:animScale>
+                                  </p:childTnLst>
+                                </p:cTn>
+                              </p:par>
+                            </p:childTnLst>
+                          </p:cTn>
+                        </p:par>
+                      </p:childTnLst>
+                    </p:cTn>
+                  </p:par>
+                  <p:par>
+                    <p:cTn id="23" fill="hold">
+                      <p:stCondLst>
+                        <p:cond delay="indefinite"/>
+                      </p:stCondLst>
+                      <p:childTnLst>
+                        <p:par>
+                          <p:cTn id="24" fill="hold">
+                            <p:stCondLst>
+                              <p:cond delay="0"/>
+                            </p:stCondLst>
+                            <p:childTnLst>
+                              <p:par>
+                                <p:cTn id="25" presetID="1" presetClass="entr" presetSubtype="0" fill="hold" grpId="0" nodeType="clickEffect">
+                                  <p:stCondLst>
+                                    <p:cond delay="0"/>
+                                  </p:stCondLst>
+                                  <p:childTnLst>
+                                    <p:set>
+                                      <p:cBhvr>
+                                        <p:cTn id="26" dur="1" fill="hold">
+                                          <p:stCondLst>
+                                            <p:cond delay="0"/>
+                                          </p:stCondLst>
+                                        </p:cTn>
+                                        <p:tgtEl>
+                                          <p:spTgt spid="3">
+                                            <p:txEl>
+                                              <p:pRg st="1" end="1"/>
+                                            </p:txEl>
+                                          </p:spTgt>
                                         </p:tgtEl>
                                         <p:attrNameLst>
                                           <p:attrName>style.visibility</p:attrName>
@@ -18729,32 +19604,326 @@
                     </p:cTn>
                   </p:par>
                   <p:par>
-                    <p:cTn id="7" fill="hold">
+                    <p:cTn id="27" fill="hold">
                       <p:stCondLst>
                         <p:cond delay="indefinite"/>
                       </p:stCondLst>
                       <p:childTnLst>
                         <p:par>
-                          <p:cTn id="8" fill="hold">
+                          <p:cTn id="28" fill="hold">
                             <p:stCondLst>
                               <p:cond delay="0"/>
                             </p:stCondLst>
                             <p:childTnLst>
                               <p:par>
-                                <p:cTn id="9" presetID="1" presetClass="entr" presetSubtype="0" fill="hold" grpId="0" nodeType="clickEffect">
+                                <p:cTn id="29" presetID="1" presetClass="entr" presetSubtype="0" fill="hold" grpId="0" nodeType="clickEffect">
                                   <p:stCondLst>
                                     <p:cond delay="0"/>
                                   </p:stCondLst>
                                   <p:childTnLst>
                                     <p:set>
                                       <p:cBhvr>
-                                        <p:cTn id="10" dur="1" fill="hold">
+                                        <p:cTn id="30" dur="1" fill="hold">
                                           <p:stCondLst>
                                             <p:cond delay="0"/>
                                           </p:stCondLst>
                                         </p:cTn>
                                         <p:tgtEl>
-                                          <p:spTgt spid="4"/>
+                                          <p:spTgt spid="3">
+                                            <p:txEl>
+                                              <p:pRg st="2" end="2"/>
+                                            </p:txEl>
+                                          </p:spTgt>
+                                        </p:tgtEl>
+                                        <p:attrNameLst>
+                                          <p:attrName>style.visibility</p:attrName>
+                                        </p:attrNameLst>
+                                      </p:cBhvr>
+                                      <p:to>
+                                        <p:strVal val="visible"/>
+                                      </p:to>
+                                    </p:set>
+                                  </p:childTnLst>
+                                </p:cTn>
+                              </p:par>
+                            </p:childTnLst>
+                          </p:cTn>
+                        </p:par>
+                      </p:childTnLst>
+                    </p:cTn>
+                  </p:par>
+                  <p:par>
+                    <p:cTn id="31" fill="hold">
+                      <p:stCondLst>
+                        <p:cond delay="indefinite"/>
+                      </p:stCondLst>
+                      <p:childTnLst>
+                        <p:par>
+                          <p:cTn id="32" fill="hold">
+                            <p:stCondLst>
+                              <p:cond delay="0"/>
+                            </p:stCondLst>
+                            <p:childTnLst>
+                              <p:par>
+                                <p:cTn id="33" presetID="1" presetClass="entr" presetSubtype="0" fill="hold" grpId="0" nodeType="clickEffect">
+                                  <p:stCondLst>
+                                    <p:cond delay="0"/>
+                                  </p:stCondLst>
+                                  <p:childTnLst>
+                                    <p:set>
+                                      <p:cBhvr>
+                                        <p:cTn id="34" dur="1" fill="hold">
+                                          <p:stCondLst>
+                                            <p:cond delay="0"/>
+                                          </p:stCondLst>
+                                        </p:cTn>
+                                        <p:tgtEl>
+                                          <p:spTgt spid="3">
+                                            <p:txEl>
+                                              <p:pRg st="3" end="3"/>
+                                            </p:txEl>
+                                          </p:spTgt>
+                                        </p:tgtEl>
+                                        <p:attrNameLst>
+                                          <p:attrName>style.visibility</p:attrName>
+                                        </p:attrNameLst>
+                                      </p:cBhvr>
+                                      <p:to>
+                                        <p:strVal val="visible"/>
+                                      </p:to>
+                                    </p:set>
+                                  </p:childTnLst>
+                                </p:cTn>
+                              </p:par>
+                            </p:childTnLst>
+                          </p:cTn>
+                        </p:par>
+                      </p:childTnLst>
+                    </p:cTn>
+                  </p:par>
+                  <p:par>
+                    <p:cTn id="35" fill="hold">
+                      <p:stCondLst>
+                        <p:cond delay="indefinite"/>
+                      </p:stCondLst>
+                      <p:childTnLst>
+                        <p:par>
+                          <p:cTn id="36" fill="hold">
+                            <p:stCondLst>
+                              <p:cond delay="0"/>
+                            </p:stCondLst>
+                            <p:childTnLst>
+                              <p:par>
+                                <p:cTn id="37" presetID="1" presetClass="entr" presetSubtype="0" fill="hold" grpId="0" nodeType="clickEffect">
+                                  <p:stCondLst>
+                                    <p:cond delay="0"/>
+                                  </p:stCondLst>
+                                  <p:childTnLst>
+                                    <p:set>
+                                      <p:cBhvr>
+                                        <p:cTn id="38" dur="1" fill="hold">
+                                          <p:stCondLst>
+                                            <p:cond delay="0"/>
+                                          </p:stCondLst>
+                                        </p:cTn>
+                                        <p:tgtEl>
+                                          <p:spTgt spid="3">
+                                            <p:txEl>
+                                              <p:pRg st="4" end="4"/>
+                                            </p:txEl>
+                                          </p:spTgt>
+                                        </p:tgtEl>
+                                        <p:attrNameLst>
+                                          <p:attrName>style.visibility</p:attrName>
+                                        </p:attrNameLst>
+                                      </p:cBhvr>
+                                      <p:to>
+                                        <p:strVal val="visible"/>
+                                      </p:to>
+                                    </p:set>
+                                  </p:childTnLst>
+                                </p:cTn>
+                              </p:par>
+                            </p:childTnLst>
+                          </p:cTn>
+                        </p:par>
+                      </p:childTnLst>
+                    </p:cTn>
+                  </p:par>
+                  <p:par>
+                    <p:cTn id="39" fill="hold">
+                      <p:stCondLst>
+                        <p:cond delay="indefinite"/>
+                      </p:stCondLst>
+                      <p:childTnLst>
+                        <p:par>
+                          <p:cTn id="40" fill="hold">
+                            <p:stCondLst>
+                              <p:cond delay="0"/>
+                            </p:stCondLst>
+                            <p:childTnLst>
+                              <p:par>
+                                <p:cTn id="41" presetID="1" presetClass="entr" presetSubtype="0" fill="hold" grpId="0" nodeType="clickEffect">
+                                  <p:stCondLst>
+                                    <p:cond delay="0"/>
+                                  </p:stCondLst>
+                                  <p:childTnLst>
+                                    <p:set>
+                                      <p:cBhvr>
+                                        <p:cTn id="42" dur="1" fill="hold">
+                                          <p:stCondLst>
+                                            <p:cond delay="0"/>
+                                          </p:stCondLst>
+                                        </p:cTn>
+                                        <p:tgtEl>
+                                          <p:spTgt spid="3">
+                                            <p:txEl>
+                                              <p:pRg st="5" end="5"/>
+                                            </p:txEl>
+                                          </p:spTgt>
+                                        </p:tgtEl>
+                                        <p:attrNameLst>
+                                          <p:attrName>style.visibility</p:attrName>
+                                        </p:attrNameLst>
+                                      </p:cBhvr>
+                                      <p:to>
+                                        <p:strVal val="visible"/>
+                                      </p:to>
+                                    </p:set>
+                                  </p:childTnLst>
+                                </p:cTn>
+                              </p:par>
+                            </p:childTnLst>
+                          </p:cTn>
+                        </p:par>
+                      </p:childTnLst>
+                    </p:cTn>
+                  </p:par>
+                  <p:par>
+                    <p:cTn id="43" fill="hold">
+                      <p:stCondLst>
+                        <p:cond delay="indefinite"/>
+                      </p:stCondLst>
+                      <p:childTnLst>
+                        <p:par>
+                          <p:cTn id="44" fill="hold">
+                            <p:stCondLst>
+                              <p:cond delay="0"/>
+                            </p:stCondLst>
+                            <p:childTnLst>
+                              <p:par>
+                                <p:cTn id="45" presetID="1" presetClass="entr" presetSubtype="0" fill="hold" grpId="0" nodeType="clickEffect">
+                                  <p:stCondLst>
+                                    <p:cond delay="0"/>
+                                  </p:stCondLst>
+                                  <p:childTnLst>
+                                    <p:set>
+                                      <p:cBhvr>
+                                        <p:cTn id="46" dur="1" fill="hold">
+                                          <p:stCondLst>
+                                            <p:cond delay="0"/>
+                                          </p:stCondLst>
+                                        </p:cTn>
+                                        <p:tgtEl>
+                                          <p:spTgt spid="5"/>
+                                        </p:tgtEl>
+                                        <p:attrNameLst>
+                                          <p:attrName>style.visibility</p:attrName>
+                                        </p:attrNameLst>
+                                      </p:cBhvr>
+                                      <p:to>
+                                        <p:strVal val="visible"/>
+                                      </p:to>
+                                    </p:set>
+                                  </p:childTnLst>
+                                </p:cTn>
+                              </p:par>
+                            </p:childTnLst>
+                          </p:cTn>
+                        </p:par>
+                      </p:childTnLst>
+                    </p:cTn>
+                  </p:par>
+                  <p:par>
+                    <p:cTn id="47" fill="hold">
+                      <p:stCondLst>
+                        <p:cond delay="indefinite"/>
+                      </p:stCondLst>
+                      <p:childTnLst>
+                        <p:par>
+                          <p:cTn id="48" fill="hold">
+                            <p:stCondLst>
+                              <p:cond delay="0"/>
+                            </p:stCondLst>
+                            <p:childTnLst>
+                              <p:par>
+                                <p:cTn id="49" presetID="1" presetClass="entr" presetSubtype="0" fill="hold" grpId="0" nodeType="clickEffect">
+                                  <p:stCondLst>
+                                    <p:cond delay="0"/>
+                                  </p:stCondLst>
+                                  <p:childTnLst>
+                                    <p:set>
+                                      <p:cBhvr>
+                                        <p:cTn id="50" dur="1" fill="hold">
+                                          <p:stCondLst>
+                                            <p:cond delay="0"/>
+                                          </p:stCondLst>
+                                        </p:cTn>
+                                        <p:tgtEl>
+                                          <p:spTgt spid="10">
+                                            <p:txEl>
+                                              <p:pRg st="0" end="0"/>
+                                            </p:txEl>
+                                          </p:spTgt>
+                                        </p:tgtEl>
+                                        <p:attrNameLst>
+                                          <p:attrName>style.visibility</p:attrName>
+                                        </p:attrNameLst>
+                                      </p:cBhvr>
+                                      <p:to>
+                                        <p:strVal val="visible"/>
+                                      </p:to>
+                                    </p:set>
+                                  </p:childTnLst>
+                                </p:cTn>
+                              </p:par>
+                            </p:childTnLst>
+                          </p:cTn>
+                        </p:par>
+                      </p:childTnLst>
+                    </p:cTn>
+                  </p:par>
+                  <p:par>
+                    <p:cTn id="51" fill="hold">
+                      <p:stCondLst>
+                        <p:cond delay="indefinite"/>
+                      </p:stCondLst>
+                      <p:childTnLst>
+                        <p:par>
+                          <p:cTn id="52" fill="hold">
+                            <p:stCondLst>
+                              <p:cond delay="0"/>
+                            </p:stCondLst>
+                            <p:childTnLst>
+                              <p:par>
+                                <p:cTn id="53" presetID="1" presetClass="entr" presetSubtype="0" fill="hold" grpId="0" nodeType="clickEffect">
+                                  <p:stCondLst>
+                                    <p:cond delay="0"/>
+                                  </p:stCondLst>
+                                  <p:childTnLst>
+                                    <p:set>
+                                      <p:cBhvr>
+                                        <p:cTn id="54" dur="1" fill="hold">
+                                          <p:stCondLst>
+                                            <p:cond delay="0"/>
+                                          </p:stCondLst>
+                                        </p:cTn>
+                                        <p:tgtEl>
+                                          <p:spTgt spid="10">
+                                            <p:txEl>
+                                              <p:pRg st="1" end="1"/>
+                                            </p:txEl>
+                                          </p:spTgt>
                                         </p:tgtEl>
                                         <p:attrNameLst>
                                           <p:attrName>style.visibility</p:attrName>
@@ -18795,252 +19964,11 @@
       </p:par>
     </p:tnLst>
     <p:bldLst>
-      <p:bldP spid="4" grpId="0"/>
-      <p:bldP spid="6" grpId="0"/>
+      <p:bldP spid="3" grpId="0" uiExpand="1" build="p"/>
+      <p:bldP spid="5" grpId="0"/>
+      <p:bldP spid="10" grpId="0" uiExpand="1" build="p"/>
     </p:bldLst>
   </p:timing>
-</p:sld>
-</file>
-
-<file path=ppt/slides/slide16.xml><?xml version="1.0" encoding="utf-8"?>
-<p:sld xmlns:a="http://schemas.openxmlformats.org/drawingml/2006/main" xmlns:r="http://schemas.openxmlformats.org/officeDocument/2006/relationships" xmlns:p="http://schemas.openxmlformats.org/presentationml/2006/main">
-  <p:cSld>
-    <p:spTree>
-      <p:nvGrpSpPr>
-        <p:cNvPr id="1" name=""/>
-        <p:cNvGrpSpPr/>
-        <p:nvPr/>
-      </p:nvGrpSpPr>
-      <p:grpSpPr>
-        <a:xfrm>
-          <a:off x="0" y="0"/>
-          <a:ext cx="0" cy="0"/>
-          <a:chOff x="0" y="0"/>
-          <a:chExt cx="0" cy="0"/>
-        </a:xfrm>
-      </p:grpSpPr>
-      <p:sp>
-        <p:nvSpPr>
-          <p:cNvPr id="2" name="Titel 1">
-            <a:extLst>
-              <a:ext uri="{FF2B5EF4-FFF2-40B4-BE49-F238E27FC236}">
-                <a16:creationId xmlns:a16="http://schemas.microsoft.com/office/drawing/2014/main" id="{DCB7630B-A75C-47E0-A61E-6AD6B01E0419}"/>
-              </a:ext>
-            </a:extLst>
-          </p:cNvPr>
-          <p:cNvSpPr>
-            <a:spLocks noGrp="1"/>
-          </p:cNvSpPr>
-          <p:nvPr>
-            <p:ph type="title"/>
-          </p:nvPr>
-        </p:nvSpPr>
-        <p:spPr/>
-        <p:txBody>
-          <a:bodyPr/>
-          <a:lstStyle/>
-          <a:p>
-            <a:r>
-              <a:rPr lang="de-DE" dirty="0"/>
-              <a:t>Ähnliche Programme</a:t>
-            </a:r>
-          </a:p>
-        </p:txBody>
-      </p:sp>
-      <p:sp>
-        <p:nvSpPr>
-          <p:cNvPr id="3" name="Inhaltsplatzhalter 2">
-            <a:extLst>
-              <a:ext uri="{FF2B5EF4-FFF2-40B4-BE49-F238E27FC236}">
-                <a16:creationId xmlns:a16="http://schemas.microsoft.com/office/drawing/2014/main" id="{D2002199-A639-4720-B112-0B95BB034DC1}"/>
-              </a:ext>
-            </a:extLst>
-          </p:cNvPr>
-          <p:cNvSpPr>
-            <a:spLocks noGrp="1"/>
-          </p:cNvSpPr>
-          <p:nvPr>
-            <p:ph idx="1"/>
-          </p:nvPr>
-        </p:nvSpPr>
-        <p:spPr/>
-        <p:txBody>
-          <a:bodyPr/>
-          <a:lstStyle/>
-          <a:p>
-            <a:endParaRPr lang="de-DE"/>
-          </a:p>
-        </p:txBody>
-      </p:sp>
-      <p:pic>
-        <p:nvPicPr>
-          <p:cNvPr id="4" name="Grafik 3">
-            <a:extLst>
-              <a:ext uri="{FF2B5EF4-FFF2-40B4-BE49-F238E27FC236}">
-                <a16:creationId xmlns:a16="http://schemas.microsoft.com/office/drawing/2014/main" id="{86745F15-5EC7-460E-A37D-7DCECC582EC3}"/>
-              </a:ext>
-            </a:extLst>
-          </p:cNvPr>
-          <p:cNvPicPr>
-            <a:picLocks noChangeAspect="1"/>
-          </p:cNvPicPr>
-          <p:nvPr/>
-        </p:nvPicPr>
-        <p:blipFill>
-          <a:blip r:embed="rId2">
-            <a:extLst>
-              <a:ext uri="{28A0092B-C50C-407E-A947-70E740481C1C}">
-                <a14:useLocalDpi xmlns:a14="http://schemas.microsoft.com/office/drawing/2010/main" val="0"/>
-              </a:ext>
-            </a:extLst>
-          </a:blip>
-          <a:stretch>
-            <a:fillRect/>
-          </a:stretch>
-        </p:blipFill>
-        <p:spPr>
-          <a:xfrm>
-            <a:off x="0" y="0"/>
-            <a:ext cx="713247" cy="755780"/>
-          </a:xfrm>
-          <a:prstGeom prst="rect">
-            <a:avLst/>
-          </a:prstGeom>
-        </p:spPr>
-      </p:pic>
-    </p:spTree>
-    <p:extLst>
-      <p:ext uri="{BB962C8B-B14F-4D97-AF65-F5344CB8AC3E}">
-        <p14:creationId xmlns:p14="http://schemas.microsoft.com/office/powerpoint/2010/main" val="1726604389"/>
-      </p:ext>
-    </p:extLst>
-  </p:cSld>
-  <p:clrMapOvr>
-    <a:masterClrMapping/>
-  </p:clrMapOvr>
-</p:sld>
-</file>
-
-<file path=ppt/slides/slide17.xml><?xml version="1.0" encoding="utf-8"?>
-<p:sld xmlns:a="http://schemas.openxmlformats.org/drawingml/2006/main" xmlns:r="http://schemas.openxmlformats.org/officeDocument/2006/relationships" xmlns:p="http://schemas.openxmlformats.org/presentationml/2006/main">
-  <p:cSld>
-    <p:spTree>
-      <p:nvGrpSpPr>
-        <p:cNvPr id="1" name=""/>
-        <p:cNvGrpSpPr/>
-        <p:nvPr/>
-      </p:nvGrpSpPr>
-      <p:grpSpPr>
-        <a:xfrm>
-          <a:off x="0" y="0"/>
-          <a:ext cx="0" cy="0"/>
-          <a:chOff x="0" y="0"/>
-          <a:chExt cx="0" cy="0"/>
-        </a:xfrm>
-      </p:grpSpPr>
-      <p:sp>
-        <p:nvSpPr>
-          <p:cNvPr id="2" name="Titel 1">
-            <a:extLst>
-              <a:ext uri="{FF2B5EF4-FFF2-40B4-BE49-F238E27FC236}">
-                <a16:creationId xmlns:a16="http://schemas.microsoft.com/office/drawing/2014/main" id="{FCF99D54-A6A8-4A4E-9ABD-BD132C99E004}"/>
-              </a:ext>
-            </a:extLst>
-          </p:cNvPr>
-          <p:cNvSpPr>
-            <a:spLocks noGrp="1"/>
-          </p:cNvSpPr>
-          <p:nvPr>
-            <p:ph type="title"/>
-          </p:nvPr>
-        </p:nvSpPr>
-        <p:spPr/>
-        <p:txBody>
-          <a:bodyPr/>
-          <a:lstStyle/>
-          <a:p>
-            <a:r>
-              <a:rPr lang="de-DE" dirty="0"/>
-              <a:t>Rainbow Table</a:t>
-            </a:r>
-          </a:p>
-        </p:txBody>
-      </p:sp>
-      <p:sp>
-        <p:nvSpPr>
-          <p:cNvPr id="3" name="Inhaltsplatzhalter 2">
-            <a:extLst>
-              <a:ext uri="{FF2B5EF4-FFF2-40B4-BE49-F238E27FC236}">
-                <a16:creationId xmlns:a16="http://schemas.microsoft.com/office/drawing/2014/main" id="{D6CC4D21-A595-4B14-B4F2-D00AAFD68047}"/>
-              </a:ext>
-            </a:extLst>
-          </p:cNvPr>
-          <p:cNvSpPr>
-            <a:spLocks noGrp="1"/>
-          </p:cNvSpPr>
-          <p:nvPr>
-            <p:ph idx="1"/>
-          </p:nvPr>
-        </p:nvSpPr>
-        <p:spPr/>
-        <p:txBody>
-          <a:bodyPr/>
-          <a:lstStyle/>
-          <a:p>
-            <a:r>
-              <a:rPr lang="de-DE" dirty="0" err="1"/>
-              <a:t>cowPatty</a:t>
-            </a:r>
-            <a:endParaRPr lang="de-DE" dirty="0"/>
-          </a:p>
-        </p:txBody>
-      </p:sp>
-      <p:pic>
-        <p:nvPicPr>
-          <p:cNvPr id="4" name="Grafik 3">
-            <a:extLst>
-              <a:ext uri="{FF2B5EF4-FFF2-40B4-BE49-F238E27FC236}">
-                <a16:creationId xmlns:a16="http://schemas.microsoft.com/office/drawing/2014/main" id="{870F7988-CE6F-45A9-BAB2-AA9576EFE4B2}"/>
-              </a:ext>
-            </a:extLst>
-          </p:cNvPr>
-          <p:cNvPicPr>
-            <a:picLocks noChangeAspect="1"/>
-          </p:cNvPicPr>
-          <p:nvPr/>
-        </p:nvPicPr>
-        <p:blipFill>
-          <a:blip r:embed="rId2">
-            <a:extLst>
-              <a:ext uri="{28A0092B-C50C-407E-A947-70E740481C1C}">
-                <a14:useLocalDpi xmlns:a14="http://schemas.microsoft.com/office/drawing/2010/main" val="0"/>
-              </a:ext>
-            </a:extLst>
-          </a:blip>
-          <a:stretch>
-            <a:fillRect/>
-          </a:stretch>
-        </p:blipFill>
-        <p:spPr>
-          <a:xfrm>
-            <a:off x="0" y="0"/>
-            <a:ext cx="713247" cy="755780"/>
-          </a:xfrm>
-          <a:prstGeom prst="rect">
-            <a:avLst/>
-          </a:prstGeom>
-        </p:spPr>
-      </p:pic>
-    </p:spTree>
-    <p:extLst>
-      <p:ext uri="{BB962C8B-B14F-4D97-AF65-F5344CB8AC3E}">
-        <p14:creationId xmlns:p14="http://schemas.microsoft.com/office/powerpoint/2010/main" val="488160545"/>
-      </p:ext>
-    </p:extLst>
-  </p:cSld>
-  <p:clrMapOvr>
-    <a:masterClrMapping/>
-  </p:clrMapOvr>
 </p:sld>
 </file>
 
@@ -19199,7 +20127,7 @@
           <a:p>
             <a:r>
               <a:rPr lang="de-DE" dirty="0"/>
-              <a:t>Distributed John </a:t>
+              <a:t>Distributed John und MPI </a:t>
             </a:r>
           </a:p>
           <a:p>
@@ -19216,10 +20144,10 @@
       </p:sp>
       <p:pic>
         <p:nvPicPr>
-          <p:cNvPr id="5" name="Grafik 4">
+          <p:cNvPr id="6" name="Grafik 5">
             <a:extLst>
               <a:ext uri="{FF2B5EF4-FFF2-40B4-BE49-F238E27FC236}">
-                <a16:creationId xmlns:a16="http://schemas.microsoft.com/office/drawing/2014/main" id="{BD7F8BCD-68D8-42C5-8D69-CFB162C25C5B}"/>
+                <a16:creationId xmlns:a16="http://schemas.microsoft.com/office/drawing/2014/main" id="{F900580F-12FB-43A7-BEB8-7C3D013022AD}"/>
               </a:ext>
             </a:extLst>
           </p:cNvPr>
@@ -19242,8 +20170,8 @@
         </p:blipFill>
         <p:spPr>
           <a:xfrm>
-            <a:off x="0" y="0"/>
-            <a:ext cx="713247" cy="755780"/>
+            <a:off x="-71885" y="0"/>
+            <a:ext cx="808109" cy="857839"/>
           </a:xfrm>
           <a:prstGeom prst="rect">
             <a:avLst/>
@@ -19360,15 +20288,33 @@
                                   </p:childTnLst>
                                 </p:cTn>
                               </p:par>
+                            </p:childTnLst>
+                          </p:cTn>
+                        </p:par>
+                      </p:childTnLst>
+                    </p:cTn>
+                  </p:par>
+                  <p:par>
+                    <p:cTn id="11" fill="hold">
+                      <p:stCondLst>
+                        <p:cond delay="indefinite"/>
+                      </p:stCondLst>
+                      <p:childTnLst>
+                        <p:par>
+                          <p:cTn id="12" fill="hold">
+                            <p:stCondLst>
+                              <p:cond delay="0"/>
+                            </p:stCondLst>
+                            <p:childTnLst>
                               <p:par>
-                                <p:cTn id="11" presetID="1" presetClass="entr" presetSubtype="0" fill="hold" grpId="0" nodeType="withEffect">
+                                <p:cTn id="13" presetID="1" presetClass="entr" presetSubtype="0" fill="hold" grpId="0" nodeType="clickEffect">
                                   <p:stCondLst>
                                     <p:cond delay="0"/>
                                   </p:stCondLst>
                                   <p:childTnLst>
                                     <p:set>
                                       <p:cBhvr>
-                                        <p:cTn id="12" dur="1" fill="hold">
+                                        <p:cTn id="14" dur="1" fill="hold">
                                           <p:stCondLst>
                                             <p:cond delay="0"/>
                                           </p:stCondLst>
@@ -19398,50 +20344,19 @@
                     </p:cTn>
                   </p:par>
                   <p:par>
-                    <p:cTn id="13" fill="hold">
+                    <p:cTn id="15" fill="hold">
                       <p:stCondLst>
                         <p:cond delay="indefinite"/>
                       </p:stCondLst>
                       <p:childTnLst>
                         <p:par>
-                          <p:cTn id="14" fill="hold">
+                          <p:cTn id="16" fill="hold">
                             <p:stCondLst>
                               <p:cond delay="0"/>
                             </p:stCondLst>
                             <p:childTnLst>
                               <p:par>
-                                <p:cTn id="15" presetID="1" presetClass="entr" presetSubtype="0" fill="hold" grpId="0" nodeType="clickEffect">
-                                  <p:stCondLst>
-                                    <p:cond delay="0"/>
-                                  </p:stCondLst>
-                                  <p:childTnLst>
-                                    <p:set>
-                                      <p:cBhvr>
-                                        <p:cTn id="16" dur="1" fill="hold">
-                                          <p:stCondLst>
-                                            <p:cond delay="0"/>
-                                          </p:stCondLst>
-                                        </p:cTn>
-                                        <p:tgtEl>
-                                          <p:spTgt spid="3">
-                                            <p:txEl>
-                                              <p:pRg st="3" end="3"/>
-                                            </p:txEl>
-                                          </p:spTgt>
-                                        </p:tgtEl>
-                                        <p:attrNameLst>
-                                          <p:attrName>style.visibility</p:attrName>
-                                        </p:attrNameLst>
-                                      </p:cBhvr>
-                                      <p:to>
-                                        <p:strVal val="visible"/>
-                                      </p:to>
-                                    </p:set>
-                                  </p:childTnLst>
-                                </p:cTn>
-                              </p:par>
-                              <p:par>
-                                <p:cTn id="17" presetID="1" presetClass="entr" presetSubtype="0" fill="hold" grpId="0" nodeType="withEffect">
+                                <p:cTn id="17" presetID="1" presetClass="entr" presetSubtype="0" fill="hold" grpId="0" nodeType="clickEffect">
                                   <p:stCondLst>
                                     <p:cond delay="0"/>
                                   </p:stCondLst>
@@ -19456,7 +20371,7 @@
                                         <p:tgtEl>
                                           <p:spTgt spid="3">
                                             <p:txEl>
-                                              <p:pRg st="4" end="4"/>
+                                              <p:pRg st="3" end="3"/>
                                             </p:txEl>
                                           </p:spTgt>
                                         </p:tgtEl>
@@ -19505,6 +20420,55 @@
                                         <p:tgtEl>
                                           <p:spTgt spid="3">
                                             <p:txEl>
+                                              <p:pRg st="4" end="4"/>
+                                            </p:txEl>
+                                          </p:spTgt>
+                                        </p:tgtEl>
+                                        <p:attrNameLst>
+                                          <p:attrName>style.visibility</p:attrName>
+                                        </p:attrNameLst>
+                                      </p:cBhvr>
+                                      <p:to>
+                                        <p:strVal val="visible"/>
+                                      </p:to>
+                                    </p:set>
+                                  </p:childTnLst>
+                                </p:cTn>
+                              </p:par>
+                            </p:childTnLst>
+                          </p:cTn>
+                        </p:par>
+                      </p:childTnLst>
+                    </p:cTn>
+                  </p:par>
+                  <p:par>
+                    <p:cTn id="23" fill="hold">
+                      <p:stCondLst>
+                        <p:cond delay="indefinite"/>
+                      </p:stCondLst>
+                      <p:childTnLst>
+                        <p:par>
+                          <p:cTn id="24" fill="hold">
+                            <p:stCondLst>
+                              <p:cond delay="0"/>
+                            </p:stCondLst>
+                            <p:childTnLst>
+                              <p:par>
+                                <p:cTn id="25" presetID="1" presetClass="entr" presetSubtype="0" fill="hold" grpId="0" nodeType="clickEffect">
+                                  <p:stCondLst>
+                                    <p:cond delay="0"/>
+                                  </p:stCondLst>
+                                  <p:childTnLst>
+                                    <p:set>
+                                      <p:cBhvr>
+                                        <p:cTn id="26" dur="1" fill="hold">
+                                          <p:stCondLst>
+                                            <p:cond delay="0"/>
+                                          </p:stCondLst>
+                                        </p:cTn>
+                                        <p:tgtEl>
+                                          <p:spTgt spid="3">
+                                            <p:txEl>
                                               <p:pRg st="5" end="5"/>
                                             </p:txEl>
                                           </p:spTgt>
@@ -19520,15 +20484,33 @@
                                   </p:childTnLst>
                                 </p:cTn>
                               </p:par>
+                            </p:childTnLst>
+                          </p:cTn>
+                        </p:par>
+                      </p:childTnLst>
+                    </p:cTn>
+                  </p:par>
+                  <p:par>
+                    <p:cTn id="27" fill="hold">
+                      <p:stCondLst>
+                        <p:cond delay="indefinite"/>
+                      </p:stCondLst>
+                      <p:childTnLst>
+                        <p:par>
+                          <p:cTn id="28" fill="hold">
+                            <p:stCondLst>
+                              <p:cond delay="0"/>
+                            </p:stCondLst>
+                            <p:childTnLst>
                               <p:par>
-                                <p:cTn id="23" presetID="1" presetClass="entr" presetSubtype="0" fill="hold" grpId="0" nodeType="withEffect">
+                                <p:cTn id="29" presetID="1" presetClass="entr" presetSubtype="0" fill="hold" grpId="0" nodeType="clickEffect">
                                   <p:stCondLst>
                                     <p:cond delay="0"/>
                                   </p:stCondLst>
                                   <p:childTnLst>
                                     <p:set>
                                       <p:cBhvr>
-                                        <p:cTn id="24" dur="1" fill="hold">
+                                        <p:cTn id="30" dur="1" fill="hold">
                                           <p:stCondLst>
                                             <p:cond delay="0"/>
                                           </p:stCondLst>
@@ -19551,15 +20533,33 @@
                                   </p:childTnLst>
                                 </p:cTn>
                               </p:par>
+                            </p:childTnLst>
+                          </p:cTn>
+                        </p:par>
+                      </p:childTnLst>
+                    </p:cTn>
+                  </p:par>
+                  <p:par>
+                    <p:cTn id="31" fill="hold">
+                      <p:stCondLst>
+                        <p:cond delay="indefinite"/>
+                      </p:stCondLst>
+                      <p:childTnLst>
+                        <p:par>
+                          <p:cTn id="32" fill="hold">
+                            <p:stCondLst>
+                              <p:cond delay="0"/>
+                            </p:stCondLst>
+                            <p:childTnLst>
                               <p:par>
-                                <p:cTn id="25" presetID="1" presetClass="entr" presetSubtype="0" fill="hold" grpId="0" nodeType="withEffect">
+                                <p:cTn id="33" presetID="1" presetClass="entr" presetSubtype="0" fill="hold" grpId="0" nodeType="clickEffect">
                                   <p:stCondLst>
                                     <p:cond delay="0"/>
                                   </p:stCondLst>
                                   <p:childTnLst>
                                     <p:set>
                                       <p:cBhvr>
-                                        <p:cTn id="26" dur="1" fill="hold">
+                                        <p:cTn id="34" dur="1" fill="hold">
                                           <p:stCondLst>
                                             <p:cond delay="0"/>
                                           </p:stCondLst>
@@ -19582,15 +20582,33 @@
                                   </p:childTnLst>
                                 </p:cTn>
                               </p:par>
+                            </p:childTnLst>
+                          </p:cTn>
+                        </p:par>
+                      </p:childTnLst>
+                    </p:cTn>
+                  </p:par>
+                  <p:par>
+                    <p:cTn id="35" fill="hold">
+                      <p:stCondLst>
+                        <p:cond delay="indefinite"/>
+                      </p:stCondLst>
+                      <p:childTnLst>
+                        <p:par>
+                          <p:cTn id="36" fill="hold">
+                            <p:stCondLst>
+                              <p:cond delay="0"/>
+                            </p:stCondLst>
+                            <p:childTnLst>
                               <p:par>
-                                <p:cTn id="27" presetID="1" presetClass="entr" presetSubtype="0" fill="hold" grpId="0" nodeType="withEffect">
+                                <p:cTn id="37" presetID="1" presetClass="entr" presetSubtype="0" fill="hold" grpId="0" nodeType="clickEffect">
                                   <p:stCondLst>
                                     <p:cond delay="0"/>
                                   </p:stCondLst>
                                   <p:childTnLst>
                                     <p:set>
                                       <p:cBhvr>
-                                        <p:cTn id="28" dur="1" fill="hold">
+                                        <p:cTn id="38" dur="1" fill="hold">
                                           <p:stCondLst>
                                             <p:cond delay="0"/>
                                           </p:stCondLst>
@@ -19620,26 +20638,26 @@
                     </p:cTn>
                   </p:par>
                   <p:par>
-                    <p:cTn id="29" fill="hold">
+                    <p:cTn id="39" fill="hold">
                       <p:stCondLst>
                         <p:cond delay="indefinite"/>
                       </p:stCondLst>
                       <p:childTnLst>
                         <p:par>
-                          <p:cTn id="30" fill="hold">
+                          <p:cTn id="40" fill="hold">
                             <p:stCondLst>
                               <p:cond delay="0"/>
                             </p:stCondLst>
                             <p:childTnLst>
                               <p:par>
-                                <p:cTn id="31" presetID="1" presetClass="entr" presetSubtype="0" fill="hold" grpId="0" nodeType="clickEffect">
+                                <p:cTn id="41" presetID="1" presetClass="entr" presetSubtype="0" fill="hold" grpId="0" nodeType="clickEffect">
                                   <p:stCondLst>
                                     <p:cond delay="0"/>
                                   </p:stCondLst>
                                   <p:childTnLst>
                                     <p:set>
                                       <p:cBhvr>
-                                        <p:cTn id="32" dur="1" fill="hold">
+                                        <p:cTn id="42" dur="1" fill="hold">
                                           <p:stCondLst>
                                             <p:cond delay="0"/>
                                           </p:stCondLst>
@@ -19669,26 +20687,26 @@
                     </p:cTn>
                   </p:par>
                   <p:par>
-                    <p:cTn id="33" fill="hold">
+                    <p:cTn id="43" fill="hold">
                       <p:stCondLst>
                         <p:cond delay="indefinite"/>
                       </p:stCondLst>
                       <p:childTnLst>
                         <p:par>
-                          <p:cTn id="34" fill="hold">
+                          <p:cTn id="44" fill="hold">
                             <p:stCondLst>
                               <p:cond delay="0"/>
                             </p:stCondLst>
                             <p:childTnLst>
                               <p:par>
-                                <p:cTn id="35" presetID="1" presetClass="entr" presetSubtype="0" fill="hold" grpId="0" nodeType="clickEffect">
+                                <p:cTn id="45" presetID="1" presetClass="entr" presetSubtype="0" fill="hold" grpId="0" nodeType="clickEffect">
                                   <p:stCondLst>
                                     <p:cond delay="0"/>
                                   </p:stCondLst>
                                   <p:childTnLst>
                                     <p:set>
                                       <p:cBhvr>
-                                        <p:cTn id="36" dur="1" fill="hold">
+                                        <p:cTn id="46" dur="1" fill="hold">
                                           <p:stCondLst>
                                             <p:cond delay="0"/>
                                           </p:stCondLst>
@@ -19739,7 +20757,7 @@
       </p:par>
     </p:tnLst>
     <p:bldLst>
-      <p:bldP spid="3" grpId="0" build="p"/>
+      <p:bldP spid="3" grpId="0" uiExpand="1" build="p"/>
     </p:bldLst>
   </p:timing>
 </p:sld>
@@ -21759,10 +22777,10 @@
       </p:sp>
       <p:pic>
         <p:nvPicPr>
-          <p:cNvPr id="34" name="Grafik 33">
+          <p:cNvPr id="36" name="Grafik 35">
             <a:extLst>
               <a:ext uri="{FF2B5EF4-FFF2-40B4-BE49-F238E27FC236}">
-                <a16:creationId xmlns:a16="http://schemas.microsoft.com/office/drawing/2014/main" id="{F9A77987-3C8A-45C1-86CF-28526CCEF823}"/>
+                <a16:creationId xmlns:a16="http://schemas.microsoft.com/office/drawing/2014/main" id="{2B0ACF78-46FE-4E63-91B5-3526A06F93B9}"/>
               </a:ext>
             </a:extLst>
           </p:cNvPr>
@@ -21785,8 +22803,8 @@
         </p:blipFill>
         <p:spPr>
           <a:xfrm>
-            <a:off x="0" y="0"/>
-            <a:ext cx="713247" cy="755780"/>
+            <a:off x="-71885" y="0"/>
+            <a:ext cx="808109" cy="857839"/>
           </a:xfrm>
           <a:prstGeom prst="rect">
             <a:avLst/>
@@ -23514,10 +24532,10 @@
       </p:sp>
       <p:pic>
         <p:nvPicPr>
-          <p:cNvPr id="5" name="Grafik 4">
+          <p:cNvPr id="6" name="Grafik 5">
             <a:extLst>
               <a:ext uri="{FF2B5EF4-FFF2-40B4-BE49-F238E27FC236}">
-                <a16:creationId xmlns:a16="http://schemas.microsoft.com/office/drawing/2014/main" id="{719EAE8F-8349-4540-B8A3-0049BAA29981}"/>
+                <a16:creationId xmlns:a16="http://schemas.microsoft.com/office/drawing/2014/main" id="{3EC3488A-34AE-4AAD-BFDF-090D5B5698F0}"/>
               </a:ext>
             </a:extLst>
           </p:cNvPr>
@@ -23540,8 +24558,8 @@
         </p:blipFill>
         <p:spPr>
           <a:xfrm>
-            <a:off x="0" y="0"/>
-            <a:ext cx="713247" cy="755780"/>
+            <a:off x="-71885" y="0"/>
+            <a:ext cx="808109" cy="857839"/>
           </a:xfrm>
           <a:prstGeom prst="rect">
             <a:avLst/>
@@ -24448,10 +25466,10 @@
       </p:sp>
       <p:pic>
         <p:nvPicPr>
-          <p:cNvPr id="5" name="Grafik 4">
+          <p:cNvPr id="6" name="Grafik 5">
             <a:extLst>
               <a:ext uri="{FF2B5EF4-FFF2-40B4-BE49-F238E27FC236}">
-                <a16:creationId xmlns:a16="http://schemas.microsoft.com/office/drawing/2014/main" id="{FBE93C77-C952-4441-A3A1-C28BFE645185}"/>
+                <a16:creationId xmlns:a16="http://schemas.microsoft.com/office/drawing/2014/main" id="{EBBE6A09-1369-4CDA-82C2-49768E839C34}"/>
               </a:ext>
             </a:extLst>
           </p:cNvPr>
@@ -24474,8 +25492,8 @@
         </p:blipFill>
         <p:spPr>
           <a:xfrm>
-            <a:off x="0" y="0"/>
-            <a:ext cx="713247" cy="755780"/>
+            <a:off x="-71885" y="0"/>
+            <a:ext cx="808109" cy="857839"/>
           </a:xfrm>
           <a:prstGeom prst="rect">
             <a:avLst/>
@@ -25516,13 +26534,16 @@
           <a:p>
             <a:r>
               <a:rPr lang="de-DE" dirty="0"/>
-              <a:t>Gutes </a:t>
+              <a:t>Gutes „</a:t>
             </a:r>
             <a:r>
               <a:rPr lang="de-DE" dirty="0" err="1"/>
               <a:t>Passwortrecoverytool</a:t>
             </a:r>
-            <a:endParaRPr lang="de-DE" dirty="0"/>
+            <a:r>
+              <a:rPr lang="de-DE" dirty="0"/>
+              <a:t>“</a:t>
+            </a:r>
           </a:p>
           <a:p>
             <a:pPr lvl="1"/>
@@ -25570,10 +26591,10 @@
       </p:sp>
       <p:pic>
         <p:nvPicPr>
-          <p:cNvPr id="5" name="Grafik 4">
+          <p:cNvPr id="6" name="Grafik 5">
             <a:extLst>
               <a:ext uri="{FF2B5EF4-FFF2-40B4-BE49-F238E27FC236}">
-                <a16:creationId xmlns:a16="http://schemas.microsoft.com/office/drawing/2014/main" id="{D9D1310D-2480-4571-A35C-F0580324A083}"/>
+                <a16:creationId xmlns:a16="http://schemas.microsoft.com/office/drawing/2014/main" id="{6CBF6535-239D-450C-91F0-8158091D9AD0}"/>
               </a:ext>
             </a:extLst>
           </p:cNvPr>
@@ -25596,8 +26617,8 @@
         </p:blipFill>
         <p:spPr>
           <a:xfrm>
-            <a:off x="0" y="0"/>
-            <a:ext cx="713247" cy="755780"/>
+            <a:off x="-71885" y="0"/>
+            <a:ext cx="808109" cy="857839"/>
           </a:xfrm>
           <a:prstGeom prst="rect">
             <a:avLst/>
@@ -25614,6 +26635,431 @@
   <p:clrMapOvr>
     <a:masterClrMapping/>
   </p:clrMapOvr>
+  <p:timing>
+    <p:tnLst>
+      <p:par>
+        <p:cTn id="1" dur="indefinite" restart="never" nodeType="tmRoot">
+          <p:childTnLst>
+            <p:seq concurrent="1" nextAc="seek">
+              <p:cTn id="2" dur="indefinite" nodeType="mainSeq">
+                <p:childTnLst>
+                  <p:par>
+                    <p:cTn id="3" fill="hold">
+                      <p:stCondLst>
+                        <p:cond delay="indefinite"/>
+                      </p:stCondLst>
+                      <p:childTnLst>
+                        <p:par>
+                          <p:cTn id="4" fill="hold">
+                            <p:stCondLst>
+                              <p:cond delay="0"/>
+                            </p:stCondLst>
+                            <p:childTnLst>
+                              <p:par>
+                                <p:cTn id="5" presetID="1" presetClass="entr" presetSubtype="0" fill="hold" grpId="0" nodeType="clickEffect">
+                                  <p:stCondLst>
+                                    <p:cond delay="0"/>
+                                  </p:stCondLst>
+                                  <p:childTnLst>
+                                    <p:set>
+                                      <p:cBhvr>
+                                        <p:cTn id="6" dur="1" fill="hold">
+                                          <p:stCondLst>
+                                            <p:cond delay="0"/>
+                                          </p:stCondLst>
+                                        </p:cTn>
+                                        <p:tgtEl>
+                                          <p:spTgt spid="3">
+                                            <p:txEl>
+                                              <p:pRg st="0" end="0"/>
+                                            </p:txEl>
+                                          </p:spTgt>
+                                        </p:tgtEl>
+                                        <p:attrNameLst>
+                                          <p:attrName>style.visibility</p:attrName>
+                                        </p:attrNameLst>
+                                      </p:cBhvr>
+                                      <p:to>
+                                        <p:strVal val="visible"/>
+                                      </p:to>
+                                    </p:set>
+                                  </p:childTnLst>
+                                </p:cTn>
+                              </p:par>
+                            </p:childTnLst>
+                          </p:cTn>
+                        </p:par>
+                      </p:childTnLst>
+                    </p:cTn>
+                  </p:par>
+                  <p:par>
+                    <p:cTn id="7" fill="hold">
+                      <p:stCondLst>
+                        <p:cond delay="indefinite"/>
+                      </p:stCondLst>
+                      <p:childTnLst>
+                        <p:par>
+                          <p:cTn id="8" fill="hold">
+                            <p:stCondLst>
+                              <p:cond delay="0"/>
+                            </p:stCondLst>
+                            <p:childTnLst>
+                              <p:par>
+                                <p:cTn id="9" presetID="1" presetClass="entr" presetSubtype="0" fill="hold" grpId="0" nodeType="clickEffect">
+                                  <p:stCondLst>
+                                    <p:cond delay="0"/>
+                                  </p:stCondLst>
+                                  <p:childTnLst>
+                                    <p:set>
+                                      <p:cBhvr>
+                                        <p:cTn id="10" dur="1" fill="hold">
+                                          <p:stCondLst>
+                                            <p:cond delay="0"/>
+                                          </p:stCondLst>
+                                        </p:cTn>
+                                        <p:tgtEl>
+                                          <p:spTgt spid="3">
+                                            <p:txEl>
+                                              <p:pRg st="1" end="1"/>
+                                            </p:txEl>
+                                          </p:spTgt>
+                                        </p:tgtEl>
+                                        <p:attrNameLst>
+                                          <p:attrName>style.visibility</p:attrName>
+                                        </p:attrNameLst>
+                                      </p:cBhvr>
+                                      <p:to>
+                                        <p:strVal val="visible"/>
+                                      </p:to>
+                                    </p:set>
+                                  </p:childTnLst>
+                                </p:cTn>
+                              </p:par>
+                            </p:childTnLst>
+                          </p:cTn>
+                        </p:par>
+                      </p:childTnLst>
+                    </p:cTn>
+                  </p:par>
+                  <p:par>
+                    <p:cTn id="11" fill="hold">
+                      <p:stCondLst>
+                        <p:cond delay="indefinite"/>
+                      </p:stCondLst>
+                      <p:childTnLst>
+                        <p:par>
+                          <p:cTn id="12" fill="hold">
+                            <p:stCondLst>
+                              <p:cond delay="0"/>
+                            </p:stCondLst>
+                            <p:childTnLst>
+                              <p:par>
+                                <p:cTn id="13" presetID="1" presetClass="entr" presetSubtype="0" fill="hold" grpId="0" nodeType="clickEffect">
+                                  <p:stCondLst>
+                                    <p:cond delay="0"/>
+                                  </p:stCondLst>
+                                  <p:childTnLst>
+                                    <p:set>
+                                      <p:cBhvr>
+                                        <p:cTn id="14" dur="1" fill="hold">
+                                          <p:stCondLst>
+                                            <p:cond delay="0"/>
+                                          </p:stCondLst>
+                                        </p:cTn>
+                                        <p:tgtEl>
+                                          <p:spTgt spid="3">
+                                            <p:txEl>
+                                              <p:pRg st="2" end="2"/>
+                                            </p:txEl>
+                                          </p:spTgt>
+                                        </p:tgtEl>
+                                        <p:attrNameLst>
+                                          <p:attrName>style.visibility</p:attrName>
+                                        </p:attrNameLst>
+                                      </p:cBhvr>
+                                      <p:to>
+                                        <p:strVal val="visible"/>
+                                      </p:to>
+                                    </p:set>
+                                  </p:childTnLst>
+                                </p:cTn>
+                              </p:par>
+                            </p:childTnLst>
+                          </p:cTn>
+                        </p:par>
+                      </p:childTnLst>
+                    </p:cTn>
+                  </p:par>
+                  <p:par>
+                    <p:cTn id="15" fill="hold">
+                      <p:stCondLst>
+                        <p:cond delay="indefinite"/>
+                      </p:stCondLst>
+                      <p:childTnLst>
+                        <p:par>
+                          <p:cTn id="16" fill="hold">
+                            <p:stCondLst>
+                              <p:cond delay="0"/>
+                            </p:stCondLst>
+                            <p:childTnLst>
+                              <p:par>
+                                <p:cTn id="17" presetID="1" presetClass="entr" presetSubtype="0" fill="hold" grpId="0" nodeType="clickEffect">
+                                  <p:stCondLst>
+                                    <p:cond delay="0"/>
+                                  </p:stCondLst>
+                                  <p:childTnLst>
+                                    <p:set>
+                                      <p:cBhvr>
+                                        <p:cTn id="18" dur="1" fill="hold">
+                                          <p:stCondLst>
+                                            <p:cond delay="0"/>
+                                          </p:stCondLst>
+                                        </p:cTn>
+                                        <p:tgtEl>
+                                          <p:spTgt spid="3">
+                                            <p:txEl>
+                                              <p:pRg st="3" end="3"/>
+                                            </p:txEl>
+                                          </p:spTgt>
+                                        </p:tgtEl>
+                                        <p:attrNameLst>
+                                          <p:attrName>style.visibility</p:attrName>
+                                        </p:attrNameLst>
+                                      </p:cBhvr>
+                                      <p:to>
+                                        <p:strVal val="visible"/>
+                                      </p:to>
+                                    </p:set>
+                                  </p:childTnLst>
+                                </p:cTn>
+                              </p:par>
+                            </p:childTnLst>
+                          </p:cTn>
+                        </p:par>
+                      </p:childTnLst>
+                    </p:cTn>
+                  </p:par>
+                  <p:par>
+                    <p:cTn id="19" fill="hold">
+                      <p:stCondLst>
+                        <p:cond delay="indefinite"/>
+                      </p:stCondLst>
+                      <p:childTnLst>
+                        <p:par>
+                          <p:cTn id="20" fill="hold">
+                            <p:stCondLst>
+                              <p:cond delay="0"/>
+                            </p:stCondLst>
+                            <p:childTnLst>
+                              <p:par>
+                                <p:cTn id="21" presetID="1" presetClass="entr" presetSubtype="0" fill="hold" grpId="0" nodeType="clickEffect">
+                                  <p:stCondLst>
+                                    <p:cond delay="0"/>
+                                  </p:stCondLst>
+                                  <p:childTnLst>
+                                    <p:set>
+                                      <p:cBhvr>
+                                        <p:cTn id="22" dur="1" fill="hold">
+                                          <p:stCondLst>
+                                            <p:cond delay="0"/>
+                                          </p:stCondLst>
+                                        </p:cTn>
+                                        <p:tgtEl>
+                                          <p:spTgt spid="3">
+                                            <p:txEl>
+                                              <p:pRg st="4" end="4"/>
+                                            </p:txEl>
+                                          </p:spTgt>
+                                        </p:tgtEl>
+                                        <p:attrNameLst>
+                                          <p:attrName>style.visibility</p:attrName>
+                                        </p:attrNameLst>
+                                      </p:cBhvr>
+                                      <p:to>
+                                        <p:strVal val="visible"/>
+                                      </p:to>
+                                    </p:set>
+                                  </p:childTnLst>
+                                </p:cTn>
+                              </p:par>
+                            </p:childTnLst>
+                          </p:cTn>
+                        </p:par>
+                      </p:childTnLst>
+                    </p:cTn>
+                  </p:par>
+                  <p:par>
+                    <p:cTn id="23" fill="hold">
+                      <p:stCondLst>
+                        <p:cond delay="indefinite"/>
+                      </p:stCondLst>
+                      <p:childTnLst>
+                        <p:par>
+                          <p:cTn id="24" fill="hold">
+                            <p:stCondLst>
+                              <p:cond delay="0"/>
+                            </p:stCondLst>
+                            <p:childTnLst>
+                              <p:par>
+                                <p:cTn id="25" presetID="1" presetClass="entr" presetSubtype="0" fill="hold" grpId="0" nodeType="clickEffect">
+                                  <p:stCondLst>
+                                    <p:cond delay="0"/>
+                                  </p:stCondLst>
+                                  <p:childTnLst>
+                                    <p:set>
+                                      <p:cBhvr>
+                                        <p:cTn id="26" dur="1" fill="hold">
+                                          <p:stCondLst>
+                                            <p:cond delay="0"/>
+                                          </p:stCondLst>
+                                        </p:cTn>
+                                        <p:tgtEl>
+                                          <p:spTgt spid="3">
+                                            <p:txEl>
+                                              <p:pRg st="5" end="5"/>
+                                            </p:txEl>
+                                          </p:spTgt>
+                                        </p:tgtEl>
+                                        <p:attrNameLst>
+                                          <p:attrName>style.visibility</p:attrName>
+                                        </p:attrNameLst>
+                                      </p:cBhvr>
+                                      <p:to>
+                                        <p:strVal val="visible"/>
+                                      </p:to>
+                                    </p:set>
+                                  </p:childTnLst>
+                                </p:cTn>
+                              </p:par>
+                            </p:childTnLst>
+                          </p:cTn>
+                        </p:par>
+                      </p:childTnLst>
+                    </p:cTn>
+                  </p:par>
+                  <p:par>
+                    <p:cTn id="27" fill="hold">
+                      <p:stCondLst>
+                        <p:cond delay="indefinite"/>
+                      </p:stCondLst>
+                      <p:childTnLst>
+                        <p:par>
+                          <p:cTn id="28" fill="hold">
+                            <p:stCondLst>
+                              <p:cond delay="0"/>
+                            </p:stCondLst>
+                            <p:childTnLst>
+                              <p:par>
+                                <p:cTn id="29" presetID="1" presetClass="entr" presetSubtype="0" fill="hold" grpId="0" nodeType="clickEffect">
+                                  <p:stCondLst>
+                                    <p:cond delay="0"/>
+                                  </p:stCondLst>
+                                  <p:childTnLst>
+                                    <p:set>
+                                      <p:cBhvr>
+                                        <p:cTn id="30" dur="1" fill="hold">
+                                          <p:stCondLst>
+                                            <p:cond delay="0"/>
+                                          </p:stCondLst>
+                                        </p:cTn>
+                                        <p:tgtEl>
+                                          <p:spTgt spid="3">
+                                            <p:txEl>
+                                              <p:pRg st="6" end="6"/>
+                                            </p:txEl>
+                                          </p:spTgt>
+                                        </p:tgtEl>
+                                        <p:attrNameLst>
+                                          <p:attrName>style.visibility</p:attrName>
+                                        </p:attrNameLst>
+                                      </p:cBhvr>
+                                      <p:to>
+                                        <p:strVal val="visible"/>
+                                      </p:to>
+                                    </p:set>
+                                  </p:childTnLst>
+                                </p:cTn>
+                              </p:par>
+                            </p:childTnLst>
+                          </p:cTn>
+                        </p:par>
+                      </p:childTnLst>
+                    </p:cTn>
+                  </p:par>
+                  <p:par>
+                    <p:cTn id="31" fill="hold">
+                      <p:stCondLst>
+                        <p:cond delay="indefinite"/>
+                      </p:stCondLst>
+                      <p:childTnLst>
+                        <p:par>
+                          <p:cTn id="32" fill="hold">
+                            <p:stCondLst>
+                              <p:cond delay="0"/>
+                            </p:stCondLst>
+                            <p:childTnLst>
+                              <p:par>
+                                <p:cTn id="33" presetID="1" presetClass="entr" presetSubtype="0" fill="hold" grpId="0" nodeType="clickEffect">
+                                  <p:stCondLst>
+                                    <p:cond delay="0"/>
+                                  </p:stCondLst>
+                                  <p:childTnLst>
+                                    <p:set>
+                                      <p:cBhvr>
+                                        <p:cTn id="34" dur="1" fill="hold">
+                                          <p:stCondLst>
+                                            <p:cond delay="0"/>
+                                          </p:stCondLst>
+                                        </p:cTn>
+                                        <p:tgtEl>
+                                          <p:spTgt spid="3">
+                                            <p:txEl>
+                                              <p:pRg st="7" end="7"/>
+                                            </p:txEl>
+                                          </p:spTgt>
+                                        </p:tgtEl>
+                                        <p:attrNameLst>
+                                          <p:attrName>style.visibility</p:attrName>
+                                        </p:attrNameLst>
+                                      </p:cBhvr>
+                                      <p:to>
+                                        <p:strVal val="visible"/>
+                                      </p:to>
+                                    </p:set>
+                                  </p:childTnLst>
+                                </p:cTn>
+                              </p:par>
+                            </p:childTnLst>
+                          </p:cTn>
+                        </p:par>
+                      </p:childTnLst>
+                    </p:cTn>
+                  </p:par>
+                </p:childTnLst>
+              </p:cTn>
+              <p:prevCondLst>
+                <p:cond evt="onPrev" delay="0">
+                  <p:tgtEl>
+                    <p:sldTgt/>
+                  </p:tgtEl>
+                </p:cond>
+              </p:prevCondLst>
+              <p:nextCondLst>
+                <p:cond evt="onNext" delay="0">
+                  <p:tgtEl>
+                    <p:sldTgt/>
+                  </p:tgtEl>
+                </p:cond>
+              </p:nextCondLst>
+            </p:seq>
+          </p:childTnLst>
+        </p:cTn>
+      </p:par>
+    </p:tnLst>
+    <p:bldLst>
+      <p:bldP spid="3" grpId="0" uiExpand="1" build="p"/>
+    </p:bldLst>
+  </p:timing>
 </p:sld>
 </file>
 
@@ -25732,10 +27178,10 @@
       </p:sp>
       <p:pic>
         <p:nvPicPr>
-          <p:cNvPr id="5" name="Grafik 4">
+          <p:cNvPr id="6" name="Grafik 5">
             <a:extLst>
               <a:ext uri="{FF2B5EF4-FFF2-40B4-BE49-F238E27FC236}">
-                <a16:creationId xmlns:a16="http://schemas.microsoft.com/office/drawing/2014/main" id="{A59D0322-18F1-42F9-B8F6-5A96B6FD27CF}"/>
+                <a16:creationId xmlns:a16="http://schemas.microsoft.com/office/drawing/2014/main" id="{1CDCF9AF-CD65-4287-A79E-027187B6A423}"/>
               </a:ext>
             </a:extLst>
           </p:cNvPr>
@@ -25758,8 +27204,8 @@
         </p:blipFill>
         <p:spPr>
           <a:xfrm>
-            <a:off x="0" y="0"/>
-            <a:ext cx="713247" cy="755780"/>
+            <a:off x="-71885" y="0"/>
+            <a:ext cx="808109" cy="857839"/>
           </a:xfrm>
           <a:prstGeom prst="rect">
             <a:avLst/>
@@ -26164,10 +27610,10 @@
       </p:sp>
       <p:pic>
         <p:nvPicPr>
-          <p:cNvPr id="5" name="Grafik 4">
+          <p:cNvPr id="6" name="Grafik 5">
             <a:extLst>
               <a:ext uri="{FF2B5EF4-FFF2-40B4-BE49-F238E27FC236}">
-                <a16:creationId xmlns:a16="http://schemas.microsoft.com/office/drawing/2014/main" id="{42C49C69-D5AF-4838-B141-F13D71064D58}"/>
+                <a16:creationId xmlns:a16="http://schemas.microsoft.com/office/drawing/2014/main" id="{A0CA5F96-8118-4C36-9EA7-EB077A2C40DC}"/>
               </a:ext>
             </a:extLst>
           </p:cNvPr>
@@ -26190,8 +27636,8 @@
         </p:blipFill>
         <p:spPr>
           <a:xfrm>
-            <a:off x="0" y="0"/>
-            <a:ext cx="713247" cy="755780"/>
+            <a:off x="-71885" y="0"/>
+            <a:ext cx="808109" cy="857839"/>
           </a:xfrm>
           <a:prstGeom prst="rect">
             <a:avLst/>
@@ -26461,10 +27907,10 @@
       </p:pic>
       <p:pic>
         <p:nvPicPr>
-          <p:cNvPr id="10" name="Grafik 9">
+          <p:cNvPr id="12" name="Grafik 11">
             <a:extLst>
               <a:ext uri="{FF2B5EF4-FFF2-40B4-BE49-F238E27FC236}">
-                <a16:creationId xmlns:a16="http://schemas.microsoft.com/office/drawing/2014/main" id="{A7B050ED-21DC-4B54-852A-77D86F3DC9FF}"/>
+                <a16:creationId xmlns:a16="http://schemas.microsoft.com/office/drawing/2014/main" id="{C0DB3E7B-3919-440D-ADA5-A71038D309C9}"/>
               </a:ext>
             </a:extLst>
           </p:cNvPr>
@@ -26487,8 +27933,8 @@
         </p:blipFill>
         <p:spPr>
           <a:xfrm>
-            <a:off x="0" y="0"/>
-            <a:ext cx="713247" cy="755780"/>
+            <a:off x="-71885" y="0"/>
+            <a:ext cx="808109" cy="857839"/>
           </a:xfrm>
           <a:prstGeom prst="rect">
             <a:avLst/>

--- a/Vortrag.pptx
+++ b/Vortrag.pptx
@@ -5,7 +5,7 @@
     <p:sldMasterId id="2147483819" r:id="rId1"/>
   </p:sldMasterIdLst>
   <p:notesMasterIdLst>
-    <p:notesMasterId r:id="rId18"/>
+    <p:notesMasterId r:id="rId21"/>
   </p:notesMasterIdLst>
   <p:sldIdLst>
     <p:sldId id="256" r:id="rId2"/>
@@ -13,17 +13,20 @@
     <p:sldId id="271" r:id="rId4"/>
     <p:sldId id="272" r:id="rId5"/>
     <p:sldId id="274" r:id="rId6"/>
-    <p:sldId id="277" r:id="rId7"/>
-    <p:sldId id="270" r:id="rId8"/>
-    <p:sldId id="259" r:id="rId9"/>
-    <p:sldId id="280" r:id="rId10"/>
-    <p:sldId id="279" r:id="rId11"/>
-    <p:sldId id="278" r:id="rId12"/>
-    <p:sldId id="262" r:id="rId13"/>
-    <p:sldId id="276" r:id="rId14"/>
-    <p:sldId id="266" r:id="rId15"/>
-    <p:sldId id="264" r:id="rId16"/>
-    <p:sldId id="275" r:id="rId17"/>
+    <p:sldId id="281" r:id="rId7"/>
+    <p:sldId id="277" r:id="rId8"/>
+    <p:sldId id="270" r:id="rId9"/>
+    <p:sldId id="259" r:id="rId10"/>
+    <p:sldId id="280" r:id="rId11"/>
+    <p:sldId id="283" r:id="rId12"/>
+    <p:sldId id="279" r:id="rId13"/>
+    <p:sldId id="278" r:id="rId14"/>
+    <p:sldId id="262" r:id="rId15"/>
+    <p:sldId id="276" r:id="rId16"/>
+    <p:sldId id="266" r:id="rId17"/>
+    <p:sldId id="264" r:id="rId18"/>
+    <p:sldId id="275" r:id="rId19"/>
+    <p:sldId id="282" r:id="rId20"/>
   </p:sldIdLst>
   <p:sldSz cx="12192000" cy="6858000"/>
   <p:notesSz cx="6858000" cy="9144000"/>
@@ -6942,7 +6945,7 @@
           <a:p>
             <a:fld id="{EE61B14C-411D-4E53-BF32-B962F5A14F2D}" type="datetimeFigureOut">
               <a:rPr lang="de-DE" smtClean="0"/>
-              <a:t>22.05.2018</a:t>
+              <a:t>24.05.2018</a:t>
             </a:fld>
             <a:endParaRPr lang="de-DE"/>
           </a:p>
@@ -7442,7 +7445,7 @@
           <a:p>
             <a:fld id="{B75DCF5E-718A-4A85-88E9-46AA16884760}" type="slidenum">
               <a:rPr lang="de-DE" smtClean="0"/>
-              <a:t>8</a:t>
+              <a:t>9</a:t>
             </a:fld>
             <a:endParaRPr lang="de-DE"/>
           </a:p>
@@ -7526,7 +7529,7 @@
           <a:p>
             <a:fld id="{B75DCF5E-718A-4A85-88E9-46AA16884760}" type="slidenum">
               <a:rPr lang="de-DE" smtClean="0"/>
-              <a:t>10</a:t>
+              <a:t>12</a:t>
             </a:fld>
             <a:endParaRPr lang="de-DE"/>
           </a:p>
@@ -8001,7 +8004,7 @@
           <a:p>
             <a:fld id="{B75DCF5E-718A-4A85-88E9-46AA16884760}" type="slidenum">
               <a:rPr lang="de-DE" smtClean="0"/>
-              <a:t>11</a:t>
+              <a:t>13</a:t>
             </a:fld>
             <a:endParaRPr lang="de-DE"/>
           </a:p>
@@ -8140,7 +8143,7 @@
           <a:p>
             <a:fld id="{B75DCF5E-718A-4A85-88E9-46AA16884760}" type="slidenum">
               <a:rPr lang="de-DE" smtClean="0"/>
-              <a:t>12</a:t>
+              <a:t>14</a:t>
             </a:fld>
             <a:endParaRPr lang="de-DE"/>
           </a:p>
@@ -8883,7 +8886,7 @@
           <a:p>
             <a:fld id="{56DC4D02-6C89-4F53-8C73-2E69B56DDD08}" type="datetimeFigureOut">
               <a:rPr lang="de-DE" smtClean="0"/>
-              <a:t>22.05.2018</a:t>
+              <a:t>24.05.2018</a:t>
             </a:fld>
             <a:endParaRPr lang="de-DE"/>
           </a:p>
@@ -9134,7 +9137,7 @@
           <a:p>
             <a:fld id="{56DC4D02-6C89-4F53-8C73-2E69B56DDD08}" type="datetimeFigureOut">
               <a:rPr lang="de-DE" smtClean="0"/>
-              <a:t>22.05.2018</a:t>
+              <a:t>24.05.2018</a:t>
             </a:fld>
             <a:endParaRPr lang="de-DE"/>
           </a:p>
@@ -9448,7 +9451,7 @@
           <a:p>
             <a:fld id="{56DC4D02-6C89-4F53-8C73-2E69B56DDD08}" type="datetimeFigureOut">
               <a:rPr lang="de-DE" smtClean="0"/>
-              <a:t>22.05.2018</a:t>
+              <a:t>24.05.2018</a:t>
             </a:fld>
             <a:endParaRPr lang="de-DE"/>
           </a:p>
@@ -9775,7 +9778,7 @@
           <a:p>
             <a:fld id="{56DC4D02-6C89-4F53-8C73-2E69B56DDD08}" type="datetimeFigureOut">
               <a:rPr lang="de-DE" smtClean="0"/>
-              <a:t>22.05.2018</a:t>
+              <a:t>24.05.2018</a:t>
             </a:fld>
             <a:endParaRPr lang="de-DE"/>
           </a:p>
@@ -10089,7 +10092,7 @@
           <a:p>
             <a:fld id="{56DC4D02-6C89-4F53-8C73-2E69B56DDD08}" type="datetimeFigureOut">
               <a:rPr lang="de-DE" smtClean="0"/>
-              <a:t>22.05.2018</a:t>
+              <a:t>24.05.2018</a:t>
             </a:fld>
             <a:endParaRPr lang="de-DE"/>
           </a:p>
@@ -10476,7 +10479,7 @@
           <a:p>
             <a:fld id="{56DC4D02-6C89-4F53-8C73-2E69B56DDD08}" type="datetimeFigureOut">
               <a:rPr lang="de-DE" smtClean="0"/>
-              <a:t>22.05.2018</a:t>
+              <a:t>24.05.2018</a:t>
             </a:fld>
             <a:endParaRPr lang="de-DE"/>
           </a:p>
@@ -10646,7 +10649,7 @@
           <a:p>
             <a:fld id="{56DC4D02-6C89-4F53-8C73-2E69B56DDD08}" type="datetimeFigureOut">
               <a:rPr lang="de-DE" smtClean="0"/>
-              <a:t>22.05.2018</a:t>
+              <a:t>24.05.2018</a:t>
             </a:fld>
             <a:endParaRPr lang="de-DE"/>
           </a:p>
@@ -10826,7 +10829,7 @@
           <a:p>
             <a:fld id="{56DC4D02-6C89-4F53-8C73-2E69B56DDD08}" type="datetimeFigureOut">
               <a:rPr lang="de-DE" smtClean="0"/>
-              <a:t>22.05.2018</a:t>
+              <a:t>24.05.2018</a:t>
             </a:fld>
             <a:endParaRPr lang="de-DE"/>
           </a:p>
@@ -11002,7 +11005,7 @@
           <a:p>
             <a:fld id="{56DC4D02-6C89-4F53-8C73-2E69B56DDD08}" type="datetimeFigureOut">
               <a:rPr lang="de-DE" smtClean="0"/>
-              <a:t>22.05.2018</a:t>
+              <a:t>24.05.2018</a:t>
             </a:fld>
             <a:endParaRPr lang="de-DE"/>
           </a:p>
@@ -11249,7 +11252,7 @@
           <a:p>
             <a:fld id="{56DC4D02-6C89-4F53-8C73-2E69B56DDD08}" type="datetimeFigureOut">
               <a:rPr lang="de-DE" smtClean="0"/>
-              <a:t>22.05.2018</a:t>
+              <a:t>24.05.2018</a:t>
             </a:fld>
             <a:endParaRPr lang="de-DE"/>
           </a:p>
@@ -11481,7 +11484,7 @@
           <a:p>
             <a:fld id="{56DC4D02-6C89-4F53-8C73-2E69B56DDD08}" type="datetimeFigureOut">
               <a:rPr lang="de-DE" smtClean="0"/>
-              <a:t>22.05.2018</a:t>
+              <a:t>24.05.2018</a:t>
             </a:fld>
             <a:endParaRPr lang="de-DE"/>
           </a:p>
@@ -11860,7 +11863,7 @@
           <a:p>
             <a:fld id="{56DC4D02-6C89-4F53-8C73-2E69B56DDD08}" type="datetimeFigureOut">
               <a:rPr lang="de-DE" smtClean="0"/>
-              <a:t>22.05.2018</a:t>
+              <a:t>24.05.2018</a:t>
             </a:fld>
             <a:endParaRPr lang="de-DE"/>
           </a:p>
@@ -11988,7 +11991,7 @@
           <a:p>
             <a:fld id="{56DC4D02-6C89-4F53-8C73-2E69B56DDD08}" type="datetimeFigureOut">
               <a:rPr lang="de-DE" smtClean="0"/>
-              <a:t>22.05.2018</a:t>
+              <a:t>24.05.2018</a:t>
             </a:fld>
             <a:endParaRPr lang="de-DE"/>
           </a:p>
@@ -12083,7 +12086,7 @@
           <a:p>
             <a:fld id="{56DC4D02-6C89-4F53-8C73-2E69B56DDD08}" type="datetimeFigureOut">
               <a:rPr lang="de-DE" smtClean="0"/>
-              <a:t>22.05.2018</a:t>
+              <a:t>24.05.2018</a:t>
             </a:fld>
             <a:endParaRPr lang="de-DE"/>
           </a:p>
@@ -12338,7 +12341,7 @@
           <a:p>
             <a:fld id="{56DC4D02-6C89-4F53-8C73-2E69B56DDD08}" type="datetimeFigureOut">
               <a:rPr lang="de-DE" smtClean="0"/>
-              <a:t>22.05.2018</a:t>
+              <a:t>24.05.2018</a:t>
             </a:fld>
             <a:endParaRPr lang="de-DE"/>
           </a:p>
@@ -12606,7 +12609,7 @@
           <a:p>
             <a:fld id="{56DC4D02-6C89-4F53-8C73-2E69B56DDD08}" type="datetimeFigureOut">
               <a:rPr lang="de-DE" smtClean="0"/>
-              <a:t>22.05.2018</a:t>
+              <a:t>24.05.2018</a:t>
             </a:fld>
             <a:endParaRPr lang="de-DE"/>
           </a:p>
@@ -13351,7 +13354,7 @@
           <a:p>
             <a:fld id="{56DC4D02-6C89-4F53-8C73-2E69B56DDD08}" type="datetimeFigureOut">
               <a:rPr lang="de-DE" smtClean="0"/>
-              <a:t>22.05.2018</a:t>
+              <a:t>24.05.2018</a:t>
             </a:fld>
             <a:endParaRPr lang="de-DE"/>
           </a:p>
@@ -13958,6 +13961,1357 @@
 </file>
 
 <file path=ppt/slides/slide10.xml><?xml version="1.0" encoding="utf-8"?>
+<p:sld xmlns:a="http://schemas.openxmlformats.org/drawingml/2006/main" xmlns:r="http://schemas.openxmlformats.org/officeDocument/2006/relationships" xmlns:p="http://schemas.openxmlformats.org/presentationml/2006/main">
+  <p:cSld>
+    <p:spTree>
+      <p:nvGrpSpPr>
+        <p:cNvPr id="1" name=""/>
+        <p:cNvGrpSpPr/>
+        <p:nvPr/>
+      </p:nvGrpSpPr>
+      <p:grpSpPr>
+        <a:xfrm>
+          <a:off x="0" y="0"/>
+          <a:ext cx="0" cy="0"/>
+          <a:chOff x="0" y="0"/>
+          <a:chExt cx="0" cy="0"/>
+        </a:xfrm>
+      </p:grpSpPr>
+      <p:sp>
+        <p:nvSpPr>
+          <p:cNvPr id="2" name="Titel 1">
+            <a:extLst>
+              <a:ext uri="{FF2B5EF4-FFF2-40B4-BE49-F238E27FC236}">
+                <a16:creationId xmlns:a16="http://schemas.microsoft.com/office/drawing/2014/main" id="{5AEBCDB1-1BF7-4FCB-B4F2-580BFD6FFA10}"/>
+              </a:ext>
+            </a:extLst>
+          </p:cNvPr>
+          <p:cNvSpPr>
+            <a:spLocks noGrp="1"/>
+          </p:cNvSpPr>
+          <p:nvPr>
+            <p:ph type="title"/>
+          </p:nvPr>
+        </p:nvSpPr>
+        <p:spPr/>
+        <p:txBody>
+          <a:bodyPr/>
+          <a:lstStyle/>
+          <a:p>
+            <a:r>
+              <a:rPr lang="de-DE" dirty="0"/>
+              <a:t>Single Mode </a:t>
+            </a:r>
+            <a:br>
+              <a:rPr lang="de-DE" dirty="0"/>
+            </a:br>
+            <a:r>
+              <a:rPr lang="de-DE" dirty="0"/>
+              <a:t>Beispiel : </a:t>
+            </a:r>
+          </a:p>
+        </p:txBody>
+      </p:sp>
+      <p:sp>
+        <p:nvSpPr>
+          <p:cNvPr id="3" name="Inhaltsplatzhalter 2">
+            <a:extLst>
+              <a:ext uri="{FF2B5EF4-FFF2-40B4-BE49-F238E27FC236}">
+                <a16:creationId xmlns:a16="http://schemas.microsoft.com/office/drawing/2014/main" id="{CF379B11-251C-4092-8B34-7EB1F61C3384}"/>
+              </a:ext>
+            </a:extLst>
+          </p:cNvPr>
+          <p:cNvSpPr>
+            <a:spLocks noGrp="1"/>
+          </p:cNvSpPr>
+          <p:nvPr>
+            <p:ph idx="1"/>
+          </p:nvPr>
+        </p:nvSpPr>
+        <p:spPr>
+          <a:xfrm>
+            <a:off x="666640" y="1930400"/>
+            <a:ext cx="8596668" cy="3880773"/>
+          </a:xfrm>
+        </p:spPr>
+        <p:txBody>
+          <a:bodyPr/>
+          <a:lstStyle/>
+          <a:p>
+            <a:r>
+              <a:rPr lang="de-DE" dirty="0"/>
+              <a:t>Hier zeigen wir wie man </a:t>
+            </a:r>
+            <a:r>
+              <a:rPr lang="de-DE" dirty="0" err="1"/>
+              <a:t>Brute</a:t>
+            </a:r>
+            <a:r>
+              <a:rPr lang="de-DE" dirty="0"/>
+              <a:t> Force (Single Mode) auf eine einfache *.</a:t>
+            </a:r>
+            <a:r>
+              <a:rPr lang="de-DE" dirty="0" err="1"/>
+              <a:t>zip</a:t>
+            </a:r>
+            <a:r>
+              <a:rPr lang="de-DE" dirty="0"/>
+              <a:t> anwendet dessen Passwort man vergessen hat.</a:t>
+            </a:r>
+          </a:p>
+          <a:p>
+            <a:endParaRPr lang="de-DE" dirty="0"/>
+          </a:p>
+        </p:txBody>
+      </p:sp>
+      <p:pic>
+        <p:nvPicPr>
+          <p:cNvPr id="5" name="Grafik 4">
+            <a:extLst>
+              <a:ext uri="{FF2B5EF4-FFF2-40B4-BE49-F238E27FC236}">
+                <a16:creationId xmlns:a16="http://schemas.microsoft.com/office/drawing/2014/main" id="{DA1FEB18-C376-45F7-B291-DCC4F0FE048B}"/>
+              </a:ext>
+            </a:extLst>
+          </p:cNvPr>
+          <p:cNvPicPr>
+            <a:picLocks noChangeAspect="1"/>
+          </p:cNvPicPr>
+          <p:nvPr/>
+        </p:nvPicPr>
+        <p:blipFill>
+          <a:blip r:embed="rId2">
+            <a:extLst>
+              <a:ext uri="{28A0092B-C50C-407E-A947-70E740481C1C}">
+                <a14:useLocalDpi xmlns:a14="http://schemas.microsoft.com/office/drawing/2010/main" val="0"/>
+              </a:ext>
+            </a:extLst>
+          </a:blip>
+          <a:stretch>
+            <a:fillRect/>
+          </a:stretch>
+        </p:blipFill>
+        <p:spPr>
+          <a:xfrm>
+            <a:off x="838200" y="2743514"/>
+            <a:ext cx="8253549" cy="3474467"/>
+          </a:xfrm>
+          <a:prstGeom prst="rect">
+            <a:avLst/>
+          </a:prstGeom>
+        </p:spPr>
+      </p:pic>
+      <p:pic>
+        <p:nvPicPr>
+          <p:cNvPr id="7" name="Grafik 6">
+            <a:extLst>
+              <a:ext uri="{FF2B5EF4-FFF2-40B4-BE49-F238E27FC236}">
+                <a16:creationId xmlns:a16="http://schemas.microsoft.com/office/drawing/2014/main" id="{C7881F4D-D3F6-4D94-AD34-7FC9FDBD8BDC}"/>
+              </a:ext>
+            </a:extLst>
+          </p:cNvPr>
+          <p:cNvPicPr>
+            <a:picLocks noChangeAspect="1"/>
+          </p:cNvPicPr>
+          <p:nvPr/>
+        </p:nvPicPr>
+        <p:blipFill>
+          <a:blip r:embed="rId3">
+            <a:extLst>
+              <a:ext uri="{28A0092B-C50C-407E-A947-70E740481C1C}">
+                <a14:useLocalDpi xmlns:a14="http://schemas.microsoft.com/office/drawing/2010/main" val="0"/>
+              </a:ext>
+            </a:extLst>
+          </a:blip>
+          <a:stretch>
+            <a:fillRect/>
+          </a:stretch>
+        </p:blipFill>
+        <p:spPr>
+          <a:xfrm>
+            <a:off x="869732" y="2768371"/>
+            <a:ext cx="8214826" cy="3474467"/>
+          </a:xfrm>
+          <a:prstGeom prst="rect">
+            <a:avLst/>
+          </a:prstGeom>
+        </p:spPr>
+      </p:pic>
+      <p:pic>
+        <p:nvPicPr>
+          <p:cNvPr id="9" name="Grafik 8">
+            <a:extLst>
+              <a:ext uri="{FF2B5EF4-FFF2-40B4-BE49-F238E27FC236}">
+                <a16:creationId xmlns:a16="http://schemas.microsoft.com/office/drawing/2014/main" id="{6318C199-4307-4695-BB3F-CAD353FC60AA}"/>
+              </a:ext>
+            </a:extLst>
+          </p:cNvPr>
+          <p:cNvPicPr>
+            <a:picLocks noChangeAspect="1"/>
+          </p:cNvPicPr>
+          <p:nvPr/>
+        </p:nvPicPr>
+        <p:blipFill>
+          <a:blip r:embed="rId4">
+            <a:extLst>
+              <a:ext uri="{28A0092B-C50C-407E-A947-70E740481C1C}">
+                <a14:useLocalDpi xmlns:a14="http://schemas.microsoft.com/office/drawing/2010/main" val="0"/>
+              </a:ext>
+            </a:extLst>
+          </a:blip>
+          <a:stretch>
+            <a:fillRect/>
+          </a:stretch>
+        </p:blipFill>
+        <p:spPr>
+          <a:xfrm>
+            <a:off x="838200" y="2743514"/>
+            <a:ext cx="8556123" cy="5269619"/>
+          </a:xfrm>
+          <a:prstGeom prst="rect">
+            <a:avLst/>
+          </a:prstGeom>
+        </p:spPr>
+      </p:pic>
+      <p:pic>
+        <p:nvPicPr>
+          <p:cNvPr id="11" name="Grafik 10">
+            <a:extLst>
+              <a:ext uri="{FF2B5EF4-FFF2-40B4-BE49-F238E27FC236}">
+                <a16:creationId xmlns:a16="http://schemas.microsoft.com/office/drawing/2014/main" id="{E0CE7FFE-9B52-42EE-A75A-2E477EB61C6B}"/>
+              </a:ext>
+            </a:extLst>
+          </p:cNvPr>
+          <p:cNvPicPr>
+            <a:picLocks noChangeAspect="1"/>
+          </p:cNvPicPr>
+          <p:nvPr/>
+        </p:nvPicPr>
+        <p:blipFill>
+          <a:blip r:embed="rId5">
+            <a:extLst>
+              <a:ext uri="{28A0092B-C50C-407E-A947-70E740481C1C}">
+                <a14:useLocalDpi xmlns:a14="http://schemas.microsoft.com/office/drawing/2010/main" val="0"/>
+              </a:ext>
+            </a:extLst>
+          </a:blip>
+          <a:stretch>
+            <a:fillRect/>
+          </a:stretch>
+        </p:blipFill>
+        <p:spPr>
+          <a:xfrm>
+            <a:off x="838200" y="2743514"/>
+            <a:ext cx="8556123" cy="3848922"/>
+          </a:xfrm>
+          <a:prstGeom prst="rect">
+            <a:avLst/>
+          </a:prstGeom>
+        </p:spPr>
+      </p:pic>
+      <p:pic>
+        <p:nvPicPr>
+          <p:cNvPr id="12" name="Grafik 11">
+            <a:extLst>
+              <a:ext uri="{FF2B5EF4-FFF2-40B4-BE49-F238E27FC236}">
+                <a16:creationId xmlns:a16="http://schemas.microsoft.com/office/drawing/2014/main" id="{C0DB3E7B-3919-440D-ADA5-A71038D309C9}"/>
+              </a:ext>
+            </a:extLst>
+          </p:cNvPr>
+          <p:cNvPicPr>
+            <a:picLocks noChangeAspect="1"/>
+          </p:cNvPicPr>
+          <p:nvPr/>
+        </p:nvPicPr>
+        <p:blipFill>
+          <a:blip r:embed="rId6">
+            <a:extLst>
+              <a:ext uri="{28A0092B-C50C-407E-A947-70E740481C1C}">
+                <a14:useLocalDpi xmlns:a14="http://schemas.microsoft.com/office/drawing/2010/main" val="0"/>
+              </a:ext>
+            </a:extLst>
+          </a:blip>
+          <a:stretch>
+            <a:fillRect/>
+          </a:stretch>
+        </p:blipFill>
+        <p:spPr>
+          <a:xfrm>
+            <a:off x="-71885" y="0"/>
+            <a:ext cx="808109" cy="857839"/>
+          </a:xfrm>
+          <a:prstGeom prst="rect">
+            <a:avLst/>
+          </a:prstGeom>
+        </p:spPr>
+      </p:pic>
+    </p:spTree>
+    <p:extLst>
+      <p:ext uri="{BB962C8B-B14F-4D97-AF65-F5344CB8AC3E}">
+        <p14:creationId xmlns:p14="http://schemas.microsoft.com/office/powerpoint/2010/main" val="1159573700"/>
+      </p:ext>
+    </p:extLst>
+  </p:cSld>
+  <p:clrMapOvr>
+    <a:masterClrMapping/>
+  </p:clrMapOvr>
+  <p:timing>
+    <p:tnLst>
+      <p:par>
+        <p:cTn id="1" dur="indefinite" restart="never" nodeType="tmRoot">
+          <p:childTnLst>
+            <p:seq concurrent="1" nextAc="seek">
+              <p:cTn id="2" dur="indefinite" nodeType="mainSeq">
+                <p:childTnLst>
+                  <p:par>
+                    <p:cTn id="3" fill="hold">
+                      <p:stCondLst>
+                        <p:cond delay="indefinite"/>
+                        <p:cond evt="onBegin" delay="0">
+                          <p:tn val="2"/>
+                        </p:cond>
+                      </p:stCondLst>
+                      <p:childTnLst>
+                        <p:par>
+                          <p:cTn id="4" fill="hold">
+                            <p:stCondLst>
+                              <p:cond delay="0"/>
+                            </p:stCondLst>
+                            <p:childTnLst>
+                              <p:par>
+                                <p:cTn id="5" presetID="2" presetClass="entr" presetSubtype="8" fill="hold" nodeType="withEffect">
+                                  <p:stCondLst>
+                                    <p:cond delay="0"/>
+                                  </p:stCondLst>
+                                  <p:childTnLst>
+                                    <p:set>
+                                      <p:cBhvr>
+                                        <p:cTn id="6" dur="1" fill="hold">
+                                          <p:stCondLst>
+                                            <p:cond delay="0"/>
+                                          </p:stCondLst>
+                                        </p:cTn>
+                                        <p:tgtEl>
+                                          <p:spTgt spid="3">
+                                            <p:txEl>
+                                              <p:pRg st="0" end="0"/>
+                                            </p:txEl>
+                                          </p:spTgt>
+                                        </p:tgtEl>
+                                        <p:attrNameLst>
+                                          <p:attrName>style.visibility</p:attrName>
+                                        </p:attrNameLst>
+                                      </p:cBhvr>
+                                      <p:to>
+                                        <p:strVal val="visible"/>
+                                      </p:to>
+                                    </p:set>
+                                    <p:anim calcmode="lin" valueType="num">
+                                      <p:cBhvr additive="base">
+                                        <p:cTn id="7" dur="500" fill="hold"/>
+                                        <p:tgtEl>
+                                          <p:spTgt spid="3">
+                                            <p:txEl>
+                                              <p:pRg st="0" end="0"/>
+                                            </p:txEl>
+                                          </p:spTgt>
+                                        </p:tgtEl>
+                                        <p:attrNameLst>
+                                          <p:attrName>ppt_x</p:attrName>
+                                        </p:attrNameLst>
+                                      </p:cBhvr>
+                                      <p:tavLst>
+                                        <p:tav tm="0">
+                                          <p:val>
+                                            <p:strVal val="0-#ppt_w/2"/>
+                                          </p:val>
+                                        </p:tav>
+                                        <p:tav tm="100000">
+                                          <p:val>
+                                            <p:strVal val="#ppt_x"/>
+                                          </p:val>
+                                        </p:tav>
+                                      </p:tavLst>
+                                    </p:anim>
+                                    <p:anim calcmode="lin" valueType="num">
+                                      <p:cBhvr additive="base">
+                                        <p:cTn id="8" dur="500" fill="hold"/>
+                                        <p:tgtEl>
+                                          <p:spTgt spid="3">
+                                            <p:txEl>
+                                              <p:pRg st="0" end="0"/>
+                                            </p:txEl>
+                                          </p:spTgt>
+                                        </p:tgtEl>
+                                        <p:attrNameLst>
+                                          <p:attrName>ppt_y</p:attrName>
+                                        </p:attrNameLst>
+                                      </p:cBhvr>
+                                      <p:tavLst>
+                                        <p:tav tm="0">
+                                          <p:val>
+                                            <p:strVal val="#ppt_y"/>
+                                          </p:val>
+                                        </p:tav>
+                                        <p:tav tm="100000">
+                                          <p:val>
+                                            <p:strVal val="#ppt_y"/>
+                                          </p:val>
+                                        </p:tav>
+                                      </p:tavLst>
+                                    </p:anim>
+                                  </p:childTnLst>
+                                </p:cTn>
+                              </p:par>
+                            </p:childTnLst>
+                          </p:cTn>
+                        </p:par>
+                      </p:childTnLst>
+                    </p:cTn>
+                  </p:par>
+                  <p:par>
+                    <p:cTn id="9" fill="hold">
+                      <p:stCondLst>
+                        <p:cond delay="indefinite"/>
+                      </p:stCondLst>
+                      <p:childTnLst>
+                        <p:par>
+                          <p:cTn id="10" fill="hold">
+                            <p:stCondLst>
+                              <p:cond delay="0"/>
+                            </p:stCondLst>
+                            <p:childTnLst>
+                              <p:par>
+                                <p:cTn id="11" presetID="2" presetClass="exit" presetSubtype="2" fill="hold" nodeType="clickEffect">
+                                  <p:stCondLst>
+                                    <p:cond delay="0"/>
+                                  </p:stCondLst>
+                                  <p:childTnLst>
+                                    <p:anim calcmode="lin" valueType="num">
+                                      <p:cBhvr additive="base">
+                                        <p:cTn id="12" dur="500"/>
+                                        <p:tgtEl>
+                                          <p:spTgt spid="3">
+                                            <p:txEl>
+                                              <p:pRg st="0" end="0"/>
+                                            </p:txEl>
+                                          </p:spTgt>
+                                        </p:tgtEl>
+                                        <p:attrNameLst>
+                                          <p:attrName>ppt_x</p:attrName>
+                                        </p:attrNameLst>
+                                      </p:cBhvr>
+                                      <p:tavLst>
+                                        <p:tav tm="0">
+                                          <p:val>
+                                            <p:strVal val="ppt_x"/>
+                                          </p:val>
+                                        </p:tav>
+                                        <p:tav tm="100000">
+                                          <p:val>
+                                            <p:strVal val="1+ppt_w/2"/>
+                                          </p:val>
+                                        </p:tav>
+                                      </p:tavLst>
+                                    </p:anim>
+                                    <p:anim calcmode="lin" valueType="num">
+                                      <p:cBhvr additive="base">
+                                        <p:cTn id="13" dur="500"/>
+                                        <p:tgtEl>
+                                          <p:spTgt spid="3">
+                                            <p:txEl>
+                                              <p:pRg st="0" end="0"/>
+                                            </p:txEl>
+                                          </p:spTgt>
+                                        </p:tgtEl>
+                                        <p:attrNameLst>
+                                          <p:attrName>ppt_y</p:attrName>
+                                        </p:attrNameLst>
+                                      </p:cBhvr>
+                                      <p:tavLst>
+                                        <p:tav tm="0">
+                                          <p:val>
+                                            <p:strVal val="ppt_y"/>
+                                          </p:val>
+                                        </p:tav>
+                                        <p:tav tm="100000">
+                                          <p:val>
+                                            <p:strVal val="ppt_y"/>
+                                          </p:val>
+                                        </p:tav>
+                                      </p:tavLst>
+                                    </p:anim>
+                                    <p:set>
+                                      <p:cBhvr>
+                                        <p:cTn id="14" dur="1" fill="hold">
+                                          <p:stCondLst>
+                                            <p:cond delay="499"/>
+                                          </p:stCondLst>
+                                        </p:cTn>
+                                        <p:tgtEl>
+                                          <p:spTgt spid="3">
+                                            <p:txEl>
+                                              <p:pRg st="0" end="0"/>
+                                            </p:txEl>
+                                          </p:spTgt>
+                                        </p:tgtEl>
+                                        <p:attrNameLst>
+                                          <p:attrName>style.visibility</p:attrName>
+                                        </p:attrNameLst>
+                                      </p:cBhvr>
+                                      <p:to>
+                                        <p:strVal val="hidden"/>
+                                      </p:to>
+                                    </p:set>
+                                  </p:childTnLst>
+                                </p:cTn>
+                              </p:par>
+                            </p:childTnLst>
+                          </p:cTn>
+                        </p:par>
+                        <p:par>
+                          <p:cTn id="15" fill="hold">
+                            <p:stCondLst>
+                              <p:cond delay="500"/>
+                            </p:stCondLst>
+                            <p:childTnLst>
+                              <p:par>
+                                <p:cTn id="16" presetID="2" presetClass="entr" presetSubtype="8" fill="hold" nodeType="afterEffect">
+                                  <p:stCondLst>
+                                    <p:cond delay="0"/>
+                                  </p:stCondLst>
+                                  <p:childTnLst>
+                                    <p:set>
+                                      <p:cBhvr>
+                                        <p:cTn id="17" dur="1" fill="hold">
+                                          <p:stCondLst>
+                                            <p:cond delay="0"/>
+                                          </p:stCondLst>
+                                        </p:cTn>
+                                        <p:tgtEl>
+                                          <p:spTgt spid="5"/>
+                                        </p:tgtEl>
+                                        <p:attrNameLst>
+                                          <p:attrName>style.visibility</p:attrName>
+                                        </p:attrNameLst>
+                                      </p:cBhvr>
+                                      <p:to>
+                                        <p:strVal val="visible"/>
+                                      </p:to>
+                                    </p:set>
+                                    <p:anim calcmode="lin" valueType="num">
+                                      <p:cBhvr additive="base">
+                                        <p:cTn id="18" dur="500" fill="hold"/>
+                                        <p:tgtEl>
+                                          <p:spTgt spid="5"/>
+                                        </p:tgtEl>
+                                        <p:attrNameLst>
+                                          <p:attrName>ppt_x</p:attrName>
+                                        </p:attrNameLst>
+                                      </p:cBhvr>
+                                      <p:tavLst>
+                                        <p:tav tm="0">
+                                          <p:val>
+                                            <p:strVal val="0-#ppt_w/2"/>
+                                          </p:val>
+                                        </p:tav>
+                                        <p:tav tm="100000">
+                                          <p:val>
+                                            <p:strVal val="#ppt_x"/>
+                                          </p:val>
+                                        </p:tav>
+                                      </p:tavLst>
+                                    </p:anim>
+                                    <p:anim calcmode="lin" valueType="num">
+                                      <p:cBhvr additive="base">
+                                        <p:cTn id="19" dur="500" fill="hold"/>
+                                        <p:tgtEl>
+                                          <p:spTgt spid="5"/>
+                                        </p:tgtEl>
+                                        <p:attrNameLst>
+                                          <p:attrName>ppt_y</p:attrName>
+                                        </p:attrNameLst>
+                                      </p:cBhvr>
+                                      <p:tavLst>
+                                        <p:tav tm="0">
+                                          <p:val>
+                                            <p:strVal val="#ppt_y"/>
+                                          </p:val>
+                                        </p:tav>
+                                        <p:tav tm="100000">
+                                          <p:val>
+                                            <p:strVal val="#ppt_y"/>
+                                          </p:val>
+                                        </p:tav>
+                                      </p:tavLst>
+                                    </p:anim>
+                                  </p:childTnLst>
+                                </p:cTn>
+                              </p:par>
+                            </p:childTnLst>
+                          </p:cTn>
+                        </p:par>
+                      </p:childTnLst>
+                    </p:cTn>
+                  </p:par>
+                  <p:par>
+                    <p:cTn id="20" fill="hold">
+                      <p:stCondLst>
+                        <p:cond delay="indefinite"/>
+                      </p:stCondLst>
+                      <p:childTnLst>
+                        <p:par>
+                          <p:cTn id="21" fill="hold">
+                            <p:stCondLst>
+                              <p:cond delay="0"/>
+                            </p:stCondLst>
+                            <p:childTnLst>
+                              <p:par>
+                                <p:cTn id="22" presetID="2" presetClass="exit" presetSubtype="2" fill="hold" nodeType="clickEffect">
+                                  <p:stCondLst>
+                                    <p:cond delay="0"/>
+                                  </p:stCondLst>
+                                  <p:childTnLst>
+                                    <p:anim calcmode="lin" valueType="num">
+                                      <p:cBhvr additive="base">
+                                        <p:cTn id="23" dur="500"/>
+                                        <p:tgtEl>
+                                          <p:spTgt spid="5"/>
+                                        </p:tgtEl>
+                                        <p:attrNameLst>
+                                          <p:attrName>ppt_x</p:attrName>
+                                        </p:attrNameLst>
+                                      </p:cBhvr>
+                                      <p:tavLst>
+                                        <p:tav tm="0">
+                                          <p:val>
+                                            <p:strVal val="ppt_x"/>
+                                          </p:val>
+                                        </p:tav>
+                                        <p:tav tm="100000">
+                                          <p:val>
+                                            <p:strVal val="1+ppt_w/2"/>
+                                          </p:val>
+                                        </p:tav>
+                                      </p:tavLst>
+                                    </p:anim>
+                                    <p:anim calcmode="lin" valueType="num">
+                                      <p:cBhvr additive="base">
+                                        <p:cTn id="24" dur="500"/>
+                                        <p:tgtEl>
+                                          <p:spTgt spid="5"/>
+                                        </p:tgtEl>
+                                        <p:attrNameLst>
+                                          <p:attrName>ppt_y</p:attrName>
+                                        </p:attrNameLst>
+                                      </p:cBhvr>
+                                      <p:tavLst>
+                                        <p:tav tm="0">
+                                          <p:val>
+                                            <p:strVal val="ppt_y"/>
+                                          </p:val>
+                                        </p:tav>
+                                        <p:tav tm="100000">
+                                          <p:val>
+                                            <p:strVal val="ppt_y"/>
+                                          </p:val>
+                                        </p:tav>
+                                      </p:tavLst>
+                                    </p:anim>
+                                    <p:set>
+                                      <p:cBhvr>
+                                        <p:cTn id="25" dur="1" fill="hold">
+                                          <p:stCondLst>
+                                            <p:cond delay="499"/>
+                                          </p:stCondLst>
+                                        </p:cTn>
+                                        <p:tgtEl>
+                                          <p:spTgt spid="5"/>
+                                        </p:tgtEl>
+                                        <p:attrNameLst>
+                                          <p:attrName>style.visibility</p:attrName>
+                                        </p:attrNameLst>
+                                      </p:cBhvr>
+                                      <p:to>
+                                        <p:strVal val="hidden"/>
+                                      </p:to>
+                                    </p:set>
+                                  </p:childTnLst>
+                                </p:cTn>
+                              </p:par>
+                            </p:childTnLst>
+                          </p:cTn>
+                        </p:par>
+                        <p:par>
+                          <p:cTn id="26" fill="hold">
+                            <p:stCondLst>
+                              <p:cond delay="500"/>
+                            </p:stCondLst>
+                            <p:childTnLst>
+                              <p:par>
+                                <p:cTn id="27" presetID="2" presetClass="entr" presetSubtype="8" fill="hold" nodeType="afterEffect">
+                                  <p:stCondLst>
+                                    <p:cond delay="0"/>
+                                  </p:stCondLst>
+                                  <p:childTnLst>
+                                    <p:set>
+                                      <p:cBhvr>
+                                        <p:cTn id="28" dur="1" fill="hold">
+                                          <p:stCondLst>
+                                            <p:cond delay="0"/>
+                                          </p:stCondLst>
+                                        </p:cTn>
+                                        <p:tgtEl>
+                                          <p:spTgt spid="7"/>
+                                        </p:tgtEl>
+                                        <p:attrNameLst>
+                                          <p:attrName>style.visibility</p:attrName>
+                                        </p:attrNameLst>
+                                      </p:cBhvr>
+                                      <p:to>
+                                        <p:strVal val="visible"/>
+                                      </p:to>
+                                    </p:set>
+                                    <p:anim calcmode="lin" valueType="num">
+                                      <p:cBhvr additive="base">
+                                        <p:cTn id="29" dur="500" fill="hold"/>
+                                        <p:tgtEl>
+                                          <p:spTgt spid="7"/>
+                                        </p:tgtEl>
+                                        <p:attrNameLst>
+                                          <p:attrName>ppt_x</p:attrName>
+                                        </p:attrNameLst>
+                                      </p:cBhvr>
+                                      <p:tavLst>
+                                        <p:tav tm="0">
+                                          <p:val>
+                                            <p:strVal val="0-#ppt_w/2"/>
+                                          </p:val>
+                                        </p:tav>
+                                        <p:tav tm="100000">
+                                          <p:val>
+                                            <p:strVal val="#ppt_x"/>
+                                          </p:val>
+                                        </p:tav>
+                                      </p:tavLst>
+                                    </p:anim>
+                                    <p:anim calcmode="lin" valueType="num">
+                                      <p:cBhvr additive="base">
+                                        <p:cTn id="30" dur="500" fill="hold"/>
+                                        <p:tgtEl>
+                                          <p:spTgt spid="7"/>
+                                        </p:tgtEl>
+                                        <p:attrNameLst>
+                                          <p:attrName>ppt_y</p:attrName>
+                                        </p:attrNameLst>
+                                      </p:cBhvr>
+                                      <p:tavLst>
+                                        <p:tav tm="0">
+                                          <p:val>
+                                            <p:strVal val="#ppt_y"/>
+                                          </p:val>
+                                        </p:tav>
+                                        <p:tav tm="100000">
+                                          <p:val>
+                                            <p:strVal val="#ppt_y"/>
+                                          </p:val>
+                                        </p:tav>
+                                      </p:tavLst>
+                                    </p:anim>
+                                  </p:childTnLst>
+                                </p:cTn>
+                              </p:par>
+                            </p:childTnLst>
+                          </p:cTn>
+                        </p:par>
+                      </p:childTnLst>
+                    </p:cTn>
+                  </p:par>
+                  <p:par>
+                    <p:cTn id="31" fill="hold">
+                      <p:stCondLst>
+                        <p:cond delay="indefinite"/>
+                      </p:stCondLst>
+                      <p:childTnLst>
+                        <p:par>
+                          <p:cTn id="32" fill="hold">
+                            <p:stCondLst>
+                              <p:cond delay="0"/>
+                            </p:stCondLst>
+                            <p:childTnLst>
+                              <p:par>
+                                <p:cTn id="33" presetID="2" presetClass="exit" presetSubtype="2" fill="hold" nodeType="clickEffect">
+                                  <p:stCondLst>
+                                    <p:cond delay="0"/>
+                                  </p:stCondLst>
+                                  <p:childTnLst>
+                                    <p:anim calcmode="lin" valueType="num">
+                                      <p:cBhvr additive="base">
+                                        <p:cTn id="34" dur="500"/>
+                                        <p:tgtEl>
+                                          <p:spTgt spid="7"/>
+                                        </p:tgtEl>
+                                        <p:attrNameLst>
+                                          <p:attrName>ppt_x</p:attrName>
+                                        </p:attrNameLst>
+                                      </p:cBhvr>
+                                      <p:tavLst>
+                                        <p:tav tm="0">
+                                          <p:val>
+                                            <p:strVal val="ppt_x"/>
+                                          </p:val>
+                                        </p:tav>
+                                        <p:tav tm="100000">
+                                          <p:val>
+                                            <p:strVal val="1+ppt_w/2"/>
+                                          </p:val>
+                                        </p:tav>
+                                      </p:tavLst>
+                                    </p:anim>
+                                    <p:anim calcmode="lin" valueType="num">
+                                      <p:cBhvr additive="base">
+                                        <p:cTn id="35" dur="500"/>
+                                        <p:tgtEl>
+                                          <p:spTgt spid="7"/>
+                                        </p:tgtEl>
+                                        <p:attrNameLst>
+                                          <p:attrName>ppt_y</p:attrName>
+                                        </p:attrNameLst>
+                                      </p:cBhvr>
+                                      <p:tavLst>
+                                        <p:tav tm="0">
+                                          <p:val>
+                                            <p:strVal val="ppt_y"/>
+                                          </p:val>
+                                        </p:tav>
+                                        <p:tav tm="100000">
+                                          <p:val>
+                                            <p:strVal val="ppt_y"/>
+                                          </p:val>
+                                        </p:tav>
+                                      </p:tavLst>
+                                    </p:anim>
+                                    <p:set>
+                                      <p:cBhvr>
+                                        <p:cTn id="36" dur="1" fill="hold">
+                                          <p:stCondLst>
+                                            <p:cond delay="499"/>
+                                          </p:stCondLst>
+                                        </p:cTn>
+                                        <p:tgtEl>
+                                          <p:spTgt spid="7"/>
+                                        </p:tgtEl>
+                                        <p:attrNameLst>
+                                          <p:attrName>style.visibility</p:attrName>
+                                        </p:attrNameLst>
+                                      </p:cBhvr>
+                                      <p:to>
+                                        <p:strVal val="hidden"/>
+                                      </p:to>
+                                    </p:set>
+                                  </p:childTnLst>
+                                </p:cTn>
+                              </p:par>
+                            </p:childTnLst>
+                          </p:cTn>
+                        </p:par>
+                        <p:par>
+                          <p:cTn id="37" fill="hold">
+                            <p:stCondLst>
+                              <p:cond delay="500"/>
+                            </p:stCondLst>
+                            <p:childTnLst>
+                              <p:par>
+                                <p:cTn id="38" presetID="2" presetClass="entr" presetSubtype="8" fill="hold" nodeType="afterEffect">
+                                  <p:stCondLst>
+                                    <p:cond delay="0"/>
+                                  </p:stCondLst>
+                                  <p:childTnLst>
+                                    <p:set>
+                                      <p:cBhvr>
+                                        <p:cTn id="39" dur="1" fill="hold">
+                                          <p:stCondLst>
+                                            <p:cond delay="0"/>
+                                          </p:stCondLst>
+                                        </p:cTn>
+                                        <p:tgtEl>
+                                          <p:spTgt spid="9"/>
+                                        </p:tgtEl>
+                                        <p:attrNameLst>
+                                          <p:attrName>style.visibility</p:attrName>
+                                        </p:attrNameLst>
+                                      </p:cBhvr>
+                                      <p:to>
+                                        <p:strVal val="visible"/>
+                                      </p:to>
+                                    </p:set>
+                                    <p:anim calcmode="lin" valueType="num">
+                                      <p:cBhvr additive="base">
+                                        <p:cTn id="40" dur="500" fill="hold"/>
+                                        <p:tgtEl>
+                                          <p:spTgt spid="9"/>
+                                        </p:tgtEl>
+                                        <p:attrNameLst>
+                                          <p:attrName>ppt_x</p:attrName>
+                                        </p:attrNameLst>
+                                      </p:cBhvr>
+                                      <p:tavLst>
+                                        <p:tav tm="0">
+                                          <p:val>
+                                            <p:strVal val="0-#ppt_w/2"/>
+                                          </p:val>
+                                        </p:tav>
+                                        <p:tav tm="100000">
+                                          <p:val>
+                                            <p:strVal val="#ppt_x"/>
+                                          </p:val>
+                                        </p:tav>
+                                      </p:tavLst>
+                                    </p:anim>
+                                    <p:anim calcmode="lin" valueType="num">
+                                      <p:cBhvr additive="base">
+                                        <p:cTn id="41" dur="500" fill="hold"/>
+                                        <p:tgtEl>
+                                          <p:spTgt spid="9"/>
+                                        </p:tgtEl>
+                                        <p:attrNameLst>
+                                          <p:attrName>ppt_y</p:attrName>
+                                        </p:attrNameLst>
+                                      </p:cBhvr>
+                                      <p:tavLst>
+                                        <p:tav tm="0">
+                                          <p:val>
+                                            <p:strVal val="#ppt_y"/>
+                                          </p:val>
+                                        </p:tav>
+                                        <p:tav tm="100000">
+                                          <p:val>
+                                            <p:strVal val="#ppt_y"/>
+                                          </p:val>
+                                        </p:tav>
+                                      </p:tavLst>
+                                    </p:anim>
+                                  </p:childTnLst>
+                                </p:cTn>
+                              </p:par>
+                            </p:childTnLst>
+                          </p:cTn>
+                        </p:par>
+                      </p:childTnLst>
+                    </p:cTn>
+                  </p:par>
+                  <p:par>
+                    <p:cTn id="42" fill="hold">
+                      <p:stCondLst>
+                        <p:cond delay="indefinite"/>
+                      </p:stCondLst>
+                      <p:childTnLst>
+                        <p:par>
+                          <p:cTn id="43" fill="hold">
+                            <p:stCondLst>
+                              <p:cond delay="0"/>
+                            </p:stCondLst>
+                            <p:childTnLst>
+                              <p:par>
+                                <p:cTn id="44" presetID="2" presetClass="exit" presetSubtype="2" fill="hold" nodeType="clickEffect">
+                                  <p:stCondLst>
+                                    <p:cond delay="0"/>
+                                  </p:stCondLst>
+                                  <p:childTnLst>
+                                    <p:anim calcmode="lin" valueType="num">
+                                      <p:cBhvr additive="base">
+                                        <p:cTn id="45" dur="500"/>
+                                        <p:tgtEl>
+                                          <p:spTgt spid="9"/>
+                                        </p:tgtEl>
+                                        <p:attrNameLst>
+                                          <p:attrName>ppt_x</p:attrName>
+                                        </p:attrNameLst>
+                                      </p:cBhvr>
+                                      <p:tavLst>
+                                        <p:tav tm="0">
+                                          <p:val>
+                                            <p:strVal val="ppt_x"/>
+                                          </p:val>
+                                        </p:tav>
+                                        <p:tav tm="100000">
+                                          <p:val>
+                                            <p:strVal val="1+ppt_w/2"/>
+                                          </p:val>
+                                        </p:tav>
+                                      </p:tavLst>
+                                    </p:anim>
+                                    <p:anim calcmode="lin" valueType="num">
+                                      <p:cBhvr additive="base">
+                                        <p:cTn id="46" dur="500"/>
+                                        <p:tgtEl>
+                                          <p:spTgt spid="9"/>
+                                        </p:tgtEl>
+                                        <p:attrNameLst>
+                                          <p:attrName>ppt_y</p:attrName>
+                                        </p:attrNameLst>
+                                      </p:cBhvr>
+                                      <p:tavLst>
+                                        <p:tav tm="0">
+                                          <p:val>
+                                            <p:strVal val="ppt_y"/>
+                                          </p:val>
+                                        </p:tav>
+                                        <p:tav tm="100000">
+                                          <p:val>
+                                            <p:strVal val="ppt_y"/>
+                                          </p:val>
+                                        </p:tav>
+                                      </p:tavLst>
+                                    </p:anim>
+                                    <p:set>
+                                      <p:cBhvr>
+                                        <p:cTn id="47" dur="1" fill="hold">
+                                          <p:stCondLst>
+                                            <p:cond delay="499"/>
+                                          </p:stCondLst>
+                                        </p:cTn>
+                                        <p:tgtEl>
+                                          <p:spTgt spid="9"/>
+                                        </p:tgtEl>
+                                        <p:attrNameLst>
+                                          <p:attrName>style.visibility</p:attrName>
+                                        </p:attrNameLst>
+                                      </p:cBhvr>
+                                      <p:to>
+                                        <p:strVal val="hidden"/>
+                                      </p:to>
+                                    </p:set>
+                                  </p:childTnLst>
+                                </p:cTn>
+                              </p:par>
+                            </p:childTnLst>
+                          </p:cTn>
+                        </p:par>
+                        <p:par>
+                          <p:cTn id="48" fill="hold">
+                            <p:stCondLst>
+                              <p:cond delay="500"/>
+                            </p:stCondLst>
+                            <p:childTnLst>
+                              <p:par>
+                                <p:cTn id="49" presetID="2" presetClass="entr" presetSubtype="8" fill="hold" nodeType="afterEffect">
+                                  <p:stCondLst>
+                                    <p:cond delay="0"/>
+                                  </p:stCondLst>
+                                  <p:childTnLst>
+                                    <p:set>
+                                      <p:cBhvr>
+                                        <p:cTn id="50" dur="1" fill="hold">
+                                          <p:stCondLst>
+                                            <p:cond delay="0"/>
+                                          </p:stCondLst>
+                                        </p:cTn>
+                                        <p:tgtEl>
+                                          <p:spTgt spid="11"/>
+                                        </p:tgtEl>
+                                        <p:attrNameLst>
+                                          <p:attrName>style.visibility</p:attrName>
+                                        </p:attrNameLst>
+                                      </p:cBhvr>
+                                      <p:to>
+                                        <p:strVal val="visible"/>
+                                      </p:to>
+                                    </p:set>
+                                    <p:anim calcmode="lin" valueType="num">
+                                      <p:cBhvr additive="base">
+                                        <p:cTn id="51" dur="500" fill="hold"/>
+                                        <p:tgtEl>
+                                          <p:spTgt spid="11"/>
+                                        </p:tgtEl>
+                                        <p:attrNameLst>
+                                          <p:attrName>ppt_x</p:attrName>
+                                        </p:attrNameLst>
+                                      </p:cBhvr>
+                                      <p:tavLst>
+                                        <p:tav tm="0">
+                                          <p:val>
+                                            <p:strVal val="0-#ppt_w/2"/>
+                                          </p:val>
+                                        </p:tav>
+                                        <p:tav tm="100000">
+                                          <p:val>
+                                            <p:strVal val="#ppt_x"/>
+                                          </p:val>
+                                        </p:tav>
+                                      </p:tavLst>
+                                    </p:anim>
+                                    <p:anim calcmode="lin" valueType="num">
+                                      <p:cBhvr additive="base">
+                                        <p:cTn id="52" dur="500" fill="hold"/>
+                                        <p:tgtEl>
+                                          <p:spTgt spid="11"/>
+                                        </p:tgtEl>
+                                        <p:attrNameLst>
+                                          <p:attrName>ppt_y</p:attrName>
+                                        </p:attrNameLst>
+                                      </p:cBhvr>
+                                      <p:tavLst>
+                                        <p:tav tm="0">
+                                          <p:val>
+                                            <p:strVal val="#ppt_y"/>
+                                          </p:val>
+                                        </p:tav>
+                                        <p:tav tm="100000">
+                                          <p:val>
+                                            <p:strVal val="#ppt_y"/>
+                                          </p:val>
+                                        </p:tav>
+                                      </p:tavLst>
+                                    </p:anim>
+                                  </p:childTnLst>
+                                </p:cTn>
+                              </p:par>
+                            </p:childTnLst>
+                          </p:cTn>
+                        </p:par>
+                      </p:childTnLst>
+                    </p:cTn>
+                  </p:par>
+                  <p:par>
+                    <p:cTn id="53" fill="hold">
+                      <p:stCondLst>
+                        <p:cond delay="indefinite"/>
+                      </p:stCondLst>
+                      <p:childTnLst>
+                        <p:par>
+                          <p:cTn id="54" fill="hold">
+                            <p:stCondLst>
+                              <p:cond delay="0"/>
+                            </p:stCondLst>
+                            <p:childTnLst>
+                              <p:par>
+                                <p:cTn id="55" presetID="2" presetClass="exit" presetSubtype="2" fill="hold" nodeType="clickEffect">
+                                  <p:stCondLst>
+                                    <p:cond delay="0"/>
+                                  </p:stCondLst>
+                                  <p:childTnLst>
+                                    <p:anim calcmode="lin" valueType="num">
+                                      <p:cBhvr additive="base">
+                                        <p:cTn id="56" dur="500"/>
+                                        <p:tgtEl>
+                                          <p:spTgt spid="11"/>
+                                        </p:tgtEl>
+                                        <p:attrNameLst>
+                                          <p:attrName>ppt_x</p:attrName>
+                                        </p:attrNameLst>
+                                      </p:cBhvr>
+                                      <p:tavLst>
+                                        <p:tav tm="0">
+                                          <p:val>
+                                            <p:strVal val="ppt_x"/>
+                                          </p:val>
+                                        </p:tav>
+                                        <p:tav tm="100000">
+                                          <p:val>
+                                            <p:strVal val="1+ppt_w/2"/>
+                                          </p:val>
+                                        </p:tav>
+                                      </p:tavLst>
+                                    </p:anim>
+                                    <p:anim calcmode="lin" valueType="num">
+                                      <p:cBhvr additive="base">
+                                        <p:cTn id="57" dur="500"/>
+                                        <p:tgtEl>
+                                          <p:spTgt spid="11"/>
+                                        </p:tgtEl>
+                                        <p:attrNameLst>
+                                          <p:attrName>ppt_y</p:attrName>
+                                        </p:attrNameLst>
+                                      </p:cBhvr>
+                                      <p:tavLst>
+                                        <p:tav tm="0">
+                                          <p:val>
+                                            <p:strVal val="ppt_y"/>
+                                          </p:val>
+                                        </p:tav>
+                                        <p:tav tm="100000">
+                                          <p:val>
+                                            <p:strVal val="ppt_y"/>
+                                          </p:val>
+                                        </p:tav>
+                                      </p:tavLst>
+                                    </p:anim>
+                                    <p:set>
+                                      <p:cBhvr>
+                                        <p:cTn id="58" dur="1" fill="hold">
+                                          <p:stCondLst>
+                                            <p:cond delay="499"/>
+                                          </p:stCondLst>
+                                        </p:cTn>
+                                        <p:tgtEl>
+                                          <p:spTgt spid="11"/>
+                                        </p:tgtEl>
+                                        <p:attrNameLst>
+                                          <p:attrName>style.visibility</p:attrName>
+                                        </p:attrNameLst>
+                                      </p:cBhvr>
+                                      <p:to>
+                                        <p:strVal val="hidden"/>
+                                      </p:to>
+                                    </p:set>
+                                  </p:childTnLst>
+                                </p:cTn>
+                              </p:par>
+                            </p:childTnLst>
+                          </p:cTn>
+                        </p:par>
+                      </p:childTnLst>
+                    </p:cTn>
+                  </p:par>
+                </p:childTnLst>
+              </p:cTn>
+              <p:prevCondLst>
+                <p:cond evt="onPrev" delay="0">
+                  <p:tgtEl>
+                    <p:sldTgt/>
+                  </p:tgtEl>
+                </p:cond>
+              </p:prevCondLst>
+              <p:nextCondLst>
+                <p:cond evt="onNext" delay="0">
+                  <p:tgtEl>
+                    <p:sldTgt/>
+                  </p:tgtEl>
+                </p:cond>
+              </p:nextCondLst>
+            </p:seq>
+          </p:childTnLst>
+        </p:cTn>
+      </p:par>
+    </p:tnLst>
+  </p:timing>
+</p:sld>
+</file>
+
+<file path=ppt/slides/slide11.xml><?xml version="1.0" encoding="utf-8"?>
+<p:sld xmlns:a="http://schemas.openxmlformats.org/drawingml/2006/main" xmlns:r="http://schemas.openxmlformats.org/officeDocument/2006/relationships" xmlns:p="http://schemas.openxmlformats.org/presentationml/2006/main">
+  <p:cSld>
+    <p:spTree>
+      <p:nvGrpSpPr>
+        <p:cNvPr id="1" name=""/>
+        <p:cNvGrpSpPr/>
+        <p:nvPr/>
+      </p:nvGrpSpPr>
+      <p:grpSpPr>
+        <a:xfrm>
+          <a:off x="0" y="0"/>
+          <a:ext cx="0" cy="0"/>
+          <a:chOff x="0" y="0"/>
+          <a:chExt cx="0" cy="0"/>
+        </a:xfrm>
+      </p:grpSpPr>
+      <p:sp>
+        <p:nvSpPr>
+          <p:cNvPr id="2" name="Titel 1">
+            <a:extLst>
+              <a:ext uri="{FF2B5EF4-FFF2-40B4-BE49-F238E27FC236}">
+                <a16:creationId xmlns:a16="http://schemas.microsoft.com/office/drawing/2014/main" id="{FFFFF3D2-1E34-49E7-BB27-894915B28835}"/>
+              </a:ext>
+            </a:extLst>
+          </p:cNvPr>
+          <p:cNvSpPr>
+            <a:spLocks noGrp="1"/>
+          </p:cNvSpPr>
+          <p:nvPr>
+            <p:ph type="title"/>
+          </p:nvPr>
+        </p:nvSpPr>
+        <p:spPr/>
+        <p:txBody>
+          <a:bodyPr/>
+          <a:lstStyle/>
+          <a:p>
+            <a:r>
+              <a:rPr lang="de-DE" dirty="0"/>
+              <a:t>Schutz gegen Single Mode</a:t>
+            </a:r>
+          </a:p>
+        </p:txBody>
+      </p:sp>
+      <p:sp>
+        <p:nvSpPr>
+          <p:cNvPr id="3" name="Inhaltsplatzhalter 2">
+            <a:extLst>
+              <a:ext uri="{FF2B5EF4-FFF2-40B4-BE49-F238E27FC236}">
+                <a16:creationId xmlns:a16="http://schemas.microsoft.com/office/drawing/2014/main" id="{B44A0750-EB18-4C30-A069-53C4A4E7AFAD}"/>
+              </a:ext>
+            </a:extLst>
+          </p:cNvPr>
+          <p:cNvSpPr>
+            <a:spLocks noGrp="1"/>
+          </p:cNvSpPr>
+          <p:nvPr>
+            <p:ph idx="1"/>
+          </p:nvPr>
+        </p:nvSpPr>
+        <p:spPr/>
+        <p:txBody>
+          <a:bodyPr/>
+          <a:lstStyle/>
+          <a:p>
+            <a:pPr marL="0" indent="0">
+              <a:buNone/>
+            </a:pPr>
+            <a:endParaRPr lang="de-DE" dirty="0"/>
+          </a:p>
+          <a:p>
+            <a:r>
+              <a:rPr lang="de-DE" dirty="0"/>
+              <a:t>Schutz:</a:t>
+            </a:r>
+          </a:p>
+          <a:p>
+            <a:pPr lvl="1"/>
+            <a:r>
+              <a:rPr lang="de-DE" dirty="0"/>
+              <a:t>Lange Passwörter</a:t>
+            </a:r>
+          </a:p>
+          <a:p>
+            <a:pPr lvl="2"/>
+            <a:r>
+              <a:rPr lang="de-DE" dirty="0"/>
+              <a:t>Pro Zeichen  „verdoppelt sich die Zeit“</a:t>
+            </a:r>
+          </a:p>
+          <a:p>
+            <a:endParaRPr lang="de-DE" dirty="0"/>
+          </a:p>
+          <a:p>
+            <a:endParaRPr lang="de-DE" dirty="0"/>
+          </a:p>
+          <a:p>
+            <a:pPr lvl="1"/>
+            <a:r>
+              <a:rPr lang="de-DE" dirty="0"/>
+              <a:t>Lange Schlüssel und komplexe Passwörter</a:t>
+            </a:r>
+          </a:p>
+          <a:p>
+            <a:pPr lvl="1"/>
+            <a:endParaRPr lang="de-DE" dirty="0"/>
+          </a:p>
+        </p:txBody>
+      </p:sp>
+    </p:spTree>
+    <p:extLst>
+      <p:ext uri="{BB962C8B-B14F-4D97-AF65-F5344CB8AC3E}">
+        <p14:creationId xmlns:p14="http://schemas.microsoft.com/office/powerpoint/2010/main" val="1871744181"/>
+      </p:ext>
+    </p:extLst>
+  </p:cSld>
+  <p:clrMapOvr>
+    <a:masterClrMapping/>
+  </p:clrMapOvr>
+</p:sld>
+</file>
+
+<file path=ppt/slides/slide12.xml><?xml version="1.0" encoding="utf-8"?>
 <p:sld xmlns:a="http://schemas.openxmlformats.org/drawingml/2006/main" xmlns:r="http://schemas.openxmlformats.org/officeDocument/2006/relationships" xmlns:p="http://schemas.openxmlformats.org/presentationml/2006/main">
   <p:cSld>
     <p:spTree>
@@ -15173,7 +16527,7 @@
 </p:sld>
 </file>
 
-<file path=ppt/slides/slide11.xml><?xml version="1.0" encoding="utf-8"?>
+<file path=ppt/slides/slide13.xml><?xml version="1.0" encoding="utf-8"?>
 <p:sld xmlns:a="http://schemas.openxmlformats.org/drawingml/2006/main" xmlns:r="http://schemas.openxmlformats.org/officeDocument/2006/relationships" xmlns:p="http://schemas.openxmlformats.org/presentationml/2006/main">
   <p:cSld>
     <p:spTree>
@@ -16385,7 +17739,7 @@
 </p:sld>
 </file>
 
-<file path=ppt/slides/slide12.xml><?xml version="1.0" encoding="utf-8"?>
+<file path=ppt/slides/slide14.xml><?xml version="1.0" encoding="utf-8"?>
 <p:sld xmlns:a="http://schemas.openxmlformats.org/drawingml/2006/main" xmlns:r="http://schemas.openxmlformats.org/officeDocument/2006/relationships" xmlns:p="http://schemas.openxmlformats.org/presentationml/2006/main">
   <p:cSld>
     <p:spTree>
@@ -17324,7 +18678,7 @@
 </p:sld>
 </file>
 
-<file path=ppt/slides/slide13.xml><?xml version="1.0" encoding="utf-8"?>
+<file path=ppt/slides/slide15.xml><?xml version="1.0" encoding="utf-8"?>
 <p:sld xmlns:a="http://schemas.openxmlformats.org/drawingml/2006/main" xmlns:r="http://schemas.openxmlformats.org/officeDocument/2006/relationships" xmlns:p="http://schemas.openxmlformats.org/presentationml/2006/main">
   <p:cSld>
     <p:spTree>
@@ -17773,7 +19127,7 @@
 </p:sld>
 </file>
 
-<file path=ppt/slides/slide14.xml><?xml version="1.0" encoding="utf-8"?>
+<file path=ppt/slides/slide16.xml><?xml version="1.0" encoding="utf-8"?>
 <p:sld xmlns:a="http://schemas.openxmlformats.org/drawingml/2006/main" xmlns:r="http://schemas.openxmlformats.org/officeDocument/2006/relationships" xmlns:p="http://schemas.openxmlformats.org/presentationml/2006/main">
   <p:cSld>
     <p:spTree>
@@ -17843,6 +19197,15 @@
               <a:rPr lang="de-DE" dirty="0"/>
               <a:t>Vermeiden offensichtlicher Zusammenhänge</a:t>
             </a:r>
+          </a:p>
+          <a:p>
+            <a:r>
+              <a:rPr lang="de-DE" dirty="0"/>
+              <a:t>Lange und komplexe Passwörter</a:t>
+            </a:r>
+          </a:p>
+          <a:p>
+            <a:endParaRPr lang="de-DE" dirty="0"/>
           </a:p>
           <a:p>
             <a:pPr marL="0" indent="0">
@@ -17901,7 +19264,7 @@
 </p:sld>
 </file>
 
-<file path=ppt/slides/slide15.xml><?xml version="1.0" encoding="utf-8"?>
+<file path=ppt/slides/slide17.xml><?xml version="1.0" encoding="utf-8"?>
 <p:sld xmlns:a="http://schemas.openxmlformats.org/drawingml/2006/main" xmlns:r="http://schemas.openxmlformats.org/officeDocument/2006/relationships" xmlns:p="http://schemas.openxmlformats.org/presentationml/2006/main">
   <p:cSld>
     <p:spTree>
@@ -18637,7 +20000,7 @@
 </p:sld>
 </file>
 
-<file path=ppt/slides/slide16.xml><?xml version="1.0" encoding="utf-8"?>
+<file path=ppt/slides/slide18.xml><?xml version="1.0" encoding="utf-8"?>
 <p:sld xmlns:a="http://schemas.openxmlformats.org/drawingml/2006/main" xmlns:r="http://schemas.openxmlformats.org/officeDocument/2006/relationships" xmlns:p="http://schemas.openxmlformats.org/presentationml/2006/main">
   <p:cSld>
     <p:spTree>
@@ -19969,6 +21332,93 @@
       <p:bldP spid="10" grpId="0" uiExpand="1" build="p"/>
     </p:bldLst>
   </p:timing>
+</p:sld>
+</file>
+
+<file path=ppt/slides/slide19.xml><?xml version="1.0" encoding="utf-8"?>
+<p:sld xmlns:a="http://schemas.openxmlformats.org/drawingml/2006/main" xmlns:r="http://schemas.openxmlformats.org/officeDocument/2006/relationships" xmlns:p="http://schemas.openxmlformats.org/presentationml/2006/main">
+  <p:cSld>
+    <p:spTree>
+      <p:nvGrpSpPr>
+        <p:cNvPr id="1" name=""/>
+        <p:cNvGrpSpPr/>
+        <p:nvPr/>
+      </p:nvGrpSpPr>
+      <p:grpSpPr>
+        <a:xfrm>
+          <a:off x="0" y="0"/>
+          <a:ext cx="0" cy="0"/>
+          <a:chOff x="0" y="0"/>
+          <a:chExt cx="0" cy="0"/>
+        </a:xfrm>
+      </p:grpSpPr>
+      <p:sp>
+        <p:nvSpPr>
+          <p:cNvPr id="2" name="Titel 1">
+            <a:extLst>
+              <a:ext uri="{FF2B5EF4-FFF2-40B4-BE49-F238E27FC236}">
+                <a16:creationId xmlns:a16="http://schemas.microsoft.com/office/drawing/2014/main" id="{4A5B6524-CA27-4C53-A51D-D357FEA3080F}"/>
+              </a:ext>
+            </a:extLst>
+          </p:cNvPr>
+          <p:cNvSpPr>
+            <a:spLocks noGrp="1"/>
+          </p:cNvSpPr>
+          <p:nvPr>
+            <p:ph type="title"/>
+          </p:nvPr>
+        </p:nvSpPr>
+        <p:spPr/>
+        <p:txBody>
+          <a:bodyPr/>
+          <a:lstStyle/>
+          <a:p>
+            <a:r>
+              <a:rPr lang="de-DE" dirty="0" err="1"/>
+              <a:t>Abschluß</a:t>
+            </a:r>
+            <a:endParaRPr lang="de-DE" dirty="0"/>
+          </a:p>
+        </p:txBody>
+      </p:sp>
+      <p:sp>
+        <p:nvSpPr>
+          <p:cNvPr id="3" name="Inhaltsplatzhalter 2">
+            <a:extLst>
+              <a:ext uri="{FF2B5EF4-FFF2-40B4-BE49-F238E27FC236}">
+                <a16:creationId xmlns:a16="http://schemas.microsoft.com/office/drawing/2014/main" id="{D1E5BA89-9F86-4839-BFED-C12351627DB2}"/>
+              </a:ext>
+            </a:extLst>
+          </p:cNvPr>
+          <p:cNvSpPr>
+            <a:spLocks noGrp="1"/>
+          </p:cNvSpPr>
+          <p:nvPr>
+            <p:ph idx="1"/>
+          </p:nvPr>
+        </p:nvSpPr>
+        <p:spPr/>
+        <p:txBody>
+          <a:bodyPr/>
+          <a:lstStyle/>
+          <a:p>
+            <a:r>
+              <a:rPr lang="de-DE" dirty="0"/>
+              <a:t>„Hacker“-musik</a:t>
+            </a:r>
+          </a:p>
+        </p:txBody>
+      </p:sp>
+    </p:spTree>
+    <p:extLst>
+      <p:ext uri="{BB962C8B-B14F-4D97-AF65-F5344CB8AC3E}">
+        <p14:creationId xmlns:p14="http://schemas.microsoft.com/office/powerpoint/2010/main" val="1582753965"/>
+      </p:ext>
+    </p:extLst>
+  </p:cSld>
+  <p:clrMapOvr>
+    <a:masterClrMapping/>
+  </p:clrMapOvr>
 </p:sld>
 </file>
 
@@ -25403,15 +26853,7 @@
             <a:pPr lvl="2"/>
             <a:r>
               <a:rPr lang="de-DE" dirty="0"/>
-              <a:t>2014, nachdem ein anderer </a:t>
-            </a:r>
-            <a:r>
-              <a:rPr lang="de-DE"/>
-              <a:t>Bug entdeckt </a:t>
-            </a:r>
-            <a:r>
-              <a:rPr lang="de-DE" dirty="0"/>
-              <a:t>wurde</a:t>
+              <a:t>2014, nachdem ein anderer Bug entdeckt wurde</a:t>
             </a:r>
           </a:p>
           <a:p>
@@ -26450,6 +27892,89 @@
           <p:cNvPr id="2" name="Titel 1">
             <a:extLst>
               <a:ext uri="{FF2B5EF4-FFF2-40B4-BE49-F238E27FC236}">
+                <a16:creationId xmlns:a16="http://schemas.microsoft.com/office/drawing/2014/main" id="{9AB78439-F25E-4245-8597-1B13440D7307}"/>
+              </a:ext>
+            </a:extLst>
+          </p:cNvPr>
+          <p:cNvSpPr>
+            <a:spLocks noGrp="1"/>
+          </p:cNvSpPr>
+          <p:nvPr>
+            <p:ph type="title"/>
+          </p:nvPr>
+        </p:nvSpPr>
+        <p:spPr/>
+        <p:txBody>
+          <a:bodyPr/>
+          <a:lstStyle/>
+          <a:p>
+            <a:r>
+              <a:rPr lang="de-DE" dirty="0"/>
+              <a:t>Wie Windows Passwörter speichert</a:t>
+            </a:r>
+          </a:p>
+        </p:txBody>
+      </p:sp>
+      <p:sp>
+        <p:nvSpPr>
+          <p:cNvPr id="3" name="Inhaltsplatzhalter 2">
+            <a:extLst>
+              <a:ext uri="{FF2B5EF4-FFF2-40B4-BE49-F238E27FC236}">
+                <a16:creationId xmlns:a16="http://schemas.microsoft.com/office/drawing/2014/main" id="{966FA5B4-C311-4355-ACA8-9502FD054FCA}"/>
+              </a:ext>
+            </a:extLst>
+          </p:cNvPr>
+          <p:cNvSpPr>
+            <a:spLocks noGrp="1"/>
+          </p:cNvSpPr>
+          <p:nvPr>
+            <p:ph idx="1"/>
+          </p:nvPr>
+        </p:nvSpPr>
+        <p:spPr/>
+        <p:txBody>
+          <a:bodyPr/>
+          <a:lstStyle/>
+          <a:p>
+            <a:endParaRPr lang="de-DE"/>
+          </a:p>
+        </p:txBody>
+      </p:sp>
+    </p:spTree>
+    <p:extLst>
+      <p:ext uri="{BB962C8B-B14F-4D97-AF65-F5344CB8AC3E}">
+        <p14:creationId xmlns:p14="http://schemas.microsoft.com/office/powerpoint/2010/main" val="43353067"/>
+      </p:ext>
+    </p:extLst>
+  </p:cSld>
+  <p:clrMapOvr>
+    <a:masterClrMapping/>
+  </p:clrMapOvr>
+</p:sld>
+</file>
+
+<file path=ppt/slides/slide7.xml><?xml version="1.0" encoding="utf-8"?>
+<p:sld xmlns:a="http://schemas.openxmlformats.org/drawingml/2006/main" xmlns:r="http://schemas.openxmlformats.org/officeDocument/2006/relationships" xmlns:p="http://schemas.openxmlformats.org/presentationml/2006/main">
+  <p:cSld>
+    <p:spTree>
+      <p:nvGrpSpPr>
+        <p:cNvPr id="1" name=""/>
+        <p:cNvGrpSpPr/>
+        <p:nvPr/>
+      </p:nvGrpSpPr>
+      <p:grpSpPr>
+        <a:xfrm>
+          <a:off x="0" y="0"/>
+          <a:ext cx="0" cy="0"/>
+          <a:chOff x="0" y="0"/>
+          <a:chExt cx="0" cy="0"/>
+        </a:xfrm>
+      </p:grpSpPr>
+      <p:sp>
+        <p:nvSpPr>
+          <p:cNvPr id="2" name="Titel 1">
+            <a:extLst>
+              <a:ext uri="{FF2B5EF4-FFF2-40B4-BE49-F238E27FC236}">
                 <a16:creationId xmlns:a16="http://schemas.microsoft.com/office/drawing/2014/main" id="{3EC2B3AA-E0DC-4823-893F-EB3C3745E69A}"/>
               </a:ext>
             </a:extLst>
@@ -27063,7 +28588,7 @@
 </p:sld>
 </file>
 
-<file path=ppt/slides/slide7.xml><?xml version="1.0" encoding="utf-8"?>
+<file path=ppt/slides/slide8.xml><?xml version="1.0" encoding="utf-8"?>
 <p:sld xmlns:a="http://schemas.openxmlformats.org/drawingml/2006/main" xmlns:r="http://schemas.openxmlformats.org/officeDocument/2006/relationships" xmlns:p="http://schemas.openxmlformats.org/presentationml/2006/main">
   <p:cSld>
     <p:spTree>
@@ -27503,7 +29028,7 @@
 </p:sld>
 </file>
 
-<file path=ppt/slides/slide8.xml><?xml version="1.0" encoding="utf-8"?>
+<file path=ppt/slides/slide9.xml><?xml version="1.0" encoding="utf-8"?>
 <p:sld xmlns:a="http://schemas.openxmlformats.org/drawingml/2006/main" xmlns:r="http://schemas.openxmlformats.org/officeDocument/2006/relationships" xmlns:p="http://schemas.openxmlformats.org/presentationml/2006/main">
   <p:cSld>
     <p:spTree>
@@ -27547,7 +29072,7 @@
             </a:r>
             <a:r>
               <a:rPr lang="de-DE" b="1" dirty="0"/>
-              <a:t> Force</a:t>
+              <a:t> Force Angriffe</a:t>
             </a:r>
           </a:p>
         </p:txBody>
@@ -27588,23 +29113,15 @@
             </a:r>
           </a:p>
           <a:p>
-            <a:pPr marL="0" indent="0">
-              <a:buNone/>
-            </a:pPr>
+            <a:r>
+              <a:rPr lang="de-DE" dirty="0"/>
+              <a:t>Mit </a:t>
+            </a:r>
+            <a:r>
+              <a:rPr lang="de-DE"/>
+              <a:t>roher Gewalt</a:t>
+            </a:r>
             <a:endParaRPr lang="de-DE" dirty="0"/>
-          </a:p>
-          <a:p>
-            <a:r>
-              <a:rPr lang="de-DE" dirty="0"/>
-              <a:t>Schutz:</a:t>
-            </a:r>
-          </a:p>
-          <a:p>
-            <a:pPr lvl="1"/>
-            <a:r>
-              <a:rPr lang="de-DE" dirty="0"/>
-              <a:t>Lange Schlüssel und komplexe Passwörter</a:t>
-            </a:r>
           </a:p>
         </p:txBody>
       </p:sp>
@@ -27654,1234 +29171,6 @@
   <p:clrMapOvr>
     <a:masterClrMapping/>
   </p:clrMapOvr>
-</p:sld>
-</file>
-
-<file path=ppt/slides/slide9.xml><?xml version="1.0" encoding="utf-8"?>
-<p:sld xmlns:a="http://schemas.openxmlformats.org/drawingml/2006/main" xmlns:r="http://schemas.openxmlformats.org/officeDocument/2006/relationships" xmlns:p="http://schemas.openxmlformats.org/presentationml/2006/main">
-  <p:cSld>
-    <p:spTree>
-      <p:nvGrpSpPr>
-        <p:cNvPr id="1" name=""/>
-        <p:cNvGrpSpPr/>
-        <p:nvPr/>
-      </p:nvGrpSpPr>
-      <p:grpSpPr>
-        <a:xfrm>
-          <a:off x="0" y="0"/>
-          <a:ext cx="0" cy="0"/>
-          <a:chOff x="0" y="0"/>
-          <a:chExt cx="0" cy="0"/>
-        </a:xfrm>
-      </p:grpSpPr>
-      <p:sp>
-        <p:nvSpPr>
-          <p:cNvPr id="2" name="Titel 1">
-            <a:extLst>
-              <a:ext uri="{FF2B5EF4-FFF2-40B4-BE49-F238E27FC236}">
-                <a16:creationId xmlns:a16="http://schemas.microsoft.com/office/drawing/2014/main" id="{5AEBCDB1-1BF7-4FCB-B4F2-580BFD6FFA10}"/>
-              </a:ext>
-            </a:extLst>
-          </p:cNvPr>
-          <p:cNvSpPr>
-            <a:spLocks noGrp="1"/>
-          </p:cNvSpPr>
-          <p:nvPr>
-            <p:ph type="title"/>
-          </p:nvPr>
-        </p:nvSpPr>
-        <p:spPr/>
-        <p:txBody>
-          <a:bodyPr/>
-          <a:lstStyle/>
-          <a:p>
-            <a:r>
-              <a:rPr lang="de-DE" dirty="0"/>
-              <a:t>Single Mode </a:t>
-            </a:r>
-            <a:br>
-              <a:rPr lang="de-DE" dirty="0"/>
-            </a:br>
-            <a:r>
-              <a:rPr lang="de-DE" dirty="0"/>
-              <a:t>Beispiel : </a:t>
-            </a:r>
-          </a:p>
-        </p:txBody>
-      </p:sp>
-      <p:sp>
-        <p:nvSpPr>
-          <p:cNvPr id="3" name="Inhaltsplatzhalter 2">
-            <a:extLst>
-              <a:ext uri="{FF2B5EF4-FFF2-40B4-BE49-F238E27FC236}">
-                <a16:creationId xmlns:a16="http://schemas.microsoft.com/office/drawing/2014/main" id="{CF379B11-251C-4092-8B34-7EB1F61C3384}"/>
-              </a:ext>
-            </a:extLst>
-          </p:cNvPr>
-          <p:cNvSpPr>
-            <a:spLocks noGrp="1"/>
-          </p:cNvSpPr>
-          <p:nvPr>
-            <p:ph idx="1"/>
-          </p:nvPr>
-        </p:nvSpPr>
-        <p:spPr>
-          <a:xfrm>
-            <a:off x="666640" y="1930400"/>
-            <a:ext cx="8596668" cy="3880773"/>
-          </a:xfrm>
-        </p:spPr>
-        <p:txBody>
-          <a:bodyPr/>
-          <a:lstStyle/>
-          <a:p>
-            <a:r>
-              <a:rPr lang="de-DE" dirty="0"/>
-              <a:t>Hier zeigen wir wie man </a:t>
-            </a:r>
-            <a:r>
-              <a:rPr lang="de-DE" dirty="0" err="1"/>
-              <a:t>Brute</a:t>
-            </a:r>
-            <a:r>
-              <a:rPr lang="de-DE" dirty="0"/>
-              <a:t> Force (Single Mode) auf eine einfache *.</a:t>
-            </a:r>
-            <a:r>
-              <a:rPr lang="de-DE" dirty="0" err="1"/>
-              <a:t>zip</a:t>
-            </a:r>
-            <a:r>
-              <a:rPr lang="de-DE" dirty="0"/>
-              <a:t> anwendet dessen Passwort man vergessen hat.</a:t>
-            </a:r>
-          </a:p>
-          <a:p>
-            <a:endParaRPr lang="de-DE" dirty="0"/>
-          </a:p>
-        </p:txBody>
-      </p:sp>
-      <p:pic>
-        <p:nvPicPr>
-          <p:cNvPr id="5" name="Grafik 4">
-            <a:extLst>
-              <a:ext uri="{FF2B5EF4-FFF2-40B4-BE49-F238E27FC236}">
-                <a16:creationId xmlns:a16="http://schemas.microsoft.com/office/drawing/2014/main" id="{DA1FEB18-C376-45F7-B291-DCC4F0FE048B}"/>
-              </a:ext>
-            </a:extLst>
-          </p:cNvPr>
-          <p:cNvPicPr>
-            <a:picLocks noChangeAspect="1"/>
-          </p:cNvPicPr>
-          <p:nvPr/>
-        </p:nvPicPr>
-        <p:blipFill>
-          <a:blip r:embed="rId2">
-            <a:extLst>
-              <a:ext uri="{28A0092B-C50C-407E-A947-70E740481C1C}">
-                <a14:useLocalDpi xmlns:a14="http://schemas.microsoft.com/office/drawing/2010/main" val="0"/>
-              </a:ext>
-            </a:extLst>
-          </a:blip>
-          <a:stretch>
-            <a:fillRect/>
-          </a:stretch>
-        </p:blipFill>
-        <p:spPr>
-          <a:xfrm>
-            <a:off x="838200" y="2743514"/>
-            <a:ext cx="8253549" cy="3474467"/>
-          </a:xfrm>
-          <a:prstGeom prst="rect">
-            <a:avLst/>
-          </a:prstGeom>
-        </p:spPr>
-      </p:pic>
-      <p:pic>
-        <p:nvPicPr>
-          <p:cNvPr id="7" name="Grafik 6">
-            <a:extLst>
-              <a:ext uri="{FF2B5EF4-FFF2-40B4-BE49-F238E27FC236}">
-                <a16:creationId xmlns:a16="http://schemas.microsoft.com/office/drawing/2014/main" id="{C7881F4D-D3F6-4D94-AD34-7FC9FDBD8BDC}"/>
-              </a:ext>
-            </a:extLst>
-          </p:cNvPr>
-          <p:cNvPicPr>
-            <a:picLocks noChangeAspect="1"/>
-          </p:cNvPicPr>
-          <p:nvPr/>
-        </p:nvPicPr>
-        <p:blipFill>
-          <a:blip r:embed="rId3">
-            <a:extLst>
-              <a:ext uri="{28A0092B-C50C-407E-A947-70E740481C1C}">
-                <a14:useLocalDpi xmlns:a14="http://schemas.microsoft.com/office/drawing/2010/main" val="0"/>
-              </a:ext>
-            </a:extLst>
-          </a:blip>
-          <a:stretch>
-            <a:fillRect/>
-          </a:stretch>
-        </p:blipFill>
-        <p:spPr>
-          <a:xfrm>
-            <a:off x="869732" y="2768371"/>
-            <a:ext cx="8214826" cy="3474467"/>
-          </a:xfrm>
-          <a:prstGeom prst="rect">
-            <a:avLst/>
-          </a:prstGeom>
-        </p:spPr>
-      </p:pic>
-      <p:pic>
-        <p:nvPicPr>
-          <p:cNvPr id="9" name="Grafik 8">
-            <a:extLst>
-              <a:ext uri="{FF2B5EF4-FFF2-40B4-BE49-F238E27FC236}">
-                <a16:creationId xmlns:a16="http://schemas.microsoft.com/office/drawing/2014/main" id="{6318C199-4307-4695-BB3F-CAD353FC60AA}"/>
-              </a:ext>
-            </a:extLst>
-          </p:cNvPr>
-          <p:cNvPicPr>
-            <a:picLocks noChangeAspect="1"/>
-          </p:cNvPicPr>
-          <p:nvPr/>
-        </p:nvPicPr>
-        <p:blipFill>
-          <a:blip r:embed="rId4">
-            <a:extLst>
-              <a:ext uri="{28A0092B-C50C-407E-A947-70E740481C1C}">
-                <a14:useLocalDpi xmlns:a14="http://schemas.microsoft.com/office/drawing/2010/main" val="0"/>
-              </a:ext>
-            </a:extLst>
-          </a:blip>
-          <a:stretch>
-            <a:fillRect/>
-          </a:stretch>
-        </p:blipFill>
-        <p:spPr>
-          <a:xfrm>
-            <a:off x="838200" y="2743514"/>
-            <a:ext cx="8556123" cy="5269619"/>
-          </a:xfrm>
-          <a:prstGeom prst="rect">
-            <a:avLst/>
-          </a:prstGeom>
-        </p:spPr>
-      </p:pic>
-      <p:pic>
-        <p:nvPicPr>
-          <p:cNvPr id="11" name="Grafik 10">
-            <a:extLst>
-              <a:ext uri="{FF2B5EF4-FFF2-40B4-BE49-F238E27FC236}">
-                <a16:creationId xmlns:a16="http://schemas.microsoft.com/office/drawing/2014/main" id="{E0CE7FFE-9B52-42EE-A75A-2E477EB61C6B}"/>
-              </a:ext>
-            </a:extLst>
-          </p:cNvPr>
-          <p:cNvPicPr>
-            <a:picLocks noChangeAspect="1"/>
-          </p:cNvPicPr>
-          <p:nvPr/>
-        </p:nvPicPr>
-        <p:blipFill>
-          <a:blip r:embed="rId5">
-            <a:extLst>
-              <a:ext uri="{28A0092B-C50C-407E-A947-70E740481C1C}">
-                <a14:useLocalDpi xmlns:a14="http://schemas.microsoft.com/office/drawing/2010/main" val="0"/>
-              </a:ext>
-            </a:extLst>
-          </a:blip>
-          <a:stretch>
-            <a:fillRect/>
-          </a:stretch>
-        </p:blipFill>
-        <p:spPr>
-          <a:xfrm>
-            <a:off x="838200" y="2743514"/>
-            <a:ext cx="8556123" cy="3848922"/>
-          </a:xfrm>
-          <a:prstGeom prst="rect">
-            <a:avLst/>
-          </a:prstGeom>
-        </p:spPr>
-      </p:pic>
-      <p:pic>
-        <p:nvPicPr>
-          <p:cNvPr id="12" name="Grafik 11">
-            <a:extLst>
-              <a:ext uri="{FF2B5EF4-FFF2-40B4-BE49-F238E27FC236}">
-                <a16:creationId xmlns:a16="http://schemas.microsoft.com/office/drawing/2014/main" id="{C0DB3E7B-3919-440D-ADA5-A71038D309C9}"/>
-              </a:ext>
-            </a:extLst>
-          </p:cNvPr>
-          <p:cNvPicPr>
-            <a:picLocks noChangeAspect="1"/>
-          </p:cNvPicPr>
-          <p:nvPr/>
-        </p:nvPicPr>
-        <p:blipFill>
-          <a:blip r:embed="rId6">
-            <a:extLst>
-              <a:ext uri="{28A0092B-C50C-407E-A947-70E740481C1C}">
-                <a14:useLocalDpi xmlns:a14="http://schemas.microsoft.com/office/drawing/2010/main" val="0"/>
-              </a:ext>
-            </a:extLst>
-          </a:blip>
-          <a:stretch>
-            <a:fillRect/>
-          </a:stretch>
-        </p:blipFill>
-        <p:spPr>
-          <a:xfrm>
-            <a:off x="-71885" y="0"/>
-            <a:ext cx="808109" cy="857839"/>
-          </a:xfrm>
-          <a:prstGeom prst="rect">
-            <a:avLst/>
-          </a:prstGeom>
-        </p:spPr>
-      </p:pic>
-    </p:spTree>
-    <p:extLst>
-      <p:ext uri="{BB962C8B-B14F-4D97-AF65-F5344CB8AC3E}">
-        <p14:creationId xmlns:p14="http://schemas.microsoft.com/office/powerpoint/2010/main" val="1159573700"/>
-      </p:ext>
-    </p:extLst>
-  </p:cSld>
-  <p:clrMapOvr>
-    <a:masterClrMapping/>
-  </p:clrMapOvr>
-  <p:timing>
-    <p:tnLst>
-      <p:par>
-        <p:cTn id="1" dur="indefinite" restart="never" nodeType="tmRoot">
-          <p:childTnLst>
-            <p:seq concurrent="1" nextAc="seek">
-              <p:cTn id="2" dur="indefinite" nodeType="mainSeq">
-                <p:childTnLst>
-                  <p:par>
-                    <p:cTn id="3" fill="hold">
-                      <p:stCondLst>
-                        <p:cond delay="indefinite"/>
-                        <p:cond evt="onBegin" delay="0">
-                          <p:tn val="2"/>
-                        </p:cond>
-                      </p:stCondLst>
-                      <p:childTnLst>
-                        <p:par>
-                          <p:cTn id="4" fill="hold">
-                            <p:stCondLst>
-                              <p:cond delay="0"/>
-                            </p:stCondLst>
-                            <p:childTnLst>
-                              <p:par>
-                                <p:cTn id="5" presetID="2" presetClass="entr" presetSubtype="8" fill="hold" nodeType="withEffect">
-                                  <p:stCondLst>
-                                    <p:cond delay="0"/>
-                                  </p:stCondLst>
-                                  <p:childTnLst>
-                                    <p:set>
-                                      <p:cBhvr>
-                                        <p:cTn id="6" dur="1" fill="hold">
-                                          <p:stCondLst>
-                                            <p:cond delay="0"/>
-                                          </p:stCondLst>
-                                        </p:cTn>
-                                        <p:tgtEl>
-                                          <p:spTgt spid="3">
-                                            <p:txEl>
-                                              <p:pRg st="0" end="0"/>
-                                            </p:txEl>
-                                          </p:spTgt>
-                                        </p:tgtEl>
-                                        <p:attrNameLst>
-                                          <p:attrName>style.visibility</p:attrName>
-                                        </p:attrNameLst>
-                                      </p:cBhvr>
-                                      <p:to>
-                                        <p:strVal val="visible"/>
-                                      </p:to>
-                                    </p:set>
-                                    <p:anim calcmode="lin" valueType="num">
-                                      <p:cBhvr additive="base">
-                                        <p:cTn id="7" dur="500" fill="hold"/>
-                                        <p:tgtEl>
-                                          <p:spTgt spid="3">
-                                            <p:txEl>
-                                              <p:pRg st="0" end="0"/>
-                                            </p:txEl>
-                                          </p:spTgt>
-                                        </p:tgtEl>
-                                        <p:attrNameLst>
-                                          <p:attrName>ppt_x</p:attrName>
-                                        </p:attrNameLst>
-                                      </p:cBhvr>
-                                      <p:tavLst>
-                                        <p:tav tm="0">
-                                          <p:val>
-                                            <p:strVal val="0-#ppt_w/2"/>
-                                          </p:val>
-                                        </p:tav>
-                                        <p:tav tm="100000">
-                                          <p:val>
-                                            <p:strVal val="#ppt_x"/>
-                                          </p:val>
-                                        </p:tav>
-                                      </p:tavLst>
-                                    </p:anim>
-                                    <p:anim calcmode="lin" valueType="num">
-                                      <p:cBhvr additive="base">
-                                        <p:cTn id="8" dur="500" fill="hold"/>
-                                        <p:tgtEl>
-                                          <p:spTgt spid="3">
-                                            <p:txEl>
-                                              <p:pRg st="0" end="0"/>
-                                            </p:txEl>
-                                          </p:spTgt>
-                                        </p:tgtEl>
-                                        <p:attrNameLst>
-                                          <p:attrName>ppt_y</p:attrName>
-                                        </p:attrNameLst>
-                                      </p:cBhvr>
-                                      <p:tavLst>
-                                        <p:tav tm="0">
-                                          <p:val>
-                                            <p:strVal val="#ppt_y"/>
-                                          </p:val>
-                                        </p:tav>
-                                        <p:tav tm="100000">
-                                          <p:val>
-                                            <p:strVal val="#ppt_y"/>
-                                          </p:val>
-                                        </p:tav>
-                                      </p:tavLst>
-                                    </p:anim>
-                                  </p:childTnLst>
-                                </p:cTn>
-                              </p:par>
-                            </p:childTnLst>
-                          </p:cTn>
-                        </p:par>
-                      </p:childTnLst>
-                    </p:cTn>
-                  </p:par>
-                  <p:par>
-                    <p:cTn id="9" fill="hold">
-                      <p:stCondLst>
-                        <p:cond delay="indefinite"/>
-                      </p:stCondLst>
-                      <p:childTnLst>
-                        <p:par>
-                          <p:cTn id="10" fill="hold">
-                            <p:stCondLst>
-                              <p:cond delay="0"/>
-                            </p:stCondLst>
-                            <p:childTnLst>
-                              <p:par>
-                                <p:cTn id="11" presetID="2" presetClass="exit" presetSubtype="2" fill="hold" nodeType="clickEffect">
-                                  <p:stCondLst>
-                                    <p:cond delay="0"/>
-                                  </p:stCondLst>
-                                  <p:childTnLst>
-                                    <p:anim calcmode="lin" valueType="num">
-                                      <p:cBhvr additive="base">
-                                        <p:cTn id="12" dur="500"/>
-                                        <p:tgtEl>
-                                          <p:spTgt spid="3">
-                                            <p:txEl>
-                                              <p:pRg st="0" end="0"/>
-                                            </p:txEl>
-                                          </p:spTgt>
-                                        </p:tgtEl>
-                                        <p:attrNameLst>
-                                          <p:attrName>ppt_x</p:attrName>
-                                        </p:attrNameLst>
-                                      </p:cBhvr>
-                                      <p:tavLst>
-                                        <p:tav tm="0">
-                                          <p:val>
-                                            <p:strVal val="ppt_x"/>
-                                          </p:val>
-                                        </p:tav>
-                                        <p:tav tm="100000">
-                                          <p:val>
-                                            <p:strVal val="1+ppt_w/2"/>
-                                          </p:val>
-                                        </p:tav>
-                                      </p:tavLst>
-                                    </p:anim>
-                                    <p:anim calcmode="lin" valueType="num">
-                                      <p:cBhvr additive="base">
-                                        <p:cTn id="13" dur="500"/>
-                                        <p:tgtEl>
-                                          <p:spTgt spid="3">
-                                            <p:txEl>
-                                              <p:pRg st="0" end="0"/>
-                                            </p:txEl>
-                                          </p:spTgt>
-                                        </p:tgtEl>
-                                        <p:attrNameLst>
-                                          <p:attrName>ppt_y</p:attrName>
-                                        </p:attrNameLst>
-                                      </p:cBhvr>
-                                      <p:tavLst>
-                                        <p:tav tm="0">
-                                          <p:val>
-                                            <p:strVal val="ppt_y"/>
-                                          </p:val>
-                                        </p:tav>
-                                        <p:tav tm="100000">
-                                          <p:val>
-                                            <p:strVal val="ppt_y"/>
-                                          </p:val>
-                                        </p:tav>
-                                      </p:tavLst>
-                                    </p:anim>
-                                    <p:set>
-                                      <p:cBhvr>
-                                        <p:cTn id="14" dur="1" fill="hold">
-                                          <p:stCondLst>
-                                            <p:cond delay="499"/>
-                                          </p:stCondLst>
-                                        </p:cTn>
-                                        <p:tgtEl>
-                                          <p:spTgt spid="3">
-                                            <p:txEl>
-                                              <p:pRg st="0" end="0"/>
-                                            </p:txEl>
-                                          </p:spTgt>
-                                        </p:tgtEl>
-                                        <p:attrNameLst>
-                                          <p:attrName>style.visibility</p:attrName>
-                                        </p:attrNameLst>
-                                      </p:cBhvr>
-                                      <p:to>
-                                        <p:strVal val="hidden"/>
-                                      </p:to>
-                                    </p:set>
-                                  </p:childTnLst>
-                                </p:cTn>
-                              </p:par>
-                            </p:childTnLst>
-                          </p:cTn>
-                        </p:par>
-                        <p:par>
-                          <p:cTn id="15" fill="hold">
-                            <p:stCondLst>
-                              <p:cond delay="500"/>
-                            </p:stCondLst>
-                            <p:childTnLst>
-                              <p:par>
-                                <p:cTn id="16" presetID="2" presetClass="entr" presetSubtype="8" fill="hold" nodeType="afterEffect">
-                                  <p:stCondLst>
-                                    <p:cond delay="0"/>
-                                  </p:stCondLst>
-                                  <p:childTnLst>
-                                    <p:set>
-                                      <p:cBhvr>
-                                        <p:cTn id="17" dur="1" fill="hold">
-                                          <p:stCondLst>
-                                            <p:cond delay="0"/>
-                                          </p:stCondLst>
-                                        </p:cTn>
-                                        <p:tgtEl>
-                                          <p:spTgt spid="5"/>
-                                        </p:tgtEl>
-                                        <p:attrNameLst>
-                                          <p:attrName>style.visibility</p:attrName>
-                                        </p:attrNameLst>
-                                      </p:cBhvr>
-                                      <p:to>
-                                        <p:strVal val="visible"/>
-                                      </p:to>
-                                    </p:set>
-                                    <p:anim calcmode="lin" valueType="num">
-                                      <p:cBhvr additive="base">
-                                        <p:cTn id="18" dur="500" fill="hold"/>
-                                        <p:tgtEl>
-                                          <p:spTgt spid="5"/>
-                                        </p:tgtEl>
-                                        <p:attrNameLst>
-                                          <p:attrName>ppt_x</p:attrName>
-                                        </p:attrNameLst>
-                                      </p:cBhvr>
-                                      <p:tavLst>
-                                        <p:tav tm="0">
-                                          <p:val>
-                                            <p:strVal val="0-#ppt_w/2"/>
-                                          </p:val>
-                                        </p:tav>
-                                        <p:tav tm="100000">
-                                          <p:val>
-                                            <p:strVal val="#ppt_x"/>
-                                          </p:val>
-                                        </p:tav>
-                                      </p:tavLst>
-                                    </p:anim>
-                                    <p:anim calcmode="lin" valueType="num">
-                                      <p:cBhvr additive="base">
-                                        <p:cTn id="19" dur="500" fill="hold"/>
-                                        <p:tgtEl>
-                                          <p:spTgt spid="5"/>
-                                        </p:tgtEl>
-                                        <p:attrNameLst>
-                                          <p:attrName>ppt_y</p:attrName>
-                                        </p:attrNameLst>
-                                      </p:cBhvr>
-                                      <p:tavLst>
-                                        <p:tav tm="0">
-                                          <p:val>
-                                            <p:strVal val="#ppt_y"/>
-                                          </p:val>
-                                        </p:tav>
-                                        <p:tav tm="100000">
-                                          <p:val>
-                                            <p:strVal val="#ppt_y"/>
-                                          </p:val>
-                                        </p:tav>
-                                      </p:tavLst>
-                                    </p:anim>
-                                  </p:childTnLst>
-                                </p:cTn>
-                              </p:par>
-                            </p:childTnLst>
-                          </p:cTn>
-                        </p:par>
-                      </p:childTnLst>
-                    </p:cTn>
-                  </p:par>
-                  <p:par>
-                    <p:cTn id="20" fill="hold">
-                      <p:stCondLst>
-                        <p:cond delay="indefinite"/>
-                      </p:stCondLst>
-                      <p:childTnLst>
-                        <p:par>
-                          <p:cTn id="21" fill="hold">
-                            <p:stCondLst>
-                              <p:cond delay="0"/>
-                            </p:stCondLst>
-                            <p:childTnLst>
-                              <p:par>
-                                <p:cTn id="22" presetID="2" presetClass="exit" presetSubtype="2" fill="hold" nodeType="clickEffect">
-                                  <p:stCondLst>
-                                    <p:cond delay="0"/>
-                                  </p:stCondLst>
-                                  <p:childTnLst>
-                                    <p:anim calcmode="lin" valueType="num">
-                                      <p:cBhvr additive="base">
-                                        <p:cTn id="23" dur="500"/>
-                                        <p:tgtEl>
-                                          <p:spTgt spid="5"/>
-                                        </p:tgtEl>
-                                        <p:attrNameLst>
-                                          <p:attrName>ppt_x</p:attrName>
-                                        </p:attrNameLst>
-                                      </p:cBhvr>
-                                      <p:tavLst>
-                                        <p:tav tm="0">
-                                          <p:val>
-                                            <p:strVal val="ppt_x"/>
-                                          </p:val>
-                                        </p:tav>
-                                        <p:tav tm="100000">
-                                          <p:val>
-                                            <p:strVal val="1+ppt_w/2"/>
-                                          </p:val>
-                                        </p:tav>
-                                      </p:tavLst>
-                                    </p:anim>
-                                    <p:anim calcmode="lin" valueType="num">
-                                      <p:cBhvr additive="base">
-                                        <p:cTn id="24" dur="500"/>
-                                        <p:tgtEl>
-                                          <p:spTgt spid="5"/>
-                                        </p:tgtEl>
-                                        <p:attrNameLst>
-                                          <p:attrName>ppt_y</p:attrName>
-                                        </p:attrNameLst>
-                                      </p:cBhvr>
-                                      <p:tavLst>
-                                        <p:tav tm="0">
-                                          <p:val>
-                                            <p:strVal val="ppt_y"/>
-                                          </p:val>
-                                        </p:tav>
-                                        <p:tav tm="100000">
-                                          <p:val>
-                                            <p:strVal val="ppt_y"/>
-                                          </p:val>
-                                        </p:tav>
-                                      </p:tavLst>
-                                    </p:anim>
-                                    <p:set>
-                                      <p:cBhvr>
-                                        <p:cTn id="25" dur="1" fill="hold">
-                                          <p:stCondLst>
-                                            <p:cond delay="499"/>
-                                          </p:stCondLst>
-                                        </p:cTn>
-                                        <p:tgtEl>
-                                          <p:spTgt spid="5"/>
-                                        </p:tgtEl>
-                                        <p:attrNameLst>
-                                          <p:attrName>style.visibility</p:attrName>
-                                        </p:attrNameLst>
-                                      </p:cBhvr>
-                                      <p:to>
-                                        <p:strVal val="hidden"/>
-                                      </p:to>
-                                    </p:set>
-                                  </p:childTnLst>
-                                </p:cTn>
-                              </p:par>
-                            </p:childTnLst>
-                          </p:cTn>
-                        </p:par>
-                        <p:par>
-                          <p:cTn id="26" fill="hold">
-                            <p:stCondLst>
-                              <p:cond delay="500"/>
-                            </p:stCondLst>
-                            <p:childTnLst>
-                              <p:par>
-                                <p:cTn id="27" presetID="2" presetClass="entr" presetSubtype="8" fill="hold" nodeType="afterEffect">
-                                  <p:stCondLst>
-                                    <p:cond delay="0"/>
-                                  </p:stCondLst>
-                                  <p:childTnLst>
-                                    <p:set>
-                                      <p:cBhvr>
-                                        <p:cTn id="28" dur="1" fill="hold">
-                                          <p:stCondLst>
-                                            <p:cond delay="0"/>
-                                          </p:stCondLst>
-                                        </p:cTn>
-                                        <p:tgtEl>
-                                          <p:spTgt spid="7"/>
-                                        </p:tgtEl>
-                                        <p:attrNameLst>
-                                          <p:attrName>style.visibility</p:attrName>
-                                        </p:attrNameLst>
-                                      </p:cBhvr>
-                                      <p:to>
-                                        <p:strVal val="visible"/>
-                                      </p:to>
-                                    </p:set>
-                                    <p:anim calcmode="lin" valueType="num">
-                                      <p:cBhvr additive="base">
-                                        <p:cTn id="29" dur="500" fill="hold"/>
-                                        <p:tgtEl>
-                                          <p:spTgt spid="7"/>
-                                        </p:tgtEl>
-                                        <p:attrNameLst>
-                                          <p:attrName>ppt_x</p:attrName>
-                                        </p:attrNameLst>
-                                      </p:cBhvr>
-                                      <p:tavLst>
-                                        <p:tav tm="0">
-                                          <p:val>
-                                            <p:strVal val="0-#ppt_w/2"/>
-                                          </p:val>
-                                        </p:tav>
-                                        <p:tav tm="100000">
-                                          <p:val>
-                                            <p:strVal val="#ppt_x"/>
-                                          </p:val>
-                                        </p:tav>
-                                      </p:tavLst>
-                                    </p:anim>
-                                    <p:anim calcmode="lin" valueType="num">
-                                      <p:cBhvr additive="base">
-                                        <p:cTn id="30" dur="500" fill="hold"/>
-                                        <p:tgtEl>
-                                          <p:spTgt spid="7"/>
-                                        </p:tgtEl>
-                                        <p:attrNameLst>
-                                          <p:attrName>ppt_y</p:attrName>
-                                        </p:attrNameLst>
-                                      </p:cBhvr>
-                                      <p:tavLst>
-                                        <p:tav tm="0">
-                                          <p:val>
-                                            <p:strVal val="#ppt_y"/>
-                                          </p:val>
-                                        </p:tav>
-                                        <p:tav tm="100000">
-                                          <p:val>
-                                            <p:strVal val="#ppt_y"/>
-                                          </p:val>
-                                        </p:tav>
-                                      </p:tavLst>
-                                    </p:anim>
-                                  </p:childTnLst>
-                                </p:cTn>
-                              </p:par>
-                            </p:childTnLst>
-                          </p:cTn>
-                        </p:par>
-                      </p:childTnLst>
-                    </p:cTn>
-                  </p:par>
-                  <p:par>
-                    <p:cTn id="31" fill="hold">
-                      <p:stCondLst>
-                        <p:cond delay="indefinite"/>
-                      </p:stCondLst>
-                      <p:childTnLst>
-                        <p:par>
-                          <p:cTn id="32" fill="hold">
-                            <p:stCondLst>
-                              <p:cond delay="0"/>
-                            </p:stCondLst>
-                            <p:childTnLst>
-                              <p:par>
-                                <p:cTn id="33" presetID="2" presetClass="exit" presetSubtype="2" fill="hold" nodeType="clickEffect">
-                                  <p:stCondLst>
-                                    <p:cond delay="0"/>
-                                  </p:stCondLst>
-                                  <p:childTnLst>
-                                    <p:anim calcmode="lin" valueType="num">
-                                      <p:cBhvr additive="base">
-                                        <p:cTn id="34" dur="500"/>
-                                        <p:tgtEl>
-                                          <p:spTgt spid="7"/>
-                                        </p:tgtEl>
-                                        <p:attrNameLst>
-                                          <p:attrName>ppt_x</p:attrName>
-                                        </p:attrNameLst>
-                                      </p:cBhvr>
-                                      <p:tavLst>
-                                        <p:tav tm="0">
-                                          <p:val>
-                                            <p:strVal val="ppt_x"/>
-                                          </p:val>
-                                        </p:tav>
-                                        <p:tav tm="100000">
-                                          <p:val>
-                                            <p:strVal val="1+ppt_w/2"/>
-                                          </p:val>
-                                        </p:tav>
-                                      </p:tavLst>
-                                    </p:anim>
-                                    <p:anim calcmode="lin" valueType="num">
-                                      <p:cBhvr additive="base">
-                                        <p:cTn id="35" dur="500"/>
-                                        <p:tgtEl>
-                                          <p:spTgt spid="7"/>
-                                        </p:tgtEl>
-                                        <p:attrNameLst>
-                                          <p:attrName>ppt_y</p:attrName>
-                                        </p:attrNameLst>
-                                      </p:cBhvr>
-                                      <p:tavLst>
-                                        <p:tav tm="0">
-                                          <p:val>
-                                            <p:strVal val="ppt_y"/>
-                                          </p:val>
-                                        </p:tav>
-                                        <p:tav tm="100000">
-                                          <p:val>
-                                            <p:strVal val="ppt_y"/>
-                                          </p:val>
-                                        </p:tav>
-                                      </p:tavLst>
-                                    </p:anim>
-                                    <p:set>
-                                      <p:cBhvr>
-                                        <p:cTn id="36" dur="1" fill="hold">
-                                          <p:stCondLst>
-                                            <p:cond delay="499"/>
-                                          </p:stCondLst>
-                                        </p:cTn>
-                                        <p:tgtEl>
-                                          <p:spTgt spid="7"/>
-                                        </p:tgtEl>
-                                        <p:attrNameLst>
-                                          <p:attrName>style.visibility</p:attrName>
-                                        </p:attrNameLst>
-                                      </p:cBhvr>
-                                      <p:to>
-                                        <p:strVal val="hidden"/>
-                                      </p:to>
-                                    </p:set>
-                                  </p:childTnLst>
-                                </p:cTn>
-                              </p:par>
-                            </p:childTnLst>
-                          </p:cTn>
-                        </p:par>
-                        <p:par>
-                          <p:cTn id="37" fill="hold">
-                            <p:stCondLst>
-                              <p:cond delay="500"/>
-                            </p:stCondLst>
-                            <p:childTnLst>
-                              <p:par>
-                                <p:cTn id="38" presetID="2" presetClass="entr" presetSubtype="8" fill="hold" nodeType="afterEffect">
-                                  <p:stCondLst>
-                                    <p:cond delay="0"/>
-                                  </p:stCondLst>
-                                  <p:childTnLst>
-                                    <p:set>
-                                      <p:cBhvr>
-                                        <p:cTn id="39" dur="1" fill="hold">
-                                          <p:stCondLst>
-                                            <p:cond delay="0"/>
-                                          </p:stCondLst>
-                                        </p:cTn>
-                                        <p:tgtEl>
-                                          <p:spTgt spid="9"/>
-                                        </p:tgtEl>
-                                        <p:attrNameLst>
-                                          <p:attrName>style.visibility</p:attrName>
-                                        </p:attrNameLst>
-                                      </p:cBhvr>
-                                      <p:to>
-                                        <p:strVal val="visible"/>
-                                      </p:to>
-                                    </p:set>
-                                    <p:anim calcmode="lin" valueType="num">
-                                      <p:cBhvr additive="base">
-                                        <p:cTn id="40" dur="500" fill="hold"/>
-                                        <p:tgtEl>
-                                          <p:spTgt spid="9"/>
-                                        </p:tgtEl>
-                                        <p:attrNameLst>
-                                          <p:attrName>ppt_x</p:attrName>
-                                        </p:attrNameLst>
-                                      </p:cBhvr>
-                                      <p:tavLst>
-                                        <p:tav tm="0">
-                                          <p:val>
-                                            <p:strVal val="0-#ppt_w/2"/>
-                                          </p:val>
-                                        </p:tav>
-                                        <p:tav tm="100000">
-                                          <p:val>
-                                            <p:strVal val="#ppt_x"/>
-                                          </p:val>
-                                        </p:tav>
-                                      </p:tavLst>
-                                    </p:anim>
-                                    <p:anim calcmode="lin" valueType="num">
-                                      <p:cBhvr additive="base">
-                                        <p:cTn id="41" dur="500" fill="hold"/>
-                                        <p:tgtEl>
-                                          <p:spTgt spid="9"/>
-                                        </p:tgtEl>
-                                        <p:attrNameLst>
-                                          <p:attrName>ppt_y</p:attrName>
-                                        </p:attrNameLst>
-                                      </p:cBhvr>
-                                      <p:tavLst>
-                                        <p:tav tm="0">
-                                          <p:val>
-                                            <p:strVal val="#ppt_y"/>
-                                          </p:val>
-                                        </p:tav>
-                                        <p:tav tm="100000">
-                                          <p:val>
-                                            <p:strVal val="#ppt_y"/>
-                                          </p:val>
-                                        </p:tav>
-                                      </p:tavLst>
-                                    </p:anim>
-                                  </p:childTnLst>
-                                </p:cTn>
-                              </p:par>
-                            </p:childTnLst>
-                          </p:cTn>
-                        </p:par>
-                      </p:childTnLst>
-                    </p:cTn>
-                  </p:par>
-                  <p:par>
-                    <p:cTn id="42" fill="hold">
-                      <p:stCondLst>
-                        <p:cond delay="indefinite"/>
-                      </p:stCondLst>
-                      <p:childTnLst>
-                        <p:par>
-                          <p:cTn id="43" fill="hold">
-                            <p:stCondLst>
-                              <p:cond delay="0"/>
-                            </p:stCondLst>
-                            <p:childTnLst>
-                              <p:par>
-                                <p:cTn id="44" presetID="2" presetClass="exit" presetSubtype="2" fill="hold" nodeType="clickEffect">
-                                  <p:stCondLst>
-                                    <p:cond delay="0"/>
-                                  </p:stCondLst>
-                                  <p:childTnLst>
-                                    <p:anim calcmode="lin" valueType="num">
-                                      <p:cBhvr additive="base">
-                                        <p:cTn id="45" dur="500"/>
-                                        <p:tgtEl>
-                                          <p:spTgt spid="9"/>
-                                        </p:tgtEl>
-                                        <p:attrNameLst>
-                                          <p:attrName>ppt_x</p:attrName>
-                                        </p:attrNameLst>
-                                      </p:cBhvr>
-                                      <p:tavLst>
-                                        <p:tav tm="0">
-                                          <p:val>
-                                            <p:strVal val="ppt_x"/>
-                                          </p:val>
-                                        </p:tav>
-                                        <p:tav tm="100000">
-                                          <p:val>
-                                            <p:strVal val="1+ppt_w/2"/>
-                                          </p:val>
-                                        </p:tav>
-                                      </p:tavLst>
-                                    </p:anim>
-                                    <p:anim calcmode="lin" valueType="num">
-                                      <p:cBhvr additive="base">
-                                        <p:cTn id="46" dur="500"/>
-                                        <p:tgtEl>
-                                          <p:spTgt spid="9"/>
-                                        </p:tgtEl>
-                                        <p:attrNameLst>
-                                          <p:attrName>ppt_y</p:attrName>
-                                        </p:attrNameLst>
-                                      </p:cBhvr>
-                                      <p:tavLst>
-                                        <p:tav tm="0">
-                                          <p:val>
-                                            <p:strVal val="ppt_y"/>
-                                          </p:val>
-                                        </p:tav>
-                                        <p:tav tm="100000">
-                                          <p:val>
-                                            <p:strVal val="ppt_y"/>
-                                          </p:val>
-                                        </p:tav>
-                                      </p:tavLst>
-                                    </p:anim>
-                                    <p:set>
-                                      <p:cBhvr>
-                                        <p:cTn id="47" dur="1" fill="hold">
-                                          <p:stCondLst>
-                                            <p:cond delay="499"/>
-                                          </p:stCondLst>
-                                        </p:cTn>
-                                        <p:tgtEl>
-                                          <p:spTgt spid="9"/>
-                                        </p:tgtEl>
-                                        <p:attrNameLst>
-                                          <p:attrName>style.visibility</p:attrName>
-                                        </p:attrNameLst>
-                                      </p:cBhvr>
-                                      <p:to>
-                                        <p:strVal val="hidden"/>
-                                      </p:to>
-                                    </p:set>
-                                  </p:childTnLst>
-                                </p:cTn>
-                              </p:par>
-                            </p:childTnLst>
-                          </p:cTn>
-                        </p:par>
-                        <p:par>
-                          <p:cTn id="48" fill="hold">
-                            <p:stCondLst>
-                              <p:cond delay="500"/>
-                            </p:stCondLst>
-                            <p:childTnLst>
-                              <p:par>
-                                <p:cTn id="49" presetID="2" presetClass="entr" presetSubtype="8" fill="hold" nodeType="afterEffect">
-                                  <p:stCondLst>
-                                    <p:cond delay="0"/>
-                                  </p:stCondLst>
-                                  <p:childTnLst>
-                                    <p:set>
-                                      <p:cBhvr>
-                                        <p:cTn id="50" dur="1" fill="hold">
-                                          <p:stCondLst>
-                                            <p:cond delay="0"/>
-                                          </p:stCondLst>
-                                        </p:cTn>
-                                        <p:tgtEl>
-                                          <p:spTgt spid="11"/>
-                                        </p:tgtEl>
-                                        <p:attrNameLst>
-                                          <p:attrName>style.visibility</p:attrName>
-                                        </p:attrNameLst>
-                                      </p:cBhvr>
-                                      <p:to>
-                                        <p:strVal val="visible"/>
-                                      </p:to>
-                                    </p:set>
-                                    <p:anim calcmode="lin" valueType="num">
-                                      <p:cBhvr additive="base">
-                                        <p:cTn id="51" dur="500" fill="hold"/>
-                                        <p:tgtEl>
-                                          <p:spTgt spid="11"/>
-                                        </p:tgtEl>
-                                        <p:attrNameLst>
-                                          <p:attrName>ppt_x</p:attrName>
-                                        </p:attrNameLst>
-                                      </p:cBhvr>
-                                      <p:tavLst>
-                                        <p:tav tm="0">
-                                          <p:val>
-                                            <p:strVal val="0-#ppt_w/2"/>
-                                          </p:val>
-                                        </p:tav>
-                                        <p:tav tm="100000">
-                                          <p:val>
-                                            <p:strVal val="#ppt_x"/>
-                                          </p:val>
-                                        </p:tav>
-                                      </p:tavLst>
-                                    </p:anim>
-                                    <p:anim calcmode="lin" valueType="num">
-                                      <p:cBhvr additive="base">
-                                        <p:cTn id="52" dur="500" fill="hold"/>
-                                        <p:tgtEl>
-                                          <p:spTgt spid="11"/>
-                                        </p:tgtEl>
-                                        <p:attrNameLst>
-                                          <p:attrName>ppt_y</p:attrName>
-                                        </p:attrNameLst>
-                                      </p:cBhvr>
-                                      <p:tavLst>
-                                        <p:tav tm="0">
-                                          <p:val>
-                                            <p:strVal val="#ppt_y"/>
-                                          </p:val>
-                                        </p:tav>
-                                        <p:tav tm="100000">
-                                          <p:val>
-                                            <p:strVal val="#ppt_y"/>
-                                          </p:val>
-                                        </p:tav>
-                                      </p:tavLst>
-                                    </p:anim>
-                                  </p:childTnLst>
-                                </p:cTn>
-                              </p:par>
-                            </p:childTnLst>
-                          </p:cTn>
-                        </p:par>
-                      </p:childTnLst>
-                    </p:cTn>
-                  </p:par>
-                  <p:par>
-                    <p:cTn id="53" fill="hold">
-                      <p:stCondLst>
-                        <p:cond delay="indefinite"/>
-                      </p:stCondLst>
-                      <p:childTnLst>
-                        <p:par>
-                          <p:cTn id="54" fill="hold">
-                            <p:stCondLst>
-                              <p:cond delay="0"/>
-                            </p:stCondLst>
-                            <p:childTnLst>
-                              <p:par>
-                                <p:cTn id="55" presetID="2" presetClass="exit" presetSubtype="2" fill="hold" nodeType="clickEffect">
-                                  <p:stCondLst>
-                                    <p:cond delay="0"/>
-                                  </p:stCondLst>
-                                  <p:childTnLst>
-                                    <p:anim calcmode="lin" valueType="num">
-                                      <p:cBhvr additive="base">
-                                        <p:cTn id="56" dur="500"/>
-                                        <p:tgtEl>
-                                          <p:spTgt spid="11"/>
-                                        </p:tgtEl>
-                                        <p:attrNameLst>
-                                          <p:attrName>ppt_x</p:attrName>
-                                        </p:attrNameLst>
-                                      </p:cBhvr>
-                                      <p:tavLst>
-                                        <p:tav tm="0">
-                                          <p:val>
-                                            <p:strVal val="ppt_x"/>
-                                          </p:val>
-                                        </p:tav>
-                                        <p:tav tm="100000">
-                                          <p:val>
-                                            <p:strVal val="1+ppt_w/2"/>
-                                          </p:val>
-                                        </p:tav>
-                                      </p:tavLst>
-                                    </p:anim>
-                                    <p:anim calcmode="lin" valueType="num">
-                                      <p:cBhvr additive="base">
-                                        <p:cTn id="57" dur="500"/>
-                                        <p:tgtEl>
-                                          <p:spTgt spid="11"/>
-                                        </p:tgtEl>
-                                        <p:attrNameLst>
-                                          <p:attrName>ppt_y</p:attrName>
-                                        </p:attrNameLst>
-                                      </p:cBhvr>
-                                      <p:tavLst>
-                                        <p:tav tm="0">
-                                          <p:val>
-                                            <p:strVal val="ppt_y"/>
-                                          </p:val>
-                                        </p:tav>
-                                        <p:tav tm="100000">
-                                          <p:val>
-                                            <p:strVal val="ppt_y"/>
-                                          </p:val>
-                                        </p:tav>
-                                      </p:tavLst>
-                                    </p:anim>
-                                    <p:set>
-                                      <p:cBhvr>
-                                        <p:cTn id="58" dur="1" fill="hold">
-                                          <p:stCondLst>
-                                            <p:cond delay="499"/>
-                                          </p:stCondLst>
-                                        </p:cTn>
-                                        <p:tgtEl>
-                                          <p:spTgt spid="11"/>
-                                        </p:tgtEl>
-                                        <p:attrNameLst>
-                                          <p:attrName>style.visibility</p:attrName>
-                                        </p:attrNameLst>
-                                      </p:cBhvr>
-                                      <p:to>
-                                        <p:strVal val="hidden"/>
-                                      </p:to>
-                                    </p:set>
-                                  </p:childTnLst>
-                                </p:cTn>
-                              </p:par>
-                            </p:childTnLst>
-                          </p:cTn>
-                        </p:par>
-                      </p:childTnLst>
-                    </p:cTn>
-                  </p:par>
-                </p:childTnLst>
-              </p:cTn>
-              <p:prevCondLst>
-                <p:cond evt="onPrev" delay="0">
-                  <p:tgtEl>
-                    <p:sldTgt/>
-                  </p:tgtEl>
-                </p:cond>
-              </p:prevCondLst>
-              <p:nextCondLst>
-                <p:cond evt="onNext" delay="0">
-                  <p:tgtEl>
-                    <p:sldTgt/>
-                  </p:tgtEl>
-                </p:cond>
-              </p:nextCondLst>
-            </p:seq>
-          </p:childTnLst>
-        </p:cTn>
-      </p:par>
-    </p:tnLst>
-  </p:timing>
 </p:sld>
 </file>
 
